--- a/ShibbolethExtensions.pptx
+++ b/ShibbolethExtensions.pptx
@@ -5,11 +5,21 @@
     <p:sldMasterId id="2147483648" r:id="rId1"/>
   </p:sldMasterIdLst>
   <p:notesMasterIdLst>
-    <p:notesMasterId r:id="rId4"/>
+    <p:notesMasterId r:id="rId14"/>
   </p:notesMasterIdLst>
   <p:sldIdLst>
     <p:sldId id="256" r:id="rId2"/>
     <p:sldId id="257" r:id="rId3"/>
+    <p:sldId id="258" r:id="rId4"/>
+    <p:sldId id="260" r:id="rId5"/>
+    <p:sldId id="262" r:id="rId6"/>
+    <p:sldId id="261" r:id="rId7"/>
+    <p:sldId id="263" r:id="rId8"/>
+    <p:sldId id="264" r:id="rId9"/>
+    <p:sldId id="265" r:id="rId10"/>
+    <p:sldId id="266" r:id="rId11"/>
+    <p:sldId id="267" r:id="rId12"/>
+    <p:sldId id="268" r:id="rId13"/>
   </p:sldIdLst>
   <p:sldSz cx="10080625" cy="7559675"/>
   <p:notesSz cx="7772400" cy="10058400"/>
@@ -987,7 +997,7 @@
         <p:nvSpPr>
           <p:cNvPr id="2070" name="Rectangle 22"/>
           <p:cNvSpPr>
-            <a:spLocks noGrp="1" noChangeArrowheads="1"/>
+            <a:spLocks noGrp="1" noRot="1" noChangeAspect="1" noChangeArrowheads="1"/>
           </p:cNvSpPr>
           <p:nvPr>
             <p:ph type="sldImg"/>
@@ -1568,7 +1578,7 @@
         <p:nvSpPr>
           <p:cNvPr id="19457" name="Rectangle 1"/>
           <p:cNvSpPr txBox="1">
-            <a:spLocks noChangeArrowheads="1"/>
+            <a:spLocks noGrp="1" noRot="1" noChangeAspect="1" noChangeArrowheads="1"/>
           </p:cNvSpPr>
           <p:nvPr>
             <p:ph type="sldImg"/>
@@ -1599,7 +1609,7 @@
         <p:nvSpPr>
           <p:cNvPr id="19458" name="Rectangle 2"/>
           <p:cNvSpPr txBox="1">
-            <a:spLocks noChangeArrowheads="1"/>
+            <a:spLocks noGrp="1" noChangeArrowheads="1"/>
           </p:cNvSpPr>
           <p:nvPr>
             <p:ph type="body" idx="1"/>
@@ -1625,6 +1635,780 @@
           <a:lstStyle/>
           <a:p>
             <a:endParaRPr lang="en-US"/>
+          </a:p>
+        </p:txBody>
+      </p:sp>
+    </p:spTree>
+  </p:cSld>
+  <p:clrMapOvr>
+    <a:masterClrMapping/>
+  </p:clrMapOvr>
+</p:notes>
+</file>
+
+<file path=ppt/notesSlides/notesSlide10.xml><?xml version="1.0" encoding="utf-8"?>
+<p:notes xmlns:a="http://schemas.openxmlformats.org/drawingml/2006/main" xmlns:r="http://schemas.openxmlformats.org/officeDocument/2006/relationships" xmlns:p="http://schemas.openxmlformats.org/presentationml/2006/main">
+  <p:cSld>
+    <p:bg>
+      <p:bgPr>
+        <a:solidFill>
+          <a:srgbClr val="FFFFFF"/>
+        </a:solidFill>
+        <a:effectLst/>
+      </p:bgPr>
+    </p:bg>
+    <p:spTree>
+      <p:nvGrpSpPr>
+        <p:cNvPr id="1" name=""/>
+        <p:cNvGrpSpPr/>
+        <p:nvPr/>
+      </p:nvGrpSpPr>
+      <p:grpSpPr>
+        <a:xfrm>
+          <a:off x="0" y="0"/>
+          <a:ext cx="0" cy="0"/>
+          <a:chOff x="0" y="0"/>
+          <a:chExt cx="0" cy="0"/>
+        </a:xfrm>
+      </p:grpSpPr>
+      <p:sp>
+        <p:nvSpPr>
+          <p:cNvPr id="8" name="Rectangle 27"/>
+          <p:cNvSpPr>
+            <a:spLocks noGrp="1" noChangeArrowheads="1"/>
+          </p:cNvSpPr>
+          <p:nvPr>
+            <p:ph type="sldNum"/>
+          </p:nvPr>
+        </p:nvSpPr>
+        <p:spPr>
+          <a:ln/>
+        </p:spPr>
+        <p:txBody>
+          <a:bodyPr/>
+          <a:lstStyle/>
+          <a:p>
+            <a:fld id="{587DCFEC-F287-4246-B9BC-6030521D2326}" type="slidenum">
+              <a:rPr lang="en-US"/>
+              <a:pPr/>
+              <a:t>10</a:t>
+            </a:fld>
+            <a:endParaRPr lang="en-US"/>
+          </a:p>
+        </p:txBody>
+      </p:sp>
+      <p:sp>
+        <p:nvSpPr>
+          <p:cNvPr id="20481" name="Text Box 1"/>
+          <p:cNvSpPr txBox="1">
+            <a:spLocks noChangeArrowheads="1"/>
+          </p:cNvSpPr>
+          <p:nvPr/>
+        </p:nvSpPr>
+        <p:spPr bwMode="auto">
+          <a:xfrm>
+            <a:off x="4402138" y="9553575"/>
+            <a:ext cx="3367087" cy="503238"/>
+          </a:xfrm>
+          <a:prstGeom prst="rect">
+            <a:avLst/>
+          </a:prstGeom>
+          <a:noFill/>
+          <a:ln w="9525">
+            <a:noFill/>
+            <a:round/>
+            <a:headEnd/>
+            <a:tailEnd/>
+          </a:ln>
+          <a:effectLst/>
+        </p:spPr>
+        <p:txBody>
+          <a:bodyPr lIns="90000" tIns="46800" rIns="90000" bIns="46800" anchor="b"/>
+          <a:lstStyle/>
+          <a:p>
+            <a:pPr algn="r" hangingPunct="1">
+              <a:buClrTx/>
+              <a:buFontTx/>
+              <a:buNone/>
+              <a:tabLst>
+                <a:tab pos="0" algn="l"/>
+                <a:tab pos="457200" algn="l"/>
+                <a:tab pos="914400" algn="l"/>
+                <a:tab pos="1371600" algn="l"/>
+                <a:tab pos="1828800" algn="l"/>
+                <a:tab pos="2286000" algn="l"/>
+                <a:tab pos="2743200" algn="l"/>
+                <a:tab pos="3200400" algn="l"/>
+                <a:tab pos="3657600" algn="l"/>
+                <a:tab pos="4114800" algn="l"/>
+                <a:tab pos="4572000" algn="l"/>
+                <a:tab pos="5029200" algn="l"/>
+                <a:tab pos="5486400" algn="l"/>
+                <a:tab pos="5943600" algn="l"/>
+                <a:tab pos="6400800" algn="l"/>
+                <a:tab pos="6858000" algn="l"/>
+                <a:tab pos="7315200" algn="l"/>
+                <a:tab pos="7772400" algn="l"/>
+                <a:tab pos="8229600" algn="l"/>
+                <a:tab pos="8686800" algn="l"/>
+                <a:tab pos="9144000" algn="l"/>
+              </a:tabLst>
+            </a:pPr>
+            <a:fld id="{425473C4-7C62-4C9C-B02A-408050B48F65}" type="slidenum">
+              <a:rPr lang="ar-SA" sz="1200">
+                <a:solidFill>
+                  <a:srgbClr val="000000"/>
+                </a:solidFill>
+              </a:rPr>
+              <a:pPr algn="r" hangingPunct="1">
+                <a:buClrTx/>
+                <a:buFontTx/>
+                <a:buNone/>
+                <a:tabLst>
+                  <a:tab pos="0" algn="l"/>
+                  <a:tab pos="457200" algn="l"/>
+                  <a:tab pos="914400" algn="l"/>
+                  <a:tab pos="1371600" algn="l"/>
+                  <a:tab pos="1828800" algn="l"/>
+                  <a:tab pos="2286000" algn="l"/>
+                  <a:tab pos="2743200" algn="l"/>
+                  <a:tab pos="3200400" algn="l"/>
+                  <a:tab pos="3657600" algn="l"/>
+                  <a:tab pos="4114800" algn="l"/>
+                  <a:tab pos="4572000" algn="l"/>
+                  <a:tab pos="5029200" algn="l"/>
+                  <a:tab pos="5486400" algn="l"/>
+                  <a:tab pos="5943600" algn="l"/>
+                  <a:tab pos="6400800" algn="l"/>
+                  <a:tab pos="6858000" algn="l"/>
+                  <a:tab pos="7315200" algn="l"/>
+                  <a:tab pos="7772400" algn="l"/>
+                  <a:tab pos="8229600" algn="l"/>
+                  <a:tab pos="8686800" algn="l"/>
+                  <a:tab pos="9144000" algn="l"/>
+                </a:tabLst>
+              </a:pPr>
+              <a:t>10</a:t>
+            </a:fld>
+            <a:endParaRPr lang="en-US" sz="1200">
+              <a:solidFill>
+                <a:srgbClr val="000000"/>
+              </a:solidFill>
+              <a:cs typeface="Arial" charset="0"/>
+            </a:endParaRPr>
+          </a:p>
+        </p:txBody>
+      </p:sp>
+      <p:sp>
+        <p:nvSpPr>
+          <p:cNvPr id="20482" name="Rectangle 2"/>
+          <p:cNvSpPr txBox="1">
+            <a:spLocks noGrp="1" noRot="1" noChangeAspect="1" noChangeArrowheads="1"/>
+          </p:cNvSpPr>
+          <p:nvPr>
+            <p:ph type="sldImg"/>
+          </p:nvPr>
+        </p:nvSpPr>
+        <p:spPr bwMode="auto">
+          <a:xfrm>
+            <a:off x="1371600" y="754063"/>
+            <a:ext cx="5029200" cy="3771900"/>
+          </a:xfrm>
+          <a:prstGeom prst="rect">
+            <a:avLst/>
+          </a:prstGeom>
+          <a:solidFill>
+            <a:srgbClr val="FFFFFF"/>
+          </a:solidFill>
+          <a:ln>
+            <a:solidFill>
+              <a:srgbClr val="000000"/>
+            </a:solidFill>
+            <a:miter lim="800000"/>
+            <a:headEnd/>
+            <a:tailEnd/>
+          </a:ln>
+        </p:spPr>
+      </p:sp>
+      <p:sp>
+        <p:nvSpPr>
+          <p:cNvPr id="20483" name="Rectangle 3"/>
+          <p:cNvSpPr txBox="1">
+            <a:spLocks noGrp="1" noChangeArrowheads="1"/>
+          </p:cNvSpPr>
+          <p:nvPr>
+            <p:ph type="body" idx="1"/>
+          </p:nvPr>
+        </p:nvSpPr>
+        <p:spPr bwMode="auto">
+          <a:xfrm>
+            <a:off x="776288" y="4776788"/>
+            <a:ext cx="6218237" cy="4525962"/>
+          </a:xfrm>
+          <a:prstGeom prst="rect">
+            <a:avLst/>
+          </a:prstGeom>
+          <a:noFill/>
+          <a:ln>
+            <a:round/>
+            <a:headEnd/>
+            <a:tailEnd/>
+          </a:ln>
+        </p:spPr>
+        <p:txBody>
+          <a:bodyPr wrap="none" anchor="ctr"/>
+          <a:lstStyle/>
+          <a:p>
+            <a:pPr>
+              <a:spcBef>
+                <a:spcPts val="450"/>
+              </a:spcBef>
+              <a:buClrTx/>
+              <a:buFontTx/>
+              <a:buNone/>
+              <a:tabLst>
+                <a:tab pos="0" algn="l"/>
+                <a:tab pos="457200" algn="l"/>
+                <a:tab pos="914400" algn="l"/>
+                <a:tab pos="1371600" algn="l"/>
+                <a:tab pos="1828800" algn="l"/>
+                <a:tab pos="2286000" algn="l"/>
+                <a:tab pos="2743200" algn="l"/>
+                <a:tab pos="3200400" algn="l"/>
+                <a:tab pos="3657600" algn="l"/>
+                <a:tab pos="4114800" algn="l"/>
+                <a:tab pos="4572000" algn="l"/>
+                <a:tab pos="5029200" algn="l"/>
+                <a:tab pos="5486400" algn="l"/>
+                <a:tab pos="5943600" algn="l"/>
+                <a:tab pos="6400800" algn="l"/>
+                <a:tab pos="6858000" algn="l"/>
+                <a:tab pos="7315200" algn="l"/>
+                <a:tab pos="7772400" algn="l"/>
+                <a:tab pos="8229600" algn="l"/>
+                <a:tab pos="8686800" algn="l"/>
+                <a:tab pos="9144000" algn="l"/>
+              </a:tabLst>
+            </a:pPr>
+            <a:endParaRPr lang="en-US">
+              <a:cs typeface="DejaVu Sans" charset="0"/>
+            </a:endParaRPr>
+          </a:p>
+        </p:txBody>
+      </p:sp>
+    </p:spTree>
+  </p:cSld>
+  <p:clrMapOvr>
+    <a:masterClrMapping/>
+  </p:clrMapOvr>
+</p:notes>
+</file>
+
+<file path=ppt/notesSlides/notesSlide11.xml><?xml version="1.0" encoding="utf-8"?>
+<p:notes xmlns:a="http://schemas.openxmlformats.org/drawingml/2006/main" xmlns:r="http://schemas.openxmlformats.org/officeDocument/2006/relationships" xmlns:p="http://schemas.openxmlformats.org/presentationml/2006/main">
+  <p:cSld>
+    <p:bg>
+      <p:bgPr>
+        <a:solidFill>
+          <a:srgbClr val="FFFFFF"/>
+        </a:solidFill>
+        <a:effectLst/>
+      </p:bgPr>
+    </p:bg>
+    <p:spTree>
+      <p:nvGrpSpPr>
+        <p:cNvPr id="1" name=""/>
+        <p:cNvGrpSpPr/>
+        <p:nvPr/>
+      </p:nvGrpSpPr>
+      <p:grpSpPr>
+        <a:xfrm>
+          <a:off x="0" y="0"/>
+          <a:ext cx="0" cy="0"/>
+          <a:chOff x="0" y="0"/>
+          <a:chExt cx="0" cy="0"/>
+        </a:xfrm>
+      </p:grpSpPr>
+      <p:sp>
+        <p:nvSpPr>
+          <p:cNvPr id="8" name="Rectangle 27"/>
+          <p:cNvSpPr>
+            <a:spLocks noGrp="1" noChangeArrowheads="1"/>
+          </p:cNvSpPr>
+          <p:nvPr>
+            <p:ph type="sldNum"/>
+          </p:nvPr>
+        </p:nvSpPr>
+        <p:spPr>
+          <a:ln/>
+        </p:spPr>
+        <p:txBody>
+          <a:bodyPr/>
+          <a:lstStyle/>
+          <a:p>
+            <a:fld id="{587DCFEC-F287-4246-B9BC-6030521D2326}" type="slidenum">
+              <a:rPr lang="en-US"/>
+              <a:pPr/>
+              <a:t>11</a:t>
+            </a:fld>
+            <a:endParaRPr lang="en-US"/>
+          </a:p>
+        </p:txBody>
+      </p:sp>
+      <p:sp>
+        <p:nvSpPr>
+          <p:cNvPr id="20481" name="Text Box 1"/>
+          <p:cNvSpPr txBox="1">
+            <a:spLocks noChangeArrowheads="1"/>
+          </p:cNvSpPr>
+          <p:nvPr/>
+        </p:nvSpPr>
+        <p:spPr bwMode="auto">
+          <a:xfrm>
+            <a:off x="4402138" y="9553575"/>
+            <a:ext cx="3367087" cy="503238"/>
+          </a:xfrm>
+          <a:prstGeom prst="rect">
+            <a:avLst/>
+          </a:prstGeom>
+          <a:noFill/>
+          <a:ln w="9525">
+            <a:noFill/>
+            <a:round/>
+            <a:headEnd/>
+            <a:tailEnd/>
+          </a:ln>
+          <a:effectLst/>
+        </p:spPr>
+        <p:txBody>
+          <a:bodyPr lIns="90000" tIns="46800" rIns="90000" bIns="46800" anchor="b"/>
+          <a:lstStyle/>
+          <a:p>
+            <a:pPr algn="r" hangingPunct="1">
+              <a:buClrTx/>
+              <a:buFontTx/>
+              <a:buNone/>
+              <a:tabLst>
+                <a:tab pos="0" algn="l"/>
+                <a:tab pos="457200" algn="l"/>
+                <a:tab pos="914400" algn="l"/>
+                <a:tab pos="1371600" algn="l"/>
+                <a:tab pos="1828800" algn="l"/>
+                <a:tab pos="2286000" algn="l"/>
+                <a:tab pos="2743200" algn="l"/>
+                <a:tab pos="3200400" algn="l"/>
+                <a:tab pos="3657600" algn="l"/>
+                <a:tab pos="4114800" algn="l"/>
+                <a:tab pos="4572000" algn="l"/>
+                <a:tab pos="5029200" algn="l"/>
+                <a:tab pos="5486400" algn="l"/>
+                <a:tab pos="5943600" algn="l"/>
+                <a:tab pos="6400800" algn="l"/>
+                <a:tab pos="6858000" algn="l"/>
+                <a:tab pos="7315200" algn="l"/>
+                <a:tab pos="7772400" algn="l"/>
+                <a:tab pos="8229600" algn="l"/>
+                <a:tab pos="8686800" algn="l"/>
+                <a:tab pos="9144000" algn="l"/>
+              </a:tabLst>
+            </a:pPr>
+            <a:fld id="{425473C4-7C62-4C9C-B02A-408050B48F65}" type="slidenum">
+              <a:rPr lang="ar-SA" sz="1200">
+                <a:solidFill>
+                  <a:srgbClr val="000000"/>
+                </a:solidFill>
+              </a:rPr>
+              <a:pPr algn="r" hangingPunct="1">
+                <a:buClrTx/>
+                <a:buFontTx/>
+                <a:buNone/>
+                <a:tabLst>
+                  <a:tab pos="0" algn="l"/>
+                  <a:tab pos="457200" algn="l"/>
+                  <a:tab pos="914400" algn="l"/>
+                  <a:tab pos="1371600" algn="l"/>
+                  <a:tab pos="1828800" algn="l"/>
+                  <a:tab pos="2286000" algn="l"/>
+                  <a:tab pos="2743200" algn="l"/>
+                  <a:tab pos="3200400" algn="l"/>
+                  <a:tab pos="3657600" algn="l"/>
+                  <a:tab pos="4114800" algn="l"/>
+                  <a:tab pos="4572000" algn="l"/>
+                  <a:tab pos="5029200" algn="l"/>
+                  <a:tab pos="5486400" algn="l"/>
+                  <a:tab pos="5943600" algn="l"/>
+                  <a:tab pos="6400800" algn="l"/>
+                  <a:tab pos="6858000" algn="l"/>
+                  <a:tab pos="7315200" algn="l"/>
+                  <a:tab pos="7772400" algn="l"/>
+                  <a:tab pos="8229600" algn="l"/>
+                  <a:tab pos="8686800" algn="l"/>
+                  <a:tab pos="9144000" algn="l"/>
+                </a:tabLst>
+              </a:pPr>
+              <a:t>11</a:t>
+            </a:fld>
+            <a:endParaRPr lang="en-US" sz="1200">
+              <a:solidFill>
+                <a:srgbClr val="000000"/>
+              </a:solidFill>
+              <a:cs typeface="Arial" charset="0"/>
+            </a:endParaRPr>
+          </a:p>
+        </p:txBody>
+      </p:sp>
+      <p:sp>
+        <p:nvSpPr>
+          <p:cNvPr id="20482" name="Rectangle 2"/>
+          <p:cNvSpPr txBox="1">
+            <a:spLocks noGrp="1" noRot="1" noChangeAspect="1" noChangeArrowheads="1"/>
+          </p:cNvSpPr>
+          <p:nvPr>
+            <p:ph type="sldImg"/>
+          </p:nvPr>
+        </p:nvSpPr>
+        <p:spPr bwMode="auto">
+          <a:xfrm>
+            <a:off x="1371600" y="754063"/>
+            <a:ext cx="5029200" cy="3771900"/>
+          </a:xfrm>
+          <a:prstGeom prst="rect">
+            <a:avLst/>
+          </a:prstGeom>
+          <a:solidFill>
+            <a:srgbClr val="FFFFFF"/>
+          </a:solidFill>
+          <a:ln>
+            <a:solidFill>
+              <a:srgbClr val="000000"/>
+            </a:solidFill>
+            <a:miter lim="800000"/>
+            <a:headEnd/>
+            <a:tailEnd/>
+          </a:ln>
+        </p:spPr>
+      </p:sp>
+      <p:sp>
+        <p:nvSpPr>
+          <p:cNvPr id="20483" name="Rectangle 3"/>
+          <p:cNvSpPr txBox="1">
+            <a:spLocks noGrp="1" noChangeArrowheads="1"/>
+          </p:cNvSpPr>
+          <p:nvPr>
+            <p:ph type="body" idx="1"/>
+          </p:nvPr>
+        </p:nvSpPr>
+        <p:spPr bwMode="auto">
+          <a:xfrm>
+            <a:off x="776288" y="4776788"/>
+            <a:ext cx="6218237" cy="4525962"/>
+          </a:xfrm>
+          <a:prstGeom prst="rect">
+            <a:avLst/>
+          </a:prstGeom>
+          <a:noFill/>
+          <a:ln>
+            <a:round/>
+            <a:headEnd/>
+            <a:tailEnd/>
+          </a:ln>
+        </p:spPr>
+        <p:txBody>
+          <a:bodyPr wrap="none" anchor="ctr"/>
+          <a:lstStyle/>
+          <a:p>
+            <a:pPr>
+              <a:spcBef>
+                <a:spcPts val="450"/>
+              </a:spcBef>
+              <a:buClrTx/>
+              <a:buFontTx/>
+              <a:buNone/>
+              <a:tabLst>
+                <a:tab pos="0" algn="l"/>
+                <a:tab pos="457200" algn="l"/>
+                <a:tab pos="914400" algn="l"/>
+                <a:tab pos="1371600" algn="l"/>
+                <a:tab pos="1828800" algn="l"/>
+                <a:tab pos="2286000" algn="l"/>
+                <a:tab pos="2743200" algn="l"/>
+                <a:tab pos="3200400" algn="l"/>
+                <a:tab pos="3657600" algn="l"/>
+                <a:tab pos="4114800" algn="l"/>
+                <a:tab pos="4572000" algn="l"/>
+                <a:tab pos="5029200" algn="l"/>
+                <a:tab pos="5486400" algn="l"/>
+                <a:tab pos="5943600" algn="l"/>
+                <a:tab pos="6400800" algn="l"/>
+                <a:tab pos="6858000" algn="l"/>
+                <a:tab pos="7315200" algn="l"/>
+                <a:tab pos="7772400" algn="l"/>
+                <a:tab pos="8229600" algn="l"/>
+                <a:tab pos="8686800" algn="l"/>
+                <a:tab pos="9144000" algn="l"/>
+              </a:tabLst>
+            </a:pPr>
+            <a:endParaRPr lang="en-US">
+              <a:cs typeface="DejaVu Sans" charset="0"/>
+            </a:endParaRPr>
+          </a:p>
+        </p:txBody>
+      </p:sp>
+    </p:spTree>
+  </p:cSld>
+  <p:clrMapOvr>
+    <a:masterClrMapping/>
+  </p:clrMapOvr>
+</p:notes>
+</file>
+
+<file path=ppt/notesSlides/notesSlide12.xml><?xml version="1.0" encoding="utf-8"?>
+<p:notes xmlns:a="http://schemas.openxmlformats.org/drawingml/2006/main" xmlns:r="http://schemas.openxmlformats.org/officeDocument/2006/relationships" xmlns:p="http://schemas.openxmlformats.org/presentationml/2006/main">
+  <p:cSld>
+    <p:bg>
+      <p:bgPr>
+        <a:solidFill>
+          <a:srgbClr val="FFFFFF"/>
+        </a:solidFill>
+        <a:effectLst/>
+      </p:bgPr>
+    </p:bg>
+    <p:spTree>
+      <p:nvGrpSpPr>
+        <p:cNvPr id="1" name=""/>
+        <p:cNvGrpSpPr/>
+        <p:nvPr/>
+      </p:nvGrpSpPr>
+      <p:grpSpPr>
+        <a:xfrm>
+          <a:off x="0" y="0"/>
+          <a:ext cx="0" cy="0"/>
+          <a:chOff x="0" y="0"/>
+          <a:chExt cx="0" cy="0"/>
+        </a:xfrm>
+      </p:grpSpPr>
+      <p:sp>
+        <p:nvSpPr>
+          <p:cNvPr id="8" name="Rectangle 27"/>
+          <p:cNvSpPr>
+            <a:spLocks noGrp="1" noChangeArrowheads="1"/>
+          </p:cNvSpPr>
+          <p:nvPr>
+            <p:ph type="sldNum"/>
+          </p:nvPr>
+        </p:nvSpPr>
+        <p:spPr>
+          <a:ln/>
+        </p:spPr>
+        <p:txBody>
+          <a:bodyPr/>
+          <a:lstStyle/>
+          <a:p>
+            <a:fld id="{587DCFEC-F287-4246-B9BC-6030521D2326}" type="slidenum">
+              <a:rPr lang="en-US"/>
+              <a:pPr/>
+              <a:t>12</a:t>
+            </a:fld>
+            <a:endParaRPr lang="en-US"/>
+          </a:p>
+        </p:txBody>
+      </p:sp>
+      <p:sp>
+        <p:nvSpPr>
+          <p:cNvPr id="20481" name="Text Box 1"/>
+          <p:cNvSpPr txBox="1">
+            <a:spLocks noChangeArrowheads="1"/>
+          </p:cNvSpPr>
+          <p:nvPr/>
+        </p:nvSpPr>
+        <p:spPr bwMode="auto">
+          <a:xfrm>
+            <a:off x="4402138" y="9553575"/>
+            <a:ext cx="3367087" cy="503238"/>
+          </a:xfrm>
+          <a:prstGeom prst="rect">
+            <a:avLst/>
+          </a:prstGeom>
+          <a:noFill/>
+          <a:ln w="9525">
+            <a:noFill/>
+            <a:round/>
+            <a:headEnd/>
+            <a:tailEnd/>
+          </a:ln>
+          <a:effectLst/>
+        </p:spPr>
+        <p:txBody>
+          <a:bodyPr lIns="90000" tIns="46800" rIns="90000" bIns="46800" anchor="b"/>
+          <a:lstStyle/>
+          <a:p>
+            <a:pPr algn="r" hangingPunct="1">
+              <a:buClrTx/>
+              <a:buFontTx/>
+              <a:buNone/>
+              <a:tabLst>
+                <a:tab pos="0" algn="l"/>
+                <a:tab pos="457200" algn="l"/>
+                <a:tab pos="914400" algn="l"/>
+                <a:tab pos="1371600" algn="l"/>
+                <a:tab pos="1828800" algn="l"/>
+                <a:tab pos="2286000" algn="l"/>
+                <a:tab pos="2743200" algn="l"/>
+                <a:tab pos="3200400" algn="l"/>
+                <a:tab pos="3657600" algn="l"/>
+                <a:tab pos="4114800" algn="l"/>
+                <a:tab pos="4572000" algn="l"/>
+                <a:tab pos="5029200" algn="l"/>
+                <a:tab pos="5486400" algn="l"/>
+                <a:tab pos="5943600" algn="l"/>
+                <a:tab pos="6400800" algn="l"/>
+                <a:tab pos="6858000" algn="l"/>
+                <a:tab pos="7315200" algn="l"/>
+                <a:tab pos="7772400" algn="l"/>
+                <a:tab pos="8229600" algn="l"/>
+                <a:tab pos="8686800" algn="l"/>
+                <a:tab pos="9144000" algn="l"/>
+              </a:tabLst>
+            </a:pPr>
+            <a:fld id="{425473C4-7C62-4C9C-B02A-408050B48F65}" type="slidenum">
+              <a:rPr lang="ar-SA" sz="1200">
+                <a:solidFill>
+                  <a:srgbClr val="000000"/>
+                </a:solidFill>
+              </a:rPr>
+              <a:pPr algn="r" hangingPunct="1">
+                <a:buClrTx/>
+                <a:buFontTx/>
+                <a:buNone/>
+                <a:tabLst>
+                  <a:tab pos="0" algn="l"/>
+                  <a:tab pos="457200" algn="l"/>
+                  <a:tab pos="914400" algn="l"/>
+                  <a:tab pos="1371600" algn="l"/>
+                  <a:tab pos="1828800" algn="l"/>
+                  <a:tab pos="2286000" algn="l"/>
+                  <a:tab pos="2743200" algn="l"/>
+                  <a:tab pos="3200400" algn="l"/>
+                  <a:tab pos="3657600" algn="l"/>
+                  <a:tab pos="4114800" algn="l"/>
+                  <a:tab pos="4572000" algn="l"/>
+                  <a:tab pos="5029200" algn="l"/>
+                  <a:tab pos="5486400" algn="l"/>
+                  <a:tab pos="5943600" algn="l"/>
+                  <a:tab pos="6400800" algn="l"/>
+                  <a:tab pos="6858000" algn="l"/>
+                  <a:tab pos="7315200" algn="l"/>
+                  <a:tab pos="7772400" algn="l"/>
+                  <a:tab pos="8229600" algn="l"/>
+                  <a:tab pos="8686800" algn="l"/>
+                  <a:tab pos="9144000" algn="l"/>
+                </a:tabLst>
+              </a:pPr>
+              <a:t>12</a:t>
+            </a:fld>
+            <a:endParaRPr lang="en-US" sz="1200">
+              <a:solidFill>
+                <a:srgbClr val="000000"/>
+              </a:solidFill>
+              <a:cs typeface="Arial" charset="0"/>
+            </a:endParaRPr>
+          </a:p>
+        </p:txBody>
+      </p:sp>
+      <p:sp>
+        <p:nvSpPr>
+          <p:cNvPr id="20482" name="Rectangle 2"/>
+          <p:cNvSpPr txBox="1">
+            <a:spLocks noGrp="1" noRot="1" noChangeAspect="1" noChangeArrowheads="1"/>
+          </p:cNvSpPr>
+          <p:nvPr>
+            <p:ph type="sldImg"/>
+          </p:nvPr>
+        </p:nvSpPr>
+        <p:spPr bwMode="auto">
+          <a:xfrm>
+            <a:off x="1371600" y="754063"/>
+            <a:ext cx="5029200" cy="3771900"/>
+          </a:xfrm>
+          <a:prstGeom prst="rect">
+            <a:avLst/>
+          </a:prstGeom>
+          <a:solidFill>
+            <a:srgbClr val="FFFFFF"/>
+          </a:solidFill>
+          <a:ln>
+            <a:solidFill>
+              <a:srgbClr val="000000"/>
+            </a:solidFill>
+            <a:miter lim="800000"/>
+            <a:headEnd/>
+            <a:tailEnd/>
+          </a:ln>
+        </p:spPr>
+      </p:sp>
+      <p:sp>
+        <p:nvSpPr>
+          <p:cNvPr id="20483" name="Rectangle 3"/>
+          <p:cNvSpPr txBox="1">
+            <a:spLocks noGrp="1" noChangeArrowheads="1"/>
+          </p:cNvSpPr>
+          <p:nvPr>
+            <p:ph type="body" idx="1"/>
+          </p:nvPr>
+        </p:nvSpPr>
+        <p:spPr bwMode="auto">
+          <a:xfrm>
+            <a:off x="776288" y="4776788"/>
+            <a:ext cx="6218237" cy="4525962"/>
+          </a:xfrm>
+          <a:prstGeom prst="rect">
+            <a:avLst/>
+          </a:prstGeom>
+          <a:noFill/>
+          <a:ln>
+            <a:round/>
+            <a:headEnd/>
+            <a:tailEnd/>
+          </a:ln>
+        </p:spPr>
+        <p:txBody>
+          <a:bodyPr wrap="none" anchor="ctr"/>
+          <a:lstStyle/>
+          <a:p>
+            <a:pPr>
+              <a:spcBef>
+                <a:spcPts val="450"/>
+              </a:spcBef>
+              <a:buClrTx/>
+              <a:buFontTx/>
+              <a:buNone/>
+              <a:tabLst>
+                <a:tab pos="0" algn="l"/>
+                <a:tab pos="457200" algn="l"/>
+                <a:tab pos="914400" algn="l"/>
+                <a:tab pos="1371600" algn="l"/>
+                <a:tab pos="1828800" algn="l"/>
+                <a:tab pos="2286000" algn="l"/>
+                <a:tab pos="2743200" algn="l"/>
+                <a:tab pos="3200400" algn="l"/>
+                <a:tab pos="3657600" algn="l"/>
+                <a:tab pos="4114800" algn="l"/>
+                <a:tab pos="4572000" algn="l"/>
+                <a:tab pos="5029200" algn="l"/>
+                <a:tab pos="5486400" algn="l"/>
+                <a:tab pos="5943600" algn="l"/>
+                <a:tab pos="6400800" algn="l"/>
+                <a:tab pos="6858000" algn="l"/>
+                <a:tab pos="7315200" algn="l"/>
+                <a:tab pos="7772400" algn="l"/>
+                <a:tab pos="8229600" algn="l"/>
+                <a:tab pos="8686800" algn="l"/>
+                <a:tab pos="9144000" algn="l"/>
+              </a:tabLst>
+            </a:pPr>
+            <a:endParaRPr lang="en-US">
+              <a:cs typeface="DejaVu Sans" charset="0"/>
+            </a:endParaRPr>
           </a:p>
         </p:txBody>
       </p:sp>
@@ -1793,7 +2577,7 @@
         <p:nvSpPr>
           <p:cNvPr id="20482" name="Rectangle 2"/>
           <p:cNvSpPr txBox="1">
-            <a:spLocks noChangeArrowheads="1"/>
+            <a:spLocks noGrp="1" noRot="1" noChangeAspect="1" noChangeArrowheads="1"/>
           </p:cNvSpPr>
           <p:nvPr>
             <p:ph type="sldImg"/>
@@ -1824,7 +2608,1813 @@
         <p:nvSpPr>
           <p:cNvPr id="20483" name="Rectangle 3"/>
           <p:cNvSpPr txBox="1">
+            <a:spLocks noGrp="1" noChangeArrowheads="1"/>
+          </p:cNvSpPr>
+          <p:nvPr>
+            <p:ph type="body" idx="1"/>
+          </p:nvPr>
+        </p:nvSpPr>
+        <p:spPr bwMode="auto">
+          <a:xfrm>
+            <a:off x="776288" y="4776788"/>
+            <a:ext cx="6218237" cy="4525962"/>
+          </a:xfrm>
+          <a:prstGeom prst="rect">
+            <a:avLst/>
+          </a:prstGeom>
+          <a:noFill/>
+          <a:ln>
+            <a:round/>
+            <a:headEnd/>
+            <a:tailEnd/>
+          </a:ln>
+        </p:spPr>
+        <p:txBody>
+          <a:bodyPr wrap="none" anchor="ctr"/>
+          <a:lstStyle/>
+          <a:p>
+            <a:pPr>
+              <a:spcBef>
+                <a:spcPts val="450"/>
+              </a:spcBef>
+              <a:buClrTx/>
+              <a:buFontTx/>
+              <a:buNone/>
+              <a:tabLst>
+                <a:tab pos="0" algn="l"/>
+                <a:tab pos="457200" algn="l"/>
+                <a:tab pos="914400" algn="l"/>
+                <a:tab pos="1371600" algn="l"/>
+                <a:tab pos="1828800" algn="l"/>
+                <a:tab pos="2286000" algn="l"/>
+                <a:tab pos="2743200" algn="l"/>
+                <a:tab pos="3200400" algn="l"/>
+                <a:tab pos="3657600" algn="l"/>
+                <a:tab pos="4114800" algn="l"/>
+                <a:tab pos="4572000" algn="l"/>
+                <a:tab pos="5029200" algn="l"/>
+                <a:tab pos="5486400" algn="l"/>
+                <a:tab pos="5943600" algn="l"/>
+                <a:tab pos="6400800" algn="l"/>
+                <a:tab pos="6858000" algn="l"/>
+                <a:tab pos="7315200" algn="l"/>
+                <a:tab pos="7772400" algn="l"/>
+                <a:tab pos="8229600" algn="l"/>
+                <a:tab pos="8686800" algn="l"/>
+                <a:tab pos="9144000" algn="l"/>
+              </a:tabLst>
+            </a:pPr>
+            <a:endParaRPr lang="en-US">
+              <a:cs typeface="DejaVu Sans" charset="0"/>
+            </a:endParaRPr>
+          </a:p>
+        </p:txBody>
+      </p:sp>
+    </p:spTree>
+  </p:cSld>
+  <p:clrMapOvr>
+    <a:masterClrMapping/>
+  </p:clrMapOvr>
+</p:notes>
+</file>
+
+<file path=ppt/notesSlides/notesSlide3.xml><?xml version="1.0" encoding="utf-8"?>
+<p:notes xmlns:a="http://schemas.openxmlformats.org/drawingml/2006/main" xmlns:r="http://schemas.openxmlformats.org/officeDocument/2006/relationships" xmlns:p="http://schemas.openxmlformats.org/presentationml/2006/main">
+  <p:cSld>
+    <p:bg>
+      <p:bgPr>
+        <a:solidFill>
+          <a:srgbClr val="FFFFFF"/>
+        </a:solidFill>
+        <a:effectLst/>
+      </p:bgPr>
+    </p:bg>
+    <p:spTree>
+      <p:nvGrpSpPr>
+        <p:cNvPr id="1" name=""/>
+        <p:cNvGrpSpPr/>
+        <p:nvPr/>
+      </p:nvGrpSpPr>
+      <p:grpSpPr>
+        <a:xfrm>
+          <a:off x="0" y="0"/>
+          <a:ext cx="0" cy="0"/>
+          <a:chOff x="0" y="0"/>
+          <a:chExt cx="0" cy="0"/>
+        </a:xfrm>
+      </p:grpSpPr>
+      <p:sp>
+        <p:nvSpPr>
+          <p:cNvPr id="8" name="Rectangle 27"/>
+          <p:cNvSpPr>
+            <a:spLocks noGrp="1" noChangeArrowheads="1"/>
+          </p:cNvSpPr>
+          <p:nvPr>
+            <p:ph type="sldNum"/>
+          </p:nvPr>
+        </p:nvSpPr>
+        <p:spPr>
+          <a:ln/>
+        </p:spPr>
+        <p:txBody>
+          <a:bodyPr/>
+          <a:lstStyle/>
+          <a:p>
+            <a:fld id="{587DCFEC-F287-4246-B9BC-6030521D2326}" type="slidenum">
+              <a:rPr lang="en-US"/>
+              <a:pPr/>
+              <a:t>3</a:t>
+            </a:fld>
+            <a:endParaRPr lang="en-US"/>
+          </a:p>
+        </p:txBody>
+      </p:sp>
+      <p:sp>
+        <p:nvSpPr>
+          <p:cNvPr id="20481" name="Text Box 1"/>
+          <p:cNvSpPr txBox="1">
             <a:spLocks noChangeArrowheads="1"/>
+          </p:cNvSpPr>
+          <p:nvPr/>
+        </p:nvSpPr>
+        <p:spPr bwMode="auto">
+          <a:xfrm>
+            <a:off x="4402138" y="9553575"/>
+            <a:ext cx="3367087" cy="503238"/>
+          </a:xfrm>
+          <a:prstGeom prst="rect">
+            <a:avLst/>
+          </a:prstGeom>
+          <a:noFill/>
+          <a:ln w="9525">
+            <a:noFill/>
+            <a:round/>
+            <a:headEnd/>
+            <a:tailEnd/>
+          </a:ln>
+          <a:effectLst/>
+        </p:spPr>
+        <p:txBody>
+          <a:bodyPr lIns="90000" tIns="46800" rIns="90000" bIns="46800" anchor="b"/>
+          <a:lstStyle/>
+          <a:p>
+            <a:pPr algn="r" hangingPunct="1">
+              <a:buClrTx/>
+              <a:buFontTx/>
+              <a:buNone/>
+              <a:tabLst>
+                <a:tab pos="0" algn="l"/>
+                <a:tab pos="457200" algn="l"/>
+                <a:tab pos="914400" algn="l"/>
+                <a:tab pos="1371600" algn="l"/>
+                <a:tab pos="1828800" algn="l"/>
+                <a:tab pos="2286000" algn="l"/>
+                <a:tab pos="2743200" algn="l"/>
+                <a:tab pos="3200400" algn="l"/>
+                <a:tab pos="3657600" algn="l"/>
+                <a:tab pos="4114800" algn="l"/>
+                <a:tab pos="4572000" algn="l"/>
+                <a:tab pos="5029200" algn="l"/>
+                <a:tab pos="5486400" algn="l"/>
+                <a:tab pos="5943600" algn="l"/>
+                <a:tab pos="6400800" algn="l"/>
+                <a:tab pos="6858000" algn="l"/>
+                <a:tab pos="7315200" algn="l"/>
+                <a:tab pos="7772400" algn="l"/>
+                <a:tab pos="8229600" algn="l"/>
+                <a:tab pos="8686800" algn="l"/>
+                <a:tab pos="9144000" algn="l"/>
+              </a:tabLst>
+            </a:pPr>
+            <a:fld id="{425473C4-7C62-4C9C-B02A-408050B48F65}" type="slidenum">
+              <a:rPr lang="ar-SA" sz="1200">
+                <a:solidFill>
+                  <a:srgbClr val="000000"/>
+                </a:solidFill>
+              </a:rPr>
+              <a:pPr algn="r" hangingPunct="1">
+                <a:buClrTx/>
+                <a:buFontTx/>
+                <a:buNone/>
+                <a:tabLst>
+                  <a:tab pos="0" algn="l"/>
+                  <a:tab pos="457200" algn="l"/>
+                  <a:tab pos="914400" algn="l"/>
+                  <a:tab pos="1371600" algn="l"/>
+                  <a:tab pos="1828800" algn="l"/>
+                  <a:tab pos="2286000" algn="l"/>
+                  <a:tab pos="2743200" algn="l"/>
+                  <a:tab pos="3200400" algn="l"/>
+                  <a:tab pos="3657600" algn="l"/>
+                  <a:tab pos="4114800" algn="l"/>
+                  <a:tab pos="4572000" algn="l"/>
+                  <a:tab pos="5029200" algn="l"/>
+                  <a:tab pos="5486400" algn="l"/>
+                  <a:tab pos="5943600" algn="l"/>
+                  <a:tab pos="6400800" algn="l"/>
+                  <a:tab pos="6858000" algn="l"/>
+                  <a:tab pos="7315200" algn="l"/>
+                  <a:tab pos="7772400" algn="l"/>
+                  <a:tab pos="8229600" algn="l"/>
+                  <a:tab pos="8686800" algn="l"/>
+                  <a:tab pos="9144000" algn="l"/>
+                </a:tabLst>
+              </a:pPr>
+              <a:t>3</a:t>
+            </a:fld>
+            <a:endParaRPr lang="en-US" sz="1200">
+              <a:solidFill>
+                <a:srgbClr val="000000"/>
+              </a:solidFill>
+              <a:cs typeface="Arial" charset="0"/>
+            </a:endParaRPr>
+          </a:p>
+        </p:txBody>
+      </p:sp>
+      <p:sp>
+        <p:nvSpPr>
+          <p:cNvPr id="20482" name="Rectangle 2"/>
+          <p:cNvSpPr txBox="1">
+            <a:spLocks noGrp="1" noRot="1" noChangeAspect="1" noChangeArrowheads="1"/>
+          </p:cNvSpPr>
+          <p:nvPr>
+            <p:ph type="sldImg"/>
+          </p:nvPr>
+        </p:nvSpPr>
+        <p:spPr bwMode="auto">
+          <a:xfrm>
+            <a:off x="1371600" y="754063"/>
+            <a:ext cx="5029200" cy="3771900"/>
+          </a:xfrm>
+          <a:prstGeom prst="rect">
+            <a:avLst/>
+          </a:prstGeom>
+          <a:solidFill>
+            <a:srgbClr val="FFFFFF"/>
+          </a:solidFill>
+          <a:ln>
+            <a:solidFill>
+              <a:srgbClr val="000000"/>
+            </a:solidFill>
+            <a:miter lim="800000"/>
+            <a:headEnd/>
+            <a:tailEnd/>
+          </a:ln>
+        </p:spPr>
+      </p:sp>
+      <p:sp>
+        <p:nvSpPr>
+          <p:cNvPr id="20483" name="Rectangle 3"/>
+          <p:cNvSpPr txBox="1">
+            <a:spLocks noGrp="1" noChangeArrowheads="1"/>
+          </p:cNvSpPr>
+          <p:nvPr>
+            <p:ph type="body" idx="1"/>
+          </p:nvPr>
+        </p:nvSpPr>
+        <p:spPr bwMode="auto">
+          <a:xfrm>
+            <a:off x="776288" y="4776788"/>
+            <a:ext cx="6218237" cy="4525962"/>
+          </a:xfrm>
+          <a:prstGeom prst="rect">
+            <a:avLst/>
+          </a:prstGeom>
+          <a:noFill/>
+          <a:ln>
+            <a:round/>
+            <a:headEnd/>
+            <a:tailEnd/>
+          </a:ln>
+        </p:spPr>
+        <p:txBody>
+          <a:bodyPr wrap="none" anchor="ctr"/>
+          <a:lstStyle/>
+          <a:p>
+            <a:pPr>
+              <a:spcBef>
+                <a:spcPts val="450"/>
+              </a:spcBef>
+              <a:buClrTx/>
+              <a:buFontTx/>
+              <a:buNone/>
+              <a:tabLst>
+                <a:tab pos="0" algn="l"/>
+                <a:tab pos="457200" algn="l"/>
+                <a:tab pos="914400" algn="l"/>
+                <a:tab pos="1371600" algn="l"/>
+                <a:tab pos="1828800" algn="l"/>
+                <a:tab pos="2286000" algn="l"/>
+                <a:tab pos="2743200" algn="l"/>
+                <a:tab pos="3200400" algn="l"/>
+                <a:tab pos="3657600" algn="l"/>
+                <a:tab pos="4114800" algn="l"/>
+                <a:tab pos="4572000" algn="l"/>
+                <a:tab pos="5029200" algn="l"/>
+                <a:tab pos="5486400" algn="l"/>
+                <a:tab pos="5943600" algn="l"/>
+                <a:tab pos="6400800" algn="l"/>
+                <a:tab pos="6858000" algn="l"/>
+                <a:tab pos="7315200" algn="l"/>
+                <a:tab pos="7772400" algn="l"/>
+                <a:tab pos="8229600" algn="l"/>
+                <a:tab pos="8686800" algn="l"/>
+                <a:tab pos="9144000" algn="l"/>
+              </a:tabLst>
+            </a:pPr>
+            <a:endParaRPr lang="en-US">
+              <a:cs typeface="DejaVu Sans" charset="0"/>
+            </a:endParaRPr>
+          </a:p>
+        </p:txBody>
+      </p:sp>
+    </p:spTree>
+  </p:cSld>
+  <p:clrMapOvr>
+    <a:masterClrMapping/>
+  </p:clrMapOvr>
+</p:notes>
+</file>
+
+<file path=ppt/notesSlides/notesSlide4.xml><?xml version="1.0" encoding="utf-8"?>
+<p:notes xmlns:a="http://schemas.openxmlformats.org/drawingml/2006/main" xmlns:r="http://schemas.openxmlformats.org/officeDocument/2006/relationships" xmlns:p="http://schemas.openxmlformats.org/presentationml/2006/main">
+  <p:cSld>
+    <p:bg>
+      <p:bgPr>
+        <a:solidFill>
+          <a:srgbClr val="FFFFFF"/>
+        </a:solidFill>
+        <a:effectLst/>
+      </p:bgPr>
+    </p:bg>
+    <p:spTree>
+      <p:nvGrpSpPr>
+        <p:cNvPr id="1" name=""/>
+        <p:cNvGrpSpPr/>
+        <p:nvPr/>
+      </p:nvGrpSpPr>
+      <p:grpSpPr>
+        <a:xfrm>
+          <a:off x="0" y="0"/>
+          <a:ext cx="0" cy="0"/>
+          <a:chOff x="0" y="0"/>
+          <a:chExt cx="0" cy="0"/>
+        </a:xfrm>
+      </p:grpSpPr>
+      <p:sp>
+        <p:nvSpPr>
+          <p:cNvPr id="8" name="Rectangle 27"/>
+          <p:cNvSpPr>
+            <a:spLocks noGrp="1" noChangeArrowheads="1"/>
+          </p:cNvSpPr>
+          <p:nvPr>
+            <p:ph type="sldNum"/>
+          </p:nvPr>
+        </p:nvSpPr>
+        <p:spPr>
+          <a:ln/>
+        </p:spPr>
+        <p:txBody>
+          <a:bodyPr/>
+          <a:lstStyle/>
+          <a:p>
+            <a:fld id="{587DCFEC-F287-4246-B9BC-6030521D2326}" type="slidenum">
+              <a:rPr lang="en-US"/>
+              <a:pPr/>
+              <a:t>4</a:t>
+            </a:fld>
+            <a:endParaRPr lang="en-US"/>
+          </a:p>
+        </p:txBody>
+      </p:sp>
+      <p:sp>
+        <p:nvSpPr>
+          <p:cNvPr id="20481" name="Text Box 1"/>
+          <p:cNvSpPr txBox="1">
+            <a:spLocks noChangeArrowheads="1"/>
+          </p:cNvSpPr>
+          <p:nvPr/>
+        </p:nvSpPr>
+        <p:spPr bwMode="auto">
+          <a:xfrm>
+            <a:off x="4402138" y="9553575"/>
+            <a:ext cx="3367087" cy="503238"/>
+          </a:xfrm>
+          <a:prstGeom prst="rect">
+            <a:avLst/>
+          </a:prstGeom>
+          <a:noFill/>
+          <a:ln w="9525">
+            <a:noFill/>
+            <a:round/>
+            <a:headEnd/>
+            <a:tailEnd/>
+          </a:ln>
+          <a:effectLst/>
+        </p:spPr>
+        <p:txBody>
+          <a:bodyPr lIns="90000" tIns="46800" rIns="90000" bIns="46800" anchor="b"/>
+          <a:lstStyle/>
+          <a:p>
+            <a:pPr algn="r" hangingPunct="1">
+              <a:buClrTx/>
+              <a:buFontTx/>
+              <a:buNone/>
+              <a:tabLst>
+                <a:tab pos="0" algn="l"/>
+                <a:tab pos="457200" algn="l"/>
+                <a:tab pos="914400" algn="l"/>
+                <a:tab pos="1371600" algn="l"/>
+                <a:tab pos="1828800" algn="l"/>
+                <a:tab pos="2286000" algn="l"/>
+                <a:tab pos="2743200" algn="l"/>
+                <a:tab pos="3200400" algn="l"/>
+                <a:tab pos="3657600" algn="l"/>
+                <a:tab pos="4114800" algn="l"/>
+                <a:tab pos="4572000" algn="l"/>
+                <a:tab pos="5029200" algn="l"/>
+                <a:tab pos="5486400" algn="l"/>
+                <a:tab pos="5943600" algn="l"/>
+                <a:tab pos="6400800" algn="l"/>
+                <a:tab pos="6858000" algn="l"/>
+                <a:tab pos="7315200" algn="l"/>
+                <a:tab pos="7772400" algn="l"/>
+                <a:tab pos="8229600" algn="l"/>
+                <a:tab pos="8686800" algn="l"/>
+                <a:tab pos="9144000" algn="l"/>
+              </a:tabLst>
+            </a:pPr>
+            <a:fld id="{425473C4-7C62-4C9C-B02A-408050B48F65}" type="slidenum">
+              <a:rPr lang="ar-SA" sz="1200">
+                <a:solidFill>
+                  <a:srgbClr val="000000"/>
+                </a:solidFill>
+              </a:rPr>
+              <a:pPr algn="r" hangingPunct="1">
+                <a:buClrTx/>
+                <a:buFontTx/>
+                <a:buNone/>
+                <a:tabLst>
+                  <a:tab pos="0" algn="l"/>
+                  <a:tab pos="457200" algn="l"/>
+                  <a:tab pos="914400" algn="l"/>
+                  <a:tab pos="1371600" algn="l"/>
+                  <a:tab pos="1828800" algn="l"/>
+                  <a:tab pos="2286000" algn="l"/>
+                  <a:tab pos="2743200" algn="l"/>
+                  <a:tab pos="3200400" algn="l"/>
+                  <a:tab pos="3657600" algn="l"/>
+                  <a:tab pos="4114800" algn="l"/>
+                  <a:tab pos="4572000" algn="l"/>
+                  <a:tab pos="5029200" algn="l"/>
+                  <a:tab pos="5486400" algn="l"/>
+                  <a:tab pos="5943600" algn="l"/>
+                  <a:tab pos="6400800" algn="l"/>
+                  <a:tab pos="6858000" algn="l"/>
+                  <a:tab pos="7315200" algn="l"/>
+                  <a:tab pos="7772400" algn="l"/>
+                  <a:tab pos="8229600" algn="l"/>
+                  <a:tab pos="8686800" algn="l"/>
+                  <a:tab pos="9144000" algn="l"/>
+                </a:tabLst>
+              </a:pPr>
+              <a:t>4</a:t>
+            </a:fld>
+            <a:endParaRPr lang="en-US" sz="1200">
+              <a:solidFill>
+                <a:srgbClr val="000000"/>
+              </a:solidFill>
+              <a:cs typeface="Arial" charset="0"/>
+            </a:endParaRPr>
+          </a:p>
+        </p:txBody>
+      </p:sp>
+      <p:sp>
+        <p:nvSpPr>
+          <p:cNvPr id="20482" name="Rectangle 2"/>
+          <p:cNvSpPr txBox="1">
+            <a:spLocks noGrp="1" noRot="1" noChangeAspect="1" noChangeArrowheads="1"/>
+          </p:cNvSpPr>
+          <p:nvPr>
+            <p:ph type="sldImg"/>
+          </p:nvPr>
+        </p:nvSpPr>
+        <p:spPr bwMode="auto">
+          <a:xfrm>
+            <a:off x="1371600" y="754063"/>
+            <a:ext cx="5029200" cy="3771900"/>
+          </a:xfrm>
+          <a:prstGeom prst="rect">
+            <a:avLst/>
+          </a:prstGeom>
+          <a:solidFill>
+            <a:srgbClr val="FFFFFF"/>
+          </a:solidFill>
+          <a:ln>
+            <a:solidFill>
+              <a:srgbClr val="000000"/>
+            </a:solidFill>
+            <a:miter lim="800000"/>
+            <a:headEnd/>
+            <a:tailEnd/>
+          </a:ln>
+        </p:spPr>
+      </p:sp>
+      <p:sp>
+        <p:nvSpPr>
+          <p:cNvPr id="20483" name="Rectangle 3"/>
+          <p:cNvSpPr txBox="1">
+            <a:spLocks noGrp="1" noChangeArrowheads="1"/>
+          </p:cNvSpPr>
+          <p:nvPr>
+            <p:ph type="body" idx="1"/>
+          </p:nvPr>
+        </p:nvSpPr>
+        <p:spPr bwMode="auto">
+          <a:xfrm>
+            <a:off x="776288" y="4776788"/>
+            <a:ext cx="6218237" cy="4525962"/>
+          </a:xfrm>
+          <a:prstGeom prst="rect">
+            <a:avLst/>
+          </a:prstGeom>
+          <a:noFill/>
+          <a:ln>
+            <a:round/>
+            <a:headEnd/>
+            <a:tailEnd/>
+          </a:ln>
+        </p:spPr>
+        <p:txBody>
+          <a:bodyPr wrap="none" anchor="ctr"/>
+          <a:lstStyle/>
+          <a:p>
+            <a:pPr>
+              <a:spcBef>
+                <a:spcPts val="450"/>
+              </a:spcBef>
+              <a:buClrTx/>
+              <a:buFontTx/>
+              <a:buNone/>
+              <a:tabLst>
+                <a:tab pos="0" algn="l"/>
+                <a:tab pos="457200" algn="l"/>
+                <a:tab pos="914400" algn="l"/>
+                <a:tab pos="1371600" algn="l"/>
+                <a:tab pos="1828800" algn="l"/>
+                <a:tab pos="2286000" algn="l"/>
+                <a:tab pos="2743200" algn="l"/>
+                <a:tab pos="3200400" algn="l"/>
+                <a:tab pos="3657600" algn="l"/>
+                <a:tab pos="4114800" algn="l"/>
+                <a:tab pos="4572000" algn="l"/>
+                <a:tab pos="5029200" algn="l"/>
+                <a:tab pos="5486400" algn="l"/>
+                <a:tab pos="5943600" algn="l"/>
+                <a:tab pos="6400800" algn="l"/>
+                <a:tab pos="6858000" algn="l"/>
+                <a:tab pos="7315200" algn="l"/>
+                <a:tab pos="7772400" algn="l"/>
+                <a:tab pos="8229600" algn="l"/>
+                <a:tab pos="8686800" algn="l"/>
+                <a:tab pos="9144000" algn="l"/>
+              </a:tabLst>
+            </a:pPr>
+            <a:endParaRPr lang="en-US">
+              <a:cs typeface="DejaVu Sans" charset="0"/>
+            </a:endParaRPr>
+          </a:p>
+        </p:txBody>
+      </p:sp>
+    </p:spTree>
+  </p:cSld>
+  <p:clrMapOvr>
+    <a:masterClrMapping/>
+  </p:clrMapOvr>
+</p:notes>
+</file>
+
+<file path=ppt/notesSlides/notesSlide5.xml><?xml version="1.0" encoding="utf-8"?>
+<p:notes xmlns:a="http://schemas.openxmlformats.org/drawingml/2006/main" xmlns:r="http://schemas.openxmlformats.org/officeDocument/2006/relationships" xmlns:p="http://schemas.openxmlformats.org/presentationml/2006/main">
+  <p:cSld>
+    <p:bg>
+      <p:bgPr>
+        <a:solidFill>
+          <a:srgbClr val="FFFFFF"/>
+        </a:solidFill>
+        <a:effectLst/>
+      </p:bgPr>
+    </p:bg>
+    <p:spTree>
+      <p:nvGrpSpPr>
+        <p:cNvPr id="1" name=""/>
+        <p:cNvGrpSpPr/>
+        <p:nvPr/>
+      </p:nvGrpSpPr>
+      <p:grpSpPr>
+        <a:xfrm>
+          <a:off x="0" y="0"/>
+          <a:ext cx="0" cy="0"/>
+          <a:chOff x="0" y="0"/>
+          <a:chExt cx="0" cy="0"/>
+        </a:xfrm>
+      </p:grpSpPr>
+      <p:sp>
+        <p:nvSpPr>
+          <p:cNvPr id="8" name="Rectangle 27"/>
+          <p:cNvSpPr>
+            <a:spLocks noGrp="1" noChangeArrowheads="1"/>
+          </p:cNvSpPr>
+          <p:nvPr>
+            <p:ph type="sldNum"/>
+          </p:nvPr>
+        </p:nvSpPr>
+        <p:spPr>
+          <a:ln/>
+        </p:spPr>
+        <p:txBody>
+          <a:bodyPr/>
+          <a:lstStyle/>
+          <a:p>
+            <a:fld id="{587DCFEC-F287-4246-B9BC-6030521D2326}" type="slidenum">
+              <a:rPr lang="en-US"/>
+              <a:pPr/>
+              <a:t>5</a:t>
+            </a:fld>
+            <a:endParaRPr lang="en-US"/>
+          </a:p>
+        </p:txBody>
+      </p:sp>
+      <p:sp>
+        <p:nvSpPr>
+          <p:cNvPr id="20481" name="Text Box 1"/>
+          <p:cNvSpPr txBox="1">
+            <a:spLocks noChangeArrowheads="1"/>
+          </p:cNvSpPr>
+          <p:nvPr/>
+        </p:nvSpPr>
+        <p:spPr bwMode="auto">
+          <a:xfrm>
+            <a:off x="4402138" y="9553575"/>
+            <a:ext cx="3367087" cy="503238"/>
+          </a:xfrm>
+          <a:prstGeom prst="rect">
+            <a:avLst/>
+          </a:prstGeom>
+          <a:noFill/>
+          <a:ln w="9525">
+            <a:noFill/>
+            <a:round/>
+            <a:headEnd/>
+            <a:tailEnd/>
+          </a:ln>
+          <a:effectLst/>
+        </p:spPr>
+        <p:txBody>
+          <a:bodyPr lIns="90000" tIns="46800" rIns="90000" bIns="46800" anchor="b"/>
+          <a:lstStyle/>
+          <a:p>
+            <a:pPr algn="r" hangingPunct="1">
+              <a:buClrTx/>
+              <a:buFontTx/>
+              <a:buNone/>
+              <a:tabLst>
+                <a:tab pos="0" algn="l"/>
+                <a:tab pos="457200" algn="l"/>
+                <a:tab pos="914400" algn="l"/>
+                <a:tab pos="1371600" algn="l"/>
+                <a:tab pos="1828800" algn="l"/>
+                <a:tab pos="2286000" algn="l"/>
+                <a:tab pos="2743200" algn="l"/>
+                <a:tab pos="3200400" algn="l"/>
+                <a:tab pos="3657600" algn="l"/>
+                <a:tab pos="4114800" algn="l"/>
+                <a:tab pos="4572000" algn="l"/>
+                <a:tab pos="5029200" algn="l"/>
+                <a:tab pos="5486400" algn="l"/>
+                <a:tab pos="5943600" algn="l"/>
+                <a:tab pos="6400800" algn="l"/>
+                <a:tab pos="6858000" algn="l"/>
+                <a:tab pos="7315200" algn="l"/>
+                <a:tab pos="7772400" algn="l"/>
+                <a:tab pos="8229600" algn="l"/>
+                <a:tab pos="8686800" algn="l"/>
+                <a:tab pos="9144000" algn="l"/>
+              </a:tabLst>
+            </a:pPr>
+            <a:fld id="{425473C4-7C62-4C9C-B02A-408050B48F65}" type="slidenum">
+              <a:rPr lang="ar-SA" sz="1200">
+                <a:solidFill>
+                  <a:srgbClr val="000000"/>
+                </a:solidFill>
+              </a:rPr>
+              <a:pPr algn="r" hangingPunct="1">
+                <a:buClrTx/>
+                <a:buFontTx/>
+                <a:buNone/>
+                <a:tabLst>
+                  <a:tab pos="0" algn="l"/>
+                  <a:tab pos="457200" algn="l"/>
+                  <a:tab pos="914400" algn="l"/>
+                  <a:tab pos="1371600" algn="l"/>
+                  <a:tab pos="1828800" algn="l"/>
+                  <a:tab pos="2286000" algn="l"/>
+                  <a:tab pos="2743200" algn="l"/>
+                  <a:tab pos="3200400" algn="l"/>
+                  <a:tab pos="3657600" algn="l"/>
+                  <a:tab pos="4114800" algn="l"/>
+                  <a:tab pos="4572000" algn="l"/>
+                  <a:tab pos="5029200" algn="l"/>
+                  <a:tab pos="5486400" algn="l"/>
+                  <a:tab pos="5943600" algn="l"/>
+                  <a:tab pos="6400800" algn="l"/>
+                  <a:tab pos="6858000" algn="l"/>
+                  <a:tab pos="7315200" algn="l"/>
+                  <a:tab pos="7772400" algn="l"/>
+                  <a:tab pos="8229600" algn="l"/>
+                  <a:tab pos="8686800" algn="l"/>
+                  <a:tab pos="9144000" algn="l"/>
+                </a:tabLst>
+              </a:pPr>
+              <a:t>5</a:t>
+            </a:fld>
+            <a:endParaRPr lang="en-US" sz="1200">
+              <a:solidFill>
+                <a:srgbClr val="000000"/>
+              </a:solidFill>
+              <a:cs typeface="Arial" charset="0"/>
+            </a:endParaRPr>
+          </a:p>
+        </p:txBody>
+      </p:sp>
+      <p:sp>
+        <p:nvSpPr>
+          <p:cNvPr id="20482" name="Rectangle 2"/>
+          <p:cNvSpPr txBox="1">
+            <a:spLocks noGrp="1" noRot="1" noChangeAspect="1" noChangeArrowheads="1"/>
+          </p:cNvSpPr>
+          <p:nvPr>
+            <p:ph type="sldImg"/>
+          </p:nvPr>
+        </p:nvSpPr>
+        <p:spPr bwMode="auto">
+          <a:xfrm>
+            <a:off x="1371600" y="754063"/>
+            <a:ext cx="5029200" cy="3771900"/>
+          </a:xfrm>
+          <a:prstGeom prst="rect">
+            <a:avLst/>
+          </a:prstGeom>
+          <a:solidFill>
+            <a:srgbClr val="FFFFFF"/>
+          </a:solidFill>
+          <a:ln>
+            <a:solidFill>
+              <a:srgbClr val="000000"/>
+            </a:solidFill>
+            <a:miter lim="800000"/>
+            <a:headEnd/>
+            <a:tailEnd/>
+          </a:ln>
+        </p:spPr>
+      </p:sp>
+      <p:sp>
+        <p:nvSpPr>
+          <p:cNvPr id="20483" name="Rectangle 3"/>
+          <p:cNvSpPr txBox="1">
+            <a:spLocks noGrp="1" noChangeArrowheads="1"/>
+          </p:cNvSpPr>
+          <p:nvPr>
+            <p:ph type="body" idx="1"/>
+          </p:nvPr>
+        </p:nvSpPr>
+        <p:spPr bwMode="auto">
+          <a:xfrm>
+            <a:off x="776288" y="4776788"/>
+            <a:ext cx="6218237" cy="4525962"/>
+          </a:xfrm>
+          <a:prstGeom prst="rect">
+            <a:avLst/>
+          </a:prstGeom>
+          <a:noFill/>
+          <a:ln>
+            <a:round/>
+            <a:headEnd/>
+            <a:tailEnd/>
+          </a:ln>
+        </p:spPr>
+        <p:txBody>
+          <a:bodyPr wrap="none" anchor="ctr"/>
+          <a:lstStyle/>
+          <a:p>
+            <a:pPr>
+              <a:spcBef>
+                <a:spcPts val="450"/>
+              </a:spcBef>
+              <a:buClrTx/>
+              <a:buFontTx/>
+              <a:buNone/>
+              <a:tabLst>
+                <a:tab pos="0" algn="l"/>
+                <a:tab pos="457200" algn="l"/>
+                <a:tab pos="914400" algn="l"/>
+                <a:tab pos="1371600" algn="l"/>
+                <a:tab pos="1828800" algn="l"/>
+                <a:tab pos="2286000" algn="l"/>
+                <a:tab pos="2743200" algn="l"/>
+                <a:tab pos="3200400" algn="l"/>
+                <a:tab pos="3657600" algn="l"/>
+                <a:tab pos="4114800" algn="l"/>
+                <a:tab pos="4572000" algn="l"/>
+                <a:tab pos="5029200" algn="l"/>
+                <a:tab pos="5486400" algn="l"/>
+                <a:tab pos="5943600" algn="l"/>
+                <a:tab pos="6400800" algn="l"/>
+                <a:tab pos="6858000" algn="l"/>
+                <a:tab pos="7315200" algn="l"/>
+                <a:tab pos="7772400" algn="l"/>
+                <a:tab pos="8229600" algn="l"/>
+                <a:tab pos="8686800" algn="l"/>
+                <a:tab pos="9144000" algn="l"/>
+              </a:tabLst>
+            </a:pPr>
+            <a:endParaRPr lang="en-US">
+              <a:cs typeface="DejaVu Sans" charset="0"/>
+            </a:endParaRPr>
+          </a:p>
+        </p:txBody>
+      </p:sp>
+    </p:spTree>
+  </p:cSld>
+  <p:clrMapOvr>
+    <a:masterClrMapping/>
+  </p:clrMapOvr>
+</p:notes>
+</file>
+
+<file path=ppt/notesSlides/notesSlide6.xml><?xml version="1.0" encoding="utf-8"?>
+<p:notes xmlns:a="http://schemas.openxmlformats.org/drawingml/2006/main" xmlns:r="http://schemas.openxmlformats.org/officeDocument/2006/relationships" xmlns:p="http://schemas.openxmlformats.org/presentationml/2006/main">
+  <p:cSld>
+    <p:bg>
+      <p:bgPr>
+        <a:solidFill>
+          <a:srgbClr val="FFFFFF"/>
+        </a:solidFill>
+        <a:effectLst/>
+      </p:bgPr>
+    </p:bg>
+    <p:spTree>
+      <p:nvGrpSpPr>
+        <p:cNvPr id="1" name=""/>
+        <p:cNvGrpSpPr/>
+        <p:nvPr/>
+      </p:nvGrpSpPr>
+      <p:grpSpPr>
+        <a:xfrm>
+          <a:off x="0" y="0"/>
+          <a:ext cx="0" cy="0"/>
+          <a:chOff x="0" y="0"/>
+          <a:chExt cx="0" cy="0"/>
+        </a:xfrm>
+      </p:grpSpPr>
+      <p:sp>
+        <p:nvSpPr>
+          <p:cNvPr id="8" name="Rectangle 27"/>
+          <p:cNvSpPr>
+            <a:spLocks noGrp="1" noChangeArrowheads="1"/>
+          </p:cNvSpPr>
+          <p:nvPr>
+            <p:ph type="sldNum"/>
+          </p:nvPr>
+        </p:nvSpPr>
+        <p:spPr>
+          <a:ln/>
+        </p:spPr>
+        <p:txBody>
+          <a:bodyPr/>
+          <a:lstStyle/>
+          <a:p>
+            <a:fld id="{587DCFEC-F287-4246-B9BC-6030521D2326}" type="slidenum">
+              <a:rPr lang="en-US"/>
+              <a:pPr/>
+              <a:t>6</a:t>
+            </a:fld>
+            <a:endParaRPr lang="en-US"/>
+          </a:p>
+        </p:txBody>
+      </p:sp>
+      <p:sp>
+        <p:nvSpPr>
+          <p:cNvPr id="20481" name="Text Box 1"/>
+          <p:cNvSpPr txBox="1">
+            <a:spLocks noChangeArrowheads="1"/>
+          </p:cNvSpPr>
+          <p:nvPr/>
+        </p:nvSpPr>
+        <p:spPr bwMode="auto">
+          <a:xfrm>
+            <a:off x="4402138" y="9553575"/>
+            <a:ext cx="3367087" cy="503238"/>
+          </a:xfrm>
+          <a:prstGeom prst="rect">
+            <a:avLst/>
+          </a:prstGeom>
+          <a:noFill/>
+          <a:ln w="9525">
+            <a:noFill/>
+            <a:round/>
+            <a:headEnd/>
+            <a:tailEnd/>
+          </a:ln>
+          <a:effectLst/>
+        </p:spPr>
+        <p:txBody>
+          <a:bodyPr lIns="90000" tIns="46800" rIns="90000" bIns="46800" anchor="b"/>
+          <a:lstStyle/>
+          <a:p>
+            <a:pPr algn="r" hangingPunct="1">
+              <a:buClrTx/>
+              <a:buFontTx/>
+              <a:buNone/>
+              <a:tabLst>
+                <a:tab pos="0" algn="l"/>
+                <a:tab pos="457200" algn="l"/>
+                <a:tab pos="914400" algn="l"/>
+                <a:tab pos="1371600" algn="l"/>
+                <a:tab pos="1828800" algn="l"/>
+                <a:tab pos="2286000" algn="l"/>
+                <a:tab pos="2743200" algn="l"/>
+                <a:tab pos="3200400" algn="l"/>
+                <a:tab pos="3657600" algn="l"/>
+                <a:tab pos="4114800" algn="l"/>
+                <a:tab pos="4572000" algn="l"/>
+                <a:tab pos="5029200" algn="l"/>
+                <a:tab pos="5486400" algn="l"/>
+                <a:tab pos="5943600" algn="l"/>
+                <a:tab pos="6400800" algn="l"/>
+                <a:tab pos="6858000" algn="l"/>
+                <a:tab pos="7315200" algn="l"/>
+                <a:tab pos="7772400" algn="l"/>
+                <a:tab pos="8229600" algn="l"/>
+                <a:tab pos="8686800" algn="l"/>
+                <a:tab pos="9144000" algn="l"/>
+              </a:tabLst>
+            </a:pPr>
+            <a:fld id="{425473C4-7C62-4C9C-B02A-408050B48F65}" type="slidenum">
+              <a:rPr lang="ar-SA" sz="1200">
+                <a:solidFill>
+                  <a:srgbClr val="000000"/>
+                </a:solidFill>
+              </a:rPr>
+              <a:pPr algn="r" hangingPunct="1">
+                <a:buClrTx/>
+                <a:buFontTx/>
+                <a:buNone/>
+                <a:tabLst>
+                  <a:tab pos="0" algn="l"/>
+                  <a:tab pos="457200" algn="l"/>
+                  <a:tab pos="914400" algn="l"/>
+                  <a:tab pos="1371600" algn="l"/>
+                  <a:tab pos="1828800" algn="l"/>
+                  <a:tab pos="2286000" algn="l"/>
+                  <a:tab pos="2743200" algn="l"/>
+                  <a:tab pos="3200400" algn="l"/>
+                  <a:tab pos="3657600" algn="l"/>
+                  <a:tab pos="4114800" algn="l"/>
+                  <a:tab pos="4572000" algn="l"/>
+                  <a:tab pos="5029200" algn="l"/>
+                  <a:tab pos="5486400" algn="l"/>
+                  <a:tab pos="5943600" algn="l"/>
+                  <a:tab pos="6400800" algn="l"/>
+                  <a:tab pos="6858000" algn="l"/>
+                  <a:tab pos="7315200" algn="l"/>
+                  <a:tab pos="7772400" algn="l"/>
+                  <a:tab pos="8229600" algn="l"/>
+                  <a:tab pos="8686800" algn="l"/>
+                  <a:tab pos="9144000" algn="l"/>
+                </a:tabLst>
+              </a:pPr>
+              <a:t>6</a:t>
+            </a:fld>
+            <a:endParaRPr lang="en-US" sz="1200">
+              <a:solidFill>
+                <a:srgbClr val="000000"/>
+              </a:solidFill>
+              <a:cs typeface="Arial" charset="0"/>
+            </a:endParaRPr>
+          </a:p>
+        </p:txBody>
+      </p:sp>
+      <p:sp>
+        <p:nvSpPr>
+          <p:cNvPr id="20482" name="Rectangle 2"/>
+          <p:cNvSpPr txBox="1">
+            <a:spLocks noGrp="1" noRot="1" noChangeAspect="1" noChangeArrowheads="1"/>
+          </p:cNvSpPr>
+          <p:nvPr>
+            <p:ph type="sldImg"/>
+          </p:nvPr>
+        </p:nvSpPr>
+        <p:spPr bwMode="auto">
+          <a:xfrm>
+            <a:off x="1371600" y="754063"/>
+            <a:ext cx="5029200" cy="3771900"/>
+          </a:xfrm>
+          <a:prstGeom prst="rect">
+            <a:avLst/>
+          </a:prstGeom>
+          <a:solidFill>
+            <a:srgbClr val="FFFFFF"/>
+          </a:solidFill>
+          <a:ln>
+            <a:solidFill>
+              <a:srgbClr val="000000"/>
+            </a:solidFill>
+            <a:miter lim="800000"/>
+            <a:headEnd/>
+            <a:tailEnd/>
+          </a:ln>
+        </p:spPr>
+      </p:sp>
+      <p:sp>
+        <p:nvSpPr>
+          <p:cNvPr id="20483" name="Rectangle 3"/>
+          <p:cNvSpPr txBox="1">
+            <a:spLocks noGrp="1" noChangeArrowheads="1"/>
+          </p:cNvSpPr>
+          <p:nvPr>
+            <p:ph type="body" idx="1"/>
+          </p:nvPr>
+        </p:nvSpPr>
+        <p:spPr bwMode="auto">
+          <a:xfrm>
+            <a:off x="776288" y="4776788"/>
+            <a:ext cx="6218237" cy="4525962"/>
+          </a:xfrm>
+          <a:prstGeom prst="rect">
+            <a:avLst/>
+          </a:prstGeom>
+          <a:noFill/>
+          <a:ln>
+            <a:round/>
+            <a:headEnd/>
+            <a:tailEnd/>
+          </a:ln>
+        </p:spPr>
+        <p:txBody>
+          <a:bodyPr wrap="none" anchor="ctr"/>
+          <a:lstStyle/>
+          <a:p>
+            <a:pPr>
+              <a:spcBef>
+                <a:spcPts val="450"/>
+              </a:spcBef>
+              <a:buClrTx/>
+              <a:buFontTx/>
+              <a:buNone/>
+              <a:tabLst>
+                <a:tab pos="0" algn="l"/>
+                <a:tab pos="457200" algn="l"/>
+                <a:tab pos="914400" algn="l"/>
+                <a:tab pos="1371600" algn="l"/>
+                <a:tab pos="1828800" algn="l"/>
+                <a:tab pos="2286000" algn="l"/>
+                <a:tab pos="2743200" algn="l"/>
+                <a:tab pos="3200400" algn="l"/>
+                <a:tab pos="3657600" algn="l"/>
+                <a:tab pos="4114800" algn="l"/>
+                <a:tab pos="4572000" algn="l"/>
+                <a:tab pos="5029200" algn="l"/>
+                <a:tab pos="5486400" algn="l"/>
+                <a:tab pos="5943600" algn="l"/>
+                <a:tab pos="6400800" algn="l"/>
+                <a:tab pos="6858000" algn="l"/>
+                <a:tab pos="7315200" algn="l"/>
+                <a:tab pos="7772400" algn="l"/>
+                <a:tab pos="8229600" algn="l"/>
+                <a:tab pos="8686800" algn="l"/>
+                <a:tab pos="9144000" algn="l"/>
+              </a:tabLst>
+            </a:pPr>
+            <a:endParaRPr lang="en-US">
+              <a:cs typeface="DejaVu Sans" charset="0"/>
+            </a:endParaRPr>
+          </a:p>
+        </p:txBody>
+      </p:sp>
+    </p:spTree>
+  </p:cSld>
+  <p:clrMapOvr>
+    <a:masterClrMapping/>
+  </p:clrMapOvr>
+</p:notes>
+</file>
+
+<file path=ppt/notesSlides/notesSlide7.xml><?xml version="1.0" encoding="utf-8"?>
+<p:notes xmlns:a="http://schemas.openxmlformats.org/drawingml/2006/main" xmlns:r="http://schemas.openxmlformats.org/officeDocument/2006/relationships" xmlns:p="http://schemas.openxmlformats.org/presentationml/2006/main">
+  <p:cSld>
+    <p:bg>
+      <p:bgPr>
+        <a:solidFill>
+          <a:srgbClr val="FFFFFF"/>
+        </a:solidFill>
+        <a:effectLst/>
+      </p:bgPr>
+    </p:bg>
+    <p:spTree>
+      <p:nvGrpSpPr>
+        <p:cNvPr id="1" name=""/>
+        <p:cNvGrpSpPr/>
+        <p:nvPr/>
+      </p:nvGrpSpPr>
+      <p:grpSpPr>
+        <a:xfrm>
+          <a:off x="0" y="0"/>
+          <a:ext cx="0" cy="0"/>
+          <a:chOff x="0" y="0"/>
+          <a:chExt cx="0" cy="0"/>
+        </a:xfrm>
+      </p:grpSpPr>
+      <p:sp>
+        <p:nvSpPr>
+          <p:cNvPr id="8" name="Rectangle 27"/>
+          <p:cNvSpPr>
+            <a:spLocks noGrp="1" noChangeArrowheads="1"/>
+          </p:cNvSpPr>
+          <p:nvPr>
+            <p:ph type="sldNum"/>
+          </p:nvPr>
+        </p:nvSpPr>
+        <p:spPr>
+          <a:ln/>
+        </p:spPr>
+        <p:txBody>
+          <a:bodyPr/>
+          <a:lstStyle/>
+          <a:p>
+            <a:fld id="{587DCFEC-F287-4246-B9BC-6030521D2326}" type="slidenum">
+              <a:rPr lang="en-US"/>
+              <a:pPr/>
+              <a:t>7</a:t>
+            </a:fld>
+            <a:endParaRPr lang="en-US"/>
+          </a:p>
+        </p:txBody>
+      </p:sp>
+      <p:sp>
+        <p:nvSpPr>
+          <p:cNvPr id="20481" name="Text Box 1"/>
+          <p:cNvSpPr txBox="1">
+            <a:spLocks noChangeArrowheads="1"/>
+          </p:cNvSpPr>
+          <p:nvPr/>
+        </p:nvSpPr>
+        <p:spPr bwMode="auto">
+          <a:xfrm>
+            <a:off x="4402138" y="9553575"/>
+            <a:ext cx="3367087" cy="503238"/>
+          </a:xfrm>
+          <a:prstGeom prst="rect">
+            <a:avLst/>
+          </a:prstGeom>
+          <a:noFill/>
+          <a:ln w="9525">
+            <a:noFill/>
+            <a:round/>
+            <a:headEnd/>
+            <a:tailEnd/>
+          </a:ln>
+          <a:effectLst/>
+        </p:spPr>
+        <p:txBody>
+          <a:bodyPr lIns="90000" tIns="46800" rIns="90000" bIns="46800" anchor="b"/>
+          <a:lstStyle/>
+          <a:p>
+            <a:pPr algn="r" hangingPunct="1">
+              <a:buClrTx/>
+              <a:buFontTx/>
+              <a:buNone/>
+              <a:tabLst>
+                <a:tab pos="0" algn="l"/>
+                <a:tab pos="457200" algn="l"/>
+                <a:tab pos="914400" algn="l"/>
+                <a:tab pos="1371600" algn="l"/>
+                <a:tab pos="1828800" algn="l"/>
+                <a:tab pos="2286000" algn="l"/>
+                <a:tab pos="2743200" algn="l"/>
+                <a:tab pos="3200400" algn="l"/>
+                <a:tab pos="3657600" algn="l"/>
+                <a:tab pos="4114800" algn="l"/>
+                <a:tab pos="4572000" algn="l"/>
+                <a:tab pos="5029200" algn="l"/>
+                <a:tab pos="5486400" algn="l"/>
+                <a:tab pos="5943600" algn="l"/>
+                <a:tab pos="6400800" algn="l"/>
+                <a:tab pos="6858000" algn="l"/>
+                <a:tab pos="7315200" algn="l"/>
+                <a:tab pos="7772400" algn="l"/>
+                <a:tab pos="8229600" algn="l"/>
+                <a:tab pos="8686800" algn="l"/>
+                <a:tab pos="9144000" algn="l"/>
+              </a:tabLst>
+            </a:pPr>
+            <a:fld id="{425473C4-7C62-4C9C-B02A-408050B48F65}" type="slidenum">
+              <a:rPr lang="ar-SA" sz="1200">
+                <a:solidFill>
+                  <a:srgbClr val="000000"/>
+                </a:solidFill>
+              </a:rPr>
+              <a:pPr algn="r" hangingPunct="1">
+                <a:buClrTx/>
+                <a:buFontTx/>
+                <a:buNone/>
+                <a:tabLst>
+                  <a:tab pos="0" algn="l"/>
+                  <a:tab pos="457200" algn="l"/>
+                  <a:tab pos="914400" algn="l"/>
+                  <a:tab pos="1371600" algn="l"/>
+                  <a:tab pos="1828800" algn="l"/>
+                  <a:tab pos="2286000" algn="l"/>
+                  <a:tab pos="2743200" algn="l"/>
+                  <a:tab pos="3200400" algn="l"/>
+                  <a:tab pos="3657600" algn="l"/>
+                  <a:tab pos="4114800" algn="l"/>
+                  <a:tab pos="4572000" algn="l"/>
+                  <a:tab pos="5029200" algn="l"/>
+                  <a:tab pos="5486400" algn="l"/>
+                  <a:tab pos="5943600" algn="l"/>
+                  <a:tab pos="6400800" algn="l"/>
+                  <a:tab pos="6858000" algn="l"/>
+                  <a:tab pos="7315200" algn="l"/>
+                  <a:tab pos="7772400" algn="l"/>
+                  <a:tab pos="8229600" algn="l"/>
+                  <a:tab pos="8686800" algn="l"/>
+                  <a:tab pos="9144000" algn="l"/>
+                </a:tabLst>
+              </a:pPr>
+              <a:t>7</a:t>
+            </a:fld>
+            <a:endParaRPr lang="en-US" sz="1200">
+              <a:solidFill>
+                <a:srgbClr val="000000"/>
+              </a:solidFill>
+              <a:cs typeface="Arial" charset="0"/>
+            </a:endParaRPr>
+          </a:p>
+        </p:txBody>
+      </p:sp>
+      <p:sp>
+        <p:nvSpPr>
+          <p:cNvPr id="20482" name="Rectangle 2"/>
+          <p:cNvSpPr txBox="1">
+            <a:spLocks noGrp="1" noRot="1" noChangeAspect="1" noChangeArrowheads="1"/>
+          </p:cNvSpPr>
+          <p:nvPr>
+            <p:ph type="sldImg"/>
+          </p:nvPr>
+        </p:nvSpPr>
+        <p:spPr bwMode="auto">
+          <a:xfrm>
+            <a:off x="1371600" y="754063"/>
+            <a:ext cx="5029200" cy="3771900"/>
+          </a:xfrm>
+          <a:prstGeom prst="rect">
+            <a:avLst/>
+          </a:prstGeom>
+          <a:solidFill>
+            <a:srgbClr val="FFFFFF"/>
+          </a:solidFill>
+          <a:ln>
+            <a:solidFill>
+              <a:srgbClr val="000000"/>
+            </a:solidFill>
+            <a:miter lim="800000"/>
+            <a:headEnd/>
+            <a:tailEnd/>
+          </a:ln>
+        </p:spPr>
+      </p:sp>
+      <p:sp>
+        <p:nvSpPr>
+          <p:cNvPr id="20483" name="Rectangle 3"/>
+          <p:cNvSpPr txBox="1">
+            <a:spLocks noGrp="1" noChangeArrowheads="1"/>
+          </p:cNvSpPr>
+          <p:nvPr>
+            <p:ph type="body" idx="1"/>
+          </p:nvPr>
+        </p:nvSpPr>
+        <p:spPr bwMode="auto">
+          <a:xfrm>
+            <a:off x="776288" y="4776788"/>
+            <a:ext cx="6218237" cy="4525962"/>
+          </a:xfrm>
+          <a:prstGeom prst="rect">
+            <a:avLst/>
+          </a:prstGeom>
+          <a:noFill/>
+          <a:ln>
+            <a:round/>
+            <a:headEnd/>
+            <a:tailEnd/>
+          </a:ln>
+        </p:spPr>
+        <p:txBody>
+          <a:bodyPr wrap="none" anchor="ctr"/>
+          <a:lstStyle/>
+          <a:p>
+            <a:pPr>
+              <a:spcBef>
+                <a:spcPts val="450"/>
+              </a:spcBef>
+              <a:buClrTx/>
+              <a:buFontTx/>
+              <a:buNone/>
+              <a:tabLst>
+                <a:tab pos="0" algn="l"/>
+                <a:tab pos="457200" algn="l"/>
+                <a:tab pos="914400" algn="l"/>
+                <a:tab pos="1371600" algn="l"/>
+                <a:tab pos="1828800" algn="l"/>
+                <a:tab pos="2286000" algn="l"/>
+                <a:tab pos="2743200" algn="l"/>
+                <a:tab pos="3200400" algn="l"/>
+                <a:tab pos="3657600" algn="l"/>
+                <a:tab pos="4114800" algn="l"/>
+                <a:tab pos="4572000" algn="l"/>
+                <a:tab pos="5029200" algn="l"/>
+                <a:tab pos="5486400" algn="l"/>
+                <a:tab pos="5943600" algn="l"/>
+                <a:tab pos="6400800" algn="l"/>
+                <a:tab pos="6858000" algn="l"/>
+                <a:tab pos="7315200" algn="l"/>
+                <a:tab pos="7772400" algn="l"/>
+                <a:tab pos="8229600" algn="l"/>
+                <a:tab pos="8686800" algn="l"/>
+                <a:tab pos="9144000" algn="l"/>
+              </a:tabLst>
+            </a:pPr>
+            <a:endParaRPr lang="en-US">
+              <a:cs typeface="DejaVu Sans" charset="0"/>
+            </a:endParaRPr>
+          </a:p>
+        </p:txBody>
+      </p:sp>
+    </p:spTree>
+  </p:cSld>
+  <p:clrMapOvr>
+    <a:masterClrMapping/>
+  </p:clrMapOvr>
+</p:notes>
+</file>
+
+<file path=ppt/notesSlides/notesSlide8.xml><?xml version="1.0" encoding="utf-8"?>
+<p:notes xmlns:a="http://schemas.openxmlformats.org/drawingml/2006/main" xmlns:r="http://schemas.openxmlformats.org/officeDocument/2006/relationships" xmlns:p="http://schemas.openxmlformats.org/presentationml/2006/main">
+  <p:cSld>
+    <p:bg>
+      <p:bgPr>
+        <a:solidFill>
+          <a:srgbClr val="FFFFFF"/>
+        </a:solidFill>
+        <a:effectLst/>
+      </p:bgPr>
+    </p:bg>
+    <p:spTree>
+      <p:nvGrpSpPr>
+        <p:cNvPr id="1" name=""/>
+        <p:cNvGrpSpPr/>
+        <p:nvPr/>
+      </p:nvGrpSpPr>
+      <p:grpSpPr>
+        <a:xfrm>
+          <a:off x="0" y="0"/>
+          <a:ext cx="0" cy="0"/>
+          <a:chOff x="0" y="0"/>
+          <a:chExt cx="0" cy="0"/>
+        </a:xfrm>
+      </p:grpSpPr>
+      <p:sp>
+        <p:nvSpPr>
+          <p:cNvPr id="8" name="Rectangle 27"/>
+          <p:cNvSpPr>
+            <a:spLocks noGrp="1" noChangeArrowheads="1"/>
+          </p:cNvSpPr>
+          <p:nvPr>
+            <p:ph type="sldNum"/>
+          </p:nvPr>
+        </p:nvSpPr>
+        <p:spPr>
+          <a:ln/>
+        </p:spPr>
+        <p:txBody>
+          <a:bodyPr/>
+          <a:lstStyle/>
+          <a:p>
+            <a:fld id="{587DCFEC-F287-4246-B9BC-6030521D2326}" type="slidenum">
+              <a:rPr lang="en-US"/>
+              <a:pPr/>
+              <a:t>8</a:t>
+            </a:fld>
+            <a:endParaRPr lang="en-US"/>
+          </a:p>
+        </p:txBody>
+      </p:sp>
+      <p:sp>
+        <p:nvSpPr>
+          <p:cNvPr id="20481" name="Text Box 1"/>
+          <p:cNvSpPr txBox="1">
+            <a:spLocks noChangeArrowheads="1"/>
+          </p:cNvSpPr>
+          <p:nvPr/>
+        </p:nvSpPr>
+        <p:spPr bwMode="auto">
+          <a:xfrm>
+            <a:off x="4402138" y="9553575"/>
+            <a:ext cx="3367087" cy="503238"/>
+          </a:xfrm>
+          <a:prstGeom prst="rect">
+            <a:avLst/>
+          </a:prstGeom>
+          <a:noFill/>
+          <a:ln w="9525">
+            <a:noFill/>
+            <a:round/>
+            <a:headEnd/>
+            <a:tailEnd/>
+          </a:ln>
+          <a:effectLst/>
+        </p:spPr>
+        <p:txBody>
+          <a:bodyPr lIns="90000" tIns="46800" rIns="90000" bIns="46800" anchor="b"/>
+          <a:lstStyle/>
+          <a:p>
+            <a:pPr algn="r" hangingPunct="1">
+              <a:buClrTx/>
+              <a:buFontTx/>
+              <a:buNone/>
+              <a:tabLst>
+                <a:tab pos="0" algn="l"/>
+                <a:tab pos="457200" algn="l"/>
+                <a:tab pos="914400" algn="l"/>
+                <a:tab pos="1371600" algn="l"/>
+                <a:tab pos="1828800" algn="l"/>
+                <a:tab pos="2286000" algn="l"/>
+                <a:tab pos="2743200" algn="l"/>
+                <a:tab pos="3200400" algn="l"/>
+                <a:tab pos="3657600" algn="l"/>
+                <a:tab pos="4114800" algn="l"/>
+                <a:tab pos="4572000" algn="l"/>
+                <a:tab pos="5029200" algn="l"/>
+                <a:tab pos="5486400" algn="l"/>
+                <a:tab pos="5943600" algn="l"/>
+                <a:tab pos="6400800" algn="l"/>
+                <a:tab pos="6858000" algn="l"/>
+                <a:tab pos="7315200" algn="l"/>
+                <a:tab pos="7772400" algn="l"/>
+                <a:tab pos="8229600" algn="l"/>
+                <a:tab pos="8686800" algn="l"/>
+                <a:tab pos="9144000" algn="l"/>
+              </a:tabLst>
+            </a:pPr>
+            <a:fld id="{425473C4-7C62-4C9C-B02A-408050B48F65}" type="slidenum">
+              <a:rPr lang="ar-SA" sz="1200">
+                <a:solidFill>
+                  <a:srgbClr val="000000"/>
+                </a:solidFill>
+              </a:rPr>
+              <a:pPr algn="r" hangingPunct="1">
+                <a:buClrTx/>
+                <a:buFontTx/>
+                <a:buNone/>
+                <a:tabLst>
+                  <a:tab pos="0" algn="l"/>
+                  <a:tab pos="457200" algn="l"/>
+                  <a:tab pos="914400" algn="l"/>
+                  <a:tab pos="1371600" algn="l"/>
+                  <a:tab pos="1828800" algn="l"/>
+                  <a:tab pos="2286000" algn="l"/>
+                  <a:tab pos="2743200" algn="l"/>
+                  <a:tab pos="3200400" algn="l"/>
+                  <a:tab pos="3657600" algn="l"/>
+                  <a:tab pos="4114800" algn="l"/>
+                  <a:tab pos="4572000" algn="l"/>
+                  <a:tab pos="5029200" algn="l"/>
+                  <a:tab pos="5486400" algn="l"/>
+                  <a:tab pos="5943600" algn="l"/>
+                  <a:tab pos="6400800" algn="l"/>
+                  <a:tab pos="6858000" algn="l"/>
+                  <a:tab pos="7315200" algn="l"/>
+                  <a:tab pos="7772400" algn="l"/>
+                  <a:tab pos="8229600" algn="l"/>
+                  <a:tab pos="8686800" algn="l"/>
+                  <a:tab pos="9144000" algn="l"/>
+                </a:tabLst>
+              </a:pPr>
+              <a:t>8</a:t>
+            </a:fld>
+            <a:endParaRPr lang="en-US" sz="1200">
+              <a:solidFill>
+                <a:srgbClr val="000000"/>
+              </a:solidFill>
+              <a:cs typeface="Arial" charset="0"/>
+            </a:endParaRPr>
+          </a:p>
+        </p:txBody>
+      </p:sp>
+      <p:sp>
+        <p:nvSpPr>
+          <p:cNvPr id="20482" name="Rectangle 2"/>
+          <p:cNvSpPr txBox="1">
+            <a:spLocks noGrp="1" noRot="1" noChangeAspect="1" noChangeArrowheads="1"/>
+          </p:cNvSpPr>
+          <p:nvPr>
+            <p:ph type="sldImg"/>
+          </p:nvPr>
+        </p:nvSpPr>
+        <p:spPr bwMode="auto">
+          <a:xfrm>
+            <a:off x="1371600" y="754063"/>
+            <a:ext cx="5029200" cy="3771900"/>
+          </a:xfrm>
+          <a:prstGeom prst="rect">
+            <a:avLst/>
+          </a:prstGeom>
+          <a:solidFill>
+            <a:srgbClr val="FFFFFF"/>
+          </a:solidFill>
+          <a:ln>
+            <a:solidFill>
+              <a:srgbClr val="000000"/>
+            </a:solidFill>
+            <a:miter lim="800000"/>
+            <a:headEnd/>
+            <a:tailEnd/>
+          </a:ln>
+        </p:spPr>
+      </p:sp>
+      <p:sp>
+        <p:nvSpPr>
+          <p:cNvPr id="20483" name="Rectangle 3"/>
+          <p:cNvSpPr txBox="1">
+            <a:spLocks noGrp="1" noChangeArrowheads="1"/>
+          </p:cNvSpPr>
+          <p:nvPr>
+            <p:ph type="body" idx="1"/>
+          </p:nvPr>
+        </p:nvSpPr>
+        <p:spPr bwMode="auto">
+          <a:xfrm>
+            <a:off x="776288" y="4776788"/>
+            <a:ext cx="6218237" cy="4525962"/>
+          </a:xfrm>
+          <a:prstGeom prst="rect">
+            <a:avLst/>
+          </a:prstGeom>
+          <a:noFill/>
+          <a:ln>
+            <a:round/>
+            <a:headEnd/>
+            <a:tailEnd/>
+          </a:ln>
+        </p:spPr>
+        <p:txBody>
+          <a:bodyPr wrap="none" anchor="ctr"/>
+          <a:lstStyle/>
+          <a:p>
+            <a:pPr>
+              <a:spcBef>
+                <a:spcPts val="450"/>
+              </a:spcBef>
+              <a:buClrTx/>
+              <a:buFontTx/>
+              <a:buNone/>
+              <a:tabLst>
+                <a:tab pos="0" algn="l"/>
+                <a:tab pos="457200" algn="l"/>
+                <a:tab pos="914400" algn="l"/>
+                <a:tab pos="1371600" algn="l"/>
+                <a:tab pos="1828800" algn="l"/>
+                <a:tab pos="2286000" algn="l"/>
+                <a:tab pos="2743200" algn="l"/>
+                <a:tab pos="3200400" algn="l"/>
+                <a:tab pos="3657600" algn="l"/>
+                <a:tab pos="4114800" algn="l"/>
+                <a:tab pos="4572000" algn="l"/>
+                <a:tab pos="5029200" algn="l"/>
+                <a:tab pos="5486400" algn="l"/>
+                <a:tab pos="5943600" algn="l"/>
+                <a:tab pos="6400800" algn="l"/>
+                <a:tab pos="6858000" algn="l"/>
+                <a:tab pos="7315200" algn="l"/>
+                <a:tab pos="7772400" algn="l"/>
+                <a:tab pos="8229600" algn="l"/>
+                <a:tab pos="8686800" algn="l"/>
+                <a:tab pos="9144000" algn="l"/>
+              </a:tabLst>
+            </a:pPr>
+            <a:endParaRPr lang="en-US">
+              <a:cs typeface="DejaVu Sans" charset="0"/>
+            </a:endParaRPr>
+          </a:p>
+        </p:txBody>
+      </p:sp>
+    </p:spTree>
+  </p:cSld>
+  <p:clrMapOvr>
+    <a:masterClrMapping/>
+  </p:clrMapOvr>
+</p:notes>
+</file>
+
+<file path=ppt/notesSlides/notesSlide9.xml><?xml version="1.0" encoding="utf-8"?>
+<p:notes xmlns:a="http://schemas.openxmlformats.org/drawingml/2006/main" xmlns:r="http://schemas.openxmlformats.org/officeDocument/2006/relationships" xmlns:p="http://schemas.openxmlformats.org/presentationml/2006/main">
+  <p:cSld>
+    <p:bg>
+      <p:bgPr>
+        <a:solidFill>
+          <a:srgbClr val="FFFFFF"/>
+        </a:solidFill>
+        <a:effectLst/>
+      </p:bgPr>
+    </p:bg>
+    <p:spTree>
+      <p:nvGrpSpPr>
+        <p:cNvPr id="1" name=""/>
+        <p:cNvGrpSpPr/>
+        <p:nvPr/>
+      </p:nvGrpSpPr>
+      <p:grpSpPr>
+        <a:xfrm>
+          <a:off x="0" y="0"/>
+          <a:ext cx="0" cy="0"/>
+          <a:chOff x="0" y="0"/>
+          <a:chExt cx="0" cy="0"/>
+        </a:xfrm>
+      </p:grpSpPr>
+      <p:sp>
+        <p:nvSpPr>
+          <p:cNvPr id="8" name="Rectangle 27"/>
+          <p:cNvSpPr>
+            <a:spLocks noGrp="1" noChangeArrowheads="1"/>
+          </p:cNvSpPr>
+          <p:nvPr>
+            <p:ph type="sldNum"/>
+          </p:nvPr>
+        </p:nvSpPr>
+        <p:spPr>
+          <a:ln/>
+        </p:spPr>
+        <p:txBody>
+          <a:bodyPr/>
+          <a:lstStyle/>
+          <a:p>
+            <a:fld id="{587DCFEC-F287-4246-B9BC-6030521D2326}" type="slidenum">
+              <a:rPr lang="en-US"/>
+              <a:pPr/>
+              <a:t>9</a:t>
+            </a:fld>
+            <a:endParaRPr lang="en-US"/>
+          </a:p>
+        </p:txBody>
+      </p:sp>
+      <p:sp>
+        <p:nvSpPr>
+          <p:cNvPr id="20481" name="Text Box 1"/>
+          <p:cNvSpPr txBox="1">
+            <a:spLocks noChangeArrowheads="1"/>
+          </p:cNvSpPr>
+          <p:nvPr/>
+        </p:nvSpPr>
+        <p:spPr bwMode="auto">
+          <a:xfrm>
+            <a:off x="4402138" y="9553575"/>
+            <a:ext cx="3367087" cy="503238"/>
+          </a:xfrm>
+          <a:prstGeom prst="rect">
+            <a:avLst/>
+          </a:prstGeom>
+          <a:noFill/>
+          <a:ln w="9525">
+            <a:noFill/>
+            <a:round/>
+            <a:headEnd/>
+            <a:tailEnd/>
+          </a:ln>
+          <a:effectLst/>
+        </p:spPr>
+        <p:txBody>
+          <a:bodyPr lIns="90000" tIns="46800" rIns="90000" bIns="46800" anchor="b"/>
+          <a:lstStyle/>
+          <a:p>
+            <a:pPr algn="r" hangingPunct="1">
+              <a:buClrTx/>
+              <a:buFontTx/>
+              <a:buNone/>
+              <a:tabLst>
+                <a:tab pos="0" algn="l"/>
+                <a:tab pos="457200" algn="l"/>
+                <a:tab pos="914400" algn="l"/>
+                <a:tab pos="1371600" algn="l"/>
+                <a:tab pos="1828800" algn="l"/>
+                <a:tab pos="2286000" algn="l"/>
+                <a:tab pos="2743200" algn="l"/>
+                <a:tab pos="3200400" algn="l"/>
+                <a:tab pos="3657600" algn="l"/>
+                <a:tab pos="4114800" algn="l"/>
+                <a:tab pos="4572000" algn="l"/>
+                <a:tab pos="5029200" algn="l"/>
+                <a:tab pos="5486400" algn="l"/>
+                <a:tab pos="5943600" algn="l"/>
+                <a:tab pos="6400800" algn="l"/>
+                <a:tab pos="6858000" algn="l"/>
+                <a:tab pos="7315200" algn="l"/>
+                <a:tab pos="7772400" algn="l"/>
+                <a:tab pos="8229600" algn="l"/>
+                <a:tab pos="8686800" algn="l"/>
+                <a:tab pos="9144000" algn="l"/>
+              </a:tabLst>
+            </a:pPr>
+            <a:fld id="{425473C4-7C62-4C9C-B02A-408050B48F65}" type="slidenum">
+              <a:rPr lang="ar-SA" sz="1200">
+                <a:solidFill>
+                  <a:srgbClr val="000000"/>
+                </a:solidFill>
+              </a:rPr>
+              <a:pPr algn="r" hangingPunct="1">
+                <a:buClrTx/>
+                <a:buFontTx/>
+                <a:buNone/>
+                <a:tabLst>
+                  <a:tab pos="0" algn="l"/>
+                  <a:tab pos="457200" algn="l"/>
+                  <a:tab pos="914400" algn="l"/>
+                  <a:tab pos="1371600" algn="l"/>
+                  <a:tab pos="1828800" algn="l"/>
+                  <a:tab pos="2286000" algn="l"/>
+                  <a:tab pos="2743200" algn="l"/>
+                  <a:tab pos="3200400" algn="l"/>
+                  <a:tab pos="3657600" algn="l"/>
+                  <a:tab pos="4114800" algn="l"/>
+                  <a:tab pos="4572000" algn="l"/>
+                  <a:tab pos="5029200" algn="l"/>
+                  <a:tab pos="5486400" algn="l"/>
+                  <a:tab pos="5943600" algn="l"/>
+                  <a:tab pos="6400800" algn="l"/>
+                  <a:tab pos="6858000" algn="l"/>
+                  <a:tab pos="7315200" algn="l"/>
+                  <a:tab pos="7772400" algn="l"/>
+                  <a:tab pos="8229600" algn="l"/>
+                  <a:tab pos="8686800" algn="l"/>
+                  <a:tab pos="9144000" algn="l"/>
+                </a:tabLst>
+              </a:pPr>
+              <a:t>9</a:t>
+            </a:fld>
+            <a:endParaRPr lang="en-US" sz="1200">
+              <a:solidFill>
+                <a:srgbClr val="000000"/>
+              </a:solidFill>
+              <a:cs typeface="Arial" charset="0"/>
+            </a:endParaRPr>
+          </a:p>
+        </p:txBody>
+      </p:sp>
+      <p:sp>
+        <p:nvSpPr>
+          <p:cNvPr id="20482" name="Rectangle 2"/>
+          <p:cNvSpPr txBox="1">
+            <a:spLocks noGrp="1" noRot="1" noChangeAspect="1" noChangeArrowheads="1"/>
+          </p:cNvSpPr>
+          <p:nvPr>
+            <p:ph type="sldImg"/>
+          </p:nvPr>
+        </p:nvSpPr>
+        <p:spPr bwMode="auto">
+          <a:xfrm>
+            <a:off x="1371600" y="754063"/>
+            <a:ext cx="5029200" cy="3771900"/>
+          </a:xfrm>
+          <a:prstGeom prst="rect">
+            <a:avLst/>
+          </a:prstGeom>
+          <a:solidFill>
+            <a:srgbClr val="FFFFFF"/>
+          </a:solidFill>
+          <a:ln>
+            <a:solidFill>
+              <a:srgbClr val="000000"/>
+            </a:solidFill>
+            <a:miter lim="800000"/>
+            <a:headEnd/>
+            <a:tailEnd/>
+          </a:ln>
+        </p:spPr>
+      </p:sp>
+      <p:sp>
+        <p:nvSpPr>
+          <p:cNvPr id="20483" name="Rectangle 3"/>
+          <p:cNvSpPr txBox="1">
+            <a:spLocks noGrp="1" noChangeArrowheads="1"/>
           </p:cNvSpPr>
           <p:nvPr>
             <p:ph type="body" idx="1"/>
@@ -5670,7 +8260,1228 @@
   <p:timing>
     <p:tnLst>
       <p:par>
-        <p:cTn id="1" dur="indefinite" nodeType="tmRoot">
+        <p:cTn id="1" dur="indefinite" restart="never" nodeType="tmRoot">
+          <p:childTnLst>
+            <p:seq concurrent="1" nextAc="seek">
+              <p:cTn id="2" dur="indefinite" nodeType="mainSeq"/>
+              <p:prevCondLst>
+                <p:cond evt="onPrev" delay="0">
+                  <p:tgtEl>
+                    <p:sldTgt/>
+                  </p:tgtEl>
+                </p:cond>
+              </p:prevCondLst>
+              <p:nextCondLst>
+                <p:cond evt="onNext" delay="0">
+                  <p:tgtEl>
+                    <p:sldTgt/>
+                  </p:tgtEl>
+                </p:cond>
+              </p:nextCondLst>
+            </p:seq>
+          </p:childTnLst>
+        </p:cTn>
+      </p:par>
+    </p:tnLst>
+  </p:timing>
+</p:sld>
+</file>
+
+<file path=ppt/slides/slide10.xml><?xml version="1.0" encoding="utf-8"?>
+<p:sld xmlns:a="http://schemas.openxmlformats.org/drawingml/2006/main" xmlns:r="http://schemas.openxmlformats.org/officeDocument/2006/relationships" xmlns:p="http://schemas.openxmlformats.org/presentationml/2006/main">
+  <p:cSld>
+    <p:spTree>
+      <p:nvGrpSpPr>
+        <p:cNvPr id="1" name=""/>
+        <p:cNvGrpSpPr/>
+        <p:nvPr/>
+      </p:nvGrpSpPr>
+      <p:grpSpPr>
+        <a:xfrm>
+          <a:off x="0" y="0"/>
+          <a:ext cx="0" cy="0"/>
+          <a:chOff x="0" y="0"/>
+          <a:chExt cx="0" cy="0"/>
+        </a:xfrm>
+      </p:grpSpPr>
+      <p:sp>
+        <p:nvSpPr>
+          <p:cNvPr id="4097" name="Text Box 1"/>
+          <p:cNvSpPr txBox="1">
+            <a:spLocks noChangeArrowheads="1"/>
+          </p:cNvSpPr>
+          <p:nvPr/>
+        </p:nvSpPr>
+        <p:spPr bwMode="auto">
+          <a:xfrm>
+            <a:off x="503238" y="306388"/>
+            <a:ext cx="9072562" cy="1257300"/>
+          </a:xfrm>
+          <a:prstGeom prst="rect">
+            <a:avLst/>
+          </a:prstGeom>
+          <a:noFill/>
+          <a:ln w="9525">
+            <a:noFill/>
+            <a:round/>
+            <a:headEnd/>
+            <a:tailEnd/>
+          </a:ln>
+          <a:effectLst/>
+        </p:spPr>
+        <p:txBody>
+          <a:bodyPr/>
+          <a:lstStyle/>
+          <a:p>
+            <a:pPr algn="ctr" hangingPunct="1">
+              <a:buClrTx/>
+              <a:buFontTx/>
+              <a:buNone/>
+              <a:tabLst>
+                <a:tab pos="0" algn="l"/>
+                <a:tab pos="457200" algn="l"/>
+                <a:tab pos="914400" algn="l"/>
+                <a:tab pos="1371600" algn="l"/>
+                <a:tab pos="1828800" algn="l"/>
+                <a:tab pos="2286000" algn="l"/>
+                <a:tab pos="2743200" algn="l"/>
+                <a:tab pos="3200400" algn="l"/>
+                <a:tab pos="3657600" algn="l"/>
+                <a:tab pos="4114800" algn="l"/>
+                <a:tab pos="4572000" algn="l"/>
+                <a:tab pos="5029200" algn="l"/>
+                <a:tab pos="5486400" algn="l"/>
+                <a:tab pos="5943600" algn="l"/>
+                <a:tab pos="6400800" algn="l"/>
+                <a:tab pos="6858000" algn="l"/>
+                <a:tab pos="7315200" algn="l"/>
+                <a:tab pos="7772400" algn="l"/>
+                <a:tab pos="8229600" algn="l"/>
+                <a:tab pos="8686800" algn="l"/>
+                <a:tab pos="9144000" algn="l"/>
+              </a:tabLst>
+            </a:pPr>
+            <a:r>
+              <a:rPr lang="it-IT" sz="4400" b="1" dirty="0" smtClean="0">
+                <a:solidFill>
+                  <a:srgbClr val="000080"/>
+                </a:solidFill>
+                <a:ea typeface="Arial Unicode MS" charset="0"/>
+                <a:cs typeface="Arial Unicode MS" charset="0"/>
+              </a:rPr>
+              <a:t>① </a:t>
+            </a:r>
+            <a:r>
+              <a:rPr lang="en-US" sz="4400" dirty="0" smtClean="0">
+                <a:solidFill>
+                  <a:srgbClr val="000080"/>
+                </a:solidFill>
+                <a:ea typeface="Arial Unicode MS" charset="0"/>
+                <a:cs typeface="Arial Unicode MS" charset="0"/>
+              </a:rPr>
+              <a:t>+ </a:t>
+            </a:r>
+            <a:r>
+              <a:rPr lang="it-IT" sz="4400" b="1" dirty="0" smtClean="0">
+                <a:solidFill>
+                  <a:srgbClr val="000080"/>
+                </a:solidFill>
+                <a:ea typeface="Arial Unicode MS" charset="0"/>
+                <a:cs typeface="Arial Unicode MS" charset="0"/>
+              </a:rPr>
+              <a:t>②</a:t>
+            </a:r>
+            <a:r>
+              <a:rPr lang="en-US" sz="4400" dirty="0" smtClean="0">
+                <a:solidFill>
+                  <a:srgbClr val="000080"/>
+                </a:solidFill>
+                <a:ea typeface="Arial Unicode MS" charset="0"/>
+                <a:cs typeface="Arial Unicode MS" charset="0"/>
+              </a:rPr>
+              <a:t> </a:t>
+            </a:r>
+            <a:r>
+              <a:rPr lang="en-US" sz="4400" dirty="0" err="1" smtClean="0">
+                <a:solidFill>
+                  <a:srgbClr val="000080"/>
+                </a:solidFill>
+                <a:ea typeface="Arial Unicode MS" charset="0"/>
+                <a:cs typeface="Arial Unicode MS" charset="0"/>
+              </a:rPr>
+              <a:t>Benefici</a:t>
+            </a:r>
+            <a:r>
+              <a:rPr lang="en-US" sz="4400" dirty="0" smtClean="0">
+                <a:solidFill>
+                  <a:srgbClr val="000080"/>
+                </a:solidFill>
+                <a:ea typeface="Arial Unicode MS" charset="0"/>
+                <a:cs typeface="Arial Unicode MS" charset="0"/>
+              </a:rPr>
+              <a:t> per IDEM</a:t>
+            </a:r>
+            <a:endParaRPr lang="en-US" sz="4400" dirty="0">
+              <a:solidFill>
+                <a:srgbClr val="000080"/>
+              </a:solidFill>
+              <a:ea typeface="Arial Unicode MS" charset="0"/>
+              <a:cs typeface="Arial Unicode MS" charset="0"/>
+            </a:endParaRPr>
+          </a:p>
+        </p:txBody>
+      </p:sp>
+      <p:sp>
+        <p:nvSpPr>
+          <p:cNvPr id="4098" name="Rectangle 2"/>
+          <p:cNvSpPr>
+            <a:spLocks noChangeArrowheads="1"/>
+          </p:cNvSpPr>
+          <p:nvPr/>
+        </p:nvSpPr>
+        <p:spPr bwMode="auto">
+          <a:xfrm>
+            <a:off x="671513" y="1511300"/>
+            <a:ext cx="9072562" cy="5414963"/>
+          </a:xfrm>
+          <a:prstGeom prst="rect">
+            <a:avLst/>
+          </a:prstGeom>
+          <a:noFill/>
+          <a:ln w="9525">
+            <a:noFill/>
+            <a:round/>
+            <a:headEnd/>
+            <a:tailEnd/>
+          </a:ln>
+          <a:effectLst/>
+        </p:spPr>
+        <p:txBody>
+          <a:bodyPr lIns="90000" tIns="46800" rIns="90000" bIns="46800"/>
+          <a:lstStyle/>
+          <a:p>
+            <a:pPr marL="319088" indent="-319088" hangingPunct="1">
+              <a:spcBef>
+                <a:spcPts val="800"/>
+              </a:spcBef>
+              <a:buClr>
+                <a:srgbClr val="808080"/>
+              </a:buClr>
+              <a:buSzPct val="65000"/>
+              <a:buFont typeface="Wingdings" charset="2"/>
+              <a:buChar char=""/>
+              <a:tabLst>
+                <a:tab pos="319088" algn="l"/>
+                <a:tab pos="776288" algn="l"/>
+                <a:tab pos="1233488" algn="l"/>
+                <a:tab pos="1690688" algn="l"/>
+                <a:tab pos="2147888" algn="l"/>
+                <a:tab pos="2605088" algn="l"/>
+                <a:tab pos="3062288" algn="l"/>
+                <a:tab pos="3519488" algn="l"/>
+                <a:tab pos="3976688" algn="l"/>
+                <a:tab pos="4433888" algn="l"/>
+                <a:tab pos="4891088" algn="l"/>
+                <a:tab pos="5348288" algn="l"/>
+                <a:tab pos="5805488" algn="l"/>
+                <a:tab pos="6262688" algn="l"/>
+                <a:tab pos="6719888" algn="l"/>
+                <a:tab pos="7177088" algn="l"/>
+                <a:tab pos="7634288" algn="l"/>
+                <a:tab pos="8091488" algn="l"/>
+                <a:tab pos="8548688" algn="l"/>
+                <a:tab pos="9005888" algn="l"/>
+                <a:tab pos="9463088" algn="l"/>
+              </a:tabLst>
+            </a:pPr>
+            <a:r>
+              <a:rPr lang="it-IT" sz="3200" dirty="0" smtClean="0">
+                <a:solidFill>
+                  <a:srgbClr val="000000"/>
+                </a:solidFill>
+                <a:cs typeface="Arial" charset="0"/>
+              </a:rPr>
+              <a:t>Le estensioni 1 e 2 permettono ad IDEM di allargarsi includendo nuove applicazioni.</a:t>
+            </a:r>
+          </a:p>
+          <a:p>
+            <a:pPr marL="319088" indent="-319088" hangingPunct="1">
+              <a:spcBef>
+                <a:spcPts val="800"/>
+              </a:spcBef>
+              <a:buClr>
+                <a:srgbClr val="808080"/>
+              </a:buClr>
+              <a:buSzPct val="65000"/>
+              <a:buFont typeface="Wingdings" charset="2"/>
+              <a:buChar char=""/>
+              <a:tabLst>
+                <a:tab pos="319088" algn="l"/>
+                <a:tab pos="776288" algn="l"/>
+                <a:tab pos="1233488" algn="l"/>
+                <a:tab pos="1690688" algn="l"/>
+                <a:tab pos="2147888" algn="l"/>
+                <a:tab pos="2605088" algn="l"/>
+                <a:tab pos="3062288" algn="l"/>
+                <a:tab pos="3519488" algn="l"/>
+                <a:tab pos="3976688" algn="l"/>
+                <a:tab pos="4433888" algn="l"/>
+                <a:tab pos="4891088" algn="l"/>
+                <a:tab pos="5348288" algn="l"/>
+                <a:tab pos="5805488" algn="l"/>
+                <a:tab pos="6262688" algn="l"/>
+                <a:tab pos="6719888" algn="l"/>
+                <a:tab pos="7177088" algn="l"/>
+                <a:tab pos="7634288" algn="l"/>
+                <a:tab pos="8091488" algn="l"/>
+                <a:tab pos="8548688" algn="l"/>
+                <a:tab pos="9005888" algn="l"/>
+                <a:tab pos="9463088" algn="l"/>
+              </a:tabLst>
+            </a:pPr>
+            <a:endParaRPr lang="it-IT" sz="3200" b="1" dirty="0" smtClean="0">
+              <a:solidFill>
+                <a:srgbClr val="000000"/>
+              </a:solidFill>
+              <a:cs typeface="Arial" charset="0"/>
+            </a:endParaRPr>
+          </a:p>
+          <a:p>
+            <a:pPr marL="319088" indent="-319088" hangingPunct="1">
+              <a:spcBef>
+                <a:spcPts val="800"/>
+              </a:spcBef>
+              <a:buClr>
+                <a:srgbClr val="808080"/>
+              </a:buClr>
+              <a:buSzPct val="65000"/>
+              <a:buFont typeface="Wingdings" charset="2"/>
+              <a:buChar char=""/>
+              <a:tabLst>
+                <a:tab pos="319088" algn="l"/>
+                <a:tab pos="776288" algn="l"/>
+                <a:tab pos="1233488" algn="l"/>
+                <a:tab pos="1690688" algn="l"/>
+                <a:tab pos="2147888" algn="l"/>
+                <a:tab pos="2605088" algn="l"/>
+                <a:tab pos="3062288" algn="l"/>
+                <a:tab pos="3519488" algn="l"/>
+                <a:tab pos="3976688" algn="l"/>
+                <a:tab pos="4433888" algn="l"/>
+                <a:tab pos="4891088" algn="l"/>
+                <a:tab pos="5348288" algn="l"/>
+                <a:tab pos="5805488" algn="l"/>
+                <a:tab pos="6262688" algn="l"/>
+                <a:tab pos="6719888" algn="l"/>
+                <a:tab pos="7177088" algn="l"/>
+                <a:tab pos="7634288" algn="l"/>
+                <a:tab pos="8091488" algn="l"/>
+                <a:tab pos="8548688" algn="l"/>
+                <a:tab pos="9005888" algn="l"/>
+                <a:tab pos="9463088" algn="l"/>
+              </a:tabLst>
+            </a:pPr>
+            <a:r>
+              <a:rPr lang="it-IT" sz="3200" dirty="0" smtClean="0">
+                <a:solidFill>
+                  <a:srgbClr val="000000"/>
+                </a:solidFill>
+                <a:cs typeface="Arial" charset="0"/>
+              </a:rPr>
+              <a:t>Le estensioni mantengono inalterati i concetti di uniformità e distribuzione che garantiscono la dimensione di comunità di IDEM.</a:t>
+            </a:r>
+            <a:endParaRPr lang="en-US" sz="2800" dirty="0" smtClean="0">
+              <a:solidFill>
+                <a:srgbClr val="000000"/>
+              </a:solidFill>
+              <a:cs typeface="Arial" charset="0"/>
+            </a:endParaRPr>
+          </a:p>
+        </p:txBody>
+      </p:sp>
+    </p:spTree>
+  </p:cSld>
+  <p:clrMapOvr>
+    <a:masterClrMapping/>
+  </p:clrMapOvr>
+  <p:transition spd="med"/>
+  <p:timing>
+    <p:tnLst>
+      <p:par>
+        <p:cTn id="1" dur="indefinite" restart="never" nodeType="tmRoot">
+          <p:childTnLst>
+            <p:seq concurrent="1" nextAc="seek">
+              <p:cTn id="2" dur="indefinite" nodeType="mainSeq"/>
+              <p:prevCondLst>
+                <p:cond evt="onPrev" delay="0">
+                  <p:tgtEl>
+                    <p:sldTgt/>
+                  </p:tgtEl>
+                </p:cond>
+              </p:prevCondLst>
+              <p:nextCondLst>
+                <p:cond evt="onNext" delay="0">
+                  <p:tgtEl>
+                    <p:sldTgt/>
+                  </p:tgtEl>
+                </p:cond>
+              </p:nextCondLst>
+            </p:seq>
+          </p:childTnLst>
+        </p:cTn>
+      </p:par>
+    </p:tnLst>
+  </p:timing>
+</p:sld>
+</file>
+
+<file path=ppt/slides/slide11.xml><?xml version="1.0" encoding="utf-8"?>
+<p:sld xmlns:a="http://schemas.openxmlformats.org/drawingml/2006/main" xmlns:r="http://schemas.openxmlformats.org/officeDocument/2006/relationships" xmlns:p="http://schemas.openxmlformats.org/presentationml/2006/main">
+  <p:cSld>
+    <p:spTree>
+      <p:nvGrpSpPr>
+        <p:cNvPr id="1" name=""/>
+        <p:cNvGrpSpPr/>
+        <p:nvPr/>
+      </p:nvGrpSpPr>
+      <p:grpSpPr>
+        <a:xfrm>
+          <a:off x="0" y="0"/>
+          <a:ext cx="0" cy="0"/>
+          <a:chOff x="0" y="0"/>
+          <a:chExt cx="0" cy="0"/>
+        </a:xfrm>
+      </p:grpSpPr>
+      <p:sp>
+        <p:nvSpPr>
+          <p:cNvPr id="4097" name="Text Box 1"/>
+          <p:cNvSpPr txBox="1">
+            <a:spLocks noChangeArrowheads="1"/>
+          </p:cNvSpPr>
+          <p:nvPr/>
+        </p:nvSpPr>
+        <p:spPr bwMode="auto">
+          <a:xfrm>
+            <a:off x="503238" y="306388"/>
+            <a:ext cx="9072562" cy="1257300"/>
+          </a:xfrm>
+          <a:prstGeom prst="rect">
+            <a:avLst/>
+          </a:prstGeom>
+          <a:noFill/>
+          <a:ln w="9525">
+            <a:noFill/>
+            <a:round/>
+            <a:headEnd/>
+            <a:tailEnd/>
+          </a:ln>
+          <a:effectLst/>
+        </p:spPr>
+        <p:txBody>
+          <a:bodyPr/>
+          <a:lstStyle/>
+          <a:p>
+            <a:pPr algn="ctr" hangingPunct="1">
+              <a:buClrTx/>
+              <a:buFontTx/>
+              <a:buNone/>
+              <a:tabLst>
+                <a:tab pos="0" algn="l"/>
+                <a:tab pos="457200" algn="l"/>
+                <a:tab pos="914400" algn="l"/>
+                <a:tab pos="1371600" algn="l"/>
+                <a:tab pos="1828800" algn="l"/>
+                <a:tab pos="2286000" algn="l"/>
+                <a:tab pos="2743200" algn="l"/>
+                <a:tab pos="3200400" algn="l"/>
+                <a:tab pos="3657600" algn="l"/>
+                <a:tab pos="4114800" algn="l"/>
+                <a:tab pos="4572000" algn="l"/>
+                <a:tab pos="5029200" algn="l"/>
+                <a:tab pos="5486400" algn="l"/>
+                <a:tab pos="5943600" algn="l"/>
+                <a:tab pos="6400800" algn="l"/>
+                <a:tab pos="6858000" algn="l"/>
+                <a:tab pos="7315200" algn="l"/>
+                <a:tab pos="7772400" algn="l"/>
+                <a:tab pos="8229600" algn="l"/>
+                <a:tab pos="8686800" algn="l"/>
+                <a:tab pos="9144000" algn="l"/>
+              </a:tabLst>
+            </a:pPr>
+            <a:r>
+              <a:rPr lang="it-IT" sz="4400" b="1" dirty="0" smtClean="0">
+                <a:solidFill>
+                  <a:srgbClr val="000080"/>
+                </a:solidFill>
+                <a:ea typeface="Arial Unicode MS" charset="0"/>
+                <a:cs typeface="Arial Unicode MS" charset="0"/>
+              </a:rPr>
+              <a:t>①</a:t>
+            </a:r>
+            <a:r>
+              <a:rPr lang="en-US" sz="4400" b="1" dirty="0" smtClean="0">
+                <a:solidFill>
+                  <a:srgbClr val="000080"/>
+                </a:solidFill>
+                <a:ea typeface="Arial Unicode MS" charset="0"/>
+                <a:cs typeface="Arial Unicode MS" charset="0"/>
+              </a:rPr>
+              <a:t> </a:t>
+            </a:r>
+            <a:r>
+              <a:rPr lang="en-US" sz="4400" dirty="0" smtClean="0">
+                <a:solidFill>
+                  <a:srgbClr val="000080"/>
+                </a:solidFill>
+                <a:ea typeface="Arial Unicode MS" charset="0"/>
+                <a:cs typeface="Arial Unicode MS" charset="0"/>
+              </a:rPr>
+              <a:t>+ </a:t>
+            </a:r>
+            <a:r>
+              <a:rPr lang="it-IT" sz="4400" b="1" dirty="0" smtClean="0">
+                <a:solidFill>
+                  <a:srgbClr val="000080"/>
+                </a:solidFill>
+                <a:ea typeface="Arial Unicode MS" charset="0"/>
+                <a:cs typeface="Arial Unicode MS" charset="0"/>
+              </a:rPr>
+              <a:t>②</a:t>
+            </a:r>
+            <a:r>
+              <a:rPr lang="en-US" sz="4400" dirty="0" smtClean="0">
+                <a:solidFill>
+                  <a:srgbClr val="000080"/>
+                </a:solidFill>
+                <a:ea typeface="Arial Unicode MS" charset="0"/>
+                <a:cs typeface="Arial Unicode MS" charset="0"/>
+              </a:rPr>
+              <a:t> </a:t>
+            </a:r>
+            <a:r>
+              <a:rPr lang="en-US" sz="4400" dirty="0" err="1" smtClean="0">
+                <a:solidFill>
+                  <a:srgbClr val="000080"/>
+                </a:solidFill>
+                <a:ea typeface="Arial Unicode MS" charset="0"/>
+                <a:cs typeface="Arial Unicode MS" charset="0"/>
+              </a:rPr>
+              <a:t>Problemi</a:t>
+            </a:r>
+            <a:r>
+              <a:rPr lang="en-US" sz="4400" dirty="0" smtClean="0">
+                <a:solidFill>
+                  <a:srgbClr val="000080"/>
+                </a:solidFill>
+                <a:ea typeface="Arial Unicode MS" charset="0"/>
+                <a:cs typeface="Arial Unicode MS" charset="0"/>
+              </a:rPr>
+              <a:t> </a:t>
+            </a:r>
+            <a:r>
+              <a:rPr lang="en-US" sz="4400" dirty="0" err="1" smtClean="0">
+                <a:solidFill>
+                  <a:srgbClr val="000080"/>
+                </a:solidFill>
+                <a:ea typeface="Arial Unicode MS" charset="0"/>
+                <a:cs typeface="Arial Unicode MS" charset="0"/>
+              </a:rPr>
+              <a:t>aperti</a:t>
+            </a:r>
+            <a:endParaRPr lang="en-US" sz="4400" dirty="0">
+              <a:solidFill>
+                <a:srgbClr val="000080"/>
+              </a:solidFill>
+              <a:ea typeface="Arial Unicode MS" charset="0"/>
+              <a:cs typeface="Arial Unicode MS" charset="0"/>
+            </a:endParaRPr>
+          </a:p>
+        </p:txBody>
+      </p:sp>
+      <p:sp>
+        <p:nvSpPr>
+          <p:cNvPr id="4098" name="Rectangle 2"/>
+          <p:cNvSpPr>
+            <a:spLocks noChangeArrowheads="1"/>
+          </p:cNvSpPr>
+          <p:nvPr/>
+        </p:nvSpPr>
+        <p:spPr bwMode="auto">
+          <a:xfrm>
+            <a:off x="671513" y="1511300"/>
+            <a:ext cx="9072562" cy="5414963"/>
+          </a:xfrm>
+          <a:prstGeom prst="rect">
+            <a:avLst/>
+          </a:prstGeom>
+          <a:noFill/>
+          <a:ln w="9525">
+            <a:noFill/>
+            <a:round/>
+            <a:headEnd/>
+            <a:tailEnd/>
+          </a:ln>
+          <a:effectLst/>
+        </p:spPr>
+        <p:txBody>
+          <a:bodyPr lIns="90000" tIns="46800" rIns="90000" bIns="46800"/>
+          <a:lstStyle/>
+          <a:p>
+            <a:pPr marL="319088" indent="-319088" hangingPunct="1">
+              <a:spcBef>
+                <a:spcPts val="800"/>
+              </a:spcBef>
+              <a:buClr>
+                <a:srgbClr val="808080"/>
+              </a:buClr>
+              <a:buSzPct val="65000"/>
+              <a:buFont typeface="Wingdings" charset="2"/>
+              <a:buChar char=""/>
+              <a:tabLst>
+                <a:tab pos="319088" algn="l"/>
+                <a:tab pos="776288" algn="l"/>
+                <a:tab pos="1233488" algn="l"/>
+                <a:tab pos="1690688" algn="l"/>
+                <a:tab pos="2147888" algn="l"/>
+                <a:tab pos="2605088" algn="l"/>
+                <a:tab pos="3062288" algn="l"/>
+                <a:tab pos="3519488" algn="l"/>
+                <a:tab pos="3976688" algn="l"/>
+                <a:tab pos="4433888" algn="l"/>
+                <a:tab pos="4891088" algn="l"/>
+                <a:tab pos="5348288" algn="l"/>
+                <a:tab pos="5805488" algn="l"/>
+                <a:tab pos="6262688" algn="l"/>
+                <a:tab pos="6719888" algn="l"/>
+                <a:tab pos="7177088" algn="l"/>
+                <a:tab pos="7634288" algn="l"/>
+                <a:tab pos="8091488" algn="l"/>
+                <a:tab pos="8548688" algn="l"/>
+                <a:tab pos="9005888" algn="l"/>
+                <a:tab pos="9463088" algn="l"/>
+              </a:tabLst>
+            </a:pPr>
+            <a:r>
+              <a:rPr lang="it-IT" sz="3200" dirty="0" smtClean="0">
+                <a:solidFill>
+                  <a:srgbClr val="000000"/>
+                </a:solidFill>
+                <a:cs typeface="Arial" charset="0"/>
+              </a:rPr>
+              <a:t>Attualmente le estensioni 1 e 2 non supportano il </a:t>
+            </a:r>
+            <a:r>
+              <a:rPr lang="it-IT" sz="3200" dirty="0" err="1" smtClean="0">
+                <a:solidFill>
+                  <a:srgbClr val="000000"/>
+                </a:solidFill>
+                <a:cs typeface="Arial" charset="0"/>
+              </a:rPr>
+              <a:t>discovery</a:t>
+            </a:r>
+            <a:r>
+              <a:rPr lang="it-IT" sz="3200" dirty="0" smtClean="0">
+                <a:solidFill>
+                  <a:srgbClr val="000000"/>
+                </a:solidFill>
+                <a:cs typeface="Arial" charset="0"/>
+              </a:rPr>
+              <a:t> dell’</a:t>
+            </a:r>
+            <a:r>
+              <a:rPr lang="it-IT" sz="3200" dirty="0" err="1" smtClean="0">
+                <a:solidFill>
+                  <a:srgbClr val="000000"/>
+                </a:solidFill>
+                <a:cs typeface="Arial" charset="0"/>
+              </a:rPr>
+              <a:t>IdP</a:t>
+            </a:r>
+            <a:r>
+              <a:rPr lang="it-IT" sz="3200" dirty="0" smtClean="0">
+                <a:solidFill>
+                  <a:srgbClr val="000000"/>
+                </a:solidFill>
+                <a:cs typeface="Arial" charset="0"/>
+              </a:rPr>
+              <a:t> tramite WAYF (possibile dopo uno sviluppo lato DS).</a:t>
+            </a:r>
+          </a:p>
+          <a:p>
+            <a:pPr marL="319088" indent="-319088" hangingPunct="1">
+              <a:spcBef>
+                <a:spcPts val="800"/>
+              </a:spcBef>
+              <a:buClr>
+                <a:srgbClr val="808080"/>
+              </a:buClr>
+              <a:buSzPct val="65000"/>
+              <a:buFont typeface="Wingdings" charset="2"/>
+              <a:buChar char=""/>
+              <a:tabLst>
+                <a:tab pos="319088" algn="l"/>
+                <a:tab pos="776288" algn="l"/>
+                <a:tab pos="1233488" algn="l"/>
+                <a:tab pos="1690688" algn="l"/>
+                <a:tab pos="2147888" algn="l"/>
+                <a:tab pos="2605088" algn="l"/>
+                <a:tab pos="3062288" algn="l"/>
+                <a:tab pos="3519488" algn="l"/>
+                <a:tab pos="3976688" algn="l"/>
+                <a:tab pos="4433888" algn="l"/>
+                <a:tab pos="4891088" algn="l"/>
+                <a:tab pos="5348288" algn="l"/>
+                <a:tab pos="5805488" algn="l"/>
+                <a:tab pos="6262688" algn="l"/>
+                <a:tab pos="6719888" algn="l"/>
+                <a:tab pos="7177088" algn="l"/>
+                <a:tab pos="7634288" algn="l"/>
+                <a:tab pos="8091488" algn="l"/>
+                <a:tab pos="8548688" algn="l"/>
+                <a:tab pos="9005888" algn="l"/>
+                <a:tab pos="9463088" algn="l"/>
+              </a:tabLst>
+            </a:pPr>
+            <a:endParaRPr lang="it-IT" sz="3200" b="1" dirty="0" smtClean="0">
+              <a:solidFill>
+                <a:srgbClr val="000000"/>
+              </a:solidFill>
+              <a:cs typeface="Arial" charset="0"/>
+            </a:endParaRPr>
+          </a:p>
+          <a:p>
+            <a:pPr marL="319088" indent="-319088" hangingPunct="1">
+              <a:spcBef>
+                <a:spcPts val="800"/>
+              </a:spcBef>
+              <a:buClr>
+                <a:srgbClr val="808080"/>
+              </a:buClr>
+              <a:buSzPct val="65000"/>
+              <a:buFont typeface="Wingdings" charset="2"/>
+              <a:buChar char=""/>
+              <a:tabLst>
+                <a:tab pos="319088" algn="l"/>
+                <a:tab pos="776288" algn="l"/>
+                <a:tab pos="1233488" algn="l"/>
+                <a:tab pos="1690688" algn="l"/>
+                <a:tab pos="2147888" algn="l"/>
+                <a:tab pos="2605088" algn="l"/>
+                <a:tab pos="3062288" algn="l"/>
+                <a:tab pos="3519488" algn="l"/>
+                <a:tab pos="3976688" algn="l"/>
+                <a:tab pos="4433888" algn="l"/>
+                <a:tab pos="4891088" algn="l"/>
+                <a:tab pos="5348288" algn="l"/>
+                <a:tab pos="5805488" algn="l"/>
+                <a:tab pos="6262688" algn="l"/>
+                <a:tab pos="6719888" algn="l"/>
+                <a:tab pos="7177088" algn="l"/>
+                <a:tab pos="7634288" algn="l"/>
+                <a:tab pos="8091488" algn="l"/>
+                <a:tab pos="8548688" algn="l"/>
+                <a:tab pos="9005888" algn="l"/>
+                <a:tab pos="9463088" algn="l"/>
+              </a:tabLst>
+            </a:pPr>
+            <a:r>
+              <a:rPr lang="it-IT" sz="3200" dirty="0" smtClean="0">
+                <a:solidFill>
+                  <a:srgbClr val="000000"/>
+                </a:solidFill>
+                <a:cs typeface="Arial" charset="0"/>
+              </a:rPr>
+              <a:t>Le estensioni 1 e 2 necessitano di un </a:t>
+            </a:r>
+            <a:r>
+              <a:rPr lang="it-IT" sz="3200" dirty="0" err="1" smtClean="0">
+                <a:solidFill>
+                  <a:srgbClr val="000000"/>
+                </a:solidFill>
+                <a:cs typeface="Arial" charset="0"/>
+              </a:rPr>
+              <a:t>deploy</a:t>
+            </a:r>
+            <a:r>
+              <a:rPr lang="it-IT" sz="3200" dirty="0" smtClean="0">
+                <a:solidFill>
+                  <a:srgbClr val="000000"/>
+                </a:solidFill>
+                <a:cs typeface="Arial" charset="0"/>
+              </a:rPr>
+              <a:t> (comunque abbastanza semplice) sugli </a:t>
+            </a:r>
+            <a:r>
+              <a:rPr lang="it-IT" sz="3200" dirty="0" err="1" smtClean="0">
+                <a:solidFill>
+                  <a:srgbClr val="000000"/>
+                </a:solidFill>
+                <a:cs typeface="Arial" charset="0"/>
+              </a:rPr>
+              <a:t>IdP</a:t>
+            </a:r>
+            <a:r>
+              <a:rPr lang="it-IT" sz="3200" dirty="0" smtClean="0">
+                <a:solidFill>
+                  <a:srgbClr val="000000"/>
+                </a:solidFill>
+                <a:cs typeface="Arial" charset="0"/>
+              </a:rPr>
+              <a:t> della federazione.</a:t>
+            </a:r>
+            <a:endParaRPr lang="en-US" sz="2800" dirty="0" smtClean="0">
+              <a:solidFill>
+                <a:srgbClr val="000000"/>
+              </a:solidFill>
+              <a:cs typeface="Arial" charset="0"/>
+            </a:endParaRPr>
+          </a:p>
+        </p:txBody>
+      </p:sp>
+    </p:spTree>
+  </p:cSld>
+  <p:clrMapOvr>
+    <a:masterClrMapping/>
+  </p:clrMapOvr>
+  <p:transition spd="med"/>
+  <p:timing>
+    <p:tnLst>
+      <p:par>
+        <p:cTn id="1" dur="indefinite" restart="never" nodeType="tmRoot">
+          <p:childTnLst>
+            <p:seq concurrent="1" nextAc="seek">
+              <p:cTn id="2" dur="indefinite" nodeType="mainSeq"/>
+              <p:prevCondLst>
+                <p:cond evt="onPrev" delay="0">
+                  <p:tgtEl>
+                    <p:sldTgt/>
+                  </p:tgtEl>
+                </p:cond>
+              </p:prevCondLst>
+              <p:nextCondLst>
+                <p:cond evt="onNext" delay="0">
+                  <p:tgtEl>
+                    <p:sldTgt/>
+                  </p:tgtEl>
+                </p:cond>
+              </p:nextCondLst>
+            </p:seq>
+          </p:childTnLst>
+        </p:cTn>
+      </p:par>
+    </p:tnLst>
+  </p:timing>
+</p:sld>
+</file>
+
+<file path=ppt/slides/slide12.xml><?xml version="1.0" encoding="utf-8"?>
+<p:sld xmlns:a="http://schemas.openxmlformats.org/drawingml/2006/main" xmlns:r="http://schemas.openxmlformats.org/officeDocument/2006/relationships" xmlns:p="http://schemas.openxmlformats.org/presentationml/2006/main">
+  <p:cSld>
+    <p:spTree>
+      <p:nvGrpSpPr>
+        <p:cNvPr id="1" name=""/>
+        <p:cNvGrpSpPr/>
+        <p:nvPr/>
+      </p:nvGrpSpPr>
+      <p:grpSpPr>
+        <a:xfrm>
+          <a:off x="0" y="0"/>
+          <a:ext cx="0" cy="0"/>
+          <a:chOff x="0" y="0"/>
+          <a:chExt cx="0" cy="0"/>
+        </a:xfrm>
+      </p:grpSpPr>
+      <p:sp>
+        <p:nvSpPr>
+          <p:cNvPr id="4097" name="Text Box 1"/>
+          <p:cNvSpPr txBox="1">
+            <a:spLocks noChangeArrowheads="1"/>
+          </p:cNvSpPr>
+          <p:nvPr/>
+        </p:nvSpPr>
+        <p:spPr bwMode="auto">
+          <a:xfrm>
+            <a:off x="503238" y="306388"/>
+            <a:ext cx="9072562" cy="1257300"/>
+          </a:xfrm>
+          <a:prstGeom prst="rect">
+            <a:avLst/>
+          </a:prstGeom>
+          <a:noFill/>
+          <a:ln w="9525">
+            <a:noFill/>
+            <a:round/>
+            <a:headEnd/>
+            <a:tailEnd/>
+          </a:ln>
+          <a:effectLst/>
+        </p:spPr>
+        <p:txBody>
+          <a:bodyPr/>
+          <a:lstStyle/>
+          <a:p>
+            <a:pPr algn="ctr" hangingPunct="1">
+              <a:buClrTx/>
+              <a:buFontTx/>
+              <a:buNone/>
+              <a:tabLst>
+                <a:tab pos="0" algn="l"/>
+                <a:tab pos="457200" algn="l"/>
+                <a:tab pos="914400" algn="l"/>
+                <a:tab pos="1371600" algn="l"/>
+                <a:tab pos="1828800" algn="l"/>
+                <a:tab pos="2286000" algn="l"/>
+                <a:tab pos="2743200" algn="l"/>
+                <a:tab pos="3200400" algn="l"/>
+                <a:tab pos="3657600" algn="l"/>
+                <a:tab pos="4114800" algn="l"/>
+                <a:tab pos="4572000" algn="l"/>
+                <a:tab pos="5029200" algn="l"/>
+                <a:tab pos="5486400" algn="l"/>
+                <a:tab pos="5943600" algn="l"/>
+                <a:tab pos="6400800" algn="l"/>
+                <a:tab pos="6858000" algn="l"/>
+                <a:tab pos="7315200" algn="l"/>
+                <a:tab pos="7772400" algn="l"/>
+                <a:tab pos="8229600" algn="l"/>
+                <a:tab pos="8686800" algn="l"/>
+                <a:tab pos="9144000" algn="l"/>
+              </a:tabLst>
+            </a:pPr>
+            <a:r>
+              <a:rPr lang="en-US" sz="4400" dirty="0" err="1" smtClean="0">
+                <a:solidFill>
+                  <a:srgbClr val="000080"/>
+                </a:solidFill>
+                <a:ea typeface="Arial Unicode MS" charset="0"/>
+                <a:cs typeface="Arial Unicode MS" charset="0"/>
+              </a:rPr>
+              <a:t>Condivisione</a:t>
+            </a:r>
+            <a:endParaRPr lang="en-US" sz="4400" dirty="0">
+              <a:solidFill>
+                <a:srgbClr val="000080"/>
+              </a:solidFill>
+              <a:ea typeface="Arial Unicode MS" charset="0"/>
+              <a:cs typeface="Arial Unicode MS" charset="0"/>
+            </a:endParaRPr>
+          </a:p>
+        </p:txBody>
+      </p:sp>
+      <p:sp>
+        <p:nvSpPr>
+          <p:cNvPr id="4098" name="Rectangle 2"/>
+          <p:cNvSpPr>
+            <a:spLocks noChangeArrowheads="1"/>
+          </p:cNvSpPr>
+          <p:nvPr/>
+        </p:nvSpPr>
+        <p:spPr bwMode="auto">
+          <a:xfrm>
+            <a:off x="671513" y="1511300"/>
+            <a:ext cx="9072562" cy="5414963"/>
+          </a:xfrm>
+          <a:prstGeom prst="rect">
+            <a:avLst/>
+          </a:prstGeom>
+          <a:noFill/>
+          <a:ln w="9525">
+            <a:noFill/>
+            <a:round/>
+            <a:headEnd/>
+            <a:tailEnd/>
+          </a:ln>
+          <a:effectLst/>
+        </p:spPr>
+        <p:txBody>
+          <a:bodyPr lIns="90000" tIns="46800" rIns="90000" bIns="46800"/>
+          <a:lstStyle/>
+          <a:p>
+            <a:pPr marL="319088" indent="-319088" hangingPunct="1">
+              <a:spcBef>
+                <a:spcPts val="800"/>
+              </a:spcBef>
+              <a:buClr>
+                <a:srgbClr val="808080"/>
+              </a:buClr>
+              <a:buSzPct val="65000"/>
+              <a:buFont typeface="Wingdings" charset="2"/>
+              <a:buChar char=""/>
+              <a:tabLst>
+                <a:tab pos="319088" algn="l"/>
+                <a:tab pos="776288" algn="l"/>
+                <a:tab pos="1233488" algn="l"/>
+                <a:tab pos="1690688" algn="l"/>
+                <a:tab pos="2147888" algn="l"/>
+                <a:tab pos="2605088" algn="l"/>
+                <a:tab pos="3062288" algn="l"/>
+                <a:tab pos="3519488" algn="l"/>
+                <a:tab pos="3976688" algn="l"/>
+                <a:tab pos="4433888" algn="l"/>
+                <a:tab pos="4891088" algn="l"/>
+                <a:tab pos="5348288" algn="l"/>
+                <a:tab pos="5805488" algn="l"/>
+                <a:tab pos="6262688" algn="l"/>
+                <a:tab pos="6719888" algn="l"/>
+                <a:tab pos="7177088" algn="l"/>
+                <a:tab pos="7634288" algn="l"/>
+                <a:tab pos="8091488" algn="l"/>
+                <a:tab pos="8548688" algn="l"/>
+                <a:tab pos="9005888" algn="l"/>
+                <a:tab pos="9463088" algn="l"/>
+              </a:tabLst>
+            </a:pPr>
+            <a:r>
+              <a:rPr lang="it-IT" sz="3200" dirty="0" smtClean="0">
+                <a:solidFill>
+                  <a:srgbClr val="000000"/>
+                </a:solidFill>
+                <a:cs typeface="Arial" charset="0"/>
+              </a:rPr>
+              <a:t>Pareri, opinioni, consigli?</a:t>
+            </a:r>
+          </a:p>
+          <a:p>
+            <a:pPr marL="319088" indent="-319088" hangingPunct="1">
+              <a:spcBef>
+                <a:spcPts val="800"/>
+              </a:spcBef>
+              <a:buClr>
+                <a:srgbClr val="808080"/>
+              </a:buClr>
+              <a:buSzPct val="65000"/>
+              <a:buFont typeface="Wingdings" charset="2"/>
+              <a:buChar char=""/>
+              <a:tabLst>
+                <a:tab pos="319088" algn="l"/>
+                <a:tab pos="776288" algn="l"/>
+                <a:tab pos="1233488" algn="l"/>
+                <a:tab pos="1690688" algn="l"/>
+                <a:tab pos="2147888" algn="l"/>
+                <a:tab pos="2605088" algn="l"/>
+                <a:tab pos="3062288" algn="l"/>
+                <a:tab pos="3519488" algn="l"/>
+                <a:tab pos="3976688" algn="l"/>
+                <a:tab pos="4433888" algn="l"/>
+                <a:tab pos="4891088" algn="l"/>
+                <a:tab pos="5348288" algn="l"/>
+                <a:tab pos="5805488" algn="l"/>
+                <a:tab pos="6262688" algn="l"/>
+                <a:tab pos="6719888" algn="l"/>
+                <a:tab pos="7177088" algn="l"/>
+                <a:tab pos="7634288" algn="l"/>
+                <a:tab pos="8091488" algn="l"/>
+                <a:tab pos="8548688" algn="l"/>
+                <a:tab pos="9005888" algn="l"/>
+                <a:tab pos="9463088" algn="l"/>
+              </a:tabLst>
+            </a:pPr>
+            <a:endParaRPr lang="it-IT" sz="3200" b="1" dirty="0" smtClean="0">
+              <a:solidFill>
+                <a:srgbClr val="000000"/>
+              </a:solidFill>
+              <a:cs typeface="Arial" charset="0"/>
+            </a:endParaRPr>
+          </a:p>
+          <a:p>
+            <a:pPr marL="319088" indent="-319088" hangingPunct="1">
+              <a:spcBef>
+                <a:spcPts val="800"/>
+              </a:spcBef>
+              <a:buClr>
+                <a:srgbClr val="808080"/>
+              </a:buClr>
+              <a:buSzPct val="65000"/>
+              <a:buFont typeface="Wingdings" charset="2"/>
+              <a:buChar char=""/>
+              <a:tabLst>
+                <a:tab pos="319088" algn="l"/>
+                <a:tab pos="776288" algn="l"/>
+                <a:tab pos="1233488" algn="l"/>
+                <a:tab pos="1690688" algn="l"/>
+                <a:tab pos="2147888" algn="l"/>
+                <a:tab pos="2605088" algn="l"/>
+                <a:tab pos="3062288" algn="l"/>
+                <a:tab pos="3519488" algn="l"/>
+                <a:tab pos="3976688" algn="l"/>
+                <a:tab pos="4433888" algn="l"/>
+                <a:tab pos="4891088" algn="l"/>
+                <a:tab pos="5348288" algn="l"/>
+                <a:tab pos="5805488" algn="l"/>
+                <a:tab pos="6262688" algn="l"/>
+                <a:tab pos="6719888" algn="l"/>
+                <a:tab pos="7177088" algn="l"/>
+                <a:tab pos="7634288" algn="l"/>
+                <a:tab pos="8091488" algn="l"/>
+                <a:tab pos="8548688" algn="l"/>
+                <a:tab pos="9005888" algn="l"/>
+                <a:tab pos="9463088" algn="l"/>
+              </a:tabLst>
+            </a:pPr>
+            <a:r>
+              <a:rPr lang="it-IT" sz="3200" dirty="0" smtClean="0">
+                <a:solidFill>
+                  <a:srgbClr val="000000"/>
+                </a:solidFill>
+                <a:cs typeface="Arial" charset="0"/>
+              </a:rPr>
+              <a:t>I prossimi passi potrebbero essere:</a:t>
+            </a:r>
+          </a:p>
+          <a:p>
+            <a:pPr marL="1062038" lvl="1" indent="-319088" hangingPunct="1">
+              <a:spcBef>
+                <a:spcPts val="800"/>
+              </a:spcBef>
+              <a:buClr>
+                <a:srgbClr val="808080"/>
+              </a:buClr>
+              <a:buSzPct val="65000"/>
+              <a:buFont typeface="Wingdings" charset="2"/>
+              <a:buChar char=""/>
+              <a:tabLst>
+                <a:tab pos="319088" algn="l"/>
+                <a:tab pos="776288" algn="l"/>
+                <a:tab pos="1233488" algn="l"/>
+                <a:tab pos="1690688" algn="l"/>
+                <a:tab pos="2147888" algn="l"/>
+                <a:tab pos="2605088" algn="l"/>
+                <a:tab pos="3062288" algn="l"/>
+                <a:tab pos="3519488" algn="l"/>
+                <a:tab pos="3976688" algn="l"/>
+                <a:tab pos="4433888" algn="l"/>
+                <a:tab pos="4891088" algn="l"/>
+                <a:tab pos="5348288" algn="l"/>
+                <a:tab pos="5805488" algn="l"/>
+                <a:tab pos="6262688" algn="l"/>
+                <a:tab pos="6719888" algn="l"/>
+                <a:tab pos="7177088" algn="l"/>
+                <a:tab pos="7634288" algn="l"/>
+                <a:tab pos="8091488" algn="l"/>
+                <a:tab pos="8548688" algn="l"/>
+                <a:tab pos="9005888" algn="l"/>
+                <a:tab pos="9463088" algn="l"/>
+              </a:tabLst>
+            </a:pPr>
+            <a:r>
+              <a:rPr lang="it-IT" sz="2800" dirty="0" smtClean="0">
+                <a:solidFill>
+                  <a:srgbClr val="000000"/>
+                </a:solidFill>
+                <a:cs typeface="Arial" charset="0"/>
+              </a:rPr>
+              <a:t>Installazione delle estensioni sull’</a:t>
+            </a:r>
+            <a:r>
+              <a:rPr lang="it-IT" sz="2800" dirty="0" err="1" smtClean="0">
+                <a:solidFill>
+                  <a:srgbClr val="000000"/>
+                </a:solidFill>
+                <a:cs typeface="Arial" charset="0"/>
+              </a:rPr>
+              <a:t>IdP</a:t>
+            </a:r>
+            <a:r>
+              <a:rPr lang="it-IT" sz="2800" dirty="0" smtClean="0">
+                <a:solidFill>
+                  <a:srgbClr val="000000"/>
+                </a:solidFill>
+                <a:cs typeface="Arial" charset="0"/>
+              </a:rPr>
+              <a:t> di direzione GARR e integrazione nel pilota </a:t>
+            </a:r>
+            <a:r>
+              <a:rPr lang="it-IT" sz="2800" dirty="0" err="1" smtClean="0">
+                <a:solidFill>
+                  <a:srgbClr val="000000"/>
+                </a:solidFill>
+                <a:cs typeface="Arial" charset="0"/>
+              </a:rPr>
+              <a:t>Garrbox</a:t>
+            </a:r>
+            <a:r>
+              <a:rPr lang="it-IT" sz="2800" dirty="0" smtClean="0">
+                <a:solidFill>
+                  <a:srgbClr val="000000"/>
+                </a:solidFill>
+                <a:cs typeface="Arial" charset="0"/>
+              </a:rPr>
+              <a:t>.</a:t>
+            </a:r>
+          </a:p>
+          <a:p>
+            <a:pPr marL="1062038" lvl="1" indent="-319088" hangingPunct="1">
+              <a:spcBef>
+                <a:spcPts val="800"/>
+              </a:spcBef>
+              <a:buClr>
+                <a:srgbClr val="808080"/>
+              </a:buClr>
+              <a:buSzPct val="65000"/>
+              <a:buFont typeface="Wingdings" charset="2"/>
+              <a:buChar char=""/>
+              <a:tabLst>
+                <a:tab pos="319088" algn="l"/>
+                <a:tab pos="776288" algn="l"/>
+                <a:tab pos="1233488" algn="l"/>
+                <a:tab pos="1690688" algn="l"/>
+                <a:tab pos="2147888" algn="l"/>
+                <a:tab pos="2605088" algn="l"/>
+                <a:tab pos="3062288" algn="l"/>
+                <a:tab pos="3519488" algn="l"/>
+                <a:tab pos="3976688" algn="l"/>
+                <a:tab pos="4433888" algn="l"/>
+                <a:tab pos="4891088" algn="l"/>
+                <a:tab pos="5348288" algn="l"/>
+                <a:tab pos="5805488" algn="l"/>
+                <a:tab pos="6262688" algn="l"/>
+                <a:tab pos="6719888" algn="l"/>
+                <a:tab pos="7177088" algn="l"/>
+                <a:tab pos="7634288" algn="l"/>
+                <a:tab pos="8091488" algn="l"/>
+                <a:tab pos="8548688" algn="l"/>
+                <a:tab pos="9005888" algn="l"/>
+                <a:tab pos="9463088" algn="l"/>
+              </a:tabLst>
+            </a:pPr>
+            <a:r>
+              <a:rPr lang="en-US" sz="2800" dirty="0" err="1" smtClean="0">
+                <a:solidFill>
+                  <a:srgbClr val="000000"/>
+                </a:solidFill>
+                <a:cs typeface="Arial" charset="0"/>
+              </a:rPr>
+              <a:t>Condivisione</a:t>
+            </a:r>
+            <a:r>
+              <a:rPr lang="en-US" sz="2800" smtClean="0">
+                <a:solidFill>
+                  <a:srgbClr val="000000"/>
+                </a:solidFill>
+                <a:cs typeface="Arial" charset="0"/>
+              </a:rPr>
+              <a:t> delle estensioni proposte con gli altri soggetti della comunità per raccogliere indicazioni, pareri…</a:t>
+            </a:r>
+            <a:endParaRPr lang="en-US" sz="2800" dirty="0" smtClean="0">
+              <a:solidFill>
+                <a:srgbClr val="000000"/>
+              </a:solidFill>
+              <a:cs typeface="Arial" charset="0"/>
+            </a:endParaRPr>
+          </a:p>
+        </p:txBody>
+      </p:sp>
+    </p:spTree>
+  </p:cSld>
+  <p:clrMapOvr>
+    <a:masterClrMapping/>
+  </p:clrMapOvr>
+  <p:transition spd="med"/>
+  <p:timing>
+    <p:tnLst>
+      <p:par>
+        <p:cTn id="1" dur="indefinite" restart="never" nodeType="tmRoot">
           <p:childTnLst>
             <p:seq concurrent="1" nextAc="seek">
               <p:cTn id="2" dur="indefinite" nodeType="mainSeq"/>
@@ -5782,7 +9593,7 @@
               </a:tabLst>
             </a:pPr>
             <a:r>
-              <a:rPr lang="en-US" sz="4400" b="1" dirty="0" smtClean="0">
+              <a:rPr lang="en-US" sz="4400" dirty="0" smtClean="0">
                 <a:solidFill>
                   <a:srgbClr val="000080"/>
                 </a:solidFill>
@@ -5792,7 +9603,7 @@
               <a:t>Shibboleth </a:t>
             </a:r>
             <a:r>
-              <a:rPr lang="en-US" sz="3000" b="1" i="1" dirty="0" smtClean="0">
+              <a:rPr lang="en-US" sz="3000" i="1" dirty="0" smtClean="0">
                 <a:solidFill>
                   <a:srgbClr val="FF0000"/>
                 </a:solidFill>
@@ -5802,7 +9613,7 @@
               <a:t>&amp;</a:t>
             </a:r>
             <a:r>
-              <a:rPr lang="en-US" sz="4400" b="1" dirty="0" smtClean="0">
+              <a:rPr lang="en-US" sz="4400" dirty="0" smtClean="0">
                 <a:solidFill>
                   <a:srgbClr val="000080"/>
                 </a:solidFill>
@@ -5811,7 +9622,7 @@
               </a:rPr>
               <a:t> IDEM</a:t>
             </a:r>
-            <a:endParaRPr lang="en-US" sz="4400" b="1" dirty="0">
+            <a:endParaRPr lang="en-US" sz="4400" dirty="0">
               <a:solidFill>
                 <a:srgbClr val="000080"/>
               </a:solidFill>
@@ -5891,7 +9702,16 @@
                 </a:solidFill>
                 <a:cs typeface="Arial" charset="0"/>
               </a:rPr>
-              <a:t>«</a:t>
+              <a:t>«Federazione IDEM: una soluzione unica per accedere alle </a:t>
+            </a:r>
+            <a:r>
+              <a:rPr lang="it-IT" sz="3200" u="sng" dirty="0" smtClean="0">
+                <a:solidFill>
+                  <a:srgbClr val="000000"/>
+                </a:solidFill>
+                <a:cs typeface="Arial" charset="0"/>
+              </a:rPr>
+              <a:t>risorse online</a:t>
             </a:r>
             <a:r>
               <a:rPr lang="it-IT" sz="3200" dirty="0" smtClean="0">
@@ -5900,16 +9720,25 @@
                 </a:solidFill>
                 <a:cs typeface="Arial" charset="0"/>
               </a:rPr>
-              <a:t>Federazione IDEM: una soluzione unica per accedere alle </a:t>
-            </a:r>
-            <a:r>
-              <a:rPr lang="it-IT" sz="3200" u="sng" dirty="0" smtClean="0">
+              <a:t> [</a:t>
+            </a:r>
+            <a:r>
+              <a:rPr lang="it-IT" sz="3200" dirty="0" err="1" smtClean="0">
                 <a:solidFill>
                   <a:srgbClr val="000000"/>
                 </a:solidFill>
                 <a:cs typeface="Arial" charset="0"/>
               </a:rPr>
-              <a:t>risorse online</a:t>
+              <a:t>web-based</a:t>
+            </a:r>
+            <a:r>
+              <a:rPr lang="it-IT" sz="3200" dirty="0">
+                <a:solidFill>
+                  <a:srgbClr val="000000"/>
+                </a:solidFill>
+                <a:cs typeface="Arial" charset="0"/>
+              </a:rPr>
+              <a:t>]</a:t>
             </a:r>
             <a:r>
               <a:rPr lang="it-IT" sz="3200" dirty="0" smtClean="0">
@@ -5956,7 +9785,67 @@
                 <a:tab pos="9463088" algn="l"/>
               </a:tabLst>
             </a:pPr>
-            <a:endParaRPr lang="en-US" sz="3200" dirty="0" smtClean="0">
+            <a:endParaRPr lang="it-IT" sz="3200" dirty="0" smtClean="0">
+              <a:solidFill>
+                <a:srgbClr val="000000"/>
+              </a:solidFill>
+              <a:cs typeface="Arial" charset="0"/>
+            </a:endParaRPr>
+          </a:p>
+          <a:p>
+            <a:pPr marL="319088" lvl="1" indent="-319088" hangingPunct="1">
+              <a:spcBef>
+                <a:spcPts val="800"/>
+              </a:spcBef>
+              <a:buClr>
+                <a:srgbClr val="808080"/>
+              </a:buClr>
+              <a:buSzPct val="65000"/>
+              <a:buFont typeface="Wingdings" charset="2"/>
+              <a:buChar char=""/>
+              <a:tabLst>
+                <a:tab pos="319088" algn="l"/>
+                <a:tab pos="776288" algn="l"/>
+                <a:tab pos="1233488" algn="l"/>
+                <a:tab pos="1690688" algn="l"/>
+                <a:tab pos="2147888" algn="l"/>
+                <a:tab pos="2605088" algn="l"/>
+                <a:tab pos="3062288" algn="l"/>
+                <a:tab pos="3519488" algn="l"/>
+                <a:tab pos="3976688" algn="l"/>
+                <a:tab pos="4433888" algn="l"/>
+                <a:tab pos="4891088" algn="l"/>
+                <a:tab pos="5348288" algn="l"/>
+                <a:tab pos="5805488" algn="l"/>
+                <a:tab pos="6262688" algn="l"/>
+                <a:tab pos="6719888" algn="l"/>
+                <a:tab pos="7177088" algn="l"/>
+                <a:tab pos="7634288" algn="l"/>
+                <a:tab pos="8091488" algn="l"/>
+                <a:tab pos="8548688" algn="l"/>
+                <a:tab pos="9005888" algn="l"/>
+                <a:tab pos="9463088" algn="l"/>
+              </a:tabLst>
+            </a:pPr>
+            <a:r>
+              <a:rPr lang="it-IT" sz="3200" dirty="0" smtClean="0">
+                <a:solidFill>
+                  <a:srgbClr val="000000"/>
+                </a:solidFill>
+                <a:cs typeface="Arial" charset="0"/>
+              </a:rPr>
+              <a:t>SSO attraverso </a:t>
+            </a:r>
+            <a:r>
+              <a:rPr lang="it-IT" sz="3200" dirty="0" err="1" smtClean="0">
+                <a:solidFill>
+                  <a:srgbClr val="000000"/>
+                </a:solidFill>
+                <a:cs typeface="Arial" charset="0"/>
+              </a:rPr>
+              <a:t>username+password</a:t>
+            </a:r>
+            <a:endParaRPr lang="it-IT" sz="3200" dirty="0" smtClean="0">
               <a:solidFill>
                 <a:srgbClr val="000000"/>
               </a:solidFill>
@@ -5998,48 +9887,57 @@
                 <a:tab pos="9463088" algn="l"/>
               </a:tabLst>
             </a:pPr>
-            <a:r>
-              <a:rPr lang="en-US" sz="3200" dirty="0" err="1" smtClean="0">
-                <a:solidFill>
-                  <a:srgbClr val="000000"/>
-                </a:solidFill>
-                <a:cs typeface="Arial" charset="0"/>
-              </a:rPr>
-              <a:t>Principi</a:t>
-            </a:r>
-            <a:r>
-              <a:rPr lang="en-US" sz="3200" dirty="0" smtClean="0">
-                <a:solidFill>
-                  <a:srgbClr val="000000"/>
-                </a:solidFill>
-                <a:cs typeface="Arial" charset="0"/>
-              </a:rPr>
-              <a:t> </a:t>
-            </a:r>
-            <a:r>
-              <a:rPr lang="en-US" sz="3200" dirty="0" err="1" smtClean="0">
-                <a:solidFill>
-                  <a:srgbClr val="000000"/>
-                </a:solidFill>
-                <a:cs typeface="Arial" charset="0"/>
-              </a:rPr>
-              <a:t>generali</a:t>
-            </a:r>
-            <a:r>
-              <a:rPr lang="en-US" sz="3200" dirty="0" smtClean="0">
-                <a:solidFill>
-                  <a:srgbClr val="000000"/>
-                </a:solidFill>
-                <a:cs typeface="Arial" charset="0"/>
-              </a:rPr>
-              <a:t>:</a:t>
-            </a:r>
-            <a:endParaRPr lang="en-US" sz="3200" dirty="0">
+            <a:endParaRPr lang="it-IT" sz="3200" dirty="0" smtClean="0">
               <a:solidFill>
                 <a:srgbClr val="000000"/>
               </a:solidFill>
               <a:cs typeface="Arial" charset="0"/>
             </a:endParaRPr>
+          </a:p>
+          <a:p>
+            <a:pPr marL="319088" indent="-319088" hangingPunct="1">
+              <a:spcBef>
+                <a:spcPts val="800"/>
+              </a:spcBef>
+              <a:buClr>
+                <a:srgbClr val="808080"/>
+              </a:buClr>
+              <a:buSzPct val="65000"/>
+              <a:buFont typeface="Wingdings" charset="2"/>
+              <a:buChar char=""/>
+              <a:tabLst>
+                <a:tab pos="319088" algn="l"/>
+                <a:tab pos="776288" algn="l"/>
+                <a:tab pos="1233488" algn="l"/>
+                <a:tab pos="1690688" algn="l"/>
+                <a:tab pos="2147888" algn="l"/>
+                <a:tab pos="2605088" algn="l"/>
+                <a:tab pos="3062288" algn="l"/>
+                <a:tab pos="3519488" algn="l"/>
+                <a:tab pos="3976688" algn="l"/>
+                <a:tab pos="4433888" algn="l"/>
+                <a:tab pos="4891088" algn="l"/>
+                <a:tab pos="5348288" algn="l"/>
+                <a:tab pos="5805488" algn="l"/>
+                <a:tab pos="6262688" algn="l"/>
+                <a:tab pos="6719888" algn="l"/>
+                <a:tab pos="7177088" algn="l"/>
+                <a:tab pos="7634288" algn="l"/>
+                <a:tab pos="8091488" algn="l"/>
+                <a:tab pos="8548688" algn="l"/>
+                <a:tab pos="9005888" algn="l"/>
+                <a:tab pos="9463088" algn="l"/>
+              </a:tabLst>
+            </a:pPr>
+            <a:r>
+              <a:rPr lang="it-IT" sz="3200" dirty="0" smtClean="0">
+                <a:solidFill>
+                  <a:srgbClr val="000000"/>
+                </a:solidFill>
+                <a:cs typeface="Arial" charset="0"/>
+              </a:rPr>
+              <a:t>Principi generai:</a:t>
+            </a:r>
           </a:p>
           <a:p>
             <a:pPr marL="1062038" lvl="1" indent="-319088" hangingPunct="1">
@@ -6077,88 +9975,25 @@
               </a:tabLst>
             </a:pPr>
             <a:r>
-              <a:rPr lang="en-US" sz="2800" dirty="0" err="1" smtClean="0">
+              <a:rPr lang="it-IT" sz="2800" dirty="0" smtClean="0">
                 <a:solidFill>
                   <a:srgbClr val="000000"/>
                 </a:solidFill>
                 <a:cs typeface="Arial" charset="0"/>
               </a:rPr>
-              <a:t>diffusione</a:t>
-            </a:r>
-            <a:r>
-              <a:rPr lang="en-US" sz="2800" dirty="0" smtClean="0">
+              <a:t>diffusione nella comunità (con vari </a:t>
+            </a:r>
+            <a:r>
+              <a:rPr lang="it-IT" sz="2800" dirty="0" err="1" smtClean="0">
                 <a:solidFill>
                   <a:srgbClr val="000000"/>
                 </a:solidFill>
                 <a:cs typeface="Arial" charset="0"/>
               </a:rPr>
-              <a:t> </a:t>
-            </a:r>
-            <a:r>
-              <a:rPr lang="en-US" sz="2800" dirty="0" err="1" smtClean="0">
-                <a:solidFill>
-                  <a:srgbClr val="000000"/>
-                </a:solidFill>
-                <a:cs typeface="Arial" charset="0"/>
-              </a:rPr>
-              <a:t>nella</a:t>
-            </a:r>
-            <a:r>
-              <a:rPr lang="en-US" sz="2800" dirty="0" smtClean="0">
-                <a:solidFill>
-                  <a:srgbClr val="000000"/>
-                </a:solidFill>
-                <a:cs typeface="Arial" charset="0"/>
-              </a:rPr>
-              <a:t> </a:t>
-            </a:r>
-            <a:r>
-              <a:rPr lang="en-US" sz="2800" dirty="0" err="1" smtClean="0">
-                <a:solidFill>
-                  <a:srgbClr val="000000"/>
-                </a:solidFill>
-                <a:cs typeface="Arial" charset="0"/>
-              </a:rPr>
-              <a:t>comunità</a:t>
-            </a:r>
-            <a:r>
-              <a:rPr lang="en-US" sz="2800" dirty="0" smtClean="0">
-                <a:solidFill>
-                  <a:srgbClr val="000000"/>
-                </a:solidFill>
-                <a:cs typeface="Arial" charset="0"/>
-              </a:rPr>
-              <a:t> (con </a:t>
-            </a:r>
-            <a:r>
-              <a:rPr lang="en-US" sz="2800" dirty="0" err="1" smtClean="0">
-                <a:solidFill>
-                  <a:srgbClr val="000000"/>
-                </a:solidFill>
-                <a:cs typeface="Arial" charset="0"/>
-              </a:rPr>
-              <a:t>vari</a:t>
-            </a:r>
-            <a:r>
-              <a:rPr lang="en-US" sz="2800" dirty="0" smtClean="0">
-                <a:solidFill>
-                  <a:srgbClr val="000000"/>
-                </a:solidFill>
-                <a:cs typeface="Arial" charset="0"/>
-              </a:rPr>
-              <a:t> </a:t>
-            </a:r>
-            <a:r>
-              <a:rPr lang="en-US" sz="2800" dirty="0" err="1" smtClean="0">
-                <a:solidFill>
-                  <a:srgbClr val="000000"/>
-                </a:solidFill>
-                <a:cs typeface="Arial" charset="0"/>
-              </a:rPr>
               <a:t>IdP</a:t>
             </a:r>
             <a:r>
-              <a:rPr lang="en-US" sz="2800" dirty="0" smtClean="0">
+              <a:rPr lang="it-IT" sz="2800" dirty="0" smtClean="0">
                 <a:solidFill>
                   <a:srgbClr val="000000"/>
                 </a:solidFill>
@@ -6203,113 +10038,670 @@
               </a:tabLst>
             </a:pPr>
             <a:r>
-              <a:rPr lang="en-US" sz="2800" dirty="0" err="1" smtClean="0">
+              <a:rPr lang="it-IT" sz="2800" dirty="0" smtClean="0">
                 <a:solidFill>
                   <a:srgbClr val="000000"/>
                 </a:solidFill>
                 <a:cs typeface="Arial" charset="0"/>
               </a:rPr>
-              <a:t>uniformità</a:t>
-            </a:r>
-            <a:r>
-              <a:rPr lang="en-US" sz="2800" dirty="0" smtClean="0">
-                <a:solidFill>
-                  <a:srgbClr val="000000"/>
-                </a:solidFill>
-                <a:cs typeface="Arial" charset="0"/>
+              <a:t>uniformità di tecnologie e prassi di utilizzo</a:t>
+            </a:r>
+          </a:p>
+        </p:txBody>
+      </p:sp>
+    </p:spTree>
+  </p:cSld>
+  <p:clrMapOvr>
+    <a:masterClrMapping/>
+  </p:clrMapOvr>
+  <p:transition spd="med"/>
+  <p:timing>
+    <p:tnLst>
+      <p:par>
+        <p:cTn id="1" dur="indefinite" restart="never" nodeType="tmRoot">
+          <p:childTnLst>
+            <p:seq concurrent="1" nextAc="seek">
+              <p:cTn id="2" dur="indefinite" nodeType="mainSeq"/>
+              <p:prevCondLst>
+                <p:cond evt="onPrev" delay="0">
+                  <p:tgtEl>
+                    <p:sldTgt/>
+                  </p:tgtEl>
+                </p:cond>
+              </p:prevCondLst>
+              <p:nextCondLst>
+                <p:cond evt="onNext" delay="0">
+                  <p:tgtEl>
+                    <p:sldTgt/>
+                  </p:tgtEl>
+                </p:cond>
+              </p:nextCondLst>
+            </p:seq>
+          </p:childTnLst>
+        </p:cTn>
+      </p:par>
+    </p:tnLst>
+  </p:timing>
+</p:sld>
+</file>
+
+<file path=ppt/slides/slide3.xml><?xml version="1.0" encoding="utf-8"?>
+<p:sld xmlns:a="http://schemas.openxmlformats.org/drawingml/2006/main" xmlns:r="http://schemas.openxmlformats.org/officeDocument/2006/relationships" xmlns:p="http://schemas.openxmlformats.org/presentationml/2006/main">
+  <p:cSld>
+    <p:spTree>
+      <p:nvGrpSpPr>
+        <p:cNvPr id="1" name=""/>
+        <p:cNvGrpSpPr/>
+        <p:nvPr/>
+      </p:nvGrpSpPr>
+      <p:grpSpPr>
+        <a:xfrm>
+          <a:off x="0" y="0"/>
+          <a:ext cx="0" cy="0"/>
+          <a:chOff x="0" y="0"/>
+          <a:chExt cx="0" cy="0"/>
+        </a:xfrm>
+      </p:grpSpPr>
+      <p:sp>
+        <p:nvSpPr>
+          <p:cNvPr id="4097" name="Text Box 1"/>
+          <p:cNvSpPr txBox="1">
+            <a:spLocks noChangeArrowheads="1"/>
+          </p:cNvSpPr>
+          <p:nvPr/>
+        </p:nvSpPr>
+        <p:spPr bwMode="auto">
+          <a:xfrm>
+            <a:off x="503238" y="306388"/>
+            <a:ext cx="9072562" cy="1257300"/>
+          </a:xfrm>
+          <a:prstGeom prst="rect">
+            <a:avLst/>
+          </a:prstGeom>
+          <a:noFill/>
+          <a:ln w="9525">
+            <a:noFill/>
+            <a:round/>
+            <a:headEnd/>
+            <a:tailEnd/>
+          </a:ln>
+          <a:effectLst/>
+        </p:spPr>
+        <p:txBody>
+          <a:bodyPr/>
+          <a:lstStyle/>
+          <a:p>
+            <a:pPr algn="ctr" hangingPunct="1">
+              <a:buClrTx/>
+              <a:buFontTx/>
+              <a:buNone/>
+              <a:tabLst>
+                <a:tab pos="0" algn="l"/>
+                <a:tab pos="457200" algn="l"/>
+                <a:tab pos="914400" algn="l"/>
+                <a:tab pos="1371600" algn="l"/>
+                <a:tab pos="1828800" algn="l"/>
+                <a:tab pos="2286000" algn="l"/>
+                <a:tab pos="2743200" algn="l"/>
+                <a:tab pos="3200400" algn="l"/>
+                <a:tab pos="3657600" algn="l"/>
+                <a:tab pos="4114800" algn="l"/>
+                <a:tab pos="4572000" algn="l"/>
+                <a:tab pos="5029200" algn="l"/>
+                <a:tab pos="5486400" algn="l"/>
+                <a:tab pos="5943600" algn="l"/>
+                <a:tab pos="6400800" algn="l"/>
+                <a:tab pos="6858000" algn="l"/>
+                <a:tab pos="7315200" algn="l"/>
+                <a:tab pos="7772400" algn="l"/>
+                <a:tab pos="8229600" algn="l"/>
+                <a:tab pos="8686800" algn="l"/>
+                <a:tab pos="9144000" algn="l"/>
+              </a:tabLst>
+            </a:pPr>
+            <a:r>
+              <a:rPr lang="en-US" sz="4400" dirty="0" err="1" smtClean="0">
+                <a:solidFill>
+                  <a:srgbClr val="000080"/>
+                </a:solidFill>
+                <a:ea typeface="Arial Unicode MS" charset="0"/>
+                <a:cs typeface="Arial Unicode MS" charset="0"/>
+              </a:rPr>
+              <a:t>Estensioni</a:t>
+            </a:r>
+            <a:r>
+              <a:rPr lang="en-US" sz="4400" dirty="0" smtClean="0">
+                <a:solidFill>
+                  <a:srgbClr val="000080"/>
+                </a:solidFill>
+                <a:ea typeface="Arial Unicode MS" charset="0"/>
+                <a:cs typeface="Arial Unicode MS" charset="0"/>
               </a:rPr>
               <a:t> </a:t>
             </a:r>
             <a:r>
-              <a:rPr lang="en-US" sz="2800" dirty="0" err="1" smtClean="0">
-                <a:solidFill>
-                  <a:srgbClr val="000000"/>
-                </a:solidFill>
-                <a:cs typeface="Arial" charset="0"/>
-              </a:rPr>
-              <a:t>di</a:t>
-            </a:r>
-            <a:r>
-              <a:rPr lang="en-US" sz="2800" dirty="0" smtClean="0">
-                <a:solidFill>
-                  <a:srgbClr val="000000"/>
-                </a:solidFill>
-                <a:cs typeface="Arial" charset="0"/>
+              <a:rPr lang="en-US" sz="4400" dirty="0" err="1" smtClean="0">
+                <a:solidFill>
+                  <a:srgbClr val="000080"/>
+                </a:solidFill>
+                <a:ea typeface="Arial Unicode MS" charset="0"/>
+                <a:cs typeface="Arial Unicode MS" charset="0"/>
+              </a:rPr>
+              <a:t>proposte</a:t>
+            </a:r>
+            <a:endParaRPr lang="en-US" sz="4400" dirty="0">
+              <a:solidFill>
+                <a:srgbClr val="000080"/>
+              </a:solidFill>
+              <a:ea typeface="Arial Unicode MS" charset="0"/>
+              <a:cs typeface="Arial Unicode MS" charset="0"/>
+            </a:endParaRPr>
+          </a:p>
+        </p:txBody>
+      </p:sp>
+      <p:graphicFrame>
+        <p:nvGraphicFramePr>
+          <p:cNvPr id="4" name="Tabella 3"/>
+          <p:cNvGraphicFramePr>
+            <a:graphicFrameLocks noGrp="1"/>
+          </p:cNvGraphicFramePr>
+          <p:nvPr/>
+        </p:nvGraphicFramePr>
+        <p:xfrm>
+          <a:off x="239712" y="1524317"/>
+          <a:ext cx="9220200" cy="3322320"/>
+        </p:xfrm>
+        <a:graphic>
+          <a:graphicData uri="http://schemas.openxmlformats.org/drawingml/2006/table">
+            <a:tbl>
+              <a:tblPr firstRow="1" bandRow="1">
+                <a:tableStyleId>{5C22544A-7EE6-4342-B048-85BDC9FD1C3A}</a:tableStyleId>
+              </a:tblPr>
+              <a:tblGrid>
+                <a:gridCol w="1160147"/>
+                <a:gridCol w="8060053"/>
+              </a:tblGrid>
+              <a:tr h="1066800">
+                <a:tc>
+                  <a:txBody>
+                    <a:bodyPr/>
+                    <a:lstStyle/>
+                    <a:p>
+                      <a:pPr algn="r"/>
+                      <a:r>
+                        <a:rPr lang="it-IT" sz="4000" b="1" dirty="0" smtClean="0">
+                          <a:solidFill>
+                            <a:schemeClr val="bg1">
+                              <a:lumMod val="50000"/>
+                            </a:schemeClr>
+                          </a:solidFill>
+                          <a:ea typeface="Arial Unicode MS" charset="0"/>
+                          <a:cs typeface="Arial Unicode MS" charset="0"/>
+                        </a:rPr>
+                        <a:t>①</a:t>
+                      </a:r>
+                      <a:endParaRPr lang="en-US" sz="4000" dirty="0"/>
+                    </a:p>
+                  </a:txBody>
+                  <a:tcPr anchor="ctr">
+                    <a:lnL w="12700" cmpd="sng">
+                      <a:noFill/>
+                    </a:lnL>
+                    <a:lnR w="12700" cmpd="sng">
+                      <a:noFill/>
+                    </a:lnR>
+                    <a:lnT w="12700" cmpd="sng">
+                      <a:noFill/>
+                    </a:lnT>
+                    <a:lnB w="38100" cmpd="sng">
+                      <a:noFill/>
+                    </a:lnB>
+                    <a:lnTlToBr w="12700" cmpd="sng">
+                      <a:noFill/>
+                      <a:prstDash val="solid"/>
+                    </a:lnTlToBr>
+                    <a:lnBlToTr w="12700" cmpd="sng">
+                      <a:noFill/>
+                      <a:prstDash val="solid"/>
+                    </a:lnBlToTr>
+                    <a:noFill/>
+                  </a:tcPr>
+                </a:tc>
+                <a:tc>
+                  <a:txBody>
+                    <a:bodyPr/>
+                    <a:lstStyle/>
+                    <a:p>
+                      <a:pPr marL="0" marR="0" indent="0" algn="l" defTabSz="914400" rtl="0" eaLnBrk="1" fontAlgn="auto" latinLnBrk="0" hangingPunct="1">
+                        <a:lnSpc>
+                          <a:spcPct val="100000"/>
+                        </a:lnSpc>
+                        <a:spcBef>
+                          <a:spcPts val="0"/>
+                        </a:spcBef>
+                        <a:spcAft>
+                          <a:spcPts val="0"/>
+                        </a:spcAft>
+                        <a:buClrTx/>
+                        <a:buSzTx/>
+                        <a:buFontTx/>
+                        <a:buNone/>
+                        <a:tabLst/>
+                        <a:defRPr/>
+                      </a:pPr>
+                      <a:r>
+                        <a:rPr lang="it-IT" sz="3200" b="0" dirty="0" smtClean="0">
+                          <a:solidFill>
+                            <a:srgbClr val="000000"/>
+                          </a:solidFill>
+                          <a:cs typeface="Arial" charset="0"/>
+                        </a:rPr>
+                        <a:t>Estensione di IDEM a risorse non online accedute NON tramite browser.</a:t>
+                      </a:r>
+                    </a:p>
+                  </a:txBody>
+                  <a:tcPr anchor="ctr">
+                    <a:lnL w="12700" cmpd="sng">
+                      <a:noFill/>
+                    </a:lnL>
+                    <a:lnR w="12700" cmpd="sng">
+                      <a:noFill/>
+                    </a:lnR>
+                    <a:lnT w="12700" cmpd="sng">
+                      <a:noFill/>
+                    </a:lnT>
+                    <a:lnB w="38100" cmpd="sng">
+                      <a:noFill/>
+                    </a:lnB>
+                    <a:lnTlToBr w="12700" cmpd="sng">
+                      <a:noFill/>
+                      <a:prstDash val="solid"/>
+                    </a:lnTlToBr>
+                    <a:lnBlToTr w="12700" cmpd="sng">
+                      <a:noFill/>
+                      <a:prstDash val="solid"/>
+                    </a:lnBlToTr>
+                    <a:noFill/>
+                  </a:tcPr>
+                </a:tc>
+              </a:tr>
+              <a:tr h="381000">
+                <a:tc>
+                  <a:txBody>
+                    <a:bodyPr/>
+                    <a:lstStyle/>
+                    <a:p>
+                      <a:pPr algn="r"/>
+                      <a:endParaRPr lang="en-US" sz="4000" dirty="0"/>
+                    </a:p>
+                  </a:txBody>
+                  <a:tcPr anchor="ctr">
+                    <a:lnL w="12700" cmpd="sng">
+                      <a:noFill/>
+                    </a:lnL>
+                    <a:lnR w="12700" cmpd="sng">
+                      <a:noFill/>
+                    </a:lnR>
+                    <a:lnT w="38100" cmpd="sng">
+                      <a:noFill/>
+                    </a:lnT>
+                    <a:lnB w="12700" cmpd="sng">
+                      <a:noFill/>
+                    </a:lnB>
+                    <a:lnTlToBr w="12700" cmpd="sng">
+                      <a:noFill/>
+                      <a:prstDash val="solid"/>
+                    </a:lnTlToBr>
+                    <a:lnBlToTr w="12700" cmpd="sng">
+                      <a:noFill/>
+                      <a:prstDash val="solid"/>
+                    </a:lnBlToTr>
+                    <a:noFill/>
+                  </a:tcPr>
+                </a:tc>
+                <a:tc>
+                  <a:txBody>
+                    <a:bodyPr/>
+                    <a:lstStyle/>
+                    <a:p>
+                      <a:endParaRPr lang="en-US" sz="3200" b="0" dirty="0"/>
+                    </a:p>
+                  </a:txBody>
+                  <a:tcPr anchor="ctr">
+                    <a:lnL w="12700" cmpd="sng">
+                      <a:noFill/>
+                    </a:lnL>
+                    <a:lnR w="12700" cmpd="sng">
+                      <a:noFill/>
+                    </a:lnR>
+                    <a:lnT w="38100" cmpd="sng">
+                      <a:noFill/>
+                    </a:lnT>
+                    <a:lnB w="12700" cmpd="sng">
+                      <a:noFill/>
+                    </a:lnB>
+                    <a:lnTlToBr w="12700" cmpd="sng">
+                      <a:noFill/>
+                      <a:prstDash val="solid"/>
+                    </a:lnTlToBr>
+                    <a:lnBlToTr w="12700" cmpd="sng">
+                      <a:noFill/>
+                      <a:prstDash val="solid"/>
+                    </a:lnBlToTr>
+                    <a:noFill/>
+                  </a:tcPr>
+                </a:tc>
+              </a:tr>
+              <a:tr h="1203960">
+                <a:tc>
+                  <a:txBody>
+                    <a:bodyPr/>
+                    <a:lstStyle/>
+                    <a:p>
+                      <a:pPr algn="r"/>
+                      <a:r>
+                        <a:rPr lang="it-IT" sz="4000" b="1" dirty="0" smtClean="0">
+                          <a:solidFill>
+                            <a:schemeClr val="bg1">
+                              <a:lumMod val="50000"/>
+                            </a:schemeClr>
+                          </a:solidFill>
+                          <a:ea typeface="Arial Unicode MS" charset="0"/>
+                          <a:cs typeface="Arial Unicode MS" charset="0"/>
+                        </a:rPr>
+                        <a:t>②</a:t>
+                      </a:r>
+                      <a:endParaRPr lang="en-US" sz="4000" dirty="0"/>
+                    </a:p>
+                  </a:txBody>
+                  <a:tcPr anchor="ctr">
+                    <a:lnL w="12700" cmpd="sng">
+                      <a:noFill/>
+                    </a:lnL>
+                    <a:lnR w="12700" cmpd="sng">
+                      <a:noFill/>
+                    </a:lnR>
+                    <a:lnT w="38100" cmpd="sng">
+                      <a:noFill/>
+                    </a:lnT>
+                    <a:lnB w="12700" cmpd="sng">
+                      <a:noFill/>
+                    </a:lnB>
+                    <a:lnTlToBr w="12700" cmpd="sng">
+                      <a:noFill/>
+                      <a:prstDash val="solid"/>
+                    </a:lnTlToBr>
+                    <a:lnBlToTr w="12700" cmpd="sng">
+                      <a:noFill/>
+                      <a:prstDash val="solid"/>
+                    </a:lnBlToTr>
+                    <a:noFill/>
+                  </a:tcPr>
+                </a:tc>
+                <a:tc>
+                  <a:txBody>
+                    <a:bodyPr/>
+                    <a:lstStyle/>
+                    <a:p>
+                      <a:r>
+                        <a:rPr lang="it-IT" sz="3200" b="0" dirty="0" smtClean="0">
+                          <a:solidFill>
+                            <a:srgbClr val="000000"/>
+                          </a:solidFill>
+                          <a:cs typeface="Arial" charset="0"/>
+                        </a:rPr>
+                        <a:t>Estensione per supportare differenti schemi di autenticazione (non basati su </a:t>
+                      </a:r>
+                      <a:r>
+                        <a:rPr lang="it-IT" sz="3200" b="0" dirty="0" err="1" smtClean="0">
+                          <a:solidFill>
+                            <a:srgbClr val="000000"/>
+                          </a:solidFill>
+                          <a:cs typeface="Arial" charset="0"/>
+                        </a:rPr>
+                        <a:t>username+password</a:t>
+                      </a:r>
+                      <a:r>
+                        <a:rPr lang="it-IT" sz="3200" b="0" dirty="0" smtClean="0">
+                          <a:solidFill>
+                            <a:srgbClr val="000000"/>
+                          </a:solidFill>
+                          <a:cs typeface="Arial" charset="0"/>
+                        </a:rPr>
+                        <a:t>)</a:t>
+                      </a:r>
+                      <a:endParaRPr lang="en-US" sz="3200" b="0" dirty="0"/>
+                    </a:p>
+                  </a:txBody>
+                  <a:tcPr anchor="ctr">
+                    <a:lnL w="12700" cmpd="sng">
+                      <a:noFill/>
+                    </a:lnL>
+                    <a:lnR w="12700" cmpd="sng">
+                      <a:noFill/>
+                    </a:lnR>
+                    <a:lnT w="38100" cmpd="sng">
+                      <a:noFill/>
+                    </a:lnT>
+                    <a:lnB w="12700" cmpd="sng">
+                      <a:noFill/>
+                    </a:lnB>
+                    <a:lnTlToBr w="12700" cmpd="sng">
+                      <a:noFill/>
+                      <a:prstDash val="solid"/>
+                    </a:lnTlToBr>
+                    <a:lnBlToTr w="12700" cmpd="sng">
+                      <a:noFill/>
+                      <a:prstDash val="solid"/>
+                    </a:lnBlToTr>
+                    <a:noFill/>
+                  </a:tcPr>
+                </a:tc>
+              </a:tr>
+            </a:tbl>
+          </a:graphicData>
+        </a:graphic>
+      </p:graphicFrame>
+    </p:spTree>
+  </p:cSld>
+  <p:clrMapOvr>
+    <a:masterClrMapping/>
+  </p:clrMapOvr>
+  <p:transition spd="med"/>
+  <p:timing>
+    <p:tnLst>
+      <p:par>
+        <p:cTn id="1" dur="indefinite" restart="never" nodeType="tmRoot">
+          <p:childTnLst>
+            <p:seq concurrent="1" nextAc="seek">
+              <p:cTn id="2" dur="indefinite" nodeType="mainSeq"/>
+              <p:prevCondLst>
+                <p:cond evt="onPrev" delay="0">
+                  <p:tgtEl>
+                    <p:sldTgt/>
+                  </p:tgtEl>
+                </p:cond>
+              </p:prevCondLst>
+              <p:nextCondLst>
+                <p:cond evt="onNext" delay="0">
+                  <p:tgtEl>
+                    <p:sldTgt/>
+                  </p:tgtEl>
+                </p:cond>
+              </p:nextCondLst>
+            </p:seq>
+          </p:childTnLst>
+        </p:cTn>
+      </p:par>
+    </p:tnLst>
+  </p:timing>
+</p:sld>
+</file>
+
+<file path=ppt/slides/slide4.xml><?xml version="1.0" encoding="utf-8"?>
+<p:sld xmlns:a="http://schemas.openxmlformats.org/drawingml/2006/main" xmlns:r="http://schemas.openxmlformats.org/officeDocument/2006/relationships" xmlns:p="http://schemas.openxmlformats.org/presentationml/2006/main">
+  <p:cSld>
+    <p:spTree>
+      <p:nvGrpSpPr>
+        <p:cNvPr id="1" name=""/>
+        <p:cNvGrpSpPr/>
+        <p:nvPr/>
+      </p:nvGrpSpPr>
+      <p:grpSpPr>
+        <a:xfrm>
+          <a:off x="0" y="0"/>
+          <a:ext cx="0" cy="0"/>
+          <a:chOff x="0" y="0"/>
+          <a:chExt cx="0" cy="0"/>
+        </a:xfrm>
+      </p:grpSpPr>
+      <p:sp>
+        <p:nvSpPr>
+          <p:cNvPr id="4097" name="Text Box 1"/>
+          <p:cNvSpPr txBox="1">
+            <a:spLocks noChangeArrowheads="1"/>
+          </p:cNvSpPr>
+          <p:nvPr/>
+        </p:nvSpPr>
+        <p:spPr bwMode="auto">
+          <a:xfrm>
+            <a:off x="503238" y="306388"/>
+            <a:ext cx="9072562" cy="1257300"/>
+          </a:xfrm>
+          <a:prstGeom prst="rect">
+            <a:avLst/>
+          </a:prstGeom>
+          <a:noFill/>
+          <a:ln w="9525">
+            <a:noFill/>
+            <a:round/>
+            <a:headEnd/>
+            <a:tailEnd/>
+          </a:ln>
+          <a:effectLst/>
+        </p:spPr>
+        <p:txBody>
+          <a:bodyPr/>
+          <a:lstStyle/>
+          <a:p>
+            <a:pPr algn="ctr" hangingPunct="1">
+              <a:buClrTx/>
+              <a:buFontTx/>
+              <a:buNone/>
+              <a:tabLst>
+                <a:tab pos="0" algn="l"/>
+                <a:tab pos="457200" algn="l"/>
+                <a:tab pos="914400" algn="l"/>
+                <a:tab pos="1371600" algn="l"/>
+                <a:tab pos="1828800" algn="l"/>
+                <a:tab pos="2286000" algn="l"/>
+                <a:tab pos="2743200" algn="l"/>
+                <a:tab pos="3200400" algn="l"/>
+                <a:tab pos="3657600" algn="l"/>
+                <a:tab pos="4114800" algn="l"/>
+                <a:tab pos="4572000" algn="l"/>
+                <a:tab pos="5029200" algn="l"/>
+                <a:tab pos="5486400" algn="l"/>
+                <a:tab pos="5943600" algn="l"/>
+                <a:tab pos="6400800" algn="l"/>
+                <a:tab pos="6858000" algn="l"/>
+                <a:tab pos="7315200" algn="l"/>
+                <a:tab pos="7772400" algn="l"/>
+                <a:tab pos="8229600" algn="l"/>
+                <a:tab pos="8686800" algn="l"/>
+                <a:tab pos="9144000" algn="l"/>
+              </a:tabLst>
+            </a:pPr>
+            <a:r>
+              <a:rPr lang="it-IT" sz="4400" b="1" dirty="0">
+                <a:solidFill>
+                  <a:srgbClr val="000080"/>
+                </a:solidFill>
+                <a:ea typeface="Arial Unicode MS" charset="0"/>
+                <a:cs typeface="Arial Unicode MS" charset="0"/>
+              </a:rPr>
+              <a:t>①</a:t>
+            </a:r>
+            <a:r>
+              <a:rPr lang="en-US" sz="4400" b="1" dirty="0">
+                <a:solidFill>
+                  <a:srgbClr val="000080"/>
+                </a:solidFill>
+                <a:ea typeface="Arial Unicode MS" charset="0"/>
+                <a:cs typeface="Arial Unicode MS" charset="0"/>
               </a:rPr>
               <a:t> </a:t>
             </a:r>
             <a:r>
-              <a:rPr lang="en-US" sz="2800" dirty="0" err="1" smtClean="0">
-                <a:solidFill>
-                  <a:srgbClr val="000000"/>
-                </a:solidFill>
-                <a:cs typeface="Arial" charset="0"/>
-              </a:rPr>
-              <a:t>tecnologie</a:t>
-            </a:r>
-            <a:r>
-              <a:rPr lang="en-US" sz="2800" dirty="0" smtClean="0">
-                <a:solidFill>
-                  <a:srgbClr val="000000"/>
-                </a:solidFill>
-                <a:cs typeface="Arial" charset="0"/>
+              <a:rPr lang="en-US" sz="4400" dirty="0" err="1" smtClean="0">
+                <a:solidFill>
+                  <a:srgbClr val="000080"/>
+                </a:solidFill>
+                <a:ea typeface="Arial Unicode MS" charset="0"/>
+                <a:cs typeface="Arial Unicode MS" charset="0"/>
+              </a:rPr>
+              <a:t>Scopo</a:t>
+            </a:r>
+            <a:r>
+              <a:rPr lang="en-US" sz="4400" dirty="0" smtClean="0">
+                <a:solidFill>
+                  <a:srgbClr val="000080"/>
+                </a:solidFill>
+                <a:ea typeface="Arial Unicode MS" charset="0"/>
+                <a:cs typeface="Arial Unicode MS" charset="0"/>
               </a:rPr>
               <a:t> e </a:t>
             </a:r>
             <a:r>
-              <a:rPr lang="en-US" sz="2800" dirty="0" err="1" smtClean="0">
-                <a:solidFill>
-                  <a:srgbClr val="000000"/>
-                </a:solidFill>
-                <a:cs typeface="Arial" charset="0"/>
-              </a:rPr>
-              <a:t>prassi</a:t>
-            </a:r>
-            <a:r>
-              <a:rPr lang="en-US" sz="2800" dirty="0" smtClean="0">
-                <a:solidFill>
-                  <a:srgbClr val="000000"/>
-                </a:solidFill>
-                <a:cs typeface="Arial" charset="0"/>
-              </a:rPr>
-              <a:t> </a:t>
-            </a:r>
-            <a:r>
-              <a:rPr lang="en-US" sz="2800" dirty="0" err="1" smtClean="0">
-                <a:solidFill>
-                  <a:srgbClr val="000000"/>
-                </a:solidFill>
-                <a:cs typeface="Arial" charset="0"/>
-              </a:rPr>
-              <a:t>di</a:t>
-            </a:r>
-            <a:r>
-              <a:rPr lang="en-US" sz="2800" dirty="0" smtClean="0">
-                <a:solidFill>
-                  <a:srgbClr val="000000"/>
-                </a:solidFill>
-                <a:cs typeface="Arial" charset="0"/>
-              </a:rPr>
-              <a:t> </a:t>
-            </a:r>
-            <a:r>
-              <a:rPr lang="en-US" sz="2800" dirty="0" err="1" smtClean="0">
-                <a:solidFill>
-                  <a:srgbClr val="000000"/>
-                </a:solidFill>
-                <a:cs typeface="Arial" charset="0"/>
-              </a:rPr>
-              <a:t>utilizzo</a:t>
-            </a:r>
-            <a:endParaRPr lang="en-US" sz="2800" dirty="0" smtClean="0">
+              <a:rPr lang="en-US" sz="4400" dirty="0" err="1" smtClean="0">
+                <a:solidFill>
+                  <a:srgbClr val="000080"/>
+                </a:solidFill>
+                <a:ea typeface="Arial Unicode MS" charset="0"/>
+                <a:cs typeface="Arial Unicode MS" charset="0"/>
+              </a:rPr>
+              <a:t>benefici</a:t>
+            </a:r>
+            <a:endParaRPr lang="en-US" sz="4400" dirty="0">
               <a:solidFill>
-                <a:srgbClr val="000000"/>
+                <a:srgbClr val="000080"/>
               </a:solidFill>
-              <a:cs typeface="Arial" charset="0"/>
+              <a:ea typeface="Arial Unicode MS" charset="0"/>
+              <a:cs typeface="Arial Unicode MS" charset="0"/>
             </a:endParaRPr>
           </a:p>
-          <a:p>
-            <a:pPr marL="1062038" lvl="1" indent="-319088" hangingPunct="1">
+        </p:txBody>
+      </p:sp>
+      <p:sp>
+        <p:nvSpPr>
+          <p:cNvPr id="4098" name="Rectangle 2"/>
+          <p:cNvSpPr>
+            <a:spLocks noChangeArrowheads="1"/>
+          </p:cNvSpPr>
+          <p:nvPr/>
+        </p:nvSpPr>
+        <p:spPr bwMode="auto">
+          <a:xfrm>
+            <a:off x="671513" y="1511300"/>
+            <a:ext cx="9072562" cy="5414963"/>
+          </a:xfrm>
+          <a:prstGeom prst="rect">
+            <a:avLst/>
+          </a:prstGeom>
+          <a:noFill/>
+          <a:ln w="9525">
+            <a:noFill/>
+            <a:round/>
+            <a:headEnd/>
+            <a:tailEnd/>
+          </a:ln>
+          <a:effectLst/>
+        </p:spPr>
+        <p:txBody>
+          <a:bodyPr lIns="90000" tIns="46800" rIns="90000" bIns="46800"/>
+          <a:lstStyle/>
+          <a:p>
+            <a:pPr marL="319088" indent="-319088" hangingPunct="1">
               <a:spcBef>
                 <a:spcPts val="800"/>
               </a:spcBef>
@@ -6344,42 +10736,2016 @@
               </a:tabLst>
             </a:pPr>
             <a:r>
-              <a:rPr lang="en-US" sz="2800" dirty="0" smtClean="0">
+              <a:rPr lang="it-IT" sz="3200" b="1" dirty="0" smtClean="0">
                 <a:solidFill>
                   <a:srgbClr val="000000"/>
                 </a:solidFill>
                 <a:cs typeface="Arial" charset="0"/>
               </a:rPr>
-              <a:t>SSO </a:t>
-            </a:r>
-            <a:r>
-              <a:rPr lang="en-US" sz="2800" dirty="0" err="1" smtClean="0">
+              <a:t>Benefici</a:t>
+            </a:r>
+            <a:r>
+              <a:rPr lang="it-IT" sz="3200" dirty="0" smtClean="0">
                 <a:solidFill>
                   <a:srgbClr val="000000"/>
                 </a:solidFill>
                 <a:cs typeface="Arial" charset="0"/>
               </a:rPr>
-              <a:t>attraverso</a:t>
-            </a:r>
-            <a:r>
-              <a:rPr lang="en-US" sz="2800" dirty="0" smtClean="0">
+              <a:t>: grazie a queste estensione la federazione IDEM è in grado di raggiungere e includere applicazioni attualmente escluse.</a:t>
+            </a:r>
+          </a:p>
+          <a:p>
+            <a:pPr marL="319088" indent="-319088" hangingPunct="1">
+              <a:spcBef>
+                <a:spcPts val="800"/>
+              </a:spcBef>
+              <a:buClr>
+                <a:srgbClr val="808080"/>
+              </a:buClr>
+              <a:buSzPct val="65000"/>
+              <a:buFont typeface="Wingdings" charset="2"/>
+              <a:buChar char=""/>
+              <a:tabLst>
+                <a:tab pos="319088" algn="l"/>
+                <a:tab pos="776288" algn="l"/>
+                <a:tab pos="1233488" algn="l"/>
+                <a:tab pos="1690688" algn="l"/>
+                <a:tab pos="2147888" algn="l"/>
+                <a:tab pos="2605088" algn="l"/>
+                <a:tab pos="3062288" algn="l"/>
+                <a:tab pos="3519488" algn="l"/>
+                <a:tab pos="3976688" algn="l"/>
+                <a:tab pos="4433888" algn="l"/>
+                <a:tab pos="4891088" algn="l"/>
+                <a:tab pos="5348288" algn="l"/>
+                <a:tab pos="5805488" algn="l"/>
+                <a:tab pos="6262688" algn="l"/>
+                <a:tab pos="6719888" algn="l"/>
+                <a:tab pos="7177088" algn="l"/>
+                <a:tab pos="7634288" algn="l"/>
+                <a:tab pos="8091488" algn="l"/>
+                <a:tab pos="8548688" algn="l"/>
+                <a:tab pos="9005888" algn="l"/>
+                <a:tab pos="9463088" algn="l"/>
+              </a:tabLst>
+            </a:pPr>
+            <a:endParaRPr lang="it-IT" sz="3200" dirty="0" smtClean="0">
+              <a:solidFill>
+                <a:srgbClr val="000000"/>
+              </a:solidFill>
+              <a:cs typeface="Arial" charset="0"/>
+            </a:endParaRPr>
+          </a:p>
+          <a:p>
+            <a:pPr marL="319088" lvl="1" indent="-319088" hangingPunct="1">
+              <a:spcBef>
+                <a:spcPts val="800"/>
+              </a:spcBef>
+              <a:buClr>
+                <a:srgbClr val="808080"/>
+              </a:buClr>
+              <a:buSzPct val="65000"/>
+              <a:buFont typeface="Wingdings" charset="2"/>
+              <a:buChar char=""/>
+              <a:tabLst>
+                <a:tab pos="319088" algn="l"/>
+                <a:tab pos="776288" algn="l"/>
+                <a:tab pos="1233488" algn="l"/>
+                <a:tab pos="1690688" algn="l"/>
+                <a:tab pos="2147888" algn="l"/>
+                <a:tab pos="2605088" algn="l"/>
+                <a:tab pos="3062288" algn="l"/>
+                <a:tab pos="3519488" algn="l"/>
+                <a:tab pos="3976688" algn="l"/>
+                <a:tab pos="4433888" algn="l"/>
+                <a:tab pos="4891088" algn="l"/>
+                <a:tab pos="5348288" algn="l"/>
+                <a:tab pos="5805488" algn="l"/>
+                <a:tab pos="6262688" algn="l"/>
+                <a:tab pos="6719888" algn="l"/>
+                <a:tab pos="7177088" algn="l"/>
+                <a:tab pos="7634288" algn="l"/>
+                <a:tab pos="8091488" algn="l"/>
+                <a:tab pos="8548688" algn="l"/>
+                <a:tab pos="9005888" algn="l"/>
+                <a:tab pos="9463088" algn="l"/>
+              </a:tabLst>
+            </a:pPr>
+            <a:r>
+              <a:rPr lang="it-IT" sz="3200" b="1" dirty="0" smtClean="0">
                 <a:solidFill>
                   <a:srgbClr val="000000"/>
                 </a:solidFill>
                 <a:cs typeface="Arial" charset="0"/>
               </a:rPr>
+              <a:t>Esempio</a:t>
+            </a:r>
+            <a:r>
+              <a:rPr lang="it-IT" sz="3200" dirty="0" smtClean="0">
+                <a:solidFill>
+                  <a:srgbClr val="000000"/>
+                </a:solidFill>
+                <a:cs typeface="Arial" charset="0"/>
+              </a:rPr>
+              <a:t>: il problema ci si è presentato nel momento in cui in </a:t>
+            </a:r>
+            <a:r>
+              <a:rPr lang="it-IT" sz="3200" dirty="0" err="1" smtClean="0">
+                <a:solidFill>
+                  <a:srgbClr val="000000"/>
+                </a:solidFill>
+                <a:cs typeface="Arial" charset="0"/>
+              </a:rPr>
+              <a:t>GarrBox</a:t>
+            </a:r>
+            <a:r>
+              <a:rPr lang="it-IT" sz="3200" dirty="0" smtClean="0">
+                <a:solidFill>
+                  <a:srgbClr val="000000"/>
+                </a:solidFill>
+                <a:cs typeface="Arial" charset="0"/>
+              </a:rPr>
+              <a:t> abbiamo valutare interfacce di accesso non tramite browser (CIFS e NFS per l’esportazione di </a:t>
+            </a:r>
+            <a:r>
+              <a:rPr lang="it-IT" sz="3200" dirty="0" err="1" smtClean="0">
+                <a:solidFill>
+                  <a:srgbClr val="000000"/>
+                </a:solidFill>
+                <a:cs typeface="Arial" charset="0"/>
+              </a:rPr>
+              <a:t>filesystem</a:t>
+            </a:r>
+            <a:r>
+              <a:rPr lang="en-US" sz="3200" dirty="0" smtClean="0">
+                <a:solidFill>
+                  <a:srgbClr val="000000"/>
+                </a:solidFill>
+                <a:cs typeface="Arial" charset="0"/>
+              </a:rPr>
+              <a:t>)</a:t>
+            </a:r>
+            <a:endParaRPr lang="en-US" sz="2800" dirty="0" smtClean="0">
+              <a:solidFill>
+                <a:srgbClr val="000000"/>
+              </a:solidFill>
+              <a:cs typeface="Arial" charset="0"/>
+            </a:endParaRPr>
+          </a:p>
+        </p:txBody>
+      </p:sp>
+    </p:spTree>
+  </p:cSld>
+  <p:clrMapOvr>
+    <a:masterClrMapping/>
+  </p:clrMapOvr>
+  <p:transition spd="med"/>
+  <p:timing>
+    <p:tnLst>
+      <p:par>
+        <p:cTn id="1" dur="indefinite" restart="never" nodeType="tmRoot">
+          <p:childTnLst>
+            <p:seq concurrent="1" nextAc="seek">
+              <p:cTn id="2" dur="indefinite" nodeType="mainSeq"/>
+              <p:prevCondLst>
+                <p:cond evt="onPrev" delay="0">
+                  <p:tgtEl>
+                    <p:sldTgt/>
+                  </p:tgtEl>
+                </p:cond>
+              </p:prevCondLst>
+              <p:nextCondLst>
+                <p:cond evt="onNext" delay="0">
+                  <p:tgtEl>
+                    <p:sldTgt/>
+                  </p:tgtEl>
+                </p:cond>
+              </p:nextCondLst>
+            </p:seq>
+          </p:childTnLst>
+        </p:cTn>
+      </p:par>
+    </p:tnLst>
+  </p:timing>
+</p:sld>
+</file>
+
+<file path=ppt/slides/slide5.xml><?xml version="1.0" encoding="utf-8"?>
+<p:sld xmlns:a="http://schemas.openxmlformats.org/drawingml/2006/main" xmlns:r="http://schemas.openxmlformats.org/officeDocument/2006/relationships" xmlns:p="http://schemas.openxmlformats.org/presentationml/2006/main">
+  <p:cSld>
+    <p:spTree>
+      <p:nvGrpSpPr>
+        <p:cNvPr id="1" name=""/>
+        <p:cNvGrpSpPr/>
+        <p:nvPr/>
+      </p:nvGrpSpPr>
+      <p:grpSpPr>
+        <a:xfrm>
+          <a:off x="0" y="0"/>
+          <a:ext cx="0" cy="0"/>
+          <a:chOff x="0" y="0"/>
+          <a:chExt cx="0" cy="0"/>
+        </a:xfrm>
+      </p:grpSpPr>
+      <p:sp>
+        <p:nvSpPr>
+          <p:cNvPr id="4097" name="Text Box 1"/>
+          <p:cNvSpPr txBox="1">
+            <a:spLocks noChangeArrowheads="1"/>
+          </p:cNvSpPr>
+          <p:nvPr/>
+        </p:nvSpPr>
+        <p:spPr bwMode="auto">
+          <a:xfrm>
+            <a:off x="503238" y="306388"/>
+            <a:ext cx="9072562" cy="1257300"/>
+          </a:xfrm>
+          <a:prstGeom prst="rect">
+            <a:avLst/>
+          </a:prstGeom>
+          <a:noFill/>
+          <a:ln w="9525">
+            <a:noFill/>
+            <a:round/>
+            <a:headEnd/>
+            <a:tailEnd/>
+          </a:ln>
+          <a:effectLst/>
+        </p:spPr>
+        <p:txBody>
+          <a:bodyPr/>
+          <a:lstStyle/>
+          <a:p>
+            <a:pPr algn="ctr" hangingPunct="1">
+              <a:buClrTx/>
+              <a:buFontTx/>
+              <a:buNone/>
+              <a:tabLst>
+                <a:tab pos="0" algn="l"/>
+                <a:tab pos="457200" algn="l"/>
+                <a:tab pos="914400" algn="l"/>
+                <a:tab pos="1371600" algn="l"/>
+                <a:tab pos="1828800" algn="l"/>
+                <a:tab pos="2286000" algn="l"/>
+                <a:tab pos="2743200" algn="l"/>
+                <a:tab pos="3200400" algn="l"/>
+                <a:tab pos="3657600" algn="l"/>
+                <a:tab pos="4114800" algn="l"/>
+                <a:tab pos="4572000" algn="l"/>
+                <a:tab pos="5029200" algn="l"/>
+                <a:tab pos="5486400" algn="l"/>
+                <a:tab pos="5943600" algn="l"/>
+                <a:tab pos="6400800" algn="l"/>
+                <a:tab pos="6858000" algn="l"/>
+                <a:tab pos="7315200" algn="l"/>
+                <a:tab pos="7772400" algn="l"/>
+                <a:tab pos="8229600" algn="l"/>
+                <a:tab pos="8686800" algn="l"/>
+                <a:tab pos="9144000" algn="l"/>
+              </a:tabLst>
+            </a:pPr>
+            <a:r>
+              <a:rPr lang="it-IT" sz="4400" b="1" dirty="0" smtClean="0">
+                <a:solidFill>
+                  <a:srgbClr val="000080"/>
+                </a:solidFill>
+                <a:ea typeface="Arial Unicode MS" charset="0"/>
+                <a:cs typeface="Arial Unicode MS" charset="0"/>
+              </a:rPr>
+              <a:t>① </a:t>
+            </a:r>
+            <a:r>
+              <a:rPr lang="en-US" sz="4400" dirty="0" err="1" smtClean="0">
+                <a:solidFill>
+                  <a:srgbClr val="000080"/>
+                </a:solidFill>
+                <a:ea typeface="Arial Unicode MS" charset="0"/>
+                <a:cs typeface="Arial Unicode MS" charset="0"/>
+              </a:rPr>
+              <a:t>Architettura</a:t>
+            </a:r>
+            <a:r>
+              <a:rPr lang="en-US" sz="4400" dirty="0" smtClean="0">
+                <a:solidFill>
+                  <a:srgbClr val="000080"/>
+                </a:solidFill>
+                <a:ea typeface="Arial Unicode MS" charset="0"/>
+                <a:cs typeface="Arial Unicode MS" charset="0"/>
+              </a:rPr>
+              <a:t> ad alto </a:t>
+            </a:r>
+            <a:r>
+              <a:rPr lang="en-US" sz="4400" dirty="0" err="1" smtClean="0">
+                <a:solidFill>
+                  <a:srgbClr val="000080"/>
+                </a:solidFill>
+                <a:ea typeface="Arial Unicode MS" charset="0"/>
+                <a:cs typeface="Arial Unicode MS" charset="0"/>
+              </a:rPr>
+              <a:t>livello</a:t>
+            </a:r>
+            <a:endParaRPr lang="en-US" sz="4400" dirty="0">
+              <a:solidFill>
+                <a:srgbClr val="000080"/>
+              </a:solidFill>
+              <a:ea typeface="Arial Unicode MS" charset="0"/>
+              <a:cs typeface="Arial Unicode MS" charset="0"/>
+            </a:endParaRPr>
+          </a:p>
+        </p:txBody>
+      </p:sp>
+    </p:spTree>
+  </p:cSld>
+  <p:clrMapOvr>
+    <a:masterClrMapping/>
+  </p:clrMapOvr>
+  <p:transition spd="med"/>
+  <p:timing>
+    <p:tnLst>
+      <p:par>
+        <p:cTn id="1" dur="indefinite" restart="never" nodeType="tmRoot">
+          <p:childTnLst>
+            <p:seq concurrent="1" nextAc="seek">
+              <p:cTn id="2" dur="indefinite" nodeType="mainSeq"/>
+              <p:prevCondLst>
+                <p:cond evt="onPrev" delay="0">
+                  <p:tgtEl>
+                    <p:sldTgt/>
+                  </p:tgtEl>
+                </p:cond>
+              </p:prevCondLst>
+              <p:nextCondLst>
+                <p:cond evt="onNext" delay="0">
+                  <p:tgtEl>
+                    <p:sldTgt/>
+                  </p:tgtEl>
+                </p:cond>
+              </p:nextCondLst>
+            </p:seq>
+          </p:childTnLst>
+        </p:cTn>
+      </p:par>
+    </p:tnLst>
+  </p:timing>
+</p:sld>
+</file>
+
+<file path=ppt/slides/slide6.xml><?xml version="1.0" encoding="utf-8"?>
+<p:sld xmlns:a="http://schemas.openxmlformats.org/drawingml/2006/main" xmlns:r="http://schemas.openxmlformats.org/officeDocument/2006/relationships" xmlns:p="http://schemas.openxmlformats.org/presentationml/2006/main">
+  <p:cSld>
+    <p:spTree>
+      <p:nvGrpSpPr>
+        <p:cNvPr id="1" name=""/>
+        <p:cNvGrpSpPr/>
+        <p:nvPr/>
+      </p:nvGrpSpPr>
+      <p:grpSpPr>
+        <a:xfrm>
+          <a:off x="0" y="0"/>
+          <a:ext cx="0" cy="0"/>
+          <a:chOff x="0" y="0"/>
+          <a:chExt cx="0" cy="0"/>
+        </a:xfrm>
+      </p:grpSpPr>
+      <p:sp>
+        <p:nvSpPr>
+          <p:cNvPr id="4097" name="Text Box 1"/>
+          <p:cNvSpPr txBox="1">
+            <a:spLocks noChangeArrowheads="1"/>
+          </p:cNvSpPr>
+          <p:nvPr/>
+        </p:nvSpPr>
+        <p:spPr bwMode="auto">
+          <a:xfrm>
+            <a:off x="503238" y="306388"/>
+            <a:ext cx="9072562" cy="1257300"/>
+          </a:xfrm>
+          <a:prstGeom prst="rect">
+            <a:avLst/>
+          </a:prstGeom>
+          <a:noFill/>
+          <a:ln w="9525">
+            <a:noFill/>
+            <a:round/>
+            <a:headEnd/>
+            <a:tailEnd/>
+          </a:ln>
+          <a:effectLst/>
+        </p:spPr>
+        <p:txBody>
+          <a:bodyPr/>
+          <a:lstStyle/>
+          <a:p>
+            <a:pPr algn="ctr" hangingPunct="1">
+              <a:buClrTx/>
+              <a:buFontTx/>
+              <a:buNone/>
+              <a:tabLst>
+                <a:tab pos="0" algn="l"/>
+                <a:tab pos="457200" algn="l"/>
+                <a:tab pos="914400" algn="l"/>
+                <a:tab pos="1371600" algn="l"/>
+                <a:tab pos="1828800" algn="l"/>
+                <a:tab pos="2286000" algn="l"/>
+                <a:tab pos="2743200" algn="l"/>
+                <a:tab pos="3200400" algn="l"/>
+                <a:tab pos="3657600" algn="l"/>
+                <a:tab pos="4114800" algn="l"/>
+                <a:tab pos="4572000" algn="l"/>
+                <a:tab pos="5029200" algn="l"/>
+                <a:tab pos="5486400" algn="l"/>
+                <a:tab pos="5943600" algn="l"/>
+                <a:tab pos="6400800" algn="l"/>
+                <a:tab pos="6858000" algn="l"/>
+                <a:tab pos="7315200" algn="l"/>
+                <a:tab pos="7772400" algn="l"/>
+                <a:tab pos="8229600" algn="l"/>
+                <a:tab pos="8686800" algn="l"/>
+                <a:tab pos="9144000" algn="l"/>
+              </a:tabLst>
+            </a:pPr>
+            <a:r>
+              <a:rPr lang="it-IT" sz="4400" b="1" dirty="0" smtClean="0">
+                <a:solidFill>
+                  <a:srgbClr val="000080"/>
+                </a:solidFill>
+                <a:ea typeface="Arial Unicode MS" charset="0"/>
+                <a:cs typeface="Arial Unicode MS" charset="0"/>
+              </a:rPr>
+              <a:t>① </a:t>
+            </a:r>
+            <a:r>
+              <a:rPr lang="en-US" sz="4400" dirty="0" err="1" smtClean="0">
+                <a:solidFill>
+                  <a:srgbClr val="000080"/>
+                </a:solidFill>
+                <a:ea typeface="Arial Unicode MS" charset="0"/>
+                <a:cs typeface="Arial Unicode MS" charset="0"/>
+              </a:rPr>
+              <a:t>Riassunto</a:t>
+            </a:r>
+            <a:r>
+              <a:rPr lang="en-US" sz="4400" dirty="0" smtClean="0">
+                <a:solidFill>
+                  <a:srgbClr val="000080"/>
+                </a:solidFill>
+                <a:ea typeface="Arial Unicode MS" charset="0"/>
+                <a:cs typeface="Arial Unicode MS" charset="0"/>
+              </a:rPr>
               <a:t> </a:t>
             </a:r>
             <a:r>
-              <a:rPr lang="en-US" sz="2800" dirty="0" err="1" smtClean="0">
+              <a:rPr lang="en-US" sz="4400" dirty="0" err="1" smtClean="0">
+                <a:solidFill>
+                  <a:srgbClr val="000080"/>
+                </a:solidFill>
+                <a:ea typeface="Arial Unicode MS" charset="0"/>
+                <a:cs typeface="Arial Unicode MS" charset="0"/>
+              </a:rPr>
+              <a:t>modifiche</a:t>
+            </a:r>
+            <a:r>
+              <a:rPr lang="en-US" sz="4400" dirty="0" smtClean="0">
+                <a:solidFill>
+                  <a:srgbClr val="000080"/>
+                </a:solidFill>
+                <a:ea typeface="Arial Unicode MS" charset="0"/>
+                <a:cs typeface="Arial Unicode MS" charset="0"/>
+              </a:rPr>
+              <a:t> </a:t>
+            </a:r>
+            <a:r>
+              <a:rPr lang="en-US" sz="4400" dirty="0" err="1" smtClean="0">
+                <a:solidFill>
+                  <a:srgbClr val="000080"/>
+                </a:solidFill>
+                <a:ea typeface="Arial Unicode MS" charset="0"/>
+                <a:cs typeface="Arial Unicode MS" charset="0"/>
+              </a:rPr>
+              <a:t>apportate</a:t>
+            </a:r>
+            <a:endParaRPr lang="en-US" sz="4400" dirty="0">
+              <a:solidFill>
+                <a:srgbClr val="000080"/>
+              </a:solidFill>
+              <a:ea typeface="Arial Unicode MS" charset="0"/>
+              <a:cs typeface="Arial Unicode MS" charset="0"/>
+            </a:endParaRPr>
+          </a:p>
+        </p:txBody>
+      </p:sp>
+      <p:sp>
+        <p:nvSpPr>
+          <p:cNvPr id="4098" name="Rectangle 2"/>
+          <p:cNvSpPr>
+            <a:spLocks noChangeArrowheads="1"/>
+          </p:cNvSpPr>
+          <p:nvPr/>
+        </p:nvSpPr>
+        <p:spPr bwMode="auto">
+          <a:xfrm>
+            <a:off x="671513" y="1511300"/>
+            <a:ext cx="9072562" cy="5414963"/>
+          </a:xfrm>
+          <a:prstGeom prst="rect">
+            <a:avLst/>
+          </a:prstGeom>
+          <a:noFill/>
+          <a:ln w="9525">
+            <a:noFill/>
+            <a:round/>
+            <a:headEnd/>
+            <a:tailEnd/>
+          </a:ln>
+          <a:effectLst/>
+        </p:spPr>
+        <p:txBody>
+          <a:bodyPr lIns="90000" tIns="46800" rIns="90000" bIns="46800"/>
+          <a:lstStyle/>
+          <a:p>
+            <a:pPr marL="319088" indent="-319088" hangingPunct="1">
+              <a:spcBef>
+                <a:spcPts val="800"/>
+              </a:spcBef>
+              <a:buClr>
+                <a:srgbClr val="808080"/>
+              </a:buClr>
+              <a:buSzPct val="65000"/>
+              <a:buFont typeface="Wingdings" charset="2"/>
+              <a:buChar char=""/>
+              <a:tabLst>
+                <a:tab pos="319088" algn="l"/>
+                <a:tab pos="776288" algn="l"/>
+                <a:tab pos="1233488" algn="l"/>
+                <a:tab pos="1690688" algn="l"/>
+                <a:tab pos="2147888" algn="l"/>
+                <a:tab pos="2605088" algn="l"/>
+                <a:tab pos="3062288" algn="l"/>
+                <a:tab pos="3519488" algn="l"/>
+                <a:tab pos="3976688" algn="l"/>
+                <a:tab pos="4433888" algn="l"/>
+                <a:tab pos="4891088" algn="l"/>
+                <a:tab pos="5348288" algn="l"/>
+                <a:tab pos="5805488" algn="l"/>
+                <a:tab pos="6262688" algn="l"/>
+                <a:tab pos="6719888" algn="l"/>
+                <a:tab pos="7177088" algn="l"/>
+                <a:tab pos="7634288" algn="l"/>
+                <a:tab pos="8091488" algn="l"/>
+                <a:tab pos="8548688" algn="l"/>
+                <a:tab pos="9005888" algn="l"/>
+                <a:tab pos="9463088" algn="l"/>
+              </a:tabLst>
+            </a:pPr>
+            <a:r>
+              <a:rPr lang="it-IT" sz="3200" b="1" dirty="0" err="1" smtClean="0">
                 <a:solidFill>
                   <a:srgbClr val="000000"/>
                 </a:solidFill>
                 <a:cs typeface="Arial" charset="0"/>
               </a:rPr>
+              <a:t>IdP</a:t>
+            </a:r>
+            <a:r>
+              <a:rPr lang="it-IT" sz="3200" dirty="0" smtClean="0">
+                <a:solidFill>
+                  <a:srgbClr val="000000"/>
+                </a:solidFill>
+                <a:cs typeface="Arial" charset="0"/>
+              </a:rPr>
+              <a:t>: </a:t>
+            </a:r>
+            <a:r>
+              <a:rPr lang="it-IT" sz="3200" dirty="0" err="1" smtClean="0">
+                <a:solidFill>
+                  <a:srgbClr val="000000"/>
+                </a:solidFill>
+                <a:cs typeface="Arial" charset="0"/>
+              </a:rPr>
+              <a:t>deploy</a:t>
+            </a:r>
+            <a:r>
+              <a:rPr lang="it-IT" sz="3200" dirty="0" smtClean="0">
+                <a:solidFill>
+                  <a:srgbClr val="000000"/>
+                </a:solidFill>
+                <a:cs typeface="Arial" charset="0"/>
+              </a:rPr>
+              <a:t> di una </a:t>
+            </a:r>
+            <a:r>
+              <a:rPr lang="it-IT" sz="3200" dirty="0" err="1" smtClean="0">
+                <a:solidFill>
+                  <a:srgbClr val="000000"/>
+                </a:solidFill>
+                <a:cs typeface="Arial" charset="0"/>
+              </a:rPr>
+              <a:t>servlet</a:t>
+            </a:r>
+            <a:r>
+              <a:rPr lang="it-IT" sz="3200" dirty="0" smtClean="0">
+                <a:solidFill>
+                  <a:srgbClr val="000000"/>
+                </a:solidFill>
+                <a:cs typeface="Arial" charset="0"/>
+              </a:rPr>
+              <a:t> per fornire gli elenchi di utenti e gruppi da LDAP e attivazione (tramite configurazione) del </a:t>
+            </a:r>
+            <a:r>
+              <a:rPr lang="it-IT" sz="3200" dirty="0" err="1" smtClean="0">
+                <a:solidFill>
+                  <a:srgbClr val="000000"/>
+                </a:solidFill>
+                <a:cs typeface="Arial" charset="0"/>
+              </a:rPr>
+              <a:t>Basic</a:t>
+            </a:r>
+            <a:r>
+              <a:rPr lang="it-IT" sz="3200" dirty="0" smtClean="0">
+                <a:solidFill>
+                  <a:srgbClr val="000000"/>
+                </a:solidFill>
+                <a:cs typeface="Arial" charset="0"/>
+              </a:rPr>
+              <a:t> </a:t>
+            </a:r>
+            <a:r>
+              <a:rPr lang="it-IT" sz="3200" dirty="0" err="1" smtClean="0">
+                <a:solidFill>
+                  <a:srgbClr val="000000"/>
+                </a:solidFill>
+                <a:cs typeface="Arial" charset="0"/>
+              </a:rPr>
+              <a:t>Authentication</a:t>
+            </a:r>
+            <a:r>
+              <a:rPr lang="it-IT" sz="3200" dirty="0" smtClean="0">
+                <a:solidFill>
+                  <a:srgbClr val="000000"/>
+                </a:solidFill>
+                <a:cs typeface="Arial" charset="0"/>
+              </a:rPr>
+              <a:t> login </a:t>
+            </a:r>
+            <a:r>
+              <a:rPr lang="it-IT" sz="3200" dirty="0" err="1" smtClean="0">
+                <a:solidFill>
+                  <a:srgbClr val="000000"/>
+                </a:solidFill>
+                <a:cs typeface="Arial" charset="0"/>
+              </a:rPr>
+              <a:t>handler</a:t>
+            </a:r>
+            <a:r>
+              <a:rPr lang="it-IT" sz="3200" dirty="0" smtClean="0">
+                <a:solidFill>
+                  <a:srgbClr val="000000"/>
+                </a:solidFill>
+                <a:cs typeface="Arial" charset="0"/>
+              </a:rPr>
+              <a:t>.</a:t>
+            </a:r>
+          </a:p>
+          <a:p>
+            <a:pPr marL="319088" indent="-319088" hangingPunct="1">
+              <a:spcBef>
+                <a:spcPts val="800"/>
+              </a:spcBef>
+              <a:buClr>
+                <a:srgbClr val="808080"/>
+              </a:buClr>
+              <a:buSzPct val="65000"/>
+              <a:buFont typeface="Wingdings" charset="2"/>
+              <a:buChar char=""/>
+              <a:tabLst>
+                <a:tab pos="319088" algn="l"/>
+                <a:tab pos="776288" algn="l"/>
+                <a:tab pos="1233488" algn="l"/>
+                <a:tab pos="1690688" algn="l"/>
+                <a:tab pos="2147888" algn="l"/>
+                <a:tab pos="2605088" algn="l"/>
+                <a:tab pos="3062288" algn="l"/>
+                <a:tab pos="3519488" algn="l"/>
+                <a:tab pos="3976688" algn="l"/>
+                <a:tab pos="4433888" algn="l"/>
+                <a:tab pos="4891088" algn="l"/>
+                <a:tab pos="5348288" algn="l"/>
+                <a:tab pos="5805488" algn="l"/>
+                <a:tab pos="6262688" algn="l"/>
+                <a:tab pos="6719888" algn="l"/>
+                <a:tab pos="7177088" algn="l"/>
+                <a:tab pos="7634288" algn="l"/>
+                <a:tab pos="8091488" algn="l"/>
+                <a:tab pos="8548688" algn="l"/>
+                <a:tab pos="9005888" algn="l"/>
+                <a:tab pos="9463088" algn="l"/>
+              </a:tabLst>
+            </a:pPr>
+            <a:endParaRPr lang="it-IT" sz="3200" dirty="0" smtClean="0">
+              <a:solidFill>
+                <a:srgbClr val="000000"/>
+              </a:solidFill>
+              <a:cs typeface="Arial" charset="0"/>
+            </a:endParaRPr>
+          </a:p>
+          <a:p>
+            <a:pPr marL="319088" lvl="1" indent="-319088" hangingPunct="1">
+              <a:spcBef>
+                <a:spcPts val="800"/>
+              </a:spcBef>
+              <a:buClr>
+                <a:srgbClr val="808080"/>
+              </a:buClr>
+              <a:buSzPct val="65000"/>
+              <a:buFont typeface="Wingdings" charset="2"/>
+              <a:buChar char=""/>
+              <a:tabLst>
+                <a:tab pos="319088" algn="l"/>
+                <a:tab pos="776288" algn="l"/>
+                <a:tab pos="1233488" algn="l"/>
+                <a:tab pos="1690688" algn="l"/>
+                <a:tab pos="2147888" algn="l"/>
+                <a:tab pos="2605088" algn="l"/>
+                <a:tab pos="3062288" algn="l"/>
+                <a:tab pos="3519488" algn="l"/>
+                <a:tab pos="3976688" algn="l"/>
+                <a:tab pos="4433888" algn="l"/>
+                <a:tab pos="4891088" algn="l"/>
+                <a:tab pos="5348288" algn="l"/>
+                <a:tab pos="5805488" algn="l"/>
+                <a:tab pos="6262688" algn="l"/>
+                <a:tab pos="6719888" algn="l"/>
+                <a:tab pos="7177088" algn="l"/>
+                <a:tab pos="7634288" algn="l"/>
+                <a:tab pos="8091488" algn="l"/>
+                <a:tab pos="8548688" algn="l"/>
+                <a:tab pos="9005888" algn="l"/>
+                <a:tab pos="9463088" algn="l"/>
+              </a:tabLst>
+            </a:pPr>
+            <a:r>
+              <a:rPr lang="en-US" sz="3200" b="1" dirty="0" smtClean="0">
+                <a:solidFill>
+                  <a:srgbClr val="000000"/>
+                </a:solidFill>
+                <a:cs typeface="Arial" charset="0"/>
+              </a:rPr>
+              <a:t>SP</a:t>
+            </a:r>
+            <a:r>
+              <a:rPr lang="en-US" sz="3200" dirty="0" smtClean="0">
+                <a:solidFill>
+                  <a:srgbClr val="000000"/>
+                </a:solidFill>
+                <a:cs typeface="Arial" charset="0"/>
+              </a:rPr>
+              <a:t>: deploy </a:t>
+            </a:r>
+            <a:r>
+              <a:rPr lang="en-US" sz="3200" dirty="0" err="1" smtClean="0">
+                <a:solidFill>
+                  <a:srgbClr val="000000"/>
+                </a:solidFill>
+                <a:cs typeface="Arial" charset="0"/>
+              </a:rPr>
+              <a:t>di</a:t>
+            </a:r>
+            <a:r>
+              <a:rPr lang="en-US" sz="3200" dirty="0" smtClean="0">
+                <a:solidFill>
+                  <a:srgbClr val="000000"/>
+                </a:solidFill>
+                <a:cs typeface="Arial" charset="0"/>
+              </a:rPr>
+              <a:t> </a:t>
+            </a:r>
+            <a:r>
+              <a:rPr lang="en-US" sz="3200" dirty="0" err="1" smtClean="0">
+                <a:solidFill>
+                  <a:srgbClr val="000000"/>
+                </a:solidFill>
+                <a:cs typeface="Arial" charset="0"/>
+              </a:rPr>
+              <a:t>librerie</a:t>
+            </a:r>
+            <a:r>
+              <a:rPr lang="en-US" sz="3200" dirty="0" smtClean="0">
+                <a:solidFill>
+                  <a:srgbClr val="000000"/>
+                </a:solidFill>
+                <a:cs typeface="Arial" charset="0"/>
+              </a:rPr>
+              <a:t> per PAM (</a:t>
+            </a:r>
+            <a:r>
+              <a:rPr lang="en-US" sz="3200" dirty="0" err="1" smtClean="0">
+                <a:solidFill>
+                  <a:srgbClr val="000000"/>
+                </a:solidFill>
+                <a:cs typeface="Arial" charset="0"/>
+              </a:rPr>
+              <a:t>moduli</a:t>
+            </a:r>
+            <a:r>
+              <a:rPr lang="en-US" sz="3200" dirty="0" smtClean="0">
+                <a:solidFill>
+                  <a:srgbClr val="000000"/>
+                </a:solidFill>
+                <a:cs typeface="Arial" charset="0"/>
+              </a:rPr>
+              <a:t> </a:t>
+            </a:r>
+            <a:r>
+              <a:rPr lang="en-US" sz="3200" dirty="0" err="1" smtClean="0">
+                <a:solidFill>
+                  <a:srgbClr val="000000"/>
+                </a:solidFill>
+                <a:cs typeface="Arial" charset="0"/>
+              </a:rPr>
+              <a:t>di</a:t>
+            </a:r>
+            <a:r>
+              <a:rPr lang="en-US" sz="3200" dirty="0" smtClean="0">
+                <a:solidFill>
+                  <a:srgbClr val="000000"/>
+                </a:solidFill>
+                <a:cs typeface="Arial" charset="0"/>
+              </a:rPr>
+              <a:t> </a:t>
+            </a:r>
+            <a:r>
+              <a:rPr lang="en-US" sz="3200" dirty="0" err="1" smtClean="0">
+                <a:solidFill>
+                  <a:srgbClr val="000000"/>
+                </a:solidFill>
+                <a:cs typeface="Arial" charset="0"/>
+              </a:rPr>
+              <a:t>autorizzazione</a:t>
+            </a:r>
+            <a:r>
+              <a:rPr lang="en-US" sz="3200" dirty="0" smtClean="0">
+                <a:solidFill>
+                  <a:srgbClr val="000000"/>
+                </a:solidFill>
+                <a:cs typeface="Arial" charset="0"/>
+              </a:rPr>
+              <a:t> </a:t>
+            </a:r>
+            <a:r>
+              <a:rPr lang="en-US" sz="3200" dirty="0" err="1" smtClean="0">
+                <a:solidFill>
+                  <a:srgbClr val="000000"/>
+                </a:solidFill>
+                <a:cs typeface="Arial" charset="0"/>
+              </a:rPr>
+              <a:t>dei</a:t>
+            </a:r>
+            <a:r>
+              <a:rPr lang="en-US" sz="3200" dirty="0" smtClean="0">
+                <a:solidFill>
+                  <a:srgbClr val="000000"/>
+                </a:solidFill>
+                <a:cs typeface="Arial" charset="0"/>
+              </a:rPr>
+              <a:t> </a:t>
+            </a:r>
+            <a:r>
+              <a:rPr lang="en-US" sz="3200" dirty="0" err="1" smtClean="0">
+                <a:solidFill>
+                  <a:srgbClr val="000000"/>
+                </a:solidFill>
+                <a:cs typeface="Arial" charset="0"/>
+              </a:rPr>
+              <a:t>sistmi</a:t>
+            </a:r>
+            <a:r>
+              <a:rPr lang="en-US" sz="3200" dirty="0" smtClean="0">
+                <a:solidFill>
+                  <a:srgbClr val="000000"/>
+                </a:solidFill>
+                <a:cs typeface="Arial" charset="0"/>
+              </a:rPr>
+              <a:t> Linux) e </a:t>
+            </a:r>
+            <a:r>
+              <a:rPr lang="en-US" sz="3200" dirty="0" err="1" smtClean="0">
+                <a:solidFill>
+                  <a:srgbClr val="000000"/>
+                </a:solidFill>
+                <a:cs typeface="Arial" charset="0"/>
+              </a:rPr>
+              <a:t>configurazione</a:t>
+            </a:r>
+            <a:r>
+              <a:rPr lang="en-US" sz="3200" dirty="0" smtClean="0">
+                <a:solidFill>
+                  <a:srgbClr val="000000"/>
+                </a:solidFill>
+                <a:cs typeface="Arial" charset="0"/>
+              </a:rPr>
+              <a:t> </a:t>
+            </a:r>
+            <a:r>
+              <a:rPr lang="en-US" sz="3200" dirty="0" err="1" smtClean="0">
+                <a:solidFill>
+                  <a:srgbClr val="000000"/>
+                </a:solidFill>
+                <a:cs typeface="Arial" charset="0"/>
+              </a:rPr>
+              <a:t>di</a:t>
+            </a:r>
+            <a:r>
+              <a:rPr lang="en-US" sz="3200" dirty="0" smtClean="0">
+                <a:solidFill>
+                  <a:srgbClr val="000000"/>
+                </a:solidFill>
+                <a:cs typeface="Arial" charset="0"/>
+              </a:rPr>
+              <a:t> Shibboleth SP.</a:t>
+            </a:r>
+            <a:endParaRPr lang="en-US" sz="2800" dirty="0" smtClean="0">
+              <a:solidFill>
+                <a:srgbClr val="000000"/>
+              </a:solidFill>
+              <a:cs typeface="Arial" charset="0"/>
+            </a:endParaRPr>
+          </a:p>
+        </p:txBody>
+      </p:sp>
+    </p:spTree>
+  </p:cSld>
+  <p:clrMapOvr>
+    <a:masterClrMapping/>
+  </p:clrMapOvr>
+  <p:transition spd="med"/>
+  <p:timing>
+    <p:tnLst>
+      <p:par>
+        <p:cTn id="1" dur="indefinite" restart="never" nodeType="tmRoot">
+          <p:childTnLst>
+            <p:seq concurrent="1" nextAc="seek">
+              <p:cTn id="2" dur="indefinite" nodeType="mainSeq"/>
+              <p:prevCondLst>
+                <p:cond evt="onPrev" delay="0">
+                  <p:tgtEl>
+                    <p:sldTgt/>
+                  </p:tgtEl>
+                </p:cond>
+              </p:prevCondLst>
+              <p:nextCondLst>
+                <p:cond evt="onNext" delay="0">
+                  <p:tgtEl>
+                    <p:sldTgt/>
+                  </p:tgtEl>
+                </p:cond>
+              </p:nextCondLst>
+            </p:seq>
+          </p:childTnLst>
+        </p:cTn>
+      </p:par>
+    </p:tnLst>
+  </p:timing>
+</p:sld>
+</file>
+
+<file path=ppt/slides/slide7.xml><?xml version="1.0" encoding="utf-8"?>
+<p:sld xmlns:a="http://schemas.openxmlformats.org/drawingml/2006/main" xmlns:r="http://schemas.openxmlformats.org/officeDocument/2006/relationships" xmlns:p="http://schemas.openxmlformats.org/presentationml/2006/main">
+  <p:cSld>
+    <p:spTree>
+      <p:nvGrpSpPr>
+        <p:cNvPr id="1" name=""/>
+        <p:cNvGrpSpPr/>
+        <p:nvPr/>
+      </p:nvGrpSpPr>
+      <p:grpSpPr>
+        <a:xfrm>
+          <a:off x="0" y="0"/>
+          <a:ext cx="0" cy="0"/>
+          <a:chOff x="0" y="0"/>
+          <a:chExt cx="0" cy="0"/>
+        </a:xfrm>
+      </p:grpSpPr>
+      <p:sp>
+        <p:nvSpPr>
+          <p:cNvPr id="4097" name="Text Box 1"/>
+          <p:cNvSpPr txBox="1">
+            <a:spLocks noChangeArrowheads="1"/>
+          </p:cNvSpPr>
+          <p:nvPr/>
+        </p:nvSpPr>
+        <p:spPr bwMode="auto">
+          <a:xfrm>
+            <a:off x="503238" y="306388"/>
+            <a:ext cx="9072562" cy="1257300"/>
+          </a:xfrm>
+          <a:prstGeom prst="rect">
+            <a:avLst/>
+          </a:prstGeom>
+          <a:noFill/>
+          <a:ln w="9525">
+            <a:noFill/>
+            <a:round/>
+            <a:headEnd/>
+            <a:tailEnd/>
+          </a:ln>
+          <a:effectLst/>
+        </p:spPr>
+        <p:txBody>
+          <a:bodyPr/>
+          <a:lstStyle/>
+          <a:p>
+            <a:pPr algn="ctr" hangingPunct="1">
+              <a:buClrTx/>
+              <a:buFontTx/>
+              <a:buNone/>
+              <a:tabLst>
+                <a:tab pos="0" algn="l"/>
+                <a:tab pos="457200" algn="l"/>
+                <a:tab pos="914400" algn="l"/>
+                <a:tab pos="1371600" algn="l"/>
+                <a:tab pos="1828800" algn="l"/>
+                <a:tab pos="2286000" algn="l"/>
+                <a:tab pos="2743200" algn="l"/>
+                <a:tab pos="3200400" algn="l"/>
+                <a:tab pos="3657600" algn="l"/>
+                <a:tab pos="4114800" algn="l"/>
+                <a:tab pos="4572000" algn="l"/>
+                <a:tab pos="5029200" algn="l"/>
+                <a:tab pos="5486400" algn="l"/>
+                <a:tab pos="5943600" algn="l"/>
+                <a:tab pos="6400800" algn="l"/>
+                <a:tab pos="6858000" algn="l"/>
+                <a:tab pos="7315200" algn="l"/>
+                <a:tab pos="7772400" algn="l"/>
+                <a:tab pos="8229600" algn="l"/>
+                <a:tab pos="8686800" algn="l"/>
+                <a:tab pos="9144000" algn="l"/>
+              </a:tabLst>
+            </a:pPr>
+            <a:r>
+              <a:rPr lang="it-IT" sz="4400" b="1" dirty="0" smtClean="0">
+                <a:solidFill>
+                  <a:srgbClr val="000080"/>
+                </a:solidFill>
+                <a:ea typeface="Arial Unicode MS" charset="0"/>
+                <a:cs typeface="Arial Unicode MS" charset="0"/>
+              </a:rPr>
+              <a:t>②</a:t>
+            </a:r>
+            <a:r>
+              <a:rPr lang="en-US" sz="4400" b="1" dirty="0" smtClean="0">
+                <a:solidFill>
+                  <a:srgbClr val="000080"/>
+                </a:solidFill>
+                <a:ea typeface="Arial Unicode MS" charset="0"/>
+                <a:cs typeface="Arial Unicode MS" charset="0"/>
+              </a:rPr>
+              <a:t> </a:t>
+            </a:r>
+            <a:r>
+              <a:rPr lang="en-US" sz="4400" dirty="0" err="1" smtClean="0">
+                <a:solidFill>
+                  <a:srgbClr val="000080"/>
+                </a:solidFill>
+                <a:ea typeface="Arial Unicode MS" charset="0"/>
+                <a:cs typeface="Arial Unicode MS" charset="0"/>
+              </a:rPr>
+              <a:t>Scopo</a:t>
+            </a:r>
+            <a:r>
+              <a:rPr lang="en-US" sz="4400" dirty="0" smtClean="0">
+                <a:solidFill>
+                  <a:srgbClr val="000080"/>
+                </a:solidFill>
+                <a:ea typeface="Arial Unicode MS" charset="0"/>
+                <a:cs typeface="Arial Unicode MS" charset="0"/>
+              </a:rPr>
+              <a:t> e </a:t>
+            </a:r>
+            <a:r>
+              <a:rPr lang="en-US" sz="4400" dirty="0" err="1" smtClean="0">
+                <a:solidFill>
+                  <a:srgbClr val="000080"/>
+                </a:solidFill>
+                <a:ea typeface="Arial Unicode MS" charset="0"/>
+                <a:cs typeface="Arial Unicode MS" charset="0"/>
+              </a:rPr>
+              <a:t>benefici</a:t>
+            </a:r>
+            <a:endParaRPr lang="en-US" sz="4400" dirty="0">
+              <a:solidFill>
+                <a:srgbClr val="000080"/>
+              </a:solidFill>
+              <a:ea typeface="Arial Unicode MS" charset="0"/>
+              <a:cs typeface="Arial Unicode MS" charset="0"/>
+            </a:endParaRPr>
+          </a:p>
+        </p:txBody>
+      </p:sp>
+      <p:sp>
+        <p:nvSpPr>
+          <p:cNvPr id="4098" name="Rectangle 2"/>
+          <p:cNvSpPr>
+            <a:spLocks noChangeArrowheads="1"/>
+          </p:cNvSpPr>
+          <p:nvPr/>
+        </p:nvSpPr>
+        <p:spPr bwMode="auto">
+          <a:xfrm>
+            <a:off x="671513" y="1511300"/>
+            <a:ext cx="9072562" cy="5414963"/>
+          </a:xfrm>
+          <a:prstGeom prst="rect">
+            <a:avLst/>
+          </a:prstGeom>
+          <a:noFill/>
+          <a:ln w="9525">
+            <a:noFill/>
+            <a:round/>
+            <a:headEnd/>
+            <a:tailEnd/>
+          </a:ln>
+          <a:effectLst/>
+        </p:spPr>
+        <p:txBody>
+          <a:bodyPr lIns="90000" tIns="46800" rIns="90000" bIns="46800"/>
+          <a:lstStyle/>
+          <a:p>
+            <a:pPr marL="319088" indent="-319088" hangingPunct="1">
+              <a:spcBef>
+                <a:spcPts val="800"/>
+              </a:spcBef>
+              <a:buClr>
+                <a:srgbClr val="808080"/>
+              </a:buClr>
+              <a:buSzPct val="65000"/>
+              <a:buFont typeface="Wingdings" charset="2"/>
+              <a:buChar char=""/>
+              <a:tabLst>
+                <a:tab pos="319088" algn="l"/>
+                <a:tab pos="776288" algn="l"/>
+                <a:tab pos="1233488" algn="l"/>
+                <a:tab pos="1690688" algn="l"/>
+                <a:tab pos="2147888" algn="l"/>
+                <a:tab pos="2605088" algn="l"/>
+                <a:tab pos="3062288" algn="l"/>
+                <a:tab pos="3519488" algn="l"/>
+                <a:tab pos="3976688" algn="l"/>
+                <a:tab pos="4433888" algn="l"/>
+                <a:tab pos="4891088" algn="l"/>
+                <a:tab pos="5348288" algn="l"/>
+                <a:tab pos="5805488" algn="l"/>
+                <a:tab pos="6262688" algn="l"/>
+                <a:tab pos="6719888" algn="l"/>
+                <a:tab pos="7177088" algn="l"/>
+                <a:tab pos="7634288" algn="l"/>
+                <a:tab pos="8091488" algn="l"/>
+                <a:tab pos="8548688" algn="l"/>
+                <a:tab pos="9005888" algn="l"/>
+                <a:tab pos="9463088" algn="l"/>
+              </a:tabLst>
+            </a:pPr>
+            <a:r>
+              <a:rPr lang="it-IT" sz="3200" b="1" dirty="0" smtClean="0">
+                <a:solidFill>
+                  <a:srgbClr val="000000"/>
+                </a:solidFill>
+                <a:cs typeface="Arial" charset="0"/>
+              </a:rPr>
+              <a:t>Benefici</a:t>
+            </a:r>
+            <a:r>
+              <a:rPr lang="it-IT" sz="3200" dirty="0" smtClean="0">
+                <a:solidFill>
+                  <a:srgbClr val="000000"/>
+                </a:solidFill>
+                <a:cs typeface="Arial" charset="0"/>
+              </a:rPr>
+              <a:t>: grazie a queste estensione la federazione IDEM è in grado di raggiungere e includere applicazioni attualmente escluse.</a:t>
+            </a:r>
+          </a:p>
+          <a:p>
+            <a:pPr marL="319088" indent="-319088" hangingPunct="1">
+              <a:spcBef>
+                <a:spcPts val="800"/>
+              </a:spcBef>
+              <a:buClr>
+                <a:srgbClr val="808080"/>
+              </a:buClr>
+              <a:buSzPct val="65000"/>
+              <a:buFont typeface="Wingdings" charset="2"/>
+              <a:buChar char=""/>
+              <a:tabLst>
+                <a:tab pos="319088" algn="l"/>
+                <a:tab pos="776288" algn="l"/>
+                <a:tab pos="1233488" algn="l"/>
+                <a:tab pos="1690688" algn="l"/>
+                <a:tab pos="2147888" algn="l"/>
+                <a:tab pos="2605088" algn="l"/>
+                <a:tab pos="3062288" algn="l"/>
+                <a:tab pos="3519488" algn="l"/>
+                <a:tab pos="3976688" algn="l"/>
+                <a:tab pos="4433888" algn="l"/>
+                <a:tab pos="4891088" algn="l"/>
+                <a:tab pos="5348288" algn="l"/>
+                <a:tab pos="5805488" algn="l"/>
+                <a:tab pos="6262688" algn="l"/>
+                <a:tab pos="6719888" algn="l"/>
+                <a:tab pos="7177088" algn="l"/>
+                <a:tab pos="7634288" algn="l"/>
+                <a:tab pos="8091488" algn="l"/>
+                <a:tab pos="8548688" algn="l"/>
+                <a:tab pos="9005888" algn="l"/>
+                <a:tab pos="9463088" algn="l"/>
+              </a:tabLst>
+            </a:pPr>
+            <a:endParaRPr lang="it-IT" sz="3200" dirty="0" smtClean="0">
+              <a:solidFill>
+                <a:srgbClr val="000000"/>
+              </a:solidFill>
+              <a:cs typeface="Arial" charset="0"/>
+            </a:endParaRPr>
+          </a:p>
+          <a:p>
+            <a:pPr marL="319088" lvl="1" indent="-319088" hangingPunct="1">
+              <a:spcBef>
+                <a:spcPts val="800"/>
+              </a:spcBef>
+              <a:buClr>
+                <a:srgbClr val="808080"/>
+              </a:buClr>
+              <a:buSzPct val="65000"/>
+              <a:buFont typeface="Wingdings" charset="2"/>
+              <a:buChar char=""/>
+              <a:tabLst>
+                <a:tab pos="319088" algn="l"/>
+                <a:tab pos="776288" algn="l"/>
+                <a:tab pos="1233488" algn="l"/>
+                <a:tab pos="1690688" algn="l"/>
+                <a:tab pos="2147888" algn="l"/>
+                <a:tab pos="2605088" algn="l"/>
+                <a:tab pos="3062288" algn="l"/>
+                <a:tab pos="3519488" algn="l"/>
+                <a:tab pos="3976688" algn="l"/>
+                <a:tab pos="4433888" algn="l"/>
+                <a:tab pos="4891088" algn="l"/>
+                <a:tab pos="5348288" algn="l"/>
+                <a:tab pos="5805488" algn="l"/>
+                <a:tab pos="6262688" algn="l"/>
+                <a:tab pos="6719888" algn="l"/>
+                <a:tab pos="7177088" algn="l"/>
+                <a:tab pos="7634288" algn="l"/>
+                <a:tab pos="8091488" algn="l"/>
+                <a:tab pos="8548688" algn="l"/>
+                <a:tab pos="9005888" algn="l"/>
+                <a:tab pos="9463088" algn="l"/>
+              </a:tabLst>
+            </a:pPr>
+            <a:r>
+              <a:rPr lang="it-IT" sz="3200" b="1" dirty="0" smtClean="0">
+                <a:solidFill>
+                  <a:srgbClr val="000000"/>
+                </a:solidFill>
+                <a:cs typeface="Arial" charset="0"/>
+              </a:rPr>
+              <a:t>Esempio</a:t>
+            </a:r>
+            <a:r>
+              <a:rPr lang="it-IT" sz="3200" dirty="0" smtClean="0">
+                <a:solidFill>
+                  <a:srgbClr val="000000"/>
+                </a:solidFill>
+                <a:cs typeface="Arial" charset="0"/>
+              </a:rPr>
+              <a:t>: il problema ci si è presentato nel momento in cui per </a:t>
+            </a:r>
+            <a:r>
+              <a:rPr lang="it-IT" sz="3200" dirty="0" err="1" smtClean="0">
+                <a:solidFill>
+                  <a:srgbClr val="000000"/>
+                </a:solidFill>
+                <a:cs typeface="Arial" charset="0"/>
+              </a:rPr>
+              <a:t>GarrBox</a:t>
+            </a:r>
+            <a:r>
+              <a:rPr lang="it-IT" sz="3200" dirty="0" smtClean="0">
+                <a:solidFill>
+                  <a:srgbClr val="000000"/>
+                </a:solidFill>
+                <a:cs typeface="Arial" charset="0"/>
+              </a:rPr>
+              <a:t> abbiamo dovuto integrare l’interfaccia Amazon S3, che ha un suo schema </a:t>
+            </a:r>
+            <a:r>
+              <a:rPr lang="it-IT" sz="3200" dirty="0" err="1" smtClean="0">
+                <a:solidFill>
+                  <a:srgbClr val="000000"/>
+                </a:solidFill>
+                <a:cs typeface="Arial" charset="0"/>
+              </a:rPr>
+              <a:t>autorizzativo</a:t>
+            </a:r>
+            <a:r>
+              <a:rPr lang="it-IT" sz="3200" dirty="0" smtClean="0">
+                <a:solidFill>
+                  <a:srgbClr val="000000"/>
+                </a:solidFill>
+                <a:cs typeface="Arial" charset="0"/>
+              </a:rPr>
+              <a:t> non basato su </a:t>
+            </a:r>
+            <a:r>
+              <a:rPr lang="it-IT" sz="3200" dirty="0" err="1" smtClean="0">
+                <a:solidFill>
+                  <a:srgbClr val="000000"/>
+                </a:solidFill>
+                <a:cs typeface="Arial" charset="0"/>
+              </a:rPr>
               <a:t>username+password</a:t>
             </a:r>
-            <a:endParaRPr lang="en-US" sz="2800" dirty="0">
+            <a:r>
+              <a:rPr lang="it-IT" sz="3200" dirty="0" smtClean="0">
+                <a:solidFill>
+                  <a:srgbClr val="000000"/>
+                </a:solidFill>
+                <a:cs typeface="Arial" charset="0"/>
+              </a:rPr>
+              <a:t>.</a:t>
+            </a:r>
+            <a:endParaRPr lang="it-IT" sz="2800" dirty="0" smtClean="0">
+              <a:solidFill>
+                <a:srgbClr val="000000"/>
+              </a:solidFill>
+              <a:cs typeface="Arial" charset="0"/>
+            </a:endParaRPr>
+          </a:p>
+        </p:txBody>
+      </p:sp>
+    </p:spTree>
+  </p:cSld>
+  <p:clrMapOvr>
+    <a:masterClrMapping/>
+  </p:clrMapOvr>
+  <p:transition spd="med"/>
+  <p:timing>
+    <p:tnLst>
+      <p:par>
+        <p:cTn id="1" dur="indefinite" restart="never" nodeType="tmRoot">
+          <p:childTnLst>
+            <p:seq concurrent="1" nextAc="seek">
+              <p:cTn id="2" dur="indefinite" nodeType="mainSeq"/>
+              <p:prevCondLst>
+                <p:cond evt="onPrev" delay="0">
+                  <p:tgtEl>
+                    <p:sldTgt/>
+                  </p:tgtEl>
+                </p:cond>
+              </p:prevCondLst>
+              <p:nextCondLst>
+                <p:cond evt="onNext" delay="0">
+                  <p:tgtEl>
+                    <p:sldTgt/>
+                  </p:tgtEl>
+                </p:cond>
+              </p:nextCondLst>
+            </p:seq>
+          </p:childTnLst>
+        </p:cTn>
+      </p:par>
+    </p:tnLst>
+  </p:timing>
+</p:sld>
+</file>
+
+<file path=ppt/slides/slide8.xml><?xml version="1.0" encoding="utf-8"?>
+<p:sld xmlns:a="http://schemas.openxmlformats.org/drawingml/2006/main" xmlns:r="http://schemas.openxmlformats.org/officeDocument/2006/relationships" xmlns:p="http://schemas.openxmlformats.org/presentationml/2006/main">
+  <p:cSld>
+    <p:spTree>
+      <p:nvGrpSpPr>
+        <p:cNvPr id="1" name=""/>
+        <p:cNvGrpSpPr/>
+        <p:nvPr/>
+      </p:nvGrpSpPr>
+      <p:grpSpPr>
+        <a:xfrm>
+          <a:off x="0" y="0"/>
+          <a:ext cx="0" cy="0"/>
+          <a:chOff x="0" y="0"/>
+          <a:chExt cx="0" cy="0"/>
+        </a:xfrm>
+      </p:grpSpPr>
+      <p:sp>
+        <p:nvSpPr>
+          <p:cNvPr id="4097" name="Text Box 1"/>
+          <p:cNvSpPr txBox="1">
+            <a:spLocks noChangeArrowheads="1"/>
+          </p:cNvSpPr>
+          <p:nvPr/>
+        </p:nvSpPr>
+        <p:spPr bwMode="auto">
+          <a:xfrm>
+            <a:off x="503238" y="306388"/>
+            <a:ext cx="9072562" cy="1257300"/>
+          </a:xfrm>
+          <a:prstGeom prst="rect">
+            <a:avLst/>
+          </a:prstGeom>
+          <a:noFill/>
+          <a:ln w="9525">
+            <a:noFill/>
+            <a:round/>
+            <a:headEnd/>
+            <a:tailEnd/>
+          </a:ln>
+          <a:effectLst/>
+        </p:spPr>
+        <p:txBody>
+          <a:bodyPr/>
+          <a:lstStyle/>
+          <a:p>
+            <a:pPr algn="ctr" hangingPunct="1">
+              <a:buClrTx/>
+              <a:buFontTx/>
+              <a:buNone/>
+              <a:tabLst>
+                <a:tab pos="0" algn="l"/>
+                <a:tab pos="457200" algn="l"/>
+                <a:tab pos="914400" algn="l"/>
+                <a:tab pos="1371600" algn="l"/>
+                <a:tab pos="1828800" algn="l"/>
+                <a:tab pos="2286000" algn="l"/>
+                <a:tab pos="2743200" algn="l"/>
+                <a:tab pos="3200400" algn="l"/>
+                <a:tab pos="3657600" algn="l"/>
+                <a:tab pos="4114800" algn="l"/>
+                <a:tab pos="4572000" algn="l"/>
+                <a:tab pos="5029200" algn="l"/>
+                <a:tab pos="5486400" algn="l"/>
+                <a:tab pos="5943600" algn="l"/>
+                <a:tab pos="6400800" algn="l"/>
+                <a:tab pos="6858000" algn="l"/>
+                <a:tab pos="7315200" algn="l"/>
+                <a:tab pos="7772400" algn="l"/>
+                <a:tab pos="8229600" algn="l"/>
+                <a:tab pos="8686800" algn="l"/>
+                <a:tab pos="9144000" algn="l"/>
+              </a:tabLst>
+            </a:pPr>
+            <a:r>
+              <a:rPr lang="it-IT" sz="4400" b="1" dirty="0" smtClean="0">
+                <a:solidFill>
+                  <a:srgbClr val="000080"/>
+                </a:solidFill>
+                <a:ea typeface="Arial Unicode MS" charset="0"/>
+                <a:cs typeface="Arial Unicode MS" charset="0"/>
+              </a:rPr>
+              <a:t>②</a:t>
+            </a:r>
+            <a:r>
+              <a:rPr lang="en-US" sz="4400" b="1" dirty="0" smtClean="0">
+                <a:solidFill>
+                  <a:srgbClr val="000080"/>
+                </a:solidFill>
+                <a:ea typeface="Arial Unicode MS" charset="0"/>
+                <a:cs typeface="Arial Unicode MS" charset="0"/>
+              </a:rPr>
+              <a:t> </a:t>
+            </a:r>
+            <a:r>
+              <a:rPr lang="en-US" sz="4400" dirty="0" err="1" smtClean="0">
+                <a:solidFill>
+                  <a:srgbClr val="000080"/>
+                </a:solidFill>
+                <a:ea typeface="Arial Unicode MS" charset="0"/>
+                <a:cs typeface="Arial Unicode MS" charset="0"/>
+              </a:rPr>
+              <a:t>Architettura</a:t>
+            </a:r>
+            <a:r>
+              <a:rPr lang="en-US" sz="4400" dirty="0" smtClean="0">
+                <a:solidFill>
+                  <a:srgbClr val="000080"/>
+                </a:solidFill>
+                <a:ea typeface="Arial Unicode MS" charset="0"/>
+                <a:cs typeface="Arial Unicode MS" charset="0"/>
+              </a:rPr>
+              <a:t> ad alto </a:t>
+            </a:r>
+            <a:r>
+              <a:rPr lang="en-US" sz="4400" dirty="0" err="1" smtClean="0">
+                <a:solidFill>
+                  <a:srgbClr val="000080"/>
+                </a:solidFill>
+                <a:ea typeface="Arial Unicode MS" charset="0"/>
+                <a:cs typeface="Arial Unicode MS" charset="0"/>
+              </a:rPr>
+              <a:t>livello</a:t>
+            </a:r>
+            <a:endParaRPr lang="en-US" sz="4400" dirty="0">
+              <a:solidFill>
+                <a:srgbClr val="000080"/>
+              </a:solidFill>
+              <a:ea typeface="Arial Unicode MS" charset="0"/>
+              <a:cs typeface="Arial Unicode MS" charset="0"/>
+            </a:endParaRPr>
+          </a:p>
+        </p:txBody>
+      </p:sp>
+    </p:spTree>
+  </p:cSld>
+  <p:clrMapOvr>
+    <a:masterClrMapping/>
+  </p:clrMapOvr>
+  <p:transition spd="med"/>
+  <p:timing>
+    <p:tnLst>
+      <p:par>
+        <p:cTn id="1" dur="indefinite" restart="never" nodeType="tmRoot">
+          <p:childTnLst>
+            <p:seq concurrent="1" nextAc="seek">
+              <p:cTn id="2" dur="indefinite" nodeType="mainSeq"/>
+              <p:prevCondLst>
+                <p:cond evt="onPrev" delay="0">
+                  <p:tgtEl>
+                    <p:sldTgt/>
+                  </p:tgtEl>
+                </p:cond>
+              </p:prevCondLst>
+              <p:nextCondLst>
+                <p:cond evt="onNext" delay="0">
+                  <p:tgtEl>
+                    <p:sldTgt/>
+                  </p:tgtEl>
+                </p:cond>
+              </p:nextCondLst>
+            </p:seq>
+          </p:childTnLst>
+        </p:cTn>
+      </p:par>
+    </p:tnLst>
+  </p:timing>
+</p:sld>
+</file>
+
+<file path=ppt/slides/slide9.xml><?xml version="1.0" encoding="utf-8"?>
+<p:sld xmlns:a="http://schemas.openxmlformats.org/drawingml/2006/main" xmlns:r="http://schemas.openxmlformats.org/officeDocument/2006/relationships" xmlns:p="http://schemas.openxmlformats.org/presentationml/2006/main">
+  <p:cSld>
+    <p:spTree>
+      <p:nvGrpSpPr>
+        <p:cNvPr id="1" name=""/>
+        <p:cNvGrpSpPr/>
+        <p:nvPr/>
+      </p:nvGrpSpPr>
+      <p:grpSpPr>
+        <a:xfrm>
+          <a:off x="0" y="0"/>
+          <a:ext cx="0" cy="0"/>
+          <a:chOff x="0" y="0"/>
+          <a:chExt cx="0" cy="0"/>
+        </a:xfrm>
+      </p:grpSpPr>
+      <p:sp>
+        <p:nvSpPr>
+          <p:cNvPr id="4097" name="Text Box 1"/>
+          <p:cNvSpPr txBox="1">
+            <a:spLocks noChangeArrowheads="1"/>
+          </p:cNvSpPr>
+          <p:nvPr/>
+        </p:nvSpPr>
+        <p:spPr bwMode="auto">
+          <a:xfrm>
+            <a:off x="503238" y="306388"/>
+            <a:ext cx="9072562" cy="1257300"/>
+          </a:xfrm>
+          <a:prstGeom prst="rect">
+            <a:avLst/>
+          </a:prstGeom>
+          <a:noFill/>
+          <a:ln w="9525">
+            <a:noFill/>
+            <a:round/>
+            <a:headEnd/>
+            <a:tailEnd/>
+          </a:ln>
+          <a:effectLst/>
+        </p:spPr>
+        <p:txBody>
+          <a:bodyPr/>
+          <a:lstStyle/>
+          <a:p>
+            <a:pPr algn="ctr" hangingPunct="1">
+              <a:buClrTx/>
+              <a:buFontTx/>
+              <a:buNone/>
+              <a:tabLst>
+                <a:tab pos="0" algn="l"/>
+                <a:tab pos="457200" algn="l"/>
+                <a:tab pos="914400" algn="l"/>
+                <a:tab pos="1371600" algn="l"/>
+                <a:tab pos="1828800" algn="l"/>
+                <a:tab pos="2286000" algn="l"/>
+                <a:tab pos="2743200" algn="l"/>
+                <a:tab pos="3200400" algn="l"/>
+                <a:tab pos="3657600" algn="l"/>
+                <a:tab pos="4114800" algn="l"/>
+                <a:tab pos="4572000" algn="l"/>
+                <a:tab pos="5029200" algn="l"/>
+                <a:tab pos="5486400" algn="l"/>
+                <a:tab pos="5943600" algn="l"/>
+                <a:tab pos="6400800" algn="l"/>
+                <a:tab pos="6858000" algn="l"/>
+                <a:tab pos="7315200" algn="l"/>
+                <a:tab pos="7772400" algn="l"/>
+                <a:tab pos="8229600" algn="l"/>
+                <a:tab pos="8686800" algn="l"/>
+                <a:tab pos="9144000" algn="l"/>
+              </a:tabLst>
+            </a:pPr>
+            <a:r>
+              <a:rPr lang="it-IT" sz="4400" b="1" dirty="0" smtClean="0">
+                <a:solidFill>
+                  <a:srgbClr val="000080"/>
+                </a:solidFill>
+                <a:ea typeface="Arial Unicode MS" charset="0"/>
+                <a:cs typeface="Arial Unicode MS" charset="0"/>
+              </a:rPr>
+              <a:t>②</a:t>
+            </a:r>
+            <a:r>
+              <a:rPr lang="en-US" sz="4400" b="1" dirty="0" smtClean="0">
+                <a:solidFill>
+                  <a:srgbClr val="000080"/>
+                </a:solidFill>
+                <a:ea typeface="Arial Unicode MS" charset="0"/>
+                <a:cs typeface="Arial Unicode MS" charset="0"/>
+              </a:rPr>
+              <a:t> </a:t>
+            </a:r>
+            <a:r>
+              <a:rPr lang="en-US" sz="4400" dirty="0" err="1" smtClean="0">
+                <a:solidFill>
+                  <a:srgbClr val="000080"/>
+                </a:solidFill>
+                <a:ea typeface="Arial Unicode MS" charset="0"/>
+                <a:cs typeface="Arial Unicode MS" charset="0"/>
+              </a:rPr>
+              <a:t>Riassunto</a:t>
+            </a:r>
+            <a:r>
+              <a:rPr lang="en-US" sz="4400" dirty="0" smtClean="0">
+                <a:solidFill>
+                  <a:srgbClr val="000080"/>
+                </a:solidFill>
+                <a:ea typeface="Arial Unicode MS" charset="0"/>
+                <a:cs typeface="Arial Unicode MS" charset="0"/>
+              </a:rPr>
+              <a:t> </a:t>
+            </a:r>
+            <a:r>
+              <a:rPr lang="en-US" sz="4400" dirty="0" err="1" smtClean="0">
+                <a:solidFill>
+                  <a:srgbClr val="000080"/>
+                </a:solidFill>
+                <a:ea typeface="Arial Unicode MS" charset="0"/>
+                <a:cs typeface="Arial Unicode MS" charset="0"/>
+              </a:rPr>
+              <a:t>modifiche</a:t>
+            </a:r>
+            <a:r>
+              <a:rPr lang="en-US" sz="4400" dirty="0" smtClean="0">
+                <a:solidFill>
+                  <a:srgbClr val="000080"/>
+                </a:solidFill>
+                <a:ea typeface="Arial Unicode MS" charset="0"/>
+                <a:cs typeface="Arial Unicode MS" charset="0"/>
+              </a:rPr>
+              <a:t> </a:t>
+            </a:r>
+            <a:r>
+              <a:rPr lang="en-US" sz="4400" dirty="0" err="1" smtClean="0">
+                <a:solidFill>
+                  <a:srgbClr val="000080"/>
+                </a:solidFill>
+                <a:ea typeface="Arial Unicode MS" charset="0"/>
+                <a:cs typeface="Arial Unicode MS" charset="0"/>
+              </a:rPr>
+              <a:t>apportate</a:t>
+            </a:r>
+            <a:endParaRPr lang="en-US" sz="4400" dirty="0">
+              <a:solidFill>
+                <a:srgbClr val="000080"/>
+              </a:solidFill>
+              <a:ea typeface="Arial Unicode MS" charset="0"/>
+              <a:cs typeface="Arial Unicode MS" charset="0"/>
+            </a:endParaRPr>
+          </a:p>
+        </p:txBody>
+      </p:sp>
+      <p:sp>
+        <p:nvSpPr>
+          <p:cNvPr id="4098" name="Rectangle 2"/>
+          <p:cNvSpPr>
+            <a:spLocks noChangeArrowheads="1"/>
+          </p:cNvSpPr>
+          <p:nvPr/>
+        </p:nvSpPr>
+        <p:spPr bwMode="auto">
+          <a:xfrm>
+            <a:off x="671513" y="1511300"/>
+            <a:ext cx="9072562" cy="5414963"/>
+          </a:xfrm>
+          <a:prstGeom prst="rect">
+            <a:avLst/>
+          </a:prstGeom>
+          <a:noFill/>
+          <a:ln w="9525">
+            <a:noFill/>
+            <a:round/>
+            <a:headEnd/>
+            <a:tailEnd/>
+          </a:ln>
+          <a:effectLst/>
+        </p:spPr>
+        <p:txBody>
+          <a:bodyPr lIns="90000" tIns="46800" rIns="90000" bIns="46800"/>
+          <a:lstStyle/>
+          <a:p>
+            <a:pPr marL="319088" indent="-319088" hangingPunct="1">
+              <a:spcBef>
+                <a:spcPts val="800"/>
+              </a:spcBef>
+              <a:buClr>
+                <a:srgbClr val="808080"/>
+              </a:buClr>
+              <a:buSzPct val="65000"/>
+              <a:buFont typeface="Wingdings" charset="2"/>
+              <a:buChar char=""/>
+              <a:tabLst>
+                <a:tab pos="319088" algn="l"/>
+                <a:tab pos="776288" algn="l"/>
+                <a:tab pos="1233488" algn="l"/>
+                <a:tab pos="1690688" algn="l"/>
+                <a:tab pos="2147888" algn="l"/>
+                <a:tab pos="2605088" algn="l"/>
+                <a:tab pos="3062288" algn="l"/>
+                <a:tab pos="3519488" algn="l"/>
+                <a:tab pos="3976688" algn="l"/>
+                <a:tab pos="4433888" algn="l"/>
+                <a:tab pos="4891088" algn="l"/>
+                <a:tab pos="5348288" algn="l"/>
+                <a:tab pos="5805488" algn="l"/>
+                <a:tab pos="6262688" algn="l"/>
+                <a:tab pos="6719888" algn="l"/>
+                <a:tab pos="7177088" algn="l"/>
+                <a:tab pos="7634288" algn="l"/>
+                <a:tab pos="8091488" algn="l"/>
+                <a:tab pos="8548688" algn="l"/>
+                <a:tab pos="9005888" algn="l"/>
+                <a:tab pos="9463088" algn="l"/>
+              </a:tabLst>
+            </a:pPr>
+            <a:r>
+              <a:rPr lang="it-IT" sz="3200" b="1" dirty="0" err="1" smtClean="0">
+                <a:solidFill>
+                  <a:srgbClr val="000000"/>
+                </a:solidFill>
+                <a:cs typeface="Arial" charset="0"/>
+              </a:rPr>
+              <a:t>IdP</a:t>
+            </a:r>
+            <a:r>
+              <a:rPr lang="it-IT" sz="3200" dirty="0" smtClean="0">
+                <a:solidFill>
+                  <a:srgbClr val="000000"/>
+                </a:solidFill>
+                <a:cs typeface="Arial" charset="0"/>
+              </a:rPr>
+              <a:t>: </a:t>
+            </a:r>
+            <a:r>
+              <a:rPr lang="it-IT" sz="3200" dirty="0" err="1" smtClean="0">
+                <a:solidFill>
+                  <a:srgbClr val="000000"/>
+                </a:solidFill>
+                <a:cs typeface="Arial" charset="0"/>
+              </a:rPr>
+              <a:t>deploy</a:t>
+            </a:r>
+            <a:r>
+              <a:rPr lang="it-IT" sz="3200" dirty="0" smtClean="0">
+                <a:solidFill>
+                  <a:srgbClr val="000000"/>
+                </a:solidFill>
+                <a:cs typeface="Arial" charset="0"/>
+              </a:rPr>
+              <a:t> di un </a:t>
+            </a:r>
+            <a:r>
+              <a:rPr lang="it-IT" sz="3200" dirty="0" err="1" smtClean="0">
+                <a:solidFill>
+                  <a:srgbClr val="000000"/>
+                </a:solidFill>
+                <a:cs typeface="Arial" charset="0"/>
+              </a:rPr>
+              <a:t>LoginHandler</a:t>
+            </a:r>
+            <a:r>
+              <a:rPr lang="it-IT" sz="3200" dirty="0" smtClean="0">
+                <a:solidFill>
+                  <a:srgbClr val="000000"/>
+                </a:solidFill>
+                <a:cs typeface="Arial" charset="0"/>
+              </a:rPr>
+              <a:t> e </a:t>
+            </a:r>
+            <a:r>
+              <a:rPr lang="it-IT" sz="3200" dirty="0" err="1" smtClean="0">
+                <a:solidFill>
+                  <a:srgbClr val="000000"/>
+                </a:solidFill>
+                <a:cs typeface="Arial" charset="0"/>
+              </a:rPr>
+              <a:t>AttributeResolver</a:t>
+            </a:r>
+            <a:r>
+              <a:rPr lang="it-IT" sz="3200" dirty="0" smtClean="0">
+                <a:solidFill>
+                  <a:srgbClr val="000000"/>
+                </a:solidFill>
+                <a:cs typeface="Arial" charset="0"/>
+              </a:rPr>
+              <a:t> e loro attivazione (tramite configurazione).</a:t>
+            </a:r>
+          </a:p>
+          <a:p>
+            <a:pPr marL="319088" indent="-319088" hangingPunct="1">
+              <a:spcBef>
+                <a:spcPts val="800"/>
+              </a:spcBef>
+              <a:buClr>
+                <a:srgbClr val="808080"/>
+              </a:buClr>
+              <a:buSzPct val="65000"/>
+              <a:buFont typeface="Wingdings" charset="2"/>
+              <a:buChar char=""/>
+              <a:tabLst>
+                <a:tab pos="319088" algn="l"/>
+                <a:tab pos="776288" algn="l"/>
+                <a:tab pos="1233488" algn="l"/>
+                <a:tab pos="1690688" algn="l"/>
+                <a:tab pos="2147888" algn="l"/>
+                <a:tab pos="2605088" algn="l"/>
+                <a:tab pos="3062288" algn="l"/>
+                <a:tab pos="3519488" algn="l"/>
+                <a:tab pos="3976688" algn="l"/>
+                <a:tab pos="4433888" algn="l"/>
+                <a:tab pos="4891088" algn="l"/>
+                <a:tab pos="5348288" algn="l"/>
+                <a:tab pos="5805488" algn="l"/>
+                <a:tab pos="6262688" algn="l"/>
+                <a:tab pos="6719888" algn="l"/>
+                <a:tab pos="7177088" algn="l"/>
+                <a:tab pos="7634288" algn="l"/>
+                <a:tab pos="8091488" algn="l"/>
+                <a:tab pos="8548688" algn="l"/>
+                <a:tab pos="9005888" algn="l"/>
+                <a:tab pos="9463088" algn="l"/>
+              </a:tabLst>
+            </a:pPr>
+            <a:endParaRPr lang="it-IT" sz="3200" dirty="0" smtClean="0">
+              <a:solidFill>
+                <a:srgbClr val="000000"/>
+              </a:solidFill>
+              <a:cs typeface="Arial" charset="0"/>
+            </a:endParaRPr>
+          </a:p>
+          <a:p>
+            <a:pPr marL="319088" lvl="1" indent="-319088" hangingPunct="1">
+              <a:spcBef>
+                <a:spcPts val="800"/>
+              </a:spcBef>
+              <a:buClr>
+                <a:srgbClr val="808080"/>
+              </a:buClr>
+              <a:buSzPct val="65000"/>
+              <a:buFont typeface="Wingdings" charset="2"/>
+              <a:buChar char=""/>
+              <a:tabLst>
+                <a:tab pos="319088" algn="l"/>
+                <a:tab pos="776288" algn="l"/>
+                <a:tab pos="1233488" algn="l"/>
+                <a:tab pos="1690688" algn="l"/>
+                <a:tab pos="2147888" algn="l"/>
+                <a:tab pos="2605088" algn="l"/>
+                <a:tab pos="3062288" algn="l"/>
+                <a:tab pos="3519488" algn="l"/>
+                <a:tab pos="3976688" algn="l"/>
+                <a:tab pos="4433888" algn="l"/>
+                <a:tab pos="4891088" algn="l"/>
+                <a:tab pos="5348288" algn="l"/>
+                <a:tab pos="5805488" algn="l"/>
+                <a:tab pos="6262688" algn="l"/>
+                <a:tab pos="6719888" algn="l"/>
+                <a:tab pos="7177088" algn="l"/>
+                <a:tab pos="7634288" algn="l"/>
+                <a:tab pos="8091488" algn="l"/>
+                <a:tab pos="8548688" algn="l"/>
+                <a:tab pos="9005888" algn="l"/>
+                <a:tab pos="9463088" algn="l"/>
+              </a:tabLst>
+            </a:pPr>
+            <a:r>
+              <a:rPr lang="en-US" sz="3200" b="1" dirty="0" smtClean="0">
+                <a:solidFill>
+                  <a:srgbClr val="000000"/>
+                </a:solidFill>
+                <a:cs typeface="Arial" charset="0"/>
+              </a:rPr>
+              <a:t>SP</a:t>
+            </a:r>
+            <a:r>
+              <a:rPr lang="en-US" sz="3200" dirty="0" smtClean="0">
+                <a:solidFill>
+                  <a:srgbClr val="000000"/>
+                </a:solidFill>
+                <a:cs typeface="Arial" charset="0"/>
+              </a:rPr>
+              <a:t>: </a:t>
+            </a:r>
+            <a:r>
+              <a:rPr lang="en-US" sz="3200" dirty="0" err="1" smtClean="0">
+                <a:solidFill>
+                  <a:srgbClr val="000000"/>
+                </a:solidFill>
+                <a:cs typeface="Arial" charset="0"/>
+              </a:rPr>
+              <a:t>lievi</a:t>
+            </a:r>
+            <a:r>
+              <a:rPr lang="en-US" sz="3200" dirty="0" smtClean="0">
+                <a:solidFill>
+                  <a:srgbClr val="000000"/>
+                </a:solidFill>
+                <a:cs typeface="Arial" charset="0"/>
+              </a:rPr>
+              <a:t> </a:t>
+            </a:r>
+            <a:r>
+              <a:rPr lang="en-US" sz="3200" dirty="0" err="1" smtClean="0">
+                <a:solidFill>
+                  <a:srgbClr val="000000"/>
+                </a:solidFill>
+                <a:cs typeface="Arial" charset="0"/>
+              </a:rPr>
+              <a:t>modifiche</a:t>
+            </a:r>
+            <a:r>
+              <a:rPr lang="en-US" sz="3200" dirty="0" smtClean="0">
+                <a:solidFill>
+                  <a:srgbClr val="000000"/>
+                </a:solidFill>
+                <a:cs typeface="Arial" charset="0"/>
+              </a:rPr>
+              <a:t> solo </a:t>
+            </a:r>
+            <a:r>
+              <a:rPr lang="en-US" sz="3200" dirty="0" err="1" smtClean="0">
+                <a:solidFill>
+                  <a:srgbClr val="000000"/>
+                </a:solidFill>
+                <a:cs typeface="Arial" charset="0"/>
+              </a:rPr>
+              <a:t>di</a:t>
+            </a:r>
+            <a:r>
+              <a:rPr lang="en-US" sz="3200" dirty="0" smtClean="0">
+                <a:solidFill>
+                  <a:srgbClr val="000000"/>
+                </a:solidFill>
+                <a:cs typeface="Arial" charset="0"/>
+              </a:rPr>
+              <a:t> </a:t>
+            </a:r>
+            <a:r>
+              <a:rPr lang="en-US" sz="3200" dirty="0" err="1" smtClean="0">
+                <a:solidFill>
+                  <a:srgbClr val="000000"/>
+                </a:solidFill>
+                <a:cs typeface="Arial" charset="0"/>
+              </a:rPr>
+              <a:t>configurazione</a:t>
+            </a:r>
+            <a:r>
+              <a:rPr lang="en-US" sz="3200" dirty="0" smtClean="0">
+                <a:solidFill>
+                  <a:srgbClr val="000000"/>
+                </a:solidFill>
+                <a:cs typeface="Arial" charset="0"/>
+              </a:rPr>
+              <a:t> del Shibboleth SP.</a:t>
+            </a:r>
+            <a:endParaRPr lang="en-US" sz="2800" dirty="0" smtClean="0">
               <a:solidFill>
                 <a:srgbClr val="000000"/>
               </a:solidFill>

--- a/ShibbolethExtensions.pptx
+++ b/ShibbolethExtensions.pptx
@@ -5,27 +5,26 @@
     <p:sldMasterId id="2147483649" r:id="rId1"/>
   </p:sldMasterIdLst>
   <p:notesMasterIdLst>
-    <p:notesMasterId r:id="rId17"/>
+    <p:notesMasterId r:id="rId16"/>
   </p:notesMasterIdLst>
   <p:handoutMasterIdLst>
-    <p:handoutMasterId r:id="rId18"/>
+    <p:handoutMasterId r:id="rId17"/>
   </p:handoutMasterIdLst>
   <p:sldIdLst>
     <p:sldId id="256" r:id="rId2"/>
     <p:sldId id="338" r:id="rId3"/>
     <p:sldId id="352" r:id="rId4"/>
-    <p:sldId id="340" r:id="rId5"/>
-    <p:sldId id="341" r:id="rId6"/>
-    <p:sldId id="342" r:id="rId7"/>
-    <p:sldId id="343" r:id="rId8"/>
-    <p:sldId id="344" r:id="rId9"/>
-    <p:sldId id="345" r:id="rId10"/>
-    <p:sldId id="346" r:id="rId11"/>
-    <p:sldId id="347" r:id="rId12"/>
-    <p:sldId id="348" r:id="rId13"/>
-    <p:sldId id="349" r:id="rId14"/>
-    <p:sldId id="350" r:id="rId15"/>
-    <p:sldId id="351" r:id="rId16"/>
+    <p:sldId id="353" r:id="rId5"/>
+    <p:sldId id="354" r:id="rId6"/>
+    <p:sldId id="355" r:id="rId7"/>
+    <p:sldId id="356" r:id="rId8"/>
+    <p:sldId id="357" r:id="rId9"/>
+    <p:sldId id="358" r:id="rId10"/>
+    <p:sldId id="359" r:id="rId11"/>
+    <p:sldId id="360" r:id="rId12"/>
+    <p:sldId id="361" r:id="rId13"/>
+    <p:sldId id="362" r:id="rId14"/>
+    <p:sldId id="363" r:id="rId15"/>
   </p:sldIdLst>
   <p:sldSz cx="9144000" cy="6858000" type="screen4x3"/>
   <p:notesSz cx="6781800" cy="9918700"/>
@@ -382,6 +381,11 @@
         </p:txBody>
       </p:sp>
     </p:spTree>
+    <p:extLst>
+      <p:ext uri="{BB962C8B-B14F-4D97-AF65-F5344CB8AC3E}">
+        <p14:creationId xmlns:p14="http://schemas.microsoft.com/office/powerpoint/2010/main" val="567522735"/>
+      </p:ext>
+    </p:extLst>
   </p:cSld>
   <p:clrMap bg1="lt1" tx1="dk1" bg2="lt2" tx2="dk2" accent1="accent1" accent2="accent2" accent3="accent3" accent4="accent4" accent5="accent5" accent6="accent6" hlink="hlink" folHlink="folHlink"/>
 </p:handoutMaster>
@@ -512,7 +516,7 @@
         <p:nvSpPr>
           <p:cNvPr id="18436" name="Rectangle 4"/>
           <p:cNvSpPr>
-            <a:spLocks noRot="1" noChangeArrowheads="1" noTextEdit="1"/>
+            <a:spLocks noGrp="1" noRot="1" noChangeAspect="1" noChangeArrowheads="1" noTextEdit="1"/>
           </p:cNvSpPr>
           <p:nvPr>
             <p:ph type="sldImg" idx="2"/>
@@ -712,6 +716,11 @@
         </p:txBody>
       </p:sp>
     </p:spTree>
+    <p:extLst>
+      <p:ext uri="{BB962C8B-B14F-4D97-AF65-F5344CB8AC3E}">
+        <p14:creationId xmlns:p14="http://schemas.microsoft.com/office/powerpoint/2010/main" val="396828337"/>
+      </p:ext>
+    </p:extLst>
   </p:cSld>
   <p:clrMap bg1="lt1" tx1="dk1" bg2="lt2" tx2="dk2" accent1="accent1" accent2="accent2" accent3="accent3" accent4="accent4" accent5="accent5" accent6="accent6" hlink="hlink" folHlink="folHlink"/>
   <p:notesStyle>
@@ -939,14 +948,6 @@
 <file path=ppt/notesSlides/notesSlide10.xml><?xml version="1.0" encoding="utf-8"?>
 <p:notes xmlns:a="http://schemas.openxmlformats.org/drawingml/2006/main" xmlns:r="http://schemas.openxmlformats.org/officeDocument/2006/relationships" xmlns:p="http://schemas.openxmlformats.org/presentationml/2006/main">
   <p:cSld>
-    <p:bg>
-      <p:bgPr>
-        <a:solidFill>
-          <a:srgbClr val="FFFFFF"/>
-        </a:solidFill>
-        <a:effectLst/>
-      </p:bgPr>
-    </p:bg>
     <p:spTree>
       <p:nvGrpSpPr>
         <p:cNvPr id="1" name=""/>
@@ -963,7 +964,7 @@
       </p:grpSpPr>
       <p:sp>
         <p:nvSpPr>
-          <p:cNvPr id="28674" name="Rectangle 27"/>
+          <p:cNvPr id="21506" name="Rectangle 7"/>
           <p:cNvSpPr>
             <a:spLocks noGrp="1" noChangeArrowheads="1"/>
           </p:cNvSpPr>
@@ -978,7 +979,7 @@
           <a:bodyPr/>
           <a:lstStyle/>
           <a:p>
-            <a:fld id="{2E5F85ED-BD8D-48EF-9932-A6EC25BC5768}" type="slidenum">
+            <a:fld id="{1AD4D25A-BB39-4720-AB78-3D7CFF20B890}" type="slidenum">
               <a:rPr lang="en-US" smtClean="0">
                 <a:latin typeface="Arial" pitchFamily="34" charset="0"/>
               </a:rPr>
@@ -993,103 +994,8 @@
       </p:sp>
       <p:sp>
         <p:nvSpPr>
-          <p:cNvPr id="28675" name="Text Box 1"/>
-          <p:cNvSpPr txBox="1">
-            <a:spLocks noChangeArrowheads="1"/>
-          </p:cNvSpPr>
-          <p:nvPr/>
-        </p:nvSpPr>
-        <p:spPr bwMode="auto">
-          <a:xfrm>
-            <a:off x="3841750" y="9420225"/>
-            <a:ext cx="2936875" cy="496888"/>
-          </a:xfrm>
-          <a:prstGeom prst="rect">
-            <a:avLst/>
-          </a:prstGeom>
-          <a:noFill/>
-          <a:ln w="9525">
-            <a:noFill/>
-            <a:round/>
-            <a:headEnd/>
-            <a:tailEnd/>
-          </a:ln>
-        </p:spPr>
-        <p:txBody>
-          <a:bodyPr lIns="84294" tIns="43833" rIns="84294" bIns="43833" anchor="b"/>
-          <a:lstStyle/>
-          <a:p>
-            <a:pPr algn="r">
-              <a:tabLst>
-                <a:tab pos="0" algn="l"/>
-                <a:tab pos="427038" algn="l"/>
-                <a:tab pos="855663" algn="l"/>
-                <a:tab pos="1284288" algn="l"/>
-                <a:tab pos="1711325" algn="l"/>
-                <a:tab pos="2139950" algn="l"/>
-                <a:tab pos="2568575" algn="l"/>
-                <a:tab pos="2997200" algn="l"/>
-                <a:tab pos="3424238" algn="l"/>
-                <a:tab pos="3852863" algn="l"/>
-                <a:tab pos="4281488" algn="l"/>
-                <a:tab pos="4710113" algn="l"/>
-                <a:tab pos="5137150" algn="l"/>
-                <a:tab pos="5565775" algn="l"/>
-                <a:tab pos="5994400" algn="l"/>
-                <a:tab pos="6423025" algn="l"/>
-                <a:tab pos="6850063" algn="l"/>
-                <a:tab pos="7278688" algn="l"/>
-                <a:tab pos="7707313" algn="l"/>
-                <a:tab pos="8135938" algn="l"/>
-                <a:tab pos="8562975" algn="l"/>
-              </a:tabLst>
-            </a:pPr>
-            <a:fld id="{1A6843B3-C893-4069-BEBB-909723C7370B}" type="slidenum">
-              <a:rPr lang="ar-SA" sz="1100">
-                <a:solidFill>
-                  <a:srgbClr val="000000"/>
-                </a:solidFill>
-              </a:rPr>
-              <a:pPr algn="r">
-                <a:tabLst>
-                  <a:tab pos="0" algn="l"/>
-                  <a:tab pos="427038" algn="l"/>
-                  <a:tab pos="855663" algn="l"/>
-                  <a:tab pos="1284288" algn="l"/>
-                  <a:tab pos="1711325" algn="l"/>
-                  <a:tab pos="2139950" algn="l"/>
-                  <a:tab pos="2568575" algn="l"/>
-                  <a:tab pos="2997200" algn="l"/>
-                  <a:tab pos="3424238" algn="l"/>
-                  <a:tab pos="3852863" algn="l"/>
-                  <a:tab pos="4281488" algn="l"/>
-                  <a:tab pos="4710113" algn="l"/>
-                  <a:tab pos="5137150" algn="l"/>
-                  <a:tab pos="5565775" algn="l"/>
-                  <a:tab pos="5994400" algn="l"/>
-                  <a:tab pos="6423025" algn="l"/>
-                  <a:tab pos="6850063" algn="l"/>
-                  <a:tab pos="7278688" algn="l"/>
-                  <a:tab pos="7707313" algn="l"/>
-                  <a:tab pos="8135938" algn="l"/>
-                  <a:tab pos="8562975" algn="l"/>
-                </a:tabLst>
-              </a:pPr>
-              <a:t>10</a:t>
-            </a:fld>
-            <a:endParaRPr lang="en-US" sz="1100">
-              <a:solidFill>
-                <a:srgbClr val="000000"/>
-              </a:solidFill>
-              <a:cs typeface="Arial" pitchFamily="34" charset="0"/>
-            </a:endParaRPr>
-          </a:p>
-        </p:txBody>
-      </p:sp>
-      <p:sp>
-        <p:nvSpPr>
-          <p:cNvPr id="28676" name="Rectangle 2"/>
-          <p:cNvSpPr txBox="1">
+          <p:cNvPr id="21507" name="Rectangle 2"/>
+          <p:cNvSpPr>
             <a:spLocks noGrp="1" noRot="1" noChangeAspect="1" noChangeArrowheads="1" noTextEdit="1"/>
           </p:cNvSpPr>
           <p:nvPr>
@@ -1098,19 +1004,16 @@
         </p:nvSpPr>
         <p:spPr>
           <a:xfrm>
-            <a:off x="911225" y="742950"/>
-            <a:ext cx="4959350" cy="3719513"/>
+            <a:off x="912813" y="744538"/>
+            <a:ext cx="4959350" cy="3719512"/>
           </a:xfrm>
-          <a:solidFill>
-            <a:srgbClr val="FFFFFF"/>
-          </a:solidFill>
           <a:ln/>
         </p:spPr>
       </p:sp>
       <p:sp>
         <p:nvSpPr>
-          <p:cNvPr id="28677" name="Rectangle 3"/>
-          <p:cNvSpPr txBox="1">
+          <p:cNvPr id="21508" name="Rectangle 3"/>
+          <p:cNvSpPr>
             <a:spLocks noGrp="1" noChangeArrowheads="1"/>
           </p:cNvSpPr>
           <p:nvPr>
@@ -1118,48 +1021,16 @@
           </p:nvPr>
         </p:nvSpPr>
         <p:spPr>
-          <a:xfrm>
-            <a:off x="677863" y="4710113"/>
-            <a:ext cx="5424487" cy="4464050"/>
-          </a:xfrm>
           <a:noFill/>
           <a:ln/>
         </p:spPr>
         <p:txBody>
-          <a:bodyPr wrap="none" anchor="ctr"/>
+          <a:bodyPr/>
           <a:lstStyle/>
           <a:p>
-            <a:pPr>
-              <a:spcBef>
-                <a:spcPts val="425"/>
-              </a:spcBef>
-              <a:tabLst>
-                <a:tab pos="0" algn="l"/>
-                <a:tab pos="427038" algn="l"/>
-                <a:tab pos="855663" algn="l"/>
-                <a:tab pos="1284288" algn="l"/>
-                <a:tab pos="1711325" algn="l"/>
-                <a:tab pos="2139950" algn="l"/>
-                <a:tab pos="2568575" algn="l"/>
-                <a:tab pos="2997200" algn="l"/>
-                <a:tab pos="3424238" algn="l"/>
-                <a:tab pos="3852863" algn="l"/>
-                <a:tab pos="4281488" algn="l"/>
-                <a:tab pos="4710113" algn="l"/>
-                <a:tab pos="5137150" algn="l"/>
-                <a:tab pos="5565775" algn="l"/>
-                <a:tab pos="5994400" algn="l"/>
-                <a:tab pos="6423025" algn="l"/>
-                <a:tab pos="6850063" algn="l"/>
-                <a:tab pos="7278688" algn="l"/>
-                <a:tab pos="7707313" algn="l"/>
-                <a:tab pos="8135938" algn="l"/>
-                <a:tab pos="8562975" algn="l"/>
-              </a:tabLst>
-            </a:pPr>
-            <a:endParaRPr lang="en-US" smtClean="0">
+            <a:pPr eaLnBrk="1" hangingPunct="1"/>
+            <a:endParaRPr lang="en-GB" smtClean="0">
               <a:latin typeface="Arial" pitchFamily="34" charset="0"/>
-              <a:cs typeface="DejaVu Sans" pitchFamily="34" charset="0"/>
             </a:endParaRPr>
           </a:p>
         </p:txBody>
@@ -1175,14 +1046,6 @@
 <file path=ppt/notesSlides/notesSlide11.xml><?xml version="1.0" encoding="utf-8"?>
 <p:notes xmlns:a="http://schemas.openxmlformats.org/drawingml/2006/main" xmlns:r="http://schemas.openxmlformats.org/officeDocument/2006/relationships" xmlns:p="http://schemas.openxmlformats.org/presentationml/2006/main">
   <p:cSld>
-    <p:bg>
-      <p:bgPr>
-        <a:solidFill>
-          <a:srgbClr val="FFFFFF"/>
-        </a:solidFill>
-        <a:effectLst/>
-      </p:bgPr>
-    </p:bg>
     <p:spTree>
       <p:nvGrpSpPr>
         <p:cNvPr id="1" name=""/>
@@ -1199,7 +1062,7 @@
       </p:grpSpPr>
       <p:sp>
         <p:nvSpPr>
-          <p:cNvPr id="29698" name="Rectangle 27"/>
+          <p:cNvPr id="21506" name="Rectangle 7"/>
           <p:cNvSpPr>
             <a:spLocks noGrp="1" noChangeArrowheads="1"/>
           </p:cNvSpPr>
@@ -1214,7 +1077,7 @@
           <a:bodyPr/>
           <a:lstStyle/>
           <a:p>
-            <a:fld id="{F28F3536-E053-4186-9861-DDF21033CFA3}" type="slidenum">
+            <a:fld id="{1AD4D25A-BB39-4720-AB78-3D7CFF20B890}" type="slidenum">
               <a:rPr lang="en-US" smtClean="0">
                 <a:latin typeface="Arial" pitchFamily="34" charset="0"/>
               </a:rPr>
@@ -1229,103 +1092,8 @@
       </p:sp>
       <p:sp>
         <p:nvSpPr>
-          <p:cNvPr id="29699" name="Text Box 1"/>
-          <p:cNvSpPr txBox="1">
-            <a:spLocks noChangeArrowheads="1"/>
-          </p:cNvSpPr>
-          <p:nvPr/>
-        </p:nvSpPr>
-        <p:spPr bwMode="auto">
-          <a:xfrm>
-            <a:off x="3841750" y="9420225"/>
-            <a:ext cx="2936875" cy="496888"/>
-          </a:xfrm>
-          <a:prstGeom prst="rect">
-            <a:avLst/>
-          </a:prstGeom>
-          <a:noFill/>
-          <a:ln w="9525">
-            <a:noFill/>
-            <a:round/>
-            <a:headEnd/>
-            <a:tailEnd/>
-          </a:ln>
-        </p:spPr>
-        <p:txBody>
-          <a:bodyPr lIns="84294" tIns="43833" rIns="84294" bIns="43833" anchor="b"/>
-          <a:lstStyle/>
-          <a:p>
-            <a:pPr algn="r">
-              <a:tabLst>
-                <a:tab pos="0" algn="l"/>
-                <a:tab pos="427038" algn="l"/>
-                <a:tab pos="855663" algn="l"/>
-                <a:tab pos="1284288" algn="l"/>
-                <a:tab pos="1711325" algn="l"/>
-                <a:tab pos="2139950" algn="l"/>
-                <a:tab pos="2568575" algn="l"/>
-                <a:tab pos="2997200" algn="l"/>
-                <a:tab pos="3424238" algn="l"/>
-                <a:tab pos="3852863" algn="l"/>
-                <a:tab pos="4281488" algn="l"/>
-                <a:tab pos="4710113" algn="l"/>
-                <a:tab pos="5137150" algn="l"/>
-                <a:tab pos="5565775" algn="l"/>
-                <a:tab pos="5994400" algn="l"/>
-                <a:tab pos="6423025" algn="l"/>
-                <a:tab pos="6850063" algn="l"/>
-                <a:tab pos="7278688" algn="l"/>
-                <a:tab pos="7707313" algn="l"/>
-                <a:tab pos="8135938" algn="l"/>
-                <a:tab pos="8562975" algn="l"/>
-              </a:tabLst>
-            </a:pPr>
-            <a:fld id="{F4BCF593-9EFC-4EF7-A974-8E69CA76C4FA}" type="slidenum">
-              <a:rPr lang="ar-SA" sz="1100">
-                <a:solidFill>
-                  <a:srgbClr val="000000"/>
-                </a:solidFill>
-              </a:rPr>
-              <a:pPr algn="r">
-                <a:tabLst>
-                  <a:tab pos="0" algn="l"/>
-                  <a:tab pos="427038" algn="l"/>
-                  <a:tab pos="855663" algn="l"/>
-                  <a:tab pos="1284288" algn="l"/>
-                  <a:tab pos="1711325" algn="l"/>
-                  <a:tab pos="2139950" algn="l"/>
-                  <a:tab pos="2568575" algn="l"/>
-                  <a:tab pos="2997200" algn="l"/>
-                  <a:tab pos="3424238" algn="l"/>
-                  <a:tab pos="3852863" algn="l"/>
-                  <a:tab pos="4281488" algn="l"/>
-                  <a:tab pos="4710113" algn="l"/>
-                  <a:tab pos="5137150" algn="l"/>
-                  <a:tab pos="5565775" algn="l"/>
-                  <a:tab pos="5994400" algn="l"/>
-                  <a:tab pos="6423025" algn="l"/>
-                  <a:tab pos="6850063" algn="l"/>
-                  <a:tab pos="7278688" algn="l"/>
-                  <a:tab pos="7707313" algn="l"/>
-                  <a:tab pos="8135938" algn="l"/>
-                  <a:tab pos="8562975" algn="l"/>
-                </a:tabLst>
-              </a:pPr>
-              <a:t>11</a:t>
-            </a:fld>
-            <a:endParaRPr lang="en-US" sz="1100">
-              <a:solidFill>
-                <a:srgbClr val="000000"/>
-              </a:solidFill>
-              <a:cs typeface="Arial" pitchFamily="34" charset="0"/>
-            </a:endParaRPr>
-          </a:p>
-        </p:txBody>
-      </p:sp>
-      <p:sp>
-        <p:nvSpPr>
-          <p:cNvPr id="29700" name="Rectangle 2"/>
-          <p:cNvSpPr txBox="1">
+          <p:cNvPr id="21507" name="Rectangle 2"/>
+          <p:cNvSpPr>
             <a:spLocks noGrp="1" noRot="1" noChangeAspect="1" noChangeArrowheads="1" noTextEdit="1"/>
           </p:cNvSpPr>
           <p:nvPr>
@@ -1334,19 +1102,16 @@
         </p:nvSpPr>
         <p:spPr>
           <a:xfrm>
-            <a:off x="911225" y="742950"/>
-            <a:ext cx="4959350" cy="3719513"/>
+            <a:off x="912813" y="744538"/>
+            <a:ext cx="4959350" cy="3719512"/>
           </a:xfrm>
-          <a:solidFill>
-            <a:srgbClr val="FFFFFF"/>
-          </a:solidFill>
           <a:ln/>
         </p:spPr>
       </p:sp>
       <p:sp>
         <p:nvSpPr>
-          <p:cNvPr id="29701" name="Rectangle 3"/>
-          <p:cNvSpPr txBox="1">
+          <p:cNvPr id="21508" name="Rectangle 3"/>
+          <p:cNvSpPr>
             <a:spLocks noGrp="1" noChangeArrowheads="1"/>
           </p:cNvSpPr>
           <p:nvPr>
@@ -1354,48 +1119,16 @@
           </p:nvPr>
         </p:nvSpPr>
         <p:spPr>
-          <a:xfrm>
-            <a:off x="677863" y="4710113"/>
-            <a:ext cx="5424487" cy="4464050"/>
-          </a:xfrm>
           <a:noFill/>
           <a:ln/>
         </p:spPr>
         <p:txBody>
-          <a:bodyPr wrap="none" anchor="ctr"/>
+          <a:bodyPr/>
           <a:lstStyle/>
           <a:p>
-            <a:pPr>
-              <a:spcBef>
-                <a:spcPts val="425"/>
-              </a:spcBef>
-              <a:tabLst>
-                <a:tab pos="0" algn="l"/>
-                <a:tab pos="427038" algn="l"/>
-                <a:tab pos="855663" algn="l"/>
-                <a:tab pos="1284288" algn="l"/>
-                <a:tab pos="1711325" algn="l"/>
-                <a:tab pos="2139950" algn="l"/>
-                <a:tab pos="2568575" algn="l"/>
-                <a:tab pos="2997200" algn="l"/>
-                <a:tab pos="3424238" algn="l"/>
-                <a:tab pos="3852863" algn="l"/>
-                <a:tab pos="4281488" algn="l"/>
-                <a:tab pos="4710113" algn="l"/>
-                <a:tab pos="5137150" algn="l"/>
-                <a:tab pos="5565775" algn="l"/>
-                <a:tab pos="5994400" algn="l"/>
-                <a:tab pos="6423025" algn="l"/>
-                <a:tab pos="6850063" algn="l"/>
-                <a:tab pos="7278688" algn="l"/>
-                <a:tab pos="7707313" algn="l"/>
-                <a:tab pos="8135938" algn="l"/>
-                <a:tab pos="8562975" algn="l"/>
-              </a:tabLst>
-            </a:pPr>
-            <a:endParaRPr lang="en-US" smtClean="0">
+            <a:pPr eaLnBrk="1" hangingPunct="1"/>
+            <a:endParaRPr lang="en-GB" smtClean="0">
               <a:latin typeface="Arial" pitchFamily="34" charset="0"/>
-              <a:cs typeface="DejaVu Sans" pitchFamily="34" charset="0"/>
             </a:endParaRPr>
           </a:p>
         </p:txBody>
@@ -1411,14 +1144,6 @@
 <file path=ppt/notesSlides/notesSlide12.xml><?xml version="1.0" encoding="utf-8"?>
 <p:notes xmlns:a="http://schemas.openxmlformats.org/drawingml/2006/main" xmlns:r="http://schemas.openxmlformats.org/officeDocument/2006/relationships" xmlns:p="http://schemas.openxmlformats.org/presentationml/2006/main">
   <p:cSld>
-    <p:bg>
-      <p:bgPr>
-        <a:solidFill>
-          <a:srgbClr val="FFFFFF"/>
-        </a:solidFill>
-        <a:effectLst/>
-      </p:bgPr>
-    </p:bg>
     <p:spTree>
       <p:nvGrpSpPr>
         <p:cNvPr id="1" name=""/>
@@ -1435,7 +1160,7 @@
       </p:grpSpPr>
       <p:sp>
         <p:nvSpPr>
-          <p:cNvPr id="30722" name="Rectangle 27"/>
+          <p:cNvPr id="21506" name="Rectangle 7"/>
           <p:cNvSpPr>
             <a:spLocks noGrp="1" noChangeArrowheads="1"/>
           </p:cNvSpPr>
@@ -1450,7 +1175,7 @@
           <a:bodyPr/>
           <a:lstStyle/>
           <a:p>
-            <a:fld id="{D4FED205-14DF-455C-9DC3-732B43986161}" type="slidenum">
+            <a:fld id="{1AD4D25A-BB39-4720-AB78-3D7CFF20B890}" type="slidenum">
               <a:rPr lang="en-US" smtClean="0">
                 <a:latin typeface="Arial" pitchFamily="34" charset="0"/>
               </a:rPr>
@@ -1465,103 +1190,8 @@
       </p:sp>
       <p:sp>
         <p:nvSpPr>
-          <p:cNvPr id="30723" name="Text Box 1"/>
-          <p:cNvSpPr txBox="1">
-            <a:spLocks noChangeArrowheads="1"/>
-          </p:cNvSpPr>
-          <p:nvPr/>
-        </p:nvSpPr>
-        <p:spPr bwMode="auto">
-          <a:xfrm>
-            <a:off x="3841750" y="9420225"/>
-            <a:ext cx="2936875" cy="496888"/>
-          </a:xfrm>
-          <a:prstGeom prst="rect">
-            <a:avLst/>
-          </a:prstGeom>
-          <a:noFill/>
-          <a:ln w="9525">
-            <a:noFill/>
-            <a:round/>
-            <a:headEnd/>
-            <a:tailEnd/>
-          </a:ln>
-        </p:spPr>
-        <p:txBody>
-          <a:bodyPr lIns="84294" tIns="43833" rIns="84294" bIns="43833" anchor="b"/>
-          <a:lstStyle/>
-          <a:p>
-            <a:pPr algn="r">
-              <a:tabLst>
-                <a:tab pos="0" algn="l"/>
-                <a:tab pos="427038" algn="l"/>
-                <a:tab pos="855663" algn="l"/>
-                <a:tab pos="1284288" algn="l"/>
-                <a:tab pos="1711325" algn="l"/>
-                <a:tab pos="2139950" algn="l"/>
-                <a:tab pos="2568575" algn="l"/>
-                <a:tab pos="2997200" algn="l"/>
-                <a:tab pos="3424238" algn="l"/>
-                <a:tab pos="3852863" algn="l"/>
-                <a:tab pos="4281488" algn="l"/>
-                <a:tab pos="4710113" algn="l"/>
-                <a:tab pos="5137150" algn="l"/>
-                <a:tab pos="5565775" algn="l"/>
-                <a:tab pos="5994400" algn="l"/>
-                <a:tab pos="6423025" algn="l"/>
-                <a:tab pos="6850063" algn="l"/>
-                <a:tab pos="7278688" algn="l"/>
-                <a:tab pos="7707313" algn="l"/>
-                <a:tab pos="8135938" algn="l"/>
-                <a:tab pos="8562975" algn="l"/>
-              </a:tabLst>
-            </a:pPr>
-            <a:fld id="{1A14527E-5048-4346-BDAE-C0FFDB5D477C}" type="slidenum">
-              <a:rPr lang="ar-SA" sz="1100">
-                <a:solidFill>
-                  <a:srgbClr val="000000"/>
-                </a:solidFill>
-              </a:rPr>
-              <a:pPr algn="r">
-                <a:tabLst>
-                  <a:tab pos="0" algn="l"/>
-                  <a:tab pos="427038" algn="l"/>
-                  <a:tab pos="855663" algn="l"/>
-                  <a:tab pos="1284288" algn="l"/>
-                  <a:tab pos="1711325" algn="l"/>
-                  <a:tab pos="2139950" algn="l"/>
-                  <a:tab pos="2568575" algn="l"/>
-                  <a:tab pos="2997200" algn="l"/>
-                  <a:tab pos="3424238" algn="l"/>
-                  <a:tab pos="3852863" algn="l"/>
-                  <a:tab pos="4281488" algn="l"/>
-                  <a:tab pos="4710113" algn="l"/>
-                  <a:tab pos="5137150" algn="l"/>
-                  <a:tab pos="5565775" algn="l"/>
-                  <a:tab pos="5994400" algn="l"/>
-                  <a:tab pos="6423025" algn="l"/>
-                  <a:tab pos="6850063" algn="l"/>
-                  <a:tab pos="7278688" algn="l"/>
-                  <a:tab pos="7707313" algn="l"/>
-                  <a:tab pos="8135938" algn="l"/>
-                  <a:tab pos="8562975" algn="l"/>
-                </a:tabLst>
-              </a:pPr>
-              <a:t>12</a:t>
-            </a:fld>
-            <a:endParaRPr lang="en-US" sz="1100">
-              <a:solidFill>
-                <a:srgbClr val="000000"/>
-              </a:solidFill>
-              <a:cs typeface="Arial" pitchFamily="34" charset="0"/>
-            </a:endParaRPr>
-          </a:p>
-        </p:txBody>
-      </p:sp>
-      <p:sp>
-        <p:nvSpPr>
-          <p:cNvPr id="30724" name="Rectangle 2"/>
-          <p:cNvSpPr txBox="1">
+          <p:cNvPr id="21507" name="Rectangle 2"/>
+          <p:cNvSpPr>
             <a:spLocks noGrp="1" noRot="1" noChangeAspect="1" noChangeArrowheads="1" noTextEdit="1"/>
           </p:cNvSpPr>
           <p:nvPr>
@@ -1570,19 +1200,16 @@
         </p:nvSpPr>
         <p:spPr>
           <a:xfrm>
-            <a:off x="911225" y="742950"/>
-            <a:ext cx="4959350" cy="3719513"/>
+            <a:off x="912813" y="744538"/>
+            <a:ext cx="4959350" cy="3719512"/>
           </a:xfrm>
-          <a:solidFill>
-            <a:srgbClr val="FFFFFF"/>
-          </a:solidFill>
           <a:ln/>
         </p:spPr>
       </p:sp>
       <p:sp>
         <p:nvSpPr>
-          <p:cNvPr id="30725" name="Rectangle 3"/>
-          <p:cNvSpPr txBox="1">
+          <p:cNvPr id="21508" name="Rectangle 3"/>
+          <p:cNvSpPr>
             <a:spLocks noGrp="1" noChangeArrowheads="1"/>
           </p:cNvSpPr>
           <p:nvPr>
@@ -1590,48 +1217,16 @@
           </p:nvPr>
         </p:nvSpPr>
         <p:spPr>
-          <a:xfrm>
-            <a:off x="677863" y="4710113"/>
-            <a:ext cx="5424487" cy="4464050"/>
-          </a:xfrm>
           <a:noFill/>
           <a:ln/>
         </p:spPr>
         <p:txBody>
-          <a:bodyPr wrap="none" anchor="ctr"/>
+          <a:bodyPr/>
           <a:lstStyle/>
           <a:p>
-            <a:pPr>
-              <a:spcBef>
-                <a:spcPts val="425"/>
-              </a:spcBef>
-              <a:tabLst>
-                <a:tab pos="0" algn="l"/>
-                <a:tab pos="427038" algn="l"/>
-                <a:tab pos="855663" algn="l"/>
-                <a:tab pos="1284288" algn="l"/>
-                <a:tab pos="1711325" algn="l"/>
-                <a:tab pos="2139950" algn="l"/>
-                <a:tab pos="2568575" algn="l"/>
-                <a:tab pos="2997200" algn="l"/>
-                <a:tab pos="3424238" algn="l"/>
-                <a:tab pos="3852863" algn="l"/>
-                <a:tab pos="4281488" algn="l"/>
-                <a:tab pos="4710113" algn="l"/>
-                <a:tab pos="5137150" algn="l"/>
-                <a:tab pos="5565775" algn="l"/>
-                <a:tab pos="5994400" algn="l"/>
-                <a:tab pos="6423025" algn="l"/>
-                <a:tab pos="6850063" algn="l"/>
-                <a:tab pos="7278688" algn="l"/>
-                <a:tab pos="7707313" algn="l"/>
-                <a:tab pos="8135938" algn="l"/>
-                <a:tab pos="8562975" algn="l"/>
-              </a:tabLst>
-            </a:pPr>
-            <a:endParaRPr lang="en-US" smtClean="0">
+            <a:pPr eaLnBrk="1" hangingPunct="1"/>
+            <a:endParaRPr lang="en-GB" smtClean="0">
               <a:latin typeface="Arial" pitchFamily="34" charset="0"/>
-              <a:cs typeface="DejaVu Sans" pitchFamily="34" charset="0"/>
             </a:endParaRPr>
           </a:p>
         </p:txBody>
@@ -1647,14 +1242,6 @@
 <file path=ppt/notesSlides/notesSlide13.xml><?xml version="1.0" encoding="utf-8"?>
 <p:notes xmlns:a="http://schemas.openxmlformats.org/drawingml/2006/main" xmlns:r="http://schemas.openxmlformats.org/officeDocument/2006/relationships" xmlns:p="http://schemas.openxmlformats.org/presentationml/2006/main">
   <p:cSld>
-    <p:bg>
-      <p:bgPr>
-        <a:solidFill>
-          <a:srgbClr val="FFFFFF"/>
-        </a:solidFill>
-        <a:effectLst/>
-      </p:bgPr>
-    </p:bg>
     <p:spTree>
       <p:nvGrpSpPr>
         <p:cNvPr id="1" name=""/>
@@ -1671,7 +1258,7 @@
       </p:grpSpPr>
       <p:sp>
         <p:nvSpPr>
-          <p:cNvPr id="31746" name="Rectangle 27"/>
+          <p:cNvPr id="21506" name="Rectangle 7"/>
           <p:cNvSpPr>
             <a:spLocks noGrp="1" noChangeArrowheads="1"/>
           </p:cNvSpPr>
@@ -1686,7 +1273,7 @@
           <a:bodyPr/>
           <a:lstStyle/>
           <a:p>
-            <a:fld id="{F608DE56-1CF6-45F1-822C-78DC0000A099}" type="slidenum">
+            <a:fld id="{1AD4D25A-BB39-4720-AB78-3D7CFF20B890}" type="slidenum">
               <a:rPr lang="en-US" smtClean="0">
                 <a:latin typeface="Arial" pitchFamily="34" charset="0"/>
               </a:rPr>
@@ -1701,103 +1288,8 @@
       </p:sp>
       <p:sp>
         <p:nvSpPr>
-          <p:cNvPr id="31747" name="Text Box 1"/>
-          <p:cNvSpPr txBox="1">
-            <a:spLocks noChangeArrowheads="1"/>
-          </p:cNvSpPr>
-          <p:nvPr/>
-        </p:nvSpPr>
-        <p:spPr bwMode="auto">
-          <a:xfrm>
-            <a:off x="3841750" y="9420225"/>
-            <a:ext cx="2936875" cy="496888"/>
-          </a:xfrm>
-          <a:prstGeom prst="rect">
-            <a:avLst/>
-          </a:prstGeom>
-          <a:noFill/>
-          <a:ln w="9525">
-            <a:noFill/>
-            <a:round/>
-            <a:headEnd/>
-            <a:tailEnd/>
-          </a:ln>
-        </p:spPr>
-        <p:txBody>
-          <a:bodyPr lIns="84294" tIns="43833" rIns="84294" bIns="43833" anchor="b"/>
-          <a:lstStyle/>
-          <a:p>
-            <a:pPr algn="r">
-              <a:tabLst>
-                <a:tab pos="0" algn="l"/>
-                <a:tab pos="427038" algn="l"/>
-                <a:tab pos="855663" algn="l"/>
-                <a:tab pos="1284288" algn="l"/>
-                <a:tab pos="1711325" algn="l"/>
-                <a:tab pos="2139950" algn="l"/>
-                <a:tab pos="2568575" algn="l"/>
-                <a:tab pos="2997200" algn="l"/>
-                <a:tab pos="3424238" algn="l"/>
-                <a:tab pos="3852863" algn="l"/>
-                <a:tab pos="4281488" algn="l"/>
-                <a:tab pos="4710113" algn="l"/>
-                <a:tab pos="5137150" algn="l"/>
-                <a:tab pos="5565775" algn="l"/>
-                <a:tab pos="5994400" algn="l"/>
-                <a:tab pos="6423025" algn="l"/>
-                <a:tab pos="6850063" algn="l"/>
-                <a:tab pos="7278688" algn="l"/>
-                <a:tab pos="7707313" algn="l"/>
-                <a:tab pos="8135938" algn="l"/>
-                <a:tab pos="8562975" algn="l"/>
-              </a:tabLst>
-            </a:pPr>
-            <a:fld id="{76859DAF-29D7-4DD0-BF75-BDD88D63E2C7}" type="slidenum">
-              <a:rPr lang="ar-SA" sz="1100">
-                <a:solidFill>
-                  <a:srgbClr val="000000"/>
-                </a:solidFill>
-              </a:rPr>
-              <a:pPr algn="r">
-                <a:tabLst>
-                  <a:tab pos="0" algn="l"/>
-                  <a:tab pos="427038" algn="l"/>
-                  <a:tab pos="855663" algn="l"/>
-                  <a:tab pos="1284288" algn="l"/>
-                  <a:tab pos="1711325" algn="l"/>
-                  <a:tab pos="2139950" algn="l"/>
-                  <a:tab pos="2568575" algn="l"/>
-                  <a:tab pos="2997200" algn="l"/>
-                  <a:tab pos="3424238" algn="l"/>
-                  <a:tab pos="3852863" algn="l"/>
-                  <a:tab pos="4281488" algn="l"/>
-                  <a:tab pos="4710113" algn="l"/>
-                  <a:tab pos="5137150" algn="l"/>
-                  <a:tab pos="5565775" algn="l"/>
-                  <a:tab pos="5994400" algn="l"/>
-                  <a:tab pos="6423025" algn="l"/>
-                  <a:tab pos="6850063" algn="l"/>
-                  <a:tab pos="7278688" algn="l"/>
-                  <a:tab pos="7707313" algn="l"/>
-                  <a:tab pos="8135938" algn="l"/>
-                  <a:tab pos="8562975" algn="l"/>
-                </a:tabLst>
-              </a:pPr>
-              <a:t>13</a:t>
-            </a:fld>
-            <a:endParaRPr lang="en-US" sz="1100">
-              <a:solidFill>
-                <a:srgbClr val="000000"/>
-              </a:solidFill>
-              <a:cs typeface="Arial" pitchFamily="34" charset="0"/>
-            </a:endParaRPr>
-          </a:p>
-        </p:txBody>
-      </p:sp>
-      <p:sp>
-        <p:nvSpPr>
-          <p:cNvPr id="31748" name="Rectangle 2"/>
-          <p:cNvSpPr txBox="1">
+          <p:cNvPr id="21507" name="Rectangle 2"/>
+          <p:cNvSpPr>
             <a:spLocks noGrp="1" noRot="1" noChangeAspect="1" noChangeArrowheads="1" noTextEdit="1"/>
           </p:cNvSpPr>
           <p:nvPr>
@@ -1806,19 +1298,16 @@
         </p:nvSpPr>
         <p:spPr>
           <a:xfrm>
-            <a:off x="911225" y="742950"/>
-            <a:ext cx="4959350" cy="3719513"/>
+            <a:off x="912813" y="744538"/>
+            <a:ext cx="4959350" cy="3719512"/>
           </a:xfrm>
-          <a:solidFill>
-            <a:srgbClr val="FFFFFF"/>
-          </a:solidFill>
           <a:ln/>
         </p:spPr>
       </p:sp>
       <p:sp>
         <p:nvSpPr>
-          <p:cNvPr id="31749" name="Rectangle 3"/>
-          <p:cNvSpPr txBox="1">
+          <p:cNvPr id="21508" name="Rectangle 3"/>
+          <p:cNvSpPr>
             <a:spLocks noGrp="1" noChangeArrowheads="1"/>
           </p:cNvSpPr>
           <p:nvPr>
@@ -1826,48 +1315,16 @@
           </p:nvPr>
         </p:nvSpPr>
         <p:spPr>
-          <a:xfrm>
-            <a:off x="677863" y="4710113"/>
-            <a:ext cx="5424487" cy="4464050"/>
-          </a:xfrm>
           <a:noFill/>
           <a:ln/>
         </p:spPr>
         <p:txBody>
-          <a:bodyPr wrap="none" anchor="ctr"/>
+          <a:bodyPr/>
           <a:lstStyle/>
           <a:p>
-            <a:pPr>
-              <a:spcBef>
-                <a:spcPts val="425"/>
-              </a:spcBef>
-              <a:tabLst>
-                <a:tab pos="0" algn="l"/>
-                <a:tab pos="427038" algn="l"/>
-                <a:tab pos="855663" algn="l"/>
-                <a:tab pos="1284288" algn="l"/>
-                <a:tab pos="1711325" algn="l"/>
-                <a:tab pos="2139950" algn="l"/>
-                <a:tab pos="2568575" algn="l"/>
-                <a:tab pos="2997200" algn="l"/>
-                <a:tab pos="3424238" algn="l"/>
-                <a:tab pos="3852863" algn="l"/>
-                <a:tab pos="4281488" algn="l"/>
-                <a:tab pos="4710113" algn="l"/>
-                <a:tab pos="5137150" algn="l"/>
-                <a:tab pos="5565775" algn="l"/>
-                <a:tab pos="5994400" algn="l"/>
-                <a:tab pos="6423025" algn="l"/>
-                <a:tab pos="6850063" algn="l"/>
-                <a:tab pos="7278688" algn="l"/>
-                <a:tab pos="7707313" algn="l"/>
-                <a:tab pos="8135938" algn="l"/>
-                <a:tab pos="8562975" algn="l"/>
-              </a:tabLst>
-            </a:pPr>
-            <a:endParaRPr lang="en-US" smtClean="0">
+            <a:pPr eaLnBrk="1" hangingPunct="1"/>
+            <a:endParaRPr lang="en-GB" smtClean="0">
               <a:latin typeface="Arial" pitchFamily="34" charset="0"/>
-              <a:cs typeface="DejaVu Sans" pitchFamily="34" charset="0"/>
             </a:endParaRPr>
           </a:p>
         </p:txBody>
@@ -1883,14 +1340,6 @@
 <file path=ppt/notesSlides/notesSlide14.xml><?xml version="1.0" encoding="utf-8"?>
 <p:notes xmlns:a="http://schemas.openxmlformats.org/drawingml/2006/main" xmlns:r="http://schemas.openxmlformats.org/officeDocument/2006/relationships" xmlns:p="http://schemas.openxmlformats.org/presentationml/2006/main">
   <p:cSld>
-    <p:bg>
-      <p:bgPr>
-        <a:solidFill>
-          <a:srgbClr val="FFFFFF"/>
-        </a:solidFill>
-        <a:effectLst/>
-      </p:bgPr>
-    </p:bg>
     <p:spTree>
       <p:nvGrpSpPr>
         <p:cNvPr id="1" name=""/>
@@ -1907,7 +1356,7 @@
       </p:grpSpPr>
       <p:sp>
         <p:nvSpPr>
-          <p:cNvPr id="32770" name="Rectangle 27"/>
+          <p:cNvPr id="21506" name="Rectangle 7"/>
           <p:cNvSpPr>
             <a:spLocks noGrp="1" noChangeArrowheads="1"/>
           </p:cNvSpPr>
@@ -1922,7 +1371,7 @@
           <a:bodyPr/>
           <a:lstStyle/>
           <a:p>
-            <a:fld id="{11410307-8E05-4C7A-9502-20C48EF3DB40}" type="slidenum">
+            <a:fld id="{1AD4D25A-BB39-4720-AB78-3D7CFF20B890}" type="slidenum">
               <a:rPr lang="en-US" smtClean="0">
                 <a:latin typeface="Arial" pitchFamily="34" charset="0"/>
               </a:rPr>
@@ -1937,103 +1386,8 @@
       </p:sp>
       <p:sp>
         <p:nvSpPr>
-          <p:cNvPr id="32771" name="Text Box 1"/>
-          <p:cNvSpPr txBox="1">
-            <a:spLocks noChangeArrowheads="1"/>
-          </p:cNvSpPr>
-          <p:nvPr/>
-        </p:nvSpPr>
-        <p:spPr bwMode="auto">
-          <a:xfrm>
-            <a:off x="3841750" y="9420225"/>
-            <a:ext cx="2936875" cy="496888"/>
-          </a:xfrm>
-          <a:prstGeom prst="rect">
-            <a:avLst/>
-          </a:prstGeom>
-          <a:noFill/>
-          <a:ln w="9525">
-            <a:noFill/>
-            <a:round/>
-            <a:headEnd/>
-            <a:tailEnd/>
-          </a:ln>
-        </p:spPr>
-        <p:txBody>
-          <a:bodyPr lIns="84294" tIns="43833" rIns="84294" bIns="43833" anchor="b"/>
-          <a:lstStyle/>
-          <a:p>
-            <a:pPr algn="r">
-              <a:tabLst>
-                <a:tab pos="0" algn="l"/>
-                <a:tab pos="427038" algn="l"/>
-                <a:tab pos="855663" algn="l"/>
-                <a:tab pos="1284288" algn="l"/>
-                <a:tab pos="1711325" algn="l"/>
-                <a:tab pos="2139950" algn="l"/>
-                <a:tab pos="2568575" algn="l"/>
-                <a:tab pos="2997200" algn="l"/>
-                <a:tab pos="3424238" algn="l"/>
-                <a:tab pos="3852863" algn="l"/>
-                <a:tab pos="4281488" algn="l"/>
-                <a:tab pos="4710113" algn="l"/>
-                <a:tab pos="5137150" algn="l"/>
-                <a:tab pos="5565775" algn="l"/>
-                <a:tab pos="5994400" algn="l"/>
-                <a:tab pos="6423025" algn="l"/>
-                <a:tab pos="6850063" algn="l"/>
-                <a:tab pos="7278688" algn="l"/>
-                <a:tab pos="7707313" algn="l"/>
-                <a:tab pos="8135938" algn="l"/>
-                <a:tab pos="8562975" algn="l"/>
-              </a:tabLst>
-            </a:pPr>
-            <a:fld id="{A97DAFD4-FB77-4C07-8CCC-599DF9B28B42}" type="slidenum">
-              <a:rPr lang="ar-SA" sz="1100">
-                <a:solidFill>
-                  <a:srgbClr val="000000"/>
-                </a:solidFill>
-              </a:rPr>
-              <a:pPr algn="r">
-                <a:tabLst>
-                  <a:tab pos="0" algn="l"/>
-                  <a:tab pos="427038" algn="l"/>
-                  <a:tab pos="855663" algn="l"/>
-                  <a:tab pos="1284288" algn="l"/>
-                  <a:tab pos="1711325" algn="l"/>
-                  <a:tab pos="2139950" algn="l"/>
-                  <a:tab pos="2568575" algn="l"/>
-                  <a:tab pos="2997200" algn="l"/>
-                  <a:tab pos="3424238" algn="l"/>
-                  <a:tab pos="3852863" algn="l"/>
-                  <a:tab pos="4281488" algn="l"/>
-                  <a:tab pos="4710113" algn="l"/>
-                  <a:tab pos="5137150" algn="l"/>
-                  <a:tab pos="5565775" algn="l"/>
-                  <a:tab pos="5994400" algn="l"/>
-                  <a:tab pos="6423025" algn="l"/>
-                  <a:tab pos="6850063" algn="l"/>
-                  <a:tab pos="7278688" algn="l"/>
-                  <a:tab pos="7707313" algn="l"/>
-                  <a:tab pos="8135938" algn="l"/>
-                  <a:tab pos="8562975" algn="l"/>
-                </a:tabLst>
-              </a:pPr>
-              <a:t>14</a:t>
-            </a:fld>
-            <a:endParaRPr lang="en-US" sz="1100">
-              <a:solidFill>
-                <a:srgbClr val="000000"/>
-              </a:solidFill>
-              <a:cs typeface="Arial" pitchFamily="34" charset="0"/>
-            </a:endParaRPr>
-          </a:p>
-        </p:txBody>
-      </p:sp>
-      <p:sp>
-        <p:nvSpPr>
-          <p:cNvPr id="32772" name="Rectangle 2"/>
-          <p:cNvSpPr txBox="1">
+          <p:cNvPr id="21507" name="Rectangle 2"/>
+          <p:cNvSpPr>
             <a:spLocks noGrp="1" noRot="1" noChangeAspect="1" noChangeArrowheads="1" noTextEdit="1"/>
           </p:cNvSpPr>
           <p:nvPr>
@@ -2042,19 +1396,16 @@
         </p:nvSpPr>
         <p:spPr>
           <a:xfrm>
-            <a:off x="911225" y="742950"/>
-            <a:ext cx="4959350" cy="3719513"/>
+            <a:off x="912813" y="744538"/>
+            <a:ext cx="4959350" cy="3719512"/>
           </a:xfrm>
-          <a:solidFill>
-            <a:srgbClr val="FFFFFF"/>
-          </a:solidFill>
           <a:ln/>
         </p:spPr>
       </p:sp>
       <p:sp>
         <p:nvSpPr>
-          <p:cNvPr id="32773" name="Rectangle 3"/>
-          <p:cNvSpPr txBox="1">
+          <p:cNvPr id="21508" name="Rectangle 3"/>
+          <p:cNvSpPr>
             <a:spLocks noGrp="1" noChangeArrowheads="1"/>
           </p:cNvSpPr>
           <p:nvPr>
@@ -2062,284 +1413,16 @@
           </p:nvPr>
         </p:nvSpPr>
         <p:spPr>
-          <a:xfrm>
-            <a:off x="677863" y="4710113"/>
-            <a:ext cx="5424487" cy="4464050"/>
-          </a:xfrm>
           <a:noFill/>
           <a:ln/>
         </p:spPr>
         <p:txBody>
-          <a:bodyPr wrap="none" anchor="ctr"/>
-          <a:lstStyle/>
-          <a:p>
-            <a:pPr>
-              <a:spcBef>
-                <a:spcPts val="425"/>
-              </a:spcBef>
-              <a:tabLst>
-                <a:tab pos="0" algn="l"/>
-                <a:tab pos="427038" algn="l"/>
-                <a:tab pos="855663" algn="l"/>
-                <a:tab pos="1284288" algn="l"/>
-                <a:tab pos="1711325" algn="l"/>
-                <a:tab pos="2139950" algn="l"/>
-                <a:tab pos="2568575" algn="l"/>
-                <a:tab pos="2997200" algn="l"/>
-                <a:tab pos="3424238" algn="l"/>
-                <a:tab pos="3852863" algn="l"/>
-                <a:tab pos="4281488" algn="l"/>
-                <a:tab pos="4710113" algn="l"/>
-                <a:tab pos="5137150" algn="l"/>
-                <a:tab pos="5565775" algn="l"/>
-                <a:tab pos="5994400" algn="l"/>
-                <a:tab pos="6423025" algn="l"/>
-                <a:tab pos="6850063" algn="l"/>
-                <a:tab pos="7278688" algn="l"/>
-                <a:tab pos="7707313" algn="l"/>
-                <a:tab pos="8135938" algn="l"/>
-                <a:tab pos="8562975" algn="l"/>
-              </a:tabLst>
-            </a:pPr>
-            <a:endParaRPr lang="en-US" smtClean="0">
-              <a:latin typeface="Arial" pitchFamily="34" charset="0"/>
-              <a:cs typeface="DejaVu Sans" pitchFamily="34" charset="0"/>
-            </a:endParaRPr>
-          </a:p>
-        </p:txBody>
-      </p:sp>
-    </p:spTree>
-  </p:cSld>
-  <p:clrMapOvr>
-    <a:masterClrMapping/>
-  </p:clrMapOvr>
-</p:notes>
-</file>
-
-<file path=ppt/notesSlides/notesSlide15.xml><?xml version="1.0" encoding="utf-8"?>
-<p:notes xmlns:a="http://schemas.openxmlformats.org/drawingml/2006/main" xmlns:r="http://schemas.openxmlformats.org/officeDocument/2006/relationships" xmlns:p="http://schemas.openxmlformats.org/presentationml/2006/main">
-  <p:cSld>
-    <p:bg>
-      <p:bgPr>
-        <a:solidFill>
-          <a:srgbClr val="FFFFFF"/>
-        </a:solidFill>
-        <a:effectLst/>
-      </p:bgPr>
-    </p:bg>
-    <p:spTree>
-      <p:nvGrpSpPr>
-        <p:cNvPr id="1" name=""/>
-        <p:cNvGrpSpPr/>
-        <p:nvPr/>
-      </p:nvGrpSpPr>
-      <p:grpSpPr>
-        <a:xfrm>
-          <a:off x="0" y="0"/>
-          <a:ext cx="0" cy="0"/>
-          <a:chOff x="0" y="0"/>
-          <a:chExt cx="0" cy="0"/>
-        </a:xfrm>
-      </p:grpSpPr>
-      <p:sp>
-        <p:nvSpPr>
-          <p:cNvPr id="33794" name="Rectangle 27"/>
-          <p:cNvSpPr>
-            <a:spLocks noGrp="1" noChangeArrowheads="1"/>
-          </p:cNvSpPr>
-          <p:nvPr>
-            <p:ph type="sldNum" sz="quarter" idx="5"/>
-          </p:nvPr>
-        </p:nvSpPr>
-        <p:spPr>
-          <a:noFill/>
-        </p:spPr>
-        <p:txBody>
           <a:bodyPr/>
           <a:lstStyle/>
           <a:p>
-            <a:fld id="{FB087FE0-B45F-4AA8-96EC-099DE1600177}" type="slidenum">
-              <a:rPr lang="en-US" smtClean="0">
-                <a:latin typeface="Arial" pitchFamily="34" charset="0"/>
-              </a:rPr>
-              <a:pPr/>
-              <a:t>15</a:t>
-            </a:fld>
-            <a:endParaRPr lang="en-US" smtClean="0">
+            <a:pPr eaLnBrk="1" hangingPunct="1"/>
+            <a:endParaRPr lang="en-GB" smtClean="0">
               <a:latin typeface="Arial" pitchFamily="34" charset="0"/>
-            </a:endParaRPr>
-          </a:p>
-        </p:txBody>
-      </p:sp>
-      <p:sp>
-        <p:nvSpPr>
-          <p:cNvPr id="33795" name="Text Box 1"/>
-          <p:cNvSpPr txBox="1">
-            <a:spLocks noChangeArrowheads="1"/>
-          </p:cNvSpPr>
-          <p:nvPr/>
-        </p:nvSpPr>
-        <p:spPr bwMode="auto">
-          <a:xfrm>
-            <a:off x="3841750" y="9420225"/>
-            <a:ext cx="2936875" cy="496888"/>
-          </a:xfrm>
-          <a:prstGeom prst="rect">
-            <a:avLst/>
-          </a:prstGeom>
-          <a:noFill/>
-          <a:ln w="9525">
-            <a:noFill/>
-            <a:round/>
-            <a:headEnd/>
-            <a:tailEnd/>
-          </a:ln>
-        </p:spPr>
-        <p:txBody>
-          <a:bodyPr lIns="84294" tIns="43833" rIns="84294" bIns="43833" anchor="b"/>
-          <a:lstStyle/>
-          <a:p>
-            <a:pPr algn="r">
-              <a:tabLst>
-                <a:tab pos="0" algn="l"/>
-                <a:tab pos="427038" algn="l"/>
-                <a:tab pos="855663" algn="l"/>
-                <a:tab pos="1284288" algn="l"/>
-                <a:tab pos="1711325" algn="l"/>
-                <a:tab pos="2139950" algn="l"/>
-                <a:tab pos="2568575" algn="l"/>
-                <a:tab pos="2997200" algn="l"/>
-                <a:tab pos="3424238" algn="l"/>
-                <a:tab pos="3852863" algn="l"/>
-                <a:tab pos="4281488" algn="l"/>
-                <a:tab pos="4710113" algn="l"/>
-                <a:tab pos="5137150" algn="l"/>
-                <a:tab pos="5565775" algn="l"/>
-                <a:tab pos="5994400" algn="l"/>
-                <a:tab pos="6423025" algn="l"/>
-                <a:tab pos="6850063" algn="l"/>
-                <a:tab pos="7278688" algn="l"/>
-                <a:tab pos="7707313" algn="l"/>
-                <a:tab pos="8135938" algn="l"/>
-                <a:tab pos="8562975" algn="l"/>
-              </a:tabLst>
-            </a:pPr>
-            <a:fld id="{5E133A3B-BBE5-45AF-BE03-F447DED1E38B}" type="slidenum">
-              <a:rPr lang="ar-SA" sz="1100">
-                <a:solidFill>
-                  <a:srgbClr val="000000"/>
-                </a:solidFill>
-              </a:rPr>
-              <a:pPr algn="r">
-                <a:tabLst>
-                  <a:tab pos="0" algn="l"/>
-                  <a:tab pos="427038" algn="l"/>
-                  <a:tab pos="855663" algn="l"/>
-                  <a:tab pos="1284288" algn="l"/>
-                  <a:tab pos="1711325" algn="l"/>
-                  <a:tab pos="2139950" algn="l"/>
-                  <a:tab pos="2568575" algn="l"/>
-                  <a:tab pos="2997200" algn="l"/>
-                  <a:tab pos="3424238" algn="l"/>
-                  <a:tab pos="3852863" algn="l"/>
-                  <a:tab pos="4281488" algn="l"/>
-                  <a:tab pos="4710113" algn="l"/>
-                  <a:tab pos="5137150" algn="l"/>
-                  <a:tab pos="5565775" algn="l"/>
-                  <a:tab pos="5994400" algn="l"/>
-                  <a:tab pos="6423025" algn="l"/>
-                  <a:tab pos="6850063" algn="l"/>
-                  <a:tab pos="7278688" algn="l"/>
-                  <a:tab pos="7707313" algn="l"/>
-                  <a:tab pos="8135938" algn="l"/>
-                  <a:tab pos="8562975" algn="l"/>
-                </a:tabLst>
-              </a:pPr>
-              <a:t>15</a:t>
-            </a:fld>
-            <a:endParaRPr lang="en-US" sz="1100">
-              <a:solidFill>
-                <a:srgbClr val="000000"/>
-              </a:solidFill>
-              <a:cs typeface="Arial" pitchFamily="34" charset="0"/>
-            </a:endParaRPr>
-          </a:p>
-        </p:txBody>
-      </p:sp>
-      <p:sp>
-        <p:nvSpPr>
-          <p:cNvPr id="33796" name="Rectangle 2"/>
-          <p:cNvSpPr txBox="1">
-            <a:spLocks noGrp="1" noRot="1" noChangeAspect="1" noChangeArrowheads="1" noTextEdit="1"/>
-          </p:cNvSpPr>
-          <p:nvPr>
-            <p:ph type="sldImg"/>
-          </p:nvPr>
-        </p:nvSpPr>
-        <p:spPr>
-          <a:xfrm>
-            <a:off x="911225" y="742950"/>
-            <a:ext cx="4959350" cy="3719513"/>
-          </a:xfrm>
-          <a:solidFill>
-            <a:srgbClr val="FFFFFF"/>
-          </a:solidFill>
-          <a:ln/>
-        </p:spPr>
-      </p:sp>
-      <p:sp>
-        <p:nvSpPr>
-          <p:cNvPr id="33797" name="Rectangle 3"/>
-          <p:cNvSpPr txBox="1">
-            <a:spLocks noGrp="1" noChangeArrowheads="1"/>
-          </p:cNvSpPr>
-          <p:nvPr>
-            <p:ph type="body" idx="1"/>
-          </p:nvPr>
-        </p:nvSpPr>
-        <p:spPr>
-          <a:xfrm>
-            <a:off x="677863" y="4710113"/>
-            <a:ext cx="5424487" cy="4464050"/>
-          </a:xfrm>
-          <a:noFill/>
-          <a:ln/>
-        </p:spPr>
-        <p:txBody>
-          <a:bodyPr wrap="none" anchor="ctr"/>
-          <a:lstStyle/>
-          <a:p>
-            <a:pPr>
-              <a:spcBef>
-                <a:spcPts val="425"/>
-              </a:spcBef>
-              <a:tabLst>
-                <a:tab pos="0" algn="l"/>
-                <a:tab pos="427038" algn="l"/>
-                <a:tab pos="855663" algn="l"/>
-                <a:tab pos="1284288" algn="l"/>
-                <a:tab pos="1711325" algn="l"/>
-                <a:tab pos="2139950" algn="l"/>
-                <a:tab pos="2568575" algn="l"/>
-                <a:tab pos="2997200" algn="l"/>
-                <a:tab pos="3424238" algn="l"/>
-                <a:tab pos="3852863" algn="l"/>
-                <a:tab pos="4281488" algn="l"/>
-                <a:tab pos="4710113" algn="l"/>
-                <a:tab pos="5137150" algn="l"/>
-                <a:tab pos="5565775" algn="l"/>
-                <a:tab pos="5994400" algn="l"/>
-                <a:tab pos="6423025" algn="l"/>
-                <a:tab pos="6850063" algn="l"/>
-                <a:tab pos="7278688" algn="l"/>
-                <a:tab pos="7707313" algn="l"/>
-                <a:tab pos="8135938" algn="l"/>
-                <a:tab pos="8562975" algn="l"/>
-              </a:tabLst>
-            </a:pPr>
-            <a:endParaRPr lang="en-US" smtClean="0">
-              <a:latin typeface="Arial" pitchFamily="34" charset="0"/>
-              <a:cs typeface="DejaVu Sans" pitchFamily="34" charset="0"/>
             </a:endParaRPr>
           </a:p>
         </p:txBody>
@@ -2403,7 +1486,7 @@
         <p:nvSpPr>
           <p:cNvPr id="20483" name="Rectangle 2"/>
           <p:cNvSpPr>
-            <a:spLocks noRot="1" noChangeArrowheads="1" noTextEdit="1"/>
+            <a:spLocks noGrp="1" noRot="1" noChangeAspect="1" noChangeArrowheads="1" noTextEdit="1"/>
           </p:cNvSpPr>
           <p:nvPr>
             <p:ph type="sldImg"/>
@@ -2501,7 +1584,7 @@
         <p:nvSpPr>
           <p:cNvPr id="21507" name="Rectangle 2"/>
           <p:cNvSpPr>
-            <a:spLocks noRot="1" noChangeArrowheads="1" noTextEdit="1"/>
+            <a:spLocks noGrp="1" noRot="1" noChangeAspect="1" noChangeArrowheads="1" noTextEdit="1"/>
           </p:cNvSpPr>
           <p:nvPr>
             <p:ph type="sldImg"/>
@@ -2551,14 +1634,6 @@
 <file path=ppt/notesSlides/notesSlide4.xml><?xml version="1.0" encoding="utf-8"?>
 <p:notes xmlns:a="http://schemas.openxmlformats.org/drawingml/2006/main" xmlns:r="http://schemas.openxmlformats.org/officeDocument/2006/relationships" xmlns:p="http://schemas.openxmlformats.org/presentationml/2006/main">
   <p:cSld>
-    <p:bg>
-      <p:bgPr>
-        <a:solidFill>
-          <a:srgbClr val="FFFFFF"/>
-        </a:solidFill>
-        <a:effectLst/>
-      </p:bgPr>
-    </p:bg>
     <p:spTree>
       <p:nvGrpSpPr>
         <p:cNvPr id="1" name=""/>
@@ -2575,7 +1650,7 @@
       </p:grpSpPr>
       <p:sp>
         <p:nvSpPr>
-          <p:cNvPr id="22530" name="Rectangle 27"/>
+          <p:cNvPr id="21506" name="Rectangle 7"/>
           <p:cNvSpPr>
             <a:spLocks noGrp="1" noChangeArrowheads="1"/>
           </p:cNvSpPr>
@@ -2590,7 +1665,7 @@
           <a:bodyPr/>
           <a:lstStyle/>
           <a:p>
-            <a:fld id="{1FF2BCA6-99BB-415E-B22F-1A42CDF6F457}" type="slidenum">
+            <a:fld id="{1AD4D25A-BB39-4720-AB78-3D7CFF20B890}" type="slidenum">
               <a:rPr lang="en-US" smtClean="0">
                 <a:latin typeface="Arial" pitchFamily="34" charset="0"/>
               </a:rPr>
@@ -2605,103 +1680,8 @@
       </p:sp>
       <p:sp>
         <p:nvSpPr>
-          <p:cNvPr id="22531" name="Text Box 1"/>
-          <p:cNvSpPr txBox="1">
-            <a:spLocks noChangeArrowheads="1"/>
-          </p:cNvSpPr>
-          <p:nvPr/>
-        </p:nvSpPr>
-        <p:spPr bwMode="auto">
-          <a:xfrm>
-            <a:off x="3841750" y="9420225"/>
-            <a:ext cx="2936875" cy="496888"/>
-          </a:xfrm>
-          <a:prstGeom prst="rect">
-            <a:avLst/>
-          </a:prstGeom>
-          <a:noFill/>
-          <a:ln w="9525">
-            <a:noFill/>
-            <a:round/>
-            <a:headEnd/>
-            <a:tailEnd/>
-          </a:ln>
-        </p:spPr>
-        <p:txBody>
-          <a:bodyPr lIns="84294" tIns="43833" rIns="84294" bIns="43833" anchor="b"/>
-          <a:lstStyle/>
-          <a:p>
-            <a:pPr algn="r">
-              <a:tabLst>
-                <a:tab pos="0" algn="l"/>
-                <a:tab pos="427038" algn="l"/>
-                <a:tab pos="855663" algn="l"/>
-                <a:tab pos="1284288" algn="l"/>
-                <a:tab pos="1711325" algn="l"/>
-                <a:tab pos="2139950" algn="l"/>
-                <a:tab pos="2568575" algn="l"/>
-                <a:tab pos="2997200" algn="l"/>
-                <a:tab pos="3424238" algn="l"/>
-                <a:tab pos="3852863" algn="l"/>
-                <a:tab pos="4281488" algn="l"/>
-                <a:tab pos="4710113" algn="l"/>
-                <a:tab pos="5137150" algn="l"/>
-                <a:tab pos="5565775" algn="l"/>
-                <a:tab pos="5994400" algn="l"/>
-                <a:tab pos="6423025" algn="l"/>
-                <a:tab pos="6850063" algn="l"/>
-                <a:tab pos="7278688" algn="l"/>
-                <a:tab pos="7707313" algn="l"/>
-                <a:tab pos="8135938" algn="l"/>
-                <a:tab pos="8562975" algn="l"/>
-              </a:tabLst>
-            </a:pPr>
-            <a:fld id="{75C29CA3-8BF6-4E68-BFA9-87071988D110}" type="slidenum">
-              <a:rPr lang="ar-SA" sz="1100">
-                <a:solidFill>
-                  <a:srgbClr val="000000"/>
-                </a:solidFill>
-              </a:rPr>
-              <a:pPr algn="r">
-                <a:tabLst>
-                  <a:tab pos="0" algn="l"/>
-                  <a:tab pos="427038" algn="l"/>
-                  <a:tab pos="855663" algn="l"/>
-                  <a:tab pos="1284288" algn="l"/>
-                  <a:tab pos="1711325" algn="l"/>
-                  <a:tab pos="2139950" algn="l"/>
-                  <a:tab pos="2568575" algn="l"/>
-                  <a:tab pos="2997200" algn="l"/>
-                  <a:tab pos="3424238" algn="l"/>
-                  <a:tab pos="3852863" algn="l"/>
-                  <a:tab pos="4281488" algn="l"/>
-                  <a:tab pos="4710113" algn="l"/>
-                  <a:tab pos="5137150" algn="l"/>
-                  <a:tab pos="5565775" algn="l"/>
-                  <a:tab pos="5994400" algn="l"/>
-                  <a:tab pos="6423025" algn="l"/>
-                  <a:tab pos="6850063" algn="l"/>
-                  <a:tab pos="7278688" algn="l"/>
-                  <a:tab pos="7707313" algn="l"/>
-                  <a:tab pos="8135938" algn="l"/>
-                  <a:tab pos="8562975" algn="l"/>
-                </a:tabLst>
-              </a:pPr>
-              <a:t>4</a:t>
-            </a:fld>
-            <a:endParaRPr lang="en-US" sz="1100">
-              <a:solidFill>
-                <a:srgbClr val="000000"/>
-              </a:solidFill>
-              <a:cs typeface="Arial" pitchFamily="34" charset="0"/>
-            </a:endParaRPr>
-          </a:p>
-        </p:txBody>
-      </p:sp>
-      <p:sp>
-        <p:nvSpPr>
-          <p:cNvPr id="22532" name="Rectangle 2"/>
-          <p:cNvSpPr txBox="1">
+          <p:cNvPr id="21507" name="Rectangle 2"/>
+          <p:cNvSpPr>
             <a:spLocks noGrp="1" noRot="1" noChangeAspect="1" noChangeArrowheads="1" noTextEdit="1"/>
           </p:cNvSpPr>
           <p:nvPr>
@@ -2710,19 +1690,16 @@
         </p:nvSpPr>
         <p:spPr>
           <a:xfrm>
-            <a:off x="911225" y="742950"/>
-            <a:ext cx="4959350" cy="3719513"/>
+            <a:off x="912813" y="744538"/>
+            <a:ext cx="4959350" cy="3719512"/>
           </a:xfrm>
-          <a:solidFill>
-            <a:srgbClr val="FFFFFF"/>
-          </a:solidFill>
           <a:ln/>
         </p:spPr>
       </p:sp>
       <p:sp>
         <p:nvSpPr>
-          <p:cNvPr id="22533" name="Rectangle 3"/>
-          <p:cNvSpPr txBox="1">
+          <p:cNvPr id="21508" name="Rectangle 3"/>
+          <p:cNvSpPr>
             <a:spLocks noGrp="1" noChangeArrowheads="1"/>
           </p:cNvSpPr>
           <p:nvPr>
@@ -2730,48 +1707,16 @@
           </p:nvPr>
         </p:nvSpPr>
         <p:spPr>
-          <a:xfrm>
-            <a:off x="677863" y="4710113"/>
-            <a:ext cx="5424487" cy="4464050"/>
-          </a:xfrm>
           <a:noFill/>
           <a:ln/>
         </p:spPr>
         <p:txBody>
-          <a:bodyPr wrap="none" anchor="ctr"/>
+          <a:bodyPr/>
           <a:lstStyle/>
           <a:p>
-            <a:pPr>
-              <a:spcBef>
-                <a:spcPts val="425"/>
-              </a:spcBef>
-              <a:tabLst>
-                <a:tab pos="0" algn="l"/>
-                <a:tab pos="427038" algn="l"/>
-                <a:tab pos="855663" algn="l"/>
-                <a:tab pos="1284288" algn="l"/>
-                <a:tab pos="1711325" algn="l"/>
-                <a:tab pos="2139950" algn="l"/>
-                <a:tab pos="2568575" algn="l"/>
-                <a:tab pos="2997200" algn="l"/>
-                <a:tab pos="3424238" algn="l"/>
-                <a:tab pos="3852863" algn="l"/>
-                <a:tab pos="4281488" algn="l"/>
-                <a:tab pos="4710113" algn="l"/>
-                <a:tab pos="5137150" algn="l"/>
-                <a:tab pos="5565775" algn="l"/>
-                <a:tab pos="5994400" algn="l"/>
-                <a:tab pos="6423025" algn="l"/>
-                <a:tab pos="6850063" algn="l"/>
-                <a:tab pos="7278688" algn="l"/>
-                <a:tab pos="7707313" algn="l"/>
-                <a:tab pos="8135938" algn="l"/>
-                <a:tab pos="8562975" algn="l"/>
-              </a:tabLst>
-            </a:pPr>
-            <a:endParaRPr lang="en-US" smtClean="0">
+            <a:pPr eaLnBrk="1" hangingPunct="1"/>
+            <a:endParaRPr lang="en-GB" smtClean="0">
               <a:latin typeface="Arial" pitchFamily="34" charset="0"/>
-              <a:cs typeface="DejaVu Sans" pitchFamily="34" charset="0"/>
             </a:endParaRPr>
           </a:p>
         </p:txBody>
@@ -2787,14 +1732,6 @@
 <file path=ppt/notesSlides/notesSlide5.xml><?xml version="1.0" encoding="utf-8"?>
 <p:notes xmlns:a="http://schemas.openxmlformats.org/drawingml/2006/main" xmlns:r="http://schemas.openxmlformats.org/officeDocument/2006/relationships" xmlns:p="http://schemas.openxmlformats.org/presentationml/2006/main">
   <p:cSld>
-    <p:bg>
-      <p:bgPr>
-        <a:solidFill>
-          <a:srgbClr val="FFFFFF"/>
-        </a:solidFill>
-        <a:effectLst/>
-      </p:bgPr>
-    </p:bg>
     <p:spTree>
       <p:nvGrpSpPr>
         <p:cNvPr id="1" name=""/>
@@ -2811,7 +1748,7 @@
       </p:grpSpPr>
       <p:sp>
         <p:nvSpPr>
-          <p:cNvPr id="23554" name="Rectangle 27"/>
+          <p:cNvPr id="21506" name="Rectangle 7"/>
           <p:cNvSpPr>
             <a:spLocks noGrp="1" noChangeArrowheads="1"/>
           </p:cNvSpPr>
@@ -2826,7 +1763,7 @@
           <a:bodyPr/>
           <a:lstStyle/>
           <a:p>
-            <a:fld id="{5489CF84-F14A-40A2-AF64-2F9D15F7ED51}" type="slidenum">
+            <a:fld id="{1AD4D25A-BB39-4720-AB78-3D7CFF20B890}" type="slidenum">
               <a:rPr lang="en-US" smtClean="0">
                 <a:latin typeface="Arial" pitchFamily="34" charset="0"/>
               </a:rPr>
@@ -2841,103 +1778,8 @@
       </p:sp>
       <p:sp>
         <p:nvSpPr>
-          <p:cNvPr id="23555" name="Text Box 1"/>
-          <p:cNvSpPr txBox="1">
-            <a:spLocks noChangeArrowheads="1"/>
-          </p:cNvSpPr>
-          <p:nvPr/>
-        </p:nvSpPr>
-        <p:spPr bwMode="auto">
-          <a:xfrm>
-            <a:off x="3841750" y="9420225"/>
-            <a:ext cx="2936875" cy="496888"/>
-          </a:xfrm>
-          <a:prstGeom prst="rect">
-            <a:avLst/>
-          </a:prstGeom>
-          <a:noFill/>
-          <a:ln w="9525">
-            <a:noFill/>
-            <a:round/>
-            <a:headEnd/>
-            <a:tailEnd/>
-          </a:ln>
-        </p:spPr>
-        <p:txBody>
-          <a:bodyPr lIns="84294" tIns="43833" rIns="84294" bIns="43833" anchor="b"/>
-          <a:lstStyle/>
-          <a:p>
-            <a:pPr algn="r">
-              <a:tabLst>
-                <a:tab pos="0" algn="l"/>
-                <a:tab pos="427038" algn="l"/>
-                <a:tab pos="855663" algn="l"/>
-                <a:tab pos="1284288" algn="l"/>
-                <a:tab pos="1711325" algn="l"/>
-                <a:tab pos="2139950" algn="l"/>
-                <a:tab pos="2568575" algn="l"/>
-                <a:tab pos="2997200" algn="l"/>
-                <a:tab pos="3424238" algn="l"/>
-                <a:tab pos="3852863" algn="l"/>
-                <a:tab pos="4281488" algn="l"/>
-                <a:tab pos="4710113" algn="l"/>
-                <a:tab pos="5137150" algn="l"/>
-                <a:tab pos="5565775" algn="l"/>
-                <a:tab pos="5994400" algn="l"/>
-                <a:tab pos="6423025" algn="l"/>
-                <a:tab pos="6850063" algn="l"/>
-                <a:tab pos="7278688" algn="l"/>
-                <a:tab pos="7707313" algn="l"/>
-                <a:tab pos="8135938" algn="l"/>
-                <a:tab pos="8562975" algn="l"/>
-              </a:tabLst>
-            </a:pPr>
-            <a:fld id="{5D802A55-09A6-418C-A60A-7CBC740C0863}" type="slidenum">
-              <a:rPr lang="ar-SA" sz="1100">
-                <a:solidFill>
-                  <a:srgbClr val="000000"/>
-                </a:solidFill>
-              </a:rPr>
-              <a:pPr algn="r">
-                <a:tabLst>
-                  <a:tab pos="0" algn="l"/>
-                  <a:tab pos="427038" algn="l"/>
-                  <a:tab pos="855663" algn="l"/>
-                  <a:tab pos="1284288" algn="l"/>
-                  <a:tab pos="1711325" algn="l"/>
-                  <a:tab pos="2139950" algn="l"/>
-                  <a:tab pos="2568575" algn="l"/>
-                  <a:tab pos="2997200" algn="l"/>
-                  <a:tab pos="3424238" algn="l"/>
-                  <a:tab pos="3852863" algn="l"/>
-                  <a:tab pos="4281488" algn="l"/>
-                  <a:tab pos="4710113" algn="l"/>
-                  <a:tab pos="5137150" algn="l"/>
-                  <a:tab pos="5565775" algn="l"/>
-                  <a:tab pos="5994400" algn="l"/>
-                  <a:tab pos="6423025" algn="l"/>
-                  <a:tab pos="6850063" algn="l"/>
-                  <a:tab pos="7278688" algn="l"/>
-                  <a:tab pos="7707313" algn="l"/>
-                  <a:tab pos="8135938" algn="l"/>
-                  <a:tab pos="8562975" algn="l"/>
-                </a:tabLst>
-              </a:pPr>
-              <a:t>5</a:t>
-            </a:fld>
-            <a:endParaRPr lang="en-US" sz="1100">
-              <a:solidFill>
-                <a:srgbClr val="000000"/>
-              </a:solidFill>
-              <a:cs typeface="Arial" pitchFamily="34" charset="0"/>
-            </a:endParaRPr>
-          </a:p>
-        </p:txBody>
-      </p:sp>
-      <p:sp>
-        <p:nvSpPr>
-          <p:cNvPr id="23556" name="Rectangle 2"/>
-          <p:cNvSpPr txBox="1">
+          <p:cNvPr id="21507" name="Rectangle 2"/>
+          <p:cNvSpPr>
             <a:spLocks noGrp="1" noRot="1" noChangeAspect="1" noChangeArrowheads="1" noTextEdit="1"/>
           </p:cNvSpPr>
           <p:nvPr>
@@ -2946,19 +1788,16 @@
         </p:nvSpPr>
         <p:spPr>
           <a:xfrm>
-            <a:off x="911225" y="742950"/>
-            <a:ext cx="4959350" cy="3719513"/>
+            <a:off x="912813" y="744538"/>
+            <a:ext cx="4959350" cy="3719512"/>
           </a:xfrm>
-          <a:solidFill>
-            <a:srgbClr val="FFFFFF"/>
-          </a:solidFill>
           <a:ln/>
         </p:spPr>
       </p:sp>
       <p:sp>
         <p:nvSpPr>
-          <p:cNvPr id="23557" name="Rectangle 3"/>
-          <p:cNvSpPr txBox="1">
+          <p:cNvPr id="21508" name="Rectangle 3"/>
+          <p:cNvSpPr>
             <a:spLocks noGrp="1" noChangeArrowheads="1"/>
           </p:cNvSpPr>
           <p:nvPr>
@@ -2966,48 +1805,16 @@
           </p:nvPr>
         </p:nvSpPr>
         <p:spPr>
-          <a:xfrm>
-            <a:off x="677863" y="4710113"/>
-            <a:ext cx="5424487" cy="4464050"/>
-          </a:xfrm>
           <a:noFill/>
           <a:ln/>
         </p:spPr>
         <p:txBody>
-          <a:bodyPr wrap="none" anchor="ctr"/>
+          <a:bodyPr/>
           <a:lstStyle/>
           <a:p>
-            <a:pPr>
-              <a:spcBef>
-                <a:spcPts val="425"/>
-              </a:spcBef>
-              <a:tabLst>
-                <a:tab pos="0" algn="l"/>
-                <a:tab pos="427038" algn="l"/>
-                <a:tab pos="855663" algn="l"/>
-                <a:tab pos="1284288" algn="l"/>
-                <a:tab pos="1711325" algn="l"/>
-                <a:tab pos="2139950" algn="l"/>
-                <a:tab pos="2568575" algn="l"/>
-                <a:tab pos="2997200" algn="l"/>
-                <a:tab pos="3424238" algn="l"/>
-                <a:tab pos="3852863" algn="l"/>
-                <a:tab pos="4281488" algn="l"/>
-                <a:tab pos="4710113" algn="l"/>
-                <a:tab pos="5137150" algn="l"/>
-                <a:tab pos="5565775" algn="l"/>
-                <a:tab pos="5994400" algn="l"/>
-                <a:tab pos="6423025" algn="l"/>
-                <a:tab pos="6850063" algn="l"/>
-                <a:tab pos="7278688" algn="l"/>
-                <a:tab pos="7707313" algn="l"/>
-                <a:tab pos="8135938" algn="l"/>
-                <a:tab pos="8562975" algn="l"/>
-              </a:tabLst>
-            </a:pPr>
-            <a:endParaRPr lang="en-US" smtClean="0">
+            <a:pPr eaLnBrk="1" hangingPunct="1"/>
+            <a:endParaRPr lang="en-GB" smtClean="0">
               <a:latin typeface="Arial" pitchFamily="34" charset="0"/>
-              <a:cs typeface="DejaVu Sans" pitchFamily="34" charset="0"/>
             </a:endParaRPr>
           </a:p>
         </p:txBody>
@@ -3023,14 +1830,6 @@
 <file path=ppt/notesSlides/notesSlide6.xml><?xml version="1.0" encoding="utf-8"?>
 <p:notes xmlns:a="http://schemas.openxmlformats.org/drawingml/2006/main" xmlns:r="http://schemas.openxmlformats.org/officeDocument/2006/relationships" xmlns:p="http://schemas.openxmlformats.org/presentationml/2006/main">
   <p:cSld>
-    <p:bg>
-      <p:bgPr>
-        <a:solidFill>
-          <a:srgbClr val="FFFFFF"/>
-        </a:solidFill>
-        <a:effectLst/>
-      </p:bgPr>
-    </p:bg>
     <p:spTree>
       <p:nvGrpSpPr>
         <p:cNvPr id="1" name=""/>
@@ -3047,7 +1846,7 @@
       </p:grpSpPr>
       <p:sp>
         <p:nvSpPr>
-          <p:cNvPr id="24578" name="Rectangle 27"/>
+          <p:cNvPr id="21506" name="Rectangle 7"/>
           <p:cNvSpPr>
             <a:spLocks noGrp="1" noChangeArrowheads="1"/>
           </p:cNvSpPr>
@@ -3062,7 +1861,7 @@
           <a:bodyPr/>
           <a:lstStyle/>
           <a:p>
-            <a:fld id="{E06AB388-CAD1-42AE-B50A-1FB28A16684D}" type="slidenum">
+            <a:fld id="{1AD4D25A-BB39-4720-AB78-3D7CFF20B890}" type="slidenum">
               <a:rPr lang="en-US" smtClean="0">
                 <a:latin typeface="Arial" pitchFamily="34" charset="0"/>
               </a:rPr>
@@ -3077,103 +1876,8 @@
       </p:sp>
       <p:sp>
         <p:nvSpPr>
-          <p:cNvPr id="24579" name="Text Box 1"/>
-          <p:cNvSpPr txBox="1">
-            <a:spLocks noChangeArrowheads="1"/>
-          </p:cNvSpPr>
-          <p:nvPr/>
-        </p:nvSpPr>
-        <p:spPr bwMode="auto">
-          <a:xfrm>
-            <a:off x="3841750" y="9420225"/>
-            <a:ext cx="2936875" cy="496888"/>
-          </a:xfrm>
-          <a:prstGeom prst="rect">
-            <a:avLst/>
-          </a:prstGeom>
-          <a:noFill/>
-          <a:ln w="9525">
-            <a:noFill/>
-            <a:round/>
-            <a:headEnd/>
-            <a:tailEnd/>
-          </a:ln>
-        </p:spPr>
-        <p:txBody>
-          <a:bodyPr lIns="84294" tIns="43833" rIns="84294" bIns="43833" anchor="b"/>
-          <a:lstStyle/>
-          <a:p>
-            <a:pPr algn="r">
-              <a:tabLst>
-                <a:tab pos="0" algn="l"/>
-                <a:tab pos="427038" algn="l"/>
-                <a:tab pos="855663" algn="l"/>
-                <a:tab pos="1284288" algn="l"/>
-                <a:tab pos="1711325" algn="l"/>
-                <a:tab pos="2139950" algn="l"/>
-                <a:tab pos="2568575" algn="l"/>
-                <a:tab pos="2997200" algn="l"/>
-                <a:tab pos="3424238" algn="l"/>
-                <a:tab pos="3852863" algn="l"/>
-                <a:tab pos="4281488" algn="l"/>
-                <a:tab pos="4710113" algn="l"/>
-                <a:tab pos="5137150" algn="l"/>
-                <a:tab pos="5565775" algn="l"/>
-                <a:tab pos="5994400" algn="l"/>
-                <a:tab pos="6423025" algn="l"/>
-                <a:tab pos="6850063" algn="l"/>
-                <a:tab pos="7278688" algn="l"/>
-                <a:tab pos="7707313" algn="l"/>
-                <a:tab pos="8135938" algn="l"/>
-                <a:tab pos="8562975" algn="l"/>
-              </a:tabLst>
-            </a:pPr>
-            <a:fld id="{8DC04F3B-696A-4565-84E8-D1BBB8E43AD3}" type="slidenum">
-              <a:rPr lang="ar-SA" sz="1100">
-                <a:solidFill>
-                  <a:srgbClr val="000000"/>
-                </a:solidFill>
-              </a:rPr>
-              <a:pPr algn="r">
-                <a:tabLst>
-                  <a:tab pos="0" algn="l"/>
-                  <a:tab pos="427038" algn="l"/>
-                  <a:tab pos="855663" algn="l"/>
-                  <a:tab pos="1284288" algn="l"/>
-                  <a:tab pos="1711325" algn="l"/>
-                  <a:tab pos="2139950" algn="l"/>
-                  <a:tab pos="2568575" algn="l"/>
-                  <a:tab pos="2997200" algn="l"/>
-                  <a:tab pos="3424238" algn="l"/>
-                  <a:tab pos="3852863" algn="l"/>
-                  <a:tab pos="4281488" algn="l"/>
-                  <a:tab pos="4710113" algn="l"/>
-                  <a:tab pos="5137150" algn="l"/>
-                  <a:tab pos="5565775" algn="l"/>
-                  <a:tab pos="5994400" algn="l"/>
-                  <a:tab pos="6423025" algn="l"/>
-                  <a:tab pos="6850063" algn="l"/>
-                  <a:tab pos="7278688" algn="l"/>
-                  <a:tab pos="7707313" algn="l"/>
-                  <a:tab pos="8135938" algn="l"/>
-                  <a:tab pos="8562975" algn="l"/>
-                </a:tabLst>
-              </a:pPr>
-              <a:t>6</a:t>
-            </a:fld>
-            <a:endParaRPr lang="en-US" sz="1100">
-              <a:solidFill>
-                <a:srgbClr val="000000"/>
-              </a:solidFill>
-              <a:cs typeface="Arial" pitchFamily="34" charset="0"/>
-            </a:endParaRPr>
-          </a:p>
-        </p:txBody>
-      </p:sp>
-      <p:sp>
-        <p:nvSpPr>
-          <p:cNvPr id="24580" name="Rectangle 2"/>
-          <p:cNvSpPr txBox="1">
+          <p:cNvPr id="21507" name="Rectangle 2"/>
+          <p:cNvSpPr>
             <a:spLocks noGrp="1" noRot="1" noChangeAspect="1" noChangeArrowheads="1" noTextEdit="1"/>
           </p:cNvSpPr>
           <p:nvPr>
@@ -3182,19 +1886,16 @@
         </p:nvSpPr>
         <p:spPr>
           <a:xfrm>
-            <a:off x="911225" y="742950"/>
-            <a:ext cx="4959350" cy="3719513"/>
+            <a:off x="912813" y="744538"/>
+            <a:ext cx="4959350" cy="3719512"/>
           </a:xfrm>
-          <a:solidFill>
-            <a:srgbClr val="FFFFFF"/>
-          </a:solidFill>
           <a:ln/>
         </p:spPr>
       </p:sp>
       <p:sp>
         <p:nvSpPr>
-          <p:cNvPr id="24581" name="Rectangle 3"/>
-          <p:cNvSpPr txBox="1">
+          <p:cNvPr id="21508" name="Rectangle 3"/>
+          <p:cNvSpPr>
             <a:spLocks noGrp="1" noChangeArrowheads="1"/>
           </p:cNvSpPr>
           <p:nvPr>
@@ -3202,48 +1903,16 @@
           </p:nvPr>
         </p:nvSpPr>
         <p:spPr>
-          <a:xfrm>
-            <a:off x="677863" y="4710113"/>
-            <a:ext cx="5424487" cy="4464050"/>
-          </a:xfrm>
           <a:noFill/>
           <a:ln/>
         </p:spPr>
         <p:txBody>
-          <a:bodyPr wrap="none" anchor="ctr"/>
+          <a:bodyPr/>
           <a:lstStyle/>
           <a:p>
-            <a:pPr>
-              <a:spcBef>
-                <a:spcPts val="425"/>
-              </a:spcBef>
-              <a:tabLst>
-                <a:tab pos="0" algn="l"/>
-                <a:tab pos="427038" algn="l"/>
-                <a:tab pos="855663" algn="l"/>
-                <a:tab pos="1284288" algn="l"/>
-                <a:tab pos="1711325" algn="l"/>
-                <a:tab pos="2139950" algn="l"/>
-                <a:tab pos="2568575" algn="l"/>
-                <a:tab pos="2997200" algn="l"/>
-                <a:tab pos="3424238" algn="l"/>
-                <a:tab pos="3852863" algn="l"/>
-                <a:tab pos="4281488" algn="l"/>
-                <a:tab pos="4710113" algn="l"/>
-                <a:tab pos="5137150" algn="l"/>
-                <a:tab pos="5565775" algn="l"/>
-                <a:tab pos="5994400" algn="l"/>
-                <a:tab pos="6423025" algn="l"/>
-                <a:tab pos="6850063" algn="l"/>
-                <a:tab pos="7278688" algn="l"/>
-                <a:tab pos="7707313" algn="l"/>
-                <a:tab pos="8135938" algn="l"/>
-                <a:tab pos="8562975" algn="l"/>
-              </a:tabLst>
-            </a:pPr>
-            <a:endParaRPr lang="en-US" smtClean="0">
+            <a:pPr eaLnBrk="1" hangingPunct="1"/>
+            <a:endParaRPr lang="en-GB" smtClean="0">
               <a:latin typeface="Arial" pitchFamily="34" charset="0"/>
-              <a:cs typeface="DejaVu Sans" pitchFamily="34" charset="0"/>
             </a:endParaRPr>
           </a:p>
         </p:txBody>
@@ -3259,14 +1928,6 @@
 <file path=ppt/notesSlides/notesSlide7.xml><?xml version="1.0" encoding="utf-8"?>
 <p:notes xmlns:a="http://schemas.openxmlformats.org/drawingml/2006/main" xmlns:r="http://schemas.openxmlformats.org/officeDocument/2006/relationships" xmlns:p="http://schemas.openxmlformats.org/presentationml/2006/main">
   <p:cSld>
-    <p:bg>
-      <p:bgPr>
-        <a:solidFill>
-          <a:srgbClr val="FFFFFF"/>
-        </a:solidFill>
-        <a:effectLst/>
-      </p:bgPr>
-    </p:bg>
     <p:spTree>
       <p:nvGrpSpPr>
         <p:cNvPr id="1" name=""/>
@@ -3283,7 +1944,7 @@
       </p:grpSpPr>
       <p:sp>
         <p:nvSpPr>
-          <p:cNvPr id="25602" name="Rectangle 27"/>
+          <p:cNvPr id="21506" name="Rectangle 7"/>
           <p:cNvSpPr>
             <a:spLocks noGrp="1" noChangeArrowheads="1"/>
           </p:cNvSpPr>
@@ -3298,7 +1959,7 @@
           <a:bodyPr/>
           <a:lstStyle/>
           <a:p>
-            <a:fld id="{35FE1870-BA5D-4E38-92D3-2CF07ED0E8D4}" type="slidenum">
+            <a:fld id="{1AD4D25A-BB39-4720-AB78-3D7CFF20B890}" type="slidenum">
               <a:rPr lang="en-US" smtClean="0">
                 <a:latin typeface="Arial" pitchFamily="34" charset="0"/>
               </a:rPr>
@@ -3313,103 +1974,8 @@
       </p:sp>
       <p:sp>
         <p:nvSpPr>
-          <p:cNvPr id="25603" name="Text Box 1"/>
-          <p:cNvSpPr txBox="1">
-            <a:spLocks noChangeArrowheads="1"/>
-          </p:cNvSpPr>
-          <p:nvPr/>
-        </p:nvSpPr>
-        <p:spPr bwMode="auto">
-          <a:xfrm>
-            <a:off x="3841750" y="9420225"/>
-            <a:ext cx="2936875" cy="496888"/>
-          </a:xfrm>
-          <a:prstGeom prst="rect">
-            <a:avLst/>
-          </a:prstGeom>
-          <a:noFill/>
-          <a:ln w="9525">
-            <a:noFill/>
-            <a:round/>
-            <a:headEnd/>
-            <a:tailEnd/>
-          </a:ln>
-        </p:spPr>
-        <p:txBody>
-          <a:bodyPr lIns="84294" tIns="43833" rIns="84294" bIns="43833" anchor="b"/>
-          <a:lstStyle/>
-          <a:p>
-            <a:pPr algn="r">
-              <a:tabLst>
-                <a:tab pos="0" algn="l"/>
-                <a:tab pos="427038" algn="l"/>
-                <a:tab pos="855663" algn="l"/>
-                <a:tab pos="1284288" algn="l"/>
-                <a:tab pos="1711325" algn="l"/>
-                <a:tab pos="2139950" algn="l"/>
-                <a:tab pos="2568575" algn="l"/>
-                <a:tab pos="2997200" algn="l"/>
-                <a:tab pos="3424238" algn="l"/>
-                <a:tab pos="3852863" algn="l"/>
-                <a:tab pos="4281488" algn="l"/>
-                <a:tab pos="4710113" algn="l"/>
-                <a:tab pos="5137150" algn="l"/>
-                <a:tab pos="5565775" algn="l"/>
-                <a:tab pos="5994400" algn="l"/>
-                <a:tab pos="6423025" algn="l"/>
-                <a:tab pos="6850063" algn="l"/>
-                <a:tab pos="7278688" algn="l"/>
-                <a:tab pos="7707313" algn="l"/>
-                <a:tab pos="8135938" algn="l"/>
-                <a:tab pos="8562975" algn="l"/>
-              </a:tabLst>
-            </a:pPr>
-            <a:fld id="{5DA3BAE1-F68A-49B4-9936-8DAA250AC75A}" type="slidenum">
-              <a:rPr lang="ar-SA" sz="1100">
-                <a:solidFill>
-                  <a:srgbClr val="000000"/>
-                </a:solidFill>
-              </a:rPr>
-              <a:pPr algn="r">
-                <a:tabLst>
-                  <a:tab pos="0" algn="l"/>
-                  <a:tab pos="427038" algn="l"/>
-                  <a:tab pos="855663" algn="l"/>
-                  <a:tab pos="1284288" algn="l"/>
-                  <a:tab pos="1711325" algn="l"/>
-                  <a:tab pos="2139950" algn="l"/>
-                  <a:tab pos="2568575" algn="l"/>
-                  <a:tab pos="2997200" algn="l"/>
-                  <a:tab pos="3424238" algn="l"/>
-                  <a:tab pos="3852863" algn="l"/>
-                  <a:tab pos="4281488" algn="l"/>
-                  <a:tab pos="4710113" algn="l"/>
-                  <a:tab pos="5137150" algn="l"/>
-                  <a:tab pos="5565775" algn="l"/>
-                  <a:tab pos="5994400" algn="l"/>
-                  <a:tab pos="6423025" algn="l"/>
-                  <a:tab pos="6850063" algn="l"/>
-                  <a:tab pos="7278688" algn="l"/>
-                  <a:tab pos="7707313" algn="l"/>
-                  <a:tab pos="8135938" algn="l"/>
-                  <a:tab pos="8562975" algn="l"/>
-                </a:tabLst>
-              </a:pPr>
-              <a:t>7</a:t>
-            </a:fld>
-            <a:endParaRPr lang="en-US" sz="1100">
-              <a:solidFill>
-                <a:srgbClr val="000000"/>
-              </a:solidFill>
-              <a:cs typeface="Arial" pitchFamily="34" charset="0"/>
-            </a:endParaRPr>
-          </a:p>
-        </p:txBody>
-      </p:sp>
-      <p:sp>
-        <p:nvSpPr>
-          <p:cNvPr id="25604" name="Rectangle 2"/>
-          <p:cNvSpPr txBox="1">
+          <p:cNvPr id="21507" name="Rectangle 2"/>
+          <p:cNvSpPr>
             <a:spLocks noGrp="1" noRot="1" noChangeAspect="1" noChangeArrowheads="1" noTextEdit="1"/>
           </p:cNvSpPr>
           <p:nvPr>
@@ -3418,19 +1984,16 @@
         </p:nvSpPr>
         <p:spPr>
           <a:xfrm>
-            <a:off x="911225" y="742950"/>
-            <a:ext cx="4959350" cy="3719513"/>
+            <a:off x="912813" y="744538"/>
+            <a:ext cx="4959350" cy="3719512"/>
           </a:xfrm>
-          <a:solidFill>
-            <a:srgbClr val="FFFFFF"/>
-          </a:solidFill>
           <a:ln/>
         </p:spPr>
       </p:sp>
       <p:sp>
         <p:nvSpPr>
-          <p:cNvPr id="25605" name="Rectangle 3"/>
-          <p:cNvSpPr txBox="1">
+          <p:cNvPr id="21508" name="Rectangle 3"/>
+          <p:cNvSpPr>
             <a:spLocks noGrp="1" noChangeArrowheads="1"/>
           </p:cNvSpPr>
           <p:nvPr>
@@ -3438,48 +2001,16 @@
           </p:nvPr>
         </p:nvSpPr>
         <p:spPr>
-          <a:xfrm>
-            <a:off x="677863" y="4710113"/>
-            <a:ext cx="5424487" cy="4464050"/>
-          </a:xfrm>
           <a:noFill/>
           <a:ln/>
         </p:spPr>
         <p:txBody>
-          <a:bodyPr wrap="none" anchor="ctr"/>
+          <a:bodyPr/>
           <a:lstStyle/>
           <a:p>
-            <a:pPr>
-              <a:spcBef>
-                <a:spcPts val="425"/>
-              </a:spcBef>
-              <a:tabLst>
-                <a:tab pos="0" algn="l"/>
-                <a:tab pos="427038" algn="l"/>
-                <a:tab pos="855663" algn="l"/>
-                <a:tab pos="1284288" algn="l"/>
-                <a:tab pos="1711325" algn="l"/>
-                <a:tab pos="2139950" algn="l"/>
-                <a:tab pos="2568575" algn="l"/>
-                <a:tab pos="2997200" algn="l"/>
-                <a:tab pos="3424238" algn="l"/>
-                <a:tab pos="3852863" algn="l"/>
-                <a:tab pos="4281488" algn="l"/>
-                <a:tab pos="4710113" algn="l"/>
-                <a:tab pos="5137150" algn="l"/>
-                <a:tab pos="5565775" algn="l"/>
-                <a:tab pos="5994400" algn="l"/>
-                <a:tab pos="6423025" algn="l"/>
-                <a:tab pos="6850063" algn="l"/>
-                <a:tab pos="7278688" algn="l"/>
-                <a:tab pos="7707313" algn="l"/>
-                <a:tab pos="8135938" algn="l"/>
-                <a:tab pos="8562975" algn="l"/>
-              </a:tabLst>
-            </a:pPr>
-            <a:endParaRPr lang="en-US" smtClean="0">
+            <a:pPr eaLnBrk="1" hangingPunct="1"/>
+            <a:endParaRPr lang="en-GB" smtClean="0">
               <a:latin typeface="Arial" pitchFamily="34" charset="0"/>
-              <a:cs typeface="DejaVu Sans" pitchFamily="34" charset="0"/>
             </a:endParaRPr>
           </a:p>
         </p:txBody>
@@ -3495,14 +2026,6 @@
 <file path=ppt/notesSlides/notesSlide8.xml><?xml version="1.0" encoding="utf-8"?>
 <p:notes xmlns:a="http://schemas.openxmlformats.org/drawingml/2006/main" xmlns:r="http://schemas.openxmlformats.org/officeDocument/2006/relationships" xmlns:p="http://schemas.openxmlformats.org/presentationml/2006/main">
   <p:cSld>
-    <p:bg>
-      <p:bgPr>
-        <a:solidFill>
-          <a:srgbClr val="FFFFFF"/>
-        </a:solidFill>
-        <a:effectLst/>
-      </p:bgPr>
-    </p:bg>
     <p:spTree>
       <p:nvGrpSpPr>
         <p:cNvPr id="1" name=""/>
@@ -3519,7 +2042,7 @@
       </p:grpSpPr>
       <p:sp>
         <p:nvSpPr>
-          <p:cNvPr id="26626" name="Rectangle 27"/>
+          <p:cNvPr id="21506" name="Rectangle 7"/>
           <p:cNvSpPr>
             <a:spLocks noGrp="1" noChangeArrowheads="1"/>
           </p:cNvSpPr>
@@ -3534,7 +2057,7 @@
           <a:bodyPr/>
           <a:lstStyle/>
           <a:p>
-            <a:fld id="{C28EEB95-116F-48BC-A93D-4601C18F6EF4}" type="slidenum">
+            <a:fld id="{1AD4D25A-BB39-4720-AB78-3D7CFF20B890}" type="slidenum">
               <a:rPr lang="en-US" smtClean="0">
                 <a:latin typeface="Arial" pitchFamily="34" charset="0"/>
               </a:rPr>
@@ -3549,103 +2072,8 @@
       </p:sp>
       <p:sp>
         <p:nvSpPr>
-          <p:cNvPr id="26627" name="Text Box 1"/>
-          <p:cNvSpPr txBox="1">
-            <a:spLocks noChangeArrowheads="1"/>
-          </p:cNvSpPr>
-          <p:nvPr/>
-        </p:nvSpPr>
-        <p:spPr bwMode="auto">
-          <a:xfrm>
-            <a:off x="3841750" y="9420225"/>
-            <a:ext cx="2936875" cy="496888"/>
-          </a:xfrm>
-          <a:prstGeom prst="rect">
-            <a:avLst/>
-          </a:prstGeom>
-          <a:noFill/>
-          <a:ln w="9525">
-            <a:noFill/>
-            <a:round/>
-            <a:headEnd/>
-            <a:tailEnd/>
-          </a:ln>
-        </p:spPr>
-        <p:txBody>
-          <a:bodyPr lIns="84294" tIns="43833" rIns="84294" bIns="43833" anchor="b"/>
-          <a:lstStyle/>
-          <a:p>
-            <a:pPr algn="r">
-              <a:tabLst>
-                <a:tab pos="0" algn="l"/>
-                <a:tab pos="427038" algn="l"/>
-                <a:tab pos="855663" algn="l"/>
-                <a:tab pos="1284288" algn="l"/>
-                <a:tab pos="1711325" algn="l"/>
-                <a:tab pos="2139950" algn="l"/>
-                <a:tab pos="2568575" algn="l"/>
-                <a:tab pos="2997200" algn="l"/>
-                <a:tab pos="3424238" algn="l"/>
-                <a:tab pos="3852863" algn="l"/>
-                <a:tab pos="4281488" algn="l"/>
-                <a:tab pos="4710113" algn="l"/>
-                <a:tab pos="5137150" algn="l"/>
-                <a:tab pos="5565775" algn="l"/>
-                <a:tab pos="5994400" algn="l"/>
-                <a:tab pos="6423025" algn="l"/>
-                <a:tab pos="6850063" algn="l"/>
-                <a:tab pos="7278688" algn="l"/>
-                <a:tab pos="7707313" algn="l"/>
-                <a:tab pos="8135938" algn="l"/>
-                <a:tab pos="8562975" algn="l"/>
-              </a:tabLst>
-            </a:pPr>
-            <a:fld id="{27E16736-61FC-4534-9846-39DE88120E5C}" type="slidenum">
-              <a:rPr lang="ar-SA" sz="1100">
-                <a:solidFill>
-                  <a:srgbClr val="000000"/>
-                </a:solidFill>
-              </a:rPr>
-              <a:pPr algn="r">
-                <a:tabLst>
-                  <a:tab pos="0" algn="l"/>
-                  <a:tab pos="427038" algn="l"/>
-                  <a:tab pos="855663" algn="l"/>
-                  <a:tab pos="1284288" algn="l"/>
-                  <a:tab pos="1711325" algn="l"/>
-                  <a:tab pos="2139950" algn="l"/>
-                  <a:tab pos="2568575" algn="l"/>
-                  <a:tab pos="2997200" algn="l"/>
-                  <a:tab pos="3424238" algn="l"/>
-                  <a:tab pos="3852863" algn="l"/>
-                  <a:tab pos="4281488" algn="l"/>
-                  <a:tab pos="4710113" algn="l"/>
-                  <a:tab pos="5137150" algn="l"/>
-                  <a:tab pos="5565775" algn="l"/>
-                  <a:tab pos="5994400" algn="l"/>
-                  <a:tab pos="6423025" algn="l"/>
-                  <a:tab pos="6850063" algn="l"/>
-                  <a:tab pos="7278688" algn="l"/>
-                  <a:tab pos="7707313" algn="l"/>
-                  <a:tab pos="8135938" algn="l"/>
-                  <a:tab pos="8562975" algn="l"/>
-                </a:tabLst>
-              </a:pPr>
-              <a:t>8</a:t>
-            </a:fld>
-            <a:endParaRPr lang="en-US" sz="1100">
-              <a:solidFill>
-                <a:srgbClr val="000000"/>
-              </a:solidFill>
-              <a:cs typeface="Arial" pitchFamily="34" charset="0"/>
-            </a:endParaRPr>
-          </a:p>
-        </p:txBody>
-      </p:sp>
-      <p:sp>
-        <p:nvSpPr>
-          <p:cNvPr id="26628" name="Rectangle 2"/>
-          <p:cNvSpPr txBox="1">
+          <p:cNvPr id="21507" name="Rectangle 2"/>
+          <p:cNvSpPr>
             <a:spLocks noGrp="1" noRot="1" noChangeAspect="1" noChangeArrowheads="1" noTextEdit="1"/>
           </p:cNvSpPr>
           <p:nvPr>
@@ -3654,19 +2082,16 @@
         </p:nvSpPr>
         <p:spPr>
           <a:xfrm>
-            <a:off x="911225" y="742950"/>
-            <a:ext cx="4959350" cy="3719513"/>
+            <a:off x="912813" y="744538"/>
+            <a:ext cx="4959350" cy="3719512"/>
           </a:xfrm>
-          <a:solidFill>
-            <a:srgbClr val="FFFFFF"/>
-          </a:solidFill>
           <a:ln/>
         </p:spPr>
       </p:sp>
       <p:sp>
         <p:nvSpPr>
-          <p:cNvPr id="26629" name="Rectangle 3"/>
-          <p:cNvSpPr txBox="1">
+          <p:cNvPr id="21508" name="Rectangle 3"/>
+          <p:cNvSpPr>
             <a:spLocks noGrp="1" noChangeArrowheads="1"/>
           </p:cNvSpPr>
           <p:nvPr>
@@ -3674,48 +2099,16 @@
           </p:nvPr>
         </p:nvSpPr>
         <p:spPr>
-          <a:xfrm>
-            <a:off x="677863" y="4710113"/>
-            <a:ext cx="5424487" cy="4464050"/>
-          </a:xfrm>
           <a:noFill/>
           <a:ln/>
         </p:spPr>
         <p:txBody>
-          <a:bodyPr wrap="none" anchor="ctr"/>
+          <a:bodyPr/>
           <a:lstStyle/>
           <a:p>
-            <a:pPr>
-              <a:spcBef>
-                <a:spcPts val="425"/>
-              </a:spcBef>
-              <a:tabLst>
-                <a:tab pos="0" algn="l"/>
-                <a:tab pos="427038" algn="l"/>
-                <a:tab pos="855663" algn="l"/>
-                <a:tab pos="1284288" algn="l"/>
-                <a:tab pos="1711325" algn="l"/>
-                <a:tab pos="2139950" algn="l"/>
-                <a:tab pos="2568575" algn="l"/>
-                <a:tab pos="2997200" algn="l"/>
-                <a:tab pos="3424238" algn="l"/>
-                <a:tab pos="3852863" algn="l"/>
-                <a:tab pos="4281488" algn="l"/>
-                <a:tab pos="4710113" algn="l"/>
-                <a:tab pos="5137150" algn="l"/>
-                <a:tab pos="5565775" algn="l"/>
-                <a:tab pos="5994400" algn="l"/>
-                <a:tab pos="6423025" algn="l"/>
-                <a:tab pos="6850063" algn="l"/>
-                <a:tab pos="7278688" algn="l"/>
-                <a:tab pos="7707313" algn="l"/>
-                <a:tab pos="8135938" algn="l"/>
-                <a:tab pos="8562975" algn="l"/>
-              </a:tabLst>
-            </a:pPr>
-            <a:endParaRPr lang="en-US" smtClean="0">
+            <a:pPr eaLnBrk="1" hangingPunct="1"/>
+            <a:endParaRPr lang="en-GB" smtClean="0">
               <a:latin typeface="Arial" pitchFamily="34" charset="0"/>
-              <a:cs typeface="DejaVu Sans" pitchFamily="34" charset="0"/>
             </a:endParaRPr>
           </a:p>
         </p:txBody>
@@ -3731,14 +2124,6 @@
 <file path=ppt/notesSlides/notesSlide9.xml><?xml version="1.0" encoding="utf-8"?>
 <p:notes xmlns:a="http://schemas.openxmlformats.org/drawingml/2006/main" xmlns:r="http://schemas.openxmlformats.org/officeDocument/2006/relationships" xmlns:p="http://schemas.openxmlformats.org/presentationml/2006/main">
   <p:cSld>
-    <p:bg>
-      <p:bgPr>
-        <a:solidFill>
-          <a:srgbClr val="FFFFFF"/>
-        </a:solidFill>
-        <a:effectLst/>
-      </p:bgPr>
-    </p:bg>
     <p:spTree>
       <p:nvGrpSpPr>
         <p:cNvPr id="1" name=""/>
@@ -3755,7 +2140,7 @@
       </p:grpSpPr>
       <p:sp>
         <p:nvSpPr>
-          <p:cNvPr id="27650" name="Rectangle 27"/>
+          <p:cNvPr id="21506" name="Rectangle 7"/>
           <p:cNvSpPr>
             <a:spLocks noGrp="1" noChangeArrowheads="1"/>
           </p:cNvSpPr>
@@ -3770,7 +2155,7 @@
           <a:bodyPr/>
           <a:lstStyle/>
           <a:p>
-            <a:fld id="{547D8A23-37FF-45A9-AD81-C0FE660BFE50}" type="slidenum">
+            <a:fld id="{1AD4D25A-BB39-4720-AB78-3D7CFF20B890}" type="slidenum">
               <a:rPr lang="en-US" smtClean="0">
                 <a:latin typeface="Arial" pitchFamily="34" charset="0"/>
               </a:rPr>
@@ -3785,103 +2170,8 @@
       </p:sp>
       <p:sp>
         <p:nvSpPr>
-          <p:cNvPr id="27651" name="Text Box 1"/>
-          <p:cNvSpPr txBox="1">
-            <a:spLocks noChangeArrowheads="1"/>
-          </p:cNvSpPr>
-          <p:nvPr/>
-        </p:nvSpPr>
-        <p:spPr bwMode="auto">
-          <a:xfrm>
-            <a:off x="3841750" y="9420225"/>
-            <a:ext cx="2936875" cy="496888"/>
-          </a:xfrm>
-          <a:prstGeom prst="rect">
-            <a:avLst/>
-          </a:prstGeom>
-          <a:noFill/>
-          <a:ln w="9525">
-            <a:noFill/>
-            <a:round/>
-            <a:headEnd/>
-            <a:tailEnd/>
-          </a:ln>
-        </p:spPr>
-        <p:txBody>
-          <a:bodyPr lIns="84294" tIns="43833" rIns="84294" bIns="43833" anchor="b"/>
-          <a:lstStyle/>
-          <a:p>
-            <a:pPr algn="r">
-              <a:tabLst>
-                <a:tab pos="0" algn="l"/>
-                <a:tab pos="427038" algn="l"/>
-                <a:tab pos="855663" algn="l"/>
-                <a:tab pos="1284288" algn="l"/>
-                <a:tab pos="1711325" algn="l"/>
-                <a:tab pos="2139950" algn="l"/>
-                <a:tab pos="2568575" algn="l"/>
-                <a:tab pos="2997200" algn="l"/>
-                <a:tab pos="3424238" algn="l"/>
-                <a:tab pos="3852863" algn="l"/>
-                <a:tab pos="4281488" algn="l"/>
-                <a:tab pos="4710113" algn="l"/>
-                <a:tab pos="5137150" algn="l"/>
-                <a:tab pos="5565775" algn="l"/>
-                <a:tab pos="5994400" algn="l"/>
-                <a:tab pos="6423025" algn="l"/>
-                <a:tab pos="6850063" algn="l"/>
-                <a:tab pos="7278688" algn="l"/>
-                <a:tab pos="7707313" algn="l"/>
-                <a:tab pos="8135938" algn="l"/>
-                <a:tab pos="8562975" algn="l"/>
-              </a:tabLst>
-            </a:pPr>
-            <a:fld id="{79336566-0B35-427B-9046-1684FA7476A7}" type="slidenum">
-              <a:rPr lang="ar-SA" sz="1100">
-                <a:solidFill>
-                  <a:srgbClr val="000000"/>
-                </a:solidFill>
-              </a:rPr>
-              <a:pPr algn="r">
-                <a:tabLst>
-                  <a:tab pos="0" algn="l"/>
-                  <a:tab pos="427038" algn="l"/>
-                  <a:tab pos="855663" algn="l"/>
-                  <a:tab pos="1284288" algn="l"/>
-                  <a:tab pos="1711325" algn="l"/>
-                  <a:tab pos="2139950" algn="l"/>
-                  <a:tab pos="2568575" algn="l"/>
-                  <a:tab pos="2997200" algn="l"/>
-                  <a:tab pos="3424238" algn="l"/>
-                  <a:tab pos="3852863" algn="l"/>
-                  <a:tab pos="4281488" algn="l"/>
-                  <a:tab pos="4710113" algn="l"/>
-                  <a:tab pos="5137150" algn="l"/>
-                  <a:tab pos="5565775" algn="l"/>
-                  <a:tab pos="5994400" algn="l"/>
-                  <a:tab pos="6423025" algn="l"/>
-                  <a:tab pos="6850063" algn="l"/>
-                  <a:tab pos="7278688" algn="l"/>
-                  <a:tab pos="7707313" algn="l"/>
-                  <a:tab pos="8135938" algn="l"/>
-                  <a:tab pos="8562975" algn="l"/>
-                </a:tabLst>
-              </a:pPr>
-              <a:t>9</a:t>
-            </a:fld>
-            <a:endParaRPr lang="en-US" sz="1100">
-              <a:solidFill>
-                <a:srgbClr val="000000"/>
-              </a:solidFill>
-              <a:cs typeface="Arial" pitchFamily="34" charset="0"/>
-            </a:endParaRPr>
-          </a:p>
-        </p:txBody>
-      </p:sp>
-      <p:sp>
-        <p:nvSpPr>
-          <p:cNvPr id="27652" name="Rectangle 2"/>
-          <p:cNvSpPr txBox="1">
+          <p:cNvPr id="21507" name="Rectangle 2"/>
+          <p:cNvSpPr>
             <a:spLocks noGrp="1" noRot="1" noChangeAspect="1" noChangeArrowheads="1" noTextEdit="1"/>
           </p:cNvSpPr>
           <p:nvPr>
@@ -3890,19 +2180,16 @@
         </p:nvSpPr>
         <p:spPr>
           <a:xfrm>
-            <a:off x="911225" y="742950"/>
-            <a:ext cx="4959350" cy="3719513"/>
+            <a:off x="912813" y="744538"/>
+            <a:ext cx="4959350" cy="3719512"/>
           </a:xfrm>
-          <a:solidFill>
-            <a:srgbClr val="FFFFFF"/>
-          </a:solidFill>
           <a:ln/>
         </p:spPr>
       </p:sp>
       <p:sp>
         <p:nvSpPr>
-          <p:cNvPr id="27653" name="Rectangle 3"/>
-          <p:cNvSpPr txBox="1">
+          <p:cNvPr id="21508" name="Rectangle 3"/>
+          <p:cNvSpPr>
             <a:spLocks noGrp="1" noChangeArrowheads="1"/>
           </p:cNvSpPr>
           <p:nvPr>
@@ -3910,48 +2197,16 @@
           </p:nvPr>
         </p:nvSpPr>
         <p:spPr>
-          <a:xfrm>
-            <a:off x="677863" y="4710113"/>
-            <a:ext cx="5424487" cy="4464050"/>
-          </a:xfrm>
           <a:noFill/>
           <a:ln/>
         </p:spPr>
         <p:txBody>
-          <a:bodyPr wrap="none" anchor="ctr"/>
+          <a:bodyPr/>
           <a:lstStyle/>
           <a:p>
-            <a:pPr>
-              <a:spcBef>
-                <a:spcPts val="425"/>
-              </a:spcBef>
-              <a:tabLst>
-                <a:tab pos="0" algn="l"/>
-                <a:tab pos="427038" algn="l"/>
-                <a:tab pos="855663" algn="l"/>
-                <a:tab pos="1284288" algn="l"/>
-                <a:tab pos="1711325" algn="l"/>
-                <a:tab pos="2139950" algn="l"/>
-                <a:tab pos="2568575" algn="l"/>
-                <a:tab pos="2997200" algn="l"/>
-                <a:tab pos="3424238" algn="l"/>
-                <a:tab pos="3852863" algn="l"/>
-                <a:tab pos="4281488" algn="l"/>
-                <a:tab pos="4710113" algn="l"/>
-                <a:tab pos="5137150" algn="l"/>
-                <a:tab pos="5565775" algn="l"/>
-                <a:tab pos="5994400" algn="l"/>
-                <a:tab pos="6423025" algn="l"/>
-                <a:tab pos="6850063" algn="l"/>
-                <a:tab pos="7278688" algn="l"/>
-                <a:tab pos="7707313" algn="l"/>
-                <a:tab pos="8135938" algn="l"/>
-                <a:tab pos="8562975" algn="l"/>
-              </a:tabLst>
-            </a:pPr>
-            <a:endParaRPr lang="en-US" smtClean="0">
+            <a:pPr eaLnBrk="1" hangingPunct="1"/>
+            <a:endParaRPr lang="en-GB" smtClean="0">
               <a:latin typeface="Arial" pitchFamily="34" charset="0"/>
-              <a:cs typeface="DejaVu Sans" pitchFamily="34" charset="0"/>
             </a:endParaRPr>
           </a:p>
         </p:txBody>
@@ -6262,7 +4517,7 @@
         </p:blipFill>
         <p:spPr bwMode="auto">
           <a:xfrm>
-            <a:off x="8010525" y="12700"/>
+            <a:off x="7988754" y="19957"/>
             <a:ext cx="1133475" cy="722313"/>
           </a:xfrm>
           <a:prstGeom prst="rect">
@@ -6387,8 +4642,8 @@
         </p:nvSpPr>
         <p:spPr>
           <a:xfrm>
-            <a:off x="7924800" y="6286500"/>
-            <a:ext cx="927100" cy="307975"/>
+            <a:off x="7641774" y="6322785"/>
+            <a:ext cx="1101271" cy="276999"/>
           </a:xfrm>
           <a:prstGeom prst="rect">
             <a:avLst/>
@@ -6396,65 +4651,34 @@
           <a:noFill/>
         </p:spPr>
         <p:txBody>
-          <a:bodyPr>
+          <a:bodyPr wrap="square">
             <a:spAutoFit/>
           </a:bodyPr>
           <a:lstStyle/>
           <a:p>
-            <a:pPr>
+            <a:pPr algn="r">
               <a:defRPr/>
             </a:pPr>
+            <a:r>
+              <a:rPr lang="en-US" sz="1200" i="1" dirty="0" smtClean="0">
+                <a:latin typeface="Calibri" pitchFamily="34" charset="0"/>
+                <a:cs typeface="Calibri" pitchFamily="34" charset="0"/>
+              </a:rPr>
+              <a:t>Slide </a:t>
+            </a:r>
             <a:fld id="{C1E559A2-81DA-40BE-90E8-837500033945}" type="slidenum">
-              <a:rPr lang="en-US" sz="1400">
-                <a:latin typeface="Arial" charset="0"/>
-              </a:rPr>
-              <a:pPr>
+              <a:rPr lang="en-US" sz="1200" i="1" smtClean="0">
+                <a:latin typeface="Calibri" pitchFamily="34" charset="0"/>
+                <a:cs typeface="Calibri" pitchFamily="34" charset="0"/>
+              </a:rPr>
+              <a:pPr algn="r">
                 <a:defRPr/>
               </a:pPr>
               <a:t>‹N›</a:t>
             </a:fld>
-            <a:r>
-              <a:rPr lang="en-US" sz="1400" dirty="0">
-                <a:latin typeface="Arial" charset="0"/>
-              </a:rPr>
-              <a:t>/</a:t>
-            </a:r>
-          </a:p>
-        </p:txBody>
-      </p:sp>
-      <p:sp>
-        <p:nvSpPr>
-          <p:cNvPr id="10" name="CasellaDiTesto 9"/>
-          <p:cNvSpPr txBox="1"/>
-          <p:nvPr userDrawn="1"/>
-        </p:nvSpPr>
-        <p:spPr>
-          <a:xfrm>
-            <a:off x="101600" y="6299200"/>
-            <a:ext cx="2781300" cy="307975"/>
-          </a:xfrm>
-          <a:prstGeom prst="rect">
-            <a:avLst/>
-          </a:prstGeom>
-          <a:noFill/>
-        </p:spPr>
-        <p:txBody>
-          <a:bodyPr>
-            <a:spAutoFit/>
-          </a:bodyPr>
-          <a:lstStyle/>
-          <a:p>
-            <a:pPr>
-              <a:defRPr/>
-            </a:pPr>
-            <a:r>
-              <a:rPr lang="it-IT" sz="1400" dirty="0">
-                <a:latin typeface="Arial" charset="0"/>
-              </a:rPr>
-              <a:t>venerdì 13 luglio 2012</a:t>
-            </a:r>
-            <a:endParaRPr lang="en-US" sz="1400" dirty="0">
-              <a:latin typeface="Arial" charset="0"/>
+            <a:endParaRPr lang="en-US" sz="1200" i="1" dirty="0">
+              <a:latin typeface="Calibri" pitchFamily="34" charset="0"/>
+              <a:cs typeface="Calibri" pitchFamily="34" charset="0"/>
             </a:endParaRPr>
           </a:p>
         </p:txBody>
@@ -7220,177 +5444,284 @@
       </p:grpSpPr>
       <p:sp>
         <p:nvSpPr>
-          <p:cNvPr id="2051" name="Text Box 1"/>
-          <p:cNvSpPr txBox="1">
-            <a:spLocks noChangeArrowheads="1"/>
-          </p:cNvSpPr>
-          <p:nvPr/>
-        </p:nvSpPr>
-        <p:spPr bwMode="auto">
+          <p:cNvPr id="7170" name="Rectangle 2"/>
+          <p:cNvSpPr>
+            <a:spLocks noGrp="1" noChangeArrowheads="1"/>
+          </p:cNvSpPr>
+          <p:nvPr>
+            <p:ph type="title"/>
+          </p:nvPr>
+        </p:nvSpPr>
+        <p:spPr>
           <a:xfrm>
-            <a:off x="457200" y="277813"/>
-            <a:ext cx="8229600" cy="1141412"/>
+            <a:off x="330200" y="763588"/>
+            <a:ext cx="8167688" cy="455612"/>
           </a:xfrm>
-          <a:prstGeom prst="rect">
-            <a:avLst/>
-          </a:prstGeom>
-          <a:noFill/>
-          <a:ln w="9525">
-            <a:noFill/>
-            <a:round/>
-            <a:headEnd/>
-            <a:tailEnd/>
-          </a:ln>
-        </p:spPr>
-        <p:txBody>
-          <a:bodyPr lIns="82945" tIns="41473" rIns="82945" bIns="41473"/>
+        </p:spPr>
+        <p:txBody>
+          <a:bodyPr/>
           <a:lstStyle/>
           <a:p>
-            <a:pPr algn="ctr">
-              <a:tabLst>
-                <a:tab pos="0" algn="l"/>
-                <a:tab pos="414338" algn="l"/>
-                <a:tab pos="828675" algn="l"/>
-                <a:tab pos="1243013" algn="l"/>
-                <a:tab pos="1657350" algn="l"/>
-                <a:tab pos="2073275" algn="l"/>
-                <a:tab pos="2487613" algn="l"/>
-                <a:tab pos="2901950" algn="l"/>
-                <a:tab pos="3316288" algn="l"/>
-                <a:tab pos="3732213" algn="l"/>
-                <a:tab pos="4146550" algn="l"/>
-                <a:tab pos="4560888" algn="l"/>
-                <a:tab pos="4975225" algn="l"/>
-                <a:tab pos="5391150" algn="l"/>
-                <a:tab pos="5805488" algn="l"/>
-                <a:tab pos="6219825" algn="l"/>
-                <a:tab pos="6634163" algn="l"/>
-                <a:tab pos="7050088" algn="l"/>
-                <a:tab pos="7464425" algn="l"/>
-                <a:tab pos="7878763" algn="l"/>
-                <a:tab pos="8293100" algn="l"/>
-              </a:tabLst>
-            </a:pPr>
-            <a:r>
-              <a:rPr lang="it-IT" sz="4000" b="1">
-                <a:solidFill>
-                  <a:srgbClr val="000080"/>
-                </a:solidFill>
+            <a:pPr eaLnBrk="1" hangingPunct="1"/>
+            <a:r>
+              <a:rPr lang="en-GB" sz="2800" b="0" dirty="0" smtClean="0">
+                <a:latin typeface="Arial Unicode MS"/>
                 <a:ea typeface="Arial Unicode MS"/>
                 <a:cs typeface="Arial Unicode MS"/>
               </a:rPr>
-              <a:t>③</a:t>
-            </a:r>
-            <a:r>
-              <a:rPr lang="en-US" sz="4000" b="1">
-                <a:solidFill>
-                  <a:srgbClr val="000080"/>
-                </a:solidFill>
+              <a:t>③ </a:t>
+            </a:r>
+            <a:r>
+              <a:rPr lang="en-GB" sz="2800" b="0" dirty="0" err="1" smtClean="0">
+                <a:latin typeface="Arial Unicode MS"/>
                 <a:ea typeface="Arial Unicode MS"/>
                 <a:cs typeface="Arial Unicode MS"/>
               </a:rPr>
-              <a:t> </a:t>
-            </a:r>
-            <a:r>
-              <a:rPr lang="it-IT" sz="4000">
-                <a:solidFill>
-                  <a:srgbClr val="000080"/>
-                </a:solidFill>
+              <a:t>Modifiche</a:t>
+            </a:r>
+            <a:r>
+              <a:rPr lang="en-GB" sz="2800" b="0" dirty="0" smtClean="0">
+                <a:latin typeface="Arial Unicode MS"/>
                 <a:ea typeface="Arial Unicode MS"/>
                 <a:cs typeface="Arial Unicode MS"/>
               </a:rPr>
-              <a:t>Architettura ad alto livello</a:t>
-            </a:r>
-          </a:p>
-        </p:txBody>
-      </p:sp>
-      <p:graphicFrame>
-        <p:nvGraphicFramePr>
-          <p:cNvPr id="2050" name="Object 2"/>
-          <p:cNvGraphicFramePr>
-            <a:graphicFrameLocks noChangeAspect="1"/>
-          </p:cNvGraphicFramePr>
-          <p:nvPr/>
-        </p:nvGraphicFramePr>
-        <p:xfrm>
-          <a:off x="769938" y="939800"/>
-          <a:ext cx="7672387" cy="5478463"/>
-        </p:xfrm>
-        <a:graphic>
-          <a:graphicData uri="http://schemas.openxmlformats.org/presentationml/2006/ole">
-            <p:oleObj spid="_x0000_s2050" name="Visio" r:id="rId4" imgW="5788679" imgH="4132634" progId="">
-              <p:embed/>
-            </p:oleObj>
-          </a:graphicData>
-        </a:graphic>
-      </p:graphicFrame>
-      <p:sp>
-        <p:nvSpPr>
-          <p:cNvPr id="2052" name="CasellaDiTesto 4"/>
-          <p:cNvSpPr txBox="1">
-            <a:spLocks noChangeArrowheads="1"/>
-          </p:cNvSpPr>
-          <p:nvPr/>
-        </p:nvSpPr>
-        <p:spPr bwMode="auto">
+              <a:t> </a:t>
+            </a:r>
+            <a:r>
+              <a:rPr lang="en-GB" sz="2800" b="0" dirty="0" err="1" smtClean="0">
+                <a:latin typeface="Arial Unicode MS"/>
+                <a:ea typeface="Arial Unicode MS"/>
+                <a:cs typeface="Arial Unicode MS"/>
+              </a:rPr>
+              <a:t>apportate</a:t>
+            </a:r>
+            <a:endParaRPr lang="en-GB" sz="2800" b="0" dirty="0" smtClean="0">
+              <a:latin typeface="Calibri" pitchFamily="34" charset="0"/>
+            </a:endParaRPr>
+          </a:p>
+        </p:txBody>
+      </p:sp>
+      <p:sp>
+        <p:nvSpPr>
+          <p:cNvPr id="5" name="Rectangle 3"/>
+          <p:cNvSpPr>
+            <a:spLocks noGrp="1" noChangeArrowheads="1"/>
+          </p:cNvSpPr>
+          <p:nvPr>
+            <p:ph type="body" sz="half" idx="1"/>
+          </p:nvPr>
+        </p:nvSpPr>
+        <p:spPr>
           <a:xfrm>
-            <a:off x="1503363" y="6254750"/>
-            <a:ext cx="6746875" cy="360363"/>
+            <a:off x="517525" y="1319213"/>
+            <a:ext cx="8296275" cy="4294187"/>
           </a:xfrm>
-          <a:prstGeom prst="rect">
-            <a:avLst/>
-          </a:prstGeom>
-          <a:noFill/>
-          <a:ln w="9525">
-            <a:noFill/>
-            <a:miter lim="800000"/>
-            <a:headEnd/>
-            <a:tailEnd/>
-          </a:ln>
-        </p:spPr>
-        <p:txBody>
-          <a:bodyPr wrap="none" lIns="82945" tIns="41473" rIns="82945" bIns="41473">
-            <a:spAutoFit/>
-          </a:bodyPr>
+        </p:spPr>
+        <p:txBody>
+          <a:bodyPr/>
           <a:lstStyle/>
           <a:p>
-            <a:r>
-              <a:rPr lang="it-IT"/>
-              <a:t>(con bordo rosso le componenti sviluppate o configurate ad-hoc)</a:t>
-            </a:r>
+            <a:pPr lvl="1" eaLnBrk="1" hangingPunct="1">
+              <a:spcBef>
+                <a:spcPct val="0"/>
+              </a:spcBef>
+              <a:spcAft>
+                <a:spcPct val="20000"/>
+              </a:spcAft>
+              <a:buSzPct val="60000"/>
+              <a:defRPr/>
+            </a:pPr>
+            <a:r>
+              <a:rPr lang="it-IT" sz="2400" b="1" dirty="0" err="1">
+                <a:latin typeface="Calibri" pitchFamily="34" charset="0"/>
+              </a:rPr>
+              <a:t>IdP</a:t>
+            </a:r>
+            <a:r>
+              <a:rPr lang="it-IT" sz="2400" dirty="0">
+                <a:latin typeface="Calibri" pitchFamily="34" charset="0"/>
+              </a:rPr>
+              <a:t>: </a:t>
+            </a:r>
+            <a:r>
+              <a:rPr lang="it-IT" sz="2400" dirty="0" err="1">
+                <a:latin typeface="Calibri" pitchFamily="34" charset="0"/>
+              </a:rPr>
+              <a:t>deploy</a:t>
+            </a:r>
+            <a:r>
+              <a:rPr lang="it-IT" sz="2400" dirty="0">
+                <a:latin typeface="Calibri" pitchFamily="34" charset="0"/>
+              </a:rPr>
+              <a:t> di un </a:t>
+            </a:r>
+            <a:r>
+              <a:rPr lang="it-IT" sz="2400" dirty="0" err="1">
+                <a:latin typeface="Calibri" pitchFamily="34" charset="0"/>
+              </a:rPr>
+              <a:t>LoginHandler</a:t>
+            </a:r>
+            <a:r>
+              <a:rPr lang="it-IT" sz="2400" dirty="0">
+                <a:latin typeface="Calibri" pitchFamily="34" charset="0"/>
+              </a:rPr>
+              <a:t> e di un </a:t>
+            </a:r>
+            <a:r>
+              <a:rPr lang="it-IT" sz="2400" dirty="0" err="1">
+                <a:latin typeface="Calibri" pitchFamily="34" charset="0"/>
+              </a:rPr>
+              <a:t>DataConnector</a:t>
+            </a:r>
+            <a:r>
+              <a:rPr lang="it-IT" sz="2400" dirty="0">
+                <a:latin typeface="Calibri" pitchFamily="34" charset="0"/>
+              </a:rPr>
+              <a:t> e loro attivazione (tramite configurazione), </a:t>
+            </a:r>
+            <a:r>
+              <a:rPr lang="it-IT" sz="2400" dirty="0" err="1">
+                <a:latin typeface="Calibri" pitchFamily="34" charset="0"/>
+              </a:rPr>
+              <a:t>deploy</a:t>
+            </a:r>
+            <a:r>
+              <a:rPr lang="it-IT" sz="2400" dirty="0">
+                <a:latin typeface="Calibri" pitchFamily="34" charset="0"/>
+              </a:rPr>
+              <a:t> di una </a:t>
+            </a:r>
+            <a:r>
+              <a:rPr lang="it-IT" sz="2400" dirty="0" err="1">
+                <a:latin typeface="Calibri" pitchFamily="34" charset="0"/>
+              </a:rPr>
+              <a:t>servlet</a:t>
+            </a:r>
+            <a:r>
+              <a:rPr lang="it-IT" sz="2400" dirty="0">
+                <a:latin typeface="Calibri" pitchFamily="34" charset="0"/>
+              </a:rPr>
+              <a:t> per l’invio via posta elettronica della Secret </a:t>
+            </a:r>
+            <a:r>
+              <a:rPr lang="it-IT" sz="2400" dirty="0" err="1">
+                <a:latin typeface="Calibri" pitchFamily="34" charset="0"/>
+              </a:rPr>
+              <a:t>Key</a:t>
+            </a:r>
+            <a:r>
+              <a:rPr lang="it-IT" sz="2400" dirty="0">
+                <a:latin typeface="Calibri" pitchFamily="34" charset="0"/>
+              </a:rPr>
+              <a:t> all’utente.</a:t>
+            </a:r>
+          </a:p>
+          <a:p>
+            <a:pPr lvl="1" eaLnBrk="1" hangingPunct="1">
+              <a:spcBef>
+                <a:spcPct val="0"/>
+              </a:spcBef>
+              <a:spcAft>
+                <a:spcPct val="20000"/>
+              </a:spcAft>
+              <a:buSzPct val="60000"/>
+              <a:defRPr/>
+            </a:pPr>
+            <a:endParaRPr lang="it-IT" sz="2400" b="1" dirty="0">
+              <a:latin typeface="Calibri" pitchFamily="34" charset="0"/>
+            </a:endParaRPr>
+          </a:p>
+          <a:p>
+            <a:pPr lvl="1" eaLnBrk="1" hangingPunct="1">
+              <a:spcBef>
+                <a:spcPct val="0"/>
+              </a:spcBef>
+              <a:spcAft>
+                <a:spcPct val="20000"/>
+              </a:spcAft>
+              <a:buSzPct val="60000"/>
+              <a:defRPr/>
+            </a:pPr>
+            <a:r>
+              <a:rPr lang="it-IT" sz="2400" b="1" dirty="0">
+                <a:latin typeface="Calibri" pitchFamily="34" charset="0"/>
+              </a:rPr>
+              <a:t>SP</a:t>
+            </a:r>
+            <a:r>
+              <a:rPr lang="it-IT" sz="2400" dirty="0">
+                <a:latin typeface="Calibri" pitchFamily="34" charset="0"/>
+              </a:rPr>
+              <a:t>: modifiche solo a livello dei file di configurazione del </a:t>
+            </a:r>
+            <a:r>
+              <a:rPr lang="it-IT" sz="2400" dirty="0" err="1">
+                <a:latin typeface="Calibri" pitchFamily="34" charset="0"/>
+              </a:rPr>
+              <a:t>Shibboleth</a:t>
+            </a:r>
+            <a:r>
+              <a:rPr lang="it-IT" sz="2400" dirty="0">
+                <a:latin typeface="Calibri" pitchFamily="34" charset="0"/>
+              </a:rPr>
+              <a:t> SP</a:t>
+            </a:r>
+            <a:r>
+              <a:rPr lang="it-IT" sz="2400" dirty="0" smtClean="0">
+                <a:latin typeface="Calibri" pitchFamily="34" charset="0"/>
+              </a:rPr>
+              <a:t>.</a:t>
+            </a:r>
+          </a:p>
+          <a:p>
+            <a:pPr marL="796925" lvl="1" eaLnBrk="1" hangingPunct="1">
+              <a:spcBef>
+                <a:spcPct val="0"/>
+              </a:spcBef>
+              <a:spcAft>
+                <a:spcPct val="20000"/>
+              </a:spcAft>
+              <a:buSzPct val="60000"/>
+              <a:defRPr/>
+            </a:pPr>
+            <a:endParaRPr lang="it-IT" sz="2000" dirty="0" smtClean="0">
+              <a:latin typeface="Calibri" pitchFamily="34" charset="0"/>
+            </a:endParaRPr>
+          </a:p>
+          <a:p>
+            <a:pPr lvl="1" eaLnBrk="1" hangingPunct="1">
+              <a:spcBef>
+                <a:spcPct val="0"/>
+              </a:spcBef>
+              <a:spcAft>
+                <a:spcPct val="20000"/>
+              </a:spcAft>
+              <a:buSzPct val="60000"/>
+              <a:defRPr/>
+            </a:pPr>
+            <a:endParaRPr lang="en-GB" sz="2400" dirty="0" smtClean="0">
+              <a:latin typeface="Calibri" pitchFamily="34" charset="0"/>
+            </a:endParaRPr>
           </a:p>
         </p:txBody>
       </p:sp>
     </p:spTree>
+    <p:extLst>
+      <p:ext uri="{BB962C8B-B14F-4D97-AF65-F5344CB8AC3E}">
+        <p14:creationId xmlns:p14="http://schemas.microsoft.com/office/powerpoint/2010/main" val="1358599493"/>
+      </p:ext>
+    </p:extLst>
   </p:cSld>
   <p:clrMapOvr>
     <a:masterClrMapping/>
   </p:clrMapOvr>
-  <p:transition spd="med"/>
+  <p:transition>
+    <p:fade/>
+  </p:transition>
   <p:timing>
     <p:tnLst>
       <p:par>
-        <p:cTn id="1" dur="indefinite" restart="never" nodeType="tmRoot">
-          <p:childTnLst>
-            <p:seq concurrent="1" nextAc="seek">
-              <p:cTn id="2" dur="indefinite" nodeType="mainSeq"/>
-              <p:prevCondLst>
-                <p:cond evt="onPrev" delay="0">
-                  <p:tgtEl>
-                    <p:sldTgt/>
-                  </p:tgtEl>
-                </p:cond>
-              </p:prevCondLst>
-              <p:nextCondLst>
-                <p:cond evt="onNext" delay="0">
-                  <p:tgtEl>
-                    <p:sldTgt/>
-                  </p:tgtEl>
-                </p:cond>
-              </p:nextCondLst>
-            </p:seq>
-          </p:childTnLst>
-        </p:cTn>
+        <p:cTn id="1" dur="indefinite" restart="never" nodeType="tmRoot"/>
       </p:par>
     </p:tnLst>
   </p:timing>
@@ -7416,323 +5747,283 @@
       </p:grpSpPr>
       <p:sp>
         <p:nvSpPr>
-          <p:cNvPr id="13314" name="Text Box 1"/>
-          <p:cNvSpPr txBox="1">
-            <a:spLocks noChangeArrowheads="1"/>
-          </p:cNvSpPr>
-          <p:nvPr/>
-        </p:nvSpPr>
-        <p:spPr bwMode="auto">
+          <p:cNvPr id="7170" name="Rectangle 2"/>
+          <p:cNvSpPr>
+            <a:spLocks noGrp="1" noChangeArrowheads="1"/>
+          </p:cNvSpPr>
+          <p:nvPr>
+            <p:ph type="title"/>
+          </p:nvPr>
+        </p:nvSpPr>
+        <p:spPr>
           <a:xfrm>
-            <a:off x="457200" y="277813"/>
-            <a:ext cx="8229600" cy="1141412"/>
+            <a:off x="330200" y="763588"/>
+            <a:ext cx="8167688" cy="455612"/>
           </a:xfrm>
-          <a:prstGeom prst="rect">
-            <a:avLst/>
-          </a:prstGeom>
-          <a:noFill/>
-          <a:ln w="9525">
-            <a:noFill/>
-            <a:round/>
-            <a:headEnd/>
-            <a:tailEnd/>
-          </a:ln>
-        </p:spPr>
-        <p:txBody>
-          <a:bodyPr lIns="82945" tIns="41473" rIns="82945" bIns="41473"/>
+        </p:spPr>
+        <p:txBody>
+          <a:bodyPr/>
           <a:lstStyle/>
           <a:p>
-            <a:pPr algn="ctr">
-              <a:tabLst>
-                <a:tab pos="0" algn="l"/>
-                <a:tab pos="414338" algn="l"/>
-                <a:tab pos="828675" algn="l"/>
-                <a:tab pos="1243013" algn="l"/>
-                <a:tab pos="1657350" algn="l"/>
-                <a:tab pos="2073275" algn="l"/>
-                <a:tab pos="2487613" algn="l"/>
-                <a:tab pos="2901950" algn="l"/>
-                <a:tab pos="3316288" algn="l"/>
-                <a:tab pos="3732213" algn="l"/>
-                <a:tab pos="4146550" algn="l"/>
-                <a:tab pos="4560888" algn="l"/>
-                <a:tab pos="4975225" algn="l"/>
-                <a:tab pos="5391150" algn="l"/>
-                <a:tab pos="5805488" algn="l"/>
-                <a:tab pos="6219825" algn="l"/>
-                <a:tab pos="6634163" algn="l"/>
-                <a:tab pos="7050088" algn="l"/>
-                <a:tab pos="7464425" algn="l"/>
-                <a:tab pos="7878763" algn="l"/>
-                <a:tab pos="8293100" algn="l"/>
-              </a:tabLst>
-            </a:pPr>
-            <a:r>
-              <a:rPr lang="it-IT" sz="4000" b="1">
-                <a:solidFill>
-                  <a:srgbClr val="000080"/>
-                </a:solidFill>
+            <a:pPr eaLnBrk="1" hangingPunct="1"/>
+            <a:r>
+              <a:rPr lang="en-GB" sz="2800" b="0" dirty="0">
+                <a:latin typeface="Arial Unicode MS"/>
                 <a:ea typeface="Arial Unicode MS"/>
                 <a:cs typeface="Arial Unicode MS"/>
               </a:rPr>
-              <a:t>③</a:t>
-            </a:r>
-            <a:r>
-              <a:rPr lang="en-US" sz="4000" b="1">
-                <a:solidFill>
-                  <a:srgbClr val="000080"/>
-                </a:solidFill>
+              <a:t>① </a:t>
+            </a:r>
+            <a:r>
+              <a:rPr lang="en-GB" sz="1800" b="0" dirty="0" smtClean="0">
+                <a:latin typeface="Arial Unicode MS"/>
                 <a:ea typeface="Arial Unicode MS"/>
                 <a:cs typeface="Arial Unicode MS"/>
               </a:rPr>
-              <a:t> </a:t>
-            </a:r>
-            <a:r>
-              <a:rPr lang="it-IT" sz="4000">
-                <a:solidFill>
-                  <a:srgbClr val="000080"/>
-                </a:solidFill>
+              <a:t>+</a:t>
+            </a:r>
+            <a:r>
+              <a:rPr lang="en-GB" sz="2800" b="0" dirty="0" smtClean="0">
+                <a:latin typeface="Arial Unicode MS"/>
                 <a:ea typeface="Arial Unicode MS"/>
                 <a:cs typeface="Arial Unicode MS"/>
               </a:rPr>
-              <a:t>Modifiche apportate</a:t>
-            </a:r>
-          </a:p>
-        </p:txBody>
-      </p:sp>
-      <p:sp>
-        <p:nvSpPr>
-          <p:cNvPr id="13315" name="Rectangle 2"/>
-          <p:cNvSpPr>
-            <a:spLocks noChangeArrowheads="1"/>
-          </p:cNvSpPr>
-          <p:nvPr/>
-        </p:nvSpPr>
-        <p:spPr bwMode="auto">
+              <a:t> ②</a:t>
+            </a:r>
+            <a:r>
+              <a:rPr lang="en-GB" sz="2800" b="0" dirty="0">
+                <a:latin typeface="Arial Unicode MS"/>
+                <a:ea typeface="Arial Unicode MS"/>
+                <a:cs typeface="Arial Unicode MS"/>
+              </a:rPr>
+              <a:t> </a:t>
+            </a:r>
+            <a:r>
+              <a:rPr lang="en-GB" sz="1800" b="0" dirty="0">
+                <a:latin typeface="Arial Unicode MS"/>
+                <a:ea typeface="Arial Unicode MS"/>
+                <a:cs typeface="Arial Unicode MS"/>
+              </a:rPr>
+              <a:t>+</a:t>
+            </a:r>
+            <a:r>
+              <a:rPr lang="en-GB" sz="2800" b="0" dirty="0">
+                <a:latin typeface="Arial Unicode MS"/>
+                <a:ea typeface="Arial Unicode MS"/>
+                <a:cs typeface="Arial Unicode MS"/>
+              </a:rPr>
+              <a:t> </a:t>
+            </a:r>
+            <a:r>
+              <a:rPr lang="en-GB" sz="2800" b="0" dirty="0" smtClean="0">
+                <a:latin typeface="Arial Unicode MS"/>
+                <a:ea typeface="Arial Unicode MS"/>
+                <a:cs typeface="Arial Unicode MS"/>
+              </a:rPr>
+              <a:t>③ </a:t>
+            </a:r>
+            <a:r>
+              <a:rPr lang="en-GB" sz="2800" b="0" dirty="0" err="1" smtClean="0">
+                <a:latin typeface="Arial Unicode MS"/>
+                <a:ea typeface="Arial Unicode MS"/>
+                <a:cs typeface="Arial Unicode MS"/>
+              </a:rPr>
+              <a:t>Benefici</a:t>
+            </a:r>
+            <a:r>
+              <a:rPr lang="en-GB" sz="2800" b="0" dirty="0" smtClean="0">
+                <a:latin typeface="Arial Unicode MS"/>
+                <a:ea typeface="Arial Unicode MS"/>
+                <a:cs typeface="Arial Unicode MS"/>
+              </a:rPr>
+              <a:t> per IDEM</a:t>
+            </a:r>
+            <a:endParaRPr lang="en-GB" sz="2800" b="0" dirty="0" smtClean="0">
+              <a:latin typeface="Calibri" pitchFamily="34" charset="0"/>
+            </a:endParaRPr>
+          </a:p>
+        </p:txBody>
+      </p:sp>
+      <p:sp>
+        <p:nvSpPr>
+          <p:cNvPr id="5" name="Rectangle 3"/>
+          <p:cNvSpPr>
+            <a:spLocks noGrp="1" noChangeArrowheads="1"/>
+          </p:cNvSpPr>
+          <p:nvPr>
+            <p:ph type="body" sz="half" idx="1"/>
+          </p:nvPr>
+        </p:nvSpPr>
+        <p:spPr>
           <a:xfrm>
-            <a:off x="609600" y="1371600"/>
-            <a:ext cx="8229600" cy="4911725"/>
+            <a:off x="517525" y="1319213"/>
+            <a:ext cx="8296275" cy="4294187"/>
           </a:xfrm>
-          <a:prstGeom prst="rect">
-            <a:avLst/>
-          </a:prstGeom>
-          <a:noFill/>
-          <a:ln w="9525">
-            <a:noFill/>
-            <a:round/>
-            <a:headEnd/>
-            <a:tailEnd/>
-          </a:ln>
-        </p:spPr>
-        <p:txBody>
-          <a:bodyPr lIns="81639" tIns="42452" rIns="81639" bIns="42452"/>
+        </p:spPr>
+        <p:txBody>
+          <a:bodyPr/>
           <a:lstStyle/>
           <a:p>
-            <a:pPr marL="288925" indent="-288925">
+            <a:pPr lvl="1" eaLnBrk="1" hangingPunct="1">
               <a:spcBef>
-                <a:spcPts val="725"/>
+                <a:spcPct val="0"/>
               </a:spcBef>
-              <a:buClr>
-                <a:srgbClr val="808080"/>
-              </a:buClr>
-              <a:buSzPct val="65000"/>
-              <a:buFont typeface="Wingdings" pitchFamily="2" charset="2"/>
-              <a:buChar char=""/>
-              <a:tabLst>
-                <a:tab pos="288925" algn="l"/>
-                <a:tab pos="703263" algn="l"/>
-                <a:tab pos="1117600" algn="l"/>
-                <a:tab pos="1533525" algn="l"/>
-                <a:tab pos="1947863" algn="l"/>
-                <a:tab pos="2362200" algn="l"/>
-                <a:tab pos="2776538" algn="l"/>
-                <a:tab pos="3192463" algn="l"/>
-                <a:tab pos="3606800" algn="l"/>
-                <a:tab pos="4021138" algn="l"/>
-                <a:tab pos="4435475" algn="l"/>
-                <a:tab pos="4851400" algn="l"/>
-                <a:tab pos="5265738" algn="l"/>
-                <a:tab pos="5680075" algn="l"/>
-                <a:tab pos="6094413" algn="l"/>
-                <a:tab pos="6508750" algn="l"/>
-                <a:tab pos="6924675" algn="l"/>
-                <a:tab pos="7339013" algn="l"/>
-                <a:tab pos="7753350" algn="l"/>
-                <a:tab pos="8167688" algn="l"/>
-                <a:tab pos="8583613" algn="l"/>
-              </a:tabLst>
+              <a:spcAft>
+                <a:spcPct val="20000"/>
+              </a:spcAft>
+              <a:buSzPct val="60000"/>
+              <a:defRPr/>
             </a:pPr>
             <a:r>
-              <a:rPr lang="it-IT" sz="2900" b="1">
-                <a:solidFill>
-                  <a:srgbClr val="000000"/>
-                </a:solidFill>
-                <a:cs typeface="Arial" pitchFamily="34" charset="0"/>
-              </a:rPr>
-              <a:t>IdP</a:t>
-            </a:r>
-            <a:r>
-              <a:rPr lang="it-IT" sz="2900">
-                <a:solidFill>
-                  <a:srgbClr val="000000"/>
-                </a:solidFill>
-                <a:cs typeface="Arial" pitchFamily="34" charset="0"/>
-              </a:rPr>
-              <a:t>: deploy di un LoginHandler e di un DataConnector e loro attivazione (tramite configurazione), deploy di una servlet per l’invio via posta elettronica della Secret Key all’utente.</a:t>
-            </a:r>
-          </a:p>
-          <a:p>
-            <a:pPr marL="288925" indent="-288925">
+              <a:rPr lang="it-IT" sz="2400" dirty="0">
+                <a:latin typeface="Calibri" pitchFamily="34" charset="0"/>
+              </a:rPr>
+              <a:t>Le </a:t>
+            </a:r>
+            <a:r>
+              <a:rPr lang="it-IT" sz="2400" dirty="0" smtClean="0">
+                <a:latin typeface="Calibri" pitchFamily="34" charset="0"/>
+              </a:rPr>
+              <a:t>estensioni </a:t>
+            </a:r>
+            <a:r>
+              <a:rPr lang="it-IT" sz="2400" dirty="0" smtClean="0">
+                <a:latin typeface="Arial Unicode MS"/>
+                <a:ea typeface="Arial Unicode MS"/>
+                <a:cs typeface="Arial Unicode MS"/>
+              </a:rPr>
+              <a:t>①</a:t>
+            </a:r>
+            <a:r>
+              <a:rPr lang="it-IT" sz="2400" dirty="0" smtClean="0">
+                <a:latin typeface="Calibri" pitchFamily="34" charset="0"/>
+              </a:rPr>
+              <a:t> + </a:t>
+            </a:r>
+            <a:r>
+              <a:rPr lang="it-IT" sz="2400" dirty="0" smtClean="0">
+                <a:latin typeface="Arial Unicode MS"/>
+                <a:ea typeface="Arial Unicode MS"/>
+                <a:cs typeface="Arial Unicode MS"/>
+              </a:rPr>
+              <a:t>②</a:t>
+            </a:r>
+            <a:r>
+              <a:rPr lang="it-IT" sz="2400" dirty="0" smtClean="0">
+                <a:latin typeface="Calibri" pitchFamily="34" charset="0"/>
+              </a:rPr>
+              <a:t> </a:t>
+            </a:r>
+            <a:r>
+              <a:rPr lang="it-IT" sz="2400" dirty="0">
+                <a:latin typeface="Calibri" pitchFamily="34" charset="0"/>
+              </a:rPr>
+              <a:t>permettono ad IDEM di allargarsi includendo nuove applicazioni.</a:t>
+            </a:r>
+          </a:p>
+          <a:p>
+            <a:pPr lvl="1" eaLnBrk="1" hangingPunct="1">
               <a:spcBef>
-                <a:spcPts val="725"/>
+                <a:spcPct val="0"/>
               </a:spcBef>
-              <a:buClr>
-                <a:srgbClr val="808080"/>
-              </a:buClr>
-              <a:buSzPct val="65000"/>
-              <a:buFont typeface="Wingdings" pitchFamily="2" charset="2"/>
-              <a:buChar char=""/>
-              <a:tabLst>
-                <a:tab pos="288925" algn="l"/>
-                <a:tab pos="703263" algn="l"/>
-                <a:tab pos="1117600" algn="l"/>
-                <a:tab pos="1533525" algn="l"/>
-                <a:tab pos="1947863" algn="l"/>
-                <a:tab pos="2362200" algn="l"/>
-                <a:tab pos="2776538" algn="l"/>
-                <a:tab pos="3192463" algn="l"/>
-                <a:tab pos="3606800" algn="l"/>
-                <a:tab pos="4021138" algn="l"/>
-                <a:tab pos="4435475" algn="l"/>
-                <a:tab pos="4851400" algn="l"/>
-                <a:tab pos="5265738" algn="l"/>
-                <a:tab pos="5680075" algn="l"/>
-                <a:tab pos="6094413" algn="l"/>
-                <a:tab pos="6508750" algn="l"/>
-                <a:tab pos="6924675" algn="l"/>
-                <a:tab pos="7339013" algn="l"/>
-                <a:tab pos="7753350" algn="l"/>
-                <a:tab pos="8167688" algn="l"/>
-                <a:tab pos="8583613" algn="l"/>
-              </a:tabLst>
+              <a:spcAft>
+                <a:spcPct val="20000"/>
+              </a:spcAft>
+              <a:buSzPct val="60000"/>
+              <a:defRPr/>
             </a:pPr>
-            <a:endParaRPr lang="it-IT" sz="2900">
-              <a:solidFill>
-                <a:srgbClr val="000000"/>
-              </a:solidFill>
-              <a:cs typeface="Arial" pitchFamily="34" charset="0"/>
+            <a:endParaRPr lang="it-IT" sz="2400" dirty="0">
+              <a:latin typeface="Calibri" pitchFamily="34" charset="0"/>
             </a:endParaRPr>
           </a:p>
           <a:p>
-            <a:pPr marL="288925" lvl="1" indent="-288925">
+            <a:pPr lvl="1" eaLnBrk="1" hangingPunct="1">
               <a:spcBef>
-                <a:spcPts val="725"/>
+                <a:spcPct val="0"/>
               </a:spcBef>
-              <a:buClr>
-                <a:srgbClr val="808080"/>
-              </a:buClr>
-              <a:buSzPct val="65000"/>
-              <a:buFont typeface="Wingdings" pitchFamily="2" charset="2"/>
-              <a:buChar char=""/>
-              <a:tabLst>
-                <a:tab pos="288925" algn="l"/>
-                <a:tab pos="703263" algn="l"/>
-                <a:tab pos="1117600" algn="l"/>
-                <a:tab pos="1533525" algn="l"/>
-                <a:tab pos="1947863" algn="l"/>
-                <a:tab pos="2362200" algn="l"/>
-                <a:tab pos="2776538" algn="l"/>
-                <a:tab pos="3192463" algn="l"/>
-                <a:tab pos="3606800" algn="l"/>
-                <a:tab pos="4021138" algn="l"/>
-                <a:tab pos="4435475" algn="l"/>
-                <a:tab pos="4851400" algn="l"/>
-                <a:tab pos="5265738" algn="l"/>
-                <a:tab pos="5680075" algn="l"/>
-                <a:tab pos="6094413" algn="l"/>
-                <a:tab pos="6508750" algn="l"/>
-                <a:tab pos="6924675" algn="l"/>
-                <a:tab pos="7339013" algn="l"/>
-                <a:tab pos="7753350" algn="l"/>
-                <a:tab pos="8167688" algn="l"/>
-                <a:tab pos="8583613" algn="l"/>
-              </a:tabLst>
+              <a:spcAft>
+                <a:spcPct val="20000"/>
+              </a:spcAft>
+              <a:buSzPct val="60000"/>
+              <a:defRPr/>
             </a:pPr>
             <a:r>
-              <a:rPr lang="en-US" sz="2900" b="1">
-                <a:solidFill>
-                  <a:srgbClr val="000000"/>
-                </a:solidFill>
-                <a:cs typeface="Arial" pitchFamily="34" charset="0"/>
-              </a:rPr>
-              <a:t>SP</a:t>
-            </a:r>
-            <a:r>
-              <a:rPr lang="en-US" sz="2900">
-                <a:solidFill>
-                  <a:srgbClr val="000000"/>
-                </a:solidFill>
-                <a:cs typeface="Arial" pitchFamily="34" charset="0"/>
-              </a:rPr>
-              <a:t>: </a:t>
-            </a:r>
-            <a:r>
-              <a:rPr lang="it-IT" sz="2900">
-                <a:solidFill>
-                  <a:srgbClr val="000000"/>
-                </a:solidFill>
-                <a:cs typeface="Arial" pitchFamily="34" charset="0"/>
-              </a:rPr>
-              <a:t>modifiche solo a livello dei file di configurazione del Shibboleth SP</a:t>
-            </a:r>
-            <a:r>
-              <a:rPr lang="en-US" sz="2900">
-                <a:solidFill>
-                  <a:srgbClr val="000000"/>
-                </a:solidFill>
-                <a:cs typeface="Arial" pitchFamily="34" charset="0"/>
+              <a:rPr lang="it-IT" sz="2400" dirty="0">
+                <a:latin typeface="Calibri" pitchFamily="34" charset="0"/>
+              </a:rPr>
+              <a:t>Le estensioni mantengono inalterati i concetti di uniformità e distribuzione che garantiscono la dimensione di comunità di IDEM</a:t>
+            </a:r>
+            <a:r>
+              <a:rPr lang="it-IT" sz="2400" dirty="0" smtClean="0">
+                <a:latin typeface="Calibri" pitchFamily="34" charset="0"/>
               </a:rPr>
               <a:t>.</a:t>
             </a:r>
-            <a:endParaRPr lang="en-US" sz="2500">
-              <a:solidFill>
-                <a:srgbClr val="000000"/>
-              </a:solidFill>
-              <a:cs typeface="Arial" pitchFamily="34" charset="0"/>
+          </a:p>
+          <a:p>
+            <a:pPr lvl="1" eaLnBrk="1" hangingPunct="1">
+              <a:spcBef>
+                <a:spcPct val="0"/>
+              </a:spcBef>
+              <a:spcAft>
+                <a:spcPct val="20000"/>
+              </a:spcAft>
+              <a:buSzPct val="60000"/>
+              <a:defRPr/>
+            </a:pPr>
+            <a:endParaRPr lang="it-IT" sz="2400" dirty="0" smtClean="0">
+              <a:latin typeface="Calibri" pitchFamily="34" charset="0"/>
             </a:endParaRPr>
           </a:p>
+          <a:p>
+            <a:pPr marL="796925" lvl="1" eaLnBrk="1" hangingPunct="1">
+              <a:spcBef>
+                <a:spcPct val="0"/>
+              </a:spcBef>
+              <a:spcAft>
+                <a:spcPct val="20000"/>
+              </a:spcAft>
+              <a:buSzPct val="60000"/>
+              <a:defRPr/>
+            </a:pPr>
+            <a:endParaRPr lang="it-IT" sz="2000" dirty="0" smtClean="0">
+              <a:latin typeface="Calibri" pitchFamily="34" charset="0"/>
+            </a:endParaRPr>
+          </a:p>
+          <a:p>
+            <a:pPr lvl="1" eaLnBrk="1" hangingPunct="1">
+              <a:spcBef>
+                <a:spcPct val="0"/>
+              </a:spcBef>
+              <a:spcAft>
+                <a:spcPct val="20000"/>
+              </a:spcAft>
+              <a:buSzPct val="60000"/>
+              <a:defRPr/>
+            </a:pPr>
+            <a:endParaRPr lang="en-GB" sz="2400" dirty="0" smtClean="0">
+              <a:latin typeface="Calibri" pitchFamily="34" charset="0"/>
+            </a:endParaRPr>
+          </a:p>
         </p:txBody>
       </p:sp>
     </p:spTree>
+    <p:extLst>
+      <p:ext uri="{BB962C8B-B14F-4D97-AF65-F5344CB8AC3E}">
+        <p14:creationId xmlns:p14="http://schemas.microsoft.com/office/powerpoint/2010/main" val="1228264753"/>
+      </p:ext>
+    </p:extLst>
   </p:cSld>
   <p:clrMapOvr>
     <a:masterClrMapping/>
   </p:clrMapOvr>
-  <p:transition spd="med"/>
+  <p:transition>
+    <p:fade/>
+  </p:transition>
   <p:timing>
     <p:tnLst>
       <p:par>
-        <p:cTn id="1" dur="indefinite" restart="never" nodeType="tmRoot">
-          <p:childTnLst>
-            <p:seq concurrent="1" nextAc="seek">
-              <p:cTn id="2" dur="indefinite" nodeType="mainSeq"/>
-              <p:prevCondLst>
-                <p:cond evt="onPrev" delay="0">
-                  <p:tgtEl>
-                    <p:sldTgt/>
-                  </p:tgtEl>
-                </p:cond>
-              </p:prevCondLst>
-              <p:nextCondLst>
-                <p:cond evt="onNext" delay="0">
-                  <p:tgtEl>
-                    <p:sldTgt/>
-                  </p:tgtEl>
-                </p:cond>
-              </p:nextCondLst>
-            </p:seq>
-          </p:childTnLst>
-        </p:cTn>
+        <p:cTn id="1" dur="indefinite" restart="never" nodeType="tmRoot"/>
       </p:par>
     </p:tnLst>
   </p:timing>
@@ -7758,379 +6049,359 @@
       </p:grpSpPr>
       <p:sp>
         <p:nvSpPr>
-          <p:cNvPr id="14338" name="Text Box 1"/>
-          <p:cNvSpPr txBox="1">
-            <a:spLocks noChangeArrowheads="1"/>
-          </p:cNvSpPr>
-          <p:nvPr/>
-        </p:nvSpPr>
-        <p:spPr bwMode="auto">
+          <p:cNvPr id="7170" name="Rectangle 2"/>
+          <p:cNvSpPr>
+            <a:spLocks noGrp="1" noChangeArrowheads="1"/>
+          </p:cNvSpPr>
+          <p:nvPr>
+            <p:ph type="title"/>
+          </p:nvPr>
+        </p:nvSpPr>
+        <p:spPr>
           <a:xfrm>
-            <a:off x="457200" y="277813"/>
-            <a:ext cx="8229600" cy="1141412"/>
+            <a:off x="330200" y="763588"/>
+            <a:ext cx="8167688" cy="455612"/>
           </a:xfrm>
-          <a:prstGeom prst="rect">
-            <a:avLst/>
-          </a:prstGeom>
-          <a:noFill/>
-          <a:ln w="9525">
-            <a:noFill/>
-            <a:round/>
-            <a:headEnd/>
-            <a:tailEnd/>
-          </a:ln>
-        </p:spPr>
-        <p:txBody>
-          <a:bodyPr lIns="82945" tIns="41473" rIns="82945" bIns="41473"/>
+        </p:spPr>
+        <p:txBody>
+          <a:bodyPr/>
           <a:lstStyle/>
           <a:p>
-            <a:pPr algn="ctr">
-              <a:tabLst>
-                <a:tab pos="0" algn="l"/>
-                <a:tab pos="414338" algn="l"/>
-                <a:tab pos="828675" algn="l"/>
-                <a:tab pos="1243013" algn="l"/>
-                <a:tab pos="1657350" algn="l"/>
-                <a:tab pos="2073275" algn="l"/>
-                <a:tab pos="2487613" algn="l"/>
-                <a:tab pos="2901950" algn="l"/>
-                <a:tab pos="3316288" algn="l"/>
-                <a:tab pos="3732213" algn="l"/>
-                <a:tab pos="4146550" algn="l"/>
-                <a:tab pos="4560888" algn="l"/>
-                <a:tab pos="4975225" algn="l"/>
-                <a:tab pos="5391150" algn="l"/>
-                <a:tab pos="5805488" algn="l"/>
-                <a:tab pos="6219825" algn="l"/>
-                <a:tab pos="6634163" algn="l"/>
-                <a:tab pos="7050088" algn="l"/>
-                <a:tab pos="7464425" algn="l"/>
-                <a:tab pos="7878763" algn="l"/>
-                <a:tab pos="8293100" algn="l"/>
-              </a:tabLst>
-            </a:pPr>
-            <a:r>
-              <a:rPr lang="it-IT" sz="4000" b="1">
-                <a:solidFill>
-                  <a:srgbClr val="000080"/>
-                </a:solidFill>
+            <a:pPr eaLnBrk="1" hangingPunct="1"/>
+            <a:r>
+              <a:rPr lang="en-GB" sz="2800" b="0" dirty="0">
+                <a:latin typeface="Arial Unicode MS"/>
                 <a:ea typeface="Arial Unicode MS"/>
                 <a:cs typeface="Arial Unicode MS"/>
               </a:rPr>
               <a:t>① </a:t>
             </a:r>
             <a:r>
-              <a:rPr lang="it-IT" sz="2700">
-                <a:solidFill>
-                  <a:srgbClr val="000080"/>
-                </a:solidFill>
+              <a:rPr lang="en-GB" sz="1800" b="0" dirty="0" smtClean="0">
+                <a:latin typeface="Arial Unicode MS"/>
                 <a:ea typeface="Arial Unicode MS"/>
                 <a:cs typeface="Arial Unicode MS"/>
               </a:rPr>
               <a:t>+</a:t>
             </a:r>
             <a:r>
-              <a:rPr lang="en-US" sz="4000">
-                <a:solidFill>
-                  <a:srgbClr val="000080"/>
-                </a:solidFill>
+              <a:rPr lang="en-GB" sz="2800" b="0" dirty="0" smtClean="0">
+                <a:latin typeface="Arial Unicode MS"/>
                 <a:ea typeface="Arial Unicode MS"/>
                 <a:cs typeface="Arial Unicode MS"/>
               </a:rPr>
-              <a:t> </a:t>
-            </a:r>
-            <a:r>
-              <a:rPr lang="it-IT" sz="4000" b="1">
-                <a:solidFill>
-                  <a:srgbClr val="000080"/>
-                </a:solidFill>
+              <a:t> ②</a:t>
+            </a:r>
+            <a:r>
+              <a:rPr lang="en-GB" sz="2800" b="0" dirty="0">
+                <a:latin typeface="Arial Unicode MS"/>
                 <a:ea typeface="Arial Unicode MS"/>
                 <a:cs typeface="Arial Unicode MS"/>
               </a:rPr>
-              <a:t>②</a:t>
-            </a:r>
-            <a:r>
-              <a:rPr lang="it-IT" sz="2700">
-                <a:solidFill>
-                  <a:srgbClr val="000080"/>
-                </a:solidFill>
+              <a:t> </a:t>
+            </a:r>
+            <a:r>
+              <a:rPr lang="en-GB" sz="1800" b="0" dirty="0">
+                <a:latin typeface="Arial Unicode MS"/>
                 <a:ea typeface="Arial Unicode MS"/>
                 <a:cs typeface="Arial Unicode MS"/>
               </a:rPr>
-              <a:t> +</a:t>
-            </a:r>
-            <a:r>
-              <a:rPr lang="en-US" sz="2700">
-                <a:solidFill>
-                  <a:srgbClr val="000080"/>
-                </a:solidFill>
+              <a:t>+</a:t>
+            </a:r>
+            <a:r>
+              <a:rPr lang="en-GB" sz="2800" b="0" dirty="0">
+                <a:latin typeface="Arial Unicode MS"/>
                 <a:ea typeface="Arial Unicode MS"/>
                 <a:cs typeface="Arial Unicode MS"/>
               </a:rPr>
               <a:t> </a:t>
             </a:r>
             <a:r>
-              <a:rPr lang="it-IT" sz="4000" b="1">
-                <a:solidFill>
-                  <a:srgbClr val="000080"/>
-                </a:solidFill>
+              <a:rPr lang="en-GB" sz="2800" b="0" dirty="0" smtClean="0">
+                <a:latin typeface="Arial Unicode MS"/>
                 <a:ea typeface="Arial Unicode MS"/>
                 <a:cs typeface="Arial Unicode MS"/>
               </a:rPr>
-              <a:t>③</a:t>
-            </a:r>
-            <a:r>
-              <a:rPr lang="en-US" sz="4000">
-                <a:solidFill>
-                  <a:srgbClr val="000080"/>
-                </a:solidFill>
+              <a:t>③ </a:t>
+            </a:r>
+            <a:r>
+              <a:rPr lang="en-GB" sz="2800" b="0" dirty="0" err="1" smtClean="0">
+                <a:latin typeface="Arial Unicode MS"/>
                 <a:ea typeface="Arial Unicode MS"/>
                 <a:cs typeface="Arial Unicode MS"/>
               </a:rPr>
-              <a:t> Benefici per IDEM</a:t>
-            </a:r>
-          </a:p>
-        </p:txBody>
-      </p:sp>
-      <p:sp>
-        <p:nvSpPr>
-          <p:cNvPr id="14339" name="Rectangle 2"/>
-          <p:cNvSpPr>
-            <a:spLocks noChangeArrowheads="1"/>
-          </p:cNvSpPr>
-          <p:nvPr/>
-        </p:nvSpPr>
-        <p:spPr bwMode="auto">
-          <a:xfrm>
-            <a:off x="609600" y="1371600"/>
-            <a:ext cx="8229600" cy="4911725"/>
-          </a:xfrm>
-          <a:prstGeom prst="rect">
-            <a:avLst/>
-          </a:prstGeom>
-          <a:noFill/>
-          <a:ln w="9525">
-            <a:noFill/>
-            <a:round/>
-            <a:headEnd/>
-            <a:tailEnd/>
-          </a:ln>
-        </p:spPr>
-        <p:txBody>
-          <a:bodyPr lIns="81639" tIns="42452" rIns="81639" bIns="42452"/>
-          <a:lstStyle/>
-          <a:p>
-            <a:pPr marL="288925" indent="-288925">
-              <a:spcBef>
-                <a:spcPts val="725"/>
-              </a:spcBef>
-              <a:buClr>
-                <a:srgbClr val="808080"/>
-              </a:buClr>
-              <a:buSzPct val="65000"/>
-              <a:buFont typeface="Wingdings" pitchFamily="2" charset="2"/>
-              <a:buChar char=""/>
-              <a:tabLst>
-                <a:tab pos="288925" algn="l"/>
-                <a:tab pos="703263" algn="l"/>
-                <a:tab pos="1117600" algn="l"/>
-                <a:tab pos="1533525" algn="l"/>
-                <a:tab pos="1947863" algn="l"/>
-                <a:tab pos="2362200" algn="l"/>
-                <a:tab pos="2776538" algn="l"/>
-                <a:tab pos="3192463" algn="l"/>
-                <a:tab pos="3606800" algn="l"/>
-                <a:tab pos="4021138" algn="l"/>
-                <a:tab pos="4435475" algn="l"/>
-                <a:tab pos="4851400" algn="l"/>
-                <a:tab pos="5265738" algn="l"/>
-                <a:tab pos="5680075" algn="l"/>
-                <a:tab pos="6094413" algn="l"/>
-                <a:tab pos="6508750" algn="l"/>
-                <a:tab pos="6924675" algn="l"/>
-                <a:tab pos="7339013" algn="l"/>
-                <a:tab pos="7753350" algn="l"/>
-                <a:tab pos="8167688" algn="l"/>
-                <a:tab pos="8583613" algn="l"/>
-              </a:tabLst>
-            </a:pPr>
-            <a:r>
-              <a:rPr lang="it-IT" sz="2900">
-                <a:solidFill>
-                  <a:srgbClr val="000000"/>
-                </a:solidFill>
-                <a:cs typeface="Arial" pitchFamily="34" charset="0"/>
-              </a:rPr>
-              <a:t>Le estensioni </a:t>
-            </a:r>
-            <a:r>
-              <a:rPr lang="it-IT" sz="2900" b="1">
+              <a:t>Problemi</a:t>
+            </a:r>
+            <a:r>
+              <a:rPr lang="en-GB" sz="2800" b="0" dirty="0" smtClean="0">
+                <a:latin typeface="Arial Unicode MS"/>
                 <a:ea typeface="Arial Unicode MS"/>
                 <a:cs typeface="Arial Unicode MS"/>
               </a:rPr>
-              <a:t>① </a:t>
-            </a:r>
-            <a:r>
-              <a:rPr lang="it-IT" sz="2900">
-                <a:cs typeface="Arial" pitchFamily="34" charset="0"/>
-              </a:rPr>
-              <a:t>+</a:t>
-            </a:r>
-            <a:r>
-              <a:rPr lang="en-US" sz="2900">
+              <a:t> </a:t>
+            </a:r>
+            <a:r>
+              <a:rPr lang="en-GB" sz="2800" b="0" dirty="0" err="1" smtClean="0">
+                <a:latin typeface="Arial Unicode MS"/>
                 <a:ea typeface="Arial Unicode MS"/>
                 <a:cs typeface="Arial Unicode MS"/>
               </a:rPr>
-              <a:t> </a:t>
-            </a:r>
-            <a:r>
-              <a:rPr lang="it-IT" sz="2900" b="1">
+              <a:t>aperti</a:t>
+            </a:r>
+            <a:endParaRPr lang="en-GB" sz="2800" b="0" dirty="0" smtClean="0">
+              <a:latin typeface="Calibri" pitchFamily="34" charset="0"/>
+            </a:endParaRPr>
+          </a:p>
+        </p:txBody>
+      </p:sp>
+      <p:sp>
+        <p:nvSpPr>
+          <p:cNvPr id="5" name="Rectangle 3"/>
+          <p:cNvSpPr>
+            <a:spLocks noGrp="1" noChangeArrowheads="1"/>
+          </p:cNvSpPr>
+          <p:nvPr>
+            <p:ph type="body" sz="half" idx="1"/>
+          </p:nvPr>
+        </p:nvSpPr>
+        <p:spPr>
+          <a:xfrm>
+            <a:off x="517525" y="1319213"/>
+            <a:ext cx="8296275" cy="4294187"/>
+          </a:xfrm>
+        </p:spPr>
+        <p:txBody>
+          <a:bodyPr/>
+          <a:lstStyle/>
+          <a:p>
+            <a:pPr lvl="1" eaLnBrk="1" hangingPunct="1">
+              <a:spcBef>
+                <a:spcPct val="0"/>
+              </a:spcBef>
+              <a:spcAft>
+                <a:spcPct val="20000"/>
+              </a:spcAft>
+              <a:buSzPct val="60000"/>
+              <a:defRPr/>
+            </a:pPr>
+            <a:r>
+              <a:rPr lang="it-IT" sz="2400" dirty="0">
+                <a:latin typeface="Calibri" pitchFamily="34" charset="0"/>
+              </a:rPr>
+              <a:t>Attualmente le estensioni </a:t>
+            </a:r>
+            <a:r>
+              <a:rPr lang="it-IT" sz="2400" dirty="0" smtClean="0">
+                <a:latin typeface="Arial Unicode MS"/>
                 <a:ea typeface="Arial Unicode MS"/>
                 <a:cs typeface="Arial Unicode MS"/>
               </a:rPr>
+              <a:t>①</a:t>
+            </a:r>
+            <a:r>
+              <a:rPr lang="it-IT" sz="2400" dirty="0" smtClean="0">
+                <a:latin typeface="Calibri" pitchFamily="34" charset="0"/>
+              </a:rPr>
+              <a:t>, </a:t>
+            </a:r>
+            <a:r>
+              <a:rPr lang="it-IT" sz="2400" dirty="0">
+                <a:latin typeface="Arial Unicode MS"/>
+                <a:ea typeface="Arial Unicode MS"/>
+                <a:cs typeface="Arial Unicode MS"/>
+              </a:rPr>
               <a:t>②</a:t>
             </a:r>
             <a:r>
-              <a:rPr lang="it-IT" sz="2900">
-                <a:cs typeface="Arial" pitchFamily="34" charset="0"/>
-              </a:rPr>
-              <a:t> p</a:t>
-            </a:r>
-            <a:r>
-              <a:rPr lang="it-IT" sz="2900">
-                <a:solidFill>
-                  <a:srgbClr val="000000"/>
-                </a:solidFill>
-                <a:cs typeface="Arial" pitchFamily="34" charset="0"/>
-              </a:rPr>
-              <a:t>ermettono ad IDEM di allargarsi includendo nuove applicazioni.</a:t>
-            </a:r>
-          </a:p>
-          <a:p>
-            <a:pPr marL="288925" indent="-288925">
+              <a:rPr lang="it-IT" sz="2400" dirty="0">
+                <a:latin typeface="Calibri" pitchFamily="34" charset="0"/>
+              </a:rPr>
+              <a:t> </a:t>
+            </a:r>
+            <a:r>
+              <a:rPr lang="it-IT" sz="2400" dirty="0" smtClean="0">
+                <a:latin typeface="Calibri" pitchFamily="34" charset="0"/>
+              </a:rPr>
+              <a:t>e </a:t>
+            </a:r>
+            <a:r>
+              <a:rPr lang="it-IT" sz="2400" dirty="0" smtClean="0">
+                <a:latin typeface="Arial Unicode MS"/>
+                <a:ea typeface="Arial Unicode MS"/>
+                <a:cs typeface="Arial Unicode MS"/>
+              </a:rPr>
+              <a:t>③ </a:t>
+            </a:r>
+            <a:r>
+              <a:rPr lang="it-IT" sz="2400" dirty="0" smtClean="0">
+                <a:latin typeface="Calibri" pitchFamily="34" charset="0"/>
+              </a:rPr>
+              <a:t>non </a:t>
+            </a:r>
+            <a:r>
+              <a:rPr lang="it-IT" sz="2400" dirty="0">
+                <a:latin typeface="Calibri" pitchFamily="34" charset="0"/>
+              </a:rPr>
+              <a:t>supportano il </a:t>
+            </a:r>
+            <a:r>
+              <a:rPr lang="it-IT" sz="2400" dirty="0" err="1">
+                <a:latin typeface="Calibri" pitchFamily="34" charset="0"/>
+              </a:rPr>
+              <a:t>discovery</a:t>
+            </a:r>
+            <a:r>
+              <a:rPr lang="it-IT" sz="2400" dirty="0">
+                <a:latin typeface="Calibri" pitchFamily="34" charset="0"/>
+              </a:rPr>
+              <a:t> </a:t>
+            </a:r>
+            <a:r>
+              <a:rPr lang="it-IT" sz="2400" dirty="0" err="1">
+                <a:latin typeface="Calibri" pitchFamily="34" charset="0"/>
+              </a:rPr>
+              <a:t>dell’IdP</a:t>
+            </a:r>
+            <a:r>
+              <a:rPr lang="it-IT" sz="2400" dirty="0">
+                <a:latin typeface="Calibri" pitchFamily="34" charset="0"/>
+              </a:rPr>
+              <a:t> tramite WAYF (possibile dopo uno sviluppo lato DS).</a:t>
+            </a:r>
+          </a:p>
+          <a:p>
+            <a:pPr lvl="1" eaLnBrk="1" hangingPunct="1">
               <a:spcBef>
-                <a:spcPts val="725"/>
+                <a:spcPct val="0"/>
               </a:spcBef>
-              <a:buClr>
-                <a:srgbClr val="808080"/>
-              </a:buClr>
-              <a:buSzPct val="65000"/>
-              <a:buFont typeface="Wingdings" pitchFamily="2" charset="2"/>
-              <a:buChar char=""/>
-              <a:tabLst>
-                <a:tab pos="288925" algn="l"/>
-                <a:tab pos="703263" algn="l"/>
-                <a:tab pos="1117600" algn="l"/>
-                <a:tab pos="1533525" algn="l"/>
-                <a:tab pos="1947863" algn="l"/>
-                <a:tab pos="2362200" algn="l"/>
-                <a:tab pos="2776538" algn="l"/>
-                <a:tab pos="3192463" algn="l"/>
-                <a:tab pos="3606800" algn="l"/>
-                <a:tab pos="4021138" algn="l"/>
-                <a:tab pos="4435475" algn="l"/>
-                <a:tab pos="4851400" algn="l"/>
-                <a:tab pos="5265738" algn="l"/>
-                <a:tab pos="5680075" algn="l"/>
-                <a:tab pos="6094413" algn="l"/>
-                <a:tab pos="6508750" algn="l"/>
-                <a:tab pos="6924675" algn="l"/>
-                <a:tab pos="7339013" algn="l"/>
-                <a:tab pos="7753350" algn="l"/>
-                <a:tab pos="8167688" algn="l"/>
-                <a:tab pos="8583613" algn="l"/>
-              </a:tabLst>
+              <a:spcAft>
+                <a:spcPct val="20000"/>
+              </a:spcAft>
+              <a:buSzPct val="60000"/>
+              <a:defRPr/>
             </a:pPr>
-            <a:endParaRPr lang="it-IT" sz="2900" b="1">
-              <a:solidFill>
-                <a:srgbClr val="000000"/>
-              </a:solidFill>
-              <a:cs typeface="Arial" pitchFamily="34" charset="0"/>
+            <a:endParaRPr lang="it-IT" sz="2400" dirty="0">
+              <a:latin typeface="Calibri" pitchFamily="34" charset="0"/>
             </a:endParaRPr>
           </a:p>
           <a:p>
-            <a:pPr marL="288925" indent="-288925">
+            <a:pPr lvl="1" eaLnBrk="1" hangingPunct="1">
               <a:spcBef>
-                <a:spcPts val="725"/>
+                <a:spcPct val="0"/>
               </a:spcBef>
-              <a:buClr>
-                <a:srgbClr val="808080"/>
-              </a:buClr>
-              <a:buSzPct val="65000"/>
-              <a:buFont typeface="Wingdings" pitchFamily="2" charset="2"/>
-              <a:buChar char=""/>
-              <a:tabLst>
-                <a:tab pos="288925" algn="l"/>
-                <a:tab pos="703263" algn="l"/>
-                <a:tab pos="1117600" algn="l"/>
-                <a:tab pos="1533525" algn="l"/>
-                <a:tab pos="1947863" algn="l"/>
-                <a:tab pos="2362200" algn="l"/>
-                <a:tab pos="2776538" algn="l"/>
-                <a:tab pos="3192463" algn="l"/>
-                <a:tab pos="3606800" algn="l"/>
-                <a:tab pos="4021138" algn="l"/>
-                <a:tab pos="4435475" algn="l"/>
-                <a:tab pos="4851400" algn="l"/>
-                <a:tab pos="5265738" algn="l"/>
-                <a:tab pos="5680075" algn="l"/>
-                <a:tab pos="6094413" algn="l"/>
-                <a:tab pos="6508750" algn="l"/>
-                <a:tab pos="6924675" algn="l"/>
-                <a:tab pos="7339013" algn="l"/>
-                <a:tab pos="7753350" algn="l"/>
-                <a:tab pos="8167688" algn="l"/>
-                <a:tab pos="8583613" algn="l"/>
-              </a:tabLst>
+              <a:spcAft>
+                <a:spcPct val="20000"/>
+              </a:spcAft>
+              <a:buSzPct val="60000"/>
+              <a:defRPr/>
             </a:pPr>
             <a:r>
-              <a:rPr lang="it-IT" sz="2900">
-                <a:solidFill>
-                  <a:srgbClr val="000000"/>
-                </a:solidFill>
-                <a:cs typeface="Arial" pitchFamily="34" charset="0"/>
-              </a:rPr>
-              <a:t>Le estensioni mantengono inalterati i concetti di uniformità e distribuzione che garantiscono la dimensione di comunità di IDEM.</a:t>
-            </a:r>
-            <a:endParaRPr lang="en-US" sz="2500">
-              <a:solidFill>
-                <a:srgbClr val="000000"/>
-              </a:solidFill>
-              <a:cs typeface="Arial" pitchFamily="34" charset="0"/>
+              <a:rPr lang="it-IT" sz="2400" dirty="0">
+                <a:latin typeface="Calibri" pitchFamily="34" charset="0"/>
+              </a:rPr>
+              <a:t>Le estensioni </a:t>
+            </a:r>
+            <a:r>
+              <a:rPr lang="it-IT" sz="2400" dirty="0">
+                <a:latin typeface="Arial Unicode MS"/>
+                <a:ea typeface="Arial Unicode MS"/>
+                <a:cs typeface="Arial Unicode MS"/>
+              </a:rPr>
+              <a:t>①</a:t>
+            </a:r>
+            <a:r>
+              <a:rPr lang="it-IT" sz="2400" dirty="0">
+                <a:latin typeface="Calibri" pitchFamily="34" charset="0"/>
+              </a:rPr>
+              <a:t>, </a:t>
+            </a:r>
+            <a:r>
+              <a:rPr lang="it-IT" sz="2400" dirty="0">
+                <a:latin typeface="Arial Unicode MS"/>
+                <a:ea typeface="Arial Unicode MS"/>
+                <a:cs typeface="Arial Unicode MS"/>
+              </a:rPr>
+              <a:t>②</a:t>
+            </a:r>
+            <a:r>
+              <a:rPr lang="it-IT" sz="2400" dirty="0">
+                <a:latin typeface="Calibri" pitchFamily="34" charset="0"/>
+              </a:rPr>
+              <a:t> e </a:t>
+            </a:r>
+            <a:r>
+              <a:rPr lang="it-IT" sz="2400" dirty="0">
+                <a:latin typeface="Arial Unicode MS"/>
+                <a:ea typeface="Arial Unicode MS"/>
+                <a:cs typeface="Arial Unicode MS"/>
+              </a:rPr>
+              <a:t>③ </a:t>
+            </a:r>
+            <a:r>
+              <a:rPr lang="it-IT" sz="2400" dirty="0" smtClean="0">
+                <a:latin typeface="Calibri" pitchFamily="34" charset="0"/>
+              </a:rPr>
+              <a:t>necessitano </a:t>
+            </a:r>
+            <a:r>
+              <a:rPr lang="it-IT" sz="2400" dirty="0">
+                <a:latin typeface="Calibri" pitchFamily="34" charset="0"/>
+              </a:rPr>
+              <a:t>di un </a:t>
+            </a:r>
+            <a:r>
+              <a:rPr lang="it-IT" sz="2400" dirty="0" err="1">
+                <a:latin typeface="Calibri" pitchFamily="34" charset="0"/>
+              </a:rPr>
+              <a:t>deploy</a:t>
+            </a:r>
+            <a:r>
+              <a:rPr lang="it-IT" sz="2400" dirty="0">
+                <a:latin typeface="Calibri" pitchFamily="34" charset="0"/>
+              </a:rPr>
+              <a:t> (comunque abbastanza semplice) sugli </a:t>
+            </a:r>
+            <a:r>
+              <a:rPr lang="it-IT" sz="2400" dirty="0" err="1">
+                <a:latin typeface="Calibri" pitchFamily="34" charset="0"/>
+              </a:rPr>
+              <a:t>IdP</a:t>
+            </a:r>
+            <a:r>
+              <a:rPr lang="it-IT" sz="2400" dirty="0">
+                <a:latin typeface="Calibri" pitchFamily="34" charset="0"/>
+              </a:rPr>
+              <a:t> della federazione</a:t>
+            </a:r>
+            <a:r>
+              <a:rPr lang="it-IT" sz="2400" dirty="0" smtClean="0">
+                <a:latin typeface="Calibri" pitchFamily="34" charset="0"/>
+              </a:rPr>
+              <a:t>.</a:t>
+            </a:r>
+            <a:endParaRPr lang="it-IT" sz="2400" dirty="0">
+              <a:latin typeface="Calibri" pitchFamily="34" charset="0"/>
             </a:endParaRPr>
           </a:p>
         </p:txBody>
       </p:sp>
     </p:spTree>
+    <p:extLst>
+      <p:ext uri="{BB962C8B-B14F-4D97-AF65-F5344CB8AC3E}">
+        <p14:creationId xmlns:p14="http://schemas.microsoft.com/office/powerpoint/2010/main" val="4181381060"/>
+      </p:ext>
+    </p:extLst>
   </p:cSld>
   <p:clrMapOvr>
     <a:masterClrMapping/>
   </p:clrMapOvr>
-  <p:transition spd="med"/>
+  <p:transition>
+    <p:fade/>
+  </p:transition>
   <p:timing>
     <p:tnLst>
       <p:par>
-        <p:cTn id="1" dur="indefinite" restart="never" nodeType="tmRoot">
-          <p:childTnLst>
-            <p:seq concurrent="1" nextAc="seek">
-              <p:cTn id="2" dur="indefinite" nodeType="mainSeq"/>
-              <p:prevCondLst>
-                <p:cond evt="onPrev" delay="0">
-                  <p:tgtEl>
-                    <p:sldTgt/>
-                  </p:tgtEl>
-                </p:cond>
-              </p:prevCondLst>
-              <p:nextCondLst>
-                <p:cond evt="onNext" delay="0">
-                  <p:tgtEl>
-                    <p:sldTgt/>
-                  </p:tgtEl>
-                </p:cond>
-              </p:nextCondLst>
-            </p:seq>
-          </p:childTnLst>
-        </p:cTn>
+        <p:cTn id="1" dur="indefinite" restart="never" nodeType="tmRoot"/>
       </p:par>
     </p:tnLst>
   </p:timing>
@@ -8156,409 +6427,239 @@
       </p:grpSpPr>
       <p:sp>
         <p:nvSpPr>
-          <p:cNvPr id="15362" name="Text Box 1"/>
-          <p:cNvSpPr txBox="1">
-            <a:spLocks noChangeArrowheads="1"/>
-          </p:cNvSpPr>
-          <p:nvPr/>
-        </p:nvSpPr>
-        <p:spPr bwMode="auto">
+          <p:cNvPr id="7170" name="Rectangle 2"/>
+          <p:cNvSpPr>
+            <a:spLocks noGrp="1" noChangeArrowheads="1"/>
+          </p:cNvSpPr>
+          <p:nvPr>
+            <p:ph type="title"/>
+          </p:nvPr>
+        </p:nvSpPr>
+        <p:spPr>
           <a:xfrm>
-            <a:off x="457200" y="277813"/>
-            <a:ext cx="8229600" cy="1141412"/>
+            <a:off x="330200" y="763588"/>
+            <a:ext cx="8167688" cy="455612"/>
           </a:xfrm>
-          <a:prstGeom prst="rect">
-            <a:avLst/>
-          </a:prstGeom>
-          <a:noFill/>
-          <a:ln w="9525">
-            <a:noFill/>
-            <a:round/>
-            <a:headEnd/>
-            <a:tailEnd/>
-          </a:ln>
-        </p:spPr>
-        <p:txBody>
-          <a:bodyPr lIns="82945" tIns="41473" rIns="82945" bIns="41473"/>
+        </p:spPr>
+        <p:txBody>
+          <a:bodyPr/>
           <a:lstStyle/>
           <a:p>
-            <a:pPr algn="ctr">
-              <a:tabLst>
-                <a:tab pos="0" algn="l"/>
-                <a:tab pos="414338" algn="l"/>
-                <a:tab pos="828675" algn="l"/>
-                <a:tab pos="1243013" algn="l"/>
-                <a:tab pos="1657350" algn="l"/>
-                <a:tab pos="2073275" algn="l"/>
-                <a:tab pos="2487613" algn="l"/>
-                <a:tab pos="2901950" algn="l"/>
-                <a:tab pos="3316288" algn="l"/>
-                <a:tab pos="3732213" algn="l"/>
-                <a:tab pos="4146550" algn="l"/>
-                <a:tab pos="4560888" algn="l"/>
-                <a:tab pos="4975225" algn="l"/>
-                <a:tab pos="5391150" algn="l"/>
-                <a:tab pos="5805488" algn="l"/>
-                <a:tab pos="6219825" algn="l"/>
-                <a:tab pos="6634163" algn="l"/>
-                <a:tab pos="7050088" algn="l"/>
-                <a:tab pos="7464425" algn="l"/>
-                <a:tab pos="7878763" algn="l"/>
-                <a:tab pos="8293100" algn="l"/>
-              </a:tabLst>
-            </a:pPr>
-            <a:r>
-              <a:rPr lang="it-IT" sz="4000" b="1">
-                <a:solidFill>
-                  <a:srgbClr val="000080"/>
-                </a:solidFill>
+            <a:pPr eaLnBrk="1" hangingPunct="1"/>
+            <a:r>
+              <a:rPr lang="en-GB" sz="2800" b="0" dirty="0" err="1" smtClean="0">
+                <a:latin typeface="Arial Unicode MS"/>
                 <a:ea typeface="Arial Unicode MS"/>
                 <a:cs typeface="Arial Unicode MS"/>
               </a:rPr>
-              <a:t>① </a:t>
-            </a:r>
-            <a:r>
-              <a:rPr lang="it-IT" sz="2700">
-                <a:solidFill>
-                  <a:srgbClr val="000080"/>
-                </a:solidFill>
+              <a:t>Conclusioni</a:t>
+            </a:r>
+            <a:endParaRPr lang="en-GB" sz="2800" b="0" dirty="0" smtClean="0">
+              <a:latin typeface="Calibri" pitchFamily="34" charset="0"/>
+            </a:endParaRPr>
+          </a:p>
+        </p:txBody>
+      </p:sp>
+      <p:sp>
+        <p:nvSpPr>
+          <p:cNvPr id="5" name="Rectangle 3"/>
+          <p:cNvSpPr>
+            <a:spLocks noGrp="1" noChangeArrowheads="1"/>
+          </p:cNvSpPr>
+          <p:nvPr>
+            <p:ph type="body" sz="half" idx="1"/>
+          </p:nvPr>
+        </p:nvSpPr>
+        <p:spPr>
+          <a:xfrm>
+            <a:off x="517525" y="1319213"/>
+            <a:ext cx="8296275" cy="4294187"/>
+          </a:xfrm>
+        </p:spPr>
+        <p:txBody>
+          <a:bodyPr/>
+          <a:lstStyle/>
+          <a:p>
+            <a:pPr lvl="1" eaLnBrk="1" hangingPunct="1">
+              <a:spcBef>
+                <a:spcPct val="0"/>
+              </a:spcBef>
+              <a:spcAft>
+                <a:spcPct val="20000"/>
+              </a:spcAft>
+              <a:buSzPct val="60000"/>
+              <a:defRPr/>
+            </a:pPr>
+            <a:r>
+              <a:rPr lang="it-IT" sz="2400" dirty="0">
+                <a:latin typeface="Calibri" pitchFamily="34" charset="0"/>
+              </a:rPr>
+              <a:t>L’</a:t>
+            </a:r>
+            <a:r>
+              <a:rPr lang="it-IT" sz="2400" dirty="0" err="1">
+                <a:latin typeface="Calibri" pitchFamily="34" charset="0"/>
+              </a:rPr>
+              <a:t>estenzione</a:t>
+            </a:r>
+            <a:r>
+              <a:rPr lang="it-IT" sz="2400" dirty="0">
+                <a:latin typeface="Calibri" pitchFamily="34" charset="0"/>
+              </a:rPr>
+              <a:t> </a:t>
+            </a:r>
+            <a:r>
+              <a:rPr lang="it-IT" sz="2400" dirty="0">
+                <a:latin typeface="Arial Unicode MS"/>
                 <a:ea typeface="Arial Unicode MS"/>
                 <a:cs typeface="Arial Unicode MS"/>
               </a:rPr>
-              <a:t>+</a:t>
-            </a:r>
-            <a:r>
-              <a:rPr lang="en-US" sz="4000">
-                <a:solidFill>
-                  <a:srgbClr val="000080"/>
-                </a:solidFill>
+              <a:t>①</a:t>
+            </a:r>
+            <a:r>
+              <a:rPr lang="it-IT" sz="2400" dirty="0" smtClean="0">
+                <a:latin typeface="Calibri" pitchFamily="34" charset="0"/>
+              </a:rPr>
+              <a:t>, </a:t>
+            </a:r>
+            <a:r>
+              <a:rPr lang="it-IT" sz="2400" dirty="0">
+                <a:latin typeface="Calibri" pitchFamily="34" charset="0"/>
+              </a:rPr>
+              <a:t>attraverso lo sviluppo di API di autenticazione per applicazioni Java e </a:t>
+            </a:r>
+            <a:r>
+              <a:rPr lang="it-IT" sz="2400" dirty="0" err="1">
+                <a:latin typeface="Calibri" pitchFamily="34" charset="0"/>
+              </a:rPr>
+              <a:t>Python</a:t>
+            </a:r>
+            <a:r>
+              <a:rPr lang="it-IT" sz="2400" dirty="0">
+                <a:latin typeface="Calibri" pitchFamily="34" charset="0"/>
+              </a:rPr>
+              <a:t>, ha una potenziale ricaduta sull’intera comunità </a:t>
+            </a:r>
+            <a:r>
+              <a:rPr lang="it-IT" sz="2400" dirty="0" err="1">
+                <a:latin typeface="Calibri" pitchFamily="34" charset="0"/>
+              </a:rPr>
+              <a:t>Shibboleth</a:t>
+            </a:r>
+            <a:r>
+              <a:rPr lang="it-IT" sz="2400" dirty="0">
+                <a:latin typeface="Calibri" pitchFamily="34" charset="0"/>
+              </a:rPr>
+              <a:t> (e non solo su IDEM).</a:t>
+            </a:r>
+          </a:p>
+          <a:p>
+            <a:pPr lvl="1" eaLnBrk="1" hangingPunct="1">
+              <a:spcBef>
+                <a:spcPct val="0"/>
+              </a:spcBef>
+              <a:spcAft>
+                <a:spcPct val="20000"/>
+              </a:spcAft>
+              <a:buSzPct val="60000"/>
+              <a:defRPr/>
+            </a:pPr>
+            <a:endParaRPr lang="it-IT" sz="2400" dirty="0">
+              <a:latin typeface="Calibri" pitchFamily="34" charset="0"/>
+            </a:endParaRPr>
+          </a:p>
+          <a:p>
+            <a:pPr lvl="1" eaLnBrk="1" hangingPunct="1">
+              <a:spcBef>
+                <a:spcPct val="0"/>
+              </a:spcBef>
+              <a:spcAft>
+                <a:spcPct val="20000"/>
+              </a:spcAft>
+              <a:buSzPct val="60000"/>
+              <a:defRPr/>
+            </a:pPr>
+            <a:r>
+              <a:rPr lang="it-IT" sz="2400" dirty="0">
+                <a:latin typeface="Calibri" pitchFamily="34" charset="0"/>
+              </a:rPr>
+              <a:t>Le estensioni </a:t>
+            </a:r>
+            <a:r>
+              <a:rPr lang="it-IT" sz="2400" dirty="0">
+                <a:latin typeface="Arial Unicode MS"/>
                 <a:ea typeface="Arial Unicode MS"/>
                 <a:cs typeface="Arial Unicode MS"/>
               </a:rPr>
-              <a:t> </a:t>
-            </a:r>
-            <a:r>
-              <a:rPr lang="it-IT" sz="4000" b="1">
-                <a:solidFill>
-                  <a:srgbClr val="000080"/>
-                </a:solidFill>
+              <a:t>②</a:t>
+            </a:r>
+            <a:r>
+              <a:rPr lang="it-IT" sz="2400" dirty="0">
+                <a:latin typeface="Calibri" pitchFamily="34" charset="0"/>
+              </a:rPr>
+              <a:t> e </a:t>
+            </a:r>
+            <a:r>
+              <a:rPr lang="it-IT" sz="2400" dirty="0">
+                <a:latin typeface="Arial Unicode MS"/>
                 <a:ea typeface="Arial Unicode MS"/>
                 <a:cs typeface="Arial Unicode MS"/>
               </a:rPr>
-              <a:t>②</a:t>
-            </a:r>
-            <a:r>
-              <a:rPr lang="it-IT" sz="2700">
-                <a:solidFill>
-                  <a:srgbClr val="000080"/>
-                </a:solidFill>
-                <a:ea typeface="Arial Unicode MS"/>
-                <a:cs typeface="Arial Unicode MS"/>
-              </a:rPr>
-              <a:t> +</a:t>
-            </a:r>
-            <a:r>
-              <a:rPr lang="en-US" sz="2700">
-                <a:solidFill>
-                  <a:srgbClr val="000080"/>
-                </a:solidFill>
-                <a:ea typeface="Arial Unicode MS"/>
-                <a:cs typeface="Arial Unicode MS"/>
-              </a:rPr>
-              <a:t> </a:t>
-            </a:r>
-            <a:r>
-              <a:rPr lang="it-IT" sz="4000" b="1">
-                <a:solidFill>
-                  <a:srgbClr val="000080"/>
-                </a:solidFill>
-                <a:ea typeface="Arial Unicode MS"/>
-                <a:cs typeface="Arial Unicode MS"/>
-              </a:rPr>
-              <a:t>③</a:t>
-            </a:r>
-            <a:r>
-              <a:rPr lang="en-US" sz="4000">
-                <a:solidFill>
-                  <a:srgbClr val="000080"/>
-                </a:solidFill>
-                <a:ea typeface="Arial Unicode MS"/>
-                <a:cs typeface="Arial Unicode MS"/>
-              </a:rPr>
-              <a:t> Problemi aperti</a:t>
-            </a:r>
-          </a:p>
-        </p:txBody>
-      </p:sp>
-      <p:sp>
-        <p:nvSpPr>
-          <p:cNvPr id="15363" name="Rectangle 2"/>
-          <p:cNvSpPr>
-            <a:spLocks noChangeArrowheads="1"/>
-          </p:cNvSpPr>
-          <p:nvPr/>
-        </p:nvSpPr>
-        <p:spPr bwMode="auto">
-          <a:xfrm>
-            <a:off x="609600" y="1371600"/>
-            <a:ext cx="8229600" cy="4911725"/>
-          </a:xfrm>
-          <a:prstGeom prst="rect">
-            <a:avLst/>
-          </a:prstGeom>
-          <a:noFill/>
-          <a:ln w="9525">
-            <a:noFill/>
-            <a:round/>
-            <a:headEnd/>
-            <a:tailEnd/>
-          </a:ln>
-        </p:spPr>
-        <p:txBody>
-          <a:bodyPr lIns="81639" tIns="42452" rIns="81639" bIns="42452"/>
-          <a:lstStyle/>
-          <a:p>
-            <a:pPr marL="288925" indent="-288925">
-              <a:spcBef>
-                <a:spcPts val="725"/>
-              </a:spcBef>
-              <a:buClr>
-                <a:srgbClr val="808080"/>
-              </a:buClr>
-              <a:buSzPct val="65000"/>
-              <a:buFont typeface="Wingdings" pitchFamily="2" charset="2"/>
-              <a:buChar char=""/>
-              <a:tabLst>
-                <a:tab pos="288925" algn="l"/>
-                <a:tab pos="703263" algn="l"/>
-                <a:tab pos="1117600" algn="l"/>
-                <a:tab pos="1533525" algn="l"/>
-                <a:tab pos="1947863" algn="l"/>
-                <a:tab pos="2362200" algn="l"/>
-                <a:tab pos="2776538" algn="l"/>
-                <a:tab pos="3192463" algn="l"/>
-                <a:tab pos="3606800" algn="l"/>
-                <a:tab pos="4021138" algn="l"/>
-                <a:tab pos="4435475" algn="l"/>
-                <a:tab pos="4851400" algn="l"/>
-                <a:tab pos="5265738" algn="l"/>
-                <a:tab pos="5680075" algn="l"/>
-                <a:tab pos="6094413" algn="l"/>
-                <a:tab pos="6508750" algn="l"/>
-                <a:tab pos="6924675" algn="l"/>
-                <a:tab pos="7339013" algn="l"/>
-                <a:tab pos="7753350" algn="l"/>
-                <a:tab pos="8167688" algn="l"/>
-                <a:tab pos="8583613" algn="l"/>
-              </a:tabLst>
-            </a:pPr>
-            <a:r>
-              <a:rPr lang="it-IT" sz="2900">
-                <a:solidFill>
-                  <a:srgbClr val="000000"/>
-                </a:solidFill>
-                <a:cs typeface="Arial" pitchFamily="34" charset="0"/>
-              </a:rPr>
-              <a:t>Attualmente le estensioni </a:t>
-            </a:r>
-            <a:r>
-              <a:rPr lang="it-IT" sz="2900" b="1">
-                <a:ea typeface="Arial Unicode MS"/>
-                <a:cs typeface="Arial Unicode MS"/>
-              </a:rPr>
-              <a:t>①, ② </a:t>
-            </a:r>
-            <a:r>
-              <a:rPr lang="it-IT" sz="2900">
-                <a:ea typeface="Arial Unicode MS"/>
-                <a:cs typeface="Arial Unicode MS"/>
-              </a:rPr>
-              <a:t>e </a:t>
-            </a:r>
-            <a:r>
-              <a:rPr lang="it-IT" sz="2900" b="1">
-                <a:ea typeface="Arial Unicode MS"/>
-                <a:cs typeface="Arial Unicode MS"/>
-              </a:rPr>
-              <a:t>③</a:t>
-            </a:r>
-            <a:r>
-              <a:rPr lang="it-IT" sz="2900">
-                <a:cs typeface="Arial" pitchFamily="34" charset="0"/>
-              </a:rPr>
-              <a:t> </a:t>
-            </a:r>
-            <a:r>
-              <a:rPr lang="it-IT" sz="2900">
-                <a:solidFill>
-                  <a:srgbClr val="000000"/>
-                </a:solidFill>
-                <a:cs typeface="Arial" pitchFamily="34" charset="0"/>
-              </a:rPr>
-              <a:t>non supportano il discovery dell’IdP tramite WAYF (possibile dopo uno sviluppo lato DS).</a:t>
-            </a:r>
-          </a:p>
-          <a:p>
-            <a:pPr marL="288925" indent="-288925">
-              <a:spcBef>
-                <a:spcPts val="725"/>
-              </a:spcBef>
-              <a:buClr>
-                <a:srgbClr val="808080"/>
-              </a:buClr>
-              <a:buSzPct val="65000"/>
-              <a:buFont typeface="Wingdings" pitchFamily="2" charset="2"/>
-              <a:buChar char=""/>
-              <a:tabLst>
-                <a:tab pos="288925" algn="l"/>
-                <a:tab pos="703263" algn="l"/>
-                <a:tab pos="1117600" algn="l"/>
-                <a:tab pos="1533525" algn="l"/>
-                <a:tab pos="1947863" algn="l"/>
-                <a:tab pos="2362200" algn="l"/>
-                <a:tab pos="2776538" algn="l"/>
-                <a:tab pos="3192463" algn="l"/>
-                <a:tab pos="3606800" algn="l"/>
-                <a:tab pos="4021138" algn="l"/>
-                <a:tab pos="4435475" algn="l"/>
-                <a:tab pos="4851400" algn="l"/>
-                <a:tab pos="5265738" algn="l"/>
-                <a:tab pos="5680075" algn="l"/>
-                <a:tab pos="6094413" algn="l"/>
-                <a:tab pos="6508750" algn="l"/>
-                <a:tab pos="6924675" algn="l"/>
-                <a:tab pos="7339013" algn="l"/>
-                <a:tab pos="7753350" algn="l"/>
-                <a:tab pos="8167688" algn="l"/>
-                <a:tab pos="8583613" algn="l"/>
-              </a:tabLst>
-            </a:pPr>
-            <a:endParaRPr lang="it-IT" sz="2900" b="1">
-              <a:solidFill>
-                <a:srgbClr val="000000"/>
-              </a:solidFill>
-              <a:cs typeface="Arial" pitchFamily="34" charset="0"/>
+              <a:t>③ </a:t>
+            </a:r>
+            <a:r>
+              <a:rPr lang="it-IT" sz="2400" dirty="0" smtClean="0">
+                <a:latin typeface="Calibri" pitchFamily="34" charset="0"/>
+              </a:rPr>
+              <a:t>sono </a:t>
+            </a:r>
+            <a:r>
+              <a:rPr lang="it-IT" sz="2400" dirty="0">
+                <a:latin typeface="Calibri" pitchFamily="34" charset="0"/>
+              </a:rPr>
+              <a:t>strettamente necessarie al progetto </a:t>
+            </a:r>
+            <a:r>
+              <a:rPr lang="it-IT" sz="2400" dirty="0" err="1">
+                <a:latin typeface="Calibri" pitchFamily="34" charset="0"/>
+              </a:rPr>
+              <a:t>GarrBox</a:t>
+            </a:r>
+            <a:r>
+              <a:rPr lang="it-IT" sz="2400" dirty="0">
+                <a:latin typeface="Calibri" pitchFamily="34" charset="0"/>
+              </a:rPr>
+              <a:t> per realizzare le funzionalità previste negli obiettivi progettuali</a:t>
+            </a:r>
+            <a:r>
+              <a:rPr lang="it-IT" sz="2400" dirty="0" smtClean="0">
+                <a:latin typeface="Calibri" pitchFamily="34" charset="0"/>
+              </a:rPr>
+              <a:t>.</a:t>
+            </a:r>
+            <a:endParaRPr lang="it-IT" sz="2400" dirty="0">
+              <a:latin typeface="Calibri" pitchFamily="34" charset="0"/>
             </a:endParaRPr>
           </a:p>
-          <a:p>
-            <a:pPr marL="288925" indent="-288925">
-              <a:spcBef>
-                <a:spcPts val="725"/>
-              </a:spcBef>
-              <a:buClr>
-                <a:srgbClr val="808080"/>
-              </a:buClr>
-              <a:buSzPct val="65000"/>
-              <a:buFont typeface="Wingdings" pitchFamily="2" charset="2"/>
-              <a:buChar char=""/>
-              <a:tabLst>
-                <a:tab pos="288925" algn="l"/>
-                <a:tab pos="703263" algn="l"/>
-                <a:tab pos="1117600" algn="l"/>
-                <a:tab pos="1533525" algn="l"/>
-                <a:tab pos="1947863" algn="l"/>
-                <a:tab pos="2362200" algn="l"/>
-                <a:tab pos="2776538" algn="l"/>
-                <a:tab pos="3192463" algn="l"/>
-                <a:tab pos="3606800" algn="l"/>
-                <a:tab pos="4021138" algn="l"/>
-                <a:tab pos="4435475" algn="l"/>
-                <a:tab pos="4851400" algn="l"/>
-                <a:tab pos="5265738" algn="l"/>
-                <a:tab pos="5680075" algn="l"/>
-                <a:tab pos="6094413" algn="l"/>
-                <a:tab pos="6508750" algn="l"/>
-                <a:tab pos="6924675" algn="l"/>
-                <a:tab pos="7339013" algn="l"/>
-                <a:tab pos="7753350" algn="l"/>
-                <a:tab pos="8167688" algn="l"/>
-                <a:tab pos="8583613" algn="l"/>
-              </a:tabLst>
-            </a:pPr>
-            <a:r>
-              <a:rPr lang="it-IT" sz="2900">
-                <a:solidFill>
-                  <a:srgbClr val="000000"/>
-                </a:solidFill>
-                <a:cs typeface="Arial" pitchFamily="34" charset="0"/>
-              </a:rPr>
-              <a:t>Le estensioni </a:t>
-            </a:r>
-            <a:r>
-              <a:rPr lang="it-IT" sz="2900" b="1">
-                <a:ea typeface="Arial Unicode MS"/>
-                <a:cs typeface="Arial Unicode MS"/>
-              </a:rPr>
-              <a:t>①, ② </a:t>
-            </a:r>
-            <a:r>
-              <a:rPr lang="it-IT" sz="2900">
-                <a:ea typeface="Arial Unicode MS"/>
-                <a:cs typeface="Arial Unicode MS"/>
-              </a:rPr>
-              <a:t>e </a:t>
-            </a:r>
-            <a:r>
-              <a:rPr lang="it-IT" sz="2900" b="1">
-                <a:ea typeface="Arial Unicode MS"/>
-                <a:cs typeface="Arial Unicode MS"/>
-              </a:rPr>
-              <a:t>③</a:t>
-            </a:r>
-            <a:r>
-              <a:rPr lang="it-IT" sz="2900">
-                <a:cs typeface="Arial" pitchFamily="34" charset="0"/>
-              </a:rPr>
-              <a:t> </a:t>
-            </a:r>
-            <a:r>
-              <a:rPr lang="it-IT" sz="2900">
-                <a:solidFill>
-                  <a:srgbClr val="000000"/>
-                </a:solidFill>
-                <a:cs typeface="Arial" pitchFamily="34" charset="0"/>
-              </a:rPr>
-              <a:t>necessitano di un deploy (comunque abbastanza semplice) sugli IdP della federazione.</a:t>
-            </a:r>
-            <a:endParaRPr lang="en-US" sz="2500">
-              <a:solidFill>
-                <a:srgbClr val="000000"/>
-              </a:solidFill>
-              <a:cs typeface="Arial" pitchFamily="34" charset="0"/>
-            </a:endParaRPr>
-          </a:p>
         </p:txBody>
       </p:sp>
     </p:spTree>
+    <p:extLst>
+      <p:ext uri="{BB962C8B-B14F-4D97-AF65-F5344CB8AC3E}">
+        <p14:creationId xmlns:p14="http://schemas.microsoft.com/office/powerpoint/2010/main" val="1968801763"/>
+      </p:ext>
+    </p:extLst>
   </p:cSld>
   <p:clrMapOvr>
     <a:masterClrMapping/>
   </p:clrMapOvr>
-  <p:transition spd="med"/>
+  <p:transition>
+    <p:fade/>
+  </p:transition>
   <p:timing>
     <p:tnLst>
       <p:par>
-        <p:cTn id="1" dur="indefinite" restart="never" nodeType="tmRoot">
-          <p:childTnLst>
-            <p:seq concurrent="1" nextAc="seek">
-              <p:cTn id="2" dur="indefinite" nodeType="mainSeq"/>
-              <p:prevCondLst>
-                <p:cond evt="onPrev" delay="0">
-                  <p:tgtEl>
-                    <p:sldTgt/>
-                  </p:tgtEl>
-                </p:cond>
-              </p:prevCondLst>
-              <p:nextCondLst>
-                <p:cond evt="onNext" delay="0">
-                  <p:tgtEl>
-                    <p:sldTgt/>
-                  </p:tgtEl>
-                </p:cond>
-              </p:nextCondLst>
-            </p:seq>
-          </p:childTnLst>
-        </p:cTn>
+        <p:cTn id="1" dur="indefinite" restart="never" nodeType="tmRoot"/>
       </p:par>
     </p:tnLst>
   </p:timing>
@@ -8584,734 +6685,203 @@
       </p:grpSpPr>
       <p:sp>
         <p:nvSpPr>
-          <p:cNvPr id="16386" name="Text Box 1"/>
-          <p:cNvSpPr txBox="1">
-            <a:spLocks noChangeArrowheads="1"/>
-          </p:cNvSpPr>
-          <p:nvPr/>
-        </p:nvSpPr>
-        <p:spPr bwMode="auto">
+          <p:cNvPr id="7170" name="Rectangle 2"/>
+          <p:cNvSpPr>
+            <a:spLocks noGrp="1" noChangeArrowheads="1"/>
+          </p:cNvSpPr>
+          <p:nvPr>
+            <p:ph type="title"/>
+          </p:nvPr>
+        </p:nvSpPr>
+        <p:spPr>
           <a:xfrm>
-            <a:off x="457200" y="277813"/>
-            <a:ext cx="8229600" cy="1141412"/>
+            <a:off x="330200" y="763588"/>
+            <a:ext cx="8167688" cy="455612"/>
           </a:xfrm>
-          <a:prstGeom prst="rect">
-            <a:avLst/>
-          </a:prstGeom>
-          <a:noFill/>
-          <a:ln w="9525">
-            <a:noFill/>
-            <a:round/>
-            <a:headEnd/>
-            <a:tailEnd/>
-          </a:ln>
-        </p:spPr>
-        <p:txBody>
-          <a:bodyPr lIns="82945" tIns="41473" rIns="82945" bIns="41473"/>
+        </p:spPr>
+        <p:txBody>
+          <a:bodyPr/>
           <a:lstStyle/>
           <a:p>
-            <a:pPr algn="ctr">
-              <a:tabLst>
-                <a:tab pos="0" algn="l"/>
-                <a:tab pos="414338" algn="l"/>
-                <a:tab pos="828675" algn="l"/>
-                <a:tab pos="1243013" algn="l"/>
-                <a:tab pos="1657350" algn="l"/>
-                <a:tab pos="2073275" algn="l"/>
-                <a:tab pos="2487613" algn="l"/>
-                <a:tab pos="2901950" algn="l"/>
-                <a:tab pos="3316288" algn="l"/>
-                <a:tab pos="3732213" algn="l"/>
-                <a:tab pos="4146550" algn="l"/>
-                <a:tab pos="4560888" algn="l"/>
-                <a:tab pos="4975225" algn="l"/>
-                <a:tab pos="5391150" algn="l"/>
-                <a:tab pos="5805488" algn="l"/>
-                <a:tab pos="6219825" algn="l"/>
-                <a:tab pos="6634163" algn="l"/>
-                <a:tab pos="7050088" algn="l"/>
-                <a:tab pos="7464425" algn="l"/>
-                <a:tab pos="7878763" algn="l"/>
-                <a:tab pos="8293100" algn="l"/>
-              </a:tabLst>
-            </a:pPr>
-            <a:r>
-              <a:rPr lang="it-IT" sz="4000">
-                <a:solidFill>
-                  <a:srgbClr val="000080"/>
-                </a:solidFill>
+            <a:pPr eaLnBrk="1" hangingPunct="1"/>
+            <a:r>
+              <a:rPr lang="en-GB" sz="2800" b="0" dirty="0" err="1" smtClean="0">
+                <a:latin typeface="Arial Unicode MS"/>
                 <a:ea typeface="Arial Unicode MS"/>
                 <a:cs typeface="Arial Unicode MS"/>
               </a:rPr>
-              <a:t>Conclusioni</a:t>
-            </a:r>
-            <a:endParaRPr lang="en-US" sz="4000">
-              <a:solidFill>
-                <a:srgbClr val="000080"/>
-              </a:solidFill>
-              <a:ea typeface="Arial Unicode MS"/>
-              <a:cs typeface="Arial Unicode MS"/>
+              <a:t>Condivisione</a:t>
+            </a:r>
+            <a:endParaRPr lang="en-GB" sz="2800" b="0" dirty="0" smtClean="0">
+              <a:latin typeface="Calibri" pitchFamily="34" charset="0"/>
             </a:endParaRPr>
           </a:p>
         </p:txBody>
       </p:sp>
       <p:sp>
         <p:nvSpPr>
-          <p:cNvPr id="16387" name="Rectangle 2"/>
-          <p:cNvSpPr>
-            <a:spLocks noChangeArrowheads="1"/>
-          </p:cNvSpPr>
-          <p:nvPr/>
-        </p:nvSpPr>
-        <p:spPr bwMode="auto">
+          <p:cNvPr id="5" name="Rectangle 3"/>
+          <p:cNvSpPr>
+            <a:spLocks noGrp="1" noChangeArrowheads="1"/>
+          </p:cNvSpPr>
+          <p:nvPr>
+            <p:ph type="body" sz="half" idx="1"/>
+          </p:nvPr>
+        </p:nvSpPr>
+        <p:spPr>
           <a:xfrm>
-            <a:off x="609600" y="1371600"/>
-            <a:ext cx="8229600" cy="4911725"/>
+            <a:off x="517525" y="1319213"/>
+            <a:ext cx="8296275" cy="4294187"/>
           </a:xfrm>
-          <a:prstGeom prst="rect">
-            <a:avLst/>
-          </a:prstGeom>
-          <a:noFill/>
-          <a:ln w="9525">
-            <a:noFill/>
-            <a:round/>
-            <a:headEnd/>
-            <a:tailEnd/>
-          </a:ln>
-        </p:spPr>
-        <p:txBody>
-          <a:bodyPr lIns="81639" tIns="42452" rIns="81639" bIns="42452"/>
+        </p:spPr>
+        <p:txBody>
+          <a:bodyPr/>
           <a:lstStyle/>
           <a:p>
-            <a:pPr marL="288925" indent="-288925">
+            <a:pPr lvl="1" eaLnBrk="1" hangingPunct="1">
               <a:spcBef>
-                <a:spcPts val="725"/>
+                <a:spcPct val="0"/>
               </a:spcBef>
-              <a:buClr>
-                <a:srgbClr val="808080"/>
-              </a:buClr>
-              <a:buSzPct val="65000"/>
-              <a:buFont typeface="Wingdings" pitchFamily="2" charset="2"/>
-              <a:buChar char=""/>
-              <a:tabLst>
-                <a:tab pos="288925" algn="l"/>
-                <a:tab pos="703263" algn="l"/>
-                <a:tab pos="1117600" algn="l"/>
-                <a:tab pos="1533525" algn="l"/>
-                <a:tab pos="1947863" algn="l"/>
-                <a:tab pos="2362200" algn="l"/>
-                <a:tab pos="2776538" algn="l"/>
-                <a:tab pos="3192463" algn="l"/>
-                <a:tab pos="3606800" algn="l"/>
-                <a:tab pos="4021138" algn="l"/>
-                <a:tab pos="4435475" algn="l"/>
-                <a:tab pos="4851400" algn="l"/>
-                <a:tab pos="5265738" algn="l"/>
-                <a:tab pos="5680075" algn="l"/>
-                <a:tab pos="6094413" algn="l"/>
-                <a:tab pos="6508750" algn="l"/>
-                <a:tab pos="6924675" algn="l"/>
-                <a:tab pos="7339013" algn="l"/>
-                <a:tab pos="7753350" algn="l"/>
-                <a:tab pos="8167688" algn="l"/>
-                <a:tab pos="8583613" algn="l"/>
-              </a:tabLst>
+              <a:spcAft>
+                <a:spcPct val="20000"/>
+              </a:spcAft>
+              <a:buSzPct val="60000"/>
+              <a:defRPr/>
             </a:pPr>
             <a:r>
-              <a:rPr lang="it-IT" sz="2900">
-                <a:solidFill>
-                  <a:srgbClr val="000000"/>
-                </a:solidFill>
-                <a:cs typeface="Arial" pitchFamily="34" charset="0"/>
-              </a:rPr>
-              <a:t>L’estenzione </a:t>
-            </a:r>
-            <a:r>
-              <a:rPr lang="it-IT" sz="2900" b="1">
-                <a:ea typeface="Arial Unicode MS"/>
-                <a:cs typeface="Arial Unicode MS"/>
-              </a:rPr>
-              <a:t>①</a:t>
-            </a:r>
-            <a:r>
-              <a:rPr lang="it-IT" sz="2900">
-                <a:ea typeface="Arial Unicode MS"/>
-                <a:cs typeface="Arial Unicode MS"/>
-              </a:rPr>
-              <a:t>,</a:t>
-            </a:r>
-            <a:r>
-              <a:rPr lang="it-IT" sz="2900" b="1">
-                <a:ea typeface="Arial Unicode MS"/>
-                <a:cs typeface="Arial Unicode MS"/>
-              </a:rPr>
-              <a:t> </a:t>
-            </a:r>
-            <a:r>
-              <a:rPr lang="it-IT" sz="2900">
-                <a:cs typeface="Arial" pitchFamily="34" charset="0"/>
-              </a:rPr>
-              <a:t>attraverso lo sviluppo di API di autenticazione per applicazioni Java e Python, ha una potenziale ricaduta sull’intera comunità Shibboleth (e non solo su IDEM</a:t>
-            </a:r>
-            <a:r>
-              <a:rPr lang="it-IT" sz="2900">
-                <a:solidFill>
-                  <a:srgbClr val="000000"/>
-                </a:solidFill>
-                <a:cs typeface="Arial" pitchFamily="34" charset="0"/>
-              </a:rPr>
-              <a:t>).</a:t>
-            </a:r>
-          </a:p>
-          <a:p>
-            <a:pPr marL="288925" indent="-288925">
+              <a:rPr lang="it-IT" sz="2400" dirty="0">
+                <a:latin typeface="Calibri" pitchFamily="34" charset="0"/>
+              </a:rPr>
+              <a:t>Pareri, opinioni, consigli?</a:t>
+            </a:r>
+          </a:p>
+          <a:p>
+            <a:pPr lvl="1" eaLnBrk="1" hangingPunct="1">
               <a:spcBef>
-                <a:spcPts val="725"/>
+                <a:spcPct val="0"/>
               </a:spcBef>
-              <a:buClr>
-                <a:srgbClr val="808080"/>
-              </a:buClr>
-              <a:buSzPct val="65000"/>
-              <a:buFont typeface="Wingdings" pitchFamily="2" charset="2"/>
-              <a:buChar char=""/>
-              <a:tabLst>
-                <a:tab pos="288925" algn="l"/>
-                <a:tab pos="703263" algn="l"/>
-                <a:tab pos="1117600" algn="l"/>
-                <a:tab pos="1533525" algn="l"/>
-                <a:tab pos="1947863" algn="l"/>
-                <a:tab pos="2362200" algn="l"/>
-                <a:tab pos="2776538" algn="l"/>
-                <a:tab pos="3192463" algn="l"/>
-                <a:tab pos="3606800" algn="l"/>
-                <a:tab pos="4021138" algn="l"/>
-                <a:tab pos="4435475" algn="l"/>
-                <a:tab pos="4851400" algn="l"/>
-                <a:tab pos="5265738" algn="l"/>
-                <a:tab pos="5680075" algn="l"/>
-                <a:tab pos="6094413" algn="l"/>
-                <a:tab pos="6508750" algn="l"/>
-                <a:tab pos="6924675" algn="l"/>
-                <a:tab pos="7339013" algn="l"/>
-                <a:tab pos="7753350" algn="l"/>
-                <a:tab pos="8167688" algn="l"/>
-                <a:tab pos="8583613" algn="l"/>
-              </a:tabLst>
+              <a:spcAft>
+                <a:spcPct val="20000"/>
+              </a:spcAft>
+              <a:buSzPct val="60000"/>
+              <a:defRPr/>
             </a:pPr>
-            <a:endParaRPr lang="it-IT" sz="2900" b="1">
-              <a:solidFill>
-                <a:srgbClr val="000000"/>
-              </a:solidFill>
-              <a:cs typeface="Arial" pitchFamily="34" charset="0"/>
+            <a:endParaRPr lang="it-IT" sz="2400" dirty="0">
+              <a:latin typeface="Calibri" pitchFamily="34" charset="0"/>
             </a:endParaRPr>
           </a:p>
           <a:p>
-            <a:pPr marL="288925" indent="-288925">
+            <a:pPr lvl="1" eaLnBrk="1" hangingPunct="1">
               <a:spcBef>
-                <a:spcPts val="725"/>
+                <a:spcPct val="0"/>
               </a:spcBef>
-              <a:buClr>
-                <a:srgbClr val="808080"/>
-              </a:buClr>
-              <a:buSzPct val="65000"/>
-              <a:buFont typeface="Wingdings" pitchFamily="2" charset="2"/>
-              <a:buChar char=""/>
-              <a:tabLst>
-                <a:tab pos="288925" algn="l"/>
-                <a:tab pos="703263" algn="l"/>
-                <a:tab pos="1117600" algn="l"/>
-                <a:tab pos="1533525" algn="l"/>
-                <a:tab pos="1947863" algn="l"/>
-                <a:tab pos="2362200" algn="l"/>
-                <a:tab pos="2776538" algn="l"/>
-                <a:tab pos="3192463" algn="l"/>
-                <a:tab pos="3606800" algn="l"/>
-                <a:tab pos="4021138" algn="l"/>
-                <a:tab pos="4435475" algn="l"/>
-                <a:tab pos="4851400" algn="l"/>
-                <a:tab pos="5265738" algn="l"/>
-                <a:tab pos="5680075" algn="l"/>
-                <a:tab pos="6094413" algn="l"/>
-                <a:tab pos="6508750" algn="l"/>
-                <a:tab pos="6924675" algn="l"/>
-                <a:tab pos="7339013" algn="l"/>
-                <a:tab pos="7753350" algn="l"/>
-                <a:tab pos="8167688" algn="l"/>
-                <a:tab pos="8583613" algn="l"/>
-              </a:tabLst>
+              <a:spcAft>
+                <a:spcPct val="20000"/>
+              </a:spcAft>
+              <a:buSzPct val="60000"/>
+              <a:defRPr/>
             </a:pPr>
             <a:r>
-              <a:rPr lang="it-IT" sz="2900">
-                <a:solidFill>
-                  <a:srgbClr val="000000"/>
-                </a:solidFill>
-                <a:cs typeface="Arial" pitchFamily="34" charset="0"/>
-              </a:rPr>
-              <a:t>Le estensioni </a:t>
-            </a:r>
-            <a:r>
-              <a:rPr lang="it-IT" sz="2900" b="1">
-                <a:ea typeface="Arial Unicode MS"/>
-                <a:cs typeface="Arial Unicode MS"/>
-              </a:rPr>
-              <a:t>② </a:t>
-            </a:r>
-            <a:r>
-              <a:rPr lang="it-IT" sz="2900">
-                <a:ea typeface="Arial Unicode MS"/>
-                <a:cs typeface="Arial Unicode MS"/>
-              </a:rPr>
-              <a:t>e </a:t>
-            </a:r>
-            <a:r>
-              <a:rPr lang="it-IT" sz="2900" b="1">
-                <a:ea typeface="Arial Unicode MS"/>
-                <a:cs typeface="Arial Unicode MS"/>
-              </a:rPr>
-              <a:t>③</a:t>
-            </a:r>
-            <a:r>
-              <a:rPr lang="it-IT" sz="2900">
-                <a:cs typeface="Arial" pitchFamily="34" charset="0"/>
-              </a:rPr>
-              <a:t> sono strettamente necessarie al progetto GarrBox per realizzare le funzionalità previste negli obiettivi progettuali</a:t>
-            </a:r>
-            <a:r>
-              <a:rPr lang="it-IT" sz="2900">
-                <a:solidFill>
-                  <a:srgbClr val="000000"/>
-                </a:solidFill>
-                <a:cs typeface="Arial" pitchFamily="34" charset="0"/>
+              <a:rPr lang="it-IT" sz="2400" dirty="0">
+                <a:latin typeface="Calibri" pitchFamily="34" charset="0"/>
+              </a:rPr>
+              <a:t>I prossimi passi potrebbero essere:</a:t>
+            </a:r>
+          </a:p>
+          <a:p>
+            <a:pPr marL="806450" lvl="1" eaLnBrk="1" hangingPunct="1">
+              <a:spcBef>
+                <a:spcPct val="0"/>
+              </a:spcBef>
+              <a:spcAft>
+                <a:spcPct val="20000"/>
+              </a:spcAft>
+              <a:buSzPct val="60000"/>
+              <a:defRPr/>
+            </a:pPr>
+            <a:r>
+              <a:rPr lang="it-IT" sz="2000" dirty="0">
+                <a:latin typeface="Calibri" pitchFamily="34" charset="0"/>
+              </a:rPr>
+              <a:t>Installazione delle estensioni </a:t>
+            </a:r>
+            <a:r>
+              <a:rPr lang="it-IT" sz="2000" dirty="0" err="1">
+                <a:latin typeface="Calibri" pitchFamily="34" charset="0"/>
+              </a:rPr>
+              <a:t>sull’IdP</a:t>
+            </a:r>
+            <a:r>
+              <a:rPr lang="it-IT" sz="2000" dirty="0">
+                <a:latin typeface="Calibri" pitchFamily="34" charset="0"/>
+              </a:rPr>
+              <a:t> di direzione GARR e integrazione nel pilota </a:t>
+            </a:r>
+            <a:r>
+              <a:rPr lang="it-IT" sz="2000" dirty="0" err="1">
+                <a:latin typeface="Calibri" pitchFamily="34" charset="0"/>
+              </a:rPr>
+              <a:t>Garrbox</a:t>
+            </a:r>
+            <a:r>
+              <a:rPr lang="it-IT" sz="2000" dirty="0">
+                <a:latin typeface="Calibri" pitchFamily="34" charset="0"/>
               </a:rPr>
               <a:t>.</a:t>
             </a:r>
-            <a:endParaRPr lang="en-US" sz="2500">
-              <a:solidFill>
-                <a:srgbClr val="000000"/>
-              </a:solidFill>
-              <a:cs typeface="Arial" pitchFamily="34" charset="0"/>
+          </a:p>
+          <a:p>
+            <a:pPr marL="806450" lvl="1" eaLnBrk="1" hangingPunct="1">
+              <a:spcBef>
+                <a:spcPct val="0"/>
+              </a:spcBef>
+              <a:spcAft>
+                <a:spcPct val="20000"/>
+              </a:spcAft>
+              <a:buSzPct val="60000"/>
+              <a:defRPr/>
+            </a:pPr>
+            <a:r>
+              <a:rPr lang="it-IT" sz="2000" dirty="0">
+                <a:latin typeface="Calibri" pitchFamily="34" charset="0"/>
+              </a:rPr>
+              <a:t>Condivisione delle estensioni proposte con gli altri soggetti della comunità per raccogliere indicazioni, pareri…</a:t>
+            </a:r>
+          </a:p>
+          <a:p>
+            <a:pPr lvl="1" eaLnBrk="1" hangingPunct="1">
+              <a:spcBef>
+                <a:spcPct val="0"/>
+              </a:spcBef>
+              <a:spcAft>
+                <a:spcPct val="20000"/>
+              </a:spcAft>
+              <a:buSzPct val="60000"/>
+              <a:defRPr/>
+            </a:pPr>
+            <a:endParaRPr lang="it-IT" sz="2400" dirty="0">
+              <a:latin typeface="Calibri" pitchFamily="34" charset="0"/>
             </a:endParaRPr>
           </a:p>
         </p:txBody>
       </p:sp>
     </p:spTree>
+    <p:extLst>
+      <p:ext uri="{BB962C8B-B14F-4D97-AF65-F5344CB8AC3E}">
+        <p14:creationId xmlns:p14="http://schemas.microsoft.com/office/powerpoint/2010/main" val="3858408556"/>
+      </p:ext>
+    </p:extLst>
   </p:cSld>
   <p:clrMapOvr>
     <a:masterClrMapping/>
   </p:clrMapOvr>
-  <p:transition spd="med"/>
+  <p:transition>
+    <p:fade/>
+  </p:transition>
   <p:timing>
     <p:tnLst>
       <p:par>
-        <p:cTn id="1" dur="indefinite" restart="never" nodeType="tmRoot">
-          <p:childTnLst>
-            <p:seq concurrent="1" nextAc="seek">
-              <p:cTn id="2" dur="indefinite" nodeType="mainSeq"/>
-              <p:prevCondLst>
-                <p:cond evt="onPrev" delay="0">
-                  <p:tgtEl>
-                    <p:sldTgt/>
-                  </p:tgtEl>
-                </p:cond>
-              </p:prevCondLst>
-              <p:nextCondLst>
-                <p:cond evt="onNext" delay="0">
-                  <p:tgtEl>
-                    <p:sldTgt/>
-                  </p:tgtEl>
-                </p:cond>
-              </p:nextCondLst>
-            </p:seq>
-          </p:childTnLst>
-        </p:cTn>
-      </p:par>
-    </p:tnLst>
-  </p:timing>
-</p:sld>
-</file>
-
-<file path=ppt/slides/slide15.xml><?xml version="1.0" encoding="utf-8"?>
-<p:sld xmlns:a="http://schemas.openxmlformats.org/drawingml/2006/main" xmlns:r="http://schemas.openxmlformats.org/officeDocument/2006/relationships" xmlns:p="http://schemas.openxmlformats.org/presentationml/2006/main">
-  <p:cSld>
-    <p:spTree>
-      <p:nvGrpSpPr>
-        <p:cNvPr id="1" name=""/>
-        <p:cNvGrpSpPr/>
-        <p:nvPr/>
-      </p:nvGrpSpPr>
-      <p:grpSpPr>
-        <a:xfrm>
-          <a:off x="0" y="0"/>
-          <a:ext cx="0" cy="0"/>
-          <a:chOff x="0" y="0"/>
-          <a:chExt cx="0" cy="0"/>
-        </a:xfrm>
-      </p:grpSpPr>
-      <p:sp>
-        <p:nvSpPr>
-          <p:cNvPr id="17410" name="Text Box 1"/>
-          <p:cNvSpPr txBox="1">
-            <a:spLocks noChangeArrowheads="1"/>
-          </p:cNvSpPr>
-          <p:nvPr/>
-        </p:nvSpPr>
-        <p:spPr bwMode="auto">
-          <a:xfrm>
-            <a:off x="457200" y="277813"/>
-            <a:ext cx="8229600" cy="1141412"/>
-          </a:xfrm>
-          <a:prstGeom prst="rect">
-            <a:avLst/>
-          </a:prstGeom>
-          <a:noFill/>
-          <a:ln w="9525">
-            <a:noFill/>
-            <a:round/>
-            <a:headEnd/>
-            <a:tailEnd/>
-          </a:ln>
-        </p:spPr>
-        <p:txBody>
-          <a:bodyPr lIns="82945" tIns="41473" rIns="82945" bIns="41473"/>
-          <a:lstStyle/>
-          <a:p>
-            <a:pPr algn="ctr">
-              <a:tabLst>
-                <a:tab pos="0" algn="l"/>
-                <a:tab pos="414338" algn="l"/>
-                <a:tab pos="828675" algn="l"/>
-                <a:tab pos="1243013" algn="l"/>
-                <a:tab pos="1657350" algn="l"/>
-                <a:tab pos="2073275" algn="l"/>
-                <a:tab pos="2487613" algn="l"/>
-                <a:tab pos="2901950" algn="l"/>
-                <a:tab pos="3316288" algn="l"/>
-                <a:tab pos="3732213" algn="l"/>
-                <a:tab pos="4146550" algn="l"/>
-                <a:tab pos="4560888" algn="l"/>
-                <a:tab pos="4975225" algn="l"/>
-                <a:tab pos="5391150" algn="l"/>
-                <a:tab pos="5805488" algn="l"/>
-                <a:tab pos="6219825" algn="l"/>
-                <a:tab pos="6634163" algn="l"/>
-                <a:tab pos="7050088" algn="l"/>
-                <a:tab pos="7464425" algn="l"/>
-                <a:tab pos="7878763" algn="l"/>
-                <a:tab pos="8293100" algn="l"/>
-              </a:tabLst>
-            </a:pPr>
-            <a:r>
-              <a:rPr lang="it-IT" sz="4000">
-                <a:solidFill>
-                  <a:srgbClr val="000080"/>
-                </a:solidFill>
-                <a:ea typeface="Arial Unicode MS"/>
-                <a:cs typeface="Arial Unicode MS"/>
-              </a:rPr>
-              <a:t>Condivisione</a:t>
-            </a:r>
-          </a:p>
-        </p:txBody>
-      </p:sp>
-      <p:sp>
-        <p:nvSpPr>
-          <p:cNvPr id="17411" name="Rectangle 2"/>
-          <p:cNvSpPr>
-            <a:spLocks noChangeArrowheads="1"/>
-          </p:cNvSpPr>
-          <p:nvPr/>
-        </p:nvSpPr>
-        <p:spPr bwMode="auto">
-          <a:xfrm>
-            <a:off x="609600" y="1371600"/>
-            <a:ext cx="8229600" cy="4911725"/>
-          </a:xfrm>
-          <a:prstGeom prst="rect">
-            <a:avLst/>
-          </a:prstGeom>
-          <a:noFill/>
-          <a:ln w="9525">
-            <a:noFill/>
-            <a:round/>
-            <a:headEnd/>
-            <a:tailEnd/>
-          </a:ln>
-        </p:spPr>
-        <p:txBody>
-          <a:bodyPr lIns="81639" tIns="42452" rIns="81639" bIns="42452"/>
-          <a:lstStyle/>
-          <a:p>
-            <a:pPr marL="288925" indent="-288925">
-              <a:spcBef>
-                <a:spcPts val="725"/>
-              </a:spcBef>
-              <a:buClr>
-                <a:srgbClr val="808080"/>
-              </a:buClr>
-              <a:buSzPct val="65000"/>
-              <a:buFont typeface="Wingdings" pitchFamily="2" charset="2"/>
-              <a:buChar char=""/>
-              <a:tabLst>
-                <a:tab pos="288925" algn="l"/>
-                <a:tab pos="703263" algn="l"/>
-                <a:tab pos="1117600" algn="l"/>
-                <a:tab pos="1533525" algn="l"/>
-                <a:tab pos="1947863" algn="l"/>
-                <a:tab pos="2362200" algn="l"/>
-                <a:tab pos="2776538" algn="l"/>
-                <a:tab pos="3192463" algn="l"/>
-                <a:tab pos="3606800" algn="l"/>
-                <a:tab pos="4021138" algn="l"/>
-                <a:tab pos="4435475" algn="l"/>
-                <a:tab pos="4851400" algn="l"/>
-                <a:tab pos="5265738" algn="l"/>
-                <a:tab pos="5680075" algn="l"/>
-                <a:tab pos="6094413" algn="l"/>
-                <a:tab pos="6508750" algn="l"/>
-                <a:tab pos="6924675" algn="l"/>
-                <a:tab pos="7339013" algn="l"/>
-                <a:tab pos="7753350" algn="l"/>
-                <a:tab pos="8167688" algn="l"/>
-                <a:tab pos="8583613" algn="l"/>
-              </a:tabLst>
-            </a:pPr>
-            <a:r>
-              <a:rPr lang="it-IT" sz="2900">
-                <a:solidFill>
-                  <a:srgbClr val="000000"/>
-                </a:solidFill>
-                <a:cs typeface="Arial" pitchFamily="34" charset="0"/>
-              </a:rPr>
-              <a:t>Pareri, opinioni, consigli?</a:t>
-            </a:r>
-          </a:p>
-          <a:p>
-            <a:pPr marL="288925" indent="-288925">
-              <a:spcBef>
-                <a:spcPts val="725"/>
-              </a:spcBef>
-              <a:buClr>
-                <a:srgbClr val="808080"/>
-              </a:buClr>
-              <a:buSzPct val="65000"/>
-              <a:buFont typeface="Wingdings" pitchFamily="2" charset="2"/>
-              <a:buChar char=""/>
-              <a:tabLst>
-                <a:tab pos="288925" algn="l"/>
-                <a:tab pos="703263" algn="l"/>
-                <a:tab pos="1117600" algn="l"/>
-                <a:tab pos="1533525" algn="l"/>
-                <a:tab pos="1947863" algn="l"/>
-                <a:tab pos="2362200" algn="l"/>
-                <a:tab pos="2776538" algn="l"/>
-                <a:tab pos="3192463" algn="l"/>
-                <a:tab pos="3606800" algn="l"/>
-                <a:tab pos="4021138" algn="l"/>
-                <a:tab pos="4435475" algn="l"/>
-                <a:tab pos="4851400" algn="l"/>
-                <a:tab pos="5265738" algn="l"/>
-                <a:tab pos="5680075" algn="l"/>
-                <a:tab pos="6094413" algn="l"/>
-                <a:tab pos="6508750" algn="l"/>
-                <a:tab pos="6924675" algn="l"/>
-                <a:tab pos="7339013" algn="l"/>
-                <a:tab pos="7753350" algn="l"/>
-                <a:tab pos="8167688" algn="l"/>
-                <a:tab pos="8583613" algn="l"/>
-              </a:tabLst>
-            </a:pPr>
-            <a:endParaRPr lang="it-IT" sz="2900" b="1">
-              <a:solidFill>
-                <a:srgbClr val="000000"/>
-              </a:solidFill>
-              <a:cs typeface="Arial" pitchFamily="34" charset="0"/>
-            </a:endParaRPr>
-          </a:p>
-          <a:p>
-            <a:pPr marL="288925" indent="-288925">
-              <a:spcBef>
-                <a:spcPts val="725"/>
-              </a:spcBef>
-              <a:buClr>
-                <a:srgbClr val="808080"/>
-              </a:buClr>
-              <a:buSzPct val="65000"/>
-              <a:buFont typeface="Wingdings" pitchFamily="2" charset="2"/>
-              <a:buChar char=""/>
-              <a:tabLst>
-                <a:tab pos="288925" algn="l"/>
-                <a:tab pos="703263" algn="l"/>
-                <a:tab pos="1117600" algn="l"/>
-                <a:tab pos="1533525" algn="l"/>
-                <a:tab pos="1947863" algn="l"/>
-                <a:tab pos="2362200" algn="l"/>
-                <a:tab pos="2776538" algn="l"/>
-                <a:tab pos="3192463" algn="l"/>
-                <a:tab pos="3606800" algn="l"/>
-                <a:tab pos="4021138" algn="l"/>
-                <a:tab pos="4435475" algn="l"/>
-                <a:tab pos="4851400" algn="l"/>
-                <a:tab pos="5265738" algn="l"/>
-                <a:tab pos="5680075" algn="l"/>
-                <a:tab pos="6094413" algn="l"/>
-                <a:tab pos="6508750" algn="l"/>
-                <a:tab pos="6924675" algn="l"/>
-                <a:tab pos="7339013" algn="l"/>
-                <a:tab pos="7753350" algn="l"/>
-                <a:tab pos="8167688" algn="l"/>
-                <a:tab pos="8583613" algn="l"/>
-              </a:tabLst>
-            </a:pPr>
-            <a:r>
-              <a:rPr lang="it-IT" sz="2900">
-                <a:solidFill>
-                  <a:srgbClr val="000000"/>
-                </a:solidFill>
-                <a:cs typeface="Arial" pitchFamily="34" charset="0"/>
-              </a:rPr>
-              <a:t>I prossimi passi potrebbero essere:</a:t>
-            </a:r>
-          </a:p>
-          <a:p>
-            <a:pPr marL="962025" lvl="1" indent="-288925">
-              <a:spcBef>
-                <a:spcPts val="725"/>
-              </a:spcBef>
-              <a:buClr>
-                <a:srgbClr val="808080"/>
-              </a:buClr>
-              <a:buSzPct val="65000"/>
-              <a:buFont typeface="Wingdings" pitchFamily="2" charset="2"/>
-              <a:buChar char=""/>
-              <a:tabLst>
-                <a:tab pos="288925" algn="l"/>
-                <a:tab pos="703263" algn="l"/>
-                <a:tab pos="1117600" algn="l"/>
-                <a:tab pos="1533525" algn="l"/>
-                <a:tab pos="1947863" algn="l"/>
-                <a:tab pos="2362200" algn="l"/>
-                <a:tab pos="2776538" algn="l"/>
-                <a:tab pos="3192463" algn="l"/>
-                <a:tab pos="3606800" algn="l"/>
-                <a:tab pos="4021138" algn="l"/>
-                <a:tab pos="4435475" algn="l"/>
-                <a:tab pos="4851400" algn="l"/>
-                <a:tab pos="5265738" algn="l"/>
-                <a:tab pos="5680075" algn="l"/>
-                <a:tab pos="6094413" algn="l"/>
-                <a:tab pos="6508750" algn="l"/>
-                <a:tab pos="6924675" algn="l"/>
-                <a:tab pos="7339013" algn="l"/>
-                <a:tab pos="7753350" algn="l"/>
-                <a:tab pos="8167688" algn="l"/>
-                <a:tab pos="8583613" algn="l"/>
-              </a:tabLst>
-            </a:pPr>
-            <a:r>
-              <a:rPr lang="it-IT" sz="2500">
-                <a:solidFill>
-                  <a:srgbClr val="000000"/>
-                </a:solidFill>
-                <a:cs typeface="Arial" pitchFamily="34" charset="0"/>
-              </a:rPr>
-              <a:t>Installazione delle estensioni sull’IdP di direzione GARR e integrazione nel pilota Garrbox.</a:t>
-            </a:r>
-          </a:p>
-          <a:p>
-            <a:pPr marL="962025" lvl="1" indent="-288925">
-              <a:spcBef>
-                <a:spcPts val="725"/>
-              </a:spcBef>
-              <a:buClr>
-                <a:srgbClr val="808080"/>
-              </a:buClr>
-              <a:buSzPct val="65000"/>
-              <a:buFont typeface="Wingdings" pitchFamily="2" charset="2"/>
-              <a:buChar char=""/>
-              <a:tabLst>
-                <a:tab pos="288925" algn="l"/>
-                <a:tab pos="703263" algn="l"/>
-                <a:tab pos="1117600" algn="l"/>
-                <a:tab pos="1533525" algn="l"/>
-                <a:tab pos="1947863" algn="l"/>
-                <a:tab pos="2362200" algn="l"/>
-                <a:tab pos="2776538" algn="l"/>
-                <a:tab pos="3192463" algn="l"/>
-                <a:tab pos="3606800" algn="l"/>
-                <a:tab pos="4021138" algn="l"/>
-                <a:tab pos="4435475" algn="l"/>
-                <a:tab pos="4851400" algn="l"/>
-                <a:tab pos="5265738" algn="l"/>
-                <a:tab pos="5680075" algn="l"/>
-                <a:tab pos="6094413" algn="l"/>
-                <a:tab pos="6508750" algn="l"/>
-                <a:tab pos="6924675" algn="l"/>
-                <a:tab pos="7339013" algn="l"/>
-                <a:tab pos="7753350" algn="l"/>
-                <a:tab pos="8167688" algn="l"/>
-                <a:tab pos="8583613" algn="l"/>
-              </a:tabLst>
-            </a:pPr>
-            <a:r>
-              <a:rPr lang="it-IT" sz="2500">
-                <a:solidFill>
-                  <a:srgbClr val="000000"/>
-                </a:solidFill>
-                <a:cs typeface="Arial" pitchFamily="34" charset="0"/>
-              </a:rPr>
-              <a:t>Condivisione</a:t>
-            </a:r>
-            <a:r>
-              <a:rPr lang="en-US" sz="2500">
-                <a:solidFill>
-                  <a:srgbClr val="000000"/>
-                </a:solidFill>
-                <a:cs typeface="Arial" pitchFamily="34" charset="0"/>
-              </a:rPr>
-              <a:t> </a:t>
-            </a:r>
-            <a:r>
-              <a:rPr lang="it-IT" sz="2500">
-                <a:solidFill>
-                  <a:srgbClr val="000000"/>
-                </a:solidFill>
-                <a:cs typeface="Arial" pitchFamily="34" charset="0"/>
-              </a:rPr>
-              <a:t>delle estensioni proposte con gli altri soggetti della comunità per raccogliere indicazioni, pareri…</a:t>
-            </a:r>
-          </a:p>
-        </p:txBody>
-      </p:sp>
-    </p:spTree>
-  </p:cSld>
-  <p:clrMapOvr>
-    <a:masterClrMapping/>
-  </p:clrMapOvr>
-  <p:transition spd="med"/>
-  <p:timing>
-    <p:tnLst>
-      <p:par>
-        <p:cTn id="1" dur="indefinite" restart="never" nodeType="tmRoot">
-          <p:childTnLst>
-            <p:seq concurrent="1" nextAc="seek">
-              <p:cTn id="2" dur="indefinite" nodeType="mainSeq"/>
-              <p:prevCondLst>
-                <p:cond evt="onPrev" delay="0">
-                  <p:tgtEl>
-                    <p:sldTgt/>
-                  </p:tgtEl>
-                </p:cond>
-              </p:prevCondLst>
-              <p:nextCondLst>
-                <p:cond evt="onNext" delay="0">
-                  <p:tgtEl>
-                    <p:sldTgt/>
-                  </p:tgtEl>
-                </p:cond>
-              </p:nextCondLst>
-            </p:seq>
-          </p:childTnLst>
-        </p:cTn>
+        <p:cTn id="1" dur="indefinite" restart="never" nodeType="tmRoot"/>
       </p:par>
     </p:tnLst>
   </p:timing>
@@ -9654,6 +7224,46 @@
           <a:bodyPr/>
           <a:lstStyle/>
           <a:p>
+            <a:pPr marL="446088" lvl="1" indent="-444500" eaLnBrk="1" hangingPunct="1">
+              <a:spcBef>
+                <a:spcPct val="0"/>
+              </a:spcBef>
+              <a:spcAft>
+                <a:spcPct val="20000"/>
+              </a:spcAft>
+              <a:buSzPct val="110000"/>
+              <a:buFont typeface="Arial Unicode MS" pitchFamily="34" charset="-128"/>
+              <a:buChar char="①"/>
+            </a:pPr>
+            <a:r>
+              <a:rPr lang="it-IT" sz="2400" dirty="0" smtClean="0">
+                <a:latin typeface="Calibri" pitchFamily="34" charset="0"/>
+              </a:rPr>
+              <a:t>Estensione di IDEM ad applicazioni non web-</a:t>
+            </a:r>
+            <a:r>
+              <a:rPr lang="it-IT" sz="2400" dirty="0" err="1" smtClean="0">
+                <a:latin typeface="Calibri" pitchFamily="34" charset="0"/>
+              </a:rPr>
+              <a:t>based</a:t>
+            </a:r>
+            <a:r>
+              <a:rPr lang="it-IT" sz="2400" dirty="0" smtClean="0">
+                <a:latin typeface="Calibri" pitchFamily="34" charset="0"/>
+              </a:rPr>
+              <a:t> e quindi accedute non tramite browser web</a:t>
+            </a:r>
+            <a:r>
+              <a:rPr lang="it-IT" sz="2400" dirty="0" smtClean="0">
+                <a:latin typeface="Calibri" pitchFamily="34" charset="0"/>
+              </a:rPr>
+              <a:t>.</a:t>
+            </a:r>
+            <a:endParaRPr lang="it-IT" sz="2400" dirty="0" smtClean="0">
+              <a:latin typeface="Calibri" pitchFamily="34" charset="0"/>
+            </a:endParaRPr>
+          </a:p>
+          <a:p>
             <a:pPr lvl="1" eaLnBrk="1" hangingPunct="1">
               <a:spcBef>
                 <a:spcPct val="0"/>
@@ -9663,12 +7273,78 @@
               </a:spcAft>
               <a:buSzPct val="60000"/>
             </a:pPr>
-            <a:r>
-              <a:rPr lang="it-IT" sz="2400" smtClean="0">
-                <a:latin typeface="Calibri" pitchFamily="34" charset="0"/>
-              </a:rPr>
-              <a:t>Estensione di IDEM ad applicazioni non web-based e quindi accedute non tramite browser web.</a:t>
-            </a:r>
+            <a:endParaRPr lang="it-IT" sz="2400" dirty="0" smtClean="0">
+              <a:latin typeface="Calibri" pitchFamily="34" charset="0"/>
+            </a:endParaRPr>
+          </a:p>
+          <a:p>
+            <a:pPr marL="446088" lvl="1" indent="-444500" eaLnBrk="1" hangingPunct="1">
+              <a:spcBef>
+                <a:spcPct val="0"/>
+              </a:spcBef>
+              <a:spcAft>
+                <a:spcPct val="20000"/>
+              </a:spcAft>
+              <a:buSzPct val="110000"/>
+              <a:buFont typeface="Arial Unicode MS" pitchFamily="34" charset="-128"/>
+              <a:buChar char="②"/>
+            </a:pPr>
+            <a:r>
+              <a:rPr lang="it-IT" sz="2400" dirty="0">
+                <a:latin typeface="Calibri" pitchFamily="34" charset="0"/>
+              </a:rPr>
+              <a:t>Estensione di IDEM per l’autenticazione di utenti su sistemi Linux.</a:t>
+            </a:r>
+          </a:p>
+          <a:p>
+            <a:pPr lvl="1" eaLnBrk="1" hangingPunct="1">
+              <a:spcBef>
+                <a:spcPct val="0"/>
+              </a:spcBef>
+              <a:spcAft>
+                <a:spcPct val="20000"/>
+              </a:spcAft>
+              <a:buSzPct val="60000"/>
+              <a:buFont typeface="Wingdings" pitchFamily="2" charset="2"/>
+              <a:buChar char="§"/>
+            </a:pPr>
+            <a:endParaRPr lang="it-IT" sz="2400" dirty="0" smtClean="0">
+              <a:latin typeface="Calibri" pitchFamily="34" charset="0"/>
+            </a:endParaRPr>
+          </a:p>
+          <a:p>
+            <a:pPr marL="446088" lvl="1" indent="-444500" eaLnBrk="1" hangingPunct="1">
+              <a:spcBef>
+                <a:spcPct val="0"/>
+              </a:spcBef>
+              <a:spcAft>
+                <a:spcPct val="20000"/>
+              </a:spcAft>
+              <a:buSzPct val="110000"/>
+              <a:buFont typeface="Arial Unicode MS" pitchFamily="34" charset="-128"/>
+              <a:buChar char="③"/>
+            </a:pPr>
+            <a:r>
+              <a:rPr lang="it-IT" sz="2400" dirty="0">
+                <a:latin typeface="Calibri" pitchFamily="34" charset="0"/>
+              </a:rPr>
+              <a:t>Estensione per supportare differenti schemi di autenticazione (non basati su </a:t>
+            </a:r>
+            <a:r>
+              <a:rPr lang="it-IT" sz="2400" dirty="0" err="1">
+                <a:latin typeface="Calibri" pitchFamily="34" charset="0"/>
+              </a:rPr>
+              <a:t>username+password</a:t>
+            </a:r>
+            <a:r>
+              <a:rPr lang="it-IT" sz="2400" dirty="0">
+                <a:latin typeface="Calibri" pitchFamily="34" charset="0"/>
+              </a:rPr>
+              <a:t>).</a:t>
+            </a:r>
+            <a:endParaRPr lang="it-IT" sz="2400" dirty="0">
+              <a:latin typeface="Calibri" pitchFamily="34" charset="0"/>
+            </a:endParaRPr>
           </a:p>
           <a:p>
             <a:pPr lvl="1" eaLnBrk="1" hangingPunct="1">
@@ -9680,69 +7356,7 @@
               </a:spcAft>
               <a:buSzPct val="60000"/>
             </a:pPr>
-            <a:endParaRPr lang="it-IT" sz="2400" smtClean="0">
-              <a:latin typeface="Calibri" pitchFamily="34" charset="0"/>
-            </a:endParaRPr>
-          </a:p>
-          <a:p>
-            <a:pPr lvl="1" eaLnBrk="1" hangingPunct="1">
-              <a:spcBef>
-                <a:spcPct val="0"/>
-              </a:spcBef>
-              <a:spcAft>
-                <a:spcPct val="20000"/>
-              </a:spcAft>
-              <a:buSzPct val="60000"/>
-            </a:pPr>
-            <a:r>
-              <a:rPr lang="it-IT" sz="2400" smtClean="0">
-                <a:latin typeface="Calibri" pitchFamily="34" charset="0"/>
-              </a:rPr>
-              <a:t>Estensione di IDEM per l’autenticazione di utenti su sistemi Linux.</a:t>
-            </a:r>
-          </a:p>
-          <a:p>
-            <a:pPr lvl="1" eaLnBrk="1" hangingPunct="1">
-              <a:spcBef>
-                <a:spcPct val="0"/>
-              </a:spcBef>
-              <a:spcAft>
-                <a:spcPct val="20000"/>
-              </a:spcAft>
-              <a:buSzPct val="60000"/>
-            </a:pPr>
-            <a:endParaRPr lang="it-IT" sz="2400" smtClean="0">
-              <a:latin typeface="Calibri" pitchFamily="34" charset="0"/>
-            </a:endParaRPr>
-          </a:p>
-          <a:p>
-            <a:pPr lvl="1" eaLnBrk="1" hangingPunct="1">
-              <a:spcBef>
-                <a:spcPct val="0"/>
-              </a:spcBef>
-              <a:spcAft>
-                <a:spcPct val="20000"/>
-              </a:spcAft>
-              <a:buSzPct val="60000"/>
-            </a:pPr>
-            <a:r>
-              <a:rPr lang="it-IT" sz="2400" smtClean="0">
-                <a:latin typeface="Calibri" pitchFamily="34" charset="0"/>
-              </a:rPr>
-              <a:t>Estensione per supportare differenti schemi di autenticazione (non basati su username+password)</a:t>
-            </a:r>
-          </a:p>
-          <a:p>
-            <a:pPr lvl="1" eaLnBrk="1" hangingPunct="1">
-              <a:spcBef>
-                <a:spcPct val="0"/>
-              </a:spcBef>
-              <a:spcAft>
-                <a:spcPct val="20000"/>
-              </a:spcAft>
-              <a:buSzPct val="60000"/>
-            </a:pPr>
-            <a:endParaRPr lang="en-GB" sz="2400" smtClean="0">
+            <a:endParaRPr lang="en-GB" sz="2400" dirty="0" smtClean="0">
               <a:latin typeface="Calibri" pitchFamily="34" charset="0"/>
             </a:endParaRPr>
           </a:p>
@@ -9785,491 +7399,230 @@
       </p:grpSpPr>
       <p:sp>
         <p:nvSpPr>
-          <p:cNvPr id="8194" name="Text Box 1"/>
-          <p:cNvSpPr txBox="1">
-            <a:spLocks noChangeArrowheads="1"/>
-          </p:cNvSpPr>
-          <p:nvPr/>
-        </p:nvSpPr>
-        <p:spPr bwMode="auto">
+          <p:cNvPr id="7170" name="Rectangle 2"/>
+          <p:cNvSpPr>
+            <a:spLocks noGrp="1" noChangeArrowheads="1"/>
+          </p:cNvSpPr>
+          <p:nvPr>
+            <p:ph type="title"/>
+          </p:nvPr>
+        </p:nvSpPr>
+        <p:spPr>
           <a:xfrm>
-            <a:off x="457200" y="277813"/>
-            <a:ext cx="8229600" cy="1141412"/>
+            <a:off x="330200" y="763588"/>
+            <a:ext cx="8167688" cy="455612"/>
           </a:xfrm>
-          <a:prstGeom prst="rect">
-            <a:avLst/>
-          </a:prstGeom>
-          <a:noFill/>
-          <a:ln w="9525">
-            <a:noFill/>
-            <a:round/>
-            <a:headEnd/>
-            <a:tailEnd/>
-          </a:ln>
-        </p:spPr>
-        <p:txBody>
-          <a:bodyPr lIns="82945" tIns="41473" rIns="82945" bIns="41473"/>
+        </p:spPr>
+        <p:txBody>
+          <a:bodyPr/>
           <a:lstStyle/>
           <a:p>
-            <a:pPr algn="ctr">
-              <a:tabLst>
-                <a:tab pos="0" algn="l"/>
-                <a:tab pos="414338" algn="l"/>
-                <a:tab pos="828675" algn="l"/>
-                <a:tab pos="1243013" algn="l"/>
-                <a:tab pos="1657350" algn="l"/>
-                <a:tab pos="2073275" algn="l"/>
-                <a:tab pos="2487613" algn="l"/>
-                <a:tab pos="2901950" algn="l"/>
-                <a:tab pos="3316288" algn="l"/>
-                <a:tab pos="3732213" algn="l"/>
-                <a:tab pos="4146550" algn="l"/>
-                <a:tab pos="4560888" algn="l"/>
-                <a:tab pos="4975225" algn="l"/>
-                <a:tab pos="5391150" algn="l"/>
-                <a:tab pos="5805488" algn="l"/>
-                <a:tab pos="6219825" algn="l"/>
-                <a:tab pos="6634163" algn="l"/>
-                <a:tab pos="7050088" algn="l"/>
-                <a:tab pos="7464425" algn="l"/>
-                <a:tab pos="7878763" algn="l"/>
-                <a:tab pos="8293100" algn="l"/>
-              </a:tabLst>
-            </a:pPr>
-            <a:r>
-              <a:rPr lang="it-IT" sz="4000">
-                <a:solidFill>
-                  <a:srgbClr val="000080"/>
-                </a:solidFill>
+            <a:pPr eaLnBrk="1" hangingPunct="1"/>
+            <a:r>
+              <a:rPr lang="en-GB" sz="2800" b="0" dirty="0" smtClean="0">
+                <a:latin typeface="Arial Unicode MS"/>
                 <a:ea typeface="Arial Unicode MS"/>
                 <a:cs typeface="Arial Unicode MS"/>
               </a:rPr>
-              <a:t>Estensioni proposte</a:t>
-            </a:r>
-          </a:p>
-        </p:txBody>
-      </p:sp>
-      <p:graphicFrame>
-        <p:nvGraphicFramePr>
-          <p:cNvPr id="4" name="Tabella 3"/>
-          <p:cNvGraphicFramePr>
-            <a:graphicFrameLocks noGrp="1"/>
-          </p:cNvGraphicFramePr>
-          <p:nvPr/>
-        </p:nvGraphicFramePr>
-        <p:xfrm>
-          <a:off x="217488" y="1382713"/>
-          <a:ext cx="8363520" cy="4355017"/>
-        </p:xfrm>
-        <a:graphic>
-          <a:graphicData uri="http://schemas.openxmlformats.org/drawingml/2006/table">
-            <a:tbl>
-              <a:tblPr firstRow="1" bandRow="1">
-                <a:tableStyleId>{5C22544A-7EE6-4342-B048-85BDC9FD1C3A}</a:tableStyleId>
-              </a:tblPr>
-              <a:tblGrid>
-                <a:gridCol w="1052354"/>
-                <a:gridCol w="7311166"/>
-              </a:tblGrid>
-              <a:tr h="1493149">
-                <a:tc>
-                  <a:txBody>
-                    <a:bodyPr/>
-                    <a:lstStyle/>
-                    <a:p>
-                      <a:pPr algn="r"/>
-                      <a:r>
-                        <a:rPr lang="it-IT" sz="3600" b="1" dirty="0" smtClean="0">
-                          <a:solidFill>
-                            <a:schemeClr val="bg1">
-                              <a:lumMod val="50000"/>
-                            </a:schemeClr>
-                          </a:solidFill>
-                          <a:ea typeface="Arial Unicode MS" charset="0"/>
-                          <a:cs typeface="Arial Unicode MS" charset="0"/>
-                        </a:rPr>
-                        <a:t>①</a:t>
-                      </a:r>
-                      <a:endParaRPr lang="en-US" sz="3600" dirty="0"/>
-                    </a:p>
-                  </a:txBody>
-                  <a:tcPr marL="82944" marR="82944" marT="41476" marB="41476" anchor="ctr">
-                    <a:lnL w="12700" cmpd="sng">
-                      <a:noFill/>
-                    </a:lnL>
-                    <a:lnR w="12700" cmpd="sng">
-                      <a:noFill/>
-                    </a:lnR>
-                    <a:lnT w="12700" cmpd="sng">
-                      <a:noFill/>
-                    </a:lnT>
-                    <a:lnB w="38100" cmpd="sng">
-                      <a:noFill/>
-                    </a:lnB>
-                    <a:lnTlToBr w="12700" cmpd="sng">
-                      <a:noFill/>
-                      <a:prstDash val="solid"/>
-                    </a:lnTlToBr>
-                    <a:lnBlToTr w="12700" cmpd="sng">
-                      <a:noFill/>
-                      <a:prstDash val="solid"/>
-                    </a:lnBlToTr>
-                    <a:noFill/>
-                  </a:tcPr>
-                </a:tc>
-                <a:tc>
-                  <a:txBody>
-                    <a:bodyPr/>
-                    <a:lstStyle/>
-                    <a:p>
-                      <a:pPr marL="0" marR="0" indent="0" algn="l" defTabSz="914400" rtl="0" eaLnBrk="1" fontAlgn="auto" latinLnBrk="0" hangingPunct="1">
-                        <a:lnSpc>
-                          <a:spcPct val="100000"/>
-                        </a:lnSpc>
-                        <a:spcBef>
-                          <a:spcPts val="0"/>
-                        </a:spcBef>
-                        <a:spcAft>
-                          <a:spcPts val="0"/>
-                        </a:spcAft>
-                        <a:buClrTx/>
-                        <a:buSzTx/>
-                        <a:buFontTx/>
-                        <a:buNone/>
-                        <a:tabLst/>
-                        <a:defRPr/>
-                      </a:pPr>
-                      <a:r>
-                        <a:rPr lang="it-IT" sz="2900" b="0" dirty="0" smtClean="0">
-                          <a:solidFill>
-                            <a:srgbClr val="000000"/>
-                          </a:solidFill>
-                          <a:cs typeface="Arial" charset="0"/>
-                        </a:rPr>
-                        <a:t>Estensione di IDEM ad applicazioni non web-</a:t>
-                      </a:r>
-                      <a:r>
-                        <a:rPr lang="it-IT" sz="2900" b="0" dirty="0" err="1" smtClean="0">
-                          <a:solidFill>
-                            <a:srgbClr val="000000"/>
-                          </a:solidFill>
-                          <a:cs typeface="Arial" charset="0"/>
-                        </a:rPr>
-                        <a:t>based</a:t>
-                      </a:r>
-                      <a:r>
-                        <a:rPr lang="it-IT" sz="2900" b="0" dirty="0" smtClean="0">
-                          <a:solidFill>
-                            <a:srgbClr val="000000"/>
-                          </a:solidFill>
-                          <a:cs typeface="Arial" charset="0"/>
-                        </a:rPr>
-                        <a:t> e quindi accedute non</a:t>
-                      </a:r>
-                      <a:r>
-                        <a:rPr lang="it-IT" sz="2900" b="0" baseline="0" dirty="0" smtClean="0">
-                          <a:solidFill>
-                            <a:srgbClr val="000000"/>
-                          </a:solidFill>
-                          <a:cs typeface="Arial" charset="0"/>
-                        </a:rPr>
-                        <a:t> </a:t>
-                      </a:r>
-                      <a:r>
-                        <a:rPr lang="it-IT" sz="2900" b="0" dirty="0" smtClean="0">
-                          <a:solidFill>
-                            <a:srgbClr val="000000"/>
-                          </a:solidFill>
-                          <a:cs typeface="Arial" charset="0"/>
-                        </a:rPr>
-                        <a:t>tramite browser web.</a:t>
-                      </a:r>
-                    </a:p>
-                  </a:txBody>
-                  <a:tcPr marL="82944" marR="82944" marT="41476" marB="41476" anchor="ctr">
-                    <a:lnL w="12700" cmpd="sng">
-                      <a:noFill/>
-                    </a:lnL>
-                    <a:lnR w="12700" cmpd="sng">
-                      <a:noFill/>
-                    </a:lnR>
-                    <a:lnT w="12700" cmpd="sng">
-                      <a:noFill/>
-                    </a:lnT>
-                    <a:lnB w="38100" cmpd="sng">
-                      <a:noFill/>
-                    </a:lnB>
-                    <a:lnTlToBr w="12700" cmpd="sng">
-                      <a:noFill/>
-                      <a:prstDash val="solid"/>
-                    </a:lnTlToBr>
-                    <a:lnBlToTr w="12700" cmpd="sng">
-                      <a:noFill/>
-                      <a:prstDash val="solid"/>
-                    </a:lnBlToTr>
-                    <a:noFill/>
-                  </a:tcPr>
-                </a:tc>
-              </a:tr>
-              <a:tr h="1451672">
-                <a:tc>
-                  <a:txBody>
-                    <a:bodyPr/>
-                    <a:lstStyle/>
-                    <a:p>
-                      <a:pPr marL="0" marR="0" indent="0" algn="r" defTabSz="914400" rtl="0" eaLnBrk="1" fontAlgn="auto" latinLnBrk="0" hangingPunct="1">
-                        <a:lnSpc>
-                          <a:spcPct val="100000"/>
-                        </a:lnSpc>
-                        <a:spcBef>
-                          <a:spcPts val="0"/>
-                        </a:spcBef>
-                        <a:spcAft>
-                          <a:spcPts val="0"/>
-                        </a:spcAft>
-                        <a:buClrTx/>
-                        <a:buSzTx/>
-                        <a:buFontTx/>
-                        <a:buNone/>
-                        <a:tabLst/>
-                        <a:defRPr/>
-                      </a:pPr>
-                      <a:r>
-                        <a:rPr lang="it-IT" sz="3600" b="1" dirty="0" smtClean="0">
-                          <a:solidFill>
-                            <a:schemeClr val="bg1">
-                              <a:lumMod val="50000"/>
-                            </a:schemeClr>
-                          </a:solidFill>
-                          <a:ea typeface="Arial Unicode MS" charset="0"/>
-                          <a:cs typeface="Arial Unicode MS" charset="0"/>
-                        </a:rPr>
-                        <a:t>②</a:t>
-                      </a:r>
-                      <a:endParaRPr lang="en-US" sz="3600" dirty="0" smtClean="0"/>
-                    </a:p>
-                  </a:txBody>
-                  <a:tcPr marL="82944" marR="82944" marT="41476" marB="41476" anchor="ctr">
-                    <a:lnL w="12700" cmpd="sng">
-                      <a:noFill/>
-                    </a:lnL>
-                    <a:lnR w="12700" cmpd="sng">
-                      <a:noFill/>
-                    </a:lnR>
-                    <a:lnT w="38100" cmpd="sng">
-                      <a:noFill/>
-                    </a:lnT>
-                    <a:lnB w="12700" cmpd="sng">
-                      <a:noFill/>
-                    </a:lnB>
-                    <a:lnTlToBr w="12700" cmpd="sng">
-                      <a:noFill/>
-                      <a:prstDash val="solid"/>
-                    </a:lnTlToBr>
-                    <a:lnBlToTr w="12700" cmpd="sng">
-                      <a:noFill/>
-                      <a:prstDash val="solid"/>
-                    </a:lnBlToTr>
-                    <a:noFill/>
-                  </a:tcPr>
-                </a:tc>
-                <a:tc>
-                  <a:txBody>
-                    <a:bodyPr/>
-                    <a:lstStyle/>
-                    <a:p>
-                      <a:r>
-                        <a:rPr lang="it-IT" sz="2900" b="0" noProof="0" dirty="0" smtClean="0"/>
-                        <a:t>Estensione di IDEM</a:t>
-                      </a:r>
-                      <a:r>
-                        <a:rPr lang="it-IT" sz="2900" b="0" baseline="0" noProof="0" dirty="0" smtClean="0"/>
-                        <a:t> per l’autenticazione di utenti su sistemi Linux.</a:t>
-                      </a:r>
-                      <a:endParaRPr lang="it-IT" sz="2900" b="0" noProof="0" dirty="0"/>
-                    </a:p>
-                  </a:txBody>
-                  <a:tcPr marL="82944" marR="82944" marT="41476" marB="41476" anchor="ctr">
-                    <a:lnL w="12700" cmpd="sng">
-                      <a:noFill/>
-                    </a:lnL>
-                    <a:lnR w="12700" cmpd="sng">
-                      <a:noFill/>
-                    </a:lnR>
-                    <a:lnT w="38100" cmpd="sng">
-                      <a:noFill/>
-                    </a:lnT>
-                    <a:lnB w="12700" cmpd="sng">
-                      <a:noFill/>
-                    </a:lnB>
-                    <a:lnTlToBr w="12700" cmpd="sng">
-                      <a:noFill/>
-                      <a:prstDash val="solid"/>
-                    </a:lnTlToBr>
-                    <a:lnBlToTr w="12700" cmpd="sng">
-                      <a:noFill/>
-                      <a:prstDash val="solid"/>
-                    </a:lnBlToTr>
-                    <a:noFill/>
-                  </a:tcPr>
-                </a:tc>
-              </a:tr>
-              <a:tr h="1410196">
-                <a:tc>
-                  <a:txBody>
-                    <a:bodyPr/>
-                    <a:lstStyle/>
-                    <a:p>
-                      <a:pPr marL="0" marR="0" indent="0" algn="r" defTabSz="914400" rtl="0" eaLnBrk="1" fontAlgn="auto" latinLnBrk="0" hangingPunct="1">
-                        <a:lnSpc>
-                          <a:spcPct val="100000"/>
-                        </a:lnSpc>
-                        <a:spcBef>
-                          <a:spcPts val="0"/>
-                        </a:spcBef>
-                        <a:spcAft>
-                          <a:spcPts val="0"/>
-                        </a:spcAft>
-                        <a:buClrTx/>
-                        <a:buSzTx/>
-                        <a:buFontTx/>
-                        <a:buNone/>
-                        <a:tabLst/>
-                        <a:defRPr/>
-                      </a:pPr>
-                      <a:r>
-                        <a:rPr lang="it-IT" sz="3600" b="1" dirty="0" smtClean="0">
-                          <a:solidFill>
-                            <a:schemeClr val="bg1">
-                              <a:lumMod val="50000"/>
-                            </a:schemeClr>
-                          </a:solidFill>
-                          <a:ea typeface="Arial Unicode MS" charset="0"/>
-                          <a:cs typeface="Arial Unicode MS" charset="0"/>
-                        </a:rPr>
-                        <a:t>③</a:t>
-                      </a:r>
-                      <a:endParaRPr lang="en-US" sz="3600" dirty="0" smtClean="0"/>
-                    </a:p>
-                  </a:txBody>
-                  <a:tcPr marL="82944" marR="82944" marT="41476" marB="41476" anchor="ctr">
-                    <a:lnL w="12700" cmpd="sng">
-                      <a:noFill/>
-                    </a:lnL>
-                    <a:lnR w="12700" cmpd="sng">
-                      <a:noFill/>
-                    </a:lnR>
-                    <a:lnT w="38100" cmpd="sng">
-                      <a:noFill/>
-                    </a:lnT>
-                    <a:lnB w="12700" cmpd="sng">
-                      <a:noFill/>
-                    </a:lnB>
-                    <a:lnTlToBr w="12700" cmpd="sng">
-                      <a:noFill/>
-                      <a:prstDash val="solid"/>
-                    </a:lnTlToBr>
-                    <a:lnBlToTr w="12700" cmpd="sng">
-                      <a:noFill/>
-                      <a:prstDash val="solid"/>
-                    </a:lnBlToTr>
-                    <a:noFill/>
-                  </a:tcPr>
-                </a:tc>
-                <a:tc>
-                  <a:txBody>
-                    <a:bodyPr/>
-                    <a:lstStyle/>
-                    <a:p>
-                      <a:r>
-                        <a:rPr lang="it-IT" sz="2900" b="0" dirty="0" smtClean="0">
-                          <a:solidFill>
-                            <a:srgbClr val="000000"/>
-                          </a:solidFill>
-                          <a:cs typeface="Arial" charset="0"/>
-                        </a:rPr>
-                        <a:t>Estensione per supportare differenti schemi di autenticazione (non basati su </a:t>
-                      </a:r>
-                      <a:r>
-                        <a:rPr lang="it-IT" sz="2900" b="0" dirty="0" err="1" smtClean="0">
-                          <a:solidFill>
-                            <a:srgbClr val="000000"/>
-                          </a:solidFill>
-                          <a:cs typeface="Arial" charset="0"/>
-                        </a:rPr>
-                        <a:t>username+password</a:t>
-                      </a:r>
-                      <a:r>
-                        <a:rPr lang="it-IT" sz="2900" b="0" dirty="0" smtClean="0">
-                          <a:solidFill>
-                            <a:srgbClr val="000000"/>
-                          </a:solidFill>
-                          <a:cs typeface="Arial" charset="0"/>
-                        </a:rPr>
-                        <a:t>)</a:t>
-                      </a:r>
-                      <a:endParaRPr lang="en-US" sz="2900" b="0" dirty="0"/>
-                    </a:p>
-                  </a:txBody>
-                  <a:tcPr marL="82944" marR="82944" marT="41476" marB="41476" anchor="ctr">
-                    <a:lnL w="12700" cmpd="sng">
-                      <a:noFill/>
-                    </a:lnL>
-                    <a:lnR w="12700" cmpd="sng">
-                      <a:noFill/>
-                    </a:lnR>
-                    <a:lnT w="38100" cmpd="sng">
-                      <a:noFill/>
-                    </a:lnT>
-                    <a:lnB w="12700" cmpd="sng">
-                      <a:noFill/>
-                    </a:lnB>
-                    <a:lnTlToBr w="12700" cmpd="sng">
-                      <a:noFill/>
-                      <a:prstDash val="solid"/>
-                    </a:lnTlToBr>
-                    <a:lnBlToTr w="12700" cmpd="sng">
-                      <a:noFill/>
-                      <a:prstDash val="solid"/>
-                    </a:lnBlToTr>
-                    <a:noFill/>
-                  </a:tcPr>
-                </a:tc>
-              </a:tr>
-            </a:tbl>
-          </a:graphicData>
-        </a:graphic>
-      </p:graphicFrame>
+              <a:t>① </a:t>
+            </a:r>
+            <a:r>
+              <a:rPr lang="en-GB" sz="2800" b="0" dirty="0" err="1" smtClean="0">
+                <a:latin typeface="Arial Unicode MS"/>
+                <a:ea typeface="Arial Unicode MS"/>
+                <a:cs typeface="Arial Unicode MS"/>
+              </a:rPr>
+              <a:t>Scopo</a:t>
+            </a:r>
+            <a:r>
+              <a:rPr lang="en-GB" sz="2800" b="0" dirty="0" smtClean="0">
+                <a:latin typeface="Arial Unicode MS"/>
+                <a:ea typeface="Arial Unicode MS"/>
+                <a:cs typeface="Arial Unicode MS"/>
+              </a:rPr>
+              <a:t> e </a:t>
+            </a:r>
+            <a:r>
+              <a:rPr lang="en-GB" sz="2800" b="0" dirty="0" err="1" smtClean="0">
+                <a:latin typeface="Arial Unicode MS"/>
+                <a:ea typeface="Arial Unicode MS"/>
+                <a:cs typeface="Arial Unicode MS"/>
+              </a:rPr>
+              <a:t>benefici</a:t>
+            </a:r>
+            <a:endParaRPr lang="en-GB" sz="2800" b="0" dirty="0" smtClean="0">
+              <a:latin typeface="Calibri" pitchFamily="34" charset="0"/>
+            </a:endParaRPr>
+          </a:p>
+        </p:txBody>
+      </p:sp>
+      <p:sp>
+        <p:nvSpPr>
+          <p:cNvPr id="5" name="Rectangle 3"/>
+          <p:cNvSpPr>
+            <a:spLocks noGrp="1" noChangeArrowheads="1"/>
+          </p:cNvSpPr>
+          <p:nvPr>
+            <p:ph type="body" sz="half" idx="1"/>
+          </p:nvPr>
+        </p:nvSpPr>
+        <p:spPr>
+          <a:xfrm>
+            <a:off x="517525" y="1319213"/>
+            <a:ext cx="8296275" cy="4294187"/>
+          </a:xfrm>
+        </p:spPr>
+        <p:txBody>
+          <a:bodyPr/>
+          <a:lstStyle/>
+          <a:p>
+            <a:pPr lvl="1" eaLnBrk="1" hangingPunct="1">
+              <a:spcBef>
+                <a:spcPct val="0"/>
+              </a:spcBef>
+              <a:spcAft>
+                <a:spcPct val="20000"/>
+              </a:spcAft>
+              <a:buSzPct val="60000"/>
+              <a:defRPr/>
+            </a:pPr>
+            <a:r>
+              <a:rPr lang="it-IT" sz="2400" b="1" dirty="0">
+                <a:latin typeface="Calibri" pitchFamily="34" charset="0"/>
+              </a:rPr>
+              <a:t>Benefici</a:t>
+            </a:r>
+            <a:r>
+              <a:rPr lang="it-IT" sz="2400" dirty="0">
+                <a:latin typeface="Calibri" pitchFamily="34" charset="0"/>
+              </a:rPr>
+              <a:t>: grazie a queste estensioni la federazione IDEM è in grado di raggiungere famiglie di applicazioni attualmente escluse.</a:t>
+            </a:r>
+          </a:p>
+          <a:p>
+            <a:pPr lvl="1" eaLnBrk="1" hangingPunct="1">
+              <a:spcBef>
+                <a:spcPct val="0"/>
+              </a:spcBef>
+              <a:spcAft>
+                <a:spcPct val="20000"/>
+              </a:spcAft>
+              <a:buSzPct val="60000"/>
+              <a:defRPr/>
+            </a:pPr>
+            <a:endParaRPr lang="it-IT" sz="2400" dirty="0">
+              <a:latin typeface="Calibri" pitchFamily="34" charset="0"/>
+            </a:endParaRPr>
+          </a:p>
+          <a:p>
+            <a:pPr lvl="1" eaLnBrk="1" hangingPunct="1">
+              <a:spcBef>
+                <a:spcPct val="0"/>
+              </a:spcBef>
+              <a:spcAft>
+                <a:spcPct val="20000"/>
+              </a:spcAft>
+              <a:buSzPct val="60000"/>
+              <a:defRPr/>
+            </a:pPr>
+            <a:r>
+              <a:rPr lang="it-IT" sz="2400" b="1" dirty="0">
+                <a:latin typeface="Calibri" pitchFamily="34" charset="0"/>
+              </a:rPr>
+              <a:t>Esempio</a:t>
+            </a:r>
+            <a:r>
+              <a:rPr lang="it-IT" sz="2400" dirty="0">
+                <a:latin typeface="Calibri" pitchFamily="34" charset="0"/>
+              </a:rPr>
+              <a:t>: il problema ci si è presentato quando per il progetto </a:t>
+            </a:r>
+            <a:r>
+              <a:rPr lang="it-IT" sz="2400" dirty="0" err="1">
+                <a:latin typeface="Calibri" pitchFamily="34" charset="0"/>
+              </a:rPr>
+              <a:t>GarrBox</a:t>
+            </a:r>
+            <a:r>
+              <a:rPr lang="it-IT" sz="2400" dirty="0">
+                <a:latin typeface="Calibri" pitchFamily="34" charset="0"/>
+              </a:rPr>
+              <a:t> abbiamo pensato come includere in </a:t>
+            </a:r>
+            <a:r>
+              <a:rPr lang="it-IT" sz="2400" dirty="0" err="1">
+                <a:latin typeface="Calibri" pitchFamily="34" charset="0"/>
+              </a:rPr>
+              <a:t>Shibboleth</a:t>
+            </a:r>
+            <a:r>
+              <a:rPr lang="it-IT" sz="2400" dirty="0">
+                <a:latin typeface="Calibri" pitchFamily="34" charset="0"/>
+              </a:rPr>
+              <a:t> interfacce a blocchi per i </a:t>
+            </a:r>
+            <a:r>
+              <a:rPr lang="it-IT" sz="2400" dirty="0" err="1">
+                <a:latin typeface="Calibri" pitchFamily="34" charset="0"/>
+              </a:rPr>
+              <a:t>filesystem</a:t>
+            </a:r>
+            <a:r>
+              <a:rPr lang="it-IT" sz="2400" dirty="0">
+                <a:latin typeface="Calibri" pitchFamily="34" charset="0"/>
+              </a:rPr>
+              <a:t> (CIFS e NFS), le quali non transitano da browser web.</a:t>
+            </a:r>
+          </a:p>
+          <a:p>
+            <a:pPr marL="796925" lvl="1" eaLnBrk="1" hangingPunct="1">
+              <a:spcBef>
+                <a:spcPct val="0"/>
+              </a:spcBef>
+              <a:spcAft>
+                <a:spcPct val="20000"/>
+              </a:spcAft>
+              <a:buSzPct val="60000"/>
+              <a:defRPr/>
+            </a:pPr>
+            <a:endParaRPr lang="it-IT" sz="2000" dirty="0" smtClean="0">
+              <a:latin typeface="Calibri" pitchFamily="34" charset="0"/>
+            </a:endParaRPr>
+          </a:p>
+          <a:p>
+            <a:pPr lvl="1" eaLnBrk="1" hangingPunct="1">
+              <a:spcBef>
+                <a:spcPct val="0"/>
+              </a:spcBef>
+              <a:spcAft>
+                <a:spcPct val="20000"/>
+              </a:spcAft>
+              <a:buSzPct val="60000"/>
+              <a:defRPr/>
+            </a:pPr>
+            <a:endParaRPr lang="en-GB" sz="2400" dirty="0" smtClean="0">
+              <a:latin typeface="Calibri" pitchFamily="34" charset="0"/>
+            </a:endParaRPr>
+          </a:p>
+        </p:txBody>
+      </p:sp>
     </p:spTree>
+    <p:extLst>
+      <p:ext uri="{BB962C8B-B14F-4D97-AF65-F5344CB8AC3E}">
+        <p14:creationId xmlns:p14="http://schemas.microsoft.com/office/powerpoint/2010/main" val="3323564530"/>
+      </p:ext>
+    </p:extLst>
   </p:cSld>
   <p:clrMapOvr>
     <a:masterClrMapping/>
   </p:clrMapOvr>
-  <p:transition spd="med"/>
+  <p:transition>
+    <p:fade/>
+  </p:transition>
   <p:timing>
     <p:tnLst>
       <p:par>
-        <p:cTn id="1" dur="indefinite" restart="never" nodeType="tmRoot">
-          <p:childTnLst>
-            <p:seq concurrent="1" nextAc="seek">
-              <p:cTn id="2" dur="indefinite" nodeType="mainSeq"/>
-              <p:prevCondLst>
-                <p:cond evt="onPrev" delay="0">
-                  <p:tgtEl>
-                    <p:sldTgt/>
-                  </p:tgtEl>
-                </p:cond>
-              </p:prevCondLst>
-              <p:nextCondLst>
-                <p:cond evt="onNext" delay="0">
-                  <p:tgtEl>
-                    <p:sldTgt/>
-                  </p:tgtEl>
-                </p:cond>
-              </p:nextCondLst>
-            </p:seq>
-          </p:childTnLst>
-        </p:cTn>
+        <p:cTn id="1" dur="indefinite" restart="never" nodeType="tmRoot"/>
       </p:par>
     </p:tnLst>
   </p:timing>
@@ -10295,305 +7648,245 @@
       </p:grpSpPr>
       <p:sp>
         <p:nvSpPr>
-          <p:cNvPr id="9218" name="Text Box 1"/>
-          <p:cNvSpPr txBox="1">
-            <a:spLocks noChangeArrowheads="1"/>
-          </p:cNvSpPr>
-          <p:nvPr/>
-        </p:nvSpPr>
-        <p:spPr bwMode="auto">
+          <p:cNvPr id="7170" name="Rectangle 2"/>
+          <p:cNvSpPr>
+            <a:spLocks noGrp="1" noChangeArrowheads="1"/>
+          </p:cNvSpPr>
+          <p:nvPr>
+            <p:ph type="title"/>
+          </p:nvPr>
+        </p:nvSpPr>
+        <p:spPr>
           <a:xfrm>
-            <a:off x="457200" y="277813"/>
-            <a:ext cx="8229600" cy="1141412"/>
+            <a:off x="330200" y="763588"/>
+            <a:ext cx="8167688" cy="455612"/>
           </a:xfrm>
-          <a:prstGeom prst="rect">
-            <a:avLst/>
-          </a:prstGeom>
-          <a:noFill/>
-          <a:ln w="9525">
-            <a:noFill/>
-            <a:round/>
-            <a:headEnd/>
-            <a:tailEnd/>
-          </a:ln>
-        </p:spPr>
-        <p:txBody>
-          <a:bodyPr lIns="82945" tIns="41473" rIns="82945" bIns="41473"/>
+        </p:spPr>
+        <p:txBody>
+          <a:bodyPr/>
           <a:lstStyle/>
           <a:p>
-            <a:pPr algn="ctr">
-              <a:tabLst>
-                <a:tab pos="0" algn="l"/>
-                <a:tab pos="414338" algn="l"/>
-                <a:tab pos="828675" algn="l"/>
-                <a:tab pos="1243013" algn="l"/>
-                <a:tab pos="1657350" algn="l"/>
-                <a:tab pos="2073275" algn="l"/>
-                <a:tab pos="2487613" algn="l"/>
-                <a:tab pos="2901950" algn="l"/>
-                <a:tab pos="3316288" algn="l"/>
-                <a:tab pos="3732213" algn="l"/>
-                <a:tab pos="4146550" algn="l"/>
-                <a:tab pos="4560888" algn="l"/>
-                <a:tab pos="4975225" algn="l"/>
-                <a:tab pos="5391150" algn="l"/>
-                <a:tab pos="5805488" algn="l"/>
-                <a:tab pos="6219825" algn="l"/>
-                <a:tab pos="6634163" algn="l"/>
-                <a:tab pos="7050088" algn="l"/>
-                <a:tab pos="7464425" algn="l"/>
-                <a:tab pos="7878763" algn="l"/>
-                <a:tab pos="8293100" algn="l"/>
-              </a:tabLst>
-            </a:pPr>
-            <a:r>
-              <a:rPr lang="it-IT" sz="4000" b="1">
-                <a:solidFill>
-                  <a:srgbClr val="000080"/>
-                </a:solidFill>
+            <a:pPr eaLnBrk="1" hangingPunct="1"/>
+            <a:r>
+              <a:rPr lang="en-GB" sz="2800" b="0" dirty="0" smtClean="0">
+                <a:latin typeface="Arial Unicode MS"/>
                 <a:ea typeface="Arial Unicode MS"/>
                 <a:cs typeface="Arial Unicode MS"/>
               </a:rPr>
-              <a:t>①</a:t>
-            </a:r>
-            <a:r>
-              <a:rPr lang="en-US" sz="4000" b="1">
-                <a:solidFill>
-                  <a:srgbClr val="000080"/>
-                </a:solidFill>
+              <a:t>② </a:t>
+            </a:r>
+            <a:r>
+              <a:rPr lang="en-GB" sz="2800" b="0" dirty="0" err="1" smtClean="0">
+                <a:latin typeface="Arial Unicode MS"/>
                 <a:ea typeface="Arial Unicode MS"/>
                 <a:cs typeface="Arial Unicode MS"/>
               </a:rPr>
-              <a:t> </a:t>
-            </a:r>
-            <a:r>
-              <a:rPr lang="it-IT" sz="4000">
-                <a:solidFill>
-                  <a:srgbClr val="000080"/>
-                </a:solidFill>
+              <a:t>Scopo</a:t>
+            </a:r>
+            <a:r>
+              <a:rPr lang="en-GB" sz="2800" b="0" dirty="0" smtClean="0">
+                <a:latin typeface="Arial Unicode MS"/>
                 <a:ea typeface="Arial Unicode MS"/>
                 <a:cs typeface="Arial Unicode MS"/>
               </a:rPr>
-              <a:t>Scopo e benefici</a:t>
-            </a:r>
-          </a:p>
-        </p:txBody>
-      </p:sp>
-      <p:sp>
-        <p:nvSpPr>
-          <p:cNvPr id="9219" name="Rectangle 2"/>
-          <p:cNvSpPr>
-            <a:spLocks noChangeArrowheads="1"/>
-          </p:cNvSpPr>
-          <p:nvPr/>
-        </p:nvSpPr>
-        <p:spPr bwMode="auto">
+              <a:t> e </a:t>
+            </a:r>
+            <a:r>
+              <a:rPr lang="en-GB" sz="2800" b="0" dirty="0" err="1" smtClean="0">
+                <a:latin typeface="Arial Unicode MS"/>
+                <a:ea typeface="Arial Unicode MS"/>
+                <a:cs typeface="Arial Unicode MS"/>
+              </a:rPr>
+              <a:t>benefici</a:t>
+            </a:r>
+            <a:endParaRPr lang="en-GB" sz="2800" b="0" dirty="0" smtClean="0">
+              <a:latin typeface="Calibri" pitchFamily="34" charset="0"/>
+            </a:endParaRPr>
+          </a:p>
+        </p:txBody>
+      </p:sp>
+      <p:sp>
+        <p:nvSpPr>
+          <p:cNvPr id="5" name="Rectangle 3"/>
+          <p:cNvSpPr>
+            <a:spLocks noGrp="1" noChangeArrowheads="1"/>
+          </p:cNvSpPr>
+          <p:nvPr>
+            <p:ph type="body" sz="half" idx="1"/>
+          </p:nvPr>
+        </p:nvSpPr>
+        <p:spPr>
           <a:xfrm>
-            <a:off x="609600" y="1371600"/>
-            <a:ext cx="8229600" cy="4911725"/>
+            <a:off x="517525" y="1319213"/>
+            <a:ext cx="8296275" cy="4294187"/>
           </a:xfrm>
-          <a:prstGeom prst="rect">
-            <a:avLst/>
-          </a:prstGeom>
-          <a:noFill/>
-          <a:ln w="9525">
-            <a:noFill/>
-            <a:round/>
-            <a:headEnd/>
-            <a:tailEnd/>
-          </a:ln>
-        </p:spPr>
-        <p:txBody>
-          <a:bodyPr lIns="81639" tIns="42452" rIns="81639" bIns="42452"/>
+        </p:spPr>
+        <p:txBody>
+          <a:bodyPr/>
           <a:lstStyle/>
           <a:p>
-            <a:pPr marL="288925" indent="-288925">
+            <a:pPr lvl="1" eaLnBrk="1" hangingPunct="1">
               <a:spcBef>
-                <a:spcPts val="725"/>
+                <a:spcPct val="0"/>
               </a:spcBef>
-              <a:buClr>
-                <a:srgbClr val="808080"/>
-              </a:buClr>
-              <a:buSzPct val="65000"/>
-              <a:buFont typeface="Wingdings" pitchFamily="2" charset="2"/>
-              <a:buChar char=""/>
-              <a:tabLst>
-                <a:tab pos="288925" algn="l"/>
-                <a:tab pos="703263" algn="l"/>
-                <a:tab pos="1117600" algn="l"/>
-                <a:tab pos="1533525" algn="l"/>
-                <a:tab pos="1947863" algn="l"/>
-                <a:tab pos="2362200" algn="l"/>
-                <a:tab pos="2776538" algn="l"/>
-                <a:tab pos="3192463" algn="l"/>
-                <a:tab pos="3606800" algn="l"/>
-                <a:tab pos="4021138" algn="l"/>
-                <a:tab pos="4435475" algn="l"/>
-                <a:tab pos="4851400" algn="l"/>
-                <a:tab pos="5265738" algn="l"/>
-                <a:tab pos="5680075" algn="l"/>
-                <a:tab pos="6094413" algn="l"/>
-                <a:tab pos="6508750" algn="l"/>
-                <a:tab pos="6924675" algn="l"/>
-                <a:tab pos="7339013" algn="l"/>
-                <a:tab pos="7753350" algn="l"/>
-                <a:tab pos="8167688" algn="l"/>
-                <a:tab pos="8583613" algn="l"/>
-              </a:tabLst>
+              <a:spcAft>
+                <a:spcPct val="20000"/>
+              </a:spcAft>
+              <a:buSzPct val="60000"/>
+              <a:defRPr/>
             </a:pPr>
             <a:r>
-              <a:rPr lang="it-IT" sz="2900" b="1">
-                <a:solidFill>
-                  <a:srgbClr val="000000"/>
-                </a:solidFill>
-                <a:cs typeface="Arial" pitchFamily="34" charset="0"/>
+              <a:rPr lang="it-IT" sz="2400" b="1" dirty="0">
+                <a:latin typeface="Calibri" pitchFamily="34" charset="0"/>
               </a:rPr>
               <a:t>Benefici</a:t>
             </a:r>
             <a:r>
-              <a:rPr lang="it-IT" sz="2900">
-                <a:solidFill>
-                  <a:srgbClr val="000000"/>
-                </a:solidFill>
-                <a:cs typeface="Arial" pitchFamily="34" charset="0"/>
-              </a:rPr>
-              <a:t>: grazie a queste estensioni la federazione IDEM è in grado di raggiungere famiglie di applicazioni attualmente escluse.</a:t>
-            </a:r>
-          </a:p>
-          <a:p>
-            <a:pPr marL="288925" indent="-288925">
+              <a:rPr lang="it-IT" sz="2400" dirty="0">
+                <a:latin typeface="Calibri" pitchFamily="34" charset="0"/>
+              </a:rPr>
+              <a:t>: grazie a queste estensioni la federazione IDEM è in grado di essere usata per autenticare utenti su macchine </a:t>
+            </a:r>
+            <a:r>
+              <a:rPr lang="it-IT" sz="2400" dirty="0" err="1">
+                <a:latin typeface="Calibri" pitchFamily="34" charset="0"/>
+              </a:rPr>
+              <a:t>Linxu</a:t>
+            </a:r>
+            <a:r>
+              <a:rPr lang="it-IT" sz="2400" dirty="0">
+                <a:latin typeface="Calibri" pitchFamily="34" charset="0"/>
+              </a:rPr>
+              <a:t>.</a:t>
+            </a:r>
+          </a:p>
+          <a:p>
+            <a:pPr lvl="1" eaLnBrk="1" hangingPunct="1">
               <a:spcBef>
-                <a:spcPts val="725"/>
+                <a:spcPct val="0"/>
               </a:spcBef>
-              <a:buClr>
-                <a:srgbClr val="808080"/>
-              </a:buClr>
-              <a:buSzPct val="65000"/>
-              <a:buFont typeface="Wingdings" pitchFamily="2" charset="2"/>
-              <a:buChar char=""/>
-              <a:tabLst>
-                <a:tab pos="288925" algn="l"/>
-                <a:tab pos="703263" algn="l"/>
-                <a:tab pos="1117600" algn="l"/>
-                <a:tab pos="1533525" algn="l"/>
-                <a:tab pos="1947863" algn="l"/>
-                <a:tab pos="2362200" algn="l"/>
-                <a:tab pos="2776538" algn="l"/>
-                <a:tab pos="3192463" algn="l"/>
-                <a:tab pos="3606800" algn="l"/>
-                <a:tab pos="4021138" algn="l"/>
-                <a:tab pos="4435475" algn="l"/>
-                <a:tab pos="4851400" algn="l"/>
-                <a:tab pos="5265738" algn="l"/>
-                <a:tab pos="5680075" algn="l"/>
-                <a:tab pos="6094413" algn="l"/>
-                <a:tab pos="6508750" algn="l"/>
-                <a:tab pos="6924675" algn="l"/>
-                <a:tab pos="7339013" algn="l"/>
-                <a:tab pos="7753350" algn="l"/>
-                <a:tab pos="8167688" algn="l"/>
-                <a:tab pos="8583613" algn="l"/>
-              </a:tabLst>
+              <a:spcAft>
+                <a:spcPct val="20000"/>
+              </a:spcAft>
+              <a:buSzPct val="60000"/>
+              <a:defRPr/>
             </a:pPr>
-            <a:endParaRPr lang="it-IT" sz="2900">
-              <a:solidFill>
-                <a:srgbClr val="000000"/>
-              </a:solidFill>
-              <a:cs typeface="Arial" pitchFamily="34" charset="0"/>
+            <a:endParaRPr lang="it-IT" sz="2400" dirty="0">
+              <a:latin typeface="Calibri" pitchFamily="34" charset="0"/>
             </a:endParaRPr>
           </a:p>
           <a:p>
-            <a:pPr marL="288925" lvl="1" indent="-288925">
+            <a:pPr lvl="1" eaLnBrk="1" hangingPunct="1">
               <a:spcBef>
-                <a:spcPts val="725"/>
+                <a:spcPct val="0"/>
               </a:spcBef>
-              <a:buClr>
-                <a:srgbClr val="808080"/>
-              </a:buClr>
-              <a:buSzPct val="65000"/>
-              <a:buFont typeface="Wingdings" pitchFamily="2" charset="2"/>
-              <a:buChar char=""/>
-              <a:tabLst>
-                <a:tab pos="288925" algn="l"/>
-                <a:tab pos="703263" algn="l"/>
-                <a:tab pos="1117600" algn="l"/>
-                <a:tab pos="1533525" algn="l"/>
-                <a:tab pos="1947863" algn="l"/>
-                <a:tab pos="2362200" algn="l"/>
-                <a:tab pos="2776538" algn="l"/>
-                <a:tab pos="3192463" algn="l"/>
-                <a:tab pos="3606800" algn="l"/>
-                <a:tab pos="4021138" algn="l"/>
-                <a:tab pos="4435475" algn="l"/>
-                <a:tab pos="4851400" algn="l"/>
-                <a:tab pos="5265738" algn="l"/>
-                <a:tab pos="5680075" algn="l"/>
-                <a:tab pos="6094413" algn="l"/>
-                <a:tab pos="6508750" algn="l"/>
-                <a:tab pos="6924675" algn="l"/>
-                <a:tab pos="7339013" algn="l"/>
-                <a:tab pos="7753350" algn="l"/>
-                <a:tab pos="8167688" algn="l"/>
-                <a:tab pos="8583613" algn="l"/>
-              </a:tabLst>
+              <a:spcAft>
+                <a:spcPct val="20000"/>
+              </a:spcAft>
+              <a:buSzPct val="60000"/>
+              <a:defRPr/>
             </a:pPr>
             <a:r>
-              <a:rPr lang="it-IT" sz="2900" b="1">
-                <a:solidFill>
-                  <a:srgbClr val="000000"/>
-                </a:solidFill>
-                <a:cs typeface="Arial" pitchFamily="34" charset="0"/>
+              <a:rPr lang="it-IT" sz="2400" b="1" dirty="0">
+                <a:latin typeface="Calibri" pitchFamily="34" charset="0"/>
               </a:rPr>
               <a:t>Esempio</a:t>
             </a:r>
             <a:r>
-              <a:rPr lang="it-IT" sz="2900">
-                <a:solidFill>
-                  <a:srgbClr val="000000"/>
-                </a:solidFill>
-                <a:cs typeface="Arial" pitchFamily="34" charset="0"/>
-              </a:rPr>
-              <a:t>: il problema ci si è presentato quando per il progetto GarrBox abbiamo pensato come includere in Shibboleth interfacce a blocchi per i filesystem (CIFS e NFS), le quali non transitano da browser web.</a:t>
-            </a:r>
-            <a:endParaRPr lang="en-US" sz="2500">
-              <a:solidFill>
-                <a:srgbClr val="000000"/>
-              </a:solidFill>
-              <a:cs typeface="Arial" pitchFamily="34" charset="0"/>
+              <a:rPr lang="it-IT" sz="2400" dirty="0">
+                <a:latin typeface="Calibri" pitchFamily="34" charset="0"/>
+              </a:rPr>
+              <a:t>: il problema ci si è presentato quando per il progetto </a:t>
+            </a:r>
+            <a:r>
+              <a:rPr lang="it-IT" sz="2400" dirty="0" err="1">
+                <a:latin typeface="Calibri" pitchFamily="34" charset="0"/>
+              </a:rPr>
+              <a:t>GarrBox</a:t>
+            </a:r>
+            <a:r>
+              <a:rPr lang="it-IT" sz="2400" dirty="0">
+                <a:latin typeface="Calibri" pitchFamily="34" charset="0"/>
+              </a:rPr>
+              <a:t> abbiamo pensato come includere in </a:t>
+            </a:r>
+            <a:r>
+              <a:rPr lang="it-IT" sz="2400" dirty="0" err="1">
+                <a:latin typeface="Calibri" pitchFamily="34" charset="0"/>
+              </a:rPr>
+              <a:t>Shibboleth</a:t>
+            </a:r>
+            <a:r>
+              <a:rPr lang="it-IT" sz="2400" dirty="0">
+                <a:latin typeface="Calibri" pitchFamily="34" charset="0"/>
+              </a:rPr>
+              <a:t> interfacce a blocchi per i </a:t>
+            </a:r>
+            <a:r>
+              <a:rPr lang="it-IT" sz="2400" dirty="0" err="1">
+                <a:latin typeface="Calibri" pitchFamily="34" charset="0"/>
+              </a:rPr>
+              <a:t>filesystem</a:t>
+            </a:r>
+            <a:r>
+              <a:rPr lang="it-IT" sz="2400" dirty="0">
+                <a:latin typeface="Calibri" pitchFamily="34" charset="0"/>
+              </a:rPr>
+              <a:t> (CIFS e NFS), le quali non transitano da browser web.</a:t>
+            </a:r>
+            <a:endParaRPr lang="it-IT" sz="2400" dirty="0" smtClean="0">
+              <a:latin typeface="Calibri" pitchFamily="34" charset="0"/>
             </a:endParaRPr>
           </a:p>
+          <a:p>
+            <a:pPr marL="796925" lvl="1" eaLnBrk="1" hangingPunct="1">
+              <a:spcBef>
+                <a:spcPct val="0"/>
+              </a:spcBef>
+              <a:spcAft>
+                <a:spcPct val="20000"/>
+              </a:spcAft>
+              <a:buSzPct val="60000"/>
+              <a:defRPr/>
+            </a:pPr>
+            <a:endParaRPr lang="it-IT" sz="2000" dirty="0" smtClean="0">
+              <a:latin typeface="Calibri" pitchFamily="34" charset="0"/>
+            </a:endParaRPr>
+          </a:p>
+          <a:p>
+            <a:pPr lvl="1" eaLnBrk="1" hangingPunct="1">
+              <a:spcBef>
+                <a:spcPct val="0"/>
+              </a:spcBef>
+              <a:spcAft>
+                <a:spcPct val="20000"/>
+              </a:spcAft>
+              <a:buSzPct val="60000"/>
+              <a:defRPr/>
+            </a:pPr>
+            <a:endParaRPr lang="en-GB" sz="2400" dirty="0" smtClean="0">
+              <a:latin typeface="Calibri" pitchFamily="34" charset="0"/>
+            </a:endParaRPr>
+          </a:p>
         </p:txBody>
       </p:sp>
     </p:spTree>
+    <p:extLst>
+      <p:ext uri="{BB962C8B-B14F-4D97-AF65-F5344CB8AC3E}">
+        <p14:creationId xmlns:p14="http://schemas.microsoft.com/office/powerpoint/2010/main" val="4073201509"/>
+      </p:ext>
+    </p:extLst>
   </p:cSld>
   <p:clrMapOvr>
     <a:masterClrMapping/>
   </p:clrMapOvr>
-  <p:transition spd="med"/>
+  <p:transition>
+    <p:fade/>
+  </p:transition>
   <p:timing>
     <p:tnLst>
       <p:par>
-        <p:cTn id="1" dur="indefinite" restart="never" nodeType="tmRoot">
-          <p:childTnLst>
-            <p:seq concurrent="1" nextAc="seek">
-              <p:cTn id="2" dur="indefinite" nodeType="mainSeq"/>
-              <p:prevCondLst>
-                <p:cond evt="onPrev" delay="0">
-                  <p:tgtEl>
-                    <p:sldTgt/>
-                  </p:tgtEl>
-                </p:cond>
-              </p:prevCondLst>
-              <p:nextCondLst>
-                <p:cond evt="onNext" delay="0">
-                  <p:tgtEl>
-                    <p:sldTgt/>
-                  </p:tgtEl>
-                </p:cond>
-              </p:nextCondLst>
-            </p:seq>
-          </p:childTnLst>
-        </p:cTn>
+        <p:cTn id="1" dur="indefinite" restart="never" nodeType="tmRoot"/>
       </p:par>
     </p:tnLst>
   </p:timing>
@@ -10619,7 +7912,171 @@
       </p:grpSpPr>
       <p:sp>
         <p:nvSpPr>
-          <p:cNvPr id="10242" name="Text Box 1"/>
+          <p:cNvPr id="7170" name="Rectangle 2"/>
+          <p:cNvSpPr>
+            <a:spLocks noGrp="1" noChangeArrowheads="1"/>
+          </p:cNvSpPr>
+          <p:nvPr>
+            <p:ph type="title"/>
+          </p:nvPr>
+        </p:nvSpPr>
+        <p:spPr>
+          <a:xfrm>
+            <a:off x="330200" y="763588"/>
+            <a:ext cx="8167688" cy="455612"/>
+          </a:xfrm>
+        </p:spPr>
+        <p:txBody>
+          <a:bodyPr/>
+          <a:lstStyle/>
+          <a:p>
+            <a:pPr eaLnBrk="1" hangingPunct="1"/>
+            <a:r>
+              <a:rPr lang="en-GB" sz="2800" b="0" dirty="0" smtClean="0">
+                <a:latin typeface="Arial Unicode MS"/>
+                <a:ea typeface="Arial Unicode MS"/>
+                <a:cs typeface="Arial Unicode MS"/>
+              </a:rPr>
+              <a:t>① </a:t>
+            </a:r>
+            <a:r>
+              <a:rPr lang="en-GB" sz="1800" b="0" dirty="0" smtClean="0">
+                <a:latin typeface="Arial Unicode MS"/>
+                <a:ea typeface="Arial Unicode MS"/>
+                <a:cs typeface="Arial Unicode MS"/>
+              </a:rPr>
+              <a:t>e</a:t>
+            </a:r>
+            <a:r>
+              <a:rPr lang="en-GB" sz="2800" b="0" dirty="0" smtClean="0">
+                <a:latin typeface="Arial Unicode MS"/>
+                <a:ea typeface="Arial Unicode MS"/>
+                <a:cs typeface="Arial Unicode MS"/>
+              </a:rPr>
+              <a:t> ② </a:t>
+            </a:r>
+            <a:r>
+              <a:rPr lang="en-GB" sz="2800" b="0" dirty="0" err="1" smtClean="0">
+                <a:latin typeface="Arial Unicode MS"/>
+                <a:ea typeface="Arial Unicode MS"/>
+                <a:cs typeface="Arial Unicode MS"/>
+              </a:rPr>
+              <a:t>Architettura</a:t>
+            </a:r>
+            <a:r>
+              <a:rPr lang="en-GB" sz="2800" b="0" dirty="0" smtClean="0">
+                <a:latin typeface="Arial Unicode MS"/>
+                <a:ea typeface="Arial Unicode MS"/>
+                <a:cs typeface="Arial Unicode MS"/>
+              </a:rPr>
+              <a:t> ad alto </a:t>
+            </a:r>
+            <a:r>
+              <a:rPr lang="en-GB" sz="2800" b="0" dirty="0" err="1" smtClean="0">
+                <a:latin typeface="Arial Unicode MS"/>
+                <a:ea typeface="Arial Unicode MS"/>
+                <a:cs typeface="Arial Unicode MS"/>
+              </a:rPr>
+              <a:t>livello</a:t>
+            </a:r>
+            <a:endParaRPr lang="en-GB" sz="2800" b="0" dirty="0" smtClean="0">
+              <a:latin typeface="Calibri" pitchFamily="34" charset="0"/>
+            </a:endParaRPr>
+          </a:p>
+        </p:txBody>
+      </p:sp>
+      <p:graphicFrame>
+        <p:nvGraphicFramePr>
+          <p:cNvPr id="3" name="Oggetto 2"/>
+          <p:cNvGraphicFramePr>
+            <a:graphicFrameLocks noChangeAspect="1"/>
+          </p:cNvGraphicFramePr>
+          <p:nvPr>
+            <p:extLst>
+              <p:ext uri="{D42A27DB-BD31-4B8C-83A1-F6EECF244321}">
+                <p14:modId xmlns:p14="http://schemas.microsoft.com/office/powerpoint/2010/main" val="3553273154"/>
+              </p:ext>
+            </p:extLst>
+          </p:nvPr>
+        </p:nvGraphicFramePr>
+        <p:xfrm>
+          <a:off x="769938" y="939800"/>
+          <a:ext cx="7672387" cy="5478463"/>
+        </p:xfrm>
+        <a:graphic>
+          <a:graphicData uri="http://schemas.openxmlformats.org/presentationml/2006/ole">
+            <mc:AlternateContent xmlns:mc="http://schemas.openxmlformats.org/markup-compatibility/2006">
+              <mc:Choice xmlns:v="urn:schemas-microsoft-com:vml" Requires="v">
+                <p:oleObj spid="_x0000_s3078" name="Visio" r:id="rId4" imgW="5788679" imgH="4132634" progId="Visio.Drawing.11">
+                  <p:embed/>
+                </p:oleObj>
+              </mc:Choice>
+              <mc:Fallback>
+                <p:oleObj name="Visio" r:id="rId4" imgW="5788679" imgH="4132634" progId="Visio.Drawing.11">
+                  <p:embed/>
+                  <p:pic>
+                    <p:nvPicPr>
+                      <p:cNvPr id="0" name="Object 2"/>
+                      <p:cNvPicPr>
+                        <a:picLocks noChangeAspect="1" noChangeArrowheads="1"/>
+                      </p:cNvPicPr>
+                      <p:nvPr/>
+                    </p:nvPicPr>
+                    <p:blipFill>
+                      <a:blip r:embed="rId5">
+                        <a:extLst>
+                          <a:ext uri="{28A0092B-C50C-407E-A947-70E740481C1C}">
+                            <a14:useLocalDpi xmlns:a14="http://schemas.microsoft.com/office/drawing/2010/main" val="0"/>
+                          </a:ext>
+                        </a:extLst>
+                      </a:blip>
+                      <a:srcRect/>
+                      <a:stretch>
+                        <a:fillRect/>
+                      </a:stretch>
+                    </p:blipFill>
+                    <p:spPr bwMode="auto">
+                      <a:xfrm>
+                        <a:off x="769938" y="939800"/>
+                        <a:ext cx="7672387" cy="5478463"/>
+                      </a:xfrm>
+                      <a:prstGeom prst="rect">
+                        <a:avLst/>
+                      </a:prstGeom>
+                      <a:noFill/>
+                      <a:ln>
+                        <a:noFill/>
+                      </a:ln>
+                      <a:extLst>
+                        <a:ext uri="{909E8E84-426E-40DD-AFC4-6F175D3DCCD1}">
+                          <a14:hiddenFill xmlns:a14="http://schemas.microsoft.com/office/drawing/2010/main">
+                            <a:solidFill>
+                              <a:srgbClr val="FFFFFF"/>
+                            </a:solidFill>
+                          </a14:hiddenFill>
+                        </a:ext>
+                        <a:ext uri="{91240B29-F687-4F45-9708-019B960494DF}">
+                          <a14:hiddenLine xmlns:a14="http://schemas.microsoft.com/office/drawing/2010/main" w="9525">
+                            <a:solidFill>
+                              <a:srgbClr val="000000"/>
+                            </a:solidFill>
+                            <a:miter lim="800000"/>
+                            <a:headEnd/>
+                            <a:tailEnd/>
+                          </a14:hiddenLine>
+                        </a:ext>
+                      </a:extLst>
+                    </p:spPr>
+                  </p:pic>
+                </p:oleObj>
+              </mc:Fallback>
+            </mc:AlternateContent>
+          </a:graphicData>
+        </a:graphic>
+      </p:graphicFrame>
+      <p:sp>
+        <p:nvSpPr>
+          <p:cNvPr id="6" name="CasellaDiTesto 3"/>
           <p:cNvSpPr txBox="1">
             <a:spLocks noChangeArrowheads="1"/>
           </p:cNvSpPr>
@@ -10627,8 +8084,8 @@
         </p:nvSpPr>
         <p:spPr bwMode="auto">
           <a:xfrm>
-            <a:off x="457200" y="277813"/>
-            <a:ext cx="8229600" cy="1141412"/>
+            <a:off x="3463826" y="5872077"/>
+            <a:ext cx="5544431" cy="329977"/>
           </a:xfrm>
           <a:prstGeom prst="rect">
             <a:avLst/>
@@ -10636,288 +8093,44 @@
           <a:noFill/>
           <a:ln w="9525">
             <a:noFill/>
-            <a:round/>
+            <a:miter lim="800000"/>
             <a:headEnd/>
             <a:tailEnd/>
           </a:ln>
         </p:spPr>
         <p:txBody>
-          <a:bodyPr lIns="82945" tIns="41473" rIns="82945" bIns="41473"/>
+          <a:bodyPr wrap="none" lIns="82945" tIns="41473" rIns="82945" bIns="41473">
+            <a:spAutoFit/>
+          </a:bodyPr>
           <a:lstStyle/>
           <a:p>
-            <a:pPr algn="ctr">
-              <a:tabLst>
-                <a:tab pos="0" algn="l"/>
-                <a:tab pos="414338" algn="l"/>
-                <a:tab pos="828675" algn="l"/>
-                <a:tab pos="1243013" algn="l"/>
-                <a:tab pos="1657350" algn="l"/>
-                <a:tab pos="2073275" algn="l"/>
-                <a:tab pos="2487613" algn="l"/>
-                <a:tab pos="2901950" algn="l"/>
-                <a:tab pos="3316288" algn="l"/>
-                <a:tab pos="3732213" algn="l"/>
-                <a:tab pos="4146550" algn="l"/>
-                <a:tab pos="4560888" algn="l"/>
-                <a:tab pos="4975225" algn="l"/>
-                <a:tab pos="5391150" algn="l"/>
-                <a:tab pos="5805488" algn="l"/>
-                <a:tab pos="6219825" algn="l"/>
-                <a:tab pos="6634163" algn="l"/>
-                <a:tab pos="7050088" algn="l"/>
-                <a:tab pos="7464425" algn="l"/>
-                <a:tab pos="7878763" algn="l"/>
-                <a:tab pos="8293100" algn="l"/>
-              </a:tabLst>
-            </a:pPr>
-            <a:r>
-              <a:rPr lang="it-IT" sz="4000" b="1">
-                <a:solidFill>
-                  <a:srgbClr val="000080"/>
-                </a:solidFill>
-                <a:ea typeface="Arial Unicode MS"/>
-                <a:cs typeface="Arial Unicode MS"/>
-              </a:rPr>
-              <a:t>②</a:t>
-            </a:r>
-            <a:r>
-              <a:rPr lang="en-US" sz="4000" b="1">
-                <a:solidFill>
-                  <a:srgbClr val="000080"/>
-                </a:solidFill>
-                <a:ea typeface="Arial Unicode MS"/>
-                <a:cs typeface="Arial Unicode MS"/>
-              </a:rPr>
-              <a:t> </a:t>
-            </a:r>
-            <a:r>
-              <a:rPr lang="it-IT" sz="4000">
-                <a:solidFill>
-                  <a:srgbClr val="000080"/>
-                </a:solidFill>
-                <a:ea typeface="Arial Unicode MS"/>
-                <a:cs typeface="Arial Unicode MS"/>
-              </a:rPr>
-              <a:t>Scopo e benefici</a:t>
-            </a:r>
-          </a:p>
-        </p:txBody>
-      </p:sp>
-      <p:sp>
-        <p:nvSpPr>
-          <p:cNvPr id="10243" name="Rectangle 2"/>
-          <p:cNvSpPr>
-            <a:spLocks noChangeArrowheads="1"/>
-          </p:cNvSpPr>
-          <p:nvPr/>
-        </p:nvSpPr>
-        <p:spPr bwMode="auto">
-          <a:xfrm>
-            <a:off x="609600" y="1371600"/>
-            <a:ext cx="8229600" cy="4911725"/>
-          </a:xfrm>
-          <a:prstGeom prst="rect">
-            <a:avLst/>
-          </a:prstGeom>
-          <a:noFill/>
-          <a:ln w="9525">
-            <a:noFill/>
-            <a:round/>
-            <a:headEnd/>
-            <a:tailEnd/>
-          </a:ln>
-        </p:spPr>
-        <p:txBody>
-          <a:bodyPr lIns="81639" tIns="42452" rIns="81639" bIns="42452"/>
-          <a:lstStyle/>
-          <a:p>
-            <a:pPr marL="288925" indent="-288925">
-              <a:spcBef>
-                <a:spcPts val="725"/>
-              </a:spcBef>
-              <a:buClr>
-                <a:srgbClr val="808080"/>
-              </a:buClr>
-              <a:buSzPct val="65000"/>
-              <a:buFont typeface="Wingdings" pitchFamily="2" charset="2"/>
-              <a:buChar char=""/>
-              <a:tabLst>
-                <a:tab pos="288925" algn="l"/>
-                <a:tab pos="703263" algn="l"/>
-                <a:tab pos="1117600" algn="l"/>
-                <a:tab pos="1533525" algn="l"/>
-                <a:tab pos="1947863" algn="l"/>
-                <a:tab pos="2362200" algn="l"/>
-                <a:tab pos="2776538" algn="l"/>
-                <a:tab pos="3192463" algn="l"/>
-                <a:tab pos="3606800" algn="l"/>
-                <a:tab pos="4021138" algn="l"/>
-                <a:tab pos="4435475" algn="l"/>
-                <a:tab pos="4851400" algn="l"/>
-                <a:tab pos="5265738" algn="l"/>
-                <a:tab pos="5680075" algn="l"/>
-                <a:tab pos="6094413" algn="l"/>
-                <a:tab pos="6508750" algn="l"/>
-                <a:tab pos="6924675" algn="l"/>
-                <a:tab pos="7339013" algn="l"/>
-                <a:tab pos="7753350" algn="l"/>
-                <a:tab pos="8167688" algn="l"/>
-                <a:tab pos="8583613" algn="l"/>
-              </a:tabLst>
-            </a:pPr>
-            <a:r>
-              <a:rPr lang="it-IT" sz="2900" b="1">
-                <a:solidFill>
-                  <a:srgbClr val="000000"/>
-                </a:solidFill>
-                <a:cs typeface="Arial" pitchFamily="34" charset="0"/>
-              </a:rPr>
-              <a:t>Benefici</a:t>
-            </a:r>
-            <a:r>
-              <a:rPr lang="it-IT" sz="2900">
-                <a:solidFill>
-                  <a:srgbClr val="000000"/>
-                </a:solidFill>
-                <a:cs typeface="Arial" pitchFamily="34" charset="0"/>
-              </a:rPr>
-              <a:t>: grazie a queste estensioni la federazione IDEM è in grado di essere usata per autenticare utenti su macchine Linxu.</a:t>
-            </a:r>
-          </a:p>
-          <a:p>
-            <a:pPr marL="288925" indent="-288925">
-              <a:spcBef>
-                <a:spcPts val="725"/>
-              </a:spcBef>
-              <a:buClr>
-                <a:srgbClr val="808080"/>
-              </a:buClr>
-              <a:buSzPct val="65000"/>
-              <a:buFont typeface="Wingdings" pitchFamily="2" charset="2"/>
-              <a:buChar char=""/>
-              <a:tabLst>
-                <a:tab pos="288925" algn="l"/>
-                <a:tab pos="703263" algn="l"/>
-                <a:tab pos="1117600" algn="l"/>
-                <a:tab pos="1533525" algn="l"/>
-                <a:tab pos="1947863" algn="l"/>
-                <a:tab pos="2362200" algn="l"/>
-                <a:tab pos="2776538" algn="l"/>
-                <a:tab pos="3192463" algn="l"/>
-                <a:tab pos="3606800" algn="l"/>
-                <a:tab pos="4021138" algn="l"/>
-                <a:tab pos="4435475" algn="l"/>
-                <a:tab pos="4851400" algn="l"/>
-                <a:tab pos="5265738" algn="l"/>
-                <a:tab pos="5680075" algn="l"/>
-                <a:tab pos="6094413" algn="l"/>
-                <a:tab pos="6508750" algn="l"/>
-                <a:tab pos="6924675" algn="l"/>
-                <a:tab pos="7339013" algn="l"/>
-                <a:tab pos="7753350" algn="l"/>
-                <a:tab pos="8167688" algn="l"/>
-                <a:tab pos="8583613" algn="l"/>
-              </a:tabLst>
-            </a:pPr>
-            <a:endParaRPr lang="it-IT" sz="2900">
-              <a:solidFill>
-                <a:srgbClr val="000000"/>
-              </a:solidFill>
-              <a:cs typeface="Arial" pitchFamily="34" charset="0"/>
-            </a:endParaRPr>
-          </a:p>
-          <a:p>
-            <a:pPr marL="288925" lvl="1" indent="-288925">
-              <a:spcBef>
-                <a:spcPts val="725"/>
-              </a:spcBef>
-              <a:buClr>
-                <a:srgbClr val="808080"/>
-              </a:buClr>
-              <a:buSzPct val="65000"/>
-              <a:buFont typeface="Wingdings" pitchFamily="2" charset="2"/>
-              <a:buChar char=""/>
-              <a:tabLst>
-                <a:tab pos="288925" algn="l"/>
-                <a:tab pos="703263" algn="l"/>
-                <a:tab pos="1117600" algn="l"/>
-                <a:tab pos="1533525" algn="l"/>
-                <a:tab pos="1947863" algn="l"/>
-                <a:tab pos="2362200" algn="l"/>
-                <a:tab pos="2776538" algn="l"/>
-                <a:tab pos="3192463" algn="l"/>
-                <a:tab pos="3606800" algn="l"/>
-                <a:tab pos="4021138" algn="l"/>
-                <a:tab pos="4435475" algn="l"/>
-                <a:tab pos="4851400" algn="l"/>
-                <a:tab pos="5265738" algn="l"/>
-                <a:tab pos="5680075" algn="l"/>
-                <a:tab pos="6094413" algn="l"/>
-                <a:tab pos="6508750" algn="l"/>
-                <a:tab pos="6924675" algn="l"/>
-                <a:tab pos="7339013" algn="l"/>
-                <a:tab pos="7753350" algn="l"/>
-                <a:tab pos="8167688" algn="l"/>
-                <a:tab pos="8583613" algn="l"/>
-              </a:tabLst>
-            </a:pPr>
-            <a:r>
-              <a:rPr lang="it-IT" sz="2900" b="1">
-                <a:solidFill>
-                  <a:srgbClr val="000000"/>
-                </a:solidFill>
-                <a:cs typeface="Arial" pitchFamily="34" charset="0"/>
-              </a:rPr>
-              <a:t>Esempio</a:t>
-            </a:r>
-            <a:r>
-              <a:rPr lang="it-IT" sz="2900">
-                <a:solidFill>
-                  <a:srgbClr val="000000"/>
-                </a:solidFill>
-                <a:cs typeface="Arial" pitchFamily="34" charset="0"/>
-              </a:rPr>
-              <a:t>: il problema ci si è presentato quando per il progetto GarrBox abbiamo pensato come includere in Shibboleth interfacce a blocchi per i filesystem (CIFS e NFS), le quali non transitano da browser web.</a:t>
-            </a:r>
-            <a:endParaRPr lang="en-US" sz="2500">
-              <a:solidFill>
-                <a:srgbClr val="000000"/>
-              </a:solidFill>
-              <a:cs typeface="Arial" pitchFamily="34" charset="0"/>
-            </a:endParaRPr>
+            <a:r>
+              <a:rPr lang="it-IT" sz="1600" i="1" dirty="0">
+                <a:latin typeface="Calibri" pitchFamily="34" charset="0"/>
+                <a:cs typeface="Calibri" pitchFamily="34" charset="0"/>
+              </a:rPr>
+              <a:t>(con bordo rosso le componenti sviluppate o configurate ad-hoc)</a:t>
+            </a:r>
           </a:p>
         </p:txBody>
       </p:sp>
     </p:spTree>
+    <p:extLst>
+      <p:ext uri="{BB962C8B-B14F-4D97-AF65-F5344CB8AC3E}">
+        <p14:creationId xmlns:p14="http://schemas.microsoft.com/office/powerpoint/2010/main" val="3676915095"/>
+      </p:ext>
+    </p:extLst>
   </p:cSld>
   <p:clrMapOvr>
     <a:masterClrMapping/>
   </p:clrMapOvr>
-  <p:transition spd="med"/>
+  <p:transition>
+    <p:fade/>
+  </p:transition>
   <p:timing>
     <p:tnLst>
       <p:par>
-        <p:cTn id="1" dur="indefinite" restart="never" nodeType="tmRoot">
-          <p:childTnLst>
-            <p:seq concurrent="1" nextAc="seek">
-              <p:cTn id="2" dur="indefinite" nodeType="mainSeq"/>
-              <p:prevCondLst>
-                <p:cond evt="onPrev" delay="0">
-                  <p:tgtEl>
-                    <p:sldTgt/>
-                  </p:tgtEl>
-                </p:cond>
-              </p:prevCondLst>
-              <p:nextCondLst>
-                <p:cond evt="onNext" delay="0">
-                  <p:tgtEl>
-                    <p:sldTgt/>
-                  </p:tgtEl>
-                </p:cond>
-              </p:nextCondLst>
-            </p:seq>
-          </p:childTnLst>
-        </p:cTn>
+        <p:cTn id="1" dur="indefinite" restart="never" nodeType="tmRoot"/>
       </p:par>
     </p:tnLst>
   </p:timing>
@@ -10943,187 +8156,344 @@
       </p:grpSpPr>
       <p:sp>
         <p:nvSpPr>
-          <p:cNvPr id="1027" name="Text Box 1"/>
-          <p:cNvSpPr txBox="1">
-            <a:spLocks noChangeArrowheads="1"/>
-          </p:cNvSpPr>
-          <p:nvPr/>
-        </p:nvSpPr>
-        <p:spPr bwMode="auto">
+          <p:cNvPr id="7170" name="Rectangle 2"/>
+          <p:cNvSpPr>
+            <a:spLocks noGrp="1" noChangeArrowheads="1"/>
+          </p:cNvSpPr>
+          <p:nvPr>
+            <p:ph type="title"/>
+          </p:nvPr>
+        </p:nvSpPr>
+        <p:spPr>
           <a:xfrm>
-            <a:off x="457200" y="277813"/>
-            <a:ext cx="8229600" cy="1141412"/>
+            <a:off x="330200" y="763588"/>
+            <a:ext cx="8167688" cy="455612"/>
           </a:xfrm>
-          <a:prstGeom prst="rect">
-            <a:avLst/>
-          </a:prstGeom>
-          <a:noFill/>
-          <a:ln w="9525">
-            <a:noFill/>
-            <a:round/>
-            <a:headEnd/>
-            <a:tailEnd/>
-          </a:ln>
-        </p:spPr>
-        <p:txBody>
-          <a:bodyPr lIns="82945" tIns="41473" rIns="82945" bIns="41473"/>
+        </p:spPr>
+        <p:txBody>
+          <a:bodyPr/>
           <a:lstStyle/>
           <a:p>
-            <a:pPr algn="ctr">
-              <a:tabLst>
-                <a:tab pos="0" algn="l"/>
-                <a:tab pos="414338" algn="l"/>
-                <a:tab pos="828675" algn="l"/>
-                <a:tab pos="1243013" algn="l"/>
-                <a:tab pos="1657350" algn="l"/>
-                <a:tab pos="2073275" algn="l"/>
-                <a:tab pos="2487613" algn="l"/>
-                <a:tab pos="2901950" algn="l"/>
-                <a:tab pos="3316288" algn="l"/>
-                <a:tab pos="3732213" algn="l"/>
-                <a:tab pos="4146550" algn="l"/>
-                <a:tab pos="4560888" algn="l"/>
-                <a:tab pos="4975225" algn="l"/>
-                <a:tab pos="5391150" algn="l"/>
-                <a:tab pos="5805488" algn="l"/>
-                <a:tab pos="6219825" algn="l"/>
-                <a:tab pos="6634163" algn="l"/>
-                <a:tab pos="7050088" algn="l"/>
-                <a:tab pos="7464425" algn="l"/>
-                <a:tab pos="7878763" algn="l"/>
-                <a:tab pos="8293100" algn="l"/>
-              </a:tabLst>
-            </a:pPr>
-            <a:r>
-              <a:rPr lang="it-IT" sz="4000" b="1">
-                <a:solidFill>
-                  <a:srgbClr val="000080"/>
-                </a:solidFill>
+            <a:pPr eaLnBrk="1" hangingPunct="1"/>
+            <a:r>
+              <a:rPr lang="en-GB" sz="2800" b="0" dirty="0">
+                <a:latin typeface="Arial Unicode MS"/>
                 <a:ea typeface="Arial Unicode MS"/>
                 <a:cs typeface="Arial Unicode MS"/>
               </a:rPr>
               <a:t>① </a:t>
             </a:r>
             <a:r>
-              <a:rPr lang="it-IT" sz="2700">
-                <a:solidFill>
-                  <a:srgbClr val="000080"/>
-                </a:solidFill>
+              <a:rPr lang="en-GB" sz="1800" b="0" dirty="0">
+                <a:latin typeface="Arial Unicode MS"/>
                 <a:ea typeface="Arial Unicode MS"/>
                 <a:cs typeface="Arial Unicode MS"/>
               </a:rPr>
               <a:t>e</a:t>
             </a:r>
             <a:r>
-              <a:rPr lang="it-IT" sz="4000" b="1">
-                <a:solidFill>
-                  <a:srgbClr val="000080"/>
-                </a:solidFill>
+              <a:rPr lang="en-GB" sz="2800" b="0" dirty="0">
+                <a:latin typeface="Arial Unicode MS"/>
                 <a:ea typeface="Arial Unicode MS"/>
                 <a:cs typeface="Arial Unicode MS"/>
               </a:rPr>
               <a:t> ② </a:t>
             </a:r>
             <a:r>
-              <a:rPr lang="it-IT" sz="4000">
-                <a:solidFill>
-                  <a:srgbClr val="000080"/>
-                </a:solidFill>
+              <a:rPr lang="en-GB" sz="2800" b="0" dirty="0" err="1" smtClean="0">
+                <a:latin typeface="Arial Unicode MS"/>
                 <a:ea typeface="Arial Unicode MS"/>
                 <a:cs typeface="Arial Unicode MS"/>
               </a:rPr>
-              <a:t>Architettura ad alto livello</a:t>
-            </a:r>
-          </a:p>
-        </p:txBody>
-      </p:sp>
-      <p:graphicFrame>
-        <p:nvGraphicFramePr>
-          <p:cNvPr id="1026" name="Object 2"/>
-          <p:cNvGraphicFramePr>
-            <a:graphicFrameLocks noChangeAspect="1"/>
-          </p:cNvGraphicFramePr>
-          <p:nvPr/>
-        </p:nvGraphicFramePr>
-        <p:xfrm>
-          <a:off x="769938" y="939800"/>
-          <a:ext cx="7672387" cy="5478463"/>
-        </p:xfrm>
-        <a:graphic>
-          <a:graphicData uri="http://schemas.openxmlformats.org/presentationml/2006/ole">
-            <p:oleObj spid="_x0000_s1026" name="Visio" r:id="rId4" imgW="5788679" imgH="4132634" progId="">
-              <p:embed/>
-            </p:oleObj>
-          </a:graphicData>
-        </a:graphic>
-      </p:graphicFrame>
-      <p:sp>
-        <p:nvSpPr>
-          <p:cNvPr id="1028" name="CasellaDiTesto 3"/>
-          <p:cNvSpPr txBox="1">
-            <a:spLocks noChangeArrowheads="1"/>
-          </p:cNvSpPr>
-          <p:nvPr/>
-        </p:nvSpPr>
-        <p:spPr bwMode="auto">
+              <a:t>Modifiche</a:t>
+            </a:r>
+            <a:r>
+              <a:rPr lang="en-GB" sz="2800" b="0" dirty="0" smtClean="0">
+                <a:latin typeface="Arial Unicode MS"/>
+                <a:ea typeface="Arial Unicode MS"/>
+                <a:cs typeface="Arial Unicode MS"/>
+              </a:rPr>
+              <a:t> </a:t>
+            </a:r>
+            <a:r>
+              <a:rPr lang="en-GB" sz="2800" b="0" dirty="0" err="1" smtClean="0">
+                <a:latin typeface="Arial Unicode MS"/>
+                <a:ea typeface="Arial Unicode MS"/>
+                <a:cs typeface="Arial Unicode MS"/>
+              </a:rPr>
+              <a:t>apportate</a:t>
+            </a:r>
+            <a:endParaRPr lang="en-GB" sz="2800" b="0" dirty="0" smtClean="0">
+              <a:latin typeface="Calibri" pitchFamily="34" charset="0"/>
+            </a:endParaRPr>
+          </a:p>
+        </p:txBody>
+      </p:sp>
+      <p:sp>
+        <p:nvSpPr>
+          <p:cNvPr id="5" name="Rectangle 3"/>
+          <p:cNvSpPr>
+            <a:spLocks noGrp="1" noChangeArrowheads="1"/>
+          </p:cNvSpPr>
+          <p:nvPr>
+            <p:ph type="body" sz="half" idx="1"/>
+          </p:nvPr>
+        </p:nvSpPr>
+        <p:spPr>
           <a:xfrm>
-            <a:off x="1503363" y="6254750"/>
-            <a:ext cx="6746875" cy="360363"/>
+            <a:off x="517525" y="1319213"/>
+            <a:ext cx="8296275" cy="4294187"/>
           </a:xfrm>
-          <a:prstGeom prst="rect">
-            <a:avLst/>
-          </a:prstGeom>
-          <a:noFill/>
-          <a:ln w="9525">
-            <a:noFill/>
-            <a:miter lim="800000"/>
-            <a:headEnd/>
-            <a:tailEnd/>
-          </a:ln>
-        </p:spPr>
-        <p:txBody>
-          <a:bodyPr wrap="none" lIns="82945" tIns="41473" rIns="82945" bIns="41473">
-            <a:spAutoFit/>
-          </a:bodyPr>
+        </p:spPr>
+        <p:txBody>
+          <a:bodyPr/>
           <a:lstStyle/>
           <a:p>
-            <a:r>
-              <a:rPr lang="it-IT"/>
-              <a:t>(con bordo rosso le componenti sviluppate o configurate ad-hoc)</a:t>
-            </a:r>
+            <a:pPr lvl="1" eaLnBrk="1" hangingPunct="1">
+              <a:spcBef>
+                <a:spcPct val="0"/>
+              </a:spcBef>
+              <a:spcAft>
+                <a:spcPct val="20000"/>
+              </a:spcAft>
+              <a:buSzPct val="60000"/>
+              <a:defRPr/>
+            </a:pPr>
+            <a:r>
+              <a:rPr lang="it-IT" sz="2400" b="1" dirty="0" err="1">
+                <a:latin typeface="Calibri" pitchFamily="34" charset="0"/>
+              </a:rPr>
+              <a:t>IdP</a:t>
+            </a:r>
+            <a:r>
+              <a:rPr lang="it-IT" sz="2400" dirty="0">
+                <a:latin typeface="Calibri" pitchFamily="34" charset="0"/>
+              </a:rPr>
+              <a:t>: </a:t>
+            </a:r>
+            <a:r>
+              <a:rPr lang="it-IT" sz="2400" dirty="0" err="1">
+                <a:latin typeface="Calibri" pitchFamily="34" charset="0"/>
+              </a:rPr>
+              <a:t>deploy</a:t>
+            </a:r>
+            <a:r>
+              <a:rPr lang="it-IT" sz="2400" dirty="0">
+                <a:latin typeface="Calibri" pitchFamily="34" charset="0"/>
+              </a:rPr>
+              <a:t> di una </a:t>
+            </a:r>
+            <a:r>
+              <a:rPr lang="it-IT" sz="2400" dirty="0" err="1">
+                <a:latin typeface="Calibri" pitchFamily="34" charset="0"/>
+              </a:rPr>
+              <a:t>servlet</a:t>
+            </a:r>
+            <a:r>
+              <a:rPr lang="it-IT" sz="2400" dirty="0">
+                <a:latin typeface="Calibri" pitchFamily="34" charset="0"/>
+              </a:rPr>
+              <a:t> per fornire gli elenchi di utenti e gruppi da LDAP e attivazione (tramite configurazione) del Basic </a:t>
+            </a:r>
+            <a:r>
+              <a:rPr lang="it-IT" sz="2400" dirty="0" err="1">
+                <a:latin typeface="Calibri" pitchFamily="34" charset="0"/>
+              </a:rPr>
+              <a:t>Authentication</a:t>
+            </a:r>
+            <a:r>
+              <a:rPr lang="it-IT" sz="2400" dirty="0">
+                <a:latin typeface="Calibri" pitchFamily="34" charset="0"/>
+              </a:rPr>
+              <a:t> Login </a:t>
+            </a:r>
+            <a:r>
+              <a:rPr lang="it-IT" sz="2400" dirty="0" err="1">
+                <a:latin typeface="Calibri" pitchFamily="34" charset="0"/>
+              </a:rPr>
+              <a:t>Handler</a:t>
+            </a:r>
+            <a:r>
+              <a:rPr lang="it-IT" sz="2400" dirty="0">
+                <a:latin typeface="Calibri" pitchFamily="34" charset="0"/>
+              </a:rPr>
+              <a:t>.</a:t>
+            </a:r>
+          </a:p>
+          <a:p>
+            <a:pPr lvl="1" eaLnBrk="1" hangingPunct="1">
+              <a:spcBef>
+                <a:spcPct val="0"/>
+              </a:spcBef>
+              <a:spcAft>
+                <a:spcPct val="20000"/>
+              </a:spcAft>
+              <a:buSzPct val="60000"/>
+              <a:defRPr/>
+            </a:pPr>
+            <a:endParaRPr lang="it-IT" sz="2400" dirty="0">
+              <a:latin typeface="Calibri" pitchFamily="34" charset="0"/>
+            </a:endParaRPr>
+          </a:p>
+          <a:p>
+            <a:pPr lvl="1" eaLnBrk="1" hangingPunct="1">
+              <a:spcBef>
+                <a:spcPct val="0"/>
+              </a:spcBef>
+              <a:spcAft>
+                <a:spcPct val="20000"/>
+              </a:spcAft>
+              <a:buSzPct val="60000"/>
+              <a:defRPr/>
+            </a:pPr>
+            <a:r>
+              <a:rPr lang="it-IT" sz="2400" b="1" dirty="0">
+                <a:latin typeface="Calibri" pitchFamily="34" charset="0"/>
+              </a:rPr>
+              <a:t>SP</a:t>
+            </a:r>
+            <a:r>
+              <a:rPr lang="it-IT" sz="2400" dirty="0">
+                <a:latin typeface="Calibri" pitchFamily="34" charset="0"/>
+              </a:rPr>
+              <a:t>: </a:t>
+            </a:r>
+            <a:r>
+              <a:rPr lang="it-IT" sz="2400" dirty="0" err="1">
+                <a:latin typeface="Calibri" pitchFamily="34" charset="0"/>
+              </a:rPr>
+              <a:t>deploy</a:t>
+            </a:r>
+            <a:r>
+              <a:rPr lang="it-IT" sz="2400" dirty="0">
+                <a:latin typeface="Calibri" pitchFamily="34" charset="0"/>
+              </a:rPr>
+              <a:t> di librerie per PAM (moduli di autorizzazione dei sistemi Linux) e configurazione di </a:t>
+            </a:r>
+            <a:r>
+              <a:rPr lang="it-IT" sz="2400" dirty="0" err="1">
+                <a:latin typeface="Calibri" pitchFamily="34" charset="0"/>
+              </a:rPr>
+              <a:t>Shibboleth</a:t>
+            </a:r>
+            <a:r>
+              <a:rPr lang="it-IT" sz="2400" dirty="0">
+                <a:latin typeface="Calibri" pitchFamily="34" charset="0"/>
+              </a:rPr>
+              <a:t> SP.</a:t>
+            </a:r>
+            <a:br>
+              <a:rPr lang="it-IT" sz="2400" dirty="0">
+                <a:latin typeface="Calibri" pitchFamily="34" charset="0"/>
+              </a:rPr>
+            </a:br>
+            <a:r>
+              <a:rPr lang="it-IT" sz="2400" dirty="0">
+                <a:latin typeface="Calibri" pitchFamily="34" charset="0"/>
+              </a:rPr>
+              <a:t>Sono inoltre state realizzate delle API per integrare l’autenticazione </a:t>
+            </a:r>
+            <a:r>
+              <a:rPr lang="it-IT" sz="2400" dirty="0" err="1">
+                <a:latin typeface="Calibri" pitchFamily="34" charset="0"/>
+              </a:rPr>
+              <a:t>Shibboleth</a:t>
+            </a:r>
+            <a:r>
+              <a:rPr lang="it-IT" sz="2400" dirty="0">
+                <a:latin typeface="Calibri" pitchFamily="34" charset="0"/>
+              </a:rPr>
+              <a:t> in </a:t>
+            </a:r>
+            <a:r>
+              <a:rPr lang="it-IT" sz="2400" dirty="0" err="1">
+                <a:latin typeface="Calibri" pitchFamily="34" charset="0"/>
+              </a:rPr>
+              <a:t>applicazionei</a:t>
+            </a:r>
+            <a:r>
+              <a:rPr lang="it-IT" sz="2400" dirty="0">
+                <a:latin typeface="Calibri" pitchFamily="34" charset="0"/>
+              </a:rPr>
+              <a:t> Java e </a:t>
+            </a:r>
+            <a:r>
+              <a:rPr lang="it-IT" sz="2400" dirty="0" err="1">
+                <a:latin typeface="Calibri" pitchFamily="34" charset="0"/>
+              </a:rPr>
+              <a:t>Python</a:t>
+            </a:r>
+            <a:r>
+              <a:rPr lang="it-IT" sz="2400" dirty="0">
+                <a:latin typeface="Calibri" pitchFamily="34" charset="0"/>
+              </a:rPr>
+              <a:t>.</a:t>
+            </a:r>
+          </a:p>
+          <a:p>
+            <a:pPr lvl="1" eaLnBrk="1" hangingPunct="1">
+              <a:spcBef>
+                <a:spcPct val="0"/>
+              </a:spcBef>
+              <a:spcAft>
+                <a:spcPct val="20000"/>
+              </a:spcAft>
+              <a:buSzPct val="60000"/>
+              <a:defRPr/>
+            </a:pPr>
+            <a:endParaRPr lang="it-IT" sz="2400" dirty="0" smtClean="0">
+              <a:latin typeface="Calibri" pitchFamily="34" charset="0"/>
+            </a:endParaRPr>
+          </a:p>
+          <a:p>
+            <a:pPr marL="796925" lvl="1" eaLnBrk="1" hangingPunct="1">
+              <a:spcBef>
+                <a:spcPct val="0"/>
+              </a:spcBef>
+              <a:spcAft>
+                <a:spcPct val="20000"/>
+              </a:spcAft>
+              <a:buSzPct val="60000"/>
+              <a:defRPr/>
+            </a:pPr>
+            <a:endParaRPr lang="it-IT" sz="2000" dirty="0" smtClean="0">
+              <a:latin typeface="Calibri" pitchFamily="34" charset="0"/>
+            </a:endParaRPr>
+          </a:p>
+          <a:p>
+            <a:pPr lvl="1" eaLnBrk="1" hangingPunct="1">
+              <a:spcBef>
+                <a:spcPct val="0"/>
+              </a:spcBef>
+              <a:spcAft>
+                <a:spcPct val="20000"/>
+              </a:spcAft>
+              <a:buSzPct val="60000"/>
+              <a:defRPr/>
+            </a:pPr>
+            <a:endParaRPr lang="en-GB" sz="2400" dirty="0" smtClean="0">
+              <a:latin typeface="Calibri" pitchFamily="34" charset="0"/>
+            </a:endParaRPr>
           </a:p>
         </p:txBody>
       </p:sp>
     </p:spTree>
+    <p:extLst>
+      <p:ext uri="{BB962C8B-B14F-4D97-AF65-F5344CB8AC3E}">
+        <p14:creationId xmlns:p14="http://schemas.microsoft.com/office/powerpoint/2010/main" val="312135535"/>
+      </p:ext>
+    </p:extLst>
   </p:cSld>
   <p:clrMapOvr>
     <a:masterClrMapping/>
   </p:clrMapOvr>
-  <p:transition spd="med"/>
+  <p:transition>
+    <p:fade/>
+  </p:transition>
   <p:timing>
     <p:tnLst>
       <p:par>
-        <p:cTn id="1" dur="indefinite" restart="never" nodeType="tmRoot">
-          <p:childTnLst>
-            <p:seq concurrent="1" nextAc="seek">
-              <p:cTn id="2" dur="indefinite" nodeType="mainSeq"/>
-              <p:prevCondLst>
-                <p:cond evt="onPrev" delay="0">
-                  <p:tgtEl>
-                    <p:sldTgt/>
-                  </p:tgtEl>
-                </p:cond>
-              </p:prevCondLst>
-              <p:nextCondLst>
-                <p:cond evt="onNext" delay="0">
-                  <p:tgtEl>
-                    <p:sldTgt/>
-                  </p:tgtEl>
-                </p:cond>
-              </p:nextCondLst>
-            </p:seq>
-          </p:childTnLst>
-        </p:cTn>
+        <p:cTn id="1" dur="indefinite" restart="never" nodeType="tmRoot"/>
       </p:par>
     </p:tnLst>
   </p:timing>
@@ -11149,341 +8519,206 @@
       </p:grpSpPr>
       <p:sp>
         <p:nvSpPr>
-          <p:cNvPr id="11266" name="Text Box 1"/>
-          <p:cNvSpPr txBox="1">
-            <a:spLocks noChangeArrowheads="1"/>
-          </p:cNvSpPr>
-          <p:nvPr/>
-        </p:nvSpPr>
-        <p:spPr bwMode="auto">
+          <p:cNvPr id="7170" name="Rectangle 2"/>
+          <p:cNvSpPr>
+            <a:spLocks noGrp="1" noChangeArrowheads="1"/>
+          </p:cNvSpPr>
+          <p:nvPr>
+            <p:ph type="title"/>
+          </p:nvPr>
+        </p:nvSpPr>
+        <p:spPr>
           <a:xfrm>
-            <a:off x="457200" y="277813"/>
-            <a:ext cx="8229600" cy="1141412"/>
+            <a:off x="330200" y="763588"/>
+            <a:ext cx="8167688" cy="455612"/>
           </a:xfrm>
-          <a:prstGeom prst="rect">
-            <a:avLst/>
-          </a:prstGeom>
-          <a:noFill/>
-          <a:ln w="9525">
-            <a:noFill/>
-            <a:round/>
-            <a:headEnd/>
-            <a:tailEnd/>
-          </a:ln>
-        </p:spPr>
-        <p:txBody>
-          <a:bodyPr lIns="82945" tIns="41473" rIns="82945" bIns="41473"/>
+        </p:spPr>
+        <p:txBody>
+          <a:bodyPr/>
           <a:lstStyle/>
           <a:p>
-            <a:pPr algn="ctr">
-              <a:tabLst>
-                <a:tab pos="0" algn="l"/>
-                <a:tab pos="414338" algn="l"/>
-                <a:tab pos="828675" algn="l"/>
-                <a:tab pos="1243013" algn="l"/>
-                <a:tab pos="1657350" algn="l"/>
-                <a:tab pos="2073275" algn="l"/>
-                <a:tab pos="2487613" algn="l"/>
-                <a:tab pos="2901950" algn="l"/>
-                <a:tab pos="3316288" algn="l"/>
-                <a:tab pos="3732213" algn="l"/>
-                <a:tab pos="4146550" algn="l"/>
-                <a:tab pos="4560888" algn="l"/>
-                <a:tab pos="4975225" algn="l"/>
-                <a:tab pos="5391150" algn="l"/>
-                <a:tab pos="5805488" algn="l"/>
-                <a:tab pos="6219825" algn="l"/>
-                <a:tab pos="6634163" algn="l"/>
-                <a:tab pos="7050088" algn="l"/>
-                <a:tab pos="7464425" algn="l"/>
-                <a:tab pos="7878763" algn="l"/>
-                <a:tab pos="8293100" algn="l"/>
-              </a:tabLst>
-            </a:pPr>
-            <a:r>
-              <a:rPr lang="it-IT" sz="4000" b="1">
-                <a:solidFill>
-                  <a:srgbClr val="000080"/>
-                </a:solidFill>
+            <a:pPr eaLnBrk="1" hangingPunct="1"/>
+            <a:r>
+              <a:rPr lang="en-GB" sz="2800" b="0" dirty="0" smtClean="0">
+                <a:latin typeface="Arial Unicode MS"/>
                 <a:ea typeface="Arial Unicode MS"/>
                 <a:cs typeface="Arial Unicode MS"/>
               </a:rPr>
-              <a:t>① </a:t>
-            </a:r>
-            <a:r>
-              <a:rPr lang="it-IT" sz="2700">
-                <a:solidFill>
-                  <a:srgbClr val="000080"/>
-                </a:solidFill>
+              <a:t>③ </a:t>
+            </a:r>
+            <a:r>
+              <a:rPr lang="en-GB" sz="2800" b="0" dirty="0" err="1" smtClean="0">
+                <a:latin typeface="Arial Unicode MS"/>
                 <a:ea typeface="Arial Unicode MS"/>
                 <a:cs typeface="Arial Unicode MS"/>
               </a:rPr>
-              <a:t>e</a:t>
-            </a:r>
-            <a:r>
-              <a:rPr lang="it-IT" sz="4000" b="1">
-                <a:solidFill>
-                  <a:srgbClr val="000080"/>
-                </a:solidFill>
+              <a:t>Scopo</a:t>
+            </a:r>
+            <a:r>
+              <a:rPr lang="en-GB" sz="2800" b="0" dirty="0" smtClean="0">
+                <a:latin typeface="Arial Unicode MS"/>
                 <a:ea typeface="Arial Unicode MS"/>
                 <a:cs typeface="Arial Unicode MS"/>
               </a:rPr>
-              <a:t> ② </a:t>
-            </a:r>
-            <a:r>
-              <a:rPr lang="en-US" sz="4000">
-                <a:solidFill>
-                  <a:srgbClr val="000080"/>
-                </a:solidFill>
+              <a:t> e </a:t>
+            </a:r>
+            <a:r>
+              <a:rPr lang="en-GB" sz="2800" b="0" dirty="0" err="1" smtClean="0">
+                <a:latin typeface="Arial Unicode MS"/>
                 <a:ea typeface="Arial Unicode MS"/>
                 <a:cs typeface="Arial Unicode MS"/>
               </a:rPr>
-              <a:t>Modifiche apportate</a:t>
-            </a:r>
-          </a:p>
-        </p:txBody>
-      </p:sp>
-      <p:sp>
-        <p:nvSpPr>
-          <p:cNvPr id="11267" name="Rectangle 2"/>
-          <p:cNvSpPr>
-            <a:spLocks noChangeArrowheads="1"/>
-          </p:cNvSpPr>
-          <p:nvPr/>
-        </p:nvSpPr>
-        <p:spPr bwMode="auto">
+              <a:t>benefici</a:t>
+            </a:r>
+            <a:endParaRPr lang="en-GB" sz="2800" b="0" dirty="0" smtClean="0">
+              <a:latin typeface="Calibri" pitchFamily="34" charset="0"/>
+            </a:endParaRPr>
+          </a:p>
+        </p:txBody>
+      </p:sp>
+      <p:sp>
+        <p:nvSpPr>
+          <p:cNvPr id="5" name="Rectangle 3"/>
+          <p:cNvSpPr>
+            <a:spLocks noGrp="1" noChangeArrowheads="1"/>
+          </p:cNvSpPr>
+          <p:nvPr>
+            <p:ph type="body" sz="half" idx="1"/>
+          </p:nvPr>
+        </p:nvSpPr>
+        <p:spPr>
           <a:xfrm>
-            <a:off x="609600" y="1371600"/>
-            <a:ext cx="8229600" cy="4911725"/>
+            <a:off x="517525" y="1319213"/>
+            <a:ext cx="8296275" cy="4294187"/>
           </a:xfrm>
-          <a:prstGeom prst="rect">
-            <a:avLst/>
-          </a:prstGeom>
-          <a:noFill/>
-          <a:ln w="9525">
-            <a:noFill/>
-            <a:round/>
-            <a:headEnd/>
-            <a:tailEnd/>
-          </a:ln>
-        </p:spPr>
-        <p:txBody>
-          <a:bodyPr lIns="81639" tIns="42452" rIns="81639" bIns="42452"/>
+        </p:spPr>
+        <p:txBody>
+          <a:bodyPr/>
           <a:lstStyle/>
           <a:p>
-            <a:pPr marL="288925" indent="-288925">
+            <a:pPr lvl="1" eaLnBrk="1" hangingPunct="1">
               <a:spcBef>
-                <a:spcPts val="725"/>
+                <a:spcPct val="0"/>
               </a:spcBef>
-              <a:buClr>
-                <a:srgbClr val="808080"/>
-              </a:buClr>
-              <a:buSzPct val="65000"/>
-              <a:buFont typeface="Wingdings" pitchFamily="2" charset="2"/>
-              <a:buChar char=""/>
-              <a:tabLst>
-                <a:tab pos="288925" algn="l"/>
-                <a:tab pos="703263" algn="l"/>
-                <a:tab pos="1117600" algn="l"/>
-                <a:tab pos="1533525" algn="l"/>
-                <a:tab pos="1947863" algn="l"/>
-                <a:tab pos="2362200" algn="l"/>
-                <a:tab pos="2776538" algn="l"/>
-                <a:tab pos="3192463" algn="l"/>
-                <a:tab pos="3606800" algn="l"/>
-                <a:tab pos="4021138" algn="l"/>
-                <a:tab pos="4435475" algn="l"/>
-                <a:tab pos="4851400" algn="l"/>
-                <a:tab pos="5265738" algn="l"/>
-                <a:tab pos="5680075" algn="l"/>
-                <a:tab pos="6094413" algn="l"/>
-                <a:tab pos="6508750" algn="l"/>
-                <a:tab pos="6924675" algn="l"/>
-                <a:tab pos="7339013" algn="l"/>
-                <a:tab pos="7753350" algn="l"/>
-                <a:tab pos="8167688" algn="l"/>
-                <a:tab pos="8583613" algn="l"/>
-              </a:tabLst>
+              <a:spcAft>
+                <a:spcPct val="20000"/>
+              </a:spcAft>
+              <a:buSzPct val="60000"/>
+              <a:defRPr/>
             </a:pPr>
             <a:r>
-              <a:rPr lang="it-IT" sz="2900" b="1">
-                <a:solidFill>
-                  <a:srgbClr val="000000"/>
-                </a:solidFill>
-                <a:cs typeface="Arial" pitchFamily="34" charset="0"/>
-              </a:rPr>
-              <a:t>IdP</a:t>
-            </a:r>
-            <a:r>
-              <a:rPr lang="it-IT" sz="2900">
-                <a:solidFill>
-                  <a:srgbClr val="000000"/>
-                </a:solidFill>
-                <a:cs typeface="Arial" pitchFamily="34" charset="0"/>
-              </a:rPr>
-              <a:t>: deploy di una servlet per fornire gli elenchi di utenti e gruppi da LDAP e attivazione (tramite configurazione) del Basic Authentication Login Handler.</a:t>
-            </a:r>
-          </a:p>
-          <a:p>
-            <a:pPr marL="288925" indent="-288925">
+              <a:rPr lang="it-IT" sz="2400" b="1" dirty="0">
+                <a:latin typeface="Calibri" pitchFamily="34" charset="0"/>
+              </a:rPr>
+              <a:t>Benefici</a:t>
+            </a:r>
+            <a:r>
+              <a:rPr lang="it-IT" sz="2400" dirty="0">
+                <a:latin typeface="Calibri" pitchFamily="34" charset="0"/>
+              </a:rPr>
+              <a:t>: grazie a queste estensione la federazione IDEM è in grado di raggiungere e includere applicazioni che usano protocolli di autenticazione sofisticati.</a:t>
+            </a:r>
+          </a:p>
+          <a:p>
+            <a:pPr lvl="1" eaLnBrk="1" hangingPunct="1">
               <a:spcBef>
-                <a:spcPts val="725"/>
+                <a:spcPct val="0"/>
               </a:spcBef>
-              <a:buClr>
-                <a:srgbClr val="808080"/>
-              </a:buClr>
-              <a:buSzPct val="65000"/>
-              <a:buFont typeface="Wingdings" pitchFamily="2" charset="2"/>
-              <a:buChar char=""/>
-              <a:tabLst>
-                <a:tab pos="288925" algn="l"/>
-                <a:tab pos="703263" algn="l"/>
-                <a:tab pos="1117600" algn="l"/>
-                <a:tab pos="1533525" algn="l"/>
-                <a:tab pos="1947863" algn="l"/>
-                <a:tab pos="2362200" algn="l"/>
-                <a:tab pos="2776538" algn="l"/>
-                <a:tab pos="3192463" algn="l"/>
-                <a:tab pos="3606800" algn="l"/>
-                <a:tab pos="4021138" algn="l"/>
-                <a:tab pos="4435475" algn="l"/>
-                <a:tab pos="4851400" algn="l"/>
-                <a:tab pos="5265738" algn="l"/>
-                <a:tab pos="5680075" algn="l"/>
-                <a:tab pos="6094413" algn="l"/>
-                <a:tab pos="6508750" algn="l"/>
-                <a:tab pos="6924675" algn="l"/>
-                <a:tab pos="7339013" algn="l"/>
-                <a:tab pos="7753350" algn="l"/>
-                <a:tab pos="8167688" algn="l"/>
-                <a:tab pos="8583613" algn="l"/>
-              </a:tabLst>
+              <a:spcAft>
+                <a:spcPct val="20000"/>
+              </a:spcAft>
+              <a:buSzPct val="60000"/>
+              <a:defRPr/>
             </a:pPr>
-            <a:endParaRPr lang="it-IT" sz="2900">
-              <a:solidFill>
-                <a:srgbClr val="000000"/>
-              </a:solidFill>
-              <a:cs typeface="Arial" pitchFamily="34" charset="0"/>
+            <a:endParaRPr lang="it-IT" sz="2400" b="1" dirty="0">
+              <a:latin typeface="Calibri" pitchFamily="34" charset="0"/>
             </a:endParaRPr>
           </a:p>
           <a:p>
-            <a:pPr marL="288925" lvl="1" indent="-288925">
+            <a:pPr lvl="1" eaLnBrk="1" hangingPunct="1">
               <a:spcBef>
-                <a:spcPts val="725"/>
+                <a:spcPct val="0"/>
               </a:spcBef>
-              <a:buClr>
-                <a:srgbClr val="808080"/>
-              </a:buClr>
-              <a:buSzPct val="65000"/>
-              <a:buFont typeface="Wingdings" pitchFamily="2" charset="2"/>
-              <a:buChar char=""/>
-              <a:tabLst>
-                <a:tab pos="288925" algn="l"/>
-                <a:tab pos="703263" algn="l"/>
-                <a:tab pos="1117600" algn="l"/>
-                <a:tab pos="1533525" algn="l"/>
-                <a:tab pos="1947863" algn="l"/>
-                <a:tab pos="2362200" algn="l"/>
-                <a:tab pos="2776538" algn="l"/>
-                <a:tab pos="3192463" algn="l"/>
-                <a:tab pos="3606800" algn="l"/>
-                <a:tab pos="4021138" algn="l"/>
-                <a:tab pos="4435475" algn="l"/>
-                <a:tab pos="4851400" algn="l"/>
-                <a:tab pos="5265738" algn="l"/>
-                <a:tab pos="5680075" algn="l"/>
-                <a:tab pos="6094413" algn="l"/>
-                <a:tab pos="6508750" algn="l"/>
-                <a:tab pos="6924675" algn="l"/>
-                <a:tab pos="7339013" algn="l"/>
-                <a:tab pos="7753350" algn="l"/>
-                <a:tab pos="8167688" algn="l"/>
-                <a:tab pos="8583613" algn="l"/>
-              </a:tabLst>
+              <a:spcAft>
+                <a:spcPct val="20000"/>
+              </a:spcAft>
+              <a:buSzPct val="60000"/>
+              <a:defRPr/>
             </a:pPr>
             <a:r>
-              <a:rPr lang="en-US" sz="2900" b="1">
-                <a:solidFill>
-                  <a:srgbClr val="000000"/>
-                </a:solidFill>
-                <a:cs typeface="Arial" pitchFamily="34" charset="0"/>
-              </a:rPr>
-              <a:t>SP</a:t>
-            </a:r>
-            <a:r>
-              <a:rPr lang="en-US" sz="2900">
-                <a:solidFill>
-                  <a:srgbClr val="000000"/>
-                </a:solidFill>
-                <a:cs typeface="Arial" pitchFamily="34" charset="0"/>
-              </a:rPr>
-              <a:t>: d</a:t>
-            </a:r>
-            <a:r>
-              <a:rPr lang="it-IT" sz="2900">
-                <a:solidFill>
-                  <a:srgbClr val="000000"/>
-                </a:solidFill>
-                <a:cs typeface="Arial" pitchFamily="34" charset="0"/>
-              </a:rPr>
-              <a:t>eploy di librerie per PAM (moduli di autorizzazione dei sistemi Linux) e configurazione di Shibboleth SP.</a:t>
-            </a:r>
-            <a:br>
-              <a:rPr lang="it-IT" sz="2900">
-                <a:solidFill>
-                  <a:srgbClr val="000000"/>
-                </a:solidFill>
-                <a:cs typeface="Arial" pitchFamily="34" charset="0"/>
-              </a:rPr>
-            </a:br>
-            <a:r>
-              <a:rPr lang="it-IT" sz="2900">
-                <a:solidFill>
-                  <a:srgbClr val="000000"/>
-                </a:solidFill>
-                <a:cs typeface="Arial" pitchFamily="34" charset="0"/>
-              </a:rPr>
-              <a:t>Sono inoltre state realizzate delle API per integrare l’autenticazione Shibboleth in applicazionei Java e Python.</a:t>
-            </a:r>
-            <a:endParaRPr lang="it-IT" sz="2500">
-              <a:solidFill>
-                <a:srgbClr val="000000"/>
-              </a:solidFill>
-              <a:cs typeface="Arial" pitchFamily="34" charset="0"/>
+              <a:rPr lang="it-IT" sz="2400" b="1" dirty="0">
+                <a:latin typeface="Calibri" pitchFamily="34" charset="0"/>
+              </a:rPr>
+              <a:t>Esempio</a:t>
+            </a:r>
+            <a:r>
+              <a:rPr lang="it-IT" sz="2400" dirty="0">
+                <a:latin typeface="Calibri" pitchFamily="34" charset="0"/>
+              </a:rPr>
+              <a:t>: il problema ci si è presentato nel momento in cui per </a:t>
+            </a:r>
+            <a:r>
+              <a:rPr lang="it-IT" sz="2400" dirty="0" err="1">
+                <a:latin typeface="Calibri" pitchFamily="34" charset="0"/>
+              </a:rPr>
+              <a:t>GarrBox</a:t>
+            </a:r>
+            <a:r>
+              <a:rPr lang="it-IT" sz="2400" dirty="0">
+                <a:latin typeface="Calibri" pitchFamily="34" charset="0"/>
+              </a:rPr>
+              <a:t> abbiamo dovuto integrare l’interfaccia Amazon S3, che ha un suo schema autorizzativo non basato su </a:t>
+            </a:r>
+            <a:r>
+              <a:rPr lang="it-IT" sz="2400" dirty="0" err="1" smtClean="0">
+                <a:latin typeface="Calibri" pitchFamily="34" charset="0"/>
+              </a:rPr>
+              <a:t>username+password</a:t>
+            </a:r>
+            <a:r>
+              <a:rPr lang="it-IT" sz="2400" dirty="0">
+                <a:latin typeface="Calibri" pitchFamily="34" charset="0"/>
+              </a:rPr>
+              <a:t>.</a:t>
+            </a:r>
+            <a:endParaRPr lang="it-IT" sz="2000" dirty="0" smtClean="0">
+              <a:latin typeface="Calibri" pitchFamily="34" charset="0"/>
             </a:endParaRPr>
           </a:p>
+          <a:p>
+            <a:pPr lvl="1" eaLnBrk="1" hangingPunct="1">
+              <a:spcBef>
+                <a:spcPct val="0"/>
+              </a:spcBef>
+              <a:spcAft>
+                <a:spcPct val="20000"/>
+              </a:spcAft>
+              <a:buSzPct val="60000"/>
+              <a:defRPr/>
+            </a:pPr>
+            <a:endParaRPr lang="en-GB" sz="2400" dirty="0" smtClean="0">
+              <a:latin typeface="Calibri" pitchFamily="34" charset="0"/>
+            </a:endParaRPr>
+          </a:p>
         </p:txBody>
       </p:sp>
     </p:spTree>
+    <p:extLst>
+      <p:ext uri="{BB962C8B-B14F-4D97-AF65-F5344CB8AC3E}">
+        <p14:creationId xmlns:p14="http://schemas.microsoft.com/office/powerpoint/2010/main" val="2536509950"/>
+      </p:ext>
+    </p:extLst>
   </p:cSld>
   <p:clrMapOvr>
     <a:masterClrMapping/>
   </p:clrMapOvr>
-  <p:transition spd="med"/>
+  <p:transition>
+    <p:fade/>
+  </p:transition>
   <p:timing>
     <p:tnLst>
       <p:par>
-        <p:cTn id="1" dur="indefinite" restart="never" nodeType="tmRoot">
-          <p:childTnLst>
-            <p:seq concurrent="1" nextAc="seek">
-              <p:cTn id="2" dur="indefinite" nodeType="mainSeq"/>
-              <p:prevCondLst>
-                <p:cond evt="onPrev" delay="0">
-                  <p:tgtEl>
-                    <p:sldTgt/>
-                  </p:tgtEl>
-                </p:cond>
-              </p:prevCondLst>
-              <p:nextCondLst>
-                <p:cond evt="onNext" delay="0">
-                  <p:tgtEl>
-                    <p:sldTgt/>
-                  </p:tgtEl>
-                </p:cond>
-              </p:nextCondLst>
-            </p:seq>
-          </p:childTnLst>
-        </p:cTn>
+        <p:cTn id="1" dur="indefinite" restart="never" nodeType="tmRoot"/>
       </p:par>
     </p:tnLst>
   </p:timing>
@@ -11509,7 +8744,66 @@
       </p:grpSpPr>
       <p:sp>
         <p:nvSpPr>
-          <p:cNvPr id="12290" name="Text Box 1"/>
+          <p:cNvPr id="7170" name="Rectangle 2"/>
+          <p:cNvSpPr>
+            <a:spLocks noGrp="1" noChangeArrowheads="1"/>
+          </p:cNvSpPr>
+          <p:nvPr>
+            <p:ph type="title"/>
+          </p:nvPr>
+        </p:nvSpPr>
+        <p:spPr>
+          <a:xfrm>
+            <a:off x="330200" y="763588"/>
+            <a:ext cx="8167688" cy="455612"/>
+          </a:xfrm>
+        </p:spPr>
+        <p:txBody>
+          <a:bodyPr/>
+          <a:lstStyle/>
+          <a:p>
+            <a:pPr eaLnBrk="1" hangingPunct="1"/>
+            <a:r>
+              <a:rPr lang="en-GB" sz="2800" b="0" dirty="0" smtClean="0">
+                <a:latin typeface="Arial Unicode MS"/>
+                <a:ea typeface="Arial Unicode MS"/>
+                <a:cs typeface="Arial Unicode MS"/>
+              </a:rPr>
+              <a:t>③ </a:t>
+            </a:r>
+            <a:r>
+              <a:rPr lang="en-GB" sz="2800" b="0" dirty="0" err="1" smtClean="0">
+                <a:latin typeface="Arial Unicode MS"/>
+                <a:ea typeface="Arial Unicode MS"/>
+                <a:cs typeface="Arial Unicode MS"/>
+              </a:rPr>
+              <a:t>Architettura</a:t>
+            </a:r>
+            <a:r>
+              <a:rPr lang="en-GB" sz="2800" b="0" dirty="0" smtClean="0">
+                <a:latin typeface="Arial Unicode MS"/>
+                <a:ea typeface="Arial Unicode MS"/>
+                <a:cs typeface="Arial Unicode MS"/>
+              </a:rPr>
+              <a:t> ad alto </a:t>
+            </a:r>
+            <a:r>
+              <a:rPr lang="en-GB" sz="2800" b="0" dirty="0" err="1" smtClean="0">
+                <a:latin typeface="Arial Unicode MS"/>
+                <a:ea typeface="Arial Unicode MS"/>
+                <a:cs typeface="Arial Unicode MS"/>
+              </a:rPr>
+              <a:t>livello</a:t>
+            </a:r>
+            <a:endParaRPr lang="en-GB" sz="2800" b="0" dirty="0" smtClean="0">
+              <a:latin typeface="Calibri" pitchFamily="34" charset="0"/>
+            </a:endParaRPr>
+          </a:p>
+        </p:txBody>
+      </p:sp>
+      <p:sp>
+        <p:nvSpPr>
+          <p:cNvPr id="6" name="CasellaDiTesto 3"/>
           <p:cNvSpPr txBox="1">
             <a:spLocks noChangeArrowheads="1"/>
           </p:cNvSpPr>
@@ -11517,8 +8811,8 @@
         </p:nvSpPr>
         <p:spPr bwMode="auto">
           <a:xfrm>
-            <a:off x="457200" y="277813"/>
-            <a:ext cx="8229600" cy="1141412"/>
+            <a:off x="3463826" y="5872077"/>
+            <a:ext cx="5544431" cy="329977"/>
           </a:xfrm>
           <a:prstGeom prst="rect">
             <a:avLst/>
@@ -11526,288 +8820,133 @@
           <a:noFill/>
           <a:ln w="9525">
             <a:noFill/>
-            <a:round/>
+            <a:miter lim="800000"/>
             <a:headEnd/>
             <a:tailEnd/>
           </a:ln>
         </p:spPr>
         <p:txBody>
-          <a:bodyPr lIns="82945" tIns="41473" rIns="82945" bIns="41473"/>
+          <a:bodyPr wrap="none" lIns="82945" tIns="41473" rIns="82945" bIns="41473">
+            <a:spAutoFit/>
+          </a:bodyPr>
           <a:lstStyle/>
           <a:p>
-            <a:pPr algn="ctr">
-              <a:tabLst>
-                <a:tab pos="0" algn="l"/>
-                <a:tab pos="414338" algn="l"/>
-                <a:tab pos="828675" algn="l"/>
-                <a:tab pos="1243013" algn="l"/>
-                <a:tab pos="1657350" algn="l"/>
-                <a:tab pos="2073275" algn="l"/>
-                <a:tab pos="2487613" algn="l"/>
-                <a:tab pos="2901950" algn="l"/>
-                <a:tab pos="3316288" algn="l"/>
-                <a:tab pos="3732213" algn="l"/>
-                <a:tab pos="4146550" algn="l"/>
-                <a:tab pos="4560888" algn="l"/>
-                <a:tab pos="4975225" algn="l"/>
-                <a:tab pos="5391150" algn="l"/>
-                <a:tab pos="5805488" algn="l"/>
-                <a:tab pos="6219825" algn="l"/>
-                <a:tab pos="6634163" algn="l"/>
-                <a:tab pos="7050088" algn="l"/>
-                <a:tab pos="7464425" algn="l"/>
-                <a:tab pos="7878763" algn="l"/>
-                <a:tab pos="8293100" algn="l"/>
-              </a:tabLst>
-            </a:pPr>
-            <a:r>
-              <a:rPr lang="it-IT" sz="4000" b="1">
-                <a:solidFill>
-                  <a:srgbClr val="000080"/>
-                </a:solidFill>
-                <a:ea typeface="Arial Unicode MS"/>
-                <a:cs typeface="Arial Unicode MS"/>
-              </a:rPr>
-              <a:t>③</a:t>
-            </a:r>
-            <a:r>
-              <a:rPr lang="en-US" sz="4000" b="1">
-                <a:solidFill>
-                  <a:srgbClr val="000080"/>
-                </a:solidFill>
-                <a:ea typeface="Arial Unicode MS"/>
-                <a:cs typeface="Arial Unicode MS"/>
-              </a:rPr>
-              <a:t> </a:t>
-            </a:r>
-            <a:r>
-              <a:rPr lang="it-IT" sz="4000">
-                <a:solidFill>
-                  <a:srgbClr val="000080"/>
-                </a:solidFill>
-                <a:ea typeface="Arial Unicode MS"/>
-                <a:cs typeface="Arial Unicode MS"/>
-              </a:rPr>
-              <a:t>Scopo e benefici</a:t>
-            </a:r>
-          </a:p>
-        </p:txBody>
-      </p:sp>
-      <p:sp>
-        <p:nvSpPr>
-          <p:cNvPr id="12291" name="Rectangle 2"/>
-          <p:cNvSpPr>
-            <a:spLocks noChangeArrowheads="1"/>
-          </p:cNvSpPr>
-          <p:nvPr/>
-        </p:nvSpPr>
-        <p:spPr bwMode="auto">
-          <a:xfrm>
-            <a:off x="609600" y="1371600"/>
-            <a:ext cx="8229600" cy="4911725"/>
-          </a:xfrm>
-          <a:prstGeom prst="rect">
-            <a:avLst/>
-          </a:prstGeom>
-          <a:noFill/>
-          <a:ln w="9525">
-            <a:noFill/>
-            <a:round/>
-            <a:headEnd/>
-            <a:tailEnd/>
-          </a:ln>
-        </p:spPr>
-        <p:txBody>
-          <a:bodyPr lIns="81639" tIns="42452" rIns="81639" bIns="42452"/>
-          <a:lstStyle/>
-          <a:p>
-            <a:pPr marL="288925" indent="-288925">
-              <a:spcBef>
-                <a:spcPts val="725"/>
-              </a:spcBef>
-              <a:buClr>
-                <a:srgbClr val="808080"/>
-              </a:buClr>
-              <a:buSzPct val="65000"/>
-              <a:buFont typeface="Wingdings" pitchFamily="2" charset="2"/>
-              <a:buChar char=""/>
-              <a:tabLst>
-                <a:tab pos="288925" algn="l"/>
-                <a:tab pos="703263" algn="l"/>
-                <a:tab pos="1117600" algn="l"/>
-                <a:tab pos="1533525" algn="l"/>
-                <a:tab pos="1947863" algn="l"/>
-                <a:tab pos="2362200" algn="l"/>
-                <a:tab pos="2776538" algn="l"/>
-                <a:tab pos="3192463" algn="l"/>
-                <a:tab pos="3606800" algn="l"/>
-                <a:tab pos="4021138" algn="l"/>
-                <a:tab pos="4435475" algn="l"/>
-                <a:tab pos="4851400" algn="l"/>
-                <a:tab pos="5265738" algn="l"/>
-                <a:tab pos="5680075" algn="l"/>
-                <a:tab pos="6094413" algn="l"/>
-                <a:tab pos="6508750" algn="l"/>
-                <a:tab pos="6924675" algn="l"/>
-                <a:tab pos="7339013" algn="l"/>
-                <a:tab pos="7753350" algn="l"/>
-                <a:tab pos="8167688" algn="l"/>
-                <a:tab pos="8583613" algn="l"/>
-              </a:tabLst>
-            </a:pPr>
-            <a:r>
-              <a:rPr lang="it-IT" sz="2900" b="1">
-                <a:solidFill>
-                  <a:srgbClr val="000000"/>
-                </a:solidFill>
-                <a:cs typeface="Arial" pitchFamily="34" charset="0"/>
-              </a:rPr>
-              <a:t>Benefici</a:t>
-            </a:r>
-            <a:r>
-              <a:rPr lang="it-IT" sz="2900">
-                <a:solidFill>
-                  <a:srgbClr val="000000"/>
-                </a:solidFill>
-                <a:cs typeface="Arial" pitchFamily="34" charset="0"/>
-              </a:rPr>
-              <a:t>: grazie a queste estensione la federazione IDEM è in grado di raggiungere e includere applicazioni che usano protocolli di autenticazione sofisticati.</a:t>
-            </a:r>
-          </a:p>
-          <a:p>
-            <a:pPr marL="288925" indent="-288925">
-              <a:spcBef>
-                <a:spcPts val="725"/>
-              </a:spcBef>
-              <a:buClr>
-                <a:srgbClr val="808080"/>
-              </a:buClr>
-              <a:buSzPct val="65000"/>
-              <a:buFont typeface="Wingdings" pitchFamily="2" charset="2"/>
-              <a:buChar char=""/>
-              <a:tabLst>
-                <a:tab pos="288925" algn="l"/>
-                <a:tab pos="703263" algn="l"/>
-                <a:tab pos="1117600" algn="l"/>
-                <a:tab pos="1533525" algn="l"/>
-                <a:tab pos="1947863" algn="l"/>
-                <a:tab pos="2362200" algn="l"/>
-                <a:tab pos="2776538" algn="l"/>
-                <a:tab pos="3192463" algn="l"/>
-                <a:tab pos="3606800" algn="l"/>
-                <a:tab pos="4021138" algn="l"/>
-                <a:tab pos="4435475" algn="l"/>
-                <a:tab pos="4851400" algn="l"/>
-                <a:tab pos="5265738" algn="l"/>
-                <a:tab pos="5680075" algn="l"/>
-                <a:tab pos="6094413" algn="l"/>
-                <a:tab pos="6508750" algn="l"/>
-                <a:tab pos="6924675" algn="l"/>
-                <a:tab pos="7339013" algn="l"/>
-                <a:tab pos="7753350" algn="l"/>
-                <a:tab pos="8167688" algn="l"/>
-                <a:tab pos="8583613" algn="l"/>
-              </a:tabLst>
-            </a:pPr>
-            <a:endParaRPr lang="it-IT" sz="2900">
-              <a:solidFill>
-                <a:srgbClr val="000000"/>
-              </a:solidFill>
-              <a:cs typeface="Arial" pitchFamily="34" charset="0"/>
-            </a:endParaRPr>
-          </a:p>
-          <a:p>
-            <a:pPr marL="288925" lvl="1" indent="-288925">
-              <a:spcBef>
-                <a:spcPts val="725"/>
-              </a:spcBef>
-              <a:buClr>
-                <a:srgbClr val="808080"/>
-              </a:buClr>
-              <a:buSzPct val="65000"/>
-              <a:buFont typeface="Wingdings" pitchFamily="2" charset="2"/>
-              <a:buChar char=""/>
-              <a:tabLst>
-                <a:tab pos="288925" algn="l"/>
-                <a:tab pos="703263" algn="l"/>
-                <a:tab pos="1117600" algn="l"/>
-                <a:tab pos="1533525" algn="l"/>
-                <a:tab pos="1947863" algn="l"/>
-                <a:tab pos="2362200" algn="l"/>
-                <a:tab pos="2776538" algn="l"/>
-                <a:tab pos="3192463" algn="l"/>
-                <a:tab pos="3606800" algn="l"/>
-                <a:tab pos="4021138" algn="l"/>
-                <a:tab pos="4435475" algn="l"/>
-                <a:tab pos="4851400" algn="l"/>
-                <a:tab pos="5265738" algn="l"/>
-                <a:tab pos="5680075" algn="l"/>
-                <a:tab pos="6094413" algn="l"/>
-                <a:tab pos="6508750" algn="l"/>
-                <a:tab pos="6924675" algn="l"/>
-                <a:tab pos="7339013" algn="l"/>
-                <a:tab pos="7753350" algn="l"/>
-                <a:tab pos="8167688" algn="l"/>
-                <a:tab pos="8583613" algn="l"/>
-              </a:tabLst>
-            </a:pPr>
-            <a:r>
-              <a:rPr lang="it-IT" sz="2900" b="1">
-                <a:solidFill>
-                  <a:srgbClr val="000000"/>
-                </a:solidFill>
-                <a:cs typeface="Arial" pitchFamily="34" charset="0"/>
-              </a:rPr>
-              <a:t>Esempio</a:t>
-            </a:r>
-            <a:r>
-              <a:rPr lang="it-IT" sz="2900">
-                <a:solidFill>
-                  <a:srgbClr val="000000"/>
-                </a:solidFill>
-                <a:cs typeface="Arial" pitchFamily="34" charset="0"/>
-              </a:rPr>
-              <a:t>: il problema ci si è presentato nel momento in cui per GarrBox abbiamo dovuto integrare l’interfaccia Amazon S3, che ha un suo schema autorizzativo non basato su username+password.</a:t>
-            </a:r>
-            <a:endParaRPr lang="it-IT" sz="2500">
-              <a:solidFill>
-                <a:srgbClr val="000000"/>
-              </a:solidFill>
-              <a:cs typeface="Arial" pitchFamily="34" charset="0"/>
-            </a:endParaRPr>
-          </a:p>
-        </p:txBody>
-      </p:sp>
+            <a:r>
+              <a:rPr lang="it-IT" sz="1600" i="1" dirty="0">
+                <a:latin typeface="Calibri" pitchFamily="34" charset="0"/>
+                <a:cs typeface="Calibri" pitchFamily="34" charset="0"/>
+              </a:rPr>
+              <a:t>(con bordo rosso le componenti sviluppate o configurate ad-hoc)</a:t>
+            </a:r>
+          </a:p>
+        </p:txBody>
+      </p:sp>
+      <p:graphicFrame>
+        <p:nvGraphicFramePr>
+          <p:cNvPr id="2" name="Oggetto 1"/>
+          <p:cNvGraphicFramePr>
+            <a:graphicFrameLocks noChangeAspect="1"/>
+          </p:cNvGraphicFramePr>
+          <p:nvPr>
+            <p:extLst>
+              <p:ext uri="{D42A27DB-BD31-4B8C-83A1-F6EECF244321}">
+                <p14:modId xmlns:p14="http://schemas.microsoft.com/office/powerpoint/2010/main" val="692204502"/>
+              </p:ext>
+            </p:extLst>
+          </p:nvPr>
+        </p:nvGraphicFramePr>
+        <p:xfrm>
+          <a:off x="769938" y="939800"/>
+          <a:ext cx="7672387" cy="5478463"/>
+        </p:xfrm>
+        <a:graphic>
+          <a:graphicData uri="http://schemas.openxmlformats.org/presentationml/2006/ole">
+            <mc:AlternateContent xmlns:mc="http://schemas.openxmlformats.org/markup-compatibility/2006">
+              <mc:Choice xmlns:v="urn:schemas-microsoft-com:vml" Requires="v">
+                <p:oleObj spid="_x0000_s4101" name="Visio" r:id="rId4" imgW="5788679" imgH="4132634" progId="Visio.Drawing.11">
+                  <p:embed/>
+                </p:oleObj>
+              </mc:Choice>
+              <mc:Fallback>
+                <p:oleObj name="Visio" r:id="rId4" imgW="5788679" imgH="4132634" progId="Visio.Drawing.11">
+                  <p:embed/>
+                  <p:pic>
+                    <p:nvPicPr>
+                      <p:cNvPr id="0" name="Object 2"/>
+                      <p:cNvPicPr>
+                        <a:picLocks noChangeAspect="1" noChangeArrowheads="1"/>
+                      </p:cNvPicPr>
+                      <p:nvPr/>
+                    </p:nvPicPr>
+                    <p:blipFill>
+                      <a:blip r:embed="rId5">
+                        <a:extLst>
+                          <a:ext uri="{28A0092B-C50C-407E-A947-70E740481C1C}">
+                            <a14:useLocalDpi xmlns:a14="http://schemas.microsoft.com/office/drawing/2010/main" val="0"/>
+                          </a:ext>
+                        </a:extLst>
+                      </a:blip>
+                      <a:srcRect/>
+                      <a:stretch>
+                        <a:fillRect/>
+                      </a:stretch>
+                    </p:blipFill>
+                    <p:spPr bwMode="auto">
+                      <a:xfrm>
+                        <a:off x="769938" y="939800"/>
+                        <a:ext cx="7672387" cy="5478463"/>
+                      </a:xfrm>
+                      <a:prstGeom prst="rect">
+                        <a:avLst/>
+                      </a:prstGeom>
+                      <a:noFill/>
+                      <a:ln>
+                        <a:noFill/>
+                      </a:ln>
+                      <a:extLst>
+                        <a:ext uri="{909E8E84-426E-40DD-AFC4-6F175D3DCCD1}">
+                          <a14:hiddenFill xmlns:a14="http://schemas.microsoft.com/office/drawing/2010/main">
+                            <a:solidFill>
+                              <a:srgbClr val="FFFFFF"/>
+                            </a:solidFill>
+                          </a14:hiddenFill>
+                        </a:ext>
+                        <a:ext uri="{91240B29-F687-4F45-9708-019B960494DF}">
+                          <a14:hiddenLine xmlns:a14="http://schemas.microsoft.com/office/drawing/2010/main" w="9525">
+                            <a:solidFill>
+                              <a:srgbClr val="000000"/>
+                            </a:solidFill>
+                            <a:miter lim="800000"/>
+                            <a:headEnd/>
+                            <a:tailEnd/>
+                          </a14:hiddenLine>
+                        </a:ext>
+                      </a:extLst>
+                    </p:spPr>
+                  </p:pic>
+                </p:oleObj>
+              </mc:Fallback>
+            </mc:AlternateContent>
+          </a:graphicData>
+        </a:graphic>
+      </p:graphicFrame>
     </p:spTree>
+    <p:extLst>
+      <p:ext uri="{BB962C8B-B14F-4D97-AF65-F5344CB8AC3E}">
+        <p14:creationId xmlns:p14="http://schemas.microsoft.com/office/powerpoint/2010/main" val="777351612"/>
+      </p:ext>
+    </p:extLst>
   </p:cSld>
   <p:clrMapOvr>
     <a:masterClrMapping/>
   </p:clrMapOvr>
-  <p:transition spd="med"/>
+  <p:transition>
+    <p:fade/>
+  </p:transition>
   <p:timing>
     <p:tnLst>
       <p:par>
-        <p:cTn id="1" dur="indefinite" restart="never" nodeType="tmRoot">
-          <p:childTnLst>
-            <p:seq concurrent="1" nextAc="seek">
-              <p:cTn id="2" dur="indefinite" nodeType="mainSeq"/>
-              <p:prevCondLst>
-                <p:cond evt="onPrev" delay="0">
-                  <p:tgtEl>
-                    <p:sldTgt/>
-                  </p:tgtEl>
-                </p:cond>
-              </p:prevCondLst>
-              <p:nextCondLst>
-                <p:cond evt="onNext" delay="0">
-                  <p:tgtEl>
-                    <p:sldTgt/>
-                  </p:tgtEl>
-                </p:cond>
-              </p:nextCondLst>
-            </p:seq>
-          </p:childTnLst>
-        </p:cTn>
+        <p:cTn id="1" dur="indefinite" restart="never" nodeType="tmRoot"/>
       </p:par>
     </p:tnLst>
   </p:timing>

--- a/ShibbolethExtensions.pptx
+++ b/ShibbolethExtensions.pptx
@@ -5577,7 +5577,13 @@
               <a:rPr lang="it-IT" sz="2400" dirty="0">
                 <a:latin typeface="Calibri" pitchFamily="34" charset="0"/>
               </a:rPr>
-              <a:t> e loro attivazione (tramite configurazione), </a:t>
+              <a:t> e loro attivazione (tramite configurazione</a:t>
+            </a:r>
+            <a:r>
+              <a:rPr lang="it-IT" sz="2400" dirty="0" smtClean="0">
+                <a:latin typeface="Calibri" pitchFamily="34" charset="0"/>
+              </a:rPr>
+              <a:t>); </a:t>
             </a:r>
             <a:r>
               <a:rPr lang="it-IT" sz="2400" dirty="0" err="1">
@@ -5652,26 +5658,29 @@
               <a:rPr lang="it-IT" sz="2400" dirty="0">
                 <a:latin typeface="Calibri" pitchFamily="34" charset="0"/>
               </a:rPr>
-              <a:t>: modifiche solo a livello dei file di configurazione del </a:t>
-            </a:r>
-            <a:r>
-              <a:rPr lang="it-IT" sz="2400" dirty="0" err="1">
+              <a:t>: modifiche solo a livello dei file di configurazione </a:t>
+            </a:r>
+            <a:r>
+              <a:rPr lang="it-IT" sz="2400" dirty="0" smtClean="0">
+                <a:latin typeface="Calibri" pitchFamily="34" charset="0"/>
+              </a:rPr>
+              <a:t>dell’SP </a:t>
+            </a:r>
+            <a:r>
+              <a:rPr lang="it-IT" sz="2400" dirty="0" err="1" smtClean="0">
                 <a:latin typeface="Calibri" pitchFamily="34" charset="0"/>
               </a:rPr>
               <a:t>Shibboleth</a:t>
             </a:r>
             <a:r>
-              <a:rPr lang="it-IT" sz="2400" dirty="0">
-                <a:latin typeface="Calibri" pitchFamily="34" charset="0"/>
-              </a:rPr>
-              <a:t> SP</a:t>
-            </a:r>
-            <a:r>
               <a:rPr lang="it-IT" sz="2400" dirty="0" smtClean="0">
                 <a:latin typeface="Calibri" pitchFamily="34" charset="0"/>
               </a:rPr>
               <a:t>.</a:t>
             </a:r>
+            <a:endParaRPr lang="it-IT" sz="2400" dirty="0" smtClean="0">
+              <a:latin typeface="Calibri" pitchFamily="34" charset="0"/>
+            </a:endParaRPr>
           </a:p>
           <a:p>
             <a:pPr marL="796925" lvl="1" eaLnBrk="1" hangingPunct="1">
@@ -5951,17 +5960,29 @@
               <a:rPr lang="it-IT" sz="2400" dirty="0">
                 <a:latin typeface="Calibri" pitchFamily="34" charset="0"/>
               </a:rPr>
-              <a:t>Le estensioni mantengono inalterati i concetti di uniformità e distribuzione che garantiscono la dimensione di comunità di IDEM</a:t>
+              <a:t>Le estensioni </a:t>
             </a:r>
             <a:r>
               <a:rPr lang="it-IT" sz="2400" dirty="0" smtClean="0">
                 <a:latin typeface="Calibri" pitchFamily="34" charset="0"/>
               </a:rPr>
-              <a:t>.</a:t>
-            </a:r>
-          </a:p>
-          <a:p>
-            <a:pPr lvl="1" eaLnBrk="1" hangingPunct="1">
+              <a:t>non alterano i </a:t>
+            </a:r>
+            <a:r>
+              <a:rPr lang="it-IT" sz="2400" dirty="0">
+                <a:latin typeface="Calibri" pitchFamily="34" charset="0"/>
+              </a:rPr>
+              <a:t>concetti </a:t>
+            </a:r>
+            <a:r>
+              <a:rPr lang="it-IT" sz="2400" dirty="0" smtClean="0">
+                <a:latin typeface="Calibri" pitchFamily="34" charset="0"/>
+              </a:rPr>
+              <a:t>comunitari di IDEM:</a:t>
+            </a:r>
+          </a:p>
+          <a:p>
+            <a:pPr marL="630238" lvl="1" eaLnBrk="1" hangingPunct="1">
               <a:spcBef>
                 <a:spcPct val="0"/>
               </a:spcBef>
@@ -5971,12 +5992,15 @@
               <a:buSzPct val="60000"/>
               <a:defRPr/>
             </a:pPr>
-            <a:endParaRPr lang="it-IT" sz="2400" dirty="0" smtClean="0">
-              <a:latin typeface="Calibri" pitchFamily="34" charset="0"/>
-            </a:endParaRPr>
-          </a:p>
-          <a:p>
-            <a:pPr marL="796925" lvl="1" eaLnBrk="1" hangingPunct="1">
+            <a:r>
+              <a:rPr lang="it-IT" sz="2000" dirty="0" smtClean="0">
+                <a:latin typeface="Calibri" pitchFamily="34" charset="0"/>
+              </a:rPr>
+              <a:t>uniformità d’accesso e di gestione dei metadati</a:t>
+            </a:r>
+          </a:p>
+          <a:p>
+            <a:pPr marL="630238" lvl="1" eaLnBrk="1" hangingPunct="1">
               <a:spcBef>
                 <a:spcPct val="0"/>
               </a:spcBef>
@@ -5986,6 +6010,12 @@
               <a:buSzPct val="60000"/>
               <a:defRPr/>
             </a:pPr>
+            <a:r>
+              <a:rPr lang="it-IT" sz="2000" dirty="0" smtClean="0">
+                <a:latin typeface="Calibri" pitchFamily="34" charset="0"/>
+              </a:rPr>
+              <a:t>gestione federata e distribuita dell’AAI</a:t>
+            </a:r>
             <a:endParaRPr lang="it-IT" sz="2000" dirty="0" smtClean="0">
               <a:latin typeface="Calibri" pitchFamily="34" charset="0"/>
             </a:endParaRPr>
@@ -6330,7 +6360,7 @@
               <a:t> e </a:t>
             </a:r>
             <a:r>
-              <a:rPr lang="it-IT" sz="2400" dirty="0">
+              <a:rPr lang="it-IT" sz="2400" dirty="0" smtClean="0">
                 <a:latin typeface="Arial Unicode MS"/>
                 <a:ea typeface="Arial Unicode MS"/>
                 <a:cs typeface="Arial Unicode MS"/>
@@ -6371,13 +6401,13 @@
               <a:rPr lang="it-IT" sz="2400" dirty="0">
                 <a:latin typeface="Calibri" pitchFamily="34" charset="0"/>
               </a:rPr>
-              <a:t> della federazione</a:t>
+              <a:t> della </a:t>
             </a:r>
             <a:r>
               <a:rPr lang="it-IT" sz="2400" dirty="0" smtClean="0">
                 <a:latin typeface="Calibri" pitchFamily="34" charset="0"/>
               </a:rPr>
-              <a:t>.</a:t>
+              <a:t>federazione (e quindi non bastano interventi solo lato SP).</a:t>
             </a:r>
             <a:endParaRPr lang="it-IT" sz="2400" dirty="0">
               <a:latin typeface="Calibri" pitchFamily="34" charset="0"/>
@@ -6447,14 +6477,14 @@
           <a:p>
             <a:pPr eaLnBrk="1" hangingPunct="1"/>
             <a:r>
-              <a:rPr lang="en-GB" sz="2800" b="0" dirty="0" err="1" smtClean="0">
+              <a:rPr lang="it-IT" sz="2800" b="0" smtClean="0">
                 <a:latin typeface="Arial Unicode MS"/>
                 <a:ea typeface="Arial Unicode MS"/>
                 <a:cs typeface="Arial Unicode MS"/>
               </a:rPr>
               <a:t>Conclusioni</a:t>
             </a:r>
-            <a:endParaRPr lang="en-GB" sz="2800" b="0" dirty="0" smtClean="0">
+            <a:endParaRPr lang="it-IT" sz="2800" b="0" smtClean="0">
               <a:latin typeface="Calibri" pitchFamily="34" charset="0"/>
             </a:endParaRPr>
           </a:p>
@@ -6491,22 +6521,10 @@
               <a:defRPr/>
             </a:pPr>
             <a:r>
-              <a:rPr lang="it-IT" sz="2400" dirty="0">
-                <a:latin typeface="Calibri" pitchFamily="34" charset="0"/>
-              </a:rPr>
-              <a:t>L’</a:t>
-            </a:r>
-            <a:r>
-              <a:rPr lang="it-IT" sz="2400" dirty="0" err="1">
-                <a:latin typeface="Calibri" pitchFamily="34" charset="0"/>
-              </a:rPr>
-              <a:t>estenzione</a:t>
-            </a:r>
-            <a:r>
-              <a:rPr lang="it-IT" sz="2400" dirty="0">
-                <a:latin typeface="Calibri" pitchFamily="34" charset="0"/>
-              </a:rPr>
-              <a:t> </a:t>
+              <a:rPr lang="it-IT" sz="2400" dirty="0" smtClean="0">
+                <a:latin typeface="Calibri" pitchFamily="34" charset="0"/>
+              </a:rPr>
+              <a:t>L’estensione </a:t>
             </a:r>
             <a:r>
               <a:rPr lang="it-IT" sz="2400" dirty="0">
@@ -6705,14 +6723,14 @@
           <a:p>
             <a:pPr eaLnBrk="1" hangingPunct="1"/>
             <a:r>
-              <a:rPr lang="en-GB" sz="2800" b="0" dirty="0" err="1" smtClean="0">
+              <a:rPr lang="it-IT" sz="2800" b="0" smtClean="0">
                 <a:latin typeface="Arial Unicode MS"/>
                 <a:ea typeface="Arial Unicode MS"/>
                 <a:cs typeface="Arial Unicode MS"/>
               </a:rPr>
               <a:t>Condivisione</a:t>
             </a:r>
-            <a:endParaRPr lang="en-GB" sz="2800" b="0" dirty="0" smtClean="0">
+            <a:endParaRPr lang="it-IT" sz="2800" b="0" smtClean="0">
               <a:latin typeface="Calibri" pitchFamily="34" charset="0"/>
             </a:endParaRPr>
           </a:p>
@@ -6981,20 +6999,23 @@
               <a:rPr lang="it-IT" sz="2400" dirty="0" smtClean="0">
                 <a:latin typeface="Calibri" pitchFamily="34" charset="0"/>
               </a:rPr>
-              <a:t> [</a:t>
+              <a:t> [web-</a:t>
             </a:r>
             <a:r>
               <a:rPr lang="it-IT" sz="2400" dirty="0" err="1" smtClean="0">
                 <a:latin typeface="Calibri" pitchFamily="34" charset="0"/>
               </a:rPr>
-              <a:t>web-based</a:t>
+              <a:t>based</a:t>
             </a:r>
             <a:r>
               <a:rPr lang="it-IT" sz="2400" dirty="0" smtClean="0">
                 <a:latin typeface="Calibri" pitchFamily="34" charset="0"/>
               </a:rPr>
-              <a:t>]»</a:t>
-            </a:r>
+              <a:t>]».</a:t>
+            </a:r>
+            <a:endParaRPr lang="it-IT" sz="2400" dirty="0" smtClean="0">
+              <a:latin typeface="Calibri" pitchFamily="34" charset="0"/>
+            </a:endParaRPr>
           </a:p>
           <a:p>
             <a:pPr lvl="1" eaLnBrk="1" hangingPunct="1">
@@ -7034,6 +7055,12 @@
               </a:rPr>
               <a:t>username+password</a:t>
             </a:r>
+            <a:r>
+              <a:rPr lang="it-IT" sz="2400" dirty="0" smtClean="0">
+                <a:latin typeface="Calibri" pitchFamily="34" charset="0"/>
+              </a:rPr>
+              <a:t>.</a:t>
+            </a:r>
             <a:endParaRPr lang="it-IT" sz="2400" dirty="0" smtClean="0">
               <a:latin typeface="Calibri" pitchFamily="34" charset="0"/>
             </a:endParaRPr>
@@ -7068,7 +7095,19 @@
               <a:rPr lang="it-IT" sz="2400" dirty="0" smtClean="0">
                 <a:latin typeface="Calibri" pitchFamily="34" charset="0"/>
               </a:rPr>
-              <a:t>Principi generai:</a:t>
+              <a:t>Principi </a:t>
+            </a:r>
+            <a:r>
+              <a:rPr lang="it-IT" sz="2400" dirty="0" smtClean="0">
+                <a:latin typeface="Calibri" pitchFamily="34" charset="0"/>
+              </a:rPr>
+              <a:t>generali</a:t>
+            </a:r>
+            <a:r>
+              <a:rPr lang="it-IT" sz="2400" dirty="0" smtClean="0">
+                <a:latin typeface="Calibri" pitchFamily="34" charset="0"/>
+              </a:rPr>
+              <a:t>:</a:t>
             </a:r>
           </a:p>
           <a:p>
@@ -7251,13 +7290,37 @@
               <a:rPr lang="it-IT" sz="2400" dirty="0" smtClean="0">
                 <a:latin typeface="Calibri" pitchFamily="34" charset="0"/>
               </a:rPr>
-              <a:t> e quindi accedute non tramite browser web</a:t>
+              <a:t> </a:t>
             </a:r>
             <a:r>
               <a:rPr lang="it-IT" sz="2400" dirty="0" smtClean="0">
                 <a:latin typeface="Calibri" pitchFamily="34" charset="0"/>
               </a:rPr>
-              <a:t>.</a:t>
+              <a:t>che </a:t>
+            </a:r>
+            <a:r>
+              <a:rPr lang="it-IT" sz="2400" dirty="0" smtClean="0">
+                <a:latin typeface="Calibri" pitchFamily="34" charset="0"/>
+              </a:rPr>
+              <a:t>quindi </a:t>
+            </a:r>
+            <a:r>
+              <a:rPr lang="it-IT" sz="2400" dirty="0" smtClean="0">
+                <a:latin typeface="Calibri" pitchFamily="34" charset="0"/>
+              </a:rPr>
+              <a:t>non si utilizzano un browser web (API per Java e </a:t>
+            </a:r>
+            <a:r>
+              <a:rPr lang="it-IT" sz="2400" dirty="0" err="1" smtClean="0">
+                <a:latin typeface="Calibri" pitchFamily="34" charset="0"/>
+              </a:rPr>
+              <a:t>Phyton</a:t>
+            </a:r>
+            <a:r>
+              <a:rPr lang="it-IT" sz="2400" dirty="0" smtClean="0">
+                <a:latin typeface="Calibri" pitchFamily="34" charset="0"/>
+              </a:rPr>
+              <a:t>).</a:t>
             </a:r>
             <a:endParaRPr lang="it-IT" sz="2400" dirty="0" smtClean="0">
               <a:latin typeface="Calibri" pitchFamily="34" charset="0"/>
@@ -7293,8 +7356,17 @@
               <a:rPr lang="it-IT" sz="2400" dirty="0">
                 <a:latin typeface="Calibri" pitchFamily="34" charset="0"/>
               </a:rPr>
-              <a:t>Estensione di IDEM per l’autenticazione di utenti su sistemi Linux.</a:t>
-            </a:r>
+              <a:t>Estensione di IDEM per l’autenticazione di utenti su sistemi </a:t>
+            </a:r>
+            <a:r>
+              <a:rPr lang="it-IT" sz="2400" dirty="0" smtClean="0">
+                <a:latin typeface="Calibri" pitchFamily="34" charset="0"/>
+              </a:rPr>
+              <a:t>Linux (tramite PAM e NSS).</a:t>
+            </a:r>
+            <a:endParaRPr lang="it-IT" sz="2400" dirty="0">
+              <a:latin typeface="Calibri" pitchFamily="34" charset="0"/>
+            </a:endParaRPr>
           </a:p>
           <a:p>
             <a:pPr lvl="1" eaLnBrk="1" hangingPunct="1">
@@ -7342,9 +7414,6 @@
               </a:rPr>
               <a:t>).</a:t>
             </a:r>
-            <a:endParaRPr lang="it-IT" sz="2400" dirty="0">
-              <a:latin typeface="Calibri" pitchFamily="34" charset="0"/>
-            </a:endParaRPr>
           </a:p>
           <a:p>
             <a:pPr lvl="1" eaLnBrk="1" hangingPunct="1">
@@ -7535,44 +7604,47 @@
               <a:rPr lang="it-IT" sz="2400" dirty="0">
                 <a:latin typeface="Calibri" pitchFamily="34" charset="0"/>
               </a:rPr>
-              <a:t>: il problema ci si è presentato quando per il progetto </a:t>
-            </a:r>
-            <a:r>
-              <a:rPr lang="it-IT" sz="2400" dirty="0" err="1">
-                <a:latin typeface="Calibri" pitchFamily="34" charset="0"/>
-              </a:rPr>
-              <a:t>GarrBox</a:t>
-            </a:r>
-            <a:r>
-              <a:rPr lang="it-IT" sz="2400" dirty="0">
-                <a:latin typeface="Calibri" pitchFamily="34" charset="0"/>
-              </a:rPr>
-              <a:t> abbiamo pensato come includere in </a:t>
-            </a:r>
-            <a:r>
-              <a:rPr lang="it-IT" sz="2400" dirty="0" err="1">
+              <a:t>: </a:t>
+            </a:r>
+            <a:r>
+              <a:rPr lang="it-IT" sz="2400" dirty="0" smtClean="0">
+                <a:latin typeface="Calibri" pitchFamily="34" charset="0"/>
+              </a:rPr>
+              <a:t>attraverso le API realizzate è possibile avere applicazioni client scritta in </a:t>
+            </a:r>
+            <a:r>
+              <a:rPr lang="it-IT" sz="2400" dirty="0" smtClean="0">
+                <a:latin typeface="Calibri" pitchFamily="34" charset="0"/>
+              </a:rPr>
+              <a:t>Java o in </a:t>
+            </a:r>
+            <a:r>
+              <a:rPr lang="it-IT" sz="2400" dirty="0" err="1" smtClean="0">
+                <a:latin typeface="Calibri" pitchFamily="34" charset="0"/>
+              </a:rPr>
+              <a:t>Python</a:t>
+            </a:r>
+            <a:r>
+              <a:rPr lang="it-IT" sz="2400" dirty="0" smtClean="0">
+                <a:latin typeface="Calibri" pitchFamily="34" charset="0"/>
+              </a:rPr>
+              <a:t> che effettuano un’autenticazione tramite </a:t>
+            </a:r>
+            <a:r>
+              <a:rPr lang="it-IT" sz="2400" dirty="0" err="1" smtClean="0">
                 <a:latin typeface="Calibri" pitchFamily="34" charset="0"/>
               </a:rPr>
               <a:t>Shibboleth</a:t>
             </a:r>
             <a:r>
-              <a:rPr lang="it-IT" sz="2400" dirty="0">
-                <a:latin typeface="Calibri" pitchFamily="34" charset="0"/>
-              </a:rPr>
-              <a:t> interfacce a blocchi per i </a:t>
-            </a:r>
-            <a:r>
-              <a:rPr lang="it-IT" sz="2400" dirty="0" err="1">
-                <a:latin typeface="Calibri" pitchFamily="34" charset="0"/>
-              </a:rPr>
-              <a:t>filesystem</a:t>
-            </a:r>
-            <a:r>
-              <a:rPr lang="it-IT" sz="2400" dirty="0">
-                <a:latin typeface="Calibri" pitchFamily="34" charset="0"/>
-              </a:rPr>
-              <a:t> (CIFS e NFS), le quali non transitano da browser web.</a:t>
-            </a:r>
+              <a:rPr lang="it-IT" sz="2400" dirty="0" smtClean="0">
+                <a:latin typeface="Calibri" pitchFamily="34" charset="0"/>
+              </a:rPr>
+              <a:t> (con una gestione completa dei metadati utente nella sessione).</a:t>
+            </a:r>
+            <a:endParaRPr lang="it-IT" sz="2400" dirty="0">
+              <a:latin typeface="Calibri" pitchFamily="34" charset="0"/>
+            </a:endParaRPr>
           </a:p>
           <a:p>
             <a:pPr marL="796925" lvl="1" eaLnBrk="1" hangingPunct="1">
@@ -7745,20 +7817,17 @@
               <a:rPr lang="it-IT" sz="2400" dirty="0">
                 <a:latin typeface="Calibri" pitchFamily="34" charset="0"/>
               </a:rPr>
-              <a:t>: grazie a queste estensioni la federazione IDEM è in grado di essere usata per autenticare utenti su macchine </a:t>
-            </a:r>
-            <a:r>
-              <a:rPr lang="it-IT" sz="2400" dirty="0" err="1">
-                <a:latin typeface="Calibri" pitchFamily="34" charset="0"/>
-              </a:rPr>
-              <a:t>Linxu</a:t>
-            </a:r>
-            <a:r>
-              <a:rPr lang="it-IT" sz="2400" dirty="0">
-                <a:latin typeface="Calibri" pitchFamily="34" charset="0"/>
-              </a:rPr>
-              <a:t>.</a:t>
-            </a:r>
+              <a:t>: grazie a queste estensioni la federazione IDEM è in grado di essere usata </a:t>
+            </a:r>
+            <a:r>
+              <a:rPr lang="it-IT" sz="2400" dirty="0" smtClean="0">
+                <a:latin typeface="Calibri" pitchFamily="34" charset="0"/>
+              </a:rPr>
+              <a:t>come strumento di autenticazione per macchine Linux.</a:t>
+            </a:r>
+            <a:endParaRPr lang="it-IT" sz="2400" dirty="0">
+              <a:latin typeface="Calibri" pitchFamily="34" charset="0"/>
+            </a:endParaRPr>
           </a:p>
           <a:p>
             <a:pPr lvl="1" eaLnBrk="1" hangingPunct="1">
@@ -7994,25 +8063,25 @@
           <p:nvPr>
             <p:extLst>
               <p:ext uri="{D42A27DB-BD31-4B8C-83A1-F6EECF244321}">
-                <p14:modId xmlns:p14="http://schemas.microsoft.com/office/powerpoint/2010/main" val="3553273154"/>
+                <p14:modId xmlns:p14="http://schemas.microsoft.com/office/powerpoint/2010/main" val="3688795485"/>
               </p:ext>
             </p:extLst>
           </p:nvPr>
         </p:nvGraphicFramePr>
         <p:xfrm>
-          <a:off x="769938" y="939800"/>
-          <a:ext cx="7672387" cy="5478463"/>
+          <a:off x="1164768" y="1234455"/>
+          <a:ext cx="6501562" cy="4641128"/>
         </p:xfrm>
         <a:graphic>
           <a:graphicData uri="http://schemas.openxmlformats.org/presentationml/2006/ole">
             <mc:AlternateContent xmlns:mc="http://schemas.openxmlformats.org/markup-compatibility/2006">
               <mc:Choice xmlns:v="urn:schemas-microsoft-com:vml" Requires="v">
-                <p:oleObj spid="_x0000_s3078" name="Visio" r:id="rId4" imgW="5788679" imgH="4132634" progId="Visio.Drawing.11">
+                <p:oleObj spid="_x0000_s3080" name="Visio" r:id="rId4" imgW="5284611" imgH="3772440" progId="Visio.Drawing.11">
                   <p:embed/>
                 </p:oleObj>
               </mc:Choice>
               <mc:Fallback>
-                <p:oleObj name="Visio" r:id="rId4" imgW="5788679" imgH="4132634" progId="Visio.Drawing.11">
+                <p:oleObj name="Visio" r:id="rId4" imgW="5284611" imgH="3772440" progId="Visio.Drawing.11">
                   <p:embed/>
                   <p:pic>
                     <p:nvPicPr>
@@ -8023,13 +8092,7 @@
                       <p:nvPr/>
                     </p:nvPicPr>
                     <p:blipFill>
-                      <a:blip r:embed="rId5">
-                        <a:extLst>
-                          <a:ext uri="{28A0092B-C50C-407E-A947-70E740481C1C}">
-                            <a14:useLocalDpi xmlns:a14="http://schemas.microsoft.com/office/drawing/2010/main" val="0"/>
-                          </a:ext>
-                        </a:extLst>
-                      </a:blip>
+                      <a:blip r:embed="rId5"/>
                       <a:srcRect/>
                       <a:stretch>
                         <a:fillRect/>
@@ -8037,8 +8100,8 @@
                     </p:blipFill>
                     <p:spPr bwMode="auto">
                       <a:xfrm>
-                        <a:off x="769938" y="939800"/>
-                        <a:ext cx="7672387" cy="5478463"/>
+                        <a:off x="1164768" y="1234455"/>
+                        <a:ext cx="6501562" cy="4641128"/>
                       </a:xfrm>
                       <a:prstGeom prst="rect">
                         <a:avLst/>
@@ -8047,25 +8110,7 @@
                       <a:ln>
                         <a:noFill/>
                       </a:ln>
-                      <a:extLst>
-                        <a:ext uri="{909E8E84-426E-40DD-AFC4-6F175D3DCCD1}">
-                          <a14:hiddenFill xmlns:a14="http://schemas.microsoft.com/office/drawing/2010/main">
-                            <a:solidFill>
-                              <a:srgbClr val="FFFFFF"/>
-                            </a:solidFill>
-                          </a14:hiddenFill>
-                        </a:ext>
-                        <a:ext uri="{91240B29-F687-4F45-9708-019B960494DF}">
-                          <a14:hiddenLine xmlns:a14="http://schemas.microsoft.com/office/drawing/2010/main" w="9525">
-                            <a:solidFill>
-                              <a:srgbClr val="000000"/>
-                            </a:solidFill>
-                            <a:miter lim="800000"/>
-                            <a:headEnd/>
-                            <a:tailEnd/>
-                          </a14:hiddenLine>
-                        </a:ext>
-                      </a:extLst>
+                      <a:extLst/>
                     </p:spPr>
                   </p:pic>
                 </p:oleObj>
@@ -8293,7 +8338,19 @@
               <a:rPr lang="it-IT" sz="2400" dirty="0">
                 <a:latin typeface="Calibri" pitchFamily="34" charset="0"/>
               </a:rPr>
-              <a:t> per fornire gli elenchi di utenti e gruppi da LDAP e attivazione (tramite configurazione) del Basic </a:t>
+              <a:t> per fornire gli elenchi di utenti e gruppi da </a:t>
+            </a:r>
+            <a:r>
+              <a:rPr lang="it-IT" sz="2400" dirty="0" smtClean="0">
+                <a:latin typeface="Calibri" pitchFamily="34" charset="0"/>
+              </a:rPr>
+              <a:t>LDAP </a:t>
+            </a:r>
+            <a:r>
+              <a:rPr lang="it-IT" sz="2400" dirty="0">
+                <a:latin typeface="Calibri" pitchFamily="34" charset="0"/>
+              </a:rPr>
+              <a:t>e attivazione (tramite configurazione) del Basic </a:t>
             </a:r>
             <a:r>
               <a:rPr lang="it-IT" sz="2400" dirty="0" err="1">
@@ -8387,48 +8444,78 @@
                 <a:latin typeface="Calibri" pitchFamily="34" charset="0"/>
               </a:rPr>
             </a:br>
+            <a:endParaRPr lang="it-IT" sz="2400" dirty="0" smtClean="0">
+              <a:latin typeface="Calibri" pitchFamily="34" charset="0"/>
+            </a:endParaRPr>
+          </a:p>
+          <a:p>
+            <a:pPr lvl="1" eaLnBrk="1" hangingPunct="1">
+              <a:spcBef>
+                <a:spcPct val="0"/>
+              </a:spcBef>
+              <a:spcAft>
+                <a:spcPct val="20000"/>
+              </a:spcAft>
+              <a:buSzPct val="60000"/>
+              <a:defRPr/>
+            </a:pPr>
+            <a:r>
+              <a:rPr lang="it-IT" sz="2400" b="1" dirty="0" smtClean="0">
+                <a:latin typeface="Calibri" pitchFamily="34" charset="0"/>
+              </a:rPr>
+              <a:t>Applicazione</a:t>
+            </a:r>
+            <a:r>
+              <a:rPr lang="it-IT" sz="2400" dirty="0" smtClean="0">
+                <a:latin typeface="Calibri" pitchFamily="34" charset="0"/>
+              </a:rPr>
+              <a:t>: inclusione delle librerie con le </a:t>
+            </a:r>
+            <a:r>
+              <a:rPr lang="it-IT" sz="2400" dirty="0" smtClean="0">
+                <a:latin typeface="Calibri" pitchFamily="34" charset="0"/>
+              </a:rPr>
+              <a:t>API </a:t>
+            </a:r>
             <a:r>
               <a:rPr lang="it-IT" sz="2400" dirty="0">
                 <a:latin typeface="Calibri" pitchFamily="34" charset="0"/>
               </a:rPr>
-              <a:t>Sono inoltre state realizzate delle API per integrare l’autenticazione </a:t>
-            </a:r>
-            <a:r>
-              <a:rPr lang="it-IT" sz="2400" dirty="0" err="1">
+              <a:t>per integrare l’autenticazione </a:t>
+            </a:r>
+            <a:r>
+              <a:rPr lang="it-IT" sz="2400" dirty="0" err="1" smtClean="0">
                 <a:latin typeface="Calibri" pitchFamily="34" charset="0"/>
               </a:rPr>
               <a:t>Shibboleth</a:t>
             </a:r>
             <a:r>
-              <a:rPr lang="it-IT" sz="2400" dirty="0">
-                <a:latin typeface="Calibri" pitchFamily="34" charset="0"/>
-              </a:rPr>
-              <a:t> in </a:t>
-            </a:r>
-            <a:r>
-              <a:rPr lang="it-IT" sz="2400" dirty="0" err="1">
-                <a:latin typeface="Calibri" pitchFamily="34" charset="0"/>
-              </a:rPr>
-              <a:t>applicazionei</a:t>
-            </a:r>
-            <a:r>
-              <a:rPr lang="it-IT" sz="2400" dirty="0">
-                <a:latin typeface="Calibri" pitchFamily="34" charset="0"/>
-              </a:rPr>
-              <a:t> Java e </a:t>
-            </a:r>
-            <a:r>
-              <a:rPr lang="it-IT" sz="2400" dirty="0" err="1">
-                <a:latin typeface="Calibri" pitchFamily="34" charset="0"/>
-              </a:rPr>
-              <a:t>Python</a:t>
-            </a:r>
-            <a:r>
-              <a:rPr lang="it-IT" sz="2400" dirty="0">
+              <a:rPr lang="it-IT" sz="2400" dirty="0" smtClean="0">
+                <a:latin typeface="Calibri" pitchFamily="34" charset="0"/>
+              </a:rPr>
+              <a:t>; per il login di macchine </a:t>
+            </a:r>
+            <a:r>
+              <a:rPr lang="it-IT" sz="2400" dirty="0" err="1" smtClean="0">
+                <a:latin typeface="Calibri" pitchFamily="34" charset="0"/>
+              </a:rPr>
+              <a:t>linux</a:t>
+            </a:r>
+            <a:r>
+              <a:rPr lang="it-IT" sz="2400" dirty="0" smtClean="0">
+                <a:latin typeface="Calibri" pitchFamily="34" charset="0"/>
+              </a:rPr>
+              <a:t> vengono forniti un modulo PAM e NSS da installare e configurare sulla macchina client</a:t>
+            </a:r>
+            <a:r>
+              <a:rPr lang="it-IT" sz="2400" dirty="0" smtClean="0">
                 <a:latin typeface="Calibri" pitchFamily="34" charset="0"/>
               </a:rPr>
               <a:t>.</a:t>
             </a:r>
+            <a:endParaRPr lang="it-IT" sz="2400" dirty="0">
+              <a:latin typeface="Calibri" pitchFamily="34" charset="0"/>
+            </a:endParaRPr>
           </a:p>
           <a:p>
             <a:pPr lvl="1" eaLnBrk="1" hangingPunct="1">
@@ -8616,7 +8703,19 @@
               <a:rPr lang="it-IT" sz="2400" dirty="0">
                 <a:latin typeface="Calibri" pitchFamily="34" charset="0"/>
               </a:rPr>
-              <a:t>: grazie a queste estensione la federazione IDEM è in grado di raggiungere e includere applicazioni che usano protocolli di autenticazione sofisticati.</a:t>
+              <a:t>: grazie a queste estensione la federazione IDEM </a:t>
+            </a:r>
+            <a:r>
+              <a:rPr lang="it-IT" sz="2400" dirty="0" smtClean="0">
+                <a:latin typeface="Calibri" pitchFamily="34" charset="0"/>
+              </a:rPr>
+              <a:t>può estendersi a includere </a:t>
+            </a:r>
+            <a:r>
+              <a:rPr lang="it-IT" sz="2400" dirty="0">
+                <a:latin typeface="Calibri" pitchFamily="34" charset="0"/>
+              </a:rPr>
+              <a:t>applicazioni che usano protocolli di autenticazione sofisticati.</a:t>
             </a:r>
           </a:p>
           <a:p>
@@ -8850,25 +8949,25 @@
           <p:nvPr>
             <p:extLst>
               <p:ext uri="{D42A27DB-BD31-4B8C-83A1-F6EECF244321}">
-                <p14:modId xmlns:p14="http://schemas.microsoft.com/office/powerpoint/2010/main" val="692204502"/>
+                <p14:modId xmlns:p14="http://schemas.microsoft.com/office/powerpoint/2010/main" val="2716706697"/>
               </p:ext>
             </p:extLst>
           </p:nvPr>
         </p:nvGraphicFramePr>
         <p:xfrm>
-          <a:off x="769938" y="939800"/>
-          <a:ext cx="7672387" cy="5478463"/>
+          <a:off x="1246188" y="1225923"/>
+          <a:ext cx="6718300" cy="4597400"/>
         </p:xfrm>
         <a:graphic>
           <a:graphicData uri="http://schemas.openxmlformats.org/presentationml/2006/ole">
             <mc:AlternateContent xmlns:mc="http://schemas.openxmlformats.org/markup-compatibility/2006">
               <mc:Choice xmlns:v="urn:schemas-microsoft-com:vml" Requires="v">
-                <p:oleObj spid="_x0000_s4101" name="Visio" r:id="rId4" imgW="5788679" imgH="4132634" progId="Visio.Drawing.11">
+                <p:oleObj spid="_x0000_s4103" name="Visio" r:id="rId4" imgW="5068504" imgH="3466560" progId="Visio.Drawing.11">
                   <p:embed/>
                 </p:oleObj>
               </mc:Choice>
               <mc:Fallback>
-                <p:oleObj name="Visio" r:id="rId4" imgW="5788679" imgH="4132634" progId="Visio.Drawing.11">
+                <p:oleObj name="Visio" r:id="rId4" imgW="5068504" imgH="3466560" progId="Visio.Drawing.11">
                   <p:embed/>
                   <p:pic>
                     <p:nvPicPr>
@@ -8879,13 +8978,7 @@
                       <p:nvPr/>
                     </p:nvPicPr>
                     <p:blipFill>
-                      <a:blip r:embed="rId5">
-                        <a:extLst>
-                          <a:ext uri="{28A0092B-C50C-407E-A947-70E740481C1C}">
-                            <a14:useLocalDpi xmlns:a14="http://schemas.microsoft.com/office/drawing/2010/main" val="0"/>
-                          </a:ext>
-                        </a:extLst>
-                      </a:blip>
+                      <a:blip r:embed="rId5"/>
                       <a:srcRect/>
                       <a:stretch>
                         <a:fillRect/>
@@ -8893,8 +8986,8 @@
                     </p:blipFill>
                     <p:spPr bwMode="auto">
                       <a:xfrm>
-                        <a:off x="769938" y="939800"/>
-                        <a:ext cx="7672387" cy="5478463"/>
+                        <a:off x="1246188" y="1225923"/>
+                        <a:ext cx="6718300" cy="4597400"/>
                       </a:xfrm>
                       <a:prstGeom prst="rect">
                         <a:avLst/>

--- a/ShibbolethExtensions.pptx
+++ b/ShibbolethExtensions.pptx
@@ -5194,9 +5194,46 @@
           <a:lstStyle/>
           <a:p>
             <a:r>
-              <a:rPr lang="en-US" smtClean="0"/>
-              <a:t>Espanzione di IDEM a nuove applicazioni e schemi autoritativi</a:t>
-            </a:r>
+              <a:rPr lang="en-US" dirty="0" err="1" smtClean="0"/>
+              <a:t>Espansione</a:t>
+            </a:r>
+            <a:r>
+              <a:rPr lang="en-US" dirty="0" smtClean="0"/>
+              <a:t> </a:t>
+            </a:r>
+            <a:r>
+              <a:rPr lang="en-US" dirty="0" smtClean="0"/>
+              <a:t>di IDEM a </a:t>
+            </a:r>
+            <a:r>
+              <a:rPr lang="en-US" dirty="0" err="1" smtClean="0"/>
+              <a:t>nuove</a:t>
+            </a:r>
+            <a:r>
+              <a:rPr lang="en-US" dirty="0" smtClean="0"/>
+              <a:t> </a:t>
+            </a:r>
+            <a:r>
+              <a:rPr lang="en-US" dirty="0" err="1" smtClean="0"/>
+              <a:t>applicazioni</a:t>
+            </a:r>
+            <a:r>
+              <a:rPr lang="en-US" dirty="0" smtClean="0"/>
+              <a:t> e </a:t>
+            </a:r>
+            <a:r>
+              <a:rPr lang="en-US" dirty="0" err="1" smtClean="0"/>
+              <a:t>schemi</a:t>
+            </a:r>
+            <a:r>
+              <a:rPr lang="en-US" dirty="0" smtClean="0"/>
+              <a:t> </a:t>
+            </a:r>
+            <a:r>
+              <a:rPr lang="en-US" dirty="0" err="1" smtClean="0"/>
+              <a:t>autoritativi</a:t>
+            </a:r>
+            <a:endParaRPr lang="en-US" dirty="0" smtClean="0"/>
           </a:p>
         </p:txBody>
       </p:sp>
@@ -5236,7 +5273,7 @@
               </a:lnSpc>
             </a:pPr>
             <a:r>
-              <a:rPr lang="en-US" sz="2800">
+              <a:rPr lang="en-US" sz="2800" dirty="0">
                 <a:solidFill>
                   <a:srgbClr val="083174"/>
                 </a:solidFill>
@@ -5245,7 +5282,7 @@
               <a:t/>
             </a:r>
             <a:br>
-              <a:rPr lang="en-US" sz="2800">
+              <a:rPr lang="en-US" sz="2800" dirty="0">
                 <a:solidFill>
                   <a:srgbClr val="083174"/>
                 </a:solidFill>
@@ -5253,33 +5290,60 @@
               </a:rPr>
             </a:br>
             <a:r>
-              <a:rPr lang="it-IT" sz="2800" i="1">
+              <a:rPr lang="it-IT" sz="2800" i="1" dirty="0">
                 <a:solidFill>
                   <a:srgbClr val="083174"/>
                 </a:solidFill>
                 <a:latin typeface="Calibri" pitchFamily="34" charset="0"/>
               </a:rPr>
-              <a:t> Estensioni a Shibboleth per IDEM </a:t>
-            </a:r>
-            <a:r>
-              <a:rPr lang="en-US" sz="2800">
+              <a:t> Estensioni a </a:t>
+            </a:r>
+            <a:r>
+              <a:rPr lang="it-IT" sz="2800" i="1" dirty="0" err="1">
                 <a:solidFill>
                   <a:srgbClr val="083174"/>
                 </a:solidFill>
                 <a:latin typeface="Calibri" pitchFamily="34" charset="0"/>
               </a:rPr>
-              <a:t/>
-            </a:r>
-            <a:br>
-              <a:rPr lang="en-US" sz="2800">
+              <a:t>Shibboleth</a:t>
+            </a:r>
+            <a:r>
+              <a:rPr lang="it-IT" sz="2800" i="1" dirty="0">
                 <a:solidFill>
                   <a:srgbClr val="083174"/>
                 </a:solidFill>
                 <a:latin typeface="Calibri" pitchFamily="34" charset="0"/>
               </a:rPr>
+              <a:t> per IDEM </a:t>
+            </a:r>
+            <a:r>
+              <a:rPr lang="en-US" sz="2800" dirty="0">
+                <a:solidFill>
+                  <a:srgbClr val="083174"/>
+                </a:solidFill>
+                <a:latin typeface="Calibri" pitchFamily="34" charset="0"/>
+              </a:rPr>
+              <a:t/>
+            </a:r>
+            <a:br>
+              <a:rPr lang="en-US" sz="2800" dirty="0">
+                <a:solidFill>
+                  <a:srgbClr val="083174"/>
+                </a:solidFill>
+                <a:latin typeface="Calibri" pitchFamily="34" charset="0"/>
+              </a:rPr>
             </a:br>
             <a:r>
-              <a:rPr lang="en-US" sz="2800">
+              <a:rPr lang="en-US" sz="2800" dirty="0" smtClean="0">
+                <a:solidFill>
+                  <a:srgbClr val="083174"/>
+                </a:solidFill>
+                <a:latin typeface="Calibri" pitchFamily="34" charset="0"/>
+              </a:rPr>
+              <a:t>	</a:t>
+            </a:r>
+            <a:r>
+              <a:rPr lang="en-US" sz="2800" dirty="0">
                 <a:solidFill>
                   <a:srgbClr val="083174"/>
                 </a:solidFill>
@@ -5295,7 +5359,7 @@
               </a:lnSpc>
             </a:pPr>
             <a:r>
-              <a:rPr lang="en-US" sz="2800" i="1">
+              <a:rPr lang="en-US" sz="2800" i="1" dirty="0">
                 <a:solidFill>
                   <a:srgbClr val="083174"/>
                 </a:solidFill>
@@ -5678,9 +5742,6 @@
               </a:rPr>
               <a:t>.</a:t>
             </a:r>
-            <a:endParaRPr lang="it-IT" sz="2400" dirty="0" smtClean="0">
-              <a:latin typeface="Calibri" pitchFamily="34" charset="0"/>
-            </a:endParaRPr>
           </a:p>
           <a:p>
             <a:pPr marL="796925" lvl="1" eaLnBrk="1" hangingPunct="1">
@@ -6016,9 +6077,6 @@
               </a:rPr>
               <a:t>gestione federata e distribuita dell’AAI</a:t>
             </a:r>
-            <a:endParaRPr lang="it-IT" sz="2000" dirty="0" smtClean="0">
-              <a:latin typeface="Calibri" pitchFamily="34" charset="0"/>
-            </a:endParaRPr>
           </a:p>
           <a:p>
             <a:pPr lvl="1" eaLnBrk="1" hangingPunct="1">
@@ -7013,9 +7071,6 @@
               </a:rPr>
               <a:t>]».</a:t>
             </a:r>
-            <a:endParaRPr lang="it-IT" sz="2400" dirty="0" smtClean="0">
-              <a:latin typeface="Calibri" pitchFamily="34" charset="0"/>
-            </a:endParaRPr>
           </a:p>
           <a:p>
             <a:pPr lvl="1" eaLnBrk="1" hangingPunct="1">
@@ -7061,9 +7116,6 @@
               </a:rPr>
               <a:t>.</a:t>
             </a:r>
-            <a:endParaRPr lang="it-IT" sz="2400" dirty="0" smtClean="0">
-              <a:latin typeface="Calibri" pitchFamily="34" charset="0"/>
-            </a:endParaRPr>
           </a:p>
           <a:p>
             <a:pPr lvl="1" eaLnBrk="1" hangingPunct="1">
@@ -7095,19 +7147,7 @@
               <a:rPr lang="it-IT" sz="2400" dirty="0" smtClean="0">
                 <a:latin typeface="Calibri" pitchFamily="34" charset="0"/>
               </a:rPr>
-              <a:t>Principi </a:t>
-            </a:r>
-            <a:r>
-              <a:rPr lang="it-IT" sz="2400" dirty="0" smtClean="0">
-                <a:latin typeface="Calibri" pitchFamily="34" charset="0"/>
-              </a:rPr>
-              <a:t>generali</a:t>
-            </a:r>
-            <a:r>
-              <a:rPr lang="it-IT" sz="2400" dirty="0" smtClean="0">
-                <a:latin typeface="Calibri" pitchFamily="34" charset="0"/>
-              </a:rPr>
-              <a:t>:</a:t>
+              <a:t>Principi generali:</a:t>
             </a:r>
           </a:p>
           <a:p>
@@ -7290,41 +7330,20 @@
               <a:rPr lang="it-IT" sz="2400" dirty="0" smtClean="0">
                 <a:latin typeface="Calibri" pitchFamily="34" charset="0"/>
               </a:rPr>
-              <a:t> </a:t>
+              <a:t> che quindi non si utilizzano un browser web (API per Java e </a:t>
+            </a:r>
+            <a:r>
+              <a:rPr lang="it-IT" sz="2400" dirty="0" err="1" smtClean="0">
+                <a:latin typeface="Calibri" pitchFamily="34" charset="0"/>
+              </a:rPr>
+              <a:t>Phyton</a:t>
             </a:r>
             <a:r>
               <a:rPr lang="it-IT" sz="2400" dirty="0" smtClean="0">
                 <a:latin typeface="Calibri" pitchFamily="34" charset="0"/>
               </a:rPr>
-              <a:t>che </a:t>
-            </a:r>
-            <a:r>
-              <a:rPr lang="it-IT" sz="2400" dirty="0" smtClean="0">
-                <a:latin typeface="Calibri" pitchFamily="34" charset="0"/>
-              </a:rPr>
-              <a:t>quindi </a:t>
-            </a:r>
-            <a:r>
-              <a:rPr lang="it-IT" sz="2400" dirty="0" smtClean="0">
-                <a:latin typeface="Calibri" pitchFamily="34" charset="0"/>
-              </a:rPr>
-              <a:t>non si utilizzano un browser web (API per Java e </a:t>
-            </a:r>
-            <a:r>
-              <a:rPr lang="it-IT" sz="2400" dirty="0" err="1" smtClean="0">
-                <a:latin typeface="Calibri" pitchFamily="34" charset="0"/>
-              </a:rPr>
-              <a:t>Phyton</a:t>
-            </a:r>
-            <a:r>
-              <a:rPr lang="it-IT" sz="2400" dirty="0" smtClean="0">
-                <a:latin typeface="Calibri" pitchFamily="34" charset="0"/>
-              </a:rPr>
               <a:t>).</a:t>
             </a:r>
-            <a:endParaRPr lang="it-IT" sz="2400" dirty="0" smtClean="0">
-              <a:latin typeface="Calibri" pitchFamily="34" charset="0"/>
-            </a:endParaRPr>
           </a:p>
           <a:p>
             <a:pPr lvl="1" eaLnBrk="1" hangingPunct="1">
@@ -7610,13 +7629,7 @@
               <a:rPr lang="it-IT" sz="2400" dirty="0" smtClean="0">
                 <a:latin typeface="Calibri" pitchFamily="34" charset="0"/>
               </a:rPr>
-              <a:t>attraverso le API realizzate è possibile avere applicazioni client scritta in </a:t>
-            </a:r>
-            <a:r>
-              <a:rPr lang="it-IT" sz="2400" dirty="0" smtClean="0">
-                <a:latin typeface="Calibri" pitchFamily="34" charset="0"/>
-              </a:rPr>
-              <a:t>Java o in </a:t>
+              <a:t>attraverso le API realizzate è possibile avere applicazioni client scritta in Java o in </a:t>
             </a:r>
             <a:r>
               <a:rPr lang="it-IT" sz="2400" dirty="0" err="1" smtClean="0">
@@ -8076,7 +8089,7 @@
           <a:graphicData uri="http://schemas.openxmlformats.org/presentationml/2006/ole">
             <mc:AlternateContent xmlns:mc="http://schemas.openxmlformats.org/markup-compatibility/2006">
               <mc:Choice xmlns:v="urn:schemas-microsoft-com:vml" Requires="v">
-                <p:oleObj spid="_x0000_s3080" name="Visio" r:id="rId4" imgW="5284611" imgH="3772440" progId="Visio.Drawing.11">
+                <p:oleObj spid="_x0000_s3081" name="Visio" r:id="rId4" imgW="5284611" imgH="3772440" progId="Visio.Drawing.11">
                   <p:embed/>
                 </p:oleObj>
               </mc:Choice>
@@ -8469,49 +8482,37 @@
               <a:rPr lang="it-IT" sz="2400" dirty="0" smtClean="0">
                 <a:latin typeface="Calibri" pitchFamily="34" charset="0"/>
               </a:rPr>
-              <a:t>: inclusione delle librerie con le </a:t>
+              <a:t>: inclusione delle librerie con le API </a:t>
+            </a:r>
+            <a:r>
+              <a:rPr lang="it-IT" sz="2400" dirty="0">
+                <a:latin typeface="Calibri" pitchFamily="34" charset="0"/>
+              </a:rPr>
+              <a:t>per integrare l’autenticazione </a:t>
+            </a:r>
+            <a:r>
+              <a:rPr lang="it-IT" sz="2400" dirty="0" err="1" smtClean="0">
+                <a:latin typeface="Calibri" pitchFamily="34" charset="0"/>
+              </a:rPr>
+              <a:t>Shibboleth</a:t>
             </a:r>
             <a:r>
               <a:rPr lang="it-IT" sz="2400" dirty="0" smtClean="0">
                 <a:latin typeface="Calibri" pitchFamily="34" charset="0"/>
               </a:rPr>
-              <a:t>API </a:t>
-            </a:r>
-            <a:r>
-              <a:rPr lang="it-IT" sz="2400" dirty="0">
-                <a:latin typeface="Calibri" pitchFamily="34" charset="0"/>
-              </a:rPr>
-              <a:t>per integrare l’autenticazione </a:t>
+              <a:t>; per il login di macchine </a:t>
             </a:r>
             <a:r>
               <a:rPr lang="it-IT" sz="2400" dirty="0" err="1" smtClean="0">
                 <a:latin typeface="Calibri" pitchFamily="34" charset="0"/>
               </a:rPr>
-              <a:t>Shibboleth</a:t>
+              <a:t>linux</a:t>
             </a:r>
             <a:r>
               <a:rPr lang="it-IT" sz="2400" dirty="0" smtClean="0">
                 <a:latin typeface="Calibri" pitchFamily="34" charset="0"/>
               </a:rPr>
-              <a:t>; per il login di macchine </a:t>
-            </a:r>
-            <a:r>
-              <a:rPr lang="it-IT" sz="2400" dirty="0" err="1" smtClean="0">
-                <a:latin typeface="Calibri" pitchFamily="34" charset="0"/>
-              </a:rPr>
-              <a:t>linux</a:t>
-            </a:r>
-            <a:r>
-              <a:rPr lang="it-IT" sz="2400" dirty="0" smtClean="0">
-                <a:latin typeface="Calibri" pitchFamily="34" charset="0"/>
-              </a:rPr>
-              <a:t> vengono forniti un modulo PAM e NSS da installare e configurare sulla macchina client</a:t>
-            </a:r>
-            <a:r>
-              <a:rPr lang="it-IT" sz="2400" dirty="0" smtClean="0">
-                <a:latin typeface="Calibri" pitchFamily="34" charset="0"/>
-              </a:rPr>
-              <a:t>.</a:t>
+              <a:t> vengono forniti un modulo PAM e NSS da installare e configurare sulla macchina client.</a:t>
             </a:r>
             <a:endParaRPr lang="it-IT" sz="2400" dirty="0">
               <a:latin typeface="Calibri" pitchFamily="34" charset="0"/>
@@ -8962,7 +8963,7 @@
           <a:graphicData uri="http://schemas.openxmlformats.org/presentationml/2006/ole">
             <mc:AlternateContent xmlns:mc="http://schemas.openxmlformats.org/markup-compatibility/2006">
               <mc:Choice xmlns:v="urn:schemas-microsoft-com:vml" Requires="v">
-                <p:oleObj spid="_x0000_s4103" name="Visio" r:id="rId4" imgW="5068504" imgH="3466560" progId="Visio.Drawing.11">
+                <p:oleObj spid="_x0000_s4104" name="Visio" r:id="rId4" imgW="5068504" imgH="3466560" progId="Visio.Drawing.11">
                   <p:embed/>
                 </p:oleObj>
               </mc:Choice>

--- a/ShibbolethExtensions.pptx
+++ b/ShibbolethExtensions.pptx
@@ -5,10 +5,10 @@
     <p:sldMasterId id="2147483649" r:id="rId1"/>
   </p:sldMasterIdLst>
   <p:notesMasterIdLst>
-    <p:notesMasterId r:id="rId16"/>
+    <p:notesMasterId r:id="rId20"/>
   </p:notesMasterIdLst>
   <p:handoutMasterIdLst>
-    <p:handoutMasterId r:id="rId17"/>
+    <p:handoutMasterId r:id="rId21"/>
   </p:handoutMasterIdLst>
   <p:sldIdLst>
     <p:sldId id="256" r:id="rId2"/>
@@ -25,6 +25,10 @@
     <p:sldId id="361" r:id="rId13"/>
     <p:sldId id="362" r:id="rId14"/>
     <p:sldId id="363" r:id="rId15"/>
+    <p:sldId id="365" r:id="rId16"/>
+    <p:sldId id="364" r:id="rId17"/>
+    <p:sldId id="366" r:id="rId18"/>
+    <p:sldId id="367" r:id="rId19"/>
   </p:sldIdLst>
   <p:sldSz cx="9144000" cy="6858000" type="screen4x3"/>
   <p:notesSz cx="6781800" cy="9918700"/>
@@ -1435,6 +1439,398 @@
 </p:notes>
 </file>
 
+<file path=ppt/notesSlides/notesSlide15.xml><?xml version="1.0" encoding="utf-8"?>
+<p:notes xmlns:a="http://schemas.openxmlformats.org/drawingml/2006/main" xmlns:r="http://schemas.openxmlformats.org/officeDocument/2006/relationships" xmlns:p="http://schemas.openxmlformats.org/presentationml/2006/main">
+  <p:cSld>
+    <p:spTree>
+      <p:nvGrpSpPr>
+        <p:cNvPr id="1" name=""/>
+        <p:cNvGrpSpPr/>
+        <p:nvPr/>
+      </p:nvGrpSpPr>
+      <p:grpSpPr>
+        <a:xfrm>
+          <a:off x="0" y="0"/>
+          <a:ext cx="0" cy="0"/>
+          <a:chOff x="0" y="0"/>
+          <a:chExt cx="0" cy="0"/>
+        </a:xfrm>
+      </p:grpSpPr>
+      <p:sp>
+        <p:nvSpPr>
+          <p:cNvPr id="21506" name="Rectangle 7"/>
+          <p:cNvSpPr>
+            <a:spLocks noGrp="1" noChangeArrowheads="1"/>
+          </p:cNvSpPr>
+          <p:nvPr>
+            <p:ph type="sldNum" sz="quarter" idx="5"/>
+          </p:nvPr>
+        </p:nvSpPr>
+        <p:spPr>
+          <a:noFill/>
+        </p:spPr>
+        <p:txBody>
+          <a:bodyPr/>
+          <a:lstStyle/>
+          <a:p>
+            <a:fld id="{1AD4D25A-BB39-4720-AB78-3D7CFF20B890}" type="slidenum">
+              <a:rPr lang="en-US" smtClean="0">
+                <a:latin typeface="Arial" pitchFamily="34" charset="0"/>
+              </a:rPr>
+              <a:pPr/>
+              <a:t>15</a:t>
+            </a:fld>
+            <a:endParaRPr lang="en-US" smtClean="0">
+              <a:latin typeface="Arial" pitchFamily="34" charset="0"/>
+            </a:endParaRPr>
+          </a:p>
+        </p:txBody>
+      </p:sp>
+      <p:sp>
+        <p:nvSpPr>
+          <p:cNvPr id="21507" name="Rectangle 2"/>
+          <p:cNvSpPr>
+            <a:spLocks noGrp="1" noRot="1" noChangeAspect="1" noChangeArrowheads="1" noTextEdit="1"/>
+          </p:cNvSpPr>
+          <p:nvPr>
+            <p:ph type="sldImg"/>
+          </p:nvPr>
+        </p:nvSpPr>
+        <p:spPr>
+          <a:xfrm>
+            <a:off x="912813" y="744538"/>
+            <a:ext cx="4959350" cy="3719512"/>
+          </a:xfrm>
+          <a:ln/>
+        </p:spPr>
+      </p:sp>
+      <p:sp>
+        <p:nvSpPr>
+          <p:cNvPr id="21508" name="Rectangle 3"/>
+          <p:cNvSpPr>
+            <a:spLocks noGrp="1" noChangeArrowheads="1"/>
+          </p:cNvSpPr>
+          <p:nvPr>
+            <p:ph type="body" idx="1"/>
+          </p:nvPr>
+        </p:nvSpPr>
+        <p:spPr>
+          <a:noFill/>
+          <a:ln/>
+        </p:spPr>
+        <p:txBody>
+          <a:bodyPr/>
+          <a:lstStyle/>
+          <a:p>
+            <a:pPr eaLnBrk="1" hangingPunct="1"/>
+            <a:endParaRPr lang="en-GB" smtClean="0">
+              <a:latin typeface="Arial" pitchFamily="34" charset="0"/>
+            </a:endParaRPr>
+          </a:p>
+        </p:txBody>
+      </p:sp>
+    </p:spTree>
+  </p:cSld>
+  <p:clrMapOvr>
+    <a:masterClrMapping/>
+  </p:clrMapOvr>
+</p:notes>
+</file>
+
+<file path=ppt/notesSlides/notesSlide16.xml><?xml version="1.0" encoding="utf-8"?>
+<p:notes xmlns:a="http://schemas.openxmlformats.org/drawingml/2006/main" xmlns:r="http://schemas.openxmlformats.org/officeDocument/2006/relationships" xmlns:p="http://schemas.openxmlformats.org/presentationml/2006/main">
+  <p:cSld>
+    <p:spTree>
+      <p:nvGrpSpPr>
+        <p:cNvPr id="1" name=""/>
+        <p:cNvGrpSpPr/>
+        <p:nvPr/>
+      </p:nvGrpSpPr>
+      <p:grpSpPr>
+        <a:xfrm>
+          <a:off x="0" y="0"/>
+          <a:ext cx="0" cy="0"/>
+          <a:chOff x="0" y="0"/>
+          <a:chExt cx="0" cy="0"/>
+        </a:xfrm>
+      </p:grpSpPr>
+      <p:sp>
+        <p:nvSpPr>
+          <p:cNvPr id="21506" name="Rectangle 7"/>
+          <p:cNvSpPr>
+            <a:spLocks noGrp="1" noChangeArrowheads="1"/>
+          </p:cNvSpPr>
+          <p:nvPr>
+            <p:ph type="sldNum" sz="quarter" idx="5"/>
+          </p:nvPr>
+        </p:nvSpPr>
+        <p:spPr>
+          <a:noFill/>
+        </p:spPr>
+        <p:txBody>
+          <a:bodyPr/>
+          <a:lstStyle/>
+          <a:p>
+            <a:fld id="{1AD4D25A-BB39-4720-AB78-3D7CFF20B890}" type="slidenum">
+              <a:rPr lang="en-US" smtClean="0">
+                <a:latin typeface="Arial" pitchFamily="34" charset="0"/>
+              </a:rPr>
+              <a:pPr/>
+              <a:t>16</a:t>
+            </a:fld>
+            <a:endParaRPr lang="en-US" smtClean="0">
+              <a:latin typeface="Arial" pitchFamily="34" charset="0"/>
+            </a:endParaRPr>
+          </a:p>
+        </p:txBody>
+      </p:sp>
+      <p:sp>
+        <p:nvSpPr>
+          <p:cNvPr id="21507" name="Rectangle 2"/>
+          <p:cNvSpPr>
+            <a:spLocks noGrp="1" noRot="1" noChangeAspect="1" noChangeArrowheads="1" noTextEdit="1"/>
+          </p:cNvSpPr>
+          <p:nvPr>
+            <p:ph type="sldImg"/>
+          </p:nvPr>
+        </p:nvSpPr>
+        <p:spPr>
+          <a:xfrm>
+            <a:off x="912813" y="744538"/>
+            <a:ext cx="4959350" cy="3719512"/>
+          </a:xfrm>
+          <a:ln/>
+        </p:spPr>
+      </p:sp>
+      <p:sp>
+        <p:nvSpPr>
+          <p:cNvPr id="21508" name="Rectangle 3"/>
+          <p:cNvSpPr>
+            <a:spLocks noGrp="1" noChangeArrowheads="1"/>
+          </p:cNvSpPr>
+          <p:nvPr>
+            <p:ph type="body" idx="1"/>
+          </p:nvPr>
+        </p:nvSpPr>
+        <p:spPr>
+          <a:noFill/>
+          <a:ln/>
+        </p:spPr>
+        <p:txBody>
+          <a:bodyPr/>
+          <a:lstStyle/>
+          <a:p>
+            <a:pPr eaLnBrk="1" hangingPunct="1"/>
+            <a:endParaRPr lang="en-GB" smtClean="0">
+              <a:latin typeface="Arial" pitchFamily="34" charset="0"/>
+            </a:endParaRPr>
+          </a:p>
+        </p:txBody>
+      </p:sp>
+    </p:spTree>
+  </p:cSld>
+  <p:clrMapOvr>
+    <a:masterClrMapping/>
+  </p:clrMapOvr>
+</p:notes>
+</file>
+
+<file path=ppt/notesSlides/notesSlide17.xml><?xml version="1.0" encoding="utf-8"?>
+<p:notes xmlns:a="http://schemas.openxmlformats.org/drawingml/2006/main" xmlns:r="http://schemas.openxmlformats.org/officeDocument/2006/relationships" xmlns:p="http://schemas.openxmlformats.org/presentationml/2006/main">
+  <p:cSld>
+    <p:spTree>
+      <p:nvGrpSpPr>
+        <p:cNvPr id="1" name=""/>
+        <p:cNvGrpSpPr/>
+        <p:nvPr/>
+      </p:nvGrpSpPr>
+      <p:grpSpPr>
+        <a:xfrm>
+          <a:off x="0" y="0"/>
+          <a:ext cx="0" cy="0"/>
+          <a:chOff x="0" y="0"/>
+          <a:chExt cx="0" cy="0"/>
+        </a:xfrm>
+      </p:grpSpPr>
+      <p:sp>
+        <p:nvSpPr>
+          <p:cNvPr id="21506" name="Rectangle 7"/>
+          <p:cNvSpPr>
+            <a:spLocks noGrp="1" noChangeArrowheads="1"/>
+          </p:cNvSpPr>
+          <p:nvPr>
+            <p:ph type="sldNum" sz="quarter" idx="5"/>
+          </p:nvPr>
+        </p:nvSpPr>
+        <p:spPr>
+          <a:noFill/>
+        </p:spPr>
+        <p:txBody>
+          <a:bodyPr/>
+          <a:lstStyle/>
+          <a:p>
+            <a:fld id="{1AD4D25A-BB39-4720-AB78-3D7CFF20B890}" type="slidenum">
+              <a:rPr lang="en-US" smtClean="0">
+                <a:latin typeface="Arial" pitchFamily="34" charset="0"/>
+              </a:rPr>
+              <a:pPr/>
+              <a:t>17</a:t>
+            </a:fld>
+            <a:endParaRPr lang="en-US" smtClean="0">
+              <a:latin typeface="Arial" pitchFamily="34" charset="0"/>
+            </a:endParaRPr>
+          </a:p>
+        </p:txBody>
+      </p:sp>
+      <p:sp>
+        <p:nvSpPr>
+          <p:cNvPr id="21507" name="Rectangle 2"/>
+          <p:cNvSpPr>
+            <a:spLocks noGrp="1" noRot="1" noChangeAspect="1" noChangeArrowheads="1" noTextEdit="1"/>
+          </p:cNvSpPr>
+          <p:nvPr>
+            <p:ph type="sldImg"/>
+          </p:nvPr>
+        </p:nvSpPr>
+        <p:spPr>
+          <a:xfrm>
+            <a:off x="912813" y="744538"/>
+            <a:ext cx="4959350" cy="3719512"/>
+          </a:xfrm>
+          <a:ln/>
+        </p:spPr>
+      </p:sp>
+      <p:sp>
+        <p:nvSpPr>
+          <p:cNvPr id="21508" name="Rectangle 3"/>
+          <p:cNvSpPr>
+            <a:spLocks noGrp="1" noChangeArrowheads="1"/>
+          </p:cNvSpPr>
+          <p:nvPr>
+            <p:ph type="body" idx="1"/>
+          </p:nvPr>
+        </p:nvSpPr>
+        <p:spPr>
+          <a:noFill/>
+          <a:ln/>
+        </p:spPr>
+        <p:txBody>
+          <a:bodyPr/>
+          <a:lstStyle/>
+          <a:p>
+            <a:pPr eaLnBrk="1" hangingPunct="1"/>
+            <a:endParaRPr lang="en-GB" smtClean="0">
+              <a:latin typeface="Arial" pitchFamily="34" charset="0"/>
+            </a:endParaRPr>
+          </a:p>
+        </p:txBody>
+      </p:sp>
+    </p:spTree>
+  </p:cSld>
+  <p:clrMapOvr>
+    <a:masterClrMapping/>
+  </p:clrMapOvr>
+</p:notes>
+</file>
+
+<file path=ppt/notesSlides/notesSlide18.xml><?xml version="1.0" encoding="utf-8"?>
+<p:notes xmlns:a="http://schemas.openxmlformats.org/drawingml/2006/main" xmlns:r="http://schemas.openxmlformats.org/officeDocument/2006/relationships" xmlns:p="http://schemas.openxmlformats.org/presentationml/2006/main">
+  <p:cSld>
+    <p:spTree>
+      <p:nvGrpSpPr>
+        <p:cNvPr id="1" name=""/>
+        <p:cNvGrpSpPr/>
+        <p:nvPr/>
+      </p:nvGrpSpPr>
+      <p:grpSpPr>
+        <a:xfrm>
+          <a:off x="0" y="0"/>
+          <a:ext cx="0" cy="0"/>
+          <a:chOff x="0" y="0"/>
+          <a:chExt cx="0" cy="0"/>
+        </a:xfrm>
+      </p:grpSpPr>
+      <p:sp>
+        <p:nvSpPr>
+          <p:cNvPr id="21506" name="Rectangle 7"/>
+          <p:cNvSpPr>
+            <a:spLocks noGrp="1" noChangeArrowheads="1"/>
+          </p:cNvSpPr>
+          <p:nvPr>
+            <p:ph type="sldNum" sz="quarter" idx="5"/>
+          </p:nvPr>
+        </p:nvSpPr>
+        <p:spPr>
+          <a:noFill/>
+        </p:spPr>
+        <p:txBody>
+          <a:bodyPr/>
+          <a:lstStyle/>
+          <a:p>
+            <a:fld id="{1AD4D25A-BB39-4720-AB78-3D7CFF20B890}" type="slidenum">
+              <a:rPr lang="en-US" smtClean="0">
+                <a:latin typeface="Arial" pitchFamily="34" charset="0"/>
+              </a:rPr>
+              <a:pPr/>
+              <a:t>18</a:t>
+            </a:fld>
+            <a:endParaRPr lang="en-US" smtClean="0">
+              <a:latin typeface="Arial" pitchFamily="34" charset="0"/>
+            </a:endParaRPr>
+          </a:p>
+        </p:txBody>
+      </p:sp>
+      <p:sp>
+        <p:nvSpPr>
+          <p:cNvPr id="21507" name="Rectangle 2"/>
+          <p:cNvSpPr>
+            <a:spLocks noGrp="1" noRot="1" noChangeAspect="1" noChangeArrowheads="1" noTextEdit="1"/>
+          </p:cNvSpPr>
+          <p:nvPr>
+            <p:ph type="sldImg"/>
+          </p:nvPr>
+        </p:nvSpPr>
+        <p:spPr>
+          <a:xfrm>
+            <a:off x="912813" y="744538"/>
+            <a:ext cx="4959350" cy="3719512"/>
+          </a:xfrm>
+          <a:ln/>
+        </p:spPr>
+      </p:sp>
+      <p:sp>
+        <p:nvSpPr>
+          <p:cNvPr id="21508" name="Rectangle 3"/>
+          <p:cNvSpPr>
+            <a:spLocks noGrp="1" noChangeArrowheads="1"/>
+          </p:cNvSpPr>
+          <p:nvPr>
+            <p:ph type="body" idx="1"/>
+          </p:nvPr>
+        </p:nvSpPr>
+        <p:spPr>
+          <a:noFill/>
+          <a:ln/>
+        </p:spPr>
+        <p:txBody>
+          <a:bodyPr/>
+          <a:lstStyle/>
+          <a:p>
+            <a:pPr eaLnBrk="1" hangingPunct="1"/>
+            <a:endParaRPr lang="en-GB" smtClean="0">
+              <a:latin typeface="Arial" pitchFamily="34" charset="0"/>
+            </a:endParaRPr>
+          </a:p>
+        </p:txBody>
+      </p:sp>
+    </p:spTree>
+  </p:cSld>
+  <p:clrMapOvr>
+    <a:masterClrMapping/>
+  </p:clrMapOvr>
+</p:notes>
+</file>
+
 <file path=ppt/notesSlides/notesSlide2.xml><?xml version="1.0" encoding="utf-8"?>
 <p:notes xmlns:a="http://schemas.openxmlformats.org/drawingml/2006/main" xmlns:r="http://schemas.openxmlformats.org/officeDocument/2006/relationships" xmlns:p="http://schemas.openxmlformats.org/presentationml/2006/main">
   <p:cSld>
@@ -2245,7 +2641,13 @@
           <p:nvPr userDrawn="1"/>
         </p:nvPicPr>
         <p:blipFill>
-          <a:blip r:embed="rId2"/>
+          <a:blip r:embed="rId2">
+            <a:extLst>
+              <a:ext uri="{28A0092B-C50C-407E-A947-70E740481C1C}">
+                <a14:useLocalDpi xmlns:a14="http://schemas.microsoft.com/office/drawing/2010/main" val="0"/>
+              </a:ext>
+            </a:extLst>
+          </a:blip>
           <a:srcRect/>
           <a:stretch>
             <a:fillRect/>
@@ -2381,7 +2783,13 @@
             <p:nvPr userDrawn="1"/>
           </p:nvPicPr>
           <p:blipFill>
-            <a:blip r:embed="rId3"/>
+            <a:blip r:embed="rId3">
+              <a:extLst>
+                <a:ext uri="{28A0092B-C50C-407E-A947-70E740481C1C}">
+                  <a14:useLocalDpi xmlns:a14="http://schemas.microsoft.com/office/drawing/2010/main" val="0"/>
+                </a:ext>
+              </a:extLst>
+            </a:blip>
             <a:srcRect/>
             <a:stretch>
               <a:fillRect/>
@@ -4477,7 +4885,13 @@
           <p:nvPr userDrawn="1"/>
         </p:nvPicPr>
         <p:blipFill>
-          <a:blip r:embed="rId15"/>
+          <a:blip r:embed="rId15">
+            <a:extLst>
+              <a:ext uri="{28A0092B-C50C-407E-A947-70E740481C1C}">
+                <a14:useLocalDpi xmlns:a14="http://schemas.microsoft.com/office/drawing/2010/main" val="0"/>
+              </a:ext>
+            </a:extLst>
+          </a:blip>
           <a:srcRect/>
           <a:stretch>
             <a:fillRect/>
@@ -4509,7 +4923,13 @@
           <p:nvPr userDrawn="1"/>
         </p:nvPicPr>
         <p:blipFill>
-          <a:blip r:embed="rId16"/>
+          <a:blip r:embed="rId16">
+            <a:extLst>
+              <a:ext uri="{28A0092B-C50C-407E-A947-70E740481C1C}">
+                <a14:useLocalDpi xmlns:a14="http://schemas.microsoft.com/office/drawing/2010/main" val="0"/>
+              </a:ext>
+            </a:extLst>
+          </a:blip>
           <a:srcRect/>
           <a:stretch>
             <a:fillRect/>
@@ -5199,11 +5619,7 @@
             </a:r>
             <a:r>
               <a:rPr lang="en-US" dirty="0" smtClean="0"/>
-              <a:t> </a:t>
-            </a:r>
-            <a:r>
-              <a:rPr lang="en-US" dirty="0" smtClean="0"/>
-              <a:t>di IDEM a </a:t>
+              <a:t> di IDEM a </a:t>
             </a:r>
             <a:r>
               <a:rPr lang="en-US" dirty="0" err="1" smtClean="0"/>
@@ -6964,6 +7380,2656 @@
 </p:sld>
 </file>
 
+<file path=ppt/slides/slide15.xml><?xml version="1.0" encoding="utf-8"?>
+<p:sld xmlns:a="http://schemas.openxmlformats.org/drawingml/2006/main" xmlns:r="http://schemas.openxmlformats.org/officeDocument/2006/relationships" xmlns:p="http://schemas.openxmlformats.org/presentationml/2006/main">
+  <p:cSld>
+    <p:spTree>
+      <p:nvGrpSpPr>
+        <p:cNvPr id="1" name=""/>
+        <p:cNvGrpSpPr/>
+        <p:nvPr/>
+      </p:nvGrpSpPr>
+      <p:grpSpPr>
+        <a:xfrm>
+          <a:off x="0" y="0"/>
+          <a:ext cx="0" cy="0"/>
+          <a:chOff x="0" y="0"/>
+          <a:chExt cx="0" cy="0"/>
+        </a:xfrm>
+      </p:grpSpPr>
+      <p:sp>
+        <p:nvSpPr>
+          <p:cNvPr id="2" name="Titolo 1"/>
+          <p:cNvSpPr>
+            <a:spLocks noGrp="1"/>
+          </p:cNvSpPr>
+          <p:nvPr>
+            <p:ph type="title"/>
+          </p:nvPr>
+        </p:nvSpPr>
+        <p:spPr/>
+        <p:txBody>
+          <a:bodyPr/>
+          <a:lstStyle/>
+          <a:p>
+            <a:r>
+              <a:rPr lang="it-IT" dirty="0" smtClean="0"/>
+              <a:t>Grazie per l’Attenzione!</a:t>
+            </a:r>
+            <a:endParaRPr lang="it-IT" dirty="0"/>
+          </a:p>
+        </p:txBody>
+      </p:sp>
+      <p:sp>
+        <p:nvSpPr>
+          <p:cNvPr id="3" name="Segnaposto testo 2"/>
+          <p:cNvSpPr>
+            <a:spLocks noGrp="1"/>
+          </p:cNvSpPr>
+          <p:nvPr>
+            <p:ph type="body" idx="1"/>
+          </p:nvPr>
+        </p:nvSpPr>
+        <p:spPr/>
+        <p:txBody>
+          <a:bodyPr/>
+          <a:lstStyle/>
+          <a:p>
+            <a:r>
+              <a:rPr lang="it-IT" dirty="0" smtClean="0"/>
+              <a:t>Fine presentazione.</a:t>
+            </a:r>
+            <a:endParaRPr lang="it-IT" dirty="0"/>
+          </a:p>
+        </p:txBody>
+      </p:sp>
+    </p:spTree>
+    <p:extLst>
+      <p:ext uri="{BB962C8B-B14F-4D97-AF65-F5344CB8AC3E}">
+        <p14:creationId xmlns:p14="http://schemas.microsoft.com/office/powerpoint/2010/main" val="3889417410"/>
+      </p:ext>
+    </p:extLst>
+  </p:cSld>
+  <p:clrMapOvr>
+    <a:masterClrMapping/>
+  </p:clrMapOvr>
+  <p:transition>
+    <p:fade/>
+  </p:transition>
+  <p:timing>
+    <p:tnLst>
+      <p:par>
+        <p:cTn id="1" dur="indefinite" restart="never" nodeType="tmRoot"/>
+      </p:par>
+    </p:tnLst>
+  </p:timing>
+</p:sld>
+</file>
+
+<file path=ppt/slides/slide16.xml><?xml version="1.0" encoding="utf-8"?>
+<p:sld xmlns:a="http://schemas.openxmlformats.org/drawingml/2006/main" xmlns:r="http://schemas.openxmlformats.org/officeDocument/2006/relationships" xmlns:p="http://schemas.openxmlformats.org/presentationml/2006/main">
+  <p:cSld>
+    <p:spTree>
+      <p:nvGrpSpPr>
+        <p:cNvPr id="1" name=""/>
+        <p:cNvGrpSpPr/>
+        <p:nvPr/>
+      </p:nvGrpSpPr>
+      <p:grpSpPr>
+        <a:xfrm>
+          <a:off x="0" y="0"/>
+          <a:ext cx="0" cy="0"/>
+          <a:chOff x="0" y="0"/>
+          <a:chExt cx="0" cy="0"/>
+        </a:xfrm>
+      </p:grpSpPr>
+      <p:sp>
+        <p:nvSpPr>
+          <p:cNvPr id="7170" name="Rectangle 2"/>
+          <p:cNvSpPr>
+            <a:spLocks noGrp="1" noChangeArrowheads="1"/>
+          </p:cNvSpPr>
+          <p:nvPr>
+            <p:ph type="title"/>
+          </p:nvPr>
+        </p:nvSpPr>
+        <p:spPr/>
+        <p:txBody>
+          <a:bodyPr/>
+          <a:lstStyle/>
+          <a:p>
+            <a:pPr eaLnBrk="1" hangingPunct="1"/>
+            <a:r>
+              <a:rPr lang="en-GB" sz="2800" b="0" dirty="0">
+                <a:latin typeface="Arial Unicode MS"/>
+                <a:ea typeface="Arial Unicode MS"/>
+                <a:cs typeface="Arial Unicode MS"/>
+              </a:rPr>
+              <a:t>① </a:t>
+            </a:r>
+            <a:r>
+              <a:rPr lang="it-IT" sz="2800" b="0" dirty="0" smtClean="0">
+                <a:latin typeface="Arial Unicode MS"/>
+                <a:ea typeface="Arial Unicode MS"/>
+                <a:cs typeface="Arial Unicode MS"/>
+              </a:rPr>
+              <a:t>Esempi di utilizzo delle API</a:t>
+            </a:r>
+            <a:endParaRPr lang="it-IT" sz="2800" b="0" dirty="0" smtClean="0">
+              <a:latin typeface="Calibri" pitchFamily="34" charset="0"/>
+            </a:endParaRPr>
+          </a:p>
+        </p:txBody>
+      </p:sp>
+      <p:sp>
+        <p:nvSpPr>
+          <p:cNvPr id="5" name="Rectangle 3"/>
+          <p:cNvSpPr>
+            <a:spLocks noGrp="1" noChangeArrowheads="1"/>
+          </p:cNvSpPr>
+          <p:nvPr>
+            <p:ph sz="half" idx="1"/>
+          </p:nvPr>
+        </p:nvSpPr>
+        <p:spPr>
+          <a:xfrm>
+            <a:off x="460859" y="1573213"/>
+            <a:ext cx="4169664" cy="4294187"/>
+          </a:xfrm>
+          <a:solidFill>
+            <a:schemeClr val="accent3">
+              <a:lumMod val="85000"/>
+            </a:schemeClr>
+          </a:solidFill>
+          <a:effectLst>
+            <a:outerShdw blurRad="50800" dist="38100" dir="2700000" algn="tl" rotWithShape="0">
+              <a:prstClr val="black">
+                <a:alpha val="40000"/>
+              </a:prstClr>
+            </a:outerShdw>
+            <a:softEdge rad="31750"/>
+          </a:effectLst>
+        </p:spPr>
+        <p:txBody>
+          <a:bodyPr/>
+          <a:lstStyle/>
+          <a:p>
+            <a:pPr marL="1587" lvl="1" indent="0" eaLnBrk="1" hangingPunct="1">
+              <a:spcBef>
+                <a:spcPct val="0"/>
+              </a:spcBef>
+              <a:spcAft>
+                <a:spcPct val="20000"/>
+              </a:spcAft>
+              <a:buSzPct val="60000"/>
+              <a:buNone/>
+              <a:defRPr/>
+            </a:pPr>
+            <a:endParaRPr lang="it-IT" sz="1200" dirty="0" smtClean="0">
+              <a:cs typeface="Courier New" pitchFamily="49" charset="0"/>
+            </a:endParaRPr>
+          </a:p>
+          <a:p>
+            <a:pPr marL="1587" lvl="1" indent="0" algn="ctr" eaLnBrk="1" hangingPunct="1">
+              <a:spcBef>
+                <a:spcPct val="0"/>
+              </a:spcBef>
+              <a:spcAft>
+                <a:spcPct val="20000"/>
+              </a:spcAft>
+              <a:buSzPct val="60000"/>
+              <a:buNone/>
+              <a:defRPr/>
+            </a:pPr>
+            <a:r>
+              <a:rPr lang="it-IT" sz="2000" dirty="0" smtClean="0">
+                <a:effectLst>
+                  <a:outerShdw blurRad="50800" dist="38100" dir="2700000" algn="tl" rotWithShape="0">
+                    <a:prstClr val="black">
+                      <a:alpha val="40000"/>
+                    </a:prstClr>
+                  </a:outerShdw>
+                </a:effectLst>
+                <a:cs typeface="Courier New" pitchFamily="49" charset="0"/>
+              </a:rPr>
+              <a:t>Login da un programma Java</a:t>
+            </a:r>
+            <a:endParaRPr lang="it-IT" sz="2000" dirty="0">
+              <a:effectLst>
+                <a:outerShdw blurRad="50800" dist="38100" dir="2700000" algn="tl" rotWithShape="0">
+                  <a:prstClr val="black">
+                    <a:alpha val="40000"/>
+                  </a:prstClr>
+                </a:outerShdw>
+              </a:effectLst>
+              <a:cs typeface="Courier New" pitchFamily="49" charset="0"/>
+            </a:endParaRPr>
+          </a:p>
+          <a:p>
+            <a:pPr marL="1587" lvl="1" indent="0" eaLnBrk="1" hangingPunct="1">
+              <a:spcBef>
+                <a:spcPct val="0"/>
+              </a:spcBef>
+              <a:spcAft>
+                <a:spcPct val="20000"/>
+              </a:spcAft>
+              <a:buSzPct val="60000"/>
+              <a:buNone/>
+              <a:defRPr/>
+            </a:pPr>
+            <a:endParaRPr lang="it-IT" sz="1200" dirty="0" smtClean="0">
+              <a:cs typeface="Courier New" pitchFamily="49" charset="0"/>
+            </a:endParaRPr>
+          </a:p>
+          <a:p>
+            <a:pPr marL="1587" lvl="1" indent="0" eaLnBrk="1" hangingPunct="1">
+              <a:spcBef>
+                <a:spcPct val="0"/>
+              </a:spcBef>
+              <a:spcAft>
+                <a:spcPct val="20000"/>
+              </a:spcAft>
+              <a:buSzPct val="60000"/>
+              <a:buNone/>
+              <a:defRPr/>
+            </a:pPr>
+            <a:endParaRPr lang="it-IT" sz="1200" dirty="0">
+              <a:cs typeface="Courier New" pitchFamily="49" charset="0"/>
+            </a:endParaRPr>
+          </a:p>
+          <a:p>
+            <a:pPr marL="87313" lvl="1" indent="0" eaLnBrk="1" hangingPunct="1">
+              <a:spcBef>
+                <a:spcPct val="0"/>
+              </a:spcBef>
+              <a:spcAft>
+                <a:spcPct val="20000"/>
+              </a:spcAft>
+              <a:buSzPct val="60000"/>
+              <a:buNone/>
+              <a:defRPr/>
+            </a:pPr>
+            <a:r>
+              <a:rPr lang="it-IT" sz="1400" dirty="0" err="1" smtClean="0">
+                <a:solidFill>
+                  <a:schemeClr val="bg2">
+                    <a:lumMod val="25000"/>
+                  </a:schemeClr>
+                </a:solidFill>
+                <a:latin typeface="Calibri" pitchFamily="34" charset="0"/>
+                <a:cs typeface="Calibri" pitchFamily="34" charset="0"/>
+              </a:rPr>
+              <a:t>try</a:t>
+            </a:r>
+            <a:r>
+              <a:rPr lang="it-IT" sz="1400" dirty="0" smtClean="0">
+                <a:solidFill>
+                  <a:schemeClr val="bg2">
+                    <a:lumMod val="25000"/>
+                  </a:schemeClr>
+                </a:solidFill>
+                <a:latin typeface="Calibri" pitchFamily="34" charset="0"/>
+                <a:cs typeface="Calibri" pitchFamily="34" charset="0"/>
+              </a:rPr>
+              <a:t> {</a:t>
+            </a:r>
+          </a:p>
+          <a:p>
+            <a:pPr marL="87313" lvl="1" indent="0" eaLnBrk="1" hangingPunct="1">
+              <a:spcBef>
+                <a:spcPct val="0"/>
+              </a:spcBef>
+              <a:spcAft>
+                <a:spcPct val="20000"/>
+              </a:spcAft>
+              <a:buSzPct val="60000"/>
+              <a:buNone/>
+              <a:tabLst>
+                <a:tab pos="269875" algn="l"/>
+                <a:tab pos="541338" algn="l"/>
+                <a:tab pos="804863" algn="l"/>
+                <a:tab pos="1074738" algn="l"/>
+                <a:tab pos="1346200" algn="l"/>
+              </a:tabLst>
+              <a:defRPr/>
+            </a:pPr>
+            <a:r>
+              <a:rPr lang="it-IT" sz="1400" dirty="0" smtClean="0">
+                <a:solidFill>
+                  <a:schemeClr val="bg2">
+                    <a:lumMod val="25000"/>
+                  </a:schemeClr>
+                </a:solidFill>
+                <a:latin typeface="Calibri" pitchFamily="34" charset="0"/>
+                <a:cs typeface="Calibri" pitchFamily="34" charset="0"/>
+              </a:rPr>
+              <a:t>	</a:t>
+            </a:r>
+            <a:r>
+              <a:rPr lang="it-IT" sz="1400" dirty="0" err="1" smtClean="0">
+                <a:solidFill>
+                  <a:schemeClr val="bg2">
+                    <a:lumMod val="25000"/>
+                  </a:schemeClr>
+                </a:solidFill>
+                <a:latin typeface="Calibri" pitchFamily="34" charset="0"/>
+                <a:cs typeface="Calibri" pitchFamily="34" charset="0"/>
+              </a:rPr>
+              <a:t>LoginContext</a:t>
+            </a:r>
+            <a:r>
+              <a:rPr lang="it-IT" sz="1400" dirty="0" smtClean="0">
+                <a:solidFill>
+                  <a:schemeClr val="bg2">
+                    <a:lumMod val="25000"/>
+                  </a:schemeClr>
+                </a:solidFill>
+                <a:latin typeface="Calibri" pitchFamily="34" charset="0"/>
+                <a:cs typeface="Calibri" pitchFamily="34" charset="0"/>
+              </a:rPr>
+              <a:t> </a:t>
+            </a:r>
+            <a:r>
+              <a:rPr lang="it-IT" sz="1400" dirty="0" err="1">
+                <a:solidFill>
+                  <a:schemeClr val="bg2">
+                    <a:lumMod val="25000"/>
+                  </a:schemeClr>
+                </a:solidFill>
+                <a:latin typeface="Calibri" pitchFamily="34" charset="0"/>
+                <a:cs typeface="Calibri" pitchFamily="34" charset="0"/>
+              </a:rPr>
+              <a:t>lc</a:t>
+            </a:r>
+            <a:r>
+              <a:rPr lang="it-IT" sz="1400" dirty="0">
+                <a:solidFill>
+                  <a:schemeClr val="bg2">
+                    <a:lumMod val="25000"/>
+                  </a:schemeClr>
+                </a:solidFill>
+                <a:latin typeface="Calibri" pitchFamily="34" charset="0"/>
+                <a:cs typeface="Calibri" pitchFamily="34" charset="0"/>
+              </a:rPr>
+              <a:t> </a:t>
+            </a:r>
+            <a:r>
+              <a:rPr lang="it-IT" sz="1400" dirty="0" smtClean="0">
+                <a:solidFill>
+                  <a:schemeClr val="bg2">
+                    <a:lumMod val="25000"/>
+                  </a:schemeClr>
+                </a:solidFill>
+                <a:latin typeface="Calibri" pitchFamily="34" charset="0"/>
+                <a:cs typeface="Calibri" pitchFamily="34" charset="0"/>
+              </a:rPr>
+              <a:t>= new </a:t>
+            </a:r>
+            <a:r>
+              <a:rPr lang="it-IT" sz="1400" dirty="0" err="1" smtClean="0">
+                <a:solidFill>
+                  <a:schemeClr val="bg2">
+                    <a:lumMod val="25000"/>
+                  </a:schemeClr>
+                </a:solidFill>
+                <a:latin typeface="Calibri" pitchFamily="34" charset="0"/>
+                <a:cs typeface="Calibri" pitchFamily="34" charset="0"/>
+              </a:rPr>
+              <a:t>LoginContext</a:t>
+            </a:r>
+            <a:r>
+              <a:rPr lang="it-IT" sz="1400" dirty="0" smtClean="0">
+                <a:solidFill>
+                  <a:schemeClr val="bg2">
+                    <a:lumMod val="25000"/>
+                  </a:schemeClr>
+                </a:solidFill>
+                <a:latin typeface="Calibri" pitchFamily="34" charset="0"/>
+                <a:cs typeface="Calibri" pitchFamily="34" charset="0"/>
+              </a:rPr>
+              <a:t>(</a:t>
+            </a:r>
+          </a:p>
+          <a:p>
+            <a:pPr marL="87313" lvl="1" indent="0" eaLnBrk="1" hangingPunct="1">
+              <a:spcBef>
+                <a:spcPct val="0"/>
+              </a:spcBef>
+              <a:spcAft>
+                <a:spcPct val="20000"/>
+              </a:spcAft>
+              <a:buSzPct val="60000"/>
+              <a:buNone/>
+              <a:tabLst>
+                <a:tab pos="269875" algn="l"/>
+                <a:tab pos="541338" algn="l"/>
+                <a:tab pos="804863" algn="l"/>
+                <a:tab pos="1074738" algn="l"/>
+                <a:tab pos="1346200" algn="l"/>
+              </a:tabLst>
+              <a:defRPr/>
+            </a:pPr>
+            <a:r>
+              <a:rPr lang="it-IT" sz="1400" dirty="0">
+                <a:solidFill>
+                  <a:schemeClr val="bg2">
+                    <a:lumMod val="25000"/>
+                  </a:schemeClr>
+                </a:solidFill>
+                <a:latin typeface="Calibri" pitchFamily="34" charset="0"/>
+                <a:cs typeface="Calibri" pitchFamily="34" charset="0"/>
+              </a:rPr>
+              <a:t>	</a:t>
+            </a:r>
+            <a:r>
+              <a:rPr lang="it-IT" sz="1400" dirty="0" smtClean="0">
+                <a:solidFill>
+                  <a:schemeClr val="bg2">
+                    <a:lumMod val="25000"/>
+                  </a:schemeClr>
+                </a:solidFill>
+                <a:latin typeface="Calibri" pitchFamily="34" charset="0"/>
+                <a:cs typeface="Calibri" pitchFamily="34" charset="0"/>
+              </a:rPr>
+              <a:t>		"</a:t>
+            </a:r>
+            <a:r>
+              <a:rPr lang="it-IT" sz="1400" dirty="0" err="1">
+                <a:solidFill>
+                  <a:schemeClr val="bg2">
+                    <a:lumMod val="25000"/>
+                  </a:schemeClr>
+                </a:solidFill>
+                <a:latin typeface="Calibri" pitchFamily="34" charset="0"/>
+                <a:cs typeface="Calibri" pitchFamily="34" charset="0"/>
+              </a:rPr>
+              <a:t>Shibboleth</a:t>
+            </a:r>
+            <a:r>
+              <a:rPr lang="it-IT" sz="1400" dirty="0" smtClean="0">
+                <a:solidFill>
+                  <a:schemeClr val="bg2">
+                    <a:lumMod val="25000"/>
+                  </a:schemeClr>
+                </a:solidFill>
+                <a:latin typeface="Calibri" pitchFamily="34" charset="0"/>
+                <a:cs typeface="Calibri" pitchFamily="34" charset="0"/>
+              </a:rPr>
+              <a:t>",</a:t>
+            </a:r>
+          </a:p>
+          <a:p>
+            <a:pPr marL="87313" lvl="1" indent="0" eaLnBrk="1" hangingPunct="1">
+              <a:spcBef>
+                <a:spcPct val="0"/>
+              </a:spcBef>
+              <a:spcAft>
+                <a:spcPct val="20000"/>
+              </a:spcAft>
+              <a:buSzPct val="60000"/>
+              <a:buNone/>
+              <a:tabLst>
+                <a:tab pos="269875" algn="l"/>
+                <a:tab pos="541338" algn="l"/>
+                <a:tab pos="804863" algn="l"/>
+                <a:tab pos="1074738" algn="l"/>
+                <a:tab pos="1346200" algn="l"/>
+              </a:tabLst>
+              <a:defRPr/>
+            </a:pPr>
+            <a:r>
+              <a:rPr lang="it-IT" sz="1400" dirty="0">
+                <a:solidFill>
+                  <a:schemeClr val="bg2">
+                    <a:lumMod val="25000"/>
+                  </a:schemeClr>
+                </a:solidFill>
+                <a:latin typeface="Calibri" pitchFamily="34" charset="0"/>
+                <a:cs typeface="Calibri" pitchFamily="34" charset="0"/>
+              </a:rPr>
+              <a:t>	</a:t>
+            </a:r>
+            <a:r>
+              <a:rPr lang="it-IT" sz="1400" dirty="0" smtClean="0">
+                <a:solidFill>
+                  <a:schemeClr val="bg2">
+                    <a:lumMod val="25000"/>
+                  </a:schemeClr>
+                </a:solidFill>
+                <a:latin typeface="Calibri" pitchFamily="34" charset="0"/>
+                <a:cs typeface="Calibri" pitchFamily="34" charset="0"/>
+              </a:rPr>
+              <a:t>		new </a:t>
+            </a:r>
+            <a:r>
+              <a:rPr lang="it-IT" sz="1400" dirty="0" err="1" smtClean="0">
+                <a:solidFill>
+                  <a:schemeClr val="bg2">
+                    <a:lumMod val="25000"/>
+                  </a:schemeClr>
+                </a:solidFill>
+                <a:latin typeface="Calibri" pitchFamily="34" charset="0"/>
+                <a:cs typeface="Calibri" pitchFamily="34" charset="0"/>
+              </a:rPr>
+              <a:t>MyCallbackHandler</a:t>
+            </a:r>
+            <a:r>
+              <a:rPr lang="it-IT" sz="1400" dirty="0" smtClean="0">
+                <a:solidFill>
+                  <a:schemeClr val="bg2">
+                    <a:lumMod val="25000"/>
+                  </a:schemeClr>
+                </a:solidFill>
+                <a:latin typeface="Calibri" pitchFamily="34" charset="0"/>
+                <a:cs typeface="Calibri" pitchFamily="34" charset="0"/>
+              </a:rPr>
+              <a:t>());</a:t>
+            </a:r>
+          </a:p>
+          <a:p>
+            <a:pPr marL="87313" lvl="1" indent="0" eaLnBrk="1" hangingPunct="1">
+              <a:spcBef>
+                <a:spcPct val="0"/>
+              </a:spcBef>
+              <a:spcAft>
+                <a:spcPct val="20000"/>
+              </a:spcAft>
+              <a:buSzPct val="60000"/>
+              <a:buNone/>
+              <a:tabLst>
+                <a:tab pos="269875" algn="l"/>
+                <a:tab pos="541338" algn="l"/>
+                <a:tab pos="804863" algn="l"/>
+                <a:tab pos="1074738" algn="l"/>
+                <a:tab pos="1346200" algn="l"/>
+              </a:tabLst>
+              <a:defRPr/>
+            </a:pPr>
+            <a:endParaRPr lang="it-IT" sz="1400" dirty="0" smtClean="0">
+              <a:solidFill>
+                <a:schemeClr val="bg2">
+                  <a:lumMod val="25000"/>
+                </a:schemeClr>
+              </a:solidFill>
+              <a:latin typeface="Calibri" pitchFamily="34" charset="0"/>
+              <a:cs typeface="Calibri" pitchFamily="34" charset="0"/>
+            </a:endParaRPr>
+          </a:p>
+          <a:p>
+            <a:pPr marL="87313" lvl="1" indent="0" eaLnBrk="1" hangingPunct="1">
+              <a:spcBef>
+                <a:spcPct val="0"/>
+              </a:spcBef>
+              <a:spcAft>
+                <a:spcPct val="20000"/>
+              </a:spcAft>
+              <a:buSzPct val="60000"/>
+              <a:buNone/>
+              <a:tabLst>
+                <a:tab pos="269875" algn="l"/>
+                <a:tab pos="541338" algn="l"/>
+                <a:tab pos="804863" algn="l"/>
+                <a:tab pos="1074738" algn="l"/>
+                <a:tab pos="1346200" algn="l"/>
+              </a:tabLst>
+              <a:defRPr/>
+            </a:pPr>
+            <a:r>
+              <a:rPr lang="it-IT" sz="1400" dirty="0" smtClean="0">
+                <a:solidFill>
+                  <a:schemeClr val="bg2">
+                    <a:lumMod val="25000"/>
+                  </a:schemeClr>
+                </a:solidFill>
+                <a:latin typeface="Calibri" pitchFamily="34" charset="0"/>
+                <a:cs typeface="Calibri" pitchFamily="34" charset="0"/>
+              </a:rPr>
+              <a:t>	</a:t>
+            </a:r>
+            <a:r>
+              <a:rPr lang="it-IT" sz="1400" dirty="0" err="1" smtClean="0">
+                <a:solidFill>
+                  <a:schemeClr val="bg2">
+                    <a:lumMod val="25000"/>
+                  </a:schemeClr>
+                </a:solidFill>
+                <a:latin typeface="Calibri" pitchFamily="34" charset="0"/>
+                <a:cs typeface="Calibri" pitchFamily="34" charset="0"/>
+              </a:rPr>
+              <a:t>lc.login</a:t>
+            </a:r>
+            <a:r>
+              <a:rPr lang="it-IT" sz="1400" dirty="0" smtClean="0">
+                <a:solidFill>
+                  <a:schemeClr val="bg2">
+                    <a:lumMod val="25000"/>
+                  </a:schemeClr>
+                </a:solidFill>
+                <a:latin typeface="Calibri" pitchFamily="34" charset="0"/>
+                <a:cs typeface="Calibri" pitchFamily="34" charset="0"/>
+              </a:rPr>
+              <a:t>();</a:t>
+            </a:r>
+          </a:p>
+          <a:p>
+            <a:pPr marL="87313" lvl="1" indent="0" eaLnBrk="1" hangingPunct="1">
+              <a:spcBef>
+                <a:spcPct val="0"/>
+              </a:spcBef>
+              <a:spcAft>
+                <a:spcPct val="20000"/>
+              </a:spcAft>
+              <a:buSzPct val="60000"/>
+              <a:buNone/>
+              <a:tabLst>
+                <a:tab pos="269875" algn="l"/>
+                <a:tab pos="541338" algn="l"/>
+                <a:tab pos="804863" algn="l"/>
+                <a:tab pos="1074738" algn="l"/>
+                <a:tab pos="1346200" algn="l"/>
+              </a:tabLst>
+              <a:defRPr/>
+            </a:pPr>
+            <a:r>
+              <a:rPr lang="it-IT" sz="1400" dirty="0">
+                <a:solidFill>
+                  <a:schemeClr val="bg2">
+                    <a:lumMod val="25000"/>
+                  </a:schemeClr>
+                </a:solidFill>
+                <a:latin typeface="Calibri" pitchFamily="34" charset="0"/>
+                <a:cs typeface="Calibri" pitchFamily="34" charset="0"/>
+              </a:rPr>
+              <a:t>	</a:t>
+            </a:r>
+            <a:r>
+              <a:rPr lang="it-IT" sz="1400" dirty="0" err="1" smtClean="0">
+                <a:solidFill>
+                  <a:schemeClr val="bg2">
+                    <a:lumMod val="25000"/>
+                  </a:schemeClr>
+                </a:solidFill>
+                <a:latin typeface="Calibri" pitchFamily="34" charset="0"/>
+                <a:cs typeface="Calibri" pitchFamily="34" charset="0"/>
+              </a:rPr>
+              <a:t>System.out.println</a:t>
+            </a:r>
+            <a:r>
+              <a:rPr lang="it-IT" sz="1400" dirty="0">
+                <a:solidFill>
+                  <a:schemeClr val="bg2">
+                    <a:lumMod val="25000"/>
+                  </a:schemeClr>
+                </a:solidFill>
+                <a:latin typeface="Calibri" pitchFamily="34" charset="0"/>
+                <a:cs typeface="Calibri" pitchFamily="34" charset="0"/>
+              </a:rPr>
+              <a:t>("User </a:t>
+            </a:r>
+            <a:r>
+              <a:rPr lang="it-IT" sz="1400" dirty="0" err="1">
+                <a:solidFill>
+                  <a:schemeClr val="bg2">
+                    <a:lumMod val="25000"/>
+                  </a:schemeClr>
+                </a:solidFill>
+                <a:latin typeface="Calibri" pitchFamily="34" charset="0"/>
+                <a:cs typeface="Calibri" pitchFamily="34" charset="0"/>
+              </a:rPr>
+              <a:t>logged</a:t>
+            </a:r>
+            <a:r>
+              <a:rPr lang="it-IT" sz="1400" dirty="0">
+                <a:solidFill>
+                  <a:schemeClr val="bg2">
+                    <a:lumMod val="25000"/>
+                  </a:schemeClr>
+                </a:solidFill>
+                <a:latin typeface="Calibri" pitchFamily="34" charset="0"/>
+                <a:cs typeface="Calibri" pitchFamily="34" charset="0"/>
+              </a:rPr>
+              <a:t> in </a:t>
+            </a:r>
+            <a:r>
+              <a:rPr lang="it-IT" sz="1400" dirty="0" err="1">
+                <a:solidFill>
+                  <a:schemeClr val="bg2">
+                    <a:lumMod val="25000"/>
+                  </a:schemeClr>
+                </a:solidFill>
+                <a:latin typeface="Calibri" pitchFamily="34" charset="0"/>
+                <a:cs typeface="Calibri" pitchFamily="34" charset="0"/>
+              </a:rPr>
+              <a:t>successfully</a:t>
+            </a:r>
+            <a:r>
+              <a:rPr lang="it-IT" sz="1400" dirty="0" smtClean="0">
+                <a:solidFill>
+                  <a:schemeClr val="bg2">
+                    <a:lumMod val="25000"/>
+                  </a:schemeClr>
+                </a:solidFill>
+                <a:latin typeface="Calibri" pitchFamily="34" charset="0"/>
+                <a:cs typeface="Calibri" pitchFamily="34" charset="0"/>
+              </a:rPr>
+              <a:t>.");</a:t>
+            </a:r>
+          </a:p>
+          <a:p>
+            <a:pPr marL="87313" lvl="1" indent="0" eaLnBrk="1" hangingPunct="1">
+              <a:spcBef>
+                <a:spcPct val="0"/>
+              </a:spcBef>
+              <a:spcAft>
+                <a:spcPct val="20000"/>
+              </a:spcAft>
+              <a:buSzPct val="60000"/>
+              <a:buNone/>
+              <a:tabLst>
+                <a:tab pos="269875" algn="l"/>
+                <a:tab pos="541338" algn="l"/>
+                <a:tab pos="804863" algn="l"/>
+                <a:tab pos="1074738" algn="l"/>
+                <a:tab pos="1346200" algn="l"/>
+              </a:tabLst>
+              <a:defRPr/>
+            </a:pPr>
+            <a:r>
+              <a:rPr lang="it-IT" sz="1400" dirty="0" smtClean="0">
+                <a:solidFill>
+                  <a:schemeClr val="bg2">
+                    <a:lumMod val="25000"/>
+                  </a:schemeClr>
+                </a:solidFill>
+                <a:latin typeface="Calibri" pitchFamily="34" charset="0"/>
+                <a:cs typeface="Calibri" pitchFamily="34" charset="0"/>
+              </a:rPr>
+              <a:t>}</a:t>
+            </a:r>
+          </a:p>
+          <a:p>
+            <a:pPr marL="87313" lvl="1" indent="0" eaLnBrk="1" hangingPunct="1">
+              <a:spcBef>
+                <a:spcPct val="0"/>
+              </a:spcBef>
+              <a:spcAft>
+                <a:spcPct val="20000"/>
+              </a:spcAft>
+              <a:buSzPct val="60000"/>
+              <a:buNone/>
+              <a:tabLst>
+                <a:tab pos="269875" algn="l"/>
+                <a:tab pos="541338" algn="l"/>
+                <a:tab pos="804863" algn="l"/>
+                <a:tab pos="1074738" algn="l"/>
+                <a:tab pos="1346200" algn="l"/>
+              </a:tabLst>
+              <a:defRPr/>
+            </a:pPr>
+            <a:r>
+              <a:rPr lang="it-IT" sz="1400" dirty="0" smtClean="0">
+                <a:solidFill>
+                  <a:schemeClr val="bg2">
+                    <a:lumMod val="25000"/>
+                  </a:schemeClr>
+                </a:solidFill>
+                <a:latin typeface="Calibri" pitchFamily="34" charset="0"/>
+                <a:cs typeface="Calibri" pitchFamily="34" charset="0"/>
+              </a:rPr>
+              <a:t>catch </a:t>
+            </a:r>
+            <a:r>
+              <a:rPr lang="it-IT" sz="1400" dirty="0">
+                <a:solidFill>
+                  <a:schemeClr val="bg2">
+                    <a:lumMod val="25000"/>
+                  </a:schemeClr>
+                </a:solidFill>
+                <a:latin typeface="Calibri" pitchFamily="34" charset="0"/>
+                <a:cs typeface="Calibri" pitchFamily="34" charset="0"/>
+              </a:rPr>
+              <a:t>(</a:t>
+            </a:r>
+            <a:r>
+              <a:rPr lang="it-IT" sz="1400" dirty="0" err="1">
+                <a:solidFill>
+                  <a:schemeClr val="bg2">
+                    <a:lumMod val="25000"/>
+                  </a:schemeClr>
+                </a:solidFill>
+                <a:latin typeface="Calibri" pitchFamily="34" charset="0"/>
+                <a:cs typeface="Calibri" pitchFamily="34" charset="0"/>
+              </a:rPr>
+              <a:t>LoginException</a:t>
+            </a:r>
+            <a:r>
+              <a:rPr lang="it-IT" sz="1400" dirty="0">
+                <a:solidFill>
+                  <a:schemeClr val="bg2">
+                    <a:lumMod val="25000"/>
+                  </a:schemeClr>
+                </a:solidFill>
+                <a:latin typeface="Calibri" pitchFamily="34" charset="0"/>
+                <a:cs typeface="Calibri" pitchFamily="34" charset="0"/>
+              </a:rPr>
+              <a:t> e) { </a:t>
+            </a:r>
+            <a:r>
+              <a:rPr lang="it-IT" sz="1400" dirty="0" smtClean="0">
+                <a:solidFill>
+                  <a:schemeClr val="bg2">
+                    <a:lumMod val="25000"/>
+                  </a:schemeClr>
+                </a:solidFill>
+                <a:latin typeface="Calibri" pitchFamily="34" charset="0"/>
+                <a:cs typeface="Calibri" pitchFamily="34" charset="0"/>
+              </a:rPr>
+              <a:t>	</a:t>
+            </a:r>
+            <a:r>
+              <a:rPr lang="it-IT" sz="1400" dirty="0" err="1" smtClean="0">
+                <a:solidFill>
+                  <a:schemeClr val="bg2">
+                    <a:lumMod val="25000"/>
+                  </a:schemeClr>
+                </a:solidFill>
+                <a:latin typeface="Calibri" pitchFamily="34" charset="0"/>
+                <a:cs typeface="Calibri" pitchFamily="34" charset="0"/>
+              </a:rPr>
+              <a:t>System.err.println</a:t>
+            </a:r>
+            <a:r>
+              <a:rPr lang="it-IT" sz="1400" dirty="0">
+                <a:solidFill>
+                  <a:schemeClr val="bg2">
+                    <a:lumMod val="25000"/>
+                  </a:schemeClr>
+                </a:solidFill>
+                <a:latin typeface="Calibri" pitchFamily="34" charset="0"/>
+                <a:cs typeface="Calibri" pitchFamily="34" charset="0"/>
+              </a:rPr>
+              <a:t>("</a:t>
+            </a:r>
+            <a:r>
+              <a:rPr lang="it-IT" sz="1400" dirty="0" err="1">
+                <a:solidFill>
+                  <a:schemeClr val="bg2">
+                    <a:lumMod val="25000"/>
+                  </a:schemeClr>
+                </a:solidFill>
+                <a:latin typeface="Calibri" pitchFamily="34" charset="0"/>
+                <a:cs typeface="Calibri" pitchFamily="34" charset="0"/>
+              </a:rPr>
+              <a:t>Error</a:t>
+            </a:r>
+            <a:r>
+              <a:rPr lang="it-IT" sz="1400" dirty="0">
+                <a:solidFill>
+                  <a:schemeClr val="bg2">
+                    <a:lumMod val="25000"/>
+                  </a:schemeClr>
+                </a:solidFill>
+                <a:latin typeface="Calibri" pitchFamily="34" charset="0"/>
+                <a:cs typeface="Calibri" pitchFamily="34" charset="0"/>
+              </a:rPr>
+              <a:t> </a:t>
+            </a:r>
+            <a:r>
+              <a:rPr lang="it-IT" sz="1400" dirty="0" err="1">
+                <a:solidFill>
+                  <a:schemeClr val="bg2">
+                    <a:lumMod val="25000"/>
+                  </a:schemeClr>
+                </a:solidFill>
+                <a:latin typeface="Calibri" pitchFamily="34" charset="0"/>
+                <a:cs typeface="Calibri" pitchFamily="34" charset="0"/>
+              </a:rPr>
+              <a:t>logging</a:t>
+            </a:r>
+            <a:r>
+              <a:rPr lang="it-IT" sz="1400" dirty="0">
+                <a:solidFill>
+                  <a:schemeClr val="bg2">
+                    <a:lumMod val="25000"/>
+                  </a:schemeClr>
+                </a:solidFill>
+                <a:latin typeface="Calibri" pitchFamily="34" charset="0"/>
+                <a:cs typeface="Calibri" pitchFamily="34" charset="0"/>
+              </a:rPr>
+              <a:t> in </a:t>
+            </a:r>
+            <a:r>
+              <a:rPr lang="it-IT" sz="1400" dirty="0" err="1">
+                <a:solidFill>
+                  <a:schemeClr val="bg2">
+                    <a:lumMod val="25000"/>
+                  </a:schemeClr>
+                </a:solidFill>
+                <a:latin typeface="Calibri" pitchFamily="34" charset="0"/>
+                <a:cs typeface="Calibri" pitchFamily="34" charset="0"/>
+              </a:rPr>
+              <a:t>user</a:t>
+            </a:r>
+            <a:r>
+              <a:rPr lang="it-IT" sz="1400" dirty="0" smtClean="0">
+                <a:solidFill>
+                  <a:schemeClr val="bg2">
+                    <a:lumMod val="25000"/>
+                  </a:schemeClr>
+                </a:solidFill>
+                <a:latin typeface="Calibri" pitchFamily="34" charset="0"/>
+                <a:cs typeface="Calibri" pitchFamily="34" charset="0"/>
+              </a:rPr>
+              <a:t>.");</a:t>
+            </a:r>
+          </a:p>
+          <a:p>
+            <a:pPr marL="87313" lvl="1" indent="0" eaLnBrk="1" hangingPunct="1">
+              <a:spcBef>
+                <a:spcPct val="0"/>
+              </a:spcBef>
+              <a:spcAft>
+                <a:spcPct val="20000"/>
+              </a:spcAft>
+              <a:buSzPct val="60000"/>
+              <a:buNone/>
+              <a:tabLst>
+                <a:tab pos="269875" algn="l"/>
+                <a:tab pos="541338" algn="l"/>
+                <a:tab pos="804863" algn="l"/>
+                <a:tab pos="1074738" algn="l"/>
+                <a:tab pos="1346200" algn="l"/>
+              </a:tabLst>
+              <a:defRPr/>
+            </a:pPr>
+            <a:r>
+              <a:rPr lang="it-IT" sz="1400" dirty="0">
+                <a:solidFill>
+                  <a:schemeClr val="bg2">
+                    <a:lumMod val="25000"/>
+                  </a:schemeClr>
+                </a:solidFill>
+                <a:latin typeface="Calibri" pitchFamily="34" charset="0"/>
+                <a:cs typeface="Calibri" pitchFamily="34" charset="0"/>
+              </a:rPr>
+              <a:t>	</a:t>
+            </a:r>
+            <a:r>
+              <a:rPr lang="it-IT" sz="1400" dirty="0" err="1" smtClean="0">
+                <a:solidFill>
+                  <a:schemeClr val="bg2">
+                    <a:lumMod val="25000"/>
+                  </a:schemeClr>
+                </a:solidFill>
+                <a:latin typeface="Calibri" pitchFamily="34" charset="0"/>
+                <a:cs typeface="Calibri" pitchFamily="34" charset="0"/>
+              </a:rPr>
+              <a:t>e.printStackTrace</a:t>
+            </a:r>
+            <a:r>
+              <a:rPr lang="it-IT" sz="1400" dirty="0" smtClean="0">
+                <a:solidFill>
+                  <a:schemeClr val="bg2">
+                    <a:lumMod val="25000"/>
+                  </a:schemeClr>
+                </a:solidFill>
+                <a:latin typeface="Calibri" pitchFamily="34" charset="0"/>
+                <a:cs typeface="Calibri" pitchFamily="34" charset="0"/>
+              </a:rPr>
+              <a:t>();</a:t>
+            </a:r>
+          </a:p>
+          <a:p>
+            <a:pPr marL="87313" lvl="1" indent="0" eaLnBrk="1" hangingPunct="1">
+              <a:spcBef>
+                <a:spcPct val="0"/>
+              </a:spcBef>
+              <a:spcAft>
+                <a:spcPct val="20000"/>
+              </a:spcAft>
+              <a:buSzPct val="60000"/>
+              <a:buNone/>
+              <a:tabLst>
+                <a:tab pos="269875" algn="l"/>
+                <a:tab pos="541338" algn="l"/>
+                <a:tab pos="804863" algn="l"/>
+                <a:tab pos="1074738" algn="l"/>
+                <a:tab pos="1346200" algn="l"/>
+              </a:tabLst>
+              <a:defRPr/>
+            </a:pPr>
+            <a:r>
+              <a:rPr lang="it-IT" sz="1400" dirty="0" smtClean="0">
+                <a:solidFill>
+                  <a:schemeClr val="bg2">
+                    <a:lumMod val="25000"/>
+                  </a:schemeClr>
+                </a:solidFill>
+                <a:latin typeface="Calibri" pitchFamily="34" charset="0"/>
+                <a:cs typeface="Calibri" pitchFamily="34" charset="0"/>
+              </a:rPr>
+              <a:t>}</a:t>
+            </a:r>
+            <a:endParaRPr lang="it-IT" sz="1400" dirty="0">
+              <a:solidFill>
+                <a:schemeClr val="bg2">
+                  <a:lumMod val="25000"/>
+                </a:schemeClr>
+              </a:solidFill>
+              <a:latin typeface="Calibri" pitchFamily="34" charset="0"/>
+              <a:cs typeface="Calibri" pitchFamily="34" charset="0"/>
+            </a:endParaRPr>
+          </a:p>
+        </p:txBody>
+      </p:sp>
+      <p:sp>
+        <p:nvSpPr>
+          <p:cNvPr id="6" name="Rectangle 3"/>
+          <p:cNvSpPr>
+            <a:spLocks noGrp="1" noChangeArrowheads="1"/>
+          </p:cNvSpPr>
+          <p:nvPr>
+            <p:ph sz="half" idx="2"/>
+          </p:nvPr>
+        </p:nvSpPr>
+        <p:spPr>
+          <a:xfrm>
+            <a:off x="4645152" y="1573213"/>
+            <a:ext cx="4184294" cy="4294187"/>
+          </a:xfrm>
+          <a:solidFill>
+            <a:schemeClr val="accent3">
+              <a:lumMod val="85000"/>
+            </a:schemeClr>
+          </a:solidFill>
+          <a:effectLst>
+            <a:outerShdw blurRad="50800" dist="38100" dir="2700000" algn="tl" rotWithShape="0">
+              <a:prstClr val="black">
+                <a:alpha val="40000"/>
+              </a:prstClr>
+            </a:outerShdw>
+            <a:softEdge rad="31750"/>
+          </a:effectLst>
+        </p:spPr>
+        <p:txBody>
+          <a:bodyPr/>
+          <a:lstStyle/>
+          <a:p>
+            <a:pPr marL="1587" lvl="1" indent="0" eaLnBrk="1" hangingPunct="1">
+              <a:spcBef>
+                <a:spcPct val="0"/>
+              </a:spcBef>
+              <a:spcAft>
+                <a:spcPct val="20000"/>
+              </a:spcAft>
+              <a:buSzPct val="60000"/>
+              <a:buNone/>
+              <a:defRPr/>
+            </a:pPr>
+            <a:endParaRPr lang="it-IT" sz="1200" dirty="0" smtClean="0">
+              <a:cs typeface="Courier New" pitchFamily="49" charset="0"/>
+            </a:endParaRPr>
+          </a:p>
+          <a:p>
+            <a:pPr marL="1587" lvl="1" indent="0" algn="ctr" eaLnBrk="1" hangingPunct="1">
+              <a:spcBef>
+                <a:spcPct val="0"/>
+              </a:spcBef>
+              <a:spcAft>
+                <a:spcPct val="20000"/>
+              </a:spcAft>
+              <a:buSzPct val="60000"/>
+              <a:buNone/>
+              <a:defRPr/>
+            </a:pPr>
+            <a:r>
+              <a:rPr lang="it-IT" sz="2000" dirty="0" smtClean="0">
+                <a:effectLst>
+                  <a:outerShdw blurRad="50800" dist="38100" dir="2700000" algn="tl" rotWithShape="0">
+                    <a:prstClr val="black">
+                      <a:alpha val="40000"/>
+                    </a:prstClr>
+                  </a:outerShdw>
+                </a:effectLst>
+                <a:cs typeface="Courier New" pitchFamily="49" charset="0"/>
+              </a:rPr>
+              <a:t>Login da un programma </a:t>
+            </a:r>
+            <a:r>
+              <a:rPr lang="it-IT" sz="2000" dirty="0" err="1" smtClean="0">
+                <a:effectLst>
+                  <a:outerShdw blurRad="50800" dist="38100" dir="2700000" algn="tl" rotWithShape="0">
+                    <a:prstClr val="black">
+                      <a:alpha val="40000"/>
+                    </a:prstClr>
+                  </a:outerShdw>
+                </a:effectLst>
+                <a:cs typeface="Courier New" pitchFamily="49" charset="0"/>
+              </a:rPr>
+              <a:t>Python</a:t>
+            </a:r>
+            <a:endParaRPr lang="it-IT" sz="2000" dirty="0">
+              <a:effectLst>
+                <a:outerShdw blurRad="50800" dist="38100" dir="2700000" algn="tl" rotWithShape="0">
+                  <a:prstClr val="black">
+                    <a:alpha val="40000"/>
+                  </a:prstClr>
+                </a:outerShdw>
+              </a:effectLst>
+              <a:cs typeface="Courier New" pitchFamily="49" charset="0"/>
+            </a:endParaRPr>
+          </a:p>
+          <a:p>
+            <a:pPr marL="1587" lvl="1" indent="0" eaLnBrk="1" hangingPunct="1">
+              <a:spcBef>
+                <a:spcPct val="0"/>
+              </a:spcBef>
+              <a:spcAft>
+                <a:spcPct val="20000"/>
+              </a:spcAft>
+              <a:buSzPct val="60000"/>
+              <a:buNone/>
+              <a:defRPr/>
+            </a:pPr>
+            <a:endParaRPr lang="it-IT" sz="1200" dirty="0" smtClean="0">
+              <a:cs typeface="Courier New" pitchFamily="49" charset="0"/>
+            </a:endParaRPr>
+          </a:p>
+          <a:p>
+            <a:pPr marL="1587" lvl="1" indent="0" eaLnBrk="1" hangingPunct="1">
+              <a:spcBef>
+                <a:spcPct val="0"/>
+              </a:spcBef>
+              <a:spcAft>
+                <a:spcPct val="20000"/>
+              </a:spcAft>
+              <a:buSzPct val="60000"/>
+              <a:buNone/>
+              <a:defRPr/>
+            </a:pPr>
+            <a:endParaRPr lang="it-IT" sz="1200" dirty="0">
+              <a:cs typeface="Courier New" pitchFamily="49" charset="0"/>
+            </a:endParaRPr>
+          </a:p>
+          <a:p>
+            <a:pPr marL="87313" lvl="1" indent="0" eaLnBrk="1" hangingPunct="1">
+              <a:spcBef>
+                <a:spcPct val="0"/>
+              </a:spcBef>
+              <a:spcAft>
+                <a:spcPct val="20000"/>
+              </a:spcAft>
+              <a:buSzPct val="60000"/>
+              <a:buNone/>
+              <a:tabLst>
+                <a:tab pos="4125913" algn="r"/>
+              </a:tabLst>
+              <a:defRPr/>
+            </a:pPr>
+            <a:r>
+              <a:rPr lang="it-IT" sz="1400" dirty="0"/>
+              <a:t>import </a:t>
+            </a:r>
+            <a:r>
+              <a:rPr lang="it-IT" sz="1400" dirty="0" err="1" smtClean="0"/>
+              <a:t>shibauth</a:t>
+            </a:r>
+            <a:endParaRPr lang="it-IT" sz="1400" dirty="0" smtClean="0"/>
+          </a:p>
+          <a:p>
+            <a:pPr marL="87313" lvl="1" indent="0" eaLnBrk="1" hangingPunct="1">
+              <a:spcBef>
+                <a:spcPct val="0"/>
+              </a:spcBef>
+              <a:spcAft>
+                <a:spcPct val="20000"/>
+              </a:spcAft>
+              <a:buSzPct val="60000"/>
+              <a:buNone/>
+              <a:tabLst>
+                <a:tab pos="4125913" algn="r"/>
+              </a:tabLst>
+              <a:defRPr/>
+            </a:pPr>
+            <a:endParaRPr lang="it-IT" sz="1400" dirty="0"/>
+          </a:p>
+          <a:p>
+            <a:pPr marL="87313" lvl="1" indent="0" eaLnBrk="1" hangingPunct="1">
+              <a:spcBef>
+                <a:spcPct val="0"/>
+              </a:spcBef>
+              <a:spcAft>
+                <a:spcPct val="20000"/>
+              </a:spcAft>
+              <a:buSzPct val="60000"/>
+              <a:buNone/>
+              <a:tabLst>
+                <a:tab pos="4125913" algn="r"/>
+              </a:tabLst>
+              <a:defRPr/>
+            </a:pPr>
+            <a:r>
+              <a:rPr lang="it-IT" sz="1400" dirty="0" err="1" smtClean="0"/>
+              <a:t>if</a:t>
+            </a:r>
+            <a:r>
+              <a:rPr lang="it-IT" sz="1400" dirty="0" smtClean="0"/>
+              <a:t> </a:t>
+            </a:r>
+            <a:r>
+              <a:rPr lang="it-IT" sz="1400" dirty="0"/>
+              <a:t>__</a:t>
+            </a:r>
+            <a:r>
+              <a:rPr lang="it-IT" sz="1400" dirty="0" err="1"/>
+              <a:t>name</a:t>
+            </a:r>
+            <a:r>
+              <a:rPr lang="it-IT" sz="1400" dirty="0"/>
+              <a:t>__ == "__</a:t>
+            </a:r>
+            <a:r>
+              <a:rPr lang="it-IT" sz="1400" dirty="0" err="1"/>
+              <a:t>main</a:t>
+            </a:r>
+            <a:r>
+              <a:rPr lang="it-IT" sz="1400" dirty="0" smtClean="0"/>
+              <a:t>__":</a:t>
+            </a:r>
+          </a:p>
+          <a:p>
+            <a:pPr marL="87313" lvl="1" indent="0" eaLnBrk="1" hangingPunct="1">
+              <a:spcBef>
+                <a:spcPct val="0"/>
+              </a:spcBef>
+              <a:spcAft>
+                <a:spcPct val="20000"/>
+              </a:spcAft>
+              <a:buSzPct val="60000"/>
+              <a:buNone/>
+              <a:tabLst>
+                <a:tab pos="4125913" algn="r"/>
+              </a:tabLst>
+              <a:defRPr/>
+            </a:pPr>
+            <a:r>
+              <a:rPr lang="it-IT" sz="1400" dirty="0"/>
+              <a:t> </a:t>
+            </a:r>
+            <a:r>
+              <a:rPr lang="it-IT" sz="1400" dirty="0" smtClean="0"/>
+              <a:t>    username </a:t>
+            </a:r>
+            <a:r>
+              <a:rPr lang="it-IT" sz="1400" dirty="0"/>
+              <a:t>= </a:t>
+            </a:r>
+            <a:r>
+              <a:rPr lang="it-IT" sz="1400" dirty="0" err="1"/>
+              <a:t>raw_input</a:t>
+            </a:r>
+            <a:r>
+              <a:rPr lang="it-IT" sz="1400" dirty="0"/>
+              <a:t>('</a:t>
+            </a:r>
+            <a:r>
+              <a:rPr lang="it-IT" sz="1400" dirty="0" err="1"/>
+              <a:t>Enter</a:t>
+            </a:r>
+            <a:r>
+              <a:rPr lang="it-IT" sz="1400" dirty="0"/>
+              <a:t> </a:t>
+            </a:r>
+            <a:r>
+              <a:rPr lang="it-IT" sz="1400" dirty="0" smtClean="0"/>
+              <a:t>username</a:t>
+            </a:r>
+            <a:r>
+              <a:rPr lang="it-IT" sz="1400" dirty="0"/>
+              <a:t>: </a:t>
+            </a:r>
+            <a:r>
+              <a:rPr lang="it-IT" sz="1400" dirty="0" smtClean="0"/>
+              <a:t>')</a:t>
+            </a:r>
+          </a:p>
+          <a:p>
+            <a:pPr marL="87313" lvl="1" indent="0" eaLnBrk="1" hangingPunct="1">
+              <a:spcBef>
+                <a:spcPct val="0"/>
+              </a:spcBef>
+              <a:spcAft>
+                <a:spcPct val="20000"/>
+              </a:spcAft>
+              <a:buSzPct val="60000"/>
+              <a:buNone/>
+              <a:tabLst>
+                <a:tab pos="4125913" algn="r"/>
+              </a:tabLst>
+              <a:defRPr/>
+            </a:pPr>
+            <a:r>
+              <a:rPr lang="it-IT" sz="1400" dirty="0" smtClean="0"/>
+              <a:t>     password </a:t>
+            </a:r>
+            <a:r>
+              <a:rPr lang="it-IT" sz="1400" dirty="0"/>
+              <a:t>= </a:t>
+            </a:r>
+            <a:r>
+              <a:rPr lang="it-IT" sz="1400" dirty="0" err="1"/>
+              <a:t>getpass.getpass</a:t>
+            </a:r>
+            <a:r>
+              <a:rPr lang="it-IT" sz="1400" dirty="0"/>
+              <a:t>('</a:t>
+            </a:r>
+            <a:r>
+              <a:rPr lang="it-IT" sz="1400" dirty="0" err="1"/>
+              <a:t>Enter</a:t>
+            </a:r>
+            <a:r>
+              <a:rPr lang="it-IT" sz="1400" dirty="0"/>
+              <a:t> </a:t>
+            </a:r>
+            <a:r>
+              <a:rPr lang="it-IT" sz="1400" dirty="0" smtClean="0"/>
+              <a:t>password</a:t>
+            </a:r>
+            <a:r>
+              <a:rPr lang="it-IT" sz="1400" dirty="0"/>
+              <a:t>: </a:t>
+            </a:r>
+            <a:r>
+              <a:rPr lang="it-IT" sz="1400" dirty="0" smtClean="0"/>
+              <a:t>')</a:t>
+            </a:r>
+          </a:p>
+          <a:p>
+            <a:pPr marL="87313" lvl="1" indent="0" eaLnBrk="1" hangingPunct="1">
+              <a:spcBef>
+                <a:spcPct val="0"/>
+              </a:spcBef>
+              <a:spcAft>
+                <a:spcPct val="20000"/>
+              </a:spcAft>
+              <a:buSzPct val="60000"/>
+              <a:buNone/>
+              <a:tabLst>
+                <a:tab pos="4125913" algn="r"/>
+              </a:tabLst>
+              <a:defRPr/>
+            </a:pPr>
+            <a:r>
+              <a:rPr lang="it-IT" sz="1400" dirty="0"/>
+              <a:t> </a:t>
+            </a:r>
+            <a:r>
+              <a:rPr lang="it-IT" sz="1400" dirty="0" smtClean="0"/>
+              <a:t>    </a:t>
+            </a:r>
+            <a:r>
+              <a:rPr lang="it-IT" sz="1400" dirty="0" err="1" smtClean="0"/>
+              <a:t>try</a:t>
+            </a:r>
+            <a:r>
+              <a:rPr lang="it-IT" sz="1400" dirty="0" smtClean="0"/>
+              <a:t>:</a:t>
+            </a:r>
+          </a:p>
+          <a:p>
+            <a:pPr marL="87313" lvl="1" indent="0" eaLnBrk="1" hangingPunct="1">
+              <a:spcBef>
+                <a:spcPct val="0"/>
+              </a:spcBef>
+              <a:spcAft>
+                <a:spcPct val="20000"/>
+              </a:spcAft>
+              <a:buSzPct val="60000"/>
+              <a:buNone/>
+              <a:tabLst>
+                <a:tab pos="4125913" algn="r"/>
+              </a:tabLst>
+              <a:defRPr/>
+            </a:pPr>
+            <a:r>
+              <a:rPr lang="it-IT" sz="1400" dirty="0"/>
+              <a:t> </a:t>
+            </a:r>
+            <a:r>
+              <a:rPr lang="it-IT" sz="1400" dirty="0" smtClean="0"/>
+              <a:t>         </a:t>
+            </a:r>
+            <a:r>
+              <a:rPr lang="it-IT" sz="1400" dirty="0" err="1" smtClean="0"/>
+              <a:t>loggeduser</a:t>
+            </a:r>
+            <a:r>
+              <a:rPr lang="it-IT" sz="1400" dirty="0"/>
+              <a:t>, session = 	</a:t>
+            </a:r>
+            <a:r>
+              <a:rPr lang="it-IT" sz="1400" dirty="0" err="1" smtClean="0"/>
+              <a:t>shibauth.login</a:t>
+            </a:r>
+            <a:r>
+              <a:rPr lang="it-IT" sz="1400" dirty="0" smtClean="0"/>
+              <a:t>(username</a:t>
+            </a:r>
+            <a:r>
+              <a:rPr lang="it-IT" sz="1400" dirty="0"/>
+              <a:t>, </a:t>
+            </a:r>
+            <a:r>
+              <a:rPr lang="it-IT" sz="1400" dirty="0" smtClean="0"/>
+              <a:t>password)</a:t>
+            </a:r>
+          </a:p>
+          <a:p>
+            <a:pPr marL="87313" lvl="1" indent="0" eaLnBrk="1" hangingPunct="1">
+              <a:spcBef>
+                <a:spcPct val="0"/>
+              </a:spcBef>
+              <a:spcAft>
+                <a:spcPct val="20000"/>
+              </a:spcAft>
+              <a:buSzPct val="60000"/>
+              <a:buNone/>
+              <a:tabLst>
+                <a:tab pos="4125913" algn="r"/>
+              </a:tabLst>
+              <a:defRPr/>
+            </a:pPr>
+            <a:r>
+              <a:rPr lang="it-IT" sz="1400" dirty="0"/>
+              <a:t> </a:t>
+            </a:r>
+            <a:r>
+              <a:rPr lang="it-IT" sz="1400" dirty="0" smtClean="0"/>
+              <a:t>         </a:t>
+            </a:r>
+            <a:r>
+              <a:rPr lang="it-IT" sz="1400" dirty="0" err="1" smtClean="0"/>
+              <a:t>print</a:t>
+            </a:r>
+            <a:r>
+              <a:rPr lang="it-IT" sz="1400" dirty="0" smtClean="0"/>
+              <a:t> </a:t>
+            </a:r>
+            <a:r>
+              <a:rPr lang="it-IT" sz="1400" dirty="0"/>
+              <a:t>"User </a:t>
+            </a:r>
+            <a:r>
+              <a:rPr lang="it-IT" sz="1400" dirty="0" err="1"/>
+              <a:t>logged</a:t>
+            </a:r>
+            <a:r>
+              <a:rPr lang="it-IT" sz="1400" dirty="0"/>
+              <a:t> in </a:t>
+            </a:r>
+            <a:r>
+              <a:rPr lang="it-IT" sz="1400" dirty="0" err="1"/>
+              <a:t>successfully</a:t>
+            </a:r>
+            <a:r>
+              <a:rPr lang="it-IT" sz="1400" dirty="0" smtClean="0"/>
+              <a:t>."</a:t>
+            </a:r>
+          </a:p>
+          <a:p>
+            <a:pPr marL="87313" lvl="1" indent="0" eaLnBrk="1" hangingPunct="1">
+              <a:spcBef>
+                <a:spcPct val="0"/>
+              </a:spcBef>
+              <a:spcAft>
+                <a:spcPct val="20000"/>
+              </a:spcAft>
+              <a:buSzPct val="60000"/>
+              <a:buNone/>
+              <a:tabLst>
+                <a:tab pos="4125913" algn="r"/>
+              </a:tabLst>
+              <a:defRPr/>
+            </a:pPr>
+            <a:r>
+              <a:rPr lang="it-IT" sz="1400" dirty="0"/>
+              <a:t> </a:t>
+            </a:r>
+            <a:r>
+              <a:rPr lang="it-IT" sz="1400" dirty="0" smtClean="0"/>
+              <a:t>    </a:t>
+            </a:r>
+            <a:r>
+              <a:rPr lang="it-IT" sz="1400" dirty="0" err="1" smtClean="0"/>
+              <a:t>except</a:t>
+            </a:r>
+            <a:r>
+              <a:rPr lang="it-IT" sz="1400" dirty="0" smtClean="0"/>
+              <a:t> </a:t>
+            </a:r>
+            <a:r>
+              <a:rPr lang="it-IT" sz="1400" dirty="0" err="1"/>
+              <a:t>Exception</a:t>
+            </a:r>
+            <a:r>
+              <a:rPr lang="it-IT" sz="1400" dirty="0"/>
+              <a:t>, </a:t>
+            </a:r>
+            <a:r>
+              <a:rPr lang="it-IT" sz="1400" dirty="0" smtClean="0"/>
+              <a:t>e:</a:t>
+            </a:r>
+          </a:p>
+          <a:p>
+            <a:pPr marL="87313" lvl="1" indent="0" eaLnBrk="1" hangingPunct="1">
+              <a:spcBef>
+                <a:spcPct val="0"/>
+              </a:spcBef>
+              <a:spcAft>
+                <a:spcPct val="20000"/>
+              </a:spcAft>
+              <a:buSzPct val="60000"/>
+              <a:buNone/>
+              <a:tabLst>
+                <a:tab pos="4125913" algn="r"/>
+              </a:tabLst>
+              <a:defRPr/>
+            </a:pPr>
+            <a:r>
+              <a:rPr lang="it-IT" sz="1400" dirty="0"/>
+              <a:t> </a:t>
+            </a:r>
+            <a:r>
+              <a:rPr lang="it-IT" sz="1400" dirty="0" smtClean="0"/>
+              <a:t>         </a:t>
+            </a:r>
+            <a:r>
+              <a:rPr lang="it-IT" sz="1400" dirty="0" err="1" smtClean="0"/>
+              <a:t>print</a:t>
+            </a:r>
+            <a:r>
+              <a:rPr lang="it-IT" sz="1400" dirty="0" smtClean="0"/>
+              <a:t> </a:t>
+            </a:r>
+            <a:r>
+              <a:rPr lang="it-IT" sz="1400" dirty="0"/>
+              <a:t>"</a:t>
+            </a:r>
+            <a:r>
+              <a:rPr lang="it-IT" sz="1400" dirty="0" err="1"/>
+              <a:t>Error</a:t>
+            </a:r>
+            <a:r>
+              <a:rPr lang="it-IT" sz="1400" dirty="0"/>
+              <a:t> </a:t>
+            </a:r>
+            <a:r>
+              <a:rPr lang="it-IT" sz="1400" dirty="0" err="1"/>
+              <a:t>logging</a:t>
+            </a:r>
+            <a:r>
+              <a:rPr lang="it-IT" sz="1400" dirty="0"/>
+              <a:t> in </a:t>
+            </a:r>
+            <a:r>
+              <a:rPr lang="it-IT" sz="1400" dirty="0" err="1"/>
+              <a:t>user</a:t>
+            </a:r>
+            <a:r>
+              <a:rPr lang="it-IT" sz="1400" dirty="0"/>
+              <a:t>: %s" % e</a:t>
+            </a:r>
+            <a:endParaRPr lang="it-IT" sz="1400" dirty="0">
+              <a:solidFill>
+                <a:schemeClr val="bg2">
+                  <a:lumMod val="25000"/>
+                </a:schemeClr>
+              </a:solidFill>
+              <a:latin typeface="Calibri" pitchFamily="34" charset="0"/>
+              <a:cs typeface="Calibri" pitchFamily="34" charset="0"/>
+            </a:endParaRPr>
+          </a:p>
+        </p:txBody>
+      </p:sp>
+    </p:spTree>
+    <p:extLst>
+      <p:ext uri="{BB962C8B-B14F-4D97-AF65-F5344CB8AC3E}">
+        <p14:creationId xmlns:p14="http://schemas.microsoft.com/office/powerpoint/2010/main" val="3889417410"/>
+      </p:ext>
+    </p:extLst>
+  </p:cSld>
+  <p:clrMapOvr>
+    <a:masterClrMapping/>
+  </p:clrMapOvr>
+  <p:transition>
+    <p:fade/>
+  </p:transition>
+  <p:timing>
+    <p:tnLst>
+      <p:par>
+        <p:cTn id="1" dur="indefinite" restart="never" nodeType="tmRoot"/>
+      </p:par>
+    </p:tnLst>
+  </p:timing>
+</p:sld>
+</file>
+
+<file path=ppt/slides/slide17.xml><?xml version="1.0" encoding="utf-8"?>
+<p:sld xmlns:a="http://schemas.openxmlformats.org/drawingml/2006/main" xmlns:r="http://schemas.openxmlformats.org/officeDocument/2006/relationships" xmlns:p="http://schemas.openxmlformats.org/presentationml/2006/main">
+  <p:cSld>
+    <p:spTree>
+      <p:nvGrpSpPr>
+        <p:cNvPr id="1" name=""/>
+        <p:cNvGrpSpPr/>
+        <p:nvPr/>
+      </p:nvGrpSpPr>
+      <p:grpSpPr>
+        <a:xfrm>
+          <a:off x="0" y="0"/>
+          <a:ext cx="0" cy="0"/>
+          <a:chOff x="0" y="0"/>
+          <a:chExt cx="0" cy="0"/>
+        </a:xfrm>
+      </p:grpSpPr>
+      <p:sp>
+        <p:nvSpPr>
+          <p:cNvPr id="7170" name="Rectangle 2"/>
+          <p:cNvSpPr>
+            <a:spLocks noGrp="1" noChangeArrowheads="1"/>
+          </p:cNvSpPr>
+          <p:nvPr>
+            <p:ph type="title"/>
+          </p:nvPr>
+        </p:nvSpPr>
+        <p:spPr/>
+        <p:txBody>
+          <a:bodyPr/>
+          <a:lstStyle/>
+          <a:p>
+            <a:pPr eaLnBrk="1" hangingPunct="1"/>
+            <a:r>
+              <a:rPr lang="en-GB" sz="2800" b="0" dirty="0">
+                <a:latin typeface="Arial Unicode MS"/>
+                <a:ea typeface="Arial Unicode MS"/>
+                <a:cs typeface="Arial Unicode MS"/>
+              </a:rPr>
+              <a:t>②</a:t>
+            </a:r>
+            <a:r>
+              <a:rPr lang="en-GB" sz="2800" b="0" dirty="0" smtClean="0">
+                <a:latin typeface="Arial Unicode MS"/>
+                <a:ea typeface="Arial Unicode MS"/>
+                <a:cs typeface="Arial Unicode MS"/>
+              </a:rPr>
+              <a:t> </a:t>
+            </a:r>
+            <a:r>
+              <a:rPr lang="it-IT" sz="2800" b="0" dirty="0" smtClean="0">
+                <a:latin typeface="Arial Unicode MS"/>
+                <a:ea typeface="Arial Unicode MS"/>
+                <a:cs typeface="Arial Unicode MS"/>
+              </a:rPr>
+              <a:t>Esempio login da Linux</a:t>
+            </a:r>
+            <a:endParaRPr lang="it-IT" sz="2800" b="0" dirty="0" smtClean="0">
+              <a:latin typeface="Calibri" pitchFamily="34" charset="0"/>
+            </a:endParaRPr>
+          </a:p>
+        </p:txBody>
+      </p:sp>
+      <p:sp>
+        <p:nvSpPr>
+          <p:cNvPr id="7" name="Rectangle 3"/>
+          <p:cNvSpPr>
+            <a:spLocks noGrp="1" noChangeArrowheads="1"/>
+          </p:cNvSpPr>
+          <p:nvPr>
+            <p:ph sz="half" idx="1"/>
+          </p:nvPr>
+        </p:nvSpPr>
+        <p:spPr>
+          <a:xfrm>
+            <a:off x="460859" y="1436914"/>
+            <a:ext cx="8492946" cy="4717143"/>
+          </a:xfrm>
+          <a:solidFill>
+            <a:schemeClr val="accent3">
+              <a:lumMod val="85000"/>
+            </a:schemeClr>
+          </a:solidFill>
+          <a:effectLst>
+            <a:outerShdw blurRad="50800" dist="38100" dir="2700000" algn="tl" rotWithShape="0">
+              <a:prstClr val="black">
+                <a:alpha val="40000"/>
+              </a:prstClr>
+            </a:outerShdw>
+            <a:softEdge rad="31750"/>
+          </a:effectLst>
+        </p:spPr>
+        <p:txBody>
+          <a:bodyPr/>
+          <a:lstStyle/>
+          <a:p>
+            <a:pPr marL="87313" lvl="1" indent="0" eaLnBrk="1" hangingPunct="1">
+              <a:spcBef>
+                <a:spcPct val="0"/>
+              </a:spcBef>
+              <a:spcAft>
+                <a:spcPct val="20000"/>
+              </a:spcAft>
+              <a:buSzPct val="60000"/>
+              <a:buNone/>
+              <a:defRPr/>
+            </a:pPr>
+            <a:r>
+              <a:rPr lang="en-US" sz="1400" dirty="0">
+                <a:solidFill>
+                  <a:schemeClr val="bg2">
+                    <a:lumMod val="25000"/>
+                  </a:schemeClr>
+                </a:solidFill>
+                <a:latin typeface="Calibri" pitchFamily="34" charset="0"/>
+                <a:cs typeface="Calibri" pitchFamily="34" charset="0"/>
+              </a:rPr>
+              <a:t>login as: </a:t>
+            </a:r>
+            <a:r>
+              <a:rPr lang="en-US" sz="1400" dirty="0" err="1">
+                <a:solidFill>
+                  <a:schemeClr val="bg2">
+                    <a:lumMod val="25000"/>
+                  </a:schemeClr>
+                </a:solidFill>
+                <a:latin typeface="Calibri" pitchFamily="34" charset="0"/>
+                <a:cs typeface="Calibri" pitchFamily="34" charset="0"/>
+              </a:rPr>
+              <a:t>andrea</a:t>
+            </a:r>
+            <a:endParaRPr lang="en-US" sz="1400" dirty="0">
+              <a:solidFill>
+                <a:schemeClr val="bg2">
+                  <a:lumMod val="25000"/>
+                </a:schemeClr>
+              </a:solidFill>
+              <a:latin typeface="Calibri" pitchFamily="34" charset="0"/>
+              <a:cs typeface="Calibri" pitchFamily="34" charset="0"/>
+            </a:endParaRPr>
+          </a:p>
+          <a:p>
+            <a:pPr marL="87313" lvl="1" indent="0" eaLnBrk="1" hangingPunct="1">
+              <a:spcBef>
+                <a:spcPct val="0"/>
+              </a:spcBef>
+              <a:spcAft>
+                <a:spcPct val="20000"/>
+              </a:spcAft>
+              <a:buSzPct val="60000"/>
+              <a:buNone/>
+              <a:defRPr/>
+            </a:pPr>
+            <a:r>
+              <a:rPr lang="en-US" sz="1400" dirty="0" smtClean="0">
+                <a:solidFill>
+                  <a:schemeClr val="bg2">
+                    <a:lumMod val="25000"/>
+                  </a:schemeClr>
+                </a:solidFill>
+                <a:latin typeface="Calibri" pitchFamily="34" charset="0"/>
+                <a:cs typeface="Calibri" pitchFamily="34" charset="0"/>
+              </a:rPr>
+              <a:t>andrea@212.189.204.232's </a:t>
+            </a:r>
+            <a:r>
+              <a:rPr lang="en-US" sz="1400" dirty="0">
+                <a:solidFill>
+                  <a:schemeClr val="bg2">
+                    <a:lumMod val="25000"/>
+                  </a:schemeClr>
+                </a:solidFill>
+                <a:latin typeface="Calibri" pitchFamily="34" charset="0"/>
+                <a:cs typeface="Calibri" pitchFamily="34" charset="0"/>
+              </a:rPr>
+              <a:t>password:</a:t>
+            </a:r>
+          </a:p>
+          <a:p>
+            <a:pPr marL="87313" lvl="1" indent="0" eaLnBrk="1" hangingPunct="1">
+              <a:spcBef>
+                <a:spcPct val="0"/>
+              </a:spcBef>
+              <a:spcAft>
+                <a:spcPct val="20000"/>
+              </a:spcAft>
+              <a:buSzPct val="60000"/>
+              <a:buNone/>
+              <a:defRPr/>
+            </a:pPr>
+            <a:r>
+              <a:rPr lang="en-US" sz="1400" dirty="0">
+                <a:solidFill>
+                  <a:schemeClr val="bg2">
+                    <a:lumMod val="25000"/>
+                  </a:schemeClr>
+                </a:solidFill>
+                <a:latin typeface="Calibri" pitchFamily="34" charset="0"/>
+                <a:cs typeface="Calibri" pitchFamily="34" charset="0"/>
+              </a:rPr>
+              <a:t>Last login: Mon Jun 11 16:20:38 2012 from </a:t>
+            </a:r>
+            <a:r>
+              <a:rPr lang="en-US" sz="1400" dirty="0" smtClean="0">
+                <a:solidFill>
+                  <a:schemeClr val="bg2">
+                    <a:lumMod val="25000"/>
+                  </a:schemeClr>
+                </a:solidFill>
+                <a:latin typeface="Calibri" pitchFamily="34" charset="0"/>
+                <a:cs typeface="Calibri" pitchFamily="34" charset="0"/>
+              </a:rPr>
+              <a:t>omero.mib.infn.it</a:t>
+            </a:r>
+          </a:p>
+          <a:p>
+            <a:pPr marL="87313" lvl="1" indent="0" eaLnBrk="1" hangingPunct="1">
+              <a:spcBef>
+                <a:spcPct val="0"/>
+              </a:spcBef>
+              <a:spcAft>
+                <a:spcPct val="20000"/>
+              </a:spcAft>
+              <a:buSzPct val="60000"/>
+              <a:buNone/>
+              <a:defRPr/>
+            </a:pPr>
+            <a:endParaRPr lang="en-US" sz="1400" dirty="0">
+              <a:solidFill>
+                <a:schemeClr val="bg2">
+                  <a:lumMod val="25000"/>
+                </a:schemeClr>
+              </a:solidFill>
+              <a:latin typeface="Calibri" pitchFamily="34" charset="0"/>
+              <a:cs typeface="Calibri" pitchFamily="34" charset="0"/>
+            </a:endParaRPr>
+          </a:p>
+          <a:p>
+            <a:pPr marL="87313" lvl="1" indent="0" eaLnBrk="1" hangingPunct="1">
+              <a:spcBef>
+                <a:spcPct val="0"/>
+              </a:spcBef>
+              <a:spcAft>
+                <a:spcPct val="20000"/>
+              </a:spcAft>
+              <a:buSzPct val="60000"/>
+              <a:buNone/>
+              <a:defRPr/>
+            </a:pPr>
+            <a:r>
+              <a:rPr lang="en-US" sz="1400" dirty="0">
+                <a:solidFill>
+                  <a:schemeClr val="bg2">
+                    <a:lumMod val="25000"/>
+                  </a:schemeClr>
+                </a:solidFill>
+                <a:latin typeface="Calibri" pitchFamily="34" charset="0"/>
+                <a:cs typeface="Calibri" pitchFamily="34" charset="0"/>
+              </a:rPr>
+              <a:t>[andrea@cloud-mi-03 ~]$ </a:t>
+            </a:r>
+            <a:r>
+              <a:rPr lang="en-US" sz="1400" dirty="0" err="1" smtClean="0">
+                <a:solidFill>
+                  <a:schemeClr val="bg2">
+                    <a:lumMod val="25000"/>
+                  </a:schemeClr>
+                </a:solidFill>
+                <a:latin typeface="Calibri" pitchFamily="34" charset="0"/>
+                <a:cs typeface="Calibri" pitchFamily="34" charset="0"/>
+              </a:rPr>
+              <a:t>env</a:t>
+            </a:r>
+            <a:r>
+              <a:rPr lang="en-US" sz="1400" dirty="0">
+                <a:solidFill>
+                  <a:schemeClr val="bg2">
+                    <a:lumMod val="25000"/>
+                  </a:schemeClr>
+                </a:solidFill>
+                <a:latin typeface="Calibri" pitchFamily="34" charset="0"/>
+                <a:cs typeface="Calibri" pitchFamily="34" charset="0"/>
+              </a:rPr>
+              <a:t> | </a:t>
+            </a:r>
+            <a:r>
+              <a:rPr lang="en-US" sz="1400" dirty="0" err="1">
+                <a:solidFill>
+                  <a:schemeClr val="bg2">
+                    <a:lumMod val="25000"/>
+                  </a:schemeClr>
+                </a:solidFill>
+                <a:latin typeface="Calibri" pitchFamily="34" charset="0"/>
+                <a:cs typeface="Calibri" pitchFamily="34" charset="0"/>
+              </a:rPr>
+              <a:t>grep</a:t>
+            </a:r>
+            <a:r>
+              <a:rPr lang="en-US" sz="1400" dirty="0">
+                <a:solidFill>
+                  <a:schemeClr val="bg2">
+                    <a:lumMod val="25000"/>
+                  </a:schemeClr>
+                </a:solidFill>
+                <a:latin typeface="Calibri" pitchFamily="34" charset="0"/>
+                <a:cs typeface="Calibri" pitchFamily="34" charset="0"/>
+              </a:rPr>
+              <a:t> </a:t>
+            </a:r>
+            <a:r>
+              <a:rPr lang="en-US" sz="1400" dirty="0" err="1">
+                <a:solidFill>
+                  <a:schemeClr val="bg2">
+                    <a:lumMod val="25000"/>
+                  </a:schemeClr>
+                </a:solidFill>
+                <a:latin typeface="Calibri" pitchFamily="34" charset="0"/>
+                <a:cs typeface="Calibri" pitchFamily="34" charset="0"/>
+              </a:rPr>
+              <a:t>Shib</a:t>
+            </a:r>
+            <a:endParaRPr lang="en-US" sz="1400" dirty="0">
+              <a:solidFill>
+                <a:schemeClr val="bg2">
+                  <a:lumMod val="25000"/>
+                </a:schemeClr>
+              </a:solidFill>
+              <a:latin typeface="Calibri" pitchFamily="34" charset="0"/>
+              <a:cs typeface="Calibri" pitchFamily="34" charset="0"/>
+            </a:endParaRPr>
+          </a:p>
+          <a:p>
+            <a:pPr marL="87313" lvl="1" indent="0" eaLnBrk="1" hangingPunct="1">
+              <a:spcBef>
+                <a:spcPct val="0"/>
+              </a:spcBef>
+              <a:spcAft>
+                <a:spcPct val="20000"/>
+              </a:spcAft>
+              <a:buSzPct val="60000"/>
+              <a:buNone/>
+              <a:defRPr/>
+            </a:pPr>
+            <a:r>
+              <a:rPr lang="en-US" sz="1400" dirty="0" err="1">
+                <a:solidFill>
+                  <a:schemeClr val="bg2">
+                    <a:lumMod val="25000"/>
+                  </a:schemeClr>
+                </a:solidFill>
+                <a:latin typeface="Calibri" pitchFamily="34" charset="0"/>
+                <a:cs typeface="Calibri" pitchFamily="34" charset="0"/>
+              </a:rPr>
+              <a:t>Shib_Session_ID</a:t>
+            </a:r>
+            <a:r>
+              <a:rPr lang="en-US" sz="1400" dirty="0">
+                <a:solidFill>
+                  <a:schemeClr val="bg2">
+                    <a:lumMod val="25000"/>
+                  </a:schemeClr>
+                </a:solidFill>
+                <a:latin typeface="Calibri" pitchFamily="34" charset="0"/>
+                <a:cs typeface="Calibri" pitchFamily="34" charset="0"/>
+              </a:rPr>
+              <a:t>=_da1c55cd894a17514551fb6b3ba68c36</a:t>
+            </a:r>
+          </a:p>
+          <a:p>
+            <a:pPr marL="87313" lvl="1" indent="0" eaLnBrk="1" hangingPunct="1">
+              <a:spcBef>
+                <a:spcPct val="0"/>
+              </a:spcBef>
+              <a:spcAft>
+                <a:spcPct val="20000"/>
+              </a:spcAft>
+              <a:buSzPct val="60000"/>
+              <a:buNone/>
+              <a:defRPr/>
+            </a:pPr>
+            <a:r>
+              <a:rPr lang="en-US" sz="1400" dirty="0" err="1">
+                <a:solidFill>
+                  <a:schemeClr val="bg2">
+                    <a:lumMod val="25000"/>
+                  </a:schemeClr>
+                </a:solidFill>
+                <a:latin typeface="Calibri" pitchFamily="34" charset="0"/>
+                <a:cs typeface="Calibri" pitchFamily="34" charset="0"/>
+              </a:rPr>
+              <a:t>Shib_Authentication_Method</a:t>
+            </a:r>
+            <a:r>
+              <a:rPr lang="en-US" sz="1400" dirty="0">
+                <a:solidFill>
+                  <a:schemeClr val="bg2">
+                    <a:lumMod val="25000"/>
+                  </a:schemeClr>
+                </a:solidFill>
+                <a:latin typeface="Calibri" pitchFamily="34" charset="0"/>
+                <a:cs typeface="Calibri" pitchFamily="34" charset="0"/>
+              </a:rPr>
+              <a:t>=urn:oasis:names:tc:SAML:2.0:ac:classes:PasswordProtectedTransport:BasicAuthn</a:t>
+            </a:r>
+          </a:p>
+          <a:p>
+            <a:pPr marL="87313" lvl="1" indent="0" eaLnBrk="1" hangingPunct="1">
+              <a:spcBef>
+                <a:spcPct val="0"/>
+              </a:spcBef>
+              <a:spcAft>
+                <a:spcPct val="20000"/>
+              </a:spcAft>
+              <a:buSzPct val="60000"/>
+              <a:buNone/>
+              <a:defRPr/>
+            </a:pPr>
+            <a:r>
+              <a:rPr lang="en-US" sz="1400" dirty="0" err="1">
+                <a:solidFill>
+                  <a:schemeClr val="bg2">
+                    <a:lumMod val="25000"/>
+                  </a:schemeClr>
+                </a:solidFill>
+                <a:latin typeface="Calibri" pitchFamily="34" charset="0"/>
+                <a:cs typeface="Calibri" pitchFamily="34" charset="0"/>
+              </a:rPr>
+              <a:t>Shib_Application_ID</a:t>
+            </a:r>
+            <a:r>
+              <a:rPr lang="en-US" sz="1400" dirty="0">
+                <a:solidFill>
+                  <a:schemeClr val="bg2">
+                    <a:lumMod val="25000"/>
+                  </a:schemeClr>
+                </a:solidFill>
+                <a:latin typeface="Calibri" pitchFamily="34" charset="0"/>
+                <a:cs typeface="Calibri" pitchFamily="34" charset="0"/>
+              </a:rPr>
+              <a:t>=default</a:t>
+            </a:r>
+          </a:p>
+          <a:p>
+            <a:pPr marL="87313" lvl="1" indent="0" eaLnBrk="1" hangingPunct="1">
+              <a:spcBef>
+                <a:spcPct val="0"/>
+              </a:spcBef>
+              <a:spcAft>
+                <a:spcPct val="20000"/>
+              </a:spcAft>
+              <a:buSzPct val="60000"/>
+              <a:buNone/>
+              <a:defRPr/>
+            </a:pPr>
+            <a:r>
+              <a:rPr lang="en-US" sz="1400" dirty="0" err="1" smtClean="0">
+                <a:solidFill>
+                  <a:schemeClr val="bg2">
+                    <a:lumMod val="25000"/>
+                  </a:schemeClr>
+                </a:solidFill>
+                <a:latin typeface="Calibri" pitchFamily="34" charset="0"/>
+                <a:cs typeface="Calibri" pitchFamily="34" charset="0"/>
+              </a:rPr>
+              <a:t>Shib_Session_Unique</a:t>
+            </a:r>
+            <a:r>
+              <a:rPr lang="en-US" sz="1400" dirty="0" smtClean="0">
+                <a:solidFill>
+                  <a:schemeClr val="bg2">
+                    <a:lumMod val="25000"/>
+                  </a:schemeClr>
+                </a:solidFill>
+                <a:latin typeface="Calibri" pitchFamily="34" charset="0"/>
+                <a:cs typeface="Calibri" pitchFamily="34" charset="0"/>
+              </a:rPr>
+              <a:t>=64656661756c7468747470733a2f2f636c6f75642d6d692d30332e6d69622e696e666e2e6974</a:t>
+            </a:r>
+            <a:endParaRPr lang="en-US" sz="1400" dirty="0">
+              <a:solidFill>
+                <a:schemeClr val="bg2">
+                  <a:lumMod val="25000"/>
+                </a:schemeClr>
+              </a:solidFill>
+              <a:latin typeface="Calibri" pitchFamily="34" charset="0"/>
+              <a:cs typeface="Calibri" pitchFamily="34" charset="0"/>
+            </a:endParaRPr>
+          </a:p>
+          <a:p>
+            <a:pPr marL="87313" lvl="1" indent="0" eaLnBrk="1" hangingPunct="1">
+              <a:spcBef>
+                <a:spcPct val="0"/>
+              </a:spcBef>
+              <a:spcAft>
+                <a:spcPct val="20000"/>
+              </a:spcAft>
+              <a:buSzPct val="60000"/>
+              <a:buNone/>
+              <a:defRPr/>
+            </a:pPr>
+            <a:r>
+              <a:rPr lang="en-US" sz="1400" dirty="0" err="1">
+                <a:solidFill>
+                  <a:schemeClr val="bg2">
+                    <a:lumMod val="25000"/>
+                  </a:schemeClr>
+                </a:solidFill>
+                <a:latin typeface="Calibri" pitchFamily="34" charset="0"/>
+                <a:cs typeface="Calibri" pitchFamily="34" charset="0"/>
+              </a:rPr>
+              <a:t>Shib_AuthnContext_Class</a:t>
+            </a:r>
+            <a:r>
+              <a:rPr lang="en-US" sz="1400" dirty="0">
+                <a:solidFill>
+                  <a:schemeClr val="bg2">
+                    <a:lumMod val="25000"/>
+                  </a:schemeClr>
+                </a:solidFill>
+                <a:latin typeface="Calibri" pitchFamily="34" charset="0"/>
+                <a:cs typeface="Calibri" pitchFamily="34" charset="0"/>
+              </a:rPr>
+              <a:t>=urn:oasis:names:tc:SAML:2.0:ac:classes:PasswordProtectedTransport:BasicAuthn</a:t>
+            </a:r>
+          </a:p>
+          <a:p>
+            <a:pPr marL="87313" lvl="1" indent="0" eaLnBrk="1" hangingPunct="1">
+              <a:spcBef>
+                <a:spcPct val="0"/>
+              </a:spcBef>
+              <a:spcAft>
+                <a:spcPct val="20000"/>
+              </a:spcAft>
+              <a:buSzPct val="60000"/>
+              <a:buNone/>
+              <a:defRPr/>
+            </a:pPr>
+            <a:r>
+              <a:rPr lang="en-US" sz="1400" dirty="0" err="1">
+                <a:solidFill>
+                  <a:schemeClr val="bg2">
+                    <a:lumMod val="25000"/>
+                  </a:schemeClr>
+                </a:solidFill>
+                <a:latin typeface="Calibri" pitchFamily="34" charset="0"/>
+                <a:cs typeface="Calibri" pitchFamily="34" charset="0"/>
+              </a:rPr>
+              <a:t>Shib_Session_Index</a:t>
+            </a:r>
+            <a:r>
+              <a:rPr lang="en-US" sz="1400" dirty="0">
+                <a:solidFill>
+                  <a:schemeClr val="bg2">
+                    <a:lumMod val="25000"/>
+                  </a:schemeClr>
+                </a:solidFill>
+                <a:latin typeface="Calibri" pitchFamily="34" charset="0"/>
+                <a:cs typeface="Calibri" pitchFamily="34" charset="0"/>
+              </a:rPr>
+              <a:t>=13a7536381ecfb87dfff48c8e8ed48e84ec902d76d67de6c842fc2fae36d6a30</a:t>
+            </a:r>
+          </a:p>
+          <a:p>
+            <a:pPr marL="87313" lvl="1" indent="0" eaLnBrk="1" hangingPunct="1">
+              <a:spcBef>
+                <a:spcPct val="0"/>
+              </a:spcBef>
+              <a:spcAft>
+                <a:spcPct val="20000"/>
+              </a:spcAft>
+              <a:buSzPct val="60000"/>
+              <a:buNone/>
+              <a:defRPr/>
+            </a:pPr>
+            <a:r>
+              <a:rPr lang="en-US" sz="1400" dirty="0" err="1">
+                <a:solidFill>
+                  <a:schemeClr val="bg2">
+                    <a:lumMod val="25000"/>
+                  </a:schemeClr>
+                </a:solidFill>
+                <a:latin typeface="Calibri" pitchFamily="34" charset="0"/>
+                <a:cs typeface="Calibri" pitchFamily="34" charset="0"/>
+              </a:rPr>
+              <a:t>Shib_Authentication_Instant</a:t>
+            </a:r>
+            <a:r>
+              <a:rPr lang="en-US" sz="1400" dirty="0">
+                <a:solidFill>
+                  <a:schemeClr val="bg2">
+                    <a:lumMod val="25000"/>
+                  </a:schemeClr>
+                </a:solidFill>
+                <a:latin typeface="Calibri" pitchFamily="34" charset="0"/>
+                <a:cs typeface="Calibri" pitchFamily="34" charset="0"/>
+              </a:rPr>
+              <a:t>=2012-07-16T06:07:27.534Z</a:t>
+            </a:r>
+          </a:p>
+          <a:p>
+            <a:pPr marL="87313" lvl="1" indent="0" eaLnBrk="1" hangingPunct="1">
+              <a:spcBef>
+                <a:spcPct val="0"/>
+              </a:spcBef>
+              <a:spcAft>
+                <a:spcPct val="20000"/>
+              </a:spcAft>
+              <a:buSzPct val="60000"/>
+              <a:buNone/>
+              <a:defRPr/>
+            </a:pPr>
+            <a:r>
+              <a:rPr lang="en-US" sz="1400" dirty="0" err="1">
+                <a:solidFill>
+                  <a:schemeClr val="bg2">
+                    <a:lumMod val="25000"/>
+                  </a:schemeClr>
+                </a:solidFill>
+                <a:latin typeface="Calibri" pitchFamily="34" charset="0"/>
+                <a:cs typeface="Calibri" pitchFamily="34" charset="0"/>
+              </a:rPr>
+              <a:t>Shib_Identity_Provider</a:t>
+            </a:r>
+            <a:r>
+              <a:rPr lang="en-US" sz="1400" dirty="0">
+                <a:solidFill>
+                  <a:schemeClr val="bg2">
+                    <a:lumMod val="25000"/>
+                  </a:schemeClr>
+                </a:solidFill>
+                <a:latin typeface="Calibri" pitchFamily="34" charset="0"/>
+                <a:cs typeface="Calibri" pitchFamily="34" charset="0"/>
+              </a:rPr>
+              <a:t>=http://</a:t>
+            </a:r>
+            <a:r>
+              <a:rPr lang="en-US" sz="1400" dirty="0" smtClean="0">
+                <a:solidFill>
+                  <a:schemeClr val="bg2">
+                    <a:lumMod val="25000"/>
+                  </a:schemeClr>
+                </a:solidFill>
+                <a:latin typeface="Calibri" pitchFamily="34" charset="0"/>
+                <a:cs typeface="Calibri" pitchFamily="34" charset="0"/>
+              </a:rPr>
+              <a:t>idp-test1.mib.infn.it/idp/shibboleth</a:t>
+            </a:r>
+          </a:p>
+          <a:p>
+            <a:pPr marL="87313" lvl="1" indent="0" eaLnBrk="1" hangingPunct="1">
+              <a:spcBef>
+                <a:spcPct val="0"/>
+              </a:spcBef>
+              <a:spcAft>
+                <a:spcPct val="20000"/>
+              </a:spcAft>
+              <a:buSzPct val="60000"/>
+              <a:buNone/>
+              <a:defRPr/>
+            </a:pPr>
+            <a:r>
+              <a:rPr lang="en-US" sz="1400" dirty="0" smtClean="0">
+                <a:solidFill>
+                  <a:schemeClr val="bg2">
+                    <a:lumMod val="25000"/>
+                  </a:schemeClr>
+                </a:solidFill>
+                <a:latin typeface="Calibri" pitchFamily="34" charset="0"/>
+                <a:cs typeface="Calibri" pitchFamily="34" charset="0"/>
+              </a:rPr>
+              <a:t/>
+            </a:r>
+            <a:br>
+              <a:rPr lang="en-US" sz="1400" dirty="0" smtClean="0">
+                <a:solidFill>
+                  <a:schemeClr val="bg2">
+                    <a:lumMod val="25000"/>
+                  </a:schemeClr>
+                </a:solidFill>
+                <a:latin typeface="Calibri" pitchFamily="34" charset="0"/>
+                <a:cs typeface="Calibri" pitchFamily="34" charset="0"/>
+              </a:rPr>
+            </a:br>
+            <a:r>
+              <a:rPr lang="es-ES" sz="1400" dirty="0">
+                <a:solidFill>
+                  <a:schemeClr val="bg2">
+                    <a:lumMod val="25000"/>
+                  </a:schemeClr>
+                </a:solidFill>
+                <a:latin typeface="Calibri" pitchFamily="34" charset="0"/>
+                <a:cs typeface="Calibri" pitchFamily="34" charset="0"/>
+              </a:rPr>
+              <a:t>[andrea@cloud-mi-03 ~]$ echo $eduPersonScopedAffiliation</a:t>
+            </a:r>
+          </a:p>
+          <a:p>
+            <a:pPr marL="87313" lvl="1" indent="0" eaLnBrk="1" hangingPunct="1">
+              <a:spcBef>
+                <a:spcPct val="0"/>
+              </a:spcBef>
+              <a:spcAft>
+                <a:spcPct val="20000"/>
+              </a:spcAft>
+              <a:buSzPct val="60000"/>
+              <a:buNone/>
+              <a:defRPr/>
+            </a:pPr>
+            <a:r>
+              <a:rPr lang="es-ES" sz="1400" dirty="0">
+                <a:solidFill>
+                  <a:schemeClr val="bg2">
+                    <a:lumMod val="25000"/>
+                  </a:schemeClr>
+                </a:solidFill>
+                <a:latin typeface="Calibri" pitchFamily="34" charset="0"/>
+                <a:cs typeface="Calibri" pitchFamily="34" charset="0"/>
+              </a:rPr>
+              <a:t>member@garr.it;student@garr.it</a:t>
+            </a:r>
+            <a:endParaRPr lang="it-IT" sz="1400" dirty="0">
+              <a:solidFill>
+                <a:schemeClr val="bg2">
+                  <a:lumMod val="25000"/>
+                </a:schemeClr>
+              </a:solidFill>
+              <a:latin typeface="Calibri" pitchFamily="34" charset="0"/>
+              <a:cs typeface="Calibri" pitchFamily="34" charset="0"/>
+            </a:endParaRPr>
+          </a:p>
+          <a:p>
+            <a:pPr marL="87313" lvl="1" indent="0" eaLnBrk="1" hangingPunct="1">
+              <a:spcBef>
+                <a:spcPct val="0"/>
+              </a:spcBef>
+              <a:spcAft>
+                <a:spcPct val="20000"/>
+              </a:spcAft>
+              <a:buSzPct val="60000"/>
+              <a:buNone/>
+              <a:tabLst>
+                <a:tab pos="269875" algn="l"/>
+                <a:tab pos="541338" algn="l"/>
+                <a:tab pos="804863" algn="l"/>
+                <a:tab pos="1074738" algn="l"/>
+                <a:tab pos="1346200" algn="l"/>
+              </a:tabLst>
+              <a:defRPr/>
+            </a:pPr>
+            <a:endParaRPr lang="it-IT" sz="1400" dirty="0" smtClean="0">
+              <a:solidFill>
+                <a:schemeClr val="bg2">
+                  <a:lumMod val="25000"/>
+                </a:schemeClr>
+              </a:solidFill>
+              <a:latin typeface="Calibri" pitchFamily="34" charset="0"/>
+              <a:cs typeface="Calibri" pitchFamily="34" charset="0"/>
+            </a:endParaRPr>
+          </a:p>
+          <a:p>
+            <a:pPr marL="87313" lvl="1" indent="0" eaLnBrk="1" hangingPunct="1">
+              <a:spcBef>
+                <a:spcPct val="0"/>
+              </a:spcBef>
+              <a:spcAft>
+                <a:spcPct val="20000"/>
+              </a:spcAft>
+              <a:buSzPct val="60000"/>
+              <a:buNone/>
+              <a:tabLst>
+                <a:tab pos="269875" algn="l"/>
+                <a:tab pos="541338" algn="l"/>
+                <a:tab pos="804863" algn="l"/>
+                <a:tab pos="1074738" algn="l"/>
+                <a:tab pos="1346200" algn="l"/>
+              </a:tabLst>
+              <a:defRPr/>
+            </a:pPr>
+            <a:r>
+              <a:rPr lang="it-IT" sz="1400" dirty="0" smtClean="0">
+                <a:solidFill>
+                  <a:schemeClr val="bg2">
+                    <a:lumMod val="25000"/>
+                  </a:schemeClr>
+                </a:solidFill>
+                <a:latin typeface="Calibri" pitchFamily="34" charset="0"/>
+                <a:cs typeface="Calibri" pitchFamily="34" charset="0"/>
+              </a:rPr>
+              <a:t>[</a:t>
+            </a:r>
+            <a:r>
+              <a:rPr lang="it-IT" sz="1400" dirty="0">
+                <a:solidFill>
+                  <a:schemeClr val="bg2">
+                    <a:lumMod val="25000"/>
+                  </a:schemeClr>
+                </a:solidFill>
+                <a:latin typeface="Calibri" pitchFamily="34" charset="0"/>
+                <a:cs typeface="Calibri" pitchFamily="34" charset="0"/>
+              </a:rPr>
+              <a:t>andrea@cloud-mi-03 ~]$</a:t>
+            </a:r>
+          </a:p>
+          <a:p>
+            <a:pPr marL="87313" lvl="1" indent="0" eaLnBrk="1" hangingPunct="1">
+              <a:spcBef>
+                <a:spcPct val="0"/>
+              </a:spcBef>
+              <a:spcAft>
+                <a:spcPct val="20000"/>
+              </a:spcAft>
+              <a:buSzPct val="60000"/>
+              <a:buNone/>
+              <a:tabLst>
+                <a:tab pos="269875" algn="l"/>
+                <a:tab pos="541338" algn="l"/>
+                <a:tab pos="804863" algn="l"/>
+                <a:tab pos="1074738" algn="l"/>
+                <a:tab pos="1346200" algn="l"/>
+              </a:tabLst>
+              <a:defRPr/>
+            </a:pPr>
+            <a:endParaRPr lang="it-IT" sz="1400" dirty="0">
+              <a:solidFill>
+                <a:schemeClr val="bg2">
+                  <a:lumMod val="25000"/>
+                </a:schemeClr>
+              </a:solidFill>
+              <a:latin typeface="Calibri" pitchFamily="34" charset="0"/>
+              <a:cs typeface="Calibri" pitchFamily="34" charset="0"/>
+            </a:endParaRPr>
+          </a:p>
+        </p:txBody>
+      </p:sp>
+    </p:spTree>
+    <p:extLst>
+      <p:ext uri="{BB962C8B-B14F-4D97-AF65-F5344CB8AC3E}">
+        <p14:creationId xmlns:p14="http://schemas.microsoft.com/office/powerpoint/2010/main" val="2181511623"/>
+      </p:ext>
+    </p:extLst>
+  </p:cSld>
+  <p:clrMapOvr>
+    <a:masterClrMapping/>
+  </p:clrMapOvr>
+  <p:transition>
+    <p:fade/>
+  </p:transition>
+  <p:timing>
+    <p:tnLst>
+      <p:par>
+        <p:cTn id="1" dur="indefinite" restart="never" nodeType="tmRoot"/>
+      </p:par>
+    </p:tnLst>
+  </p:timing>
+</p:sld>
+</file>
+
+<file path=ppt/slides/slide18.xml><?xml version="1.0" encoding="utf-8"?>
+<p:sld xmlns:a="http://schemas.openxmlformats.org/drawingml/2006/main" xmlns:r="http://schemas.openxmlformats.org/officeDocument/2006/relationships" xmlns:p="http://schemas.openxmlformats.org/presentationml/2006/main">
+  <p:cSld>
+    <p:spTree>
+      <p:nvGrpSpPr>
+        <p:cNvPr id="1" name=""/>
+        <p:cNvGrpSpPr/>
+        <p:nvPr/>
+      </p:nvGrpSpPr>
+      <p:grpSpPr>
+        <a:xfrm>
+          <a:off x="0" y="0"/>
+          <a:ext cx="0" cy="0"/>
+          <a:chOff x="0" y="0"/>
+          <a:chExt cx="0" cy="0"/>
+        </a:xfrm>
+      </p:grpSpPr>
+      <p:sp>
+        <p:nvSpPr>
+          <p:cNvPr id="7170" name="Rectangle 2"/>
+          <p:cNvSpPr>
+            <a:spLocks noGrp="1" noChangeArrowheads="1"/>
+          </p:cNvSpPr>
+          <p:nvPr>
+            <p:ph type="title"/>
+          </p:nvPr>
+        </p:nvSpPr>
+        <p:spPr/>
+        <p:txBody>
+          <a:bodyPr/>
+          <a:lstStyle/>
+          <a:p>
+            <a:pPr eaLnBrk="1" hangingPunct="1"/>
+            <a:r>
+              <a:rPr lang="en-GB" sz="2800" b="0" dirty="0">
+                <a:latin typeface="Arial Unicode MS"/>
+                <a:ea typeface="Arial Unicode MS"/>
+                <a:cs typeface="Arial Unicode MS"/>
+              </a:rPr>
+              <a:t>③</a:t>
+            </a:r>
+            <a:r>
+              <a:rPr lang="en-GB" sz="2800" b="0" dirty="0" smtClean="0">
+                <a:latin typeface="Arial Unicode MS"/>
+                <a:ea typeface="Arial Unicode MS"/>
+                <a:cs typeface="Arial Unicode MS"/>
+              </a:rPr>
+              <a:t> </a:t>
+            </a:r>
+            <a:r>
+              <a:rPr lang="it-IT" sz="2800" b="0" dirty="0" smtClean="0">
+                <a:latin typeface="Arial Unicode MS"/>
+                <a:ea typeface="Arial Unicode MS"/>
+                <a:cs typeface="Arial Unicode MS"/>
+              </a:rPr>
+              <a:t>Esempio di configurazione </a:t>
+            </a:r>
+            <a:r>
+              <a:rPr lang="it-IT" sz="2800" b="0" dirty="0" err="1" smtClean="0">
+                <a:latin typeface="Arial Unicode MS"/>
+                <a:ea typeface="Arial Unicode MS"/>
+                <a:cs typeface="Arial Unicode MS"/>
+              </a:rPr>
+              <a:t>DragonDisk</a:t>
+            </a:r>
+            <a:endParaRPr lang="it-IT" sz="2800" b="0" dirty="0" smtClean="0">
+              <a:latin typeface="Calibri" pitchFamily="34" charset="0"/>
+            </a:endParaRPr>
+          </a:p>
+        </p:txBody>
+      </p:sp>
+      <p:pic>
+        <p:nvPicPr>
+          <p:cNvPr id="5123" name="Picture 3"/>
+          <p:cNvPicPr>
+            <a:picLocks noChangeAspect="1" noChangeArrowheads="1"/>
+          </p:cNvPicPr>
+          <p:nvPr/>
+        </p:nvPicPr>
+        <p:blipFill>
+          <a:blip r:embed="rId3">
+            <a:extLst>
+              <a:ext uri="{28A0092B-C50C-407E-A947-70E740481C1C}">
+                <a14:useLocalDpi xmlns:a14="http://schemas.microsoft.com/office/drawing/2010/main" val="0"/>
+              </a:ext>
+            </a:extLst>
+          </a:blip>
+          <a:srcRect/>
+          <a:stretch>
+            <a:fillRect/>
+          </a:stretch>
+        </p:blipFill>
+        <p:spPr bwMode="auto">
+          <a:xfrm>
+            <a:off x="1447800" y="1272070"/>
+            <a:ext cx="6534150" cy="4851325"/>
+          </a:xfrm>
+          <a:prstGeom prst="rect">
+            <a:avLst/>
+          </a:prstGeom>
+          <a:noFill/>
+          <a:ln>
+            <a:noFill/>
+          </a:ln>
+          <a:effectLst/>
+          <a:extLst>
+            <a:ext uri="{909E8E84-426E-40DD-AFC4-6F175D3DCCD1}">
+              <a14:hiddenFill xmlns:a14="http://schemas.microsoft.com/office/drawing/2010/main">
+                <a:solidFill>
+                  <a:schemeClr val="accent1"/>
+                </a:solidFill>
+              </a14:hiddenFill>
+            </a:ext>
+            <a:ext uri="{91240B29-F687-4F45-9708-019B960494DF}">
+              <a14:hiddenLine xmlns:a14="http://schemas.microsoft.com/office/drawing/2010/main" w="9525">
+                <a:solidFill>
+                  <a:schemeClr val="tx1"/>
+                </a:solidFill>
+                <a:miter lim="800000"/>
+                <a:headEnd/>
+                <a:tailEnd/>
+              </a14:hiddenLine>
+            </a:ext>
+            <a:ext uri="{AF507438-7753-43E0-B8FC-AC1667EBCBE1}">
+              <a14:hiddenEffects xmlns:a14="http://schemas.microsoft.com/office/drawing/2010/main">
+                <a:effectLst>
+                  <a:outerShdw dist="35921" dir="2700000" algn="ctr" rotWithShape="0">
+                    <a:schemeClr val="bg2"/>
+                  </a:outerShdw>
+                </a:effectLst>
+              </a14:hiddenEffects>
+            </a:ext>
+          </a:extLst>
+        </p:spPr>
+      </p:pic>
+    </p:spTree>
+    <p:extLst>
+      <p:ext uri="{BB962C8B-B14F-4D97-AF65-F5344CB8AC3E}">
+        <p14:creationId xmlns:p14="http://schemas.microsoft.com/office/powerpoint/2010/main" val="666774694"/>
+      </p:ext>
+    </p:extLst>
+  </p:cSld>
+  <p:clrMapOvr>
+    <a:masterClrMapping/>
+  </p:clrMapOvr>
+  <p:transition>
+    <p:fade/>
+  </p:transition>
+  <p:timing>
+    <p:tnLst>
+      <p:par>
+        <p:cTn id="1" dur="indefinite" restart="never" nodeType="tmRoot"/>
+      </p:par>
+    </p:tnLst>
+  </p:timing>
+</p:sld>
+</file>
+
 <file path=ppt/slides/slide2.xml><?xml version="1.0" encoding="utf-8"?>
 <p:sld xmlns:a="http://schemas.openxmlformats.org/drawingml/2006/main" xmlns:r="http://schemas.openxmlformats.org/officeDocument/2006/relationships" xmlns:p="http://schemas.openxmlformats.org/presentationml/2006/main">
   <p:cSld>
@@ -8076,7 +11142,7 @@
           <p:nvPr>
             <p:extLst>
               <p:ext uri="{D42A27DB-BD31-4B8C-83A1-F6EECF244321}">
-                <p14:modId xmlns:p14="http://schemas.microsoft.com/office/powerpoint/2010/main" val="3688795485"/>
+                <p14:modId xmlns:p14="http://schemas.microsoft.com/office/powerpoint/2010/main" val="2871808066"/>
               </p:ext>
             </p:extLst>
           </p:nvPr>
@@ -8089,7 +11155,7 @@
           <a:graphicData uri="http://schemas.openxmlformats.org/presentationml/2006/ole">
             <mc:AlternateContent xmlns:mc="http://schemas.openxmlformats.org/markup-compatibility/2006">
               <mc:Choice xmlns:v="urn:schemas-microsoft-com:vml" Requires="v">
-                <p:oleObj spid="_x0000_s3081" name="Visio" r:id="rId4" imgW="5284611" imgH="3772440" progId="Visio.Drawing.11">
+                <p:oleObj spid="_x0000_s3083" name="Visio" r:id="rId4" imgW="5284611" imgH="3772440" progId="Visio.Drawing.11">
                   <p:embed/>
                 </p:oleObj>
               </mc:Choice>
@@ -8963,7 +12029,7 @@
           <a:graphicData uri="http://schemas.openxmlformats.org/presentationml/2006/ole">
             <mc:AlternateContent xmlns:mc="http://schemas.openxmlformats.org/markup-compatibility/2006">
               <mc:Choice xmlns:v="urn:schemas-microsoft-com:vml" Requires="v">
-                <p:oleObj spid="_x0000_s4104" name="Visio" r:id="rId4" imgW="5068504" imgH="3466560" progId="Visio.Drawing.11">
+                <p:oleObj spid="_x0000_s4106" name="Visio" r:id="rId4" imgW="5068504" imgH="3466560" progId="Visio.Drawing.11">
                   <p:embed/>
                 </p:oleObj>
               </mc:Choice>

--- a/ShibbolethExtensions.pptx
+++ b/ShibbolethExtensions.pptx
@@ -1676,7 +1676,7 @@
               <a:pPr/>
               <a:t>17</a:t>
             </a:fld>
-            <a:endParaRPr lang="en-US" smtClean="0">
+            <a:endParaRPr lang="en-US" dirty="0" smtClean="0">
               <a:latin typeface="Arial" pitchFamily="34" charset="0"/>
             </a:endParaRPr>
           </a:p>
@@ -1719,7 +1719,7 @@
           <a:lstStyle/>
           <a:p>
             <a:pPr eaLnBrk="1" hangingPunct="1"/>
-            <a:endParaRPr lang="en-GB" smtClean="0">
+            <a:endParaRPr lang="en-GB" dirty="0" smtClean="0">
               <a:latin typeface="Arial" pitchFamily="34" charset="0"/>
             </a:endParaRPr>
           </a:p>
@@ -5576,8 +5576,16 @@
           <a:lstStyle/>
           <a:p>
             <a:r>
+              <a:rPr lang="en-US" dirty="0" smtClean="0"/>
+              <a:t>INFN </a:t>
+            </a:r>
+            <a:r>
+              <a:rPr lang="en-US" dirty="0" err="1" smtClean="0"/>
+              <a:t>Sezione</a:t>
+            </a:r>
+            <a:r>
               <a:rPr lang="en-US" smtClean="0"/>
-              <a:t>INFN Sezione Milano Bicocca</a:t>
+              <a:t> Milano Bicocca</a:t>
             </a:r>
             <a:br>
               <a:rPr lang="en-US" smtClean="0"/>
@@ -7582,7 +7590,7 @@
               <a:defRPr/>
             </a:pPr>
             <a:r>
-              <a:rPr lang="it-IT" sz="2000" dirty="0" smtClean="0">
+              <a:rPr lang="it-IT" sz="2000" noProof="1" smtClean="0">
                 <a:effectLst>
                   <a:outerShdw blurRad="50800" dist="38100" dir="2700000" algn="tl" rotWithShape="0">
                     <a:prstClr val="black">
@@ -7594,16 +7602,6 @@
               </a:rPr>
               <a:t>Login da un programma Java</a:t>
             </a:r>
-            <a:endParaRPr lang="it-IT" sz="2000" dirty="0">
-              <a:effectLst>
-                <a:outerShdw blurRad="50800" dist="38100" dir="2700000" algn="tl" rotWithShape="0">
-                  <a:prstClr val="black">
-                    <a:alpha val="40000"/>
-                  </a:prstClr>
-                </a:outerShdw>
-              </a:effectLst>
-              <a:cs typeface="Courier New" pitchFamily="49" charset="0"/>
-            </a:endParaRPr>
           </a:p>
           <a:p>
             <a:pPr marL="1587" lvl="1" indent="0" eaLnBrk="1" hangingPunct="1">
@@ -7617,7 +7615,7 @@
               <a:buNone/>
               <a:defRPr/>
             </a:pPr>
-            <a:endParaRPr lang="it-IT" sz="1200" dirty="0" smtClean="0">
+            <a:endParaRPr lang="it-IT" sz="1200" noProof="1" smtClean="0">
               <a:cs typeface="Courier New" pitchFamily="49" charset="0"/>
             </a:endParaRPr>
           </a:p>
@@ -7633,7 +7631,7 @@
               <a:buNone/>
               <a:defRPr/>
             </a:pPr>
-            <a:endParaRPr lang="it-IT" sz="1200" dirty="0">
+            <a:endParaRPr lang="it-IT" sz="1200" noProof="1" smtClean="0">
               <a:cs typeface="Courier New" pitchFamily="49" charset="0"/>
             </a:endParaRPr>
           </a:p>
@@ -7650,7 +7648,7 @@
               <a:defRPr/>
             </a:pPr>
             <a:r>
-              <a:rPr lang="it-IT" sz="1400" dirty="0" err="1" smtClean="0">
+              <a:rPr lang="it-IT" sz="1400" noProof="1" smtClean="0">
                 <a:solidFill>
                   <a:schemeClr val="bg2">
                     <a:lumMod val="25000"/>
@@ -7659,19 +7657,7 @@
                 <a:latin typeface="Calibri" pitchFamily="34" charset="0"/>
                 <a:cs typeface="Calibri" pitchFamily="34" charset="0"/>
               </a:rPr>
-              <a:t>try</a:t>
-            </a:r>
-            <a:r>
-              <a:rPr lang="it-IT" sz="1400" dirty="0" smtClean="0">
-                <a:solidFill>
-                  <a:schemeClr val="bg2">
-                    <a:lumMod val="25000"/>
-                  </a:schemeClr>
-                </a:solidFill>
-                <a:latin typeface="Calibri" pitchFamily="34" charset="0"/>
-                <a:cs typeface="Calibri" pitchFamily="34" charset="0"/>
-              </a:rPr>
-              <a:t> {</a:t>
+              <a:t>try {</a:t>
             </a:r>
           </a:p>
           <a:p>
@@ -7694,7 +7680,7 @@
               <a:defRPr/>
             </a:pPr>
             <a:r>
-              <a:rPr lang="it-IT" sz="1400" dirty="0" smtClean="0">
+              <a:rPr lang="it-IT" sz="1400" noProof="1" smtClean="0">
                 <a:solidFill>
                   <a:schemeClr val="bg2">
                     <a:lumMod val="25000"/>
@@ -7703,91 +7689,7 @@
                 <a:latin typeface="Calibri" pitchFamily="34" charset="0"/>
                 <a:cs typeface="Calibri" pitchFamily="34" charset="0"/>
               </a:rPr>
-              <a:t>	</a:t>
-            </a:r>
-            <a:r>
-              <a:rPr lang="it-IT" sz="1400" dirty="0" err="1" smtClean="0">
-                <a:solidFill>
-                  <a:schemeClr val="bg2">
-                    <a:lumMod val="25000"/>
-                  </a:schemeClr>
-                </a:solidFill>
-                <a:latin typeface="Calibri" pitchFamily="34" charset="0"/>
-                <a:cs typeface="Calibri" pitchFamily="34" charset="0"/>
-              </a:rPr>
-              <a:t>LoginContext</a:t>
-            </a:r>
-            <a:r>
-              <a:rPr lang="it-IT" sz="1400" dirty="0" smtClean="0">
-                <a:solidFill>
-                  <a:schemeClr val="bg2">
-                    <a:lumMod val="25000"/>
-                  </a:schemeClr>
-                </a:solidFill>
-                <a:latin typeface="Calibri" pitchFamily="34" charset="0"/>
-                <a:cs typeface="Calibri" pitchFamily="34" charset="0"/>
-              </a:rPr>
-              <a:t> </a:t>
-            </a:r>
-            <a:r>
-              <a:rPr lang="it-IT" sz="1400" dirty="0" err="1">
-                <a:solidFill>
-                  <a:schemeClr val="bg2">
-                    <a:lumMod val="25000"/>
-                  </a:schemeClr>
-                </a:solidFill>
-                <a:latin typeface="Calibri" pitchFamily="34" charset="0"/>
-                <a:cs typeface="Calibri" pitchFamily="34" charset="0"/>
-              </a:rPr>
-              <a:t>lc</a:t>
-            </a:r>
-            <a:r>
-              <a:rPr lang="it-IT" sz="1400" dirty="0">
-                <a:solidFill>
-                  <a:schemeClr val="bg2">
-                    <a:lumMod val="25000"/>
-                  </a:schemeClr>
-                </a:solidFill>
-                <a:latin typeface="Calibri" pitchFamily="34" charset="0"/>
-                <a:cs typeface="Calibri" pitchFamily="34" charset="0"/>
-              </a:rPr>
-              <a:t> </a:t>
-            </a:r>
-            <a:r>
-              <a:rPr lang="it-IT" sz="1400" dirty="0" smtClean="0">
-                <a:solidFill>
-                  <a:schemeClr val="bg2">
-                    <a:lumMod val="25000"/>
-                  </a:schemeClr>
-                </a:solidFill>
-                <a:latin typeface="Calibri" pitchFamily="34" charset="0"/>
-                <a:cs typeface="Calibri" pitchFamily="34" charset="0"/>
-              </a:rPr>
-              <a:t>= new </a:t>
-            </a:r>
-            <a:r>
-              <a:rPr lang="it-IT" sz="1400" dirty="0" err="1" smtClean="0">
-                <a:solidFill>
-                  <a:schemeClr val="bg2">
-                    <a:lumMod val="25000"/>
-                  </a:schemeClr>
-                </a:solidFill>
-                <a:latin typeface="Calibri" pitchFamily="34" charset="0"/>
-                <a:cs typeface="Calibri" pitchFamily="34" charset="0"/>
-              </a:rPr>
-              <a:t>LoginContext</a:t>
-            </a:r>
-            <a:r>
-              <a:rPr lang="it-IT" sz="1400" dirty="0" smtClean="0">
-                <a:solidFill>
-                  <a:schemeClr val="bg2">
-                    <a:lumMod val="25000"/>
-                  </a:schemeClr>
-                </a:solidFill>
-                <a:latin typeface="Calibri" pitchFamily="34" charset="0"/>
-                <a:cs typeface="Calibri" pitchFamily="34" charset="0"/>
-              </a:rPr>
-              <a:t>(</a:t>
+              <a:t>	LoginContext lc = new LoginContext(</a:t>
             </a:r>
           </a:p>
           <a:p>
@@ -7810,7 +7712,7 @@
               <a:defRPr/>
             </a:pPr>
             <a:r>
-              <a:rPr lang="it-IT" sz="1400" dirty="0">
+              <a:rPr lang="it-IT" sz="1400" noProof="1" smtClean="0">
                 <a:solidFill>
                   <a:schemeClr val="bg2">
                     <a:lumMod val="25000"/>
@@ -7819,43 +7721,7 @@
                 <a:latin typeface="Calibri" pitchFamily="34" charset="0"/>
                 <a:cs typeface="Calibri" pitchFamily="34" charset="0"/>
               </a:rPr>
-              <a:t>	</a:t>
-            </a:r>
-            <a:r>
-              <a:rPr lang="it-IT" sz="1400" dirty="0" smtClean="0">
-                <a:solidFill>
-                  <a:schemeClr val="bg2">
-                    <a:lumMod val="25000"/>
-                  </a:schemeClr>
-                </a:solidFill>
-                <a:latin typeface="Calibri" pitchFamily="34" charset="0"/>
-                <a:cs typeface="Calibri" pitchFamily="34" charset="0"/>
-              </a:rPr>
-              <a:t>		"</a:t>
-            </a:r>
-            <a:r>
-              <a:rPr lang="it-IT" sz="1400" dirty="0" err="1">
-                <a:solidFill>
-                  <a:schemeClr val="bg2">
-                    <a:lumMod val="25000"/>
-                  </a:schemeClr>
-                </a:solidFill>
-                <a:latin typeface="Calibri" pitchFamily="34" charset="0"/>
-                <a:cs typeface="Calibri" pitchFamily="34" charset="0"/>
-              </a:rPr>
-              <a:t>Shibboleth</a:t>
-            </a:r>
-            <a:r>
-              <a:rPr lang="it-IT" sz="1400" dirty="0" smtClean="0">
-                <a:solidFill>
-                  <a:schemeClr val="bg2">
-                    <a:lumMod val="25000"/>
-                  </a:schemeClr>
-                </a:solidFill>
-                <a:latin typeface="Calibri" pitchFamily="34" charset="0"/>
-                <a:cs typeface="Calibri" pitchFamily="34" charset="0"/>
-              </a:rPr>
-              <a:t>",</a:t>
+              <a:t>			"Shibboleth",</a:t>
             </a:r>
           </a:p>
           <a:p>
@@ -7878,7 +7744,7 @@
               <a:defRPr/>
             </a:pPr>
             <a:r>
-              <a:rPr lang="it-IT" sz="1400" dirty="0">
+              <a:rPr lang="it-IT" sz="1400" noProof="1" smtClean="0">
                 <a:solidFill>
                   <a:schemeClr val="bg2">
                     <a:lumMod val="25000"/>
@@ -7887,43 +7753,7 @@
                 <a:latin typeface="Calibri" pitchFamily="34" charset="0"/>
                 <a:cs typeface="Calibri" pitchFamily="34" charset="0"/>
               </a:rPr>
-              <a:t>	</a:t>
-            </a:r>
-            <a:r>
-              <a:rPr lang="it-IT" sz="1400" dirty="0" smtClean="0">
-                <a:solidFill>
-                  <a:schemeClr val="bg2">
-                    <a:lumMod val="25000"/>
-                  </a:schemeClr>
-                </a:solidFill>
-                <a:latin typeface="Calibri" pitchFamily="34" charset="0"/>
-                <a:cs typeface="Calibri" pitchFamily="34" charset="0"/>
-              </a:rPr>
-              <a:t>		new </a:t>
-            </a:r>
-            <a:r>
-              <a:rPr lang="it-IT" sz="1400" dirty="0" err="1" smtClean="0">
-                <a:solidFill>
-                  <a:schemeClr val="bg2">
-                    <a:lumMod val="25000"/>
-                  </a:schemeClr>
-                </a:solidFill>
-                <a:latin typeface="Calibri" pitchFamily="34" charset="0"/>
-                <a:cs typeface="Calibri" pitchFamily="34" charset="0"/>
-              </a:rPr>
-              <a:t>MyCallbackHandler</a:t>
-            </a:r>
-            <a:r>
-              <a:rPr lang="it-IT" sz="1400" dirty="0" smtClean="0">
-                <a:solidFill>
-                  <a:schemeClr val="bg2">
-                    <a:lumMod val="25000"/>
-                  </a:schemeClr>
-                </a:solidFill>
-                <a:latin typeface="Calibri" pitchFamily="34" charset="0"/>
-                <a:cs typeface="Calibri" pitchFamily="34" charset="0"/>
-              </a:rPr>
-              <a:t>());</a:t>
+              <a:t>			new MyCallbackHandler());</a:t>
             </a:r>
           </a:p>
           <a:p>
@@ -7945,7 +7775,7 @@
               </a:tabLst>
               <a:defRPr/>
             </a:pPr>
-            <a:endParaRPr lang="it-IT" sz="1400" dirty="0" smtClean="0">
+            <a:endParaRPr lang="it-IT" sz="1400" noProof="1" smtClean="0">
               <a:solidFill>
                 <a:schemeClr val="bg2">
                   <a:lumMod val="25000"/>
@@ -7975,7 +7805,7 @@
               <a:defRPr/>
             </a:pPr>
             <a:r>
-              <a:rPr lang="it-IT" sz="1400" dirty="0" smtClean="0">
+              <a:rPr lang="it-IT" sz="1400" noProof="1" smtClean="0">
                 <a:solidFill>
                   <a:schemeClr val="bg2">
                     <a:lumMod val="25000"/>
@@ -7984,31 +7814,7 @@
                 <a:latin typeface="Calibri" pitchFamily="34" charset="0"/>
                 <a:cs typeface="Calibri" pitchFamily="34" charset="0"/>
               </a:rPr>
-              <a:t>	</a:t>
-            </a:r>
-            <a:r>
-              <a:rPr lang="it-IT" sz="1400" dirty="0" err="1" smtClean="0">
-                <a:solidFill>
-                  <a:schemeClr val="bg2">
-                    <a:lumMod val="25000"/>
-                  </a:schemeClr>
-                </a:solidFill>
-                <a:latin typeface="Calibri" pitchFamily="34" charset="0"/>
-                <a:cs typeface="Calibri" pitchFamily="34" charset="0"/>
-              </a:rPr>
-              <a:t>lc.login</a:t>
-            </a:r>
-            <a:r>
-              <a:rPr lang="it-IT" sz="1400" dirty="0" smtClean="0">
-                <a:solidFill>
-                  <a:schemeClr val="bg2">
-                    <a:lumMod val="25000"/>
-                  </a:schemeClr>
-                </a:solidFill>
-                <a:latin typeface="Calibri" pitchFamily="34" charset="0"/>
-                <a:cs typeface="Calibri" pitchFamily="34" charset="0"/>
-              </a:rPr>
-              <a:t>();</a:t>
+              <a:t>	lc.login();</a:t>
             </a:r>
           </a:p>
           <a:p>
@@ -8031,7 +7837,7 @@
               <a:defRPr/>
             </a:pPr>
             <a:r>
-              <a:rPr lang="it-IT" sz="1400" dirty="0">
+              <a:rPr lang="it-IT" sz="1400" noProof="1" smtClean="0">
                 <a:solidFill>
                   <a:schemeClr val="bg2">
                     <a:lumMod val="25000"/>
@@ -8040,79 +7846,7 @@
                 <a:latin typeface="Calibri" pitchFamily="34" charset="0"/>
                 <a:cs typeface="Calibri" pitchFamily="34" charset="0"/>
               </a:rPr>
-              <a:t>	</a:t>
-            </a:r>
-            <a:r>
-              <a:rPr lang="it-IT" sz="1400" dirty="0" err="1" smtClean="0">
-                <a:solidFill>
-                  <a:schemeClr val="bg2">
-                    <a:lumMod val="25000"/>
-                  </a:schemeClr>
-                </a:solidFill>
-                <a:latin typeface="Calibri" pitchFamily="34" charset="0"/>
-                <a:cs typeface="Calibri" pitchFamily="34" charset="0"/>
-              </a:rPr>
-              <a:t>System.out.println</a:t>
-            </a:r>
-            <a:r>
-              <a:rPr lang="it-IT" sz="1400" dirty="0">
-                <a:solidFill>
-                  <a:schemeClr val="bg2">
-                    <a:lumMod val="25000"/>
-                  </a:schemeClr>
-                </a:solidFill>
-                <a:latin typeface="Calibri" pitchFamily="34" charset="0"/>
-                <a:cs typeface="Calibri" pitchFamily="34" charset="0"/>
-              </a:rPr>
-              <a:t>("User </a:t>
-            </a:r>
-            <a:r>
-              <a:rPr lang="it-IT" sz="1400" dirty="0" err="1">
-                <a:solidFill>
-                  <a:schemeClr val="bg2">
-                    <a:lumMod val="25000"/>
-                  </a:schemeClr>
-                </a:solidFill>
-                <a:latin typeface="Calibri" pitchFamily="34" charset="0"/>
-                <a:cs typeface="Calibri" pitchFamily="34" charset="0"/>
-              </a:rPr>
-              <a:t>logged</a:t>
-            </a:r>
-            <a:r>
-              <a:rPr lang="it-IT" sz="1400" dirty="0">
-                <a:solidFill>
-                  <a:schemeClr val="bg2">
-                    <a:lumMod val="25000"/>
-                  </a:schemeClr>
-                </a:solidFill>
-                <a:latin typeface="Calibri" pitchFamily="34" charset="0"/>
-                <a:cs typeface="Calibri" pitchFamily="34" charset="0"/>
-              </a:rPr>
-              <a:t> in </a:t>
-            </a:r>
-            <a:r>
-              <a:rPr lang="it-IT" sz="1400" dirty="0" err="1">
-                <a:solidFill>
-                  <a:schemeClr val="bg2">
-                    <a:lumMod val="25000"/>
-                  </a:schemeClr>
-                </a:solidFill>
-                <a:latin typeface="Calibri" pitchFamily="34" charset="0"/>
-                <a:cs typeface="Calibri" pitchFamily="34" charset="0"/>
-              </a:rPr>
-              <a:t>successfully</a:t>
-            </a:r>
-            <a:r>
-              <a:rPr lang="it-IT" sz="1400" dirty="0" smtClean="0">
-                <a:solidFill>
-                  <a:schemeClr val="bg2">
-                    <a:lumMod val="25000"/>
-                  </a:schemeClr>
-                </a:solidFill>
-                <a:latin typeface="Calibri" pitchFamily="34" charset="0"/>
-                <a:cs typeface="Calibri" pitchFamily="34" charset="0"/>
-              </a:rPr>
-              <a:t>.");</a:t>
+              <a:t>	System.out.println("User logged in successfully.");</a:t>
             </a:r>
           </a:p>
           <a:p>
@@ -8135,7 +7869,7 @@
               <a:defRPr/>
             </a:pPr>
             <a:r>
-              <a:rPr lang="it-IT" sz="1400" dirty="0" smtClean="0">
+              <a:rPr lang="it-IT" sz="1400" noProof="1" smtClean="0">
                 <a:solidFill>
                   <a:schemeClr val="bg2">
                     <a:lumMod val="25000"/>
@@ -8167,7 +7901,7 @@
               <a:defRPr/>
             </a:pPr>
             <a:r>
-              <a:rPr lang="it-IT" sz="1400" dirty="0" smtClean="0">
+              <a:rPr lang="it-IT" sz="1400" noProof="1" smtClean="0">
                 <a:solidFill>
                   <a:schemeClr val="bg2">
                     <a:lumMod val="25000"/>
@@ -8176,151 +7910,7 @@
                 <a:latin typeface="Calibri" pitchFamily="34" charset="0"/>
                 <a:cs typeface="Calibri" pitchFamily="34" charset="0"/>
               </a:rPr>
-              <a:t>catch </a:t>
-            </a:r>
-            <a:r>
-              <a:rPr lang="it-IT" sz="1400" dirty="0">
-                <a:solidFill>
-                  <a:schemeClr val="bg2">
-                    <a:lumMod val="25000"/>
-                  </a:schemeClr>
-                </a:solidFill>
-                <a:latin typeface="Calibri" pitchFamily="34" charset="0"/>
-                <a:cs typeface="Calibri" pitchFamily="34" charset="0"/>
-              </a:rPr>
-              <a:t>(</a:t>
-            </a:r>
-            <a:r>
-              <a:rPr lang="it-IT" sz="1400" dirty="0" err="1">
-                <a:solidFill>
-                  <a:schemeClr val="bg2">
-                    <a:lumMod val="25000"/>
-                  </a:schemeClr>
-                </a:solidFill>
-                <a:latin typeface="Calibri" pitchFamily="34" charset="0"/>
-                <a:cs typeface="Calibri" pitchFamily="34" charset="0"/>
-              </a:rPr>
-              <a:t>LoginException</a:t>
-            </a:r>
-            <a:r>
-              <a:rPr lang="it-IT" sz="1400" dirty="0">
-                <a:solidFill>
-                  <a:schemeClr val="bg2">
-                    <a:lumMod val="25000"/>
-                  </a:schemeClr>
-                </a:solidFill>
-                <a:latin typeface="Calibri" pitchFamily="34" charset="0"/>
-                <a:cs typeface="Calibri" pitchFamily="34" charset="0"/>
-              </a:rPr>
-              <a:t> e) { </a:t>
-            </a:r>
-            <a:r>
-              <a:rPr lang="it-IT" sz="1400" dirty="0" smtClean="0">
-                <a:solidFill>
-                  <a:schemeClr val="bg2">
-                    <a:lumMod val="25000"/>
-                  </a:schemeClr>
-                </a:solidFill>
-                <a:latin typeface="Calibri" pitchFamily="34" charset="0"/>
-                <a:cs typeface="Calibri" pitchFamily="34" charset="0"/>
-              </a:rPr>
-              <a:t>	</a:t>
-            </a:r>
-            <a:r>
-              <a:rPr lang="it-IT" sz="1400" dirty="0" err="1" smtClean="0">
-                <a:solidFill>
-                  <a:schemeClr val="bg2">
-                    <a:lumMod val="25000"/>
-                  </a:schemeClr>
-                </a:solidFill>
-                <a:latin typeface="Calibri" pitchFamily="34" charset="0"/>
-                <a:cs typeface="Calibri" pitchFamily="34" charset="0"/>
-              </a:rPr>
-              <a:t>System.err.println</a:t>
-            </a:r>
-            <a:r>
-              <a:rPr lang="it-IT" sz="1400" dirty="0">
-                <a:solidFill>
-                  <a:schemeClr val="bg2">
-                    <a:lumMod val="25000"/>
-                  </a:schemeClr>
-                </a:solidFill>
-                <a:latin typeface="Calibri" pitchFamily="34" charset="0"/>
-                <a:cs typeface="Calibri" pitchFamily="34" charset="0"/>
-              </a:rPr>
-              <a:t>("</a:t>
-            </a:r>
-            <a:r>
-              <a:rPr lang="it-IT" sz="1400" dirty="0" err="1">
-                <a:solidFill>
-                  <a:schemeClr val="bg2">
-                    <a:lumMod val="25000"/>
-                  </a:schemeClr>
-                </a:solidFill>
-                <a:latin typeface="Calibri" pitchFamily="34" charset="0"/>
-                <a:cs typeface="Calibri" pitchFamily="34" charset="0"/>
-              </a:rPr>
-              <a:t>Error</a:t>
-            </a:r>
-            <a:r>
-              <a:rPr lang="it-IT" sz="1400" dirty="0">
-                <a:solidFill>
-                  <a:schemeClr val="bg2">
-                    <a:lumMod val="25000"/>
-                  </a:schemeClr>
-                </a:solidFill>
-                <a:latin typeface="Calibri" pitchFamily="34" charset="0"/>
-                <a:cs typeface="Calibri" pitchFamily="34" charset="0"/>
-              </a:rPr>
-              <a:t> </a:t>
-            </a:r>
-            <a:r>
-              <a:rPr lang="it-IT" sz="1400" dirty="0" err="1">
-                <a:solidFill>
-                  <a:schemeClr val="bg2">
-                    <a:lumMod val="25000"/>
-                  </a:schemeClr>
-                </a:solidFill>
-                <a:latin typeface="Calibri" pitchFamily="34" charset="0"/>
-                <a:cs typeface="Calibri" pitchFamily="34" charset="0"/>
-              </a:rPr>
-              <a:t>logging</a:t>
-            </a:r>
-            <a:r>
-              <a:rPr lang="it-IT" sz="1400" dirty="0">
-                <a:solidFill>
-                  <a:schemeClr val="bg2">
-                    <a:lumMod val="25000"/>
-                  </a:schemeClr>
-                </a:solidFill>
-                <a:latin typeface="Calibri" pitchFamily="34" charset="0"/>
-                <a:cs typeface="Calibri" pitchFamily="34" charset="0"/>
-              </a:rPr>
-              <a:t> in </a:t>
-            </a:r>
-            <a:r>
-              <a:rPr lang="it-IT" sz="1400" dirty="0" err="1">
-                <a:solidFill>
-                  <a:schemeClr val="bg2">
-                    <a:lumMod val="25000"/>
-                  </a:schemeClr>
-                </a:solidFill>
-                <a:latin typeface="Calibri" pitchFamily="34" charset="0"/>
-                <a:cs typeface="Calibri" pitchFamily="34" charset="0"/>
-              </a:rPr>
-              <a:t>user</a:t>
-            </a:r>
-            <a:r>
-              <a:rPr lang="it-IT" sz="1400" dirty="0" smtClean="0">
-                <a:solidFill>
-                  <a:schemeClr val="bg2">
-                    <a:lumMod val="25000"/>
-                  </a:schemeClr>
-                </a:solidFill>
-                <a:latin typeface="Calibri" pitchFamily="34" charset="0"/>
-                <a:cs typeface="Calibri" pitchFamily="34" charset="0"/>
-              </a:rPr>
-              <a:t>.");</a:t>
+              <a:t>catch (LoginException e) { 	System.err.println("Error logging in user.");</a:t>
             </a:r>
           </a:p>
           <a:p>
@@ -8343,7 +7933,7 @@
               <a:defRPr/>
             </a:pPr>
             <a:r>
-              <a:rPr lang="it-IT" sz="1400" dirty="0">
+              <a:rPr lang="it-IT" sz="1400" noProof="1" smtClean="0">
                 <a:solidFill>
                   <a:schemeClr val="bg2">
                     <a:lumMod val="25000"/>
@@ -8352,31 +7942,7 @@
                 <a:latin typeface="Calibri" pitchFamily="34" charset="0"/>
                 <a:cs typeface="Calibri" pitchFamily="34" charset="0"/>
               </a:rPr>
-              <a:t>	</a:t>
-            </a:r>
-            <a:r>
-              <a:rPr lang="it-IT" sz="1400" dirty="0" err="1" smtClean="0">
-                <a:solidFill>
-                  <a:schemeClr val="bg2">
-                    <a:lumMod val="25000"/>
-                  </a:schemeClr>
-                </a:solidFill>
-                <a:latin typeface="Calibri" pitchFamily="34" charset="0"/>
-                <a:cs typeface="Calibri" pitchFamily="34" charset="0"/>
-              </a:rPr>
-              <a:t>e.printStackTrace</a:t>
-            </a:r>
-            <a:r>
-              <a:rPr lang="it-IT" sz="1400" dirty="0" smtClean="0">
-                <a:solidFill>
-                  <a:schemeClr val="bg2">
-                    <a:lumMod val="25000"/>
-                  </a:schemeClr>
-                </a:solidFill>
-                <a:latin typeface="Calibri" pitchFamily="34" charset="0"/>
-                <a:cs typeface="Calibri" pitchFamily="34" charset="0"/>
-              </a:rPr>
-              <a:t>();</a:t>
+              <a:t>	e.printStackTrace();</a:t>
             </a:r>
           </a:p>
           <a:p>
@@ -8399,7 +7965,7 @@
               <a:defRPr/>
             </a:pPr>
             <a:r>
-              <a:rPr lang="it-IT" sz="1400" dirty="0" smtClean="0">
+              <a:rPr lang="it-IT" sz="1400" noProof="1" smtClean="0">
                 <a:solidFill>
                   <a:schemeClr val="bg2">
                     <a:lumMod val="25000"/>
@@ -8410,7 +7976,7 @@
               </a:rPr>
               <a:t>}</a:t>
             </a:r>
-            <a:endParaRPr lang="it-IT" sz="1400" dirty="0">
+            <a:endParaRPr lang="it-IT" sz="1400" noProof="1">
               <a:solidFill>
                 <a:schemeClr val="bg2">
                   <a:lumMod val="25000"/>
@@ -8483,7 +8049,7 @@
               <a:defRPr/>
             </a:pPr>
             <a:r>
-              <a:rPr lang="it-IT" sz="2000" dirty="0" smtClean="0">
+              <a:rPr lang="it-IT" sz="2000" noProof="1" smtClean="0">
                 <a:effectLst>
                   <a:outerShdw blurRad="50800" dist="38100" dir="2700000" algn="tl" rotWithShape="0">
                     <a:prstClr val="black">
@@ -8493,31 +8059,8 @@
                 </a:effectLst>
                 <a:cs typeface="Courier New" pitchFamily="49" charset="0"/>
               </a:rPr>
-              <a:t>Login da un programma </a:t>
-            </a:r>
-            <a:r>
-              <a:rPr lang="it-IT" sz="2000" dirty="0" err="1" smtClean="0">
-                <a:effectLst>
-                  <a:outerShdw blurRad="50800" dist="38100" dir="2700000" algn="tl" rotWithShape="0">
-                    <a:prstClr val="black">
-                      <a:alpha val="40000"/>
-                    </a:prstClr>
-                  </a:outerShdw>
-                </a:effectLst>
-                <a:cs typeface="Courier New" pitchFamily="49" charset="0"/>
-              </a:rPr>
-              <a:t>Python</a:t>
-            </a:r>
-            <a:endParaRPr lang="it-IT" sz="2000" dirty="0">
-              <a:effectLst>
-                <a:outerShdw blurRad="50800" dist="38100" dir="2700000" algn="tl" rotWithShape="0">
-                  <a:prstClr val="black">
-                    <a:alpha val="40000"/>
-                  </a:prstClr>
-                </a:outerShdw>
-              </a:effectLst>
-              <a:cs typeface="Courier New" pitchFamily="49" charset="0"/>
-            </a:endParaRPr>
+              <a:t>Login da un programma Python</a:t>
+            </a:r>
           </a:p>
           <a:p>
             <a:pPr marL="1587" lvl="1" indent="0" eaLnBrk="1" hangingPunct="1">
@@ -8567,14 +8110,12 @@
               <a:defRPr/>
             </a:pPr>
             <a:r>
-              <a:rPr lang="it-IT" sz="1400" dirty="0"/>
-              <a:t>import </a:t>
-            </a:r>
-            <a:r>
-              <a:rPr lang="it-IT" sz="1400" dirty="0" err="1" smtClean="0"/>
-              <a:t>shibauth</a:t>
-            </a:r>
-            <a:endParaRPr lang="it-IT" sz="1400" dirty="0" smtClean="0"/>
+              <a:rPr lang="it-IT" sz="1400" noProof="1" smtClean="0">
+                <a:latin typeface="Calibri" pitchFamily="34" charset="0"/>
+                <a:cs typeface="Calibri" pitchFamily="34" charset="0"/>
+              </a:rPr>
+              <a:t>import shibauth</a:t>
+            </a:r>
           </a:p>
           <a:p>
             <a:pPr marL="87313" lvl="1" indent="0" eaLnBrk="1" hangingPunct="1">
@@ -8591,7 +8132,10 @@
               </a:tabLst>
               <a:defRPr/>
             </a:pPr>
-            <a:endParaRPr lang="it-IT" sz="1400" dirty="0"/>
+            <a:endParaRPr lang="it-IT" sz="1400" noProof="1" smtClean="0">
+              <a:latin typeface="Calibri" pitchFamily="34" charset="0"/>
+              <a:cs typeface="Calibri" pitchFamily="34" charset="0"/>
+            </a:endParaRPr>
           </a:p>
           <a:p>
             <a:pPr marL="87313" lvl="1" indent="0" eaLnBrk="1" hangingPunct="1">
@@ -8609,32 +8153,11 @@
               <a:defRPr/>
             </a:pPr>
             <a:r>
-              <a:rPr lang="it-IT" sz="1400" dirty="0" err="1" smtClean="0"/>
-              <a:t>if</a:t>
-            </a:r>
-            <a:r>
-              <a:rPr lang="it-IT" sz="1400" dirty="0" smtClean="0"/>
-              <a:t> </a:t>
-            </a:r>
-            <a:r>
-              <a:rPr lang="it-IT" sz="1400" dirty="0"/>
-              <a:t>__</a:t>
-            </a:r>
-            <a:r>
-              <a:rPr lang="it-IT" sz="1400" dirty="0" err="1"/>
-              <a:t>name</a:t>
-            </a:r>
-            <a:r>
-              <a:rPr lang="it-IT" sz="1400" dirty="0"/>
-              <a:t>__ == "__</a:t>
-            </a:r>
-            <a:r>
-              <a:rPr lang="it-IT" sz="1400" dirty="0" err="1"/>
-              <a:t>main</a:t>
-            </a:r>
-            <a:r>
-              <a:rPr lang="it-IT" sz="1400" dirty="0" smtClean="0"/>
-              <a:t>__":</a:t>
+              <a:rPr lang="it-IT" sz="1400" noProof="1" smtClean="0">
+                <a:latin typeface="Calibri" pitchFamily="34" charset="0"/>
+                <a:cs typeface="Calibri" pitchFamily="34" charset="0"/>
+              </a:rPr>
+              <a:t>if __name__ == "__main__":</a:t>
             </a:r>
           </a:p>
           <a:p>
@@ -8653,44 +8176,11 @@
               <a:defRPr/>
             </a:pPr>
             <a:r>
-              <a:rPr lang="it-IT" sz="1400" dirty="0"/>
-              <a:t> </a:t>
-            </a:r>
-            <a:r>
-              <a:rPr lang="it-IT" sz="1400" dirty="0" smtClean="0"/>
-              <a:t>    username </a:t>
-            </a:r>
-            <a:r>
-              <a:rPr lang="it-IT" sz="1400" dirty="0"/>
-              <a:t>= </a:t>
-            </a:r>
-            <a:r>
-              <a:rPr lang="it-IT" sz="1400" dirty="0" err="1"/>
-              <a:t>raw_input</a:t>
-            </a:r>
-            <a:r>
-              <a:rPr lang="it-IT" sz="1400" dirty="0"/>
-              <a:t>('</a:t>
-            </a:r>
-            <a:r>
-              <a:rPr lang="it-IT" sz="1400" dirty="0" err="1"/>
-              <a:t>Enter</a:t>
-            </a:r>
-            <a:r>
-              <a:rPr lang="it-IT" sz="1400" dirty="0"/>
-              <a:t> </a:t>
-            </a:r>
-            <a:r>
-              <a:rPr lang="it-IT" sz="1400" dirty="0" smtClean="0"/>
-              <a:t>username</a:t>
-            </a:r>
-            <a:r>
-              <a:rPr lang="it-IT" sz="1400" dirty="0"/>
-              <a:t>: </a:t>
-            </a:r>
-            <a:r>
-              <a:rPr lang="it-IT" sz="1400" dirty="0" smtClean="0"/>
-              <a:t>')</a:t>
+              <a:rPr lang="it-IT" sz="1400" noProof="1" smtClean="0">
+                <a:latin typeface="Calibri" pitchFamily="34" charset="0"/>
+                <a:cs typeface="Calibri" pitchFamily="34" charset="0"/>
+              </a:rPr>
+              <a:t>     username = raw_input('Enter username: ')</a:t>
             </a:r>
           </a:p>
           <a:p>
@@ -8709,40 +8199,11 @@
               <a:defRPr/>
             </a:pPr>
             <a:r>
-              <a:rPr lang="it-IT" sz="1400" dirty="0" smtClean="0"/>
-              <a:t>     password </a:t>
-            </a:r>
-            <a:r>
-              <a:rPr lang="it-IT" sz="1400" dirty="0"/>
-              <a:t>= </a:t>
-            </a:r>
-            <a:r>
-              <a:rPr lang="it-IT" sz="1400" dirty="0" err="1"/>
-              <a:t>getpass.getpass</a:t>
-            </a:r>
-            <a:r>
-              <a:rPr lang="it-IT" sz="1400" dirty="0"/>
-              <a:t>('</a:t>
-            </a:r>
-            <a:r>
-              <a:rPr lang="it-IT" sz="1400" dirty="0" err="1"/>
-              <a:t>Enter</a:t>
-            </a:r>
-            <a:r>
-              <a:rPr lang="it-IT" sz="1400" dirty="0"/>
-              <a:t> </a:t>
-            </a:r>
-            <a:r>
-              <a:rPr lang="it-IT" sz="1400" dirty="0" smtClean="0"/>
-              <a:t>password</a:t>
-            </a:r>
-            <a:r>
-              <a:rPr lang="it-IT" sz="1400" dirty="0"/>
-              <a:t>: </a:t>
-            </a:r>
-            <a:r>
-              <a:rPr lang="it-IT" sz="1400" dirty="0" smtClean="0"/>
-              <a:t>')</a:t>
+              <a:rPr lang="it-IT" sz="1400" noProof="1" smtClean="0">
+                <a:latin typeface="Calibri" pitchFamily="34" charset="0"/>
+                <a:cs typeface="Calibri" pitchFamily="34" charset="0"/>
+              </a:rPr>
+              <a:t>     password = getpass.getpass('Enter password: ')</a:t>
             </a:r>
           </a:p>
           <a:p>
@@ -8761,20 +8222,11 @@
               <a:defRPr/>
             </a:pPr>
             <a:r>
-              <a:rPr lang="it-IT" sz="1400" dirty="0"/>
-              <a:t> </a:t>
-            </a:r>
-            <a:r>
-              <a:rPr lang="it-IT" sz="1400" dirty="0" smtClean="0"/>
-              <a:t>    </a:t>
-            </a:r>
-            <a:r>
-              <a:rPr lang="it-IT" sz="1400" dirty="0" err="1" smtClean="0"/>
-              <a:t>try</a:t>
-            </a:r>
-            <a:r>
-              <a:rPr lang="it-IT" sz="1400" dirty="0" smtClean="0"/>
-              <a:t>:</a:t>
+              <a:rPr lang="it-IT" sz="1400" noProof="1" smtClean="0">
+                <a:latin typeface="Calibri" pitchFamily="34" charset="0"/>
+                <a:cs typeface="Calibri" pitchFamily="34" charset="0"/>
+              </a:rPr>
+              <a:t>     try:</a:t>
             </a:r>
           </a:p>
           <a:p>
@@ -8793,36 +8245,11 @@
               <a:defRPr/>
             </a:pPr>
             <a:r>
-              <a:rPr lang="it-IT" sz="1400" dirty="0"/>
-              <a:t> </a:t>
-            </a:r>
-            <a:r>
-              <a:rPr lang="it-IT" sz="1400" dirty="0" smtClean="0"/>
-              <a:t>         </a:t>
-            </a:r>
-            <a:r>
-              <a:rPr lang="it-IT" sz="1400" dirty="0" err="1" smtClean="0"/>
-              <a:t>loggeduser</a:t>
-            </a:r>
-            <a:r>
-              <a:rPr lang="it-IT" sz="1400" dirty="0"/>
-              <a:t>, session = 	</a:t>
-            </a:r>
-            <a:r>
-              <a:rPr lang="it-IT" sz="1400" dirty="0" err="1" smtClean="0"/>
-              <a:t>shibauth.login</a:t>
-            </a:r>
-            <a:r>
-              <a:rPr lang="it-IT" sz="1400" dirty="0" smtClean="0"/>
-              <a:t>(username</a:t>
-            </a:r>
-            <a:r>
-              <a:rPr lang="it-IT" sz="1400" dirty="0"/>
-              <a:t>, </a:t>
-            </a:r>
-            <a:r>
-              <a:rPr lang="it-IT" sz="1400" dirty="0" smtClean="0"/>
-              <a:t>password)</a:t>
+              <a:rPr lang="it-IT" sz="1400" noProof="1" smtClean="0">
+                <a:latin typeface="Calibri" pitchFamily="34" charset="0"/>
+                <a:cs typeface="Calibri" pitchFamily="34" charset="0"/>
+              </a:rPr>
+              <a:t>          loggeduser, session = 	shibauth.login(username, password)</a:t>
             </a:r>
           </a:p>
           <a:p>
@@ -8841,40 +8268,11 @@
               <a:defRPr/>
             </a:pPr>
             <a:r>
-              <a:rPr lang="it-IT" sz="1400" dirty="0"/>
-              <a:t> </a:t>
-            </a:r>
-            <a:r>
-              <a:rPr lang="it-IT" sz="1400" dirty="0" smtClean="0"/>
-              <a:t>         </a:t>
-            </a:r>
-            <a:r>
-              <a:rPr lang="it-IT" sz="1400" dirty="0" err="1" smtClean="0"/>
-              <a:t>print</a:t>
-            </a:r>
-            <a:r>
-              <a:rPr lang="it-IT" sz="1400" dirty="0" smtClean="0"/>
-              <a:t> </a:t>
-            </a:r>
-            <a:r>
-              <a:rPr lang="it-IT" sz="1400" dirty="0"/>
-              <a:t>"User </a:t>
-            </a:r>
-            <a:r>
-              <a:rPr lang="it-IT" sz="1400" dirty="0" err="1"/>
-              <a:t>logged</a:t>
-            </a:r>
-            <a:r>
-              <a:rPr lang="it-IT" sz="1400" dirty="0"/>
-              <a:t> in </a:t>
-            </a:r>
-            <a:r>
-              <a:rPr lang="it-IT" sz="1400" dirty="0" err="1"/>
-              <a:t>successfully</a:t>
-            </a:r>
-            <a:r>
-              <a:rPr lang="it-IT" sz="1400" dirty="0" smtClean="0"/>
-              <a:t>."</a:t>
+              <a:rPr lang="it-IT" sz="1400" noProof="1" smtClean="0">
+                <a:latin typeface="Calibri" pitchFamily="34" charset="0"/>
+                <a:cs typeface="Calibri" pitchFamily="34" charset="0"/>
+              </a:rPr>
+              <a:t>          print "User logged in successfully."</a:t>
             </a:r>
           </a:p>
           <a:p>
@@ -8893,32 +8291,11 @@
               <a:defRPr/>
             </a:pPr>
             <a:r>
-              <a:rPr lang="it-IT" sz="1400" dirty="0"/>
-              <a:t> </a:t>
-            </a:r>
-            <a:r>
-              <a:rPr lang="it-IT" sz="1400" dirty="0" smtClean="0"/>
-              <a:t>    </a:t>
-            </a:r>
-            <a:r>
-              <a:rPr lang="it-IT" sz="1400" dirty="0" err="1" smtClean="0"/>
-              <a:t>except</a:t>
-            </a:r>
-            <a:r>
-              <a:rPr lang="it-IT" sz="1400" dirty="0" smtClean="0"/>
-              <a:t> </a:t>
-            </a:r>
-            <a:r>
-              <a:rPr lang="it-IT" sz="1400" dirty="0" err="1"/>
-              <a:t>Exception</a:t>
-            </a:r>
-            <a:r>
-              <a:rPr lang="it-IT" sz="1400" dirty="0"/>
-              <a:t>, </a:t>
-            </a:r>
-            <a:r>
-              <a:rPr lang="it-IT" sz="1400" dirty="0" smtClean="0"/>
-              <a:t>e:</a:t>
+              <a:rPr lang="it-IT" sz="1400" noProof="1" smtClean="0">
+                <a:latin typeface="Calibri" pitchFamily="34" charset="0"/>
+                <a:cs typeface="Calibri" pitchFamily="34" charset="0"/>
+              </a:rPr>
+              <a:t>     except Exception, e:</a:t>
             </a:r>
           </a:p>
           <a:p>
@@ -8937,50 +8314,13 @@
               <a:defRPr/>
             </a:pPr>
             <a:r>
-              <a:rPr lang="it-IT" sz="1400" dirty="0"/>
-              <a:t> </a:t>
-            </a:r>
-            <a:r>
-              <a:rPr lang="it-IT" sz="1400" dirty="0" smtClean="0"/>
-              <a:t>         </a:t>
-            </a:r>
-            <a:r>
-              <a:rPr lang="it-IT" sz="1400" dirty="0" err="1" smtClean="0"/>
-              <a:t>print</a:t>
-            </a:r>
-            <a:r>
-              <a:rPr lang="it-IT" sz="1400" dirty="0" smtClean="0"/>
-              <a:t> </a:t>
-            </a:r>
-            <a:r>
-              <a:rPr lang="it-IT" sz="1400" dirty="0"/>
-              <a:t>"</a:t>
-            </a:r>
-            <a:r>
-              <a:rPr lang="it-IT" sz="1400" dirty="0" err="1"/>
-              <a:t>Error</a:t>
-            </a:r>
-            <a:r>
-              <a:rPr lang="it-IT" sz="1400" dirty="0"/>
-              <a:t> </a:t>
-            </a:r>
-            <a:r>
-              <a:rPr lang="it-IT" sz="1400" dirty="0" err="1"/>
-              <a:t>logging</a:t>
-            </a:r>
-            <a:r>
-              <a:rPr lang="it-IT" sz="1400" dirty="0"/>
-              <a:t> in </a:t>
-            </a:r>
-            <a:r>
-              <a:rPr lang="it-IT" sz="1400" dirty="0" err="1"/>
-              <a:t>user</a:t>
-            </a:r>
-            <a:r>
-              <a:rPr lang="it-IT" sz="1400" dirty="0"/>
-              <a:t>: %s" % e</a:t>
-            </a:r>
-            <a:endParaRPr lang="it-IT" sz="1400" dirty="0">
+              <a:rPr lang="it-IT" sz="1400" noProof="1" smtClean="0">
+                <a:latin typeface="Calibri" pitchFamily="34" charset="0"/>
+                <a:cs typeface="Calibri" pitchFamily="34" charset="0"/>
+              </a:rPr>
+              <a:t>          print "Error logging in user: %s" % e</a:t>
+            </a:r>
+            <a:endParaRPr lang="it-IT" sz="1400" noProof="1">
               <a:solidFill>
                 <a:schemeClr val="bg2">
                   <a:lumMod val="25000"/>
@@ -9135,7 +8475,7 @@
               <a:t>login as: </a:t>
             </a:r>
             <a:r>
-              <a:rPr lang="en-US" sz="1400" dirty="0" err="1">
+              <a:rPr lang="en-US" sz="1400" noProof="1" smtClean="0">
                 <a:solidFill>
                   <a:schemeClr val="bg2">
                     <a:lumMod val="25000"/>
@@ -9146,15 +8486,6 @@
               </a:rPr>
               <a:t>andrea</a:t>
             </a:r>
-            <a:endParaRPr lang="en-US" sz="1400" dirty="0">
-              <a:solidFill>
-                <a:schemeClr val="bg2">
-                  <a:lumMod val="25000"/>
-                </a:schemeClr>
-              </a:solidFill>
-              <a:latin typeface="Calibri" pitchFamily="34" charset="0"/>
-              <a:cs typeface="Calibri" pitchFamily="34" charset="0"/>
-            </a:endParaRPr>
           </a:p>
           <a:p>
             <a:pPr marL="87313" lvl="1" indent="0" eaLnBrk="1" hangingPunct="1">
@@ -9277,7 +8608,7 @@
               <a:t>[andrea@cloud-mi-03 ~]$ </a:t>
             </a:r>
             <a:r>
-              <a:rPr lang="en-US" sz="1400" dirty="0" err="1" smtClean="0">
+              <a:rPr lang="en-US" sz="1400" dirty="0" smtClean="0">
                 <a:solidFill>
                   <a:schemeClr val="bg2">
                     <a:lumMod val="25000"/>
@@ -9301,18 +8632,6 @@
               <a:t> | </a:t>
             </a:r>
             <a:r>
-              <a:rPr lang="en-US" sz="1400" dirty="0" err="1">
-                <a:solidFill>
-                  <a:schemeClr val="bg2">
-                    <a:lumMod val="25000"/>
-                  </a:schemeClr>
-                </a:solidFill>
-                <a:latin typeface="Calibri" pitchFamily="34" charset="0"/>
-                <a:cs typeface="Calibri" pitchFamily="34" charset="0"/>
-              </a:rPr>
-              <a:t>grep</a:t>
-            </a:r>
-            <a:r>
               <a:rPr lang="en-US" sz="1400" dirty="0">
                 <a:solidFill>
                   <a:schemeClr val="bg2">
@@ -9322,10 +8641,22 @@
                 <a:latin typeface="Calibri" pitchFamily="34" charset="0"/>
                 <a:cs typeface="Calibri" pitchFamily="34" charset="0"/>
               </a:rPr>
+              <a:t>grep</a:t>
+            </a:r>
+            <a:r>
+              <a:rPr lang="en-US" sz="1400" dirty="0">
+                <a:solidFill>
+                  <a:schemeClr val="bg2">
+                    <a:lumMod val="25000"/>
+                  </a:schemeClr>
+                </a:solidFill>
+                <a:latin typeface="Calibri" pitchFamily="34" charset="0"/>
+                <a:cs typeface="Calibri" pitchFamily="34" charset="0"/>
+              </a:rPr>
               <a:t> </a:t>
             </a:r>
             <a:r>
-              <a:rPr lang="en-US" sz="1400" dirty="0" err="1">
+              <a:rPr lang="en-US" sz="1400" dirty="0">
                 <a:solidFill>
                   <a:schemeClr val="bg2">
                     <a:lumMod val="25000"/>
@@ -9359,7 +8690,7 @@
               <a:defRPr/>
             </a:pPr>
             <a:r>
-              <a:rPr lang="en-US" sz="1400" dirty="0" err="1">
+              <a:rPr lang="en-US" sz="1400" dirty="0">
                 <a:solidFill>
                   <a:schemeClr val="bg2">
                     <a:lumMod val="25000"/>
@@ -9396,7 +8727,7 @@
               <a:defRPr/>
             </a:pPr>
             <a:r>
-              <a:rPr lang="en-US" sz="1400" dirty="0" err="1">
+              <a:rPr lang="en-US" sz="1400" dirty="0">
                 <a:solidFill>
                   <a:schemeClr val="bg2">
                     <a:lumMod val="25000"/>
@@ -9433,7 +8764,7 @@
               <a:defRPr/>
             </a:pPr>
             <a:r>
-              <a:rPr lang="en-US" sz="1400" dirty="0" err="1">
+              <a:rPr lang="en-US" sz="1400" dirty="0">
                 <a:solidFill>
                   <a:schemeClr val="bg2">
                     <a:lumMod val="25000"/>
@@ -9470,7 +8801,7 @@
               <a:defRPr/>
             </a:pPr>
             <a:r>
-              <a:rPr lang="en-US" sz="1400" dirty="0" err="1" smtClean="0">
+              <a:rPr lang="en-US" sz="1400" dirty="0" smtClean="0">
                 <a:solidFill>
                   <a:schemeClr val="bg2">
                     <a:lumMod val="25000"/>
@@ -9516,7 +8847,7 @@
               <a:defRPr/>
             </a:pPr>
             <a:r>
-              <a:rPr lang="en-US" sz="1400" dirty="0" err="1">
+              <a:rPr lang="en-US" sz="1400" dirty="0">
                 <a:solidFill>
                   <a:schemeClr val="bg2">
                     <a:lumMod val="25000"/>
@@ -9553,7 +8884,7 @@
               <a:defRPr/>
             </a:pPr>
             <a:r>
-              <a:rPr lang="en-US" sz="1400" dirty="0" err="1">
+              <a:rPr lang="en-US" sz="1400" dirty="0">
                 <a:solidFill>
                   <a:schemeClr val="bg2">
                     <a:lumMod val="25000"/>
@@ -9590,7 +8921,7 @@
               <a:defRPr/>
             </a:pPr>
             <a:r>
-              <a:rPr lang="en-US" sz="1400" dirty="0" err="1">
+              <a:rPr lang="en-US" sz="1400" dirty="0">
                 <a:solidFill>
                   <a:schemeClr val="bg2">
                     <a:lumMod val="25000"/>
@@ -9627,7 +8958,7 @@
               <a:defRPr/>
             </a:pPr>
             <a:r>
-              <a:rPr lang="en-US" sz="1400" dirty="0" err="1">
+              <a:rPr lang="en-US" sz="1400" dirty="0">
                 <a:solidFill>
                   <a:schemeClr val="bg2">
                     <a:lumMod val="25000"/>
@@ -11155,7 +10486,7 @@
           <a:graphicData uri="http://schemas.openxmlformats.org/presentationml/2006/ole">
             <mc:AlternateContent xmlns:mc="http://schemas.openxmlformats.org/markup-compatibility/2006">
               <mc:Choice xmlns:v="urn:schemas-microsoft-com:vml" Requires="v">
-                <p:oleObj spid="_x0000_s3083" name="Visio" r:id="rId4" imgW="5284611" imgH="3772440" progId="Visio.Drawing.11">
+                <p:oleObj spid="_x0000_s3084" name="Visio" r:id="rId4" imgW="5284611" imgH="3772440" progId="Visio.Drawing.11">
                   <p:embed/>
                 </p:oleObj>
               </mc:Choice>
@@ -12029,7 +11360,7 @@
           <a:graphicData uri="http://schemas.openxmlformats.org/presentationml/2006/ole">
             <mc:AlternateContent xmlns:mc="http://schemas.openxmlformats.org/markup-compatibility/2006">
               <mc:Choice xmlns:v="urn:schemas-microsoft-com:vml" Requires="v">
-                <p:oleObj spid="_x0000_s4106" name="Visio" r:id="rId4" imgW="5068504" imgH="3466560" progId="Visio.Drawing.11">
+                <p:oleObj spid="_x0000_s4107" name="Visio" r:id="rId4" imgW="5068504" imgH="3466560" progId="Visio.Drawing.11">
                   <p:embed/>
                 </p:oleObj>
               </mc:Choice>

--- a/ShibbolethExtensions.pptx
+++ b/ShibbolethExtensions.pptx
@@ -24,8 +24,8 @@
     <p:sldId id="359" r:id="rId12"/>
     <p:sldId id="360" r:id="rId13"/>
     <p:sldId id="361" r:id="rId14"/>
-    <p:sldId id="362" r:id="rId15"/>
-    <p:sldId id="363" r:id="rId16"/>
+    <p:sldId id="369" r:id="rId15"/>
+    <p:sldId id="362" r:id="rId16"/>
     <p:sldId id="365" r:id="rId17"/>
     <p:sldId id="364" r:id="rId18"/>
     <p:sldId id="366" r:id="rId19"/>
@@ -388,7 +388,7 @@
     </p:spTree>
     <p:extLst>
       <p:ext uri="{BB962C8B-B14F-4D97-AF65-F5344CB8AC3E}">
-        <p14:creationId xmlns:p14="http://schemas.microsoft.com/office/powerpoint/2010/main" val="567522735"/>
+        <p14:creationId xmlns:p14="http://schemas.microsoft.com/office/powerpoint/2010/main" xmlns="" val="567522735"/>
       </p:ext>
     </p:extLst>
   </p:cSld>
@@ -723,7 +723,7 @@
     </p:spTree>
     <p:extLst>
       <p:ext uri="{BB962C8B-B14F-4D97-AF65-F5344CB8AC3E}">
-        <p14:creationId xmlns:p14="http://schemas.microsoft.com/office/powerpoint/2010/main" val="396828337"/>
+        <p14:creationId xmlns:p14="http://schemas.microsoft.com/office/powerpoint/2010/main" xmlns="" val="396828337"/>
       </p:ext>
     </p:extLst>
   </p:cSld>
@@ -2743,7 +2743,7 @@
           <a:blip r:embed="rId2">
             <a:extLst>
               <a:ext uri="{28A0092B-C50C-407E-A947-70E740481C1C}">
-                <a14:useLocalDpi xmlns:a14="http://schemas.microsoft.com/office/drawing/2010/main" val="0"/>
+                <a14:useLocalDpi xmlns:a14="http://schemas.microsoft.com/office/drawing/2010/main" xmlns="" val="0"/>
               </a:ext>
             </a:extLst>
           </a:blip>
@@ -2885,7 +2885,7 @@
             <a:blip r:embed="rId3">
               <a:extLst>
                 <a:ext uri="{28A0092B-C50C-407E-A947-70E740481C1C}">
-                  <a14:useLocalDpi xmlns:a14="http://schemas.microsoft.com/office/drawing/2010/main" val="0"/>
+                  <a14:useLocalDpi xmlns:a14="http://schemas.microsoft.com/office/drawing/2010/main" xmlns="" val="0"/>
                 </a:ext>
               </a:extLst>
             </a:blip>
@@ -4987,7 +4987,7 @@
           <a:blip r:embed="rId15">
             <a:extLst>
               <a:ext uri="{28A0092B-C50C-407E-A947-70E740481C1C}">
-                <a14:useLocalDpi xmlns:a14="http://schemas.microsoft.com/office/drawing/2010/main" val="0"/>
+                <a14:useLocalDpi xmlns:a14="http://schemas.microsoft.com/office/drawing/2010/main" xmlns="" val="0"/>
               </a:ext>
             </a:extLst>
           </a:blip>
@@ -5025,7 +5025,7 @@
           <a:blip r:embed="rId16">
             <a:extLst>
               <a:ext uri="{28A0092B-C50C-407E-A947-70E740481C1C}">
-                <a14:useLocalDpi xmlns:a14="http://schemas.microsoft.com/office/drawing/2010/main" val="0"/>
+                <a14:useLocalDpi xmlns:a14="http://schemas.microsoft.com/office/drawing/2010/main" xmlns="" val="0"/>
               </a:ext>
             </a:extLst>
           </a:blip>
@@ -5977,7 +5977,19 @@
               <a:rPr lang="en-US" sz="1600" kern="0" dirty="0">
                 <a:latin typeface="+mn-lt"/>
               </a:rPr>
-              <a:t> (GARR)</a:t>
+              <a:t> </a:t>
+            </a:r>
+            <a:r>
+              <a:rPr lang="en-US" sz="1600" kern="0" dirty="0" smtClean="0">
+                <a:latin typeface="+mn-lt"/>
+              </a:rPr>
+              <a:t>(Consortium GARR</a:t>
+            </a:r>
+            <a:r>
+              <a:rPr lang="en-US" sz="1600" kern="0" dirty="0">
+                <a:latin typeface="+mn-lt"/>
+              </a:rPr>
+              <a:t>)</a:t>
             </a:r>
           </a:p>
         </p:txBody>
@@ -6125,7 +6137,7 @@
           <p:nvPr>
             <p:extLst>
               <p:ext uri="{D42A27DB-BD31-4B8C-83A1-F6EECF244321}">
-                <p14:modId xmlns:p14="http://schemas.microsoft.com/office/powerpoint/2010/main" val="2716706697"/>
+                <p14:modId xmlns:p14="http://schemas.microsoft.com/office/powerpoint/2010/main" xmlns="" val="2716706697"/>
               </p:ext>
             </p:extLst>
           </p:nvPr>
@@ -6136,73 +6148,16 @@
         </p:xfrm>
         <a:graphic>
           <a:graphicData uri="http://schemas.openxmlformats.org/presentationml/2006/ole">
-            <mc:AlternateContent xmlns:mc="http://schemas.openxmlformats.org/markup-compatibility/2006">
-              <mc:Choice xmlns:v="urn:schemas-microsoft-com:vml" Requires="v">
-                <p:oleObj spid="_x0000_s4108" name="Visio" r:id="rId4" imgW="5068504" imgH="3466560" progId="Visio.Drawing.11">
-                  <p:embed/>
-                </p:oleObj>
-              </mc:Choice>
-              <mc:Fallback>
-                <p:oleObj name="Visio" r:id="rId4" imgW="5068504" imgH="3466560" progId="Visio.Drawing.11">
-                  <p:embed/>
-                  <p:pic>
-                    <p:nvPicPr>
-                      <p:cNvPr id="0" name="Object 2"/>
-                      <p:cNvPicPr>
-                        <a:picLocks noChangeAspect="1" noChangeArrowheads="1"/>
-                      </p:cNvPicPr>
-                      <p:nvPr/>
-                    </p:nvPicPr>
-                    <p:blipFill>
-                      <a:blip r:embed="rId5"/>
-                      <a:srcRect/>
-                      <a:stretch>
-                        <a:fillRect/>
-                      </a:stretch>
-                    </p:blipFill>
-                    <p:spPr bwMode="auto">
-                      <a:xfrm>
-                        <a:off x="1246188" y="1225923"/>
-                        <a:ext cx="6718300" cy="4597400"/>
-                      </a:xfrm>
-                      <a:prstGeom prst="rect">
-                        <a:avLst/>
-                      </a:prstGeom>
-                      <a:noFill/>
-                      <a:ln>
-                        <a:noFill/>
-                      </a:ln>
-                      <a:extLst>
-                        <a:ext uri="{909E8E84-426E-40DD-AFC4-6F175D3DCCD1}">
-                          <a14:hiddenFill xmlns:a14="http://schemas.microsoft.com/office/drawing/2010/main">
-                            <a:solidFill>
-                              <a:srgbClr val="FFFFFF"/>
-                            </a:solidFill>
-                          </a14:hiddenFill>
-                        </a:ext>
-                        <a:ext uri="{91240B29-F687-4F45-9708-019B960494DF}">
-                          <a14:hiddenLine xmlns:a14="http://schemas.microsoft.com/office/drawing/2010/main" w="9525">
-                            <a:solidFill>
-                              <a:srgbClr val="000000"/>
-                            </a:solidFill>
-                            <a:miter lim="800000"/>
-                            <a:headEnd/>
-                            <a:tailEnd/>
-                          </a14:hiddenLine>
-                        </a:ext>
-                      </a:extLst>
-                    </p:spPr>
-                  </p:pic>
-                </p:oleObj>
-              </mc:Fallback>
-            </mc:AlternateContent>
+            <p:oleObj spid="_x0000_s4108" name="Visio" r:id="rId4" imgW="5068504" imgH="3466560" progId="">
+              <p:embed/>
+            </p:oleObj>
           </a:graphicData>
         </a:graphic>
       </p:graphicFrame>
     </p:spTree>
     <p:extLst>
       <p:ext uri="{BB962C8B-B14F-4D97-AF65-F5344CB8AC3E}">
-        <p14:creationId xmlns:p14="http://schemas.microsoft.com/office/powerpoint/2010/main" val="777351612"/>
+        <p14:creationId xmlns:p14="http://schemas.microsoft.com/office/powerpoint/2010/main" xmlns="" val="777351612"/>
       </p:ext>
     </p:extLst>
   </p:cSld>
@@ -6511,7 +6466,7 @@
     </p:spTree>
     <p:extLst>
       <p:ext uri="{BB962C8B-B14F-4D97-AF65-F5344CB8AC3E}">
-        <p14:creationId xmlns:p14="http://schemas.microsoft.com/office/powerpoint/2010/main" val="1358599493"/>
+        <p14:creationId xmlns:p14="http://schemas.microsoft.com/office/powerpoint/2010/main" xmlns="" val="1358599493"/>
       </p:ext>
     </p:extLst>
   </p:cSld>
@@ -6790,8 +6745,17 @@
               <a:rPr lang="it-IT" sz="2000" dirty="0" smtClean="0">
                 <a:latin typeface="Calibri" pitchFamily="34" charset="0"/>
               </a:rPr>
-              <a:t>uniformità d’accesso e di gestione dei metadati</a:t>
-            </a:r>
+              <a:t>uniformità d’accesso e di gestione </a:t>
+            </a:r>
+            <a:r>
+              <a:rPr lang="it-IT" sz="2000" dirty="0" smtClean="0">
+                <a:latin typeface="Calibri" pitchFamily="34" charset="0"/>
+              </a:rPr>
+              <a:t>degli attributi utente</a:t>
+            </a:r>
+            <a:endParaRPr lang="it-IT" sz="2000" dirty="0" smtClean="0">
+              <a:latin typeface="Calibri" pitchFamily="34" charset="0"/>
+            </a:endParaRPr>
           </a:p>
           <a:p>
             <a:pPr marL="630238" lvl="1" eaLnBrk="1" hangingPunct="1">
@@ -6831,7 +6795,7 @@
     </p:spTree>
     <p:extLst>
       <p:ext uri="{BB962C8B-B14F-4D97-AF65-F5344CB8AC3E}">
-        <p14:creationId xmlns:p14="http://schemas.microsoft.com/office/powerpoint/2010/main" val="1228264753"/>
+        <p14:creationId xmlns:p14="http://schemas.microsoft.com/office/powerpoint/2010/main" xmlns="" val="1228264753"/>
       </p:ext>
     </p:extLst>
   </p:cSld>
@@ -7198,8 +7162,65 @@
               <a:rPr lang="it-IT" sz="2400" dirty="0" smtClean="0">
                 <a:latin typeface="Calibri" pitchFamily="34" charset="0"/>
               </a:rPr>
-              <a:t>federazione (e quindi non bastano interventi solo lato SP).</a:t>
-            </a:r>
+              <a:t>federazione </a:t>
+            </a:r>
+            <a:r>
+              <a:rPr lang="it-IT" sz="2400" dirty="0" smtClean="0">
+                <a:latin typeface="Calibri" pitchFamily="34" charset="0"/>
+              </a:rPr>
+              <a:t>(peraltro il codice realizzato funziona solo sugli </a:t>
+            </a:r>
+            <a:r>
+              <a:rPr lang="it-IT" sz="2400" dirty="0" err="1" smtClean="0">
+                <a:latin typeface="Calibri" pitchFamily="34" charset="0"/>
+              </a:rPr>
+              <a:t>IdP</a:t>
+            </a:r>
+            <a:r>
+              <a:rPr lang="it-IT" sz="2400" dirty="0" smtClean="0">
+                <a:latin typeface="Calibri" pitchFamily="34" charset="0"/>
+              </a:rPr>
+              <a:t> che utilizzano il software </a:t>
+            </a:r>
+            <a:r>
+              <a:rPr lang="it-IT" sz="2400" dirty="0" err="1" smtClean="0">
+                <a:latin typeface="Calibri" pitchFamily="34" charset="0"/>
+              </a:rPr>
+              <a:t>Shibboleht</a:t>
+            </a:r>
+            <a:r>
+              <a:rPr lang="it-IT" sz="2400" dirty="0" smtClean="0">
+                <a:latin typeface="Calibri" pitchFamily="34" charset="0"/>
+              </a:rPr>
+              <a:t> sviluppato da Internet2).</a:t>
+            </a:r>
+          </a:p>
+          <a:p>
+            <a:pPr lvl="1" eaLnBrk="1" hangingPunct="1">
+              <a:spcBef>
+                <a:spcPct val="0"/>
+              </a:spcBef>
+              <a:spcAft>
+                <a:spcPct val="20000"/>
+              </a:spcAft>
+              <a:buSzPct val="60000"/>
+              <a:defRPr/>
+            </a:pPr>
+            <a:endParaRPr lang="it-IT" sz="2400" dirty="0" smtClean="0">
+              <a:latin typeface="Calibri" pitchFamily="34" charset="0"/>
+            </a:endParaRPr>
+          </a:p>
+          <a:p>
+            <a:pPr lvl="1" eaLnBrk="1" hangingPunct="1">
+              <a:spcBef>
+                <a:spcPct val="0"/>
+              </a:spcBef>
+              <a:spcAft>
+                <a:spcPct val="20000"/>
+              </a:spcAft>
+              <a:buSzPct val="60000"/>
+              <a:defRPr/>
+            </a:pPr>
             <a:endParaRPr lang="it-IT" sz="2400" dirty="0">
               <a:latin typeface="Calibri" pitchFamily="34" charset="0"/>
             </a:endParaRPr>
@@ -7209,7 +7230,7 @@
     </p:spTree>
     <p:extLst>
       <p:ext uri="{BB962C8B-B14F-4D97-AF65-F5344CB8AC3E}">
-        <p14:creationId xmlns:p14="http://schemas.microsoft.com/office/powerpoint/2010/main" val="4181381060"/>
+        <p14:creationId xmlns:p14="http://schemas.microsoft.com/office/powerpoint/2010/main" xmlns="" val="4181381060"/>
       </p:ext>
     </p:extLst>
   </p:cSld>
@@ -7268,14 +7289,86 @@
           <a:p>
             <a:pPr eaLnBrk="1" hangingPunct="1"/>
             <a:r>
-              <a:rPr lang="it-IT" sz="2800" b="0" smtClean="0">
+              <a:rPr lang="en-GB" sz="2800" b="0" dirty="0">
                 <a:latin typeface="Arial Unicode MS"/>
                 <a:ea typeface="Arial Unicode MS"/>
                 <a:cs typeface="Arial Unicode MS"/>
               </a:rPr>
-              <a:t>Conclusioni</a:t>
-            </a:r>
-            <a:endParaRPr lang="it-IT" sz="2800" b="0" smtClean="0">
+              <a:t>① </a:t>
+            </a:r>
+            <a:r>
+              <a:rPr lang="en-GB" sz="1800" b="0" dirty="0" smtClean="0">
+                <a:latin typeface="Arial Unicode MS"/>
+                <a:ea typeface="Arial Unicode MS"/>
+                <a:cs typeface="Arial Unicode MS"/>
+              </a:rPr>
+              <a:t>+</a:t>
+            </a:r>
+            <a:r>
+              <a:rPr lang="en-GB" sz="2800" b="0" dirty="0" smtClean="0">
+                <a:latin typeface="Arial Unicode MS"/>
+                <a:ea typeface="Arial Unicode MS"/>
+                <a:cs typeface="Arial Unicode MS"/>
+              </a:rPr>
+              <a:t> ②</a:t>
+            </a:r>
+            <a:r>
+              <a:rPr lang="en-GB" sz="2800" b="0" dirty="0">
+                <a:latin typeface="Arial Unicode MS"/>
+                <a:ea typeface="Arial Unicode MS"/>
+                <a:cs typeface="Arial Unicode MS"/>
+              </a:rPr>
+              <a:t> </a:t>
+            </a:r>
+            <a:r>
+              <a:rPr lang="en-GB" sz="1800" b="0" dirty="0">
+                <a:latin typeface="Arial Unicode MS"/>
+                <a:ea typeface="Arial Unicode MS"/>
+                <a:cs typeface="Arial Unicode MS"/>
+              </a:rPr>
+              <a:t>+</a:t>
+            </a:r>
+            <a:r>
+              <a:rPr lang="en-GB" sz="2800" b="0" dirty="0">
+                <a:latin typeface="Arial Unicode MS"/>
+                <a:ea typeface="Arial Unicode MS"/>
+                <a:cs typeface="Arial Unicode MS"/>
+              </a:rPr>
+              <a:t> </a:t>
+            </a:r>
+            <a:r>
+              <a:rPr lang="en-GB" sz="2800" b="0" dirty="0" smtClean="0">
+                <a:latin typeface="Arial Unicode MS"/>
+                <a:ea typeface="Arial Unicode MS"/>
+                <a:cs typeface="Arial Unicode MS"/>
+              </a:rPr>
+              <a:t>③ </a:t>
+            </a:r>
+            <a:r>
+              <a:rPr lang="en-GB" sz="2800" b="0" dirty="0" err="1" smtClean="0">
+                <a:latin typeface="Arial Unicode MS"/>
+                <a:ea typeface="Arial Unicode MS"/>
+                <a:cs typeface="Arial Unicode MS"/>
+              </a:rPr>
+              <a:t>Problemi</a:t>
+            </a:r>
+            <a:r>
+              <a:rPr lang="en-GB" sz="2800" b="0" dirty="0" smtClean="0">
+                <a:latin typeface="Arial Unicode MS"/>
+                <a:ea typeface="Arial Unicode MS"/>
+                <a:cs typeface="Arial Unicode MS"/>
+              </a:rPr>
+              <a:t> </a:t>
+            </a:r>
+            <a:r>
+              <a:rPr lang="en-GB" sz="2800" b="0" dirty="0" err="1" smtClean="0">
+                <a:latin typeface="Arial Unicode MS"/>
+                <a:ea typeface="Arial Unicode MS"/>
+                <a:cs typeface="Arial Unicode MS"/>
+              </a:rPr>
+              <a:t>aperti</a:t>
+            </a:r>
+            <a:endParaRPr lang="en-GB" sz="2800" b="0" dirty="0" smtClean="0">
               <a:latin typeface="Calibri" pitchFamily="34" charset="0"/>
             </a:endParaRPr>
           </a:p>
@@ -7312,10 +7405,24 @@
               <a:defRPr/>
             </a:pPr>
             <a:r>
+              <a:rPr lang="it-IT" sz="2400" dirty="0">
+                <a:latin typeface="Calibri" pitchFamily="34" charset="0"/>
+              </a:rPr>
+              <a:t>Attualmente le estensioni </a:t>
+            </a:r>
+            <a:r>
               <a:rPr lang="it-IT" sz="2400" dirty="0" smtClean="0">
-                <a:latin typeface="Calibri" pitchFamily="34" charset="0"/>
-              </a:rPr>
-              <a:t>L’estensione </a:t>
+                <a:latin typeface="Arial Unicode MS"/>
+                <a:ea typeface="Arial Unicode MS"/>
+                <a:cs typeface="Arial Unicode MS"/>
+              </a:rPr>
+              <a:t>①</a:t>
+            </a:r>
+            <a:r>
+              <a:rPr lang="it-IT" sz="2400" dirty="0" smtClean="0">
+                <a:latin typeface="Calibri" pitchFamily="34" charset="0"/>
+              </a:rPr>
+              <a:t>, </a:t>
             </a:r>
             <a:r>
               <a:rPr lang="it-IT" sz="2400" dirty="0">
@@ -7323,43 +7430,63 @@
                 <a:ea typeface="Arial Unicode MS"/>
                 <a:cs typeface="Arial Unicode MS"/>
               </a:rPr>
-              <a:t>①</a:t>
+              <a:t>②</a:t>
+            </a:r>
+            <a:r>
+              <a:rPr lang="it-IT" sz="2400" dirty="0">
+                <a:latin typeface="Calibri" pitchFamily="34" charset="0"/>
+              </a:rPr>
+              <a:t> </a:t>
             </a:r>
             <a:r>
               <a:rPr lang="it-IT" sz="2400" dirty="0" smtClean="0">
                 <a:latin typeface="Calibri" pitchFamily="34" charset="0"/>
               </a:rPr>
-              <a:t>, </a:t>
+              <a:t>e </a:t>
+            </a:r>
+            <a:r>
+              <a:rPr lang="it-IT" sz="2400" dirty="0" smtClean="0">
+                <a:latin typeface="Arial Unicode MS"/>
+                <a:ea typeface="Arial Unicode MS"/>
+                <a:cs typeface="Arial Unicode MS"/>
+              </a:rPr>
+              <a:t>③ </a:t>
+            </a:r>
+            <a:r>
+              <a:rPr lang="it-IT" sz="2400" dirty="0" smtClean="0">
+                <a:latin typeface="Calibri" pitchFamily="34" charset="0"/>
+              </a:rPr>
+              <a:t>non </a:t>
             </a:r>
             <a:r>
               <a:rPr lang="it-IT" sz="2400" dirty="0">
                 <a:latin typeface="Calibri" pitchFamily="34" charset="0"/>
               </a:rPr>
-              <a:t>attraverso lo sviluppo di API di autenticazione per applicazioni Java e </a:t>
+              <a:t>supportano il </a:t>
             </a:r>
             <a:r>
               <a:rPr lang="it-IT" sz="2400" dirty="0" err="1">
                 <a:latin typeface="Calibri" pitchFamily="34" charset="0"/>
               </a:rPr>
-              <a:t>Python</a:t>
+              <a:t>discovery</a:t>
             </a:r>
             <a:r>
               <a:rPr lang="it-IT" sz="2400" dirty="0">
                 <a:latin typeface="Calibri" pitchFamily="34" charset="0"/>
               </a:rPr>
-              <a:t>, ha una potenziale ricaduta sull’intera comunità </a:t>
+              <a:t> </a:t>
             </a:r>
             <a:r>
               <a:rPr lang="it-IT" sz="2400" dirty="0" err="1">
                 <a:latin typeface="Calibri" pitchFamily="34" charset="0"/>
               </a:rPr>
-              <a:t>Shibboleth</a:t>
+              <a:t>dell’IdP</a:t>
             </a:r>
             <a:r>
               <a:rPr lang="it-IT" sz="2400" dirty="0">
                 <a:latin typeface="Calibri" pitchFamily="34" charset="0"/>
               </a:rPr>
-              <a:t> (e non solo su IDEM).</a:t>
+              <a:t> tramite WAYF (possibile dopo uno sviluppo lato DS).</a:t>
             </a:r>
           </a:p>
           <a:p>
@@ -7389,10 +7516,16 @@
               <a:defRPr/>
             </a:pPr>
             <a:r>
+              <a:rPr lang="it-IT" sz="2400" dirty="0" smtClean="0">
+                <a:latin typeface="Calibri" pitchFamily="34" charset="0"/>
+              </a:rPr>
+              <a:t>Le </a:t>
+            </a:r>
+            <a:r>
               <a:rPr lang="it-IT" sz="2400" dirty="0">
                 <a:latin typeface="Calibri" pitchFamily="34" charset="0"/>
               </a:rPr>
-              <a:t>Le estensioni </a:t>
+              <a:t>estensioni </a:t>
             </a:r>
             <a:r>
               <a:rPr lang="it-IT" sz="2400" dirty="0">
@@ -7400,13 +7533,13 @@
                 <a:ea typeface="Arial Unicode MS"/>
                 <a:cs typeface="Arial Unicode MS"/>
               </a:rPr>
-              <a:t>②</a:t>
+              <a:t>①</a:t>
             </a:r>
             <a:r>
               <a:rPr lang="it-IT" sz="2400" dirty="0">
                 <a:latin typeface="Calibri" pitchFamily="34" charset="0"/>
               </a:rPr>
-              <a:t> e </a:t>
+              <a:t>, </a:t>
             </a:r>
             <a:r>
               <a:rPr lang="it-IT" sz="2400" dirty="0">
@@ -7414,38 +7547,178 @@
                 <a:ea typeface="Arial Unicode MS"/>
                 <a:cs typeface="Arial Unicode MS"/>
               </a:rPr>
+              <a:t>②</a:t>
+            </a:r>
+            <a:r>
+              <a:rPr lang="it-IT" sz="2400" dirty="0">
+                <a:latin typeface="Calibri" pitchFamily="34" charset="0"/>
+              </a:rPr>
+              <a:t> e </a:t>
+            </a:r>
+            <a:r>
+              <a:rPr lang="it-IT" sz="2400" dirty="0" smtClean="0">
+                <a:latin typeface="Arial Unicode MS"/>
+                <a:ea typeface="Arial Unicode MS"/>
+                <a:cs typeface="Arial Unicode MS"/>
+              </a:rPr>
               <a:t>③ </a:t>
             </a:r>
             <a:r>
               <a:rPr lang="it-IT" sz="2400" dirty="0" smtClean="0">
                 <a:latin typeface="Calibri" pitchFamily="34" charset="0"/>
               </a:rPr>
-              <a:t>sono </a:t>
+              <a:t>necessitano </a:t>
             </a:r>
             <a:r>
               <a:rPr lang="it-IT" sz="2400" dirty="0">
                 <a:latin typeface="Calibri" pitchFamily="34" charset="0"/>
               </a:rPr>
-              <a:t>strettamente necessarie al progetto </a:t>
+              <a:t>di un </a:t>
             </a:r>
             <a:r>
               <a:rPr lang="it-IT" sz="2400" dirty="0" err="1">
                 <a:latin typeface="Calibri" pitchFamily="34" charset="0"/>
               </a:rPr>
-              <a:t>GarrBox</a:t>
+              <a:t>deploy</a:t>
             </a:r>
             <a:r>
               <a:rPr lang="it-IT" sz="2400" dirty="0">
                 <a:latin typeface="Calibri" pitchFamily="34" charset="0"/>
               </a:rPr>
-              <a:t> per realizzare le funzionalità previste negli obiettivi progettuali</a:t>
+              <a:t> (comunque abbastanza semplice) sugli </a:t>
+            </a:r>
+            <a:r>
+              <a:rPr lang="it-IT" sz="2400" dirty="0" err="1">
+                <a:latin typeface="Calibri" pitchFamily="34" charset="0"/>
+              </a:rPr>
+              <a:t>IdP</a:t>
+            </a:r>
+            <a:r>
+              <a:rPr lang="it-IT" sz="2400" dirty="0">
+                <a:latin typeface="Calibri" pitchFamily="34" charset="0"/>
+              </a:rPr>
+              <a:t> della </a:t>
             </a:r>
             <a:r>
               <a:rPr lang="it-IT" sz="2400" dirty="0" smtClean="0">
                 <a:latin typeface="Calibri" pitchFamily="34" charset="0"/>
               </a:rPr>
+              <a:t>federazione </a:t>
+            </a:r>
+            <a:r>
+              <a:rPr lang="it-IT" sz="2400" dirty="0" smtClean="0">
+                <a:latin typeface="Calibri" pitchFamily="34" charset="0"/>
+              </a:rPr>
+              <a:t>(peraltro il codice realizzato funziona solo sugli </a:t>
+            </a:r>
+            <a:r>
+              <a:rPr lang="it-IT" sz="2400" dirty="0" err="1" smtClean="0">
+                <a:latin typeface="Calibri" pitchFamily="34" charset="0"/>
+              </a:rPr>
+              <a:t>IdP</a:t>
+            </a:r>
+            <a:r>
+              <a:rPr lang="it-IT" sz="2400" dirty="0" smtClean="0">
+                <a:latin typeface="Calibri" pitchFamily="34" charset="0"/>
+              </a:rPr>
+              <a:t> che utilizzano il software </a:t>
+            </a:r>
+            <a:r>
+              <a:rPr lang="it-IT" sz="2400" dirty="0" err="1" smtClean="0">
+                <a:latin typeface="Calibri" pitchFamily="34" charset="0"/>
+              </a:rPr>
+              <a:t>Shibboleht</a:t>
+            </a:r>
+            <a:r>
+              <a:rPr lang="it-IT" sz="2400" dirty="0" smtClean="0">
+                <a:latin typeface="Calibri" pitchFamily="34" charset="0"/>
+              </a:rPr>
+              <a:t> sviluppato da Internet2).</a:t>
+            </a:r>
+          </a:p>
+          <a:p>
+            <a:pPr lvl="1" eaLnBrk="1" hangingPunct="1">
+              <a:spcBef>
+                <a:spcPct val="0"/>
+              </a:spcBef>
+              <a:spcAft>
+                <a:spcPct val="20000"/>
+              </a:spcAft>
+              <a:buSzPct val="60000"/>
+              <a:defRPr/>
+            </a:pPr>
+            <a:endParaRPr lang="it-IT" sz="2400" dirty="0" smtClean="0">
+              <a:latin typeface="Calibri" pitchFamily="34" charset="0"/>
+            </a:endParaRPr>
+          </a:p>
+          <a:p>
+            <a:pPr lvl="1" eaLnBrk="1" hangingPunct="1">
+              <a:spcBef>
+                <a:spcPct val="0"/>
+              </a:spcBef>
+              <a:spcAft>
+                <a:spcPct val="20000"/>
+              </a:spcAft>
+              <a:buSzPct val="60000"/>
+              <a:defRPr/>
+            </a:pPr>
+            <a:r>
+              <a:rPr lang="it-IT" sz="2400" dirty="0" smtClean="0">
+                <a:latin typeface="Calibri" pitchFamily="34" charset="0"/>
+              </a:rPr>
+              <a:t>Il lavoro si è concentrato sugli aspetti di </a:t>
+            </a:r>
+            <a:r>
+              <a:rPr lang="it-IT" sz="2400" dirty="0" err="1" smtClean="0">
+                <a:latin typeface="Calibri" pitchFamily="34" charset="0"/>
+              </a:rPr>
+              <a:t>AuthN</a:t>
+            </a:r>
+            <a:r>
+              <a:rPr lang="it-IT" sz="2400" dirty="0" smtClean="0">
+                <a:latin typeface="Calibri" pitchFamily="34" charset="0"/>
+              </a:rPr>
+              <a:t> e </a:t>
+            </a:r>
+            <a:r>
+              <a:rPr lang="it-IT" sz="2400" dirty="0" err="1" smtClean="0">
+                <a:latin typeface="Calibri" pitchFamily="34" charset="0"/>
+              </a:rPr>
+              <a:t>AuthZ</a:t>
+            </a:r>
+            <a:r>
+              <a:rPr lang="it-IT" sz="2400" dirty="0" smtClean="0">
+                <a:latin typeface="Calibri" pitchFamily="34" charset="0"/>
+              </a:rPr>
+              <a:t>, non ha preso in considerazione aspetti di accounting, che invece rappresentano un elemento distintivo per le soluzioni </a:t>
+            </a:r>
+            <a:r>
+              <a:rPr lang="it-IT" sz="2400" dirty="0" err="1" smtClean="0">
+                <a:latin typeface="Calibri" pitchFamily="34" charset="0"/>
+              </a:rPr>
+              <a:t>cloud</a:t>
+            </a:r>
+            <a:r>
+              <a:rPr lang="it-IT" sz="2400" dirty="0" smtClean="0">
+                <a:latin typeface="Calibri" pitchFamily="34" charset="0"/>
+              </a:rPr>
               <a:t>.</a:t>
             </a:r>
+            <a:endParaRPr lang="it-IT" sz="2400" dirty="0" smtClean="0">
+              <a:latin typeface="Calibri" pitchFamily="34" charset="0"/>
+            </a:endParaRPr>
+          </a:p>
+          <a:p>
+            <a:pPr lvl="1" eaLnBrk="1" hangingPunct="1">
+              <a:spcBef>
+                <a:spcPct val="0"/>
+              </a:spcBef>
+              <a:spcAft>
+                <a:spcPct val="20000"/>
+              </a:spcAft>
+              <a:buSzPct val="60000"/>
+              <a:defRPr/>
+            </a:pPr>
             <a:endParaRPr lang="it-IT" sz="2400" dirty="0">
               <a:latin typeface="Calibri" pitchFamily="34" charset="0"/>
             </a:endParaRPr>
@@ -7455,7 +7728,7 @@
     </p:spTree>
     <p:extLst>
       <p:ext uri="{BB962C8B-B14F-4D97-AF65-F5344CB8AC3E}">
-        <p14:creationId xmlns:p14="http://schemas.microsoft.com/office/powerpoint/2010/main" val="1968801763"/>
+        <p14:creationId xmlns:p14="http://schemas.microsoft.com/office/powerpoint/2010/main" xmlns="" val="4181381060"/>
       </p:ext>
     </p:extLst>
   </p:cSld>
@@ -7519,7 +7792,7 @@
                 <a:ea typeface="Arial Unicode MS"/>
                 <a:cs typeface="Arial Unicode MS"/>
               </a:rPr>
-              <a:t>Condivisione</a:t>
+              <a:t>Conclusioni</a:t>
             </a:r>
             <a:endParaRPr lang="it-IT" sz="2800" b="0" smtClean="0">
               <a:latin typeface="Calibri" pitchFamily="34" charset="0"/>
@@ -7558,11 +7831,71 @@
               <a:defRPr/>
             </a:pPr>
             <a:r>
-              <a:rPr lang="it-IT" sz="2400" dirty="0">
-                <a:latin typeface="Calibri" pitchFamily="34" charset="0"/>
-              </a:rPr>
-              <a:t>Pareri, opinioni, consigli?</a:t>
-            </a:r>
+              <a:rPr lang="it-IT" sz="2400" dirty="0" smtClean="0">
+                <a:latin typeface="Calibri" pitchFamily="34" charset="0"/>
+              </a:rPr>
+              <a:t>Una </a:t>
+            </a:r>
+            <a:r>
+              <a:rPr lang="it-IT" sz="2400" dirty="0" err="1" smtClean="0">
+                <a:latin typeface="Calibri" pitchFamily="34" charset="0"/>
+              </a:rPr>
+              <a:t>cloud</a:t>
+            </a:r>
+            <a:r>
+              <a:rPr lang="it-IT" sz="2400" dirty="0" smtClean="0">
+                <a:latin typeface="Calibri" pitchFamily="34" charset="0"/>
+              </a:rPr>
+              <a:t> per il mondo università ricerca potrebbe voler estendere schemi di federazione già realizzati negli stessi ambienti, in particolare le federazioni di identità.</a:t>
+            </a:r>
+          </a:p>
+          <a:p>
+            <a:pPr lvl="1" eaLnBrk="1" hangingPunct="1">
+              <a:spcBef>
+                <a:spcPct val="0"/>
+              </a:spcBef>
+              <a:spcAft>
+                <a:spcPct val="20000"/>
+              </a:spcAft>
+              <a:buSzPct val="60000"/>
+              <a:defRPr/>
+            </a:pPr>
+            <a:endParaRPr lang="it-IT" sz="2400" dirty="0" smtClean="0">
+              <a:latin typeface="Calibri" pitchFamily="34" charset="0"/>
+            </a:endParaRPr>
+          </a:p>
+          <a:p>
+            <a:pPr lvl="1" eaLnBrk="1" hangingPunct="1">
+              <a:spcBef>
+                <a:spcPct val="0"/>
+              </a:spcBef>
+              <a:spcAft>
+                <a:spcPct val="20000"/>
+              </a:spcAft>
+              <a:buSzPct val="60000"/>
+              <a:defRPr/>
+            </a:pPr>
+            <a:r>
+              <a:rPr lang="it-IT" sz="2400" dirty="0" smtClean="0">
+                <a:latin typeface="Calibri" pitchFamily="34" charset="0"/>
+              </a:rPr>
+              <a:t>IDEM, federazione di identità GARR, per trovare applicazione in ambienti </a:t>
+            </a:r>
+            <a:r>
+              <a:rPr lang="it-IT" sz="2400" dirty="0" err="1" smtClean="0">
+                <a:latin typeface="Calibri" pitchFamily="34" charset="0"/>
+              </a:rPr>
+              <a:t>cloud</a:t>
+            </a:r>
+            <a:r>
+              <a:rPr lang="it-IT" sz="2400" dirty="0" smtClean="0">
+                <a:latin typeface="Calibri" pitchFamily="34" charset="0"/>
+              </a:rPr>
+              <a:t> deve risolvere alcuni problemi.</a:t>
+            </a:r>
+            <a:endParaRPr lang="it-IT" sz="2400" dirty="0">
+              <a:latin typeface="Calibri" pitchFamily="34" charset="0"/>
+            </a:endParaRPr>
           </a:p>
           <a:p>
             <a:pPr lvl="1" eaLnBrk="1" hangingPunct="1">
@@ -7591,83 +7924,11 @@
               <a:defRPr/>
             </a:pPr>
             <a:r>
-              <a:rPr lang="it-IT" sz="2400" dirty="0">
-                <a:latin typeface="Calibri" pitchFamily="34" charset="0"/>
-              </a:rPr>
-              <a:t>I prossimi passi potrebbero essere:</a:t>
-            </a:r>
-          </a:p>
-          <a:p>
-            <a:pPr marL="806450" lvl="1" eaLnBrk="1" hangingPunct="1">
-              <a:spcBef>
-                <a:spcPct val="0"/>
-              </a:spcBef>
-              <a:spcAft>
-                <a:spcPct val="20000"/>
-              </a:spcAft>
-              <a:buSzPct val="60000"/>
-              <a:defRPr/>
-            </a:pPr>
-            <a:r>
-              <a:rPr lang="it-IT" sz="2000" dirty="0">
-                <a:latin typeface="Calibri" pitchFamily="34" charset="0"/>
-              </a:rPr>
-              <a:t>Installazione delle estensioni </a:t>
-            </a:r>
-            <a:r>
-              <a:rPr lang="it-IT" sz="2000" dirty="0" err="1">
-                <a:latin typeface="Calibri" pitchFamily="34" charset="0"/>
-              </a:rPr>
-              <a:t>sull’IdP</a:t>
-            </a:r>
-            <a:r>
-              <a:rPr lang="it-IT" sz="2000" dirty="0">
-                <a:latin typeface="Calibri" pitchFamily="34" charset="0"/>
-              </a:rPr>
-              <a:t> di direzione GARR e integrazione nel pilota </a:t>
-            </a:r>
-            <a:r>
-              <a:rPr lang="it-IT" sz="2000" dirty="0" err="1">
-                <a:latin typeface="Calibri" pitchFamily="34" charset="0"/>
-              </a:rPr>
-              <a:t>Garrbox</a:t>
-            </a:r>
-            <a:r>
-              <a:rPr lang="it-IT" sz="2000" dirty="0">
-                <a:latin typeface="Calibri" pitchFamily="34" charset="0"/>
-              </a:rPr>
-              <a:t>.</a:t>
-            </a:r>
-          </a:p>
-          <a:p>
-            <a:pPr marL="806450" lvl="1" eaLnBrk="1" hangingPunct="1">
-              <a:spcBef>
-                <a:spcPct val="0"/>
-              </a:spcBef>
-              <a:spcAft>
-                <a:spcPct val="20000"/>
-              </a:spcAft>
-              <a:buSzPct val="60000"/>
-              <a:defRPr/>
-            </a:pPr>
-            <a:r>
-              <a:rPr lang="it-IT" sz="2000" dirty="0">
-                <a:latin typeface="Calibri" pitchFamily="34" charset="0"/>
-              </a:rPr>
-              <a:t>Condivisione delle estensioni proposte con gli altri soggetti della comunità per raccogliere indicazioni, pareri…</a:t>
-            </a:r>
-          </a:p>
-          <a:p>
-            <a:pPr lvl="1" eaLnBrk="1" hangingPunct="1">
-              <a:spcBef>
-                <a:spcPct val="0"/>
-              </a:spcBef>
-              <a:spcAft>
-                <a:spcPct val="20000"/>
-              </a:spcAft>
-              <a:buSzPct val="60000"/>
-              <a:defRPr/>
-            </a:pPr>
+              <a:rPr lang="it-IT" sz="2400" dirty="0" smtClean="0">
+                <a:latin typeface="Calibri" pitchFamily="34" charset="0"/>
+              </a:rPr>
+              <a:t>Le sperimentazioni descritte in questo intervento rappresentano un tentativo, da raffinare, di superare alcune limitazioni attuali (più tecnologiche che di modello).</a:t>
+            </a:r>
             <a:endParaRPr lang="it-IT" sz="2400" dirty="0">
               <a:latin typeface="Calibri" pitchFamily="34" charset="0"/>
             </a:endParaRPr>
@@ -7677,7 +7938,7 @@
     </p:spTree>
     <p:extLst>
       <p:ext uri="{BB962C8B-B14F-4D97-AF65-F5344CB8AC3E}">
-        <p14:creationId xmlns:p14="http://schemas.microsoft.com/office/powerpoint/2010/main" val="3858408556"/>
+        <p14:creationId xmlns:p14="http://schemas.microsoft.com/office/powerpoint/2010/main" xmlns="" val="1968801763"/>
       </p:ext>
     </p:extLst>
   </p:cSld>
@@ -7763,7 +8024,7 @@
     </p:spTree>
     <p:extLst>
       <p:ext uri="{BB962C8B-B14F-4D97-AF65-F5344CB8AC3E}">
-        <p14:creationId xmlns:p14="http://schemas.microsoft.com/office/powerpoint/2010/main" val="3889417410"/>
+        <p14:creationId xmlns:p14="http://schemas.microsoft.com/office/powerpoint/2010/main" xmlns="" val="3889417410"/>
       </p:ext>
     </p:extLst>
   </p:cSld>
@@ -8644,7 +8905,7 @@
     </p:spTree>
     <p:extLst>
       <p:ext uri="{BB962C8B-B14F-4D97-AF65-F5344CB8AC3E}">
-        <p14:creationId xmlns:p14="http://schemas.microsoft.com/office/powerpoint/2010/main" val="3889417410"/>
+        <p14:creationId xmlns:p14="http://schemas.microsoft.com/office/powerpoint/2010/main" xmlns="" val="3889417410"/>
       </p:ext>
     </p:extLst>
   </p:cSld>
@@ -9351,7 +9612,7 @@
     </p:spTree>
     <p:extLst>
       <p:ext uri="{BB962C8B-B14F-4D97-AF65-F5344CB8AC3E}">
-        <p14:creationId xmlns:p14="http://schemas.microsoft.com/office/powerpoint/2010/main" val="2181511623"/>
+        <p14:creationId xmlns:p14="http://schemas.microsoft.com/office/powerpoint/2010/main" xmlns="" val="2181511623"/>
       </p:ext>
     </p:extLst>
   </p:cSld>
@@ -9454,7 +9715,7 @@
           <a:blip r:embed="rId3">
             <a:extLst>
               <a:ext uri="{28A0092B-C50C-407E-A947-70E740481C1C}">
-                <a14:useLocalDpi xmlns:a14="http://schemas.microsoft.com/office/drawing/2010/main" val="0"/>
+                <a14:useLocalDpi xmlns:a14="http://schemas.microsoft.com/office/drawing/2010/main" xmlns="" val="0"/>
               </a:ext>
             </a:extLst>
           </a:blip>
@@ -9478,14 +9739,14 @@
           <a:effectLst/>
           <a:extLst>
             <a:ext uri="{909E8E84-426E-40DD-AFC4-6F175D3DCCD1}">
-              <a14:hiddenFill xmlns:a14="http://schemas.microsoft.com/office/drawing/2010/main">
+              <a14:hiddenFill xmlns:a14="http://schemas.microsoft.com/office/drawing/2010/main" xmlns="">
                 <a:solidFill>
                   <a:schemeClr val="accent1"/>
                 </a:solidFill>
               </a14:hiddenFill>
             </a:ext>
             <a:ext uri="{91240B29-F687-4F45-9708-019B960494DF}">
-              <a14:hiddenLine xmlns:a14="http://schemas.microsoft.com/office/drawing/2010/main" w="9525">
+              <a14:hiddenLine xmlns:a14="http://schemas.microsoft.com/office/drawing/2010/main" xmlns="" w="9525">
                 <a:solidFill>
                   <a:schemeClr val="tx1"/>
                 </a:solidFill>
@@ -9495,7 +9756,7 @@
               </a14:hiddenLine>
             </a:ext>
             <a:ext uri="{AF507438-7753-43E0-B8FC-AC1667EBCBE1}">
-              <a14:hiddenEffects xmlns:a14="http://schemas.microsoft.com/office/drawing/2010/main">
+              <a14:hiddenEffects xmlns:a14="http://schemas.microsoft.com/office/drawing/2010/main" xmlns="">
                 <a:effectLst>
                   <a:outerShdw dist="35921" dir="2700000" algn="ctr" rotWithShape="0">
                     <a:schemeClr val="bg2"/>
@@ -9509,7 +9770,7 @@
     </p:spTree>
     <p:extLst>
       <p:ext uri="{BB962C8B-B14F-4D97-AF65-F5344CB8AC3E}">
-        <p14:creationId xmlns:p14="http://schemas.microsoft.com/office/powerpoint/2010/main" val="666774694"/>
+        <p14:creationId xmlns:p14="http://schemas.microsoft.com/office/powerpoint/2010/main" xmlns="" val="666774694"/>
       </p:ext>
     </p:extLst>
   </p:cSld>
@@ -9869,9 +10130,6 @@
               </a:rPr>
               <a:t> cloud</a:t>
             </a:r>
-            <a:endParaRPr lang="en-GB" sz="2800" b="0" dirty="0" smtClean="0">
-              <a:latin typeface="Calibri" pitchFamily="34" charset="0"/>
-            </a:endParaRPr>
           </a:p>
         </p:txBody>
       </p:sp>
@@ -9965,9 +10223,6 @@
               </a:rPr>
               <a:t>federazioni d’identità).</a:t>
             </a:r>
-            <a:endParaRPr lang="it-IT" sz="2400" dirty="0" smtClean="0">
-              <a:latin typeface="Calibri" pitchFamily="34" charset="0"/>
-            </a:endParaRPr>
           </a:p>
           <a:p>
             <a:pPr lvl="1" eaLnBrk="1" hangingPunct="1">
@@ -9999,17 +10254,8 @@
               <a:rPr lang="it-IT" sz="2400" dirty="0" smtClean="0">
                 <a:latin typeface="Calibri" pitchFamily="34" charset="0"/>
               </a:rPr>
-              <a:t>Vi sono alcune limitazioni generali, tuttavia</a:t>
-            </a:r>
-            <a:r>
-              <a:rPr lang="it-IT" sz="2400" dirty="0" smtClean="0">
-                <a:latin typeface="Calibri" pitchFamily="34" charset="0"/>
-              </a:rPr>
-              <a:t>:</a:t>
-            </a:r>
-            <a:endParaRPr lang="it-IT" sz="2400" dirty="0" smtClean="0">
-              <a:latin typeface="Calibri" pitchFamily="34" charset="0"/>
-            </a:endParaRPr>
+              <a:t>Vi sono alcune limitazioni generali, tuttavia:</a:t>
+            </a:r>
           </a:p>
           <a:p>
             <a:pPr marL="796925" lvl="1" eaLnBrk="1" hangingPunct="1">
@@ -10160,7 +10406,7 @@
     </p:spTree>
     <p:extLst>
       <p:ext uri="{BB962C8B-B14F-4D97-AF65-F5344CB8AC3E}">
-        <p14:creationId xmlns:p14="http://schemas.microsoft.com/office/powerpoint/2010/main" val="2210301245"/>
+        <p14:creationId xmlns:p14="http://schemas.microsoft.com/office/powerpoint/2010/main" xmlns="" val="2210301245"/>
       </p:ext>
     </p:extLst>
   </p:cSld>
@@ -10219,11 +10465,26 @@
           <a:p>
             <a:pPr eaLnBrk="1" hangingPunct="1"/>
             <a:r>
-              <a:rPr lang="en-GB" sz="2800" b="0" smtClean="0">
-                <a:latin typeface="Calibri" pitchFamily="34" charset="0"/>
-              </a:rPr>
-              <a:t>Estensioni proposte</a:t>
-            </a:r>
+              <a:rPr lang="en-GB" sz="2800" b="0" dirty="0" err="1" smtClean="0">
+                <a:latin typeface="Calibri" pitchFamily="34" charset="0"/>
+              </a:rPr>
+              <a:t>Estensioni</a:t>
+            </a:r>
+            <a:r>
+              <a:rPr lang="en-GB" sz="2800" b="0" dirty="0" smtClean="0">
+                <a:latin typeface="Calibri" pitchFamily="34" charset="0"/>
+              </a:rPr>
+              <a:t> </a:t>
+            </a:r>
+            <a:r>
+              <a:rPr lang="en-GB" sz="2800" b="0" dirty="0" err="1" smtClean="0">
+                <a:latin typeface="Calibri" pitchFamily="34" charset="0"/>
+              </a:rPr>
+              <a:t>realizzate</a:t>
+            </a:r>
+            <a:endParaRPr lang="en-GB" sz="2800" b="0" dirty="0" smtClean="0">
+              <a:latin typeface="Calibri" pitchFamily="34" charset="0"/>
+            </a:endParaRPr>
           </a:p>
         </p:txBody>
       </p:sp>
@@ -10528,8 +10789,53 @@
               <a:rPr lang="it-IT" sz="2400" dirty="0">
                 <a:latin typeface="Calibri" pitchFamily="34" charset="0"/>
               </a:rPr>
-              <a:t>: grazie a queste estensioni la federazione IDEM è in grado di raggiungere famiglie di applicazioni attualmente escluse.</a:t>
-            </a:r>
+              <a:t>: grazie a queste estensioni la federazione IDEM è in grado </a:t>
+            </a:r>
+            <a:r>
+              <a:rPr lang="it-IT" sz="2400" dirty="0" smtClean="0">
+                <a:latin typeface="Calibri" pitchFamily="34" charset="0"/>
+              </a:rPr>
+              <a:t>di integrare </a:t>
+            </a:r>
+            <a:r>
+              <a:rPr lang="it-IT" sz="2400" dirty="0" err="1" smtClean="0">
+                <a:latin typeface="Calibri" pitchFamily="34" charset="0"/>
+              </a:rPr>
+              <a:t>nativamente</a:t>
+            </a:r>
+            <a:r>
+              <a:rPr lang="it-IT" sz="2400" dirty="0" smtClean="0">
+                <a:latin typeface="Calibri" pitchFamily="34" charset="0"/>
+              </a:rPr>
+              <a:t> l’autenticazione </a:t>
+            </a:r>
+            <a:r>
+              <a:rPr lang="it-IT" sz="2400" dirty="0" err="1" smtClean="0">
+                <a:latin typeface="Calibri" pitchFamily="34" charset="0"/>
+              </a:rPr>
+              <a:t>Shibboleth</a:t>
+            </a:r>
+            <a:r>
+              <a:rPr lang="it-IT" sz="2400" dirty="0" smtClean="0">
+                <a:latin typeface="Calibri" pitchFamily="34" charset="0"/>
+              </a:rPr>
+              <a:t> in famiglie </a:t>
+            </a:r>
+            <a:r>
+              <a:rPr lang="it-IT" sz="2400" dirty="0">
+                <a:latin typeface="Calibri" pitchFamily="34" charset="0"/>
+              </a:rPr>
+              <a:t>di applicazioni attualmente </a:t>
+            </a:r>
+            <a:r>
+              <a:rPr lang="it-IT" sz="2400" dirty="0" smtClean="0">
+                <a:latin typeface="Calibri" pitchFamily="34" charset="0"/>
+              </a:rPr>
+              <a:t>“escluse”.</a:t>
+            </a:r>
+            <a:endParaRPr lang="it-IT" sz="2400" dirty="0">
+              <a:latin typeface="Calibri" pitchFamily="34" charset="0"/>
+            </a:endParaRPr>
           </a:p>
           <a:p>
             <a:pPr lvl="1" eaLnBrk="1" hangingPunct="1">
@@ -10585,7 +10891,19 @@
               <a:rPr lang="it-IT" sz="2400" dirty="0" smtClean="0">
                 <a:latin typeface="Calibri" pitchFamily="34" charset="0"/>
               </a:rPr>
-              <a:t> che effettuano un’autenticazione tramite </a:t>
+              <a:t> che effettuano </a:t>
+            </a:r>
+            <a:r>
+              <a:rPr lang="it-IT" sz="2400" dirty="0" smtClean="0">
+                <a:latin typeface="Calibri" pitchFamily="34" charset="0"/>
+              </a:rPr>
+              <a:t>un’autenticazione nativa </a:t>
+            </a:r>
+            <a:r>
+              <a:rPr lang="it-IT" sz="2400" dirty="0" smtClean="0">
+                <a:latin typeface="Calibri" pitchFamily="34" charset="0"/>
+              </a:rPr>
+              <a:t>tramite </a:t>
             </a:r>
             <a:r>
               <a:rPr lang="it-IT" sz="2400" dirty="0" err="1" smtClean="0">
@@ -10597,7 +10915,13 @@
               <a:rPr lang="it-IT" sz="2400" dirty="0" smtClean="0">
                 <a:latin typeface="Calibri" pitchFamily="34" charset="0"/>
               </a:rPr>
-              <a:t> (con una gestione completa dei metadati utente nella sessione).</a:t>
+              <a:t> (con una gestione completa </a:t>
+            </a:r>
+            <a:r>
+              <a:rPr lang="it-IT" sz="2400" dirty="0" smtClean="0">
+                <a:latin typeface="Calibri" pitchFamily="34" charset="0"/>
+              </a:rPr>
+              <a:t>degli attributi della sessione utente).</a:t>
             </a:r>
             <a:endParaRPr lang="it-IT" sz="2400" dirty="0">
               <a:latin typeface="Calibri" pitchFamily="34" charset="0"/>
@@ -10638,7 +10962,7 @@
     </p:spTree>
     <p:extLst>
       <p:ext uri="{BB962C8B-B14F-4D97-AF65-F5344CB8AC3E}">
-        <p14:creationId xmlns:p14="http://schemas.microsoft.com/office/powerpoint/2010/main" val="3323564530"/>
+        <p14:creationId xmlns:p14="http://schemas.microsoft.com/office/powerpoint/2010/main" xmlns="" val="3323564530"/>
       </p:ext>
     </p:extLst>
   </p:cSld>
@@ -10780,7 +11104,13 @@
               <a:rPr lang="it-IT" sz="2400" dirty="0" smtClean="0">
                 <a:latin typeface="Calibri" pitchFamily="34" charset="0"/>
               </a:rPr>
-              <a:t>come strumento di autenticazione per macchine Linux.</a:t>
+              <a:t>come strumento di autenticazione per macchine </a:t>
+            </a:r>
+            <a:r>
+              <a:rPr lang="it-IT" sz="2400" dirty="0" smtClean="0">
+                <a:latin typeface="Calibri" pitchFamily="34" charset="0"/>
+              </a:rPr>
+              <a:t>Linux (login come utente del sistema).</a:t>
             </a:r>
             <a:endParaRPr lang="it-IT" sz="2400" dirty="0">
               <a:latin typeface="Calibri" pitchFamily="34" charset="0"/>
@@ -10858,7 +11188,13 @@
               <a:rPr lang="it-IT" sz="2400" dirty="0">
                 <a:latin typeface="Calibri" pitchFamily="34" charset="0"/>
               </a:rPr>
-              <a:t> (CIFS e NFS), le quali non transitano da browser web.</a:t>
+              <a:t> (CIFS e NFS), le quali non transitano da browser </a:t>
+            </a:r>
+            <a:r>
+              <a:rPr lang="it-IT" sz="2400" dirty="0" smtClean="0">
+                <a:latin typeface="Calibri" pitchFamily="34" charset="0"/>
+              </a:rPr>
+              <a:t>web ma necessitano di appoggiarsi all’autenticazione del sistema operativo linux.</a:t>
             </a:r>
             <a:endParaRPr lang="it-IT" sz="2400" dirty="0" smtClean="0">
               <a:latin typeface="Calibri" pitchFamily="34" charset="0"/>
@@ -10899,7 +11235,7 @@
     </p:spTree>
     <p:extLst>
       <p:ext uri="{BB962C8B-B14F-4D97-AF65-F5344CB8AC3E}">
-        <p14:creationId xmlns:p14="http://schemas.microsoft.com/office/powerpoint/2010/main" val="4073201509"/>
+        <p14:creationId xmlns:p14="http://schemas.microsoft.com/office/powerpoint/2010/main" xmlns="" val="4073201509"/>
       </p:ext>
     </p:extLst>
   </p:cSld>
@@ -11020,7 +11356,7 @@
           <p:nvPr>
             <p:extLst>
               <p:ext uri="{D42A27DB-BD31-4B8C-83A1-F6EECF244321}">
-                <p14:modId xmlns:p14="http://schemas.microsoft.com/office/powerpoint/2010/main" val="2871808066"/>
+                <p14:modId xmlns:p14="http://schemas.microsoft.com/office/powerpoint/2010/main" xmlns="" val="2871808066"/>
               </p:ext>
             </p:extLst>
           </p:nvPr>
@@ -11031,48 +11367,9 @@
         </p:xfrm>
         <a:graphic>
           <a:graphicData uri="http://schemas.openxmlformats.org/presentationml/2006/ole">
-            <mc:AlternateContent xmlns:mc="http://schemas.openxmlformats.org/markup-compatibility/2006">
-              <mc:Choice xmlns:v="urn:schemas-microsoft-com:vml" Requires="v">
-                <p:oleObj spid="_x0000_s3085" name="Visio" r:id="rId4" imgW="5284611" imgH="3772440" progId="Visio.Drawing.11">
-                  <p:embed/>
-                </p:oleObj>
-              </mc:Choice>
-              <mc:Fallback>
-                <p:oleObj name="Visio" r:id="rId4" imgW="5284611" imgH="3772440" progId="Visio.Drawing.11">
-                  <p:embed/>
-                  <p:pic>
-                    <p:nvPicPr>
-                      <p:cNvPr id="0" name="Object 2"/>
-                      <p:cNvPicPr>
-                        <a:picLocks noChangeAspect="1" noChangeArrowheads="1"/>
-                      </p:cNvPicPr>
-                      <p:nvPr/>
-                    </p:nvPicPr>
-                    <p:blipFill>
-                      <a:blip r:embed="rId5"/>
-                      <a:srcRect/>
-                      <a:stretch>
-                        <a:fillRect/>
-                      </a:stretch>
-                    </p:blipFill>
-                    <p:spPr bwMode="auto">
-                      <a:xfrm>
-                        <a:off x="1164768" y="1234455"/>
-                        <a:ext cx="6501562" cy="4641128"/>
-                      </a:xfrm>
-                      <a:prstGeom prst="rect">
-                        <a:avLst/>
-                      </a:prstGeom>
-                      <a:noFill/>
-                      <a:ln>
-                        <a:noFill/>
-                      </a:ln>
-                      <a:extLst/>
-                    </p:spPr>
-                  </p:pic>
-                </p:oleObj>
-              </mc:Fallback>
-            </mc:AlternateContent>
+            <p:oleObj spid="_x0000_s3085" name="Visio" r:id="rId4" imgW="5284611" imgH="3772440" progId="">
+              <p:embed/>
+            </p:oleObj>
           </a:graphicData>
         </a:graphic>
       </p:graphicFrame>
@@ -11119,7 +11416,7 @@
     </p:spTree>
     <p:extLst>
       <p:ext uri="{BB962C8B-B14F-4D97-AF65-F5344CB8AC3E}">
-        <p14:creationId xmlns:p14="http://schemas.microsoft.com/office/powerpoint/2010/main" val="3676915095"/>
+        <p14:creationId xmlns:p14="http://schemas.microsoft.com/office/powerpoint/2010/main" xmlns="" val="3676915095"/>
       </p:ext>
     </p:extLst>
   </p:cSld>
@@ -11512,7 +11809,7 @@
     </p:spTree>
     <p:extLst>
       <p:ext uri="{BB962C8B-B14F-4D97-AF65-F5344CB8AC3E}">
-        <p14:creationId xmlns:p14="http://schemas.microsoft.com/office/powerpoint/2010/main" val="312135535"/>
+        <p14:creationId xmlns:p14="http://schemas.microsoft.com/office/powerpoint/2010/main" xmlns="" val="312135535"/>
       </p:ext>
     </p:extLst>
   </p:cSld>
@@ -11749,7 +12046,7 @@
     </p:spTree>
     <p:extLst>
       <p:ext uri="{BB962C8B-B14F-4D97-AF65-F5344CB8AC3E}">
-        <p14:creationId xmlns:p14="http://schemas.microsoft.com/office/powerpoint/2010/main" val="2536509950"/>
+        <p14:creationId xmlns:p14="http://schemas.microsoft.com/office/powerpoint/2010/main" xmlns="" val="2536509950"/>
       </p:ext>
     </p:extLst>
   </p:cSld>

--- a/ShibbolethExtensions.pptx
+++ b/ShibbolethExtensions.pptx
@@ -5,10 +5,10 @@
     <p:sldMasterId id="2147483649" r:id="rId1"/>
   </p:sldMasterIdLst>
   <p:notesMasterIdLst>
-    <p:notesMasterId r:id="rId21"/>
+    <p:notesMasterId r:id="rId20"/>
   </p:notesMasterIdLst>
   <p:handoutMasterIdLst>
-    <p:handoutMasterId r:id="rId22"/>
+    <p:handoutMasterId r:id="rId21"/>
   </p:handoutMasterIdLst>
   <p:sldIdLst>
     <p:sldId id="256" r:id="rId2"/>
@@ -17,19 +17,18 @@
     <p:sldId id="352" r:id="rId5"/>
     <p:sldId id="353" r:id="rId6"/>
     <p:sldId id="354" r:id="rId7"/>
-    <p:sldId id="355" r:id="rId8"/>
+    <p:sldId id="370" r:id="rId8"/>
     <p:sldId id="356" r:id="rId9"/>
     <p:sldId id="357" r:id="rId10"/>
     <p:sldId id="358" r:id="rId11"/>
     <p:sldId id="359" r:id="rId12"/>
-    <p:sldId id="360" r:id="rId13"/>
-    <p:sldId id="361" r:id="rId14"/>
-    <p:sldId id="369" r:id="rId15"/>
-    <p:sldId id="362" r:id="rId16"/>
-    <p:sldId id="365" r:id="rId17"/>
-    <p:sldId id="364" r:id="rId18"/>
-    <p:sldId id="366" r:id="rId19"/>
-    <p:sldId id="367" r:id="rId20"/>
+    <p:sldId id="369" r:id="rId13"/>
+    <p:sldId id="362" r:id="rId14"/>
+    <p:sldId id="365" r:id="rId15"/>
+    <p:sldId id="360" r:id="rId16"/>
+    <p:sldId id="364" r:id="rId17"/>
+    <p:sldId id="366" r:id="rId18"/>
+    <p:sldId id="367" r:id="rId19"/>
   </p:sldIdLst>
   <p:sldSz cx="9144000" cy="6858000" type="screen4x3"/>
   <p:notesSz cx="6781800" cy="9918700"/>
@@ -1677,7 +1676,7 @@
               <a:pPr/>
               <a:t>17</a:t>
             </a:fld>
-            <a:endParaRPr lang="en-US" smtClean="0">
+            <a:endParaRPr lang="en-US" dirty="0" smtClean="0">
               <a:latin typeface="Arial" pitchFamily="34" charset="0"/>
             </a:endParaRPr>
           </a:p>
@@ -1720,7 +1719,7 @@
           <a:lstStyle/>
           <a:p>
             <a:pPr eaLnBrk="1" hangingPunct="1"/>
-            <a:endParaRPr lang="en-GB" smtClean="0">
+            <a:endParaRPr lang="en-GB" dirty="0" smtClean="0">
               <a:latin typeface="Arial" pitchFamily="34" charset="0"/>
             </a:endParaRPr>
           </a:p>
@@ -1774,104 +1773,6 @@
               </a:rPr>
               <a:pPr/>
               <a:t>18</a:t>
-            </a:fld>
-            <a:endParaRPr lang="en-US" dirty="0" smtClean="0">
-              <a:latin typeface="Arial" pitchFamily="34" charset="0"/>
-            </a:endParaRPr>
-          </a:p>
-        </p:txBody>
-      </p:sp>
-      <p:sp>
-        <p:nvSpPr>
-          <p:cNvPr id="21507" name="Rectangle 2"/>
-          <p:cNvSpPr>
-            <a:spLocks noGrp="1" noRot="1" noChangeAspect="1" noChangeArrowheads="1" noTextEdit="1"/>
-          </p:cNvSpPr>
-          <p:nvPr>
-            <p:ph type="sldImg"/>
-          </p:nvPr>
-        </p:nvSpPr>
-        <p:spPr>
-          <a:xfrm>
-            <a:off x="912813" y="744538"/>
-            <a:ext cx="4959350" cy="3719512"/>
-          </a:xfrm>
-          <a:ln/>
-        </p:spPr>
-      </p:sp>
-      <p:sp>
-        <p:nvSpPr>
-          <p:cNvPr id="21508" name="Rectangle 3"/>
-          <p:cNvSpPr>
-            <a:spLocks noGrp="1" noChangeArrowheads="1"/>
-          </p:cNvSpPr>
-          <p:nvPr>
-            <p:ph type="body" idx="1"/>
-          </p:nvPr>
-        </p:nvSpPr>
-        <p:spPr>
-          <a:noFill/>
-          <a:ln/>
-        </p:spPr>
-        <p:txBody>
-          <a:bodyPr/>
-          <a:lstStyle/>
-          <a:p>
-            <a:pPr eaLnBrk="1" hangingPunct="1"/>
-            <a:endParaRPr lang="en-GB" dirty="0" smtClean="0">
-              <a:latin typeface="Arial" pitchFamily="34" charset="0"/>
-            </a:endParaRPr>
-          </a:p>
-        </p:txBody>
-      </p:sp>
-    </p:spTree>
-  </p:cSld>
-  <p:clrMapOvr>
-    <a:masterClrMapping/>
-  </p:clrMapOvr>
-</p:notes>
-</file>
-
-<file path=ppt/notesSlides/notesSlide19.xml><?xml version="1.0" encoding="utf-8"?>
-<p:notes xmlns:a="http://schemas.openxmlformats.org/drawingml/2006/main" xmlns:r="http://schemas.openxmlformats.org/officeDocument/2006/relationships" xmlns:p="http://schemas.openxmlformats.org/presentationml/2006/main">
-  <p:cSld>
-    <p:spTree>
-      <p:nvGrpSpPr>
-        <p:cNvPr id="1" name=""/>
-        <p:cNvGrpSpPr/>
-        <p:nvPr/>
-      </p:nvGrpSpPr>
-      <p:grpSpPr>
-        <a:xfrm>
-          <a:off x="0" y="0"/>
-          <a:ext cx="0" cy="0"/>
-          <a:chOff x="0" y="0"/>
-          <a:chExt cx="0" cy="0"/>
-        </a:xfrm>
-      </p:grpSpPr>
-      <p:sp>
-        <p:nvSpPr>
-          <p:cNvPr id="21506" name="Rectangle 7"/>
-          <p:cNvSpPr>
-            <a:spLocks noGrp="1" noChangeArrowheads="1"/>
-          </p:cNvSpPr>
-          <p:nvPr>
-            <p:ph type="sldNum" sz="quarter" idx="5"/>
-          </p:nvPr>
-        </p:nvSpPr>
-        <p:spPr>
-          <a:noFill/>
-        </p:spPr>
-        <p:txBody>
-          <a:bodyPr/>
-          <a:lstStyle/>
-          <a:p>
-            <a:fld id="{1AD4D25A-BB39-4720-AB78-3D7CFF20B890}" type="slidenum">
-              <a:rPr lang="en-US" smtClean="0">
-                <a:latin typeface="Arial" pitchFamily="34" charset="0"/>
-              </a:rPr>
-              <a:pPr/>
-              <a:t>19</a:t>
             </a:fld>
             <a:endParaRPr lang="en-US" smtClean="0">
               <a:latin typeface="Arial" pitchFamily="34" charset="0"/>
@@ -5669,7 +5570,12 @@
             <p:ph type="ctrTitle"/>
           </p:nvPr>
         </p:nvSpPr>
-        <p:spPr/>
+        <p:spPr>
+          <a:xfrm>
+            <a:off x="1198563" y="2328863"/>
+            <a:ext cx="6577012" cy="384175"/>
+          </a:xfrm>
+        </p:spPr>
         <p:txBody>
           <a:bodyPr/>
           <a:lstStyle/>
@@ -5712,8 +5618,8 @@
         </p:nvSpPr>
         <p:spPr>
           <a:xfrm>
-            <a:off x="1836738" y="2878138"/>
-            <a:ext cx="6577012" cy="244475"/>
+            <a:off x="1160462" y="2878138"/>
+            <a:ext cx="7278687" cy="492443"/>
           </a:xfrm>
         </p:spPr>
         <p:txBody>
@@ -5722,15 +5628,31 @@
           <a:p>
             <a:r>
               <a:rPr lang="en-US" dirty="0" err="1" smtClean="0"/>
-              <a:t>Espansione</a:t>
+              <a:t>Estensioni</a:t>
             </a:r>
             <a:r>
               <a:rPr lang="en-US" dirty="0" smtClean="0"/>
-              <a:t> di IDEM a </a:t>
+              <a:t> a </a:t>
             </a:r>
             <a:r>
               <a:rPr lang="en-US" dirty="0" err="1" smtClean="0"/>
-              <a:t>nuove</a:t>
+              <a:t>Shibbleth</a:t>
+            </a:r>
+            <a:r>
+              <a:rPr lang="en-US" dirty="0" smtClean="0"/>
+              <a:t> per </a:t>
+            </a:r>
+            <a:r>
+              <a:rPr lang="en-US" dirty="0" err="1" smtClean="0"/>
+              <a:t>l’applicazione</a:t>
+            </a:r>
+            <a:r>
+              <a:rPr lang="en-US" dirty="0" smtClean="0"/>
+              <a:t> in </a:t>
+            </a:r>
+            <a:r>
+              <a:rPr lang="en-US" dirty="0" err="1" smtClean="0"/>
+              <a:t>contesti</a:t>
             </a:r>
             <a:r>
               <a:rPr lang="en-US" dirty="0" smtClean="0"/>
@@ -5738,23 +5660,11 @@
             </a:r>
             <a:r>
               <a:rPr lang="en-US" dirty="0" err="1" smtClean="0"/>
-              <a:t>applicazioni</a:t>
+              <a:t>di</a:t>
             </a:r>
             <a:r>
               <a:rPr lang="en-US" dirty="0" smtClean="0"/>
-              <a:t> e </a:t>
-            </a:r>
-            <a:r>
-              <a:rPr lang="en-US" dirty="0" err="1" smtClean="0"/>
-              <a:t>schemi</a:t>
-            </a:r>
-            <a:r>
-              <a:rPr lang="en-US" dirty="0" smtClean="0"/>
-              <a:t> </a:t>
-            </a:r>
-            <a:r>
-              <a:rPr lang="en-US" dirty="0" err="1" smtClean="0"/>
-              <a:t>autoritativi</a:t>
+              <a:t> cloud computing</a:t>
             </a:r>
             <a:endParaRPr lang="en-US" dirty="0" smtClean="0"/>
           </a:p>
@@ -5770,8 +5680,8 @@
         </p:nvSpPr>
         <p:spPr bwMode="auto">
           <a:xfrm>
-            <a:off x="1758950" y="2124075"/>
-            <a:ext cx="6464300" cy="1550988"/>
+            <a:off x="1158875" y="2124075"/>
+            <a:ext cx="7385050" cy="1551194"/>
           </a:xfrm>
           <a:prstGeom prst="rect">
             <a:avLst/>
@@ -5785,7 +5695,7 @@
           </a:ln>
         </p:spPr>
         <p:txBody>
-          <a:bodyPr lIns="0" tIns="0" rIns="0" bIns="0" anchor="b">
+          <a:bodyPr wrap="square" lIns="0" tIns="0" rIns="0" bIns="0" anchor="b">
             <a:spAutoFit/>
           </a:bodyPr>
           <a:lstStyle/>
@@ -5813,31 +5723,49 @@
               </a:rPr>
             </a:br>
             <a:r>
-              <a:rPr lang="it-IT" sz="2800" i="1" dirty="0">
+              <a:rPr lang="it-IT" sz="2800" i="1" dirty="0" err="1" smtClean="0">
                 <a:solidFill>
                   <a:srgbClr val="083174"/>
                 </a:solidFill>
                 <a:latin typeface="Calibri" pitchFamily="34" charset="0"/>
               </a:rPr>
-              <a:t> Estensioni a </a:t>
-            </a:r>
-            <a:r>
-              <a:rPr lang="it-IT" sz="2800" i="1" dirty="0" err="1">
+              <a:t>Authentication</a:t>
+            </a:r>
+            <a:r>
+              <a:rPr lang="it-IT" sz="2800" i="1" dirty="0" smtClean="0">
                 <a:solidFill>
                   <a:srgbClr val="083174"/>
                 </a:solidFill>
                 <a:latin typeface="Calibri" pitchFamily="34" charset="0"/>
               </a:rPr>
-              <a:t>Shibboleth</a:t>
-            </a:r>
-            <a:r>
-              <a:rPr lang="it-IT" sz="2800" i="1" dirty="0">
+              <a:t> a </a:t>
+            </a:r>
+            <a:r>
+              <a:rPr lang="it-IT" sz="2800" i="1" dirty="0" err="1" smtClean="0">
                 <a:solidFill>
                   <a:srgbClr val="083174"/>
                 </a:solidFill>
                 <a:latin typeface="Calibri" pitchFamily="34" charset="0"/>
               </a:rPr>
-              <a:t> per IDEM </a:t>
+              <a:t>authorization</a:t>
+            </a:r>
+            <a:r>
+              <a:rPr lang="it-IT" sz="2800" i="1" dirty="0" smtClean="0">
+                <a:solidFill>
+                  <a:srgbClr val="083174"/>
+                </a:solidFill>
+                <a:latin typeface="Calibri" pitchFamily="34" charset="0"/>
+              </a:rPr>
+              <a:t> federate nelle </a:t>
+            </a:r>
+            <a:r>
+              <a:rPr lang="it-IT" sz="2800" i="1" dirty="0" err="1" smtClean="0">
+                <a:solidFill>
+                  <a:srgbClr val="083174"/>
+                </a:solidFill>
+                <a:latin typeface="Calibri" pitchFamily="34" charset="0"/>
+              </a:rPr>
+              <a:t>cloud</a:t>
             </a:r>
             <a:r>
               <a:rPr lang="en-US" sz="2800" dirty="0">
@@ -6137,7 +6065,7 @@
           <p:nvPr>
             <p:extLst>
               <p:ext uri="{D42A27DB-BD31-4B8C-83A1-F6EECF244321}">
-                <p14:modId xmlns:p14="http://schemas.microsoft.com/office/powerpoint/2010/main" xmlns="" val="2716706697"/>
+                <p14:modId xmlns:p14="http://schemas.microsoft.com/office/powerpoint/2010/main" xmlns="" val="106788254"/>
               </p:ext>
             </p:extLst>
           </p:nvPr>
@@ -6148,7 +6076,7 @@
         </p:xfrm>
         <a:graphic>
           <a:graphicData uri="http://schemas.openxmlformats.org/presentationml/2006/ole">
-            <p:oleObj spid="_x0000_s4108" name="Visio" r:id="rId4" imgW="5068504" imgH="3466560" progId="">
+            <p:oleObj spid="_x0000_s4112" name="Visio" r:id="rId4" imgW="5068504" imgH="3466560" progId="">
               <p:embed/>
             </p:oleObj>
           </a:graphicData>
@@ -6586,7 +6514,7 @@
                 <a:ea typeface="Arial Unicode MS"/>
                 <a:cs typeface="Arial Unicode MS"/>
               </a:rPr>
-              <a:t>Benefici</a:t>
+              <a:t>Problemi</a:t>
             </a:r>
             <a:r>
               <a:rPr lang="en-GB" sz="2800" b="0" dirty="0" smtClean="0">
@@ -6594,7 +6522,15 @@
                 <a:ea typeface="Arial Unicode MS"/>
                 <a:cs typeface="Arial Unicode MS"/>
               </a:rPr>
-              <a:t> per IDEM</a:t>
+              <a:t> </a:t>
+            </a:r>
+            <a:r>
+              <a:rPr lang="en-GB" sz="2800" b="0" dirty="0" err="1" smtClean="0">
+                <a:latin typeface="Arial Unicode MS"/>
+                <a:ea typeface="Arial Unicode MS"/>
+                <a:cs typeface="Arial Unicode MS"/>
+              </a:rPr>
+              <a:t>aperti</a:t>
             </a:r>
             <a:endParaRPr lang="en-GB" sz="2800" b="0" dirty="0" smtClean="0">
               <a:latin typeface="Calibri" pitchFamily="34" charset="0"/>
@@ -6636,13 +6572,7 @@
               <a:rPr lang="it-IT" sz="2400" dirty="0">
                 <a:latin typeface="Calibri" pitchFamily="34" charset="0"/>
               </a:rPr>
-              <a:t>Le </a:t>
-            </a:r>
-            <a:r>
-              <a:rPr lang="it-IT" sz="2400" dirty="0" smtClean="0">
-                <a:latin typeface="Calibri" pitchFamily="34" charset="0"/>
-              </a:rPr>
-              <a:t>estensioni </a:t>
+              <a:t>Attualmente le estensioni </a:t>
             </a:r>
             <a:r>
               <a:rPr lang="it-IT" sz="2400" dirty="0" smtClean="0">
@@ -6656,7 +6586,27 @@
               <a:rPr lang="it-IT" sz="2400" dirty="0" smtClean="0">
                 <a:latin typeface="Calibri" pitchFamily="34" charset="0"/>
               </a:rPr>
-              <a:t> + </a:t>
+              <a:t>, </a:t>
+            </a:r>
+            <a:r>
+              <a:rPr lang="it-IT" sz="2400" dirty="0">
+                <a:latin typeface="Arial Unicode MS"/>
+                <a:ea typeface="Arial Unicode MS"/>
+                <a:cs typeface="Arial Unicode MS"/>
+              </a:rPr>
+              <a:t>②</a:t>
+            </a:r>
+            <a:r>
+              <a:rPr lang="it-IT" sz="2400" dirty="0">
+                <a:latin typeface="Calibri" pitchFamily="34" charset="0"/>
+              </a:rPr>
+              <a:t> </a:t>
+            </a:r>
+            <a:r>
+              <a:rPr lang="it-IT" sz="2400" dirty="0" smtClean="0">
+                <a:latin typeface="Calibri" pitchFamily="34" charset="0"/>
+              </a:rPr>
+              <a:t>e </a:t>
             </a:r>
             <a:r>
               <a:rPr lang="it-IT" sz="2400" dirty="0" smtClean="0">
@@ -6664,19 +6614,43 @@
                 <a:ea typeface="Arial Unicode MS"/>
                 <a:cs typeface="Arial Unicode MS"/>
               </a:rPr>
-              <a:t>②</a:t>
+              <a:t>③ </a:t>
             </a:r>
             <a:r>
               <a:rPr lang="it-IT" sz="2400" dirty="0" smtClean="0">
                 <a:latin typeface="Calibri" pitchFamily="34" charset="0"/>
               </a:rPr>
+              <a:t>non </a:t>
+            </a:r>
+            <a:r>
+              <a:rPr lang="it-IT" sz="2400" dirty="0">
+                <a:latin typeface="Calibri" pitchFamily="34" charset="0"/>
+              </a:rPr>
+              <a:t>supportano il </a:t>
+            </a:r>
+            <a:r>
+              <a:rPr lang="it-IT" sz="2400" dirty="0" err="1">
+                <a:latin typeface="Calibri" pitchFamily="34" charset="0"/>
+              </a:rPr>
+              <a:t>discovery</a:t>
+            </a:r>
+            <a:r>
+              <a:rPr lang="it-IT" sz="2400" dirty="0">
+                <a:latin typeface="Calibri" pitchFamily="34" charset="0"/>
+              </a:rPr>
               <a:t> </a:t>
             </a:r>
             <a:r>
+              <a:rPr lang="it-IT" sz="2400" dirty="0" err="1">
+                <a:latin typeface="Calibri" pitchFamily="34" charset="0"/>
+              </a:rPr>
+              <a:t>dell’IdP</a:t>
+            </a:r>
+            <a:r>
               <a:rPr lang="it-IT" sz="2400" dirty="0">
                 <a:latin typeface="Calibri" pitchFamily="34" charset="0"/>
               </a:rPr>
-              <a:t>permettono ad IDEM di allargarsi includendo nuove applicazioni.</a:t>
+              <a:t> tramite WAYF (possibile dopo uno sviluppo lato DS).</a:t>
             </a:r>
           </a:p>
           <a:p>
@@ -6706,73 +6680,118 @@
               <a:defRPr/>
             </a:pPr>
             <a:r>
+              <a:rPr lang="it-IT" sz="2400" dirty="0" smtClean="0">
+                <a:latin typeface="Calibri" pitchFamily="34" charset="0"/>
+              </a:rPr>
+              <a:t>Le </a:t>
+            </a:r>
+            <a:r>
               <a:rPr lang="it-IT" sz="2400" dirty="0">
                 <a:latin typeface="Calibri" pitchFamily="34" charset="0"/>
               </a:rPr>
-              <a:t>Le estensioni </a:t>
+              <a:t>estensioni </a:t>
+            </a:r>
+            <a:r>
+              <a:rPr lang="it-IT" sz="2400" dirty="0">
+                <a:latin typeface="Arial Unicode MS"/>
+                <a:ea typeface="Arial Unicode MS"/>
+                <a:cs typeface="Arial Unicode MS"/>
+              </a:rPr>
+              <a:t>①</a:t>
+            </a:r>
+            <a:r>
+              <a:rPr lang="it-IT" sz="2400" dirty="0">
+                <a:latin typeface="Calibri" pitchFamily="34" charset="0"/>
+              </a:rPr>
+              <a:t>, </a:t>
+            </a:r>
+            <a:r>
+              <a:rPr lang="it-IT" sz="2400" dirty="0">
+                <a:latin typeface="Arial Unicode MS"/>
+                <a:ea typeface="Arial Unicode MS"/>
+                <a:cs typeface="Arial Unicode MS"/>
+              </a:rPr>
+              <a:t>②</a:t>
+            </a:r>
+            <a:r>
+              <a:rPr lang="it-IT" sz="2400" dirty="0">
+                <a:latin typeface="Calibri" pitchFamily="34" charset="0"/>
+              </a:rPr>
+              <a:t> e </a:t>
             </a:r>
             <a:r>
               <a:rPr lang="it-IT" sz="2400" dirty="0" smtClean="0">
-                <a:latin typeface="Calibri" pitchFamily="34" charset="0"/>
-              </a:rPr>
-              <a:t>non alterano i </a:t>
+                <a:latin typeface="Arial Unicode MS"/>
+                <a:ea typeface="Arial Unicode MS"/>
+                <a:cs typeface="Arial Unicode MS"/>
+              </a:rPr>
+              <a:t>③ </a:t>
+            </a:r>
+            <a:r>
+              <a:rPr lang="it-IT" sz="2400" dirty="0" smtClean="0">
+                <a:latin typeface="Calibri" pitchFamily="34" charset="0"/>
+              </a:rPr>
+              <a:t>necessitano </a:t>
             </a:r>
             <a:r>
               <a:rPr lang="it-IT" sz="2400" dirty="0">
                 <a:latin typeface="Calibri" pitchFamily="34" charset="0"/>
               </a:rPr>
-              <a:t>concetti </a:t>
+              <a:t>di un </a:t>
+            </a:r>
+            <a:r>
+              <a:rPr lang="it-IT" sz="2400" dirty="0" err="1">
+                <a:latin typeface="Calibri" pitchFamily="34" charset="0"/>
+              </a:rPr>
+              <a:t>deploy</a:t>
+            </a:r>
+            <a:r>
+              <a:rPr lang="it-IT" sz="2400" dirty="0">
+                <a:latin typeface="Calibri" pitchFamily="34" charset="0"/>
+              </a:rPr>
+              <a:t> (comunque abbastanza semplice) sugli </a:t>
+            </a:r>
+            <a:r>
+              <a:rPr lang="it-IT" sz="2400" dirty="0" err="1">
+                <a:latin typeface="Calibri" pitchFamily="34" charset="0"/>
+              </a:rPr>
+              <a:t>IdP</a:t>
+            </a:r>
+            <a:r>
+              <a:rPr lang="it-IT" sz="2400" dirty="0">
+                <a:latin typeface="Calibri" pitchFamily="34" charset="0"/>
+              </a:rPr>
+              <a:t> della </a:t>
             </a:r>
             <a:r>
               <a:rPr lang="it-IT" sz="2400" dirty="0" smtClean="0">
                 <a:latin typeface="Calibri" pitchFamily="34" charset="0"/>
               </a:rPr>
-              <a:t>comunitari di IDEM:</a:t>
-            </a:r>
-          </a:p>
-          <a:p>
-            <a:pPr marL="630238" lvl="1" eaLnBrk="1" hangingPunct="1">
-              <a:spcBef>
-                <a:spcPct val="0"/>
-              </a:spcBef>
-              <a:spcAft>
-                <a:spcPct val="20000"/>
-              </a:spcAft>
-              <a:buSzPct val="60000"/>
-              <a:defRPr/>
-            </a:pPr>
-            <a:r>
-              <a:rPr lang="it-IT" sz="2000" dirty="0" smtClean="0">
-                <a:latin typeface="Calibri" pitchFamily="34" charset="0"/>
-              </a:rPr>
-              <a:t>uniformità d’accesso e di gestione </a:t>
-            </a:r>
-            <a:r>
-              <a:rPr lang="it-IT" sz="2000" dirty="0" smtClean="0">
-                <a:latin typeface="Calibri" pitchFamily="34" charset="0"/>
-              </a:rPr>
-              <a:t>degli attributi utente</a:t>
-            </a:r>
-            <a:endParaRPr lang="it-IT" sz="2000" dirty="0" smtClean="0">
-              <a:latin typeface="Calibri" pitchFamily="34" charset="0"/>
-            </a:endParaRPr>
-          </a:p>
-          <a:p>
-            <a:pPr marL="630238" lvl="1" eaLnBrk="1" hangingPunct="1">
-              <a:spcBef>
-                <a:spcPct val="0"/>
-              </a:spcBef>
-              <a:spcAft>
-                <a:spcPct val="20000"/>
-              </a:spcAft>
-              <a:buSzPct val="60000"/>
-              <a:defRPr/>
-            </a:pPr>
-            <a:r>
-              <a:rPr lang="it-IT" sz="2000" dirty="0" smtClean="0">
-                <a:latin typeface="Calibri" pitchFamily="34" charset="0"/>
-              </a:rPr>
-              <a:t>gestione federata e distribuita dell’AAI</a:t>
+              <a:t>federazione (peraltro il codice realizzato funziona solo sugli </a:t>
+            </a:r>
+            <a:r>
+              <a:rPr lang="it-IT" sz="2400" dirty="0" err="1" smtClean="0">
+                <a:latin typeface="Calibri" pitchFamily="34" charset="0"/>
+              </a:rPr>
+              <a:t>IdP</a:t>
+            </a:r>
+            <a:r>
+              <a:rPr lang="it-IT" sz="2400" dirty="0" smtClean="0">
+                <a:latin typeface="Calibri" pitchFamily="34" charset="0"/>
+              </a:rPr>
+              <a:t> che utilizzano il software </a:t>
+            </a:r>
+            <a:r>
+              <a:rPr lang="it-IT" sz="2400" dirty="0" err="1" smtClean="0">
+                <a:latin typeface="Calibri" pitchFamily="34" charset="0"/>
+              </a:rPr>
+              <a:t>Shibboleth</a:t>
+            </a:r>
+            <a:r>
+              <a:rPr lang="it-IT" sz="2400" dirty="0" smtClean="0">
+                <a:latin typeface="Calibri" pitchFamily="34" charset="0"/>
+              </a:rPr>
+              <a:t> sviluppato da Internet2).</a:t>
             </a:r>
           </a:p>
           <a:p>
@@ -6786,7 +6805,76 @@
               <a:buSzPct val="60000"/>
               <a:defRPr/>
             </a:pPr>
-            <a:endParaRPr lang="en-GB" sz="2400" dirty="0" smtClean="0">
+            <a:endParaRPr lang="it-IT" sz="2400" dirty="0" smtClean="0">
+              <a:latin typeface="Calibri" pitchFamily="34" charset="0"/>
+            </a:endParaRPr>
+          </a:p>
+          <a:p>
+            <a:pPr lvl="1" eaLnBrk="1" hangingPunct="1">
+              <a:spcBef>
+                <a:spcPct val="0"/>
+              </a:spcBef>
+              <a:spcAft>
+                <a:spcPct val="20000"/>
+              </a:spcAft>
+              <a:buSzPct val="60000"/>
+              <a:defRPr/>
+            </a:pPr>
+            <a:r>
+              <a:rPr lang="it-IT" sz="2400" dirty="0" smtClean="0">
+                <a:latin typeface="Calibri" pitchFamily="34" charset="0"/>
+              </a:rPr>
+              <a:t>Il lavoro si è concentrato sugli aspetti di </a:t>
+            </a:r>
+            <a:r>
+              <a:rPr lang="it-IT" sz="2400" dirty="0" err="1" smtClean="0">
+                <a:latin typeface="Calibri" pitchFamily="34" charset="0"/>
+              </a:rPr>
+              <a:t>AuthN</a:t>
+            </a:r>
+            <a:r>
+              <a:rPr lang="it-IT" sz="2400" dirty="0" smtClean="0">
+                <a:latin typeface="Calibri" pitchFamily="34" charset="0"/>
+              </a:rPr>
+              <a:t> e </a:t>
+            </a:r>
+            <a:r>
+              <a:rPr lang="it-IT" sz="2400" dirty="0" err="1" smtClean="0">
+                <a:latin typeface="Calibri" pitchFamily="34" charset="0"/>
+              </a:rPr>
+              <a:t>AuthZ</a:t>
+            </a:r>
+            <a:r>
+              <a:rPr lang="it-IT" sz="2400" dirty="0" smtClean="0">
+                <a:latin typeface="Calibri" pitchFamily="34" charset="0"/>
+              </a:rPr>
+              <a:t>, non ha preso in considerazione aspetti di accounting, che invece rappresentano un elemento distintivo per le soluzioni </a:t>
+            </a:r>
+            <a:r>
+              <a:rPr lang="it-IT" sz="2400" dirty="0" err="1" smtClean="0">
+                <a:latin typeface="Calibri" pitchFamily="34" charset="0"/>
+              </a:rPr>
+              <a:t>cloud</a:t>
+            </a:r>
+            <a:r>
+              <a:rPr lang="it-IT" sz="2400" dirty="0" smtClean="0">
+                <a:latin typeface="Calibri" pitchFamily="34" charset="0"/>
+              </a:rPr>
+              <a:t>.</a:t>
+            </a:r>
+          </a:p>
+          <a:p>
+            <a:pPr lvl="1" eaLnBrk="1" hangingPunct="1">
+              <a:spcBef>
+                <a:spcPct val="0"/>
+              </a:spcBef>
+              <a:spcAft>
+                <a:spcPct val="20000"/>
+              </a:spcAft>
+              <a:buSzPct val="60000"/>
+              <a:defRPr/>
+            </a:pPr>
+            <a:endParaRPr lang="it-IT" sz="2400" dirty="0">
               <a:latin typeface="Calibri" pitchFamily="34" charset="0"/>
             </a:endParaRPr>
           </a:p>
@@ -6795,7 +6883,7 @@
     </p:spTree>
     <p:extLst>
       <p:ext uri="{BB962C8B-B14F-4D97-AF65-F5344CB8AC3E}">
-        <p14:creationId xmlns:p14="http://schemas.microsoft.com/office/powerpoint/2010/main" xmlns="" val="1228264753"/>
+        <p14:creationId xmlns:p14="http://schemas.microsoft.com/office/powerpoint/2010/main" xmlns="" val="4181381060"/>
       </p:ext>
     </p:extLst>
   </p:cSld>
@@ -6854,86 +6942,14 @@
           <a:p>
             <a:pPr eaLnBrk="1" hangingPunct="1"/>
             <a:r>
-              <a:rPr lang="en-GB" sz="2800" b="0" dirty="0">
+              <a:rPr lang="it-IT" sz="2800" b="0" smtClean="0">
                 <a:latin typeface="Arial Unicode MS"/>
                 <a:ea typeface="Arial Unicode MS"/>
                 <a:cs typeface="Arial Unicode MS"/>
               </a:rPr>
-              <a:t>① </a:t>
-            </a:r>
-            <a:r>
-              <a:rPr lang="en-GB" sz="1800" b="0" dirty="0" smtClean="0">
-                <a:latin typeface="Arial Unicode MS"/>
-                <a:ea typeface="Arial Unicode MS"/>
-                <a:cs typeface="Arial Unicode MS"/>
-              </a:rPr>
-              <a:t>+</a:t>
-            </a:r>
-            <a:r>
-              <a:rPr lang="en-GB" sz="2800" b="0" dirty="0" smtClean="0">
-                <a:latin typeface="Arial Unicode MS"/>
-                <a:ea typeface="Arial Unicode MS"/>
-                <a:cs typeface="Arial Unicode MS"/>
-              </a:rPr>
-              <a:t> ②</a:t>
-            </a:r>
-            <a:r>
-              <a:rPr lang="en-GB" sz="2800" b="0" dirty="0">
-                <a:latin typeface="Arial Unicode MS"/>
-                <a:ea typeface="Arial Unicode MS"/>
-                <a:cs typeface="Arial Unicode MS"/>
-              </a:rPr>
-              <a:t> </a:t>
-            </a:r>
-            <a:r>
-              <a:rPr lang="en-GB" sz="1800" b="0" dirty="0">
-                <a:latin typeface="Arial Unicode MS"/>
-                <a:ea typeface="Arial Unicode MS"/>
-                <a:cs typeface="Arial Unicode MS"/>
-              </a:rPr>
-              <a:t>+</a:t>
-            </a:r>
-            <a:r>
-              <a:rPr lang="en-GB" sz="2800" b="0" dirty="0">
-                <a:latin typeface="Arial Unicode MS"/>
-                <a:ea typeface="Arial Unicode MS"/>
-                <a:cs typeface="Arial Unicode MS"/>
-              </a:rPr>
-              <a:t> </a:t>
-            </a:r>
-            <a:r>
-              <a:rPr lang="en-GB" sz="2800" b="0" dirty="0" smtClean="0">
-                <a:latin typeface="Arial Unicode MS"/>
-                <a:ea typeface="Arial Unicode MS"/>
-                <a:cs typeface="Arial Unicode MS"/>
-              </a:rPr>
-              <a:t>③ </a:t>
-            </a:r>
-            <a:r>
-              <a:rPr lang="en-GB" sz="2800" b="0" dirty="0" err="1" smtClean="0">
-                <a:latin typeface="Arial Unicode MS"/>
-                <a:ea typeface="Arial Unicode MS"/>
-                <a:cs typeface="Arial Unicode MS"/>
-              </a:rPr>
-              <a:t>Problemi</a:t>
-            </a:r>
-            <a:r>
-              <a:rPr lang="en-GB" sz="2800" b="0" dirty="0" smtClean="0">
-                <a:latin typeface="Arial Unicode MS"/>
-                <a:ea typeface="Arial Unicode MS"/>
-                <a:cs typeface="Arial Unicode MS"/>
-              </a:rPr>
-              <a:t> </a:t>
-            </a:r>
-            <a:r>
-              <a:rPr lang="en-GB" sz="2800" b="0" dirty="0" err="1" smtClean="0">
-                <a:latin typeface="Arial Unicode MS"/>
-                <a:ea typeface="Arial Unicode MS"/>
-                <a:cs typeface="Arial Unicode MS"/>
-              </a:rPr>
-              <a:t>aperti</a:t>
-            </a:r>
-            <a:endParaRPr lang="en-GB" sz="2800" b="0" dirty="0" smtClean="0">
+              <a:t>Conclusioni</a:t>
+            </a:r>
+            <a:endParaRPr lang="it-IT" sz="2800" b="0" smtClean="0">
               <a:latin typeface="Calibri" pitchFamily="34" charset="0"/>
             </a:endParaRPr>
           </a:p>
@@ -6970,89 +6986,71 @@
               <a:defRPr/>
             </a:pPr>
             <a:r>
-              <a:rPr lang="it-IT" sz="2400" dirty="0">
-                <a:latin typeface="Calibri" pitchFamily="34" charset="0"/>
-              </a:rPr>
-              <a:t>Attualmente le estensioni </a:t>
-            </a:r>
-            <a:r>
               <a:rPr lang="it-IT" sz="2400" dirty="0" smtClean="0">
-                <a:latin typeface="Arial Unicode MS"/>
-                <a:ea typeface="Arial Unicode MS"/>
-                <a:cs typeface="Arial Unicode MS"/>
-              </a:rPr>
-              <a:t>①</a:t>
+                <a:latin typeface="Calibri" pitchFamily="34" charset="0"/>
+              </a:rPr>
+              <a:t>Una </a:t>
+            </a:r>
+            <a:r>
+              <a:rPr lang="it-IT" sz="2400" dirty="0" err="1" smtClean="0">
+                <a:latin typeface="Calibri" pitchFamily="34" charset="0"/>
+              </a:rPr>
+              <a:t>cloud</a:t>
             </a:r>
             <a:r>
               <a:rPr lang="it-IT" sz="2400" dirty="0" smtClean="0">
                 <a:latin typeface="Calibri" pitchFamily="34" charset="0"/>
               </a:rPr>
-              <a:t>, </a:t>
-            </a:r>
-            <a:r>
-              <a:rPr lang="it-IT" sz="2400" dirty="0">
-                <a:latin typeface="Arial Unicode MS"/>
-                <a:ea typeface="Arial Unicode MS"/>
-                <a:cs typeface="Arial Unicode MS"/>
-              </a:rPr>
-              <a:t>②</a:t>
-            </a:r>
-            <a:r>
-              <a:rPr lang="it-IT" sz="2400" dirty="0">
-                <a:latin typeface="Calibri" pitchFamily="34" charset="0"/>
-              </a:rPr>
-              <a:t> </a:t>
-            </a:r>
+              <a:t> per il mondo università ricerca potrebbe voler estendere schemi di federazione già realizzati negli stessi ambienti, in particolare le federazioni di identità.</a:t>
+            </a:r>
+          </a:p>
+          <a:p>
+            <a:pPr lvl="1" eaLnBrk="1" hangingPunct="1">
+              <a:spcBef>
+                <a:spcPct val="0"/>
+              </a:spcBef>
+              <a:spcAft>
+                <a:spcPct val="20000"/>
+              </a:spcAft>
+              <a:buSzPct val="60000"/>
+              <a:defRPr/>
+            </a:pPr>
+            <a:endParaRPr lang="it-IT" sz="2400" dirty="0" smtClean="0">
+              <a:latin typeface="Calibri" pitchFamily="34" charset="0"/>
+            </a:endParaRPr>
+          </a:p>
+          <a:p>
+            <a:pPr lvl="1" eaLnBrk="1" hangingPunct="1">
+              <a:spcBef>
+                <a:spcPct val="0"/>
+              </a:spcBef>
+              <a:spcAft>
+                <a:spcPct val="20000"/>
+              </a:spcAft>
+              <a:buSzPct val="60000"/>
+              <a:defRPr/>
+            </a:pPr>
             <a:r>
               <a:rPr lang="it-IT" sz="2400" dirty="0" smtClean="0">
                 <a:latin typeface="Calibri" pitchFamily="34" charset="0"/>
               </a:rPr>
-              <a:t>e </a:t>
+              <a:t>IDEM, federazione di identità GARR, per trovare applicazione in ambienti </a:t>
+            </a:r>
+            <a:r>
+              <a:rPr lang="it-IT" sz="2400" dirty="0" err="1" smtClean="0">
+                <a:latin typeface="Calibri" pitchFamily="34" charset="0"/>
+              </a:rPr>
+              <a:t>cloud</a:t>
             </a:r>
             <a:r>
               <a:rPr lang="it-IT" sz="2400" dirty="0" smtClean="0">
-                <a:latin typeface="Arial Unicode MS"/>
-                <a:ea typeface="Arial Unicode MS"/>
-                <a:cs typeface="Arial Unicode MS"/>
-              </a:rPr>
-              <a:t>③ </a:t>
-            </a:r>
-            <a:r>
-              <a:rPr lang="it-IT" sz="2400" dirty="0" smtClean="0">
-                <a:latin typeface="Calibri" pitchFamily="34" charset="0"/>
-              </a:rPr>
-              <a:t>non </a:t>
-            </a:r>
-            <a:r>
-              <a:rPr lang="it-IT" sz="2400" dirty="0">
-                <a:latin typeface="Calibri" pitchFamily="34" charset="0"/>
-              </a:rPr>
-              <a:t>supportano il </a:t>
-            </a:r>
-            <a:r>
-              <a:rPr lang="it-IT" sz="2400" dirty="0" err="1">
-                <a:latin typeface="Calibri" pitchFamily="34" charset="0"/>
-              </a:rPr>
-              <a:t>discovery</a:t>
-            </a:r>
-            <a:r>
-              <a:rPr lang="it-IT" sz="2400" dirty="0">
-                <a:latin typeface="Calibri" pitchFamily="34" charset="0"/>
-              </a:rPr>
-              <a:t> </a:t>
-            </a:r>
-            <a:r>
-              <a:rPr lang="it-IT" sz="2400" dirty="0" err="1">
-                <a:latin typeface="Calibri" pitchFamily="34" charset="0"/>
-              </a:rPr>
-              <a:t>dell’IdP</a:t>
-            </a:r>
-            <a:r>
-              <a:rPr lang="it-IT" sz="2400" dirty="0">
-                <a:latin typeface="Calibri" pitchFamily="34" charset="0"/>
-              </a:rPr>
-              <a:t> tramite WAYF (possibile dopo uno sviluppo lato DS).</a:t>
-            </a:r>
+                <a:latin typeface="Calibri" pitchFamily="34" charset="0"/>
+              </a:rPr>
+              <a:t> deve risolvere alcuni problemi.</a:t>
+            </a:r>
+            <a:endParaRPr lang="it-IT" sz="2400" dirty="0">
+              <a:latin typeface="Calibri" pitchFamily="34" charset="0"/>
+            </a:endParaRPr>
           </a:p>
           <a:p>
             <a:pPr lvl="1" eaLnBrk="1" hangingPunct="1">
@@ -7081,146 +7079,11 @@
               <a:defRPr/>
             </a:pPr>
             <a:r>
-              <a:rPr lang="it-IT" sz="2400" dirty="0">
-                <a:latin typeface="Calibri" pitchFamily="34" charset="0"/>
-              </a:rPr>
-              <a:t>Le estensioni </a:t>
-            </a:r>
-            <a:r>
-              <a:rPr lang="it-IT" sz="2400" dirty="0">
-                <a:latin typeface="Arial Unicode MS"/>
-                <a:ea typeface="Arial Unicode MS"/>
-                <a:cs typeface="Arial Unicode MS"/>
-              </a:rPr>
-              <a:t>①</a:t>
-            </a:r>
-            <a:r>
-              <a:rPr lang="it-IT" sz="2400" dirty="0">
-                <a:latin typeface="Calibri" pitchFamily="34" charset="0"/>
-              </a:rPr>
-              <a:t>, </a:t>
-            </a:r>
-            <a:r>
-              <a:rPr lang="it-IT" sz="2400" dirty="0">
-                <a:latin typeface="Arial Unicode MS"/>
-                <a:ea typeface="Arial Unicode MS"/>
-                <a:cs typeface="Arial Unicode MS"/>
-              </a:rPr>
-              <a:t>②</a:t>
-            </a:r>
-            <a:r>
-              <a:rPr lang="it-IT" sz="2400" dirty="0">
-                <a:latin typeface="Calibri" pitchFamily="34" charset="0"/>
-              </a:rPr>
-              <a:t> e </a:t>
-            </a:r>
-            <a:r>
               <a:rPr lang="it-IT" sz="2400" dirty="0" smtClean="0">
-                <a:latin typeface="Arial Unicode MS"/>
-                <a:ea typeface="Arial Unicode MS"/>
-                <a:cs typeface="Arial Unicode MS"/>
-              </a:rPr>
-              <a:t>③ </a:t>
-            </a:r>
-            <a:r>
-              <a:rPr lang="it-IT" sz="2400" dirty="0" smtClean="0">
-                <a:latin typeface="Calibri" pitchFamily="34" charset="0"/>
-              </a:rPr>
-              <a:t>necessitano </a:t>
-            </a:r>
-            <a:r>
-              <a:rPr lang="it-IT" sz="2400" dirty="0">
-                <a:latin typeface="Calibri" pitchFamily="34" charset="0"/>
-              </a:rPr>
-              <a:t>di un </a:t>
-            </a:r>
-            <a:r>
-              <a:rPr lang="it-IT" sz="2400" dirty="0" err="1">
-                <a:latin typeface="Calibri" pitchFamily="34" charset="0"/>
-              </a:rPr>
-              <a:t>deploy</a:t>
-            </a:r>
-            <a:r>
-              <a:rPr lang="it-IT" sz="2400" dirty="0">
-                <a:latin typeface="Calibri" pitchFamily="34" charset="0"/>
-              </a:rPr>
-              <a:t> (comunque abbastanza semplice) sugli </a:t>
-            </a:r>
-            <a:r>
-              <a:rPr lang="it-IT" sz="2400" dirty="0" err="1">
-                <a:latin typeface="Calibri" pitchFamily="34" charset="0"/>
-              </a:rPr>
-              <a:t>IdP</a:t>
-            </a:r>
-            <a:r>
-              <a:rPr lang="it-IT" sz="2400" dirty="0">
-                <a:latin typeface="Calibri" pitchFamily="34" charset="0"/>
-              </a:rPr>
-              <a:t> della </a:t>
-            </a:r>
-            <a:r>
-              <a:rPr lang="it-IT" sz="2400" dirty="0" smtClean="0">
-                <a:latin typeface="Calibri" pitchFamily="34" charset="0"/>
-              </a:rPr>
-              <a:t>federazione </a:t>
-            </a:r>
-            <a:r>
-              <a:rPr lang="it-IT" sz="2400" dirty="0" smtClean="0">
-                <a:latin typeface="Calibri" pitchFamily="34" charset="0"/>
-              </a:rPr>
-              <a:t>(peraltro il codice realizzato funziona solo sugli </a:t>
-            </a:r>
-            <a:r>
-              <a:rPr lang="it-IT" sz="2400" dirty="0" err="1" smtClean="0">
-                <a:latin typeface="Calibri" pitchFamily="34" charset="0"/>
-              </a:rPr>
-              <a:t>IdP</a:t>
-            </a:r>
-            <a:r>
-              <a:rPr lang="it-IT" sz="2400" dirty="0" smtClean="0">
-                <a:latin typeface="Calibri" pitchFamily="34" charset="0"/>
-              </a:rPr>
-              <a:t> che utilizzano il software </a:t>
-            </a:r>
-            <a:r>
-              <a:rPr lang="it-IT" sz="2400" dirty="0" err="1" smtClean="0">
-                <a:latin typeface="Calibri" pitchFamily="34" charset="0"/>
-              </a:rPr>
-              <a:t>Shibboleht</a:t>
-            </a:r>
-            <a:r>
-              <a:rPr lang="it-IT" sz="2400" dirty="0" smtClean="0">
-                <a:latin typeface="Calibri" pitchFamily="34" charset="0"/>
-              </a:rPr>
-              <a:t> sviluppato da Internet2).</a:t>
-            </a:r>
-          </a:p>
-          <a:p>
-            <a:pPr lvl="1" eaLnBrk="1" hangingPunct="1">
-              <a:spcBef>
-                <a:spcPct val="0"/>
-              </a:spcBef>
-              <a:spcAft>
-                <a:spcPct val="20000"/>
-              </a:spcAft>
-              <a:buSzPct val="60000"/>
-              <a:defRPr/>
-            </a:pPr>
-            <a:endParaRPr lang="it-IT" sz="2400" dirty="0" smtClean="0">
-              <a:latin typeface="Calibri" pitchFamily="34" charset="0"/>
-            </a:endParaRPr>
-          </a:p>
-          <a:p>
-            <a:pPr lvl="1" eaLnBrk="1" hangingPunct="1">
-              <a:spcBef>
-                <a:spcPct val="0"/>
-              </a:spcBef>
-              <a:spcAft>
-                <a:spcPct val="20000"/>
-              </a:spcAft>
-              <a:buSzPct val="60000"/>
-              <a:defRPr/>
-            </a:pPr>
+                <a:latin typeface="Calibri" pitchFamily="34" charset="0"/>
+              </a:rPr>
+              <a:t>Le sperimentazioni descritte in questo intervento rappresentano un tentativo, da raffinare, di superare alcune limitazioni attuali (più tecnologiche che di modello).</a:t>
+            </a:r>
             <a:endParaRPr lang="it-IT" sz="2400" dirty="0">
               <a:latin typeface="Calibri" pitchFamily="34" charset="0"/>
             </a:endParaRPr>
@@ -7230,7 +7093,7 @@
     </p:spTree>
     <p:extLst>
       <p:ext uri="{BB962C8B-B14F-4D97-AF65-F5344CB8AC3E}">
-        <p14:creationId xmlns:p14="http://schemas.microsoft.com/office/powerpoint/2010/main" xmlns="" val="4181381060"/>
+        <p14:creationId xmlns:p14="http://schemas.microsoft.com/office/powerpoint/2010/main" xmlns="" val="1968801763"/>
       </p:ext>
     </p:extLst>
   </p:cSld>
@@ -7269,466 +7132,54 @@
       </p:grpSpPr>
       <p:sp>
         <p:nvSpPr>
-          <p:cNvPr id="7170" name="Rectangle 2"/>
-          <p:cNvSpPr>
-            <a:spLocks noGrp="1" noChangeArrowheads="1"/>
+          <p:cNvPr id="2" name="Titolo 1"/>
+          <p:cNvSpPr>
+            <a:spLocks noGrp="1"/>
           </p:cNvSpPr>
           <p:nvPr>
             <p:ph type="title"/>
           </p:nvPr>
         </p:nvSpPr>
-        <p:spPr>
-          <a:xfrm>
-            <a:off x="330200" y="763588"/>
-            <a:ext cx="8167688" cy="455612"/>
-          </a:xfrm>
-        </p:spPr>
+        <p:spPr/>
         <p:txBody>
           <a:bodyPr/>
           <a:lstStyle/>
           <a:p>
-            <a:pPr eaLnBrk="1" hangingPunct="1"/>
-            <a:r>
-              <a:rPr lang="en-GB" sz="2800" b="0" dirty="0">
-                <a:latin typeface="Arial Unicode MS"/>
-                <a:ea typeface="Arial Unicode MS"/>
-                <a:cs typeface="Arial Unicode MS"/>
-              </a:rPr>
-              <a:t>① </a:t>
-            </a:r>
-            <a:r>
-              <a:rPr lang="en-GB" sz="1800" b="0" dirty="0" smtClean="0">
-                <a:latin typeface="Arial Unicode MS"/>
-                <a:ea typeface="Arial Unicode MS"/>
-                <a:cs typeface="Arial Unicode MS"/>
-              </a:rPr>
-              <a:t>+</a:t>
-            </a:r>
-            <a:r>
-              <a:rPr lang="en-GB" sz="2800" b="0" dirty="0" smtClean="0">
-                <a:latin typeface="Arial Unicode MS"/>
-                <a:ea typeface="Arial Unicode MS"/>
-                <a:cs typeface="Arial Unicode MS"/>
-              </a:rPr>
-              <a:t> ②</a:t>
-            </a:r>
-            <a:r>
-              <a:rPr lang="en-GB" sz="2800" b="0" dirty="0">
-                <a:latin typeface="Arial Unicode MS"/>
-                <a:ea typeface="Arial Unicode MS"/>
-                <a:cs typeface="Arial Unicode MS"/>
-              </a:rPr>
-              <a:t> </a:t>
-            </a:r>
-            <a:r>
-              <a:rPr lang="en-GB" sz="1800" b="0" dirty="0">
-                <a:latin typeface="Arial Unicode MS"/>
-                <a:ea typeface="Arial Unicode MS"/>
-                <a:cs typeface="Arial Unicode MS"/>
-              </a:rPr>
-              <a:t>+</a:t>
-            </a:r>
-            <a:r>
-              <a:rPr lang="en-GB" sz="2800" b="0" dirty="0">
-                <a:latin typeface="Arial Unicode MS"/>
-                <a:ea typeface="Arial Unicode MS"/>
-                <a:cs typeface="Arial Unicode MS"/>
-              </a:rPr>
-              <a:t> </a:t>
-            </a:r>
-            <a:r>
-              <a:rPr lang="en-GB" sz="2800" b="0" dirty="0" smtClean="0">
-                <a:latin typeface="Arial Unicode MS"/>
-                <a:ea typeface="Arial Unicode MS"/>
-                <a:cs typeface="Arial Unicode MS"/>
-              </a:rPr>
-              <a:t>③ </a:t>
-            </a:r>
-            <a:r>
-              <a:rPr lang="en-GB" sz="2800" b="0" dirty="0" err="1" smtClean="0">
-                <a:latin typeface="Arial Unicode MS"/>
-                <a:ea typeface="Arial Unicode MS"/>
-                <a:cs typeface="Arial Unicode MS"/>
-              </a:rPr>
-              <a:t>Problemi</a:t>
-            </a:r>
-            <a:r>
-              <a:rPr lang="en-GB" sz="2800" b="0" dirty="0" smtClean="0">
-                <a:latin typeface="Arial Unicode MS"/>
-                <a:ea typeface="Arial Unicode MS"/>
-                <a:cs typeface="Arial Unicode MS"/>
-              </a:rPr>
-              <a:t> </a:t>
-            </a:r>
-            <a:r>
-              <a:rPr lang="en-GB" sz="2800" b="0" dirty="0" err="1" smtClean="0">
-                <a:latin typeface="Arial Unicode MS"/>
-                <a:ea typeface="Arial Unicode MS"/>
-                <a:cs typeface="Arial Unicode MS"/>
-              </a:rPr>
-              <a:t>aperti</a:t>
-            </a:r>
-            <a:endParaRPr lang="en-GB" sz="2800" b="0" dirty="0" smtClean="0">
-              <a:latin typeface="Calibri" pitchFamily="34" charset="0"/>
-            </a:endParaRPr>
+            <a:r>
+              <a:rPr lang="it-IT" dirty="0" smtClean="0"/>
+              <a:t>Grazie per l’Attenzione!</a:t>
+            </a:r>
+            <a:endParaRPr lang="it-IT" dirty="0"/>
           </a:p>
         </p:txBody>
       </p:sp>
       <p:sp>
         <p:nvSpPr>
-          <p:cNvPr id="5" name="Rectangle 3"/>
-          <p:cNvSpPr>
-            <a:spLocks noGrp="1" noChangeArrowheads="1"/>
-          </p:cNvSpPr>
-          <p:nvPr>
-            <p:ph type="body" sz="half" idx="1"/>
-          </p:nvPr>
-        </p:nvSpPr>
-        <p:spPr>
-          <a:xfrm>
-            <a:off x="517525" y="1319213"/>
-            <a:ext cx="8296275" cy="4294187"/>
-          </a:xfrm>
-        </p:spPr>
+          <p:cNvPr id="3" name="Segnaposto testo 2"/>
+          <p:cNvSpPr>
+            <a:spLocks noGrp="1"/>
+          </p:cNvSpPr>
+          <p:nvPr>
+            <p:ph type="body" idx="1"/>
+          </p:nvPr>
+        </p:nvSpPr>
+        <p:spPr/>
         <p:txBody>
           <a:bodyPr/>
           <a:lstStyle/>
           <a:p>
-            <a:pPr lvl="1" eaLnBrk="1" hangingPunct="1">
-              <a:spcBef>
-                <a:spcPct val="0"/>
-              </a:spcBef>
-              <a:spcAft>
-                <a:spcPct val="20000"/>
-              </a:spcAft>
-              <a:buSzPct val="60000"/>
-              <a:defRPr/>
-            </a:pPr>
-            <a:r>
-              <a:rPr lang="it-IT" sz="2400" dirty="0">
-                <a:latin typeface="Calibri" pitchFamily="34" charset="0"/>
-              </a:rPr>
-              <a:t>Attualmente le estensioni </a:t>
-            </a:r>
-            <a:r>
-              <a:rPr lang="it-IT" sz="2400" dirty="0" smtClean="0">
-                <a:latin typeface="Arial Unicode MS"/>
-                <a:ea typeface="Arial Unicode MS"/>
-                <a:cs typeface="Arial Unicode MS"/>
-              </a:rPr>
-              <a:t>①</a:t>
-            </a:r>
-            <a:r>
-              <a:rPr lang="it-IT" sz="2400" dirty="0" smtClean="0">
-                <a:latin typeface="Calibri" pitchFamily="34" charset="0"/>
-              </a:rPr>
-              <a:t>, </a:t>
-            </a:r>
-            <a:r>
-              <a:rPr lang="it-IT" sz="2400" dirty="0">
-                <a:latin typeface="Arial Unicode MS"/>
-                <a:ea typeface="Arial Unicode MS"/>
-                <a:cs typeface="Arial Unicode MS"/>
-              </a:rPr>
-              <a:t>②</a:t>
-            </a:r>
-            <a:r>
-              <a:rPr lang="it-IT" sz="2400" dirty="0">
-                <a:latin typeface="Calibri" pitchFamily="34" charset="0"/>
-              </a:rPr>
-              <a:t> </a:t>
-            </a:r>
-            <a:r>
-              <a:rPr lang="it-IT" sz="2400" dirty="0" smtClean="0">
-                <a:latin typeface="Calibri" pitchFamily="34" charset="0"/>
-              </a:rPr>
-              <a:t>e </a:t>
-            </a:r>
-            <a:r>
-              <a:rPr lang="it-IT" sz="2400" dirty="0" smtClean="0">
-                <a:latin typeface="Arial Unicode MS"/>
-                <a:ea typeface="Arial Unicode MS"/>
-                <a:cs typeface="Arial Unicode MS"/>
-              </a:rPr>
-              <a:t>③ </a:t>
-            </a:r>
-            <a:r>
-              <a:rPr lang="it-IT" sz="2400" dirty="0" smtClean="0">
-                <a:latin typeface="Calibri" pitchFamily="34" charset="0"/>
-              </a:rPr>
-              <a:t>non </a:t>
-            </a:r>
-            <a:r>
-              <a:rPr lang="it-IT" sz="2400" dirty="0">
-                <a:latin typeface="Calibri" pitchFamily="34" charset="0"/>
-              </a:rPr>
-              <a:t>supportano il </a:t>
-            </a:r>
-            <a:r>
-              <a:rPr lang="it-IT" sz="2400" dirty="0" err="1">
-                <a:latin typeface="Calibri" pitchFamily="34" charset="0"/>
-              </a:rPr>
-              <a:t>discovery</a:t>
-            </a:r>
-            <a:r>
-              <a:rPr lang="it-IT" sz="2400" dirty="0">
-                <a:latin typeface="Calibri" pitchFamily="34" charset="0"/>
-              </a:rPr>
-              <a:t> </a:t>
-            </a:r>
-            <a:r>
-              <a:rPr lang="it-IT" sz="2400" dirty="0" err="1">
-                <a:latin typeface="Calibri" pitchFamily="34" charset="0"/>
-              </a:rPr>
-              <a:t>dell’IdP</a:t>
-            </a:r>
-            <a:r>
-              <a:rPr lang="it-IT" sz="2400" dirty="0">
-                <a:latin typeface="Calibri" pitchFamily="34" charset="0"/>
-              </a:rPr>
-              <a:t> tramite WAYF (possibile dopo uno sviluppo lato DS).</a:t>
-            </a:r>
-          </a:p>
-          <a:p>
-            <a:pPr lvl="1" eaLnBrk="1" hangingPunct="1">
-              <a:spcBef>
-                <a:spcPct val="0"/>
-              </a:spcBef>
-              <a:spcAft>
-                <a:spcPct val="20000"/>
-              </a:spcAft>
-              <a:buSzPct val="60000"/>
-              <a:defRPr/>
-            </a:pPr>
-            <a:endParaRPr lang="it-IT" sz="2400" dirty="0">
-              <a:latin typeface="Calibri" pitchFamily="34" charset="0"/>
-            </a:endParaRPr>
-          </a:p>
-          <a:p>
-            <a:pPr lvl="1" eaLnBrk="1" hangingPunct="1">
-              <a:spcBef>
-                <a:spcPct val="0"/>
-              </a:spcBef>
-              <a:spcAft>
-                <a:spcPct val="20000"/>
-              </a:spcAft>
-              <a:buSzPct val="60000"/>
-              <a:defRPr/>
-            </a:pPr>
-            <a:r>
-              <a:rPr lang="it-IT" sz="2400" dirty="0" smtClean="0">
-                <a:latin typeface="Calibri" pitchFamily="34" charset="0"/>
-              </a:rPr>
-              <a:t>Le </a:t>
-            </a:r>
-            <a:r>
-              <a:rPr lang="it-IT" sz="2400" dirty="0">
-                <a:latin typeface="Calibri" pitchFamily="34" charset="0"/>
-              </a:rPr>
-              <a:t>estensioni </a:t>
-            </a:r>
-            <a:r>
-              <a:rPr lang="it-IT" sz="2400" dirty="0">
-                <a:latin typeface="Arial Unicode MS"/>
-                <a:ea typeface="Arial Unicode MS"/>
-                <a:cs typeface="Arial Unicode MS"/>
-              </a:rPr>
-              <a:t>①</a:t>
-            </a:r>
-            <a:r>
-              <a:rPr lang="it-IT" sz="2400" dirty="0">
-                <a:latin typeface="Calibri" pitchFamily="34" charset="0"/>
-              </a:rPr>
-              <a:t>, </a:t>
-            </a:r>
-            <a:r>
-              <a:rPr lang="it-IT" sz="2400" dirty="0">
-                <a:latin typeface="Arial Unicode MS"/>
-                <a:ea typeface="Arial Unicode MS"/>
-                <a:cs typeface="Arial Unicode MS"/>
-              </a:rPr>
-              <a:t>②</a:t>
-            </a:r>
-            <a:r>
-              <a:rPr lang="it-IT" sz="2400" dirty="0">
-                <a:latin typeface="Calibri" pitchFamily="34" charset="0"/>
-              </a:rPr>
-              <a:t> e </a:t>
-            </a:r>
-            <a:r>
-              <a:rPr lang="it-IT" sz="2400" dirty="0" smtClean="0">
-                <a:latin typeface="Arial Unicode MS"/>
-                <a:ea typeface="Arial Unicode MS"/>
-                <a:cs typeface="Arial Unicode MS"/>
-              </a:rPr>
-              <a:t>③ </a:t>
-            </a:r>
-            <a:r>
-              <a:rPr lang="it-IT" sz="2400" dirty="0" smtClean="0">
-                <a:latin typeface="Calibri" pitchFamily="34" charset="0"/>
-              </a:rPr>
-              <a:t>necessitano </a:t>
-            </a:r>
-            <a:r>
-              <a:rPr lang="it-IT" sz="2400" dirty="0">
-                <a:latin typeface="Calibri" pitchFamily="34" charset="0"/>
-              </a:rPr>
-              <a:t>di un </a:t>
-            </a:r>
-            <a:r>
-              <a:rPr lang="it-IT" sz="2400" dirty="0" err="1">
-                <a:latin typeface="Calibri" pitchFamily="34" charset="0"/>
-              </a:rPr>
-              <a:t>deploy</a:t>
-            </a:r>
-            <a:r>
-              <a:rPr lang="it-IT" sz="2400" dirty="0">
-                <a:latin typeface="Calibri" pitchFamily="34" charset="0"/>
-              </a:rPr>
-              <a:t> (comunque abbastanza semplice) sugli </a:t>
-            </a:r>
-            <a:r>
-              <a:rPr lang="it-IT" sz="2400" dirty="0" err="1">
-                <a:latin typeface="Calibri" pitchFamily="34" charset="0"/>
-              </a:rPr>
-              <a:t>IdP</a:t>
-            </a:r>
-            <a:r>
-              <a:rPr lang="it-IT" sz="2400" dirty="0">
-                <a:latin typeface="Calibri" pitchFamily="34" charset="0"/>
-              </a:rPr>
-              <a:t> della </a:t>
-            </a:r>
-            <a:r>
-              <a:rPr lang="it-IT" sz="2400" dirty="0" smtClean="0">
-                <a:latin typeface="Calibri" pitchFamily="34" charset="0"/>
-              </a:rPr>
-              <a:t>federazione </a:t>
-            </a:r>
-            <a:r>
-              <a:rPr lang="it-IT" sz="2400" dirty="0" smtClean="0">
-                <a:latin typeface="Calibri" pitchFamily="34" charset="0"/>
-              </a:rPr>
-              <a:t>(peraltro il codice realizzato funziona solo sugli </a:t>
-            </a:r>
-            <a:r>
-              <a:rPr lang="it-IT" sz="2400" dirty="0" err="1" smtClean="0">
-                <a:latin typeface="Calibri" pitchFamily="34" charset="0"/>
-              </a:rPr>
-              <a:t>IdP</a:t>
-            </a:r>
-            <a:r>
-              <a:rPr lang="it-IT" sz="2400" dirty="0" smtClean="0">
-                <a:latin typeface="Calibri" pitchFamily="34" charset="0"/>
-              </a:rPr>
-              <a:t> che utilizzano il software </a:t>
-            </a:r>
-            <a:r>
-              <a:rPr lang="it-IT" sz="2400" dirty="0" err="1" smtClean="0">
-                <a:latin typeface="Calibri" pitchFamily="34" charset="0"/>
-              </a:rPr>
-              <a:t>Shibboleht</a:t>
-            </a:r>
-            <a:r>
-              <a:rPr lang="it-IT" sz="2400" dirty="0" smtClean="0">
-                <a:latin typeface="Calibri" pitchFamily="34" charset="0"/>
-              </a:rPr>
-              <a:t> sviluppato da Internet2).</a:t>
-            </a:r>
-          </a:p>
-          <a:p>
-            <a:pPr lvl="1" eaLnBrk="1" hangingPunct="1">
-              <a:spcBef>
-                <a:spcPct val="0"/>
-              </a:spcBef>
-              <a:spcAft>
-                <a:spcPct val="20000"/>
-              </a:spcAft>
-              <a:buSzPct val="60000"/>
-              <a:defRPr/>
-            </a:pPr>
-            <a:endParaRPr lang="it-IT" sz="2400" dirty="0" smtClean="0">
-              <a:latin typeface="Calibri" pitchFamily="34" charset="0"/>
-            </a:endParaRPr>
-          </a:p>
-          <a:p>
-            <a:pPr lvl="1" eaLnBrk="1" hangingPunct="1">
-              <a:spcBef>
-                <a:spcPct val="0"/>
-              </a:spcBef>
-              <a:spcAft>
-                <a:spcPct val="20000"/>
-              </a:spcAft>
-              <a:buSzPct val="60000"/>
-              <a:defRPr/>
-            </a:pPr>
-            <a:r>
-              <a:rPr lang="it-IT" sz="2400" dirty="0" smtClean="0">
-                <a:latin typeface="Calibri" pitchFamily="34" charset="0"/>
-              </a:rPr>
-              <a:t>Il lavoro si è concentrato sugli aspetti di </a:t>
-            </a:r>
-            <a:r>
-              <a:rPr lang="it-IT" sz="2400" dirty="0" err="1" smtClean="0">
-                <a:latin typeface="Calibri" pitchFamily="34" charset="0"/>
-              </a:rPr>
-              <a:t>AuthN</a:t>
-            </a:r>
-            <a:r>
-              <a:rPr lang="it-IT" sz="2400" dirty="0" smtClean="0">
-                <a:latin typeface="Calibri" pitchFamily="34" charset="0"/>
-              </a:rPr>
-              <a:t> e </a:t>
-            </a:r>
-            <a:r>
-              <a:rPr lang="it-IT" sz="2400" dirty="0" err="1" smtClean="0">
-                <a:latin typeface="Calibri" pitchFamily="34" charset="0"/>
-              </a:rPr>
-              <a:t>AuthZ</a:t>
-            </a:r>
-            <a:r>
-              <a:rPr lang="it-IT" sz="2400" dirty="0" smtClean="0">
-                <a:latin typeface="Calibri" pitchFamily="34" charset="0"/>
-              </a:rPr>
-              <a:t>, non ha preso in considerazione aspetti di accounting, che invece rappresentano un elemento distintivo per le soluzioni </a:t>
-            </a:r>
-            <a:r>
-              <a:rPr lang="it-IT" sz="2400" dirty="0" err="1" smtClean="0">
-                <a:latin typeface="Calibri" pitchFamily="34" charset="0"/>
-              </a:rPr>
-              <a:t>cloud</a:t>
-            </a:r>
-            <a:r>
-              <a:rPr lang="it-IT" sz="2400" dirty="0" smtClean="0">
-                <a:latin typeface="Calibri" pitchFamily="34" charset="0"/>
-              </a:rPr>
-              <a:t>.</a:t>
-            </a:r>
-            <a:endParaRPr lang="it-IT" sz="2400" dirty="0" smtClean="0">
-              <a:latin typeface="Calibri" pitchFamily="34" charset="0"/>
-            </a:endParaRPr>
-          </a:p>
-          <a:p>
-            <a:pPr lvl="1" eaLnBrk="1" hangingPunct="1">
-              <a:spcBef>
-                <a:spcPct val="0"/>
-              </a:spcBef>
-              <a:spcAft>
-                <a:spcPct val="20000"/>
-              </a:spcAft>
-              <a:buSzPct val="60000"/>
-              <a:defRPr/>
-            </a:pPr>
-            <a:endParaRPr lang="it-IT" sz="2400" dirty="0">
-              <a:latin typeface="Calibri" pitchFamily="34" charset="0"/>
-            </a:endParaRPr>
+            <a:r>
+              <a:rPr lang="it-IT" dirty="0" smtClean="0"/>
+              <a:t>Fine presentazione.</a:t>
+            </a:r>
+            <a:endParaRPr lang="it-IT" dirty="0"/>
           </a:p>
         </p:txBody>
       </p:sp>
     </p:spTree>
     <p:extLst>
       <p:ext uri="{BB962C8B-B14F-4D97-AF65-F5344CB8AC3E}">
-        <p14:creationId xmlns:p14="http://schemas.microsoft.com/office/powerpoint/2010/main" xmlns="" val="4181381060"/>
+        <p14:creationId xmlns:p14="http://schemas.microsoft.com/office/powerpoint/2010/main" xmlns="" val="3889417410"/>
       </p:ext>
     </p:extLst>
   </p:cSld>
@@ -7787,14 +7238,78 @@
           <a:p>
             <a:pPr eaLnBrk="1" hangingPunct="1"/>
             <a:r>
-              <a:rPr lang="it-IT" sz="2800" b="0" smtClean="0">
+              <a:rPr lang="en-GB" sz="2800" b="0" dirty="0">
                 <a:latin typeface="Arial Unicode MS"/>
                 <a:ea typeface="Arial Unicode MS"/>
                 <a:cs typeface="Arial Unicode MS"/>
               </a:rPr>
-              <a:t>Conclusioni</a:t>
-            </a:r>
-            <a:endParaRPr lang="it-IT" sz="2800" b="0" smtClean="0">
+              <a:t>① </a:t>
+            </a:r>
+            <a:r>
+              <a:rPr lang="en-GB" sz="1800" b="0" dirty="0" smtClean="0">
+                <a:latin typeface="Arial Unicode MS"/>
+                <a:ea typeface="Arial Unicode MS"/>
+                <a:cs typeface="Arial Unicode MS"/>
+              </a:rPr>
+              <a:t>+</a:t>
+            </a:r>
+            <a:r>
+              <a:rPr lang="en-GB" sz="2800" b="0" dirty="0" smtClean="0">
+                <a:latin typeface="Arial Unicode MS"/>
+                <a:ea typeface="Arial Unicode MS"/>
+                <a:cs typeface="Arial Unicode MS"/>
+              </a:rPr>
+              <a:t> ②</a:t>
+            </a:r>
+            <a:r>
+              <a:rPr lang="en-GB" sz="2800" b="0" dirty="0">
+                <a:latin typeface="Arial Unicode MS"/>
+                <a:ea typeface="Arial Unicode MS"/>
+                <a:cs typeface="Arial Unicode MS"/>
+              </a:rPr>
+              <a:t> </a:t>
+            </a:r>
+            <a:r>
+              <a:rPr lang="en-GB" sz="1800" b="0" dirty="0">
+                <a:latin typeface="Arial Unicode MS"/>
+                <a:ea typeface="Arial Unicode MS"/>
+                <a:cs typeface="Arial Unicode MS"/>
+              </a:rPr>
+              <a:t>+</a:t>
+            </a:r>
+            <a:r>
+              <a:rPr lang="en-GB" sz="2800" b="0" dirty="0">
+                <a:latin typeface="Arial Unicode MS"/>
+                <a:ea typeface="Arial Unicode MS"/>
+                <a:cs typeface="Arial Unicode MS"/>
+              </a:rPr>
+              <a:t> </a:t>
+            </a:r>
+            <a:r>
+              <a:rPr lang="en-GB" sz="2800" b="0" dirty="0" smtClean="0">
+                <a:latin typeface="Arial Unicode MS"/>
+                <a:ea typeface="Arial Unicode MS"/>
+                <a:cs typeface="Arial Unicode MS"/>
+              </a:rPr>
+              <a:t>③ </a:t>
+            </a:r>
+            <a:r>
+              <a:rPr lang="en-GB" sz="2800" b="0" dirty="0" err="1" smtClean="0">
+                <a:latin typeface="Arial Unicode MS"/>
+                <a:ea typeface="Arial Unicode MS"/>
+                <a:cs typeface="Arial Unicode MS"/>
+              </a:rPr>
+              <a:t>Benefici</a:t>
+            </a:r>
+            <a:r>
+              <a:rPr lang="en-GB" sz="2800" b="0" dirty="0" smtClean="0">
+                <a:latin typeface="Arial Unicode MS"/>
+                <a:ea typeface="Arial Unicode MS"/>
+                <a:cs typeface="Arial Unicode MS"/>
+              </a:rPr>
+              <a:t> per IDEM</a:t>
+            </a:r>
+            <a:endParaRPr lang="en-GB" sz="2800" b="0" dirty="0" smtClean="0">
               <a:latin typeface="Calibri" pitchFamily="34" charset="0"/>
             </a:endParaRPr>
           </a:p>
@@ -7831,71 +7346,51 @@
               <a:defRPr/>
             </a:pPr>
             <a:r>
+              <a:rPr lang="it-IT" sz="2400" dirty="0">
+                <a:latin typeface="Calibri" pitchFamily="34" charset="0"/>
+              </a:rPr>
+              <a:t>Le </a:t>
+            </a:r>
+            <a:r>
               <a:rPr lang="it-IT" sz="2400" dirty="0" smtClean="0">
                 <a:latin typeface="Calibri" pitchFamily="34" charset="0"/>
               </a:rPr>
-              <a:t>Una </a:t>
-            </a:r>
-            <a:r>
-              <a:rPr lang="it-IT" sz="2400" dirty="0" err="1" smtClean="0">
-                <a:latin typeface="Calibri" pitchFamily="34" charset="0"/>
-              </a:rPr>
-              <a:t>cloud</a:t>
+              <a:t>estensioni </a:t>
             </a:r>
             <a:r>
               <a:rPr lang="it-IT" sz="2400" dirty="0" smtClean="0">
-                <a:latin typeface="Calibri" pitchFamily="34" charset="0"/>
-              </a:rPr>
-              <a:t> per il mondo università ricerca potrebbe voler estendere schemi di federazione già realizzati negli stessi ambienti, in particolare le federazioni di identità.</a:t>
-            </a:r>
-          </a:p>
-          <a:p>
-            <a:pPr lvl="1" eaLnBrk="1" hangingPunct="1">
-              <a:spcBef>
-                <a:spcPct val="0"/>
-              </a:spcBef>
-              <a:spcAft>
-                <a:spcPct val="20000"/>
-              </a:spcAft>
-              <a:buSzPct val="60000"/>
-              <a:defRPr/>
-            </a:pPr>
-            <a:endParaRPr lang="it-IT" sz="2400" dirty="0" smtClean="0">
-              <a:latin typeface="Calibri" pitchFamily="34" charset="0"/>
-            </a:endParaRPr>
-          </a:p>
-          <a:p>
-            <a:pPr lvl="1" eaLnBrk="1" hangingPunct="1">
-              <a:spcBef>
-                <a:spcPct val="0"/>
-              </a:spcBef>
-              <a:spcAft>
-                <a:spcPct val="20000"/>
-              </a:spcAft>
-              <a:buSzPct val="60000"/>
-              <a:defRPr/>
-            </a:pPr>
+                <a:latin typeface="Arial Unicode MS"/>
+                <a:ea typeface="Arial Unicode MS"/>
+                <a:cs typeface="Arial Unicode MS"/>
+              </a:rPr>
+              <a:t>①</a:t>
+            </a:r>
             <a:r>
               <a:rPr lang="it-IT" sz="2400" dirty="0" smtClean="0">
                 <a:latin typeface="Calibri" pitchFamily="34" charset="0"/>
               </a:rPr>
-              <a:t>IDEM, federazione di identità GARR, per trovare applicazione in ambienti </a:t>
-            </a:r>
-            <a:r>
-              <a:rPr lang="it-IT" sz="2400" dirty="0" err="1" smtClean="0">
-                <a:latin typeface="Calibri" pitchFamily="34" charset="0"/>
-              </a:rPr>
-              <a:t>cloud</a:t>
+              <a:t> + </a:t>
             </a:r>
             <a:r>
               <a:rPr lang="it-IT" sz="2400" dirty="0" smtClean="0">
-                <a:latin typeface="Calibri" pitchFamily="34" charset="0"/>
-              </a:rPr>
-              <a:t> deve risolvere alcuni problemi.</a:t>
-            </a:r>
-            <a:endParaRPr lang="it-IT" sz="2400" dirty="0">
-              <a:latin typeface="Calibri" pitchFamily="34" charset="0"/>
-            </a:endParaRPr>
+                <a:latin typeface="Arial Unicode MS"/>
+                <a:ea typeface="Arial Unicode MS"/>
+                <a:cs typeface="Arial Unicode MS"/>
+              </a:rPr>
+              <a:t>②</a:t>
+            </a:r>
+            <a:r>
+              <a:rPr lang="it-IT" sz="2400" dirty="0" smtClean="0">
+                <a:latin typeface="Calibri" pitchFamily="34" charset="0"/>
+              </a:rPr>
+              <a:t> </a:t>
+            </a:r>
+            <a:r>
+              <a:rPr lang="it-IT" sz="2400" dirty="0">
+                <a:latin typeface="Calibri" pitchFamily="34" charset="0"/>
+              </a:rPr>
+              <a:t>permettono ad IDEM di allargarsi includendo nuove applicazioni.</a:t>
+            </a:r>
           </a:p>
           <a:p>
             <a:pPr lvl="1" eaLnBrk="1" hangingPunct="1">
@@ -7924,12 +7419,78 @@
               <a:defRPr/>
             </a:pPr>
             <a:r>
+              <a:rPr lang="it-IT" sz="2400" dirty="0">
+                <a:latin typeface="Calibri" pitchFamily="34" charset="0"/>
+              </a:rPr>
+              <a:t>Le estensioni </a:t>
+            </a:r>
+            <a:r>
               <a:rPr lang="it-IT" sz="2400" dirty="0" smtClean="0">
                 <a:latin typeface="Calibri" pitchFamily="34" charset="0"/>
               </a:rPr>
-              <a:t>Le sperimentazioni descritte in questo intervento rappresentano un tentativo, da raffinare, di superare alcune limitazioni attuali (più tecnologiche che di modello).</a:t>
-            </a:r>
-            <a:endParaRPr lang="it-IT" sz="2400" dirty="0">
+              <a:t>non alterano i </a:t>
+            </a:r>
+            <a:r>
+              <a:rPr lang="it-IT" sz="2400" dirty="0">
+                <a:latin typeface="Calibri" pitchFamily="34" charset="0"/>
+              </a:rPr>
+              <a:t>concetti </a:t>
+            </a:r>
+            <a:r>
+              <a:rPr lang="it-IT" sz="2400" dirty="0" smtClean="0">
+                <a:latin typeface="Calibri" pitchFamily="34" charset="0"/>
+              </a:rPr>
+              <a:t>comunitari di IDEM:</a:t>
+            </a:r>
+          </a:p>
+          <a:p>
+            <a:pPr marL="630238" lvl="1" eaLnBrk="1" hangingPunct="1">
+              <a:spcBef>
+                <a:spcPct val="0"/>
+              </a:spcBef>
+              <a:spcAft>
+                <a:spcPct val="20000"/>
+              </a:spcAft>
+              <a:buSzPct val="60000"/>
+              <a:defRPr/>
+            </a:pPr>
+            <a:r>
+              <a:rPr lang="it-IT" sz="2000" dirty="0" smtClean="0">
+                <a:latin typeface="Calibri" pitchFamily="34" charset="0"/>
+              </a:rPr>
+              <a:t>uniformità d’accesso e di gestione degli attributi utente</a:t>
+            </a:r>
+          </a:p>
+          <a:p>
+            <a:pPr marL="630238" lvl="1" eaLnBrk="1" hangingPunct="1">
+              <a:spcBef>
+                <a:spcPct val="0"/>
+              </a:spcBef>
+              <a:spcAft>
+                <a:spcPct val="20000"/>
+              </a:spcAft>
+              <a:buSzPct val="60000"/>
+              <a:defRPr/>
+            </a:pPr>
+            <a:r>
+              <a:rPr lang="it-IT" sz="2000" dirty="0" smtClean="0">
+                <a:latin typeface="Calibri" pitchFamily="34" charset="0"/>
+              </a:rPr>
+              <a:t>gestione federata e distribuita dell’AAI</a:t>
+            </a:r>
+          </a:p>
+          <a:p>
+            <a:pPr lvl="1" eaLnBrk="1" hangingPunct="1">
+              <a:spcBef>
+                <a:spcPct val="0"/>
+              </a:spcBef>
+              <a:spcAft>
+                <a:spcPct val="20000"/>
+              </a:spcAft>
+              <a:buSzPct val="60000"/>
+              <a:defRPr/>
+            </a:pPr>
+            <a:endParaRPr lang="en-GB" sz="2400" dirty="0" smtClean="0">
               <a:latin typeface="Calibri" pitchFamily="34" charset="0"/>
             </a:endParaRPr>
           </a:p>
@@ -7938,7 +7499,7 @@
     </p:spTree>
     <p:extLst>
       <p:ext uri="{BB962C8B-B14F-4D97-AF65-F5344CB8AC3E}">
-        <p14:creationId xmlns:p14="http://schemas.microsoft.com/office/powerpoint/2010/main" xmlns="" val="1968801763"/>
+        <p14:creationId xmlns:p14="http://schemas.microsoft.com/office/powerpoint/2010/main" xmlns="" val="1228264753"/>
       </p:ext>
     </p:extLst>
   </p:cSld>
@@ -7977,9 +7538,9 @@
       </p:grpSpPr>
       <p:sp>
         <p:nvSpPr>
-          <p:cNvPr id="2" name="Titolo 1"/>
-          <p:cNvSpPr>
-            <a:spLocks noGrp="1"/>
+          <p:cNvPr id="7170" name="Rectangle 2"/>
+          <p:cNvSpPr>
+            <a:spLocks noGrp="1" noChangeArrowheads="1"/>
           </p:cNvSpPr>
           <p:nvPr>
             <p:ph type="title"/>
@@ -7990,34 +7551,829 @@
           <a:bodyPr/>
           <a:lstStyle/>
           <a:p>
-            <a:r>
-              <a:rPr lang="it-IT" dirty="0" smtClean="0"/>
-              <a:t>Grazie per l’Attenzione!</a:t>
-            </a:r>
-            <a:endParaRPr lang="it-IT" dirty="0"/>
+            <a:pPr eaLnBrk="1" hangingPunct="1"/>
+            <a:r>
+              <a:rPr lang="en-GB" sz="2800" b="0" dirty="0">
+                <a:latin typeface="Arial Unicode MS"/>
+                <a:ea typeface="Arial Unicode MS"/>
+                <a:cs typeface="Arial Unicode MS"/>
+              </a:rPr>
+              <a:t>① </a:t>
+            </a:r>
+            <a:r>
+              <a:rPr lang="it-IT" sz="2800" b="0" dirty="0" smtClean="0">
+                <a:latin typeface="Arial Unicode MS"/>
+                <a:ea typeface="Arial Unicode MS"/>
+                <a:cs typeface="Arial Unicode MS"/>
+              </a:rPr>
+              <a:t>Esempi di utilizzo delle API</a:t>
+            </a:r>
+            <a:endParaRPr lang="it-IT" sz="2800" b="0" dirty="0" smtClean="0">
+              <a:latin typeface="Calibri" pitchFamily="34" charset="0"/>
+            </a:endParaRPr>
           </a:p>
         </p:txBody>
       </p:sp>
       <p:sp>
         <p:nvSpPr>
-          <p:cNvPr id="3" name="Segnaposto testo 2"/>
-          <p:cNvSpPr>
-            <a:spLocks noGrp="1"/>
-          </p:cNvSpPr>
-          <p:nvPr>
-            <p:ph type="body" idx="1"/>
-          </p:nvPr>
-        </p:nvSpPr>
-        <p:spPr/>
+          <p:cNvPr id="5" name="Rectangle 3"/>
+          <p:cNvSpPr>
+            <a:spLocks noGrp="1" noChangeArrowheads="1"/>
+          </p:cNvSpPr>
+          <p:nvPr>
+            <p:ph sz="half" idx="1"/>
+          </p:nvPr>
+        </p:nvSpPr>
+        <p:spPr>
+          <a:xfrm>
+            <a:off x="460859" y="1573213"/>
+            <a:ext cx="4169664" cy="4294187"/>
+          </a:xfrm>
+          <a:solidFill>
+            <a:schemeClr val="accent3">
+              <a:lumMod val="85000"/>
+            </a:schemeClr>
+          </a:solidFill>
+          <a:effectLst>
+            <a:outerShdw blurRad="50800" dist="38100" dir="2700000" algn="tl" rotWithShape="0">
+              <a:prstClr val="black">
+                <a:alpha val="40000"/>
+              </a:prstClr>
+            </a:outerShdw>
+            <a:softEdge rad="31750"/>
+          </a:effectLst>
+        </p:spPr>
         <p:txBody>
           <a:bodyPr/>
           <a:lstStyle/>
           <a:p>
-            <a:r>
-              <a:rPr lang="it-IT" dirty="0" smtClean="0"/>
-              <a:t>Fine presentazione.</a:t>
-            </a:r>
-            <a:endParaRPr lang="it-IT" dirty="0"/>
+            <a:pPr marL="1587" lvl="1" indent="0" eaLnBrk="1" hangingPunct="1">
+              <a:spcBef>
+                <a:spcPct val="0"/>
+              </a:spcBef>
+              <a:spcAft>
+                <a:spcPct val="20000"/>
+              </a:spcAft>
+              <a:buSzPct val="60000"/>
+              <a:buNone/>
+              <a:defRPr/>
+            </a:pPr>
+            <a:endParaRPr lang="it-IT" sz="1200" dirty="0" smtClean="0">
+              <a:cs typeface="Courier New" pitchFamily="49" charset="0"/>
+            </a:endParaRPr>
+          </a:p>
+          <a:p>
+            <a:pPr marL="1587" lvl="1" indent="0" algn="ctr" eaLnBrk="1" hangingPunct="1">
+              <a:spcBef>
+                <a:spcPct val="0"/>
+              </a:spcBef>
+              <a:spcAft>
+                <a:spcPct val="20000"/>
+              </a:spcAft>
+              <a:buSzPct val="60000"/>
+              <a:buNone/>
+              <a:defRPr/>
+            </a:pPr>
+            <a:r>
+              <a:rPr lang="it-IT" sz="2000" noProof="1" smtClean="0">
+                <a:effectLst>
+                  <a:outerShdw blurRad="50800" dist="38100" dir="2700000" algn="tl" rotWithShape="0">
+                    <a:prstClr val="black">
+                      <a:alpha val="40000"/>
+                    </a:prstClr>
+                  </a:outerShdw>
+                </a:effectLst>
+                <a:cs typeface="Courier New" pitchFamily="49" charset="0"/>
+              </a:rPr>
+              <a:t>Login da un programma Java</a:t>
+            </a:r>
+          </a:p>
+          <a:p>
+            <a:pPr marL="1587" lvl="1" indent="0" eaLnBrk="1" hangingPunct="1">
+              <a:spcBef>
+                <a:spcPct val="0"/>
+              </a:spcBef>
+              <a:spcAft>
+                <a:spcPct val="20000"/>
+              </a:spcAft>
+              <a:buSzPct val="60000"/>
+              <a:buNone/>
+              <a:defRPr/>
+            </a:pPr>
+            <a:endParaRPr lang="it-IT" sz="1200" noProof="1" smtClean="0">
+              <a:cs typeface="Courier New" pitchFamily="49" charset="0"/>
+            </a:endParaRPr>
+          </a:p>
+          <a:p>
+            <a:pPr marL="1587" lvl="1" indent="0" eaLnBrk="1" hangingPunct="1">
+              <a:spcBef>
+                <a:spcPct val="0"/>
+              </a:spcBef>
+              <a:spcAft>
+                <a:spcPct val="20000"/>
+              </a:spcAft>
+              <a:buSzPct val="60000"/>
+              <a:buNone/>
+              <a:defRPr/>
+            </a:pPr>
+            <a:endParaRPr lang="it-IT" sz="1200" noProof="1" smtClean="0">
+              <a:cs typeface="Courier New" pitchFamily="49" charset="0"/>
+            </a:endParaRPr>
+          </a:p>
+          <a:p>
+            <a:pPr marL="87313" lvl="1" indent="0" eaLnBrk="1" hangingPunct="1">
+              <a:spcBef>
+                <a:spcPct val="0"/>
+              </a:spcBef>
+              <a:spcAft>
+                <a:spcPct val="20000"/>
+              </a:spcAft>
+              <a:buSzPct val="60000"/>
+              <a:buNone/>
+              <a:defRPr/>
+            </a:pPr>
+            <a:r>
+              <a:rPr lang="it-IT" sz="1400" noProof="1" smtClean="0">
+                <a:solidFill>
+                  <a:schemeClr val="bg2">
+                    <a:lumMod val="25000"/>
+                  </a:schemeClr>
+                </a:solidFill>
+                <a:latin typeface="Calibri" pitchFamily="34" charset="0"/>
+                <a:cs typeface="Calibri" pitchFamily="34" charset="0"/>
+              </a:rPr>
+              <a:t>try {</a:t>
+            </a:r>
+          </a:p>
+          <a:p>
+            <a:pPr marL="87313" lvl="1" indent="0" eaLnBrk="1" hangingPunct="1">
+              <a:spcBef>
+                <a:spcPct val="0"/>
+              </a:spcBef>
+              <a:spcAft>
+                <a:spcPct val="20000"/>
+              </a:spcAft>
+              <a:buSzPct val="60000"/>
+              <a:buNone/>
+              <a:tabLst>
+                <a:tab pos="269875" algn="l"/>
+                <a:tab pos="541338" algn="l"/>
+                <a:tab pos="804863" algn="l"/>
+                <a:tab pos="1074738" algn="l"/>
+                <a:tab pos="1346200" algn="l"/>
+              </a:tabLst>
+              <a:defRPr/>
+            </a:pPr>
+            <a:r>
+              <a:rPr lang="it-IT" sz="1400" noProof="1" smtClean="0">
+                <a:solidFill>
+                  <a:schemeClr val="bg2">
+                    <a:lumMod val="25000"/>
+                  </a:schemeClr>
+                </a:solidFill>
+                <a:latin typeface="Calibri" pitchFamily="34" charset="0"/>
+                <a:cs typeface="Calibri" pitchFamily="34" charset="0"/>
+              </a:rPr>
+              <a:t>	LoginContext lc = new LoginContext(</a:t>
+            </a:r>
+          </a:p>
+          <a:p>
+            <a:pPr marL="87313" lvl="1" indent="0" eaLnBrk="1" hangingPunct="1">
+              <a:spcBef>
+                <a:spcPct val="0"/>
+              </a:spcBef>
+              <a:spcAft>
+                <a:spcPct val="20000"/>
+              </a:spcAft>
+              <a:buSzPct val="60000"/>
+              <a:buNone/>
+              <a:tabLst>
+                <a:tab pos="269875" algn="l"/>
+                <a:tab pos="541338" algn="l"/>
+                <a:tab pos="804863" algn="l"/>
+                <a:tab pos="1074738" algn="l"/>
+                <a:tab pos="1346200" algn="l"/>
+              </a:tabLst>
+              <a:defRPr/>
+            </a:pPr>
+            <a:r>
+              <a:rPr lang="it-IT" sz="1400" noProof="1" smtClean="0">
+                <a:solidFill>
+                  <a:schemeClr val="bg2">
+                    <a:lumMod val="25000"/>
+                  </a:schemeClr>
+                </a:solidFill>
+                <a:latin typeface="Calibri" pitchFamily="34" charset="0"/>
+                <a:cs typeface="Calibri" pitchFamily="34" charset="0"/>
+              </a:rPr>
+              <a:t>			"Shibboleth",</a:t>
+            </a:r>
+          </a:p>
+          <a:p>
+            <a:pPr marL="87313" lvl="1" indent="0" eaLnBrk="1" hangingPunct="1">
+              <a:spcBef>
+                <a:spcPct val="0"/>
+              </a:spcBef>
+              <a:spcAft>
+                <a:spcPct val="20000"/>
+              </a:spcAft>
+              <a:buSzPct val="60000"/>
+              <a:buNone/>
+              <a:tabLst>
+                <a:tab pos="269875" algn="l"/>
+                <a:tab pos="541338" algn="l"/>
+                <a:tab pos="804863" algn="l"/>
+                <a:tab pos="1074738" algn="l"/>
+                <a:tab pos="1346200" algn="l"/>
+              </a:tabLst>
+              <a:defRPr/>
+            </a:pPr>
+            <a:r>
+              <a:rPr lang="it-IT" sz="1400" noProof="1" smtClean="0">
+                <a:solidFill>
+                  <a:schemeClr val="bg2">
+                    <a:lumMod val="25000"/>
+                  </a:schemeClr>
+                </a:solidFill>
+                <a:latin typeface="Calibri" pitchFamily="34" charset="0"/>
+                <a:cs typeface="Calibri" pitchFamily="34" charset="0"/>
+              </a:rPr>
+              <a:t>			new MyCallbackHandler());</a:t>
+            </a:r>
+          </a:p>
+          <a:p>
+            <a:pPr marL="87313" lvl="1" indent="0" eaLnBrk="1" hangingPunct="1">
+              <a:spcBef>
+                <a:spcPct val="0"/>
+              </a:spcBef>
+              <a:spcAft>
+                <a:spcPct val="20000"/>
+              </a:spcAft>
+              <a:buSzPct val="60000"/>
+              <a:buNone/>
+              <a:tabLst>
+                <a:tab pos="269875" algn="l"/>
+                <a:tab pos="541338" algn="l"/>
+                <a:tab pos="804863" algn="l"/>
+                <a:tab pos="1074738" algn="l"/>
+                <a:tab pos="1346200" algn="l"/>
+              </a:tabLst>
+              <a:defRPr/>
+            </a:pPr>
+            <a:endParaRPr lang="it-IT" sz="1400" noProof="1" smtClean="0">
+              <a:solidFill>
+                <a:schemeClr val="bg2">
+                  <a:lumMod val="25000"/>
+                </a:schemeClr>
+              </a:solidFill>
+              <a:latin typeface="Calibri" pitchFamily="34" charset="0"/>
+              <a:cs typeface="Calibri" pitchFamily="34" charset="0"/>
+            </a:endParaRPr>
+          </a:p>
+          <a:p>
+            <a:pPr marL="87313" lvl="1" indent="0" eaLnBrk="1" hangingPunct="1">
+              <a:spcBef>
+                <a:spcPct val="0"/>
+              </a:spcBef>
+              <a:spcAft>
+                <a:spcPct val="20000"/>
+              </a:spcAft>
+              <a:buSzPct val="60000"/>
+              <a:buNone/>
+              <a:tabLst>
+                <a:tab pos="269875" algn="l"/>
+                <a:tab pos="541338" algn="l"/>
+                <a:tab pos="804863" algn="l"/>
+                <a:tab pos="1074738" algn="l"/>
+                <a:tab pos="1346200" algn="l"/>
+              </a:tabLst>
+              <a:defRPr/>
+            </a:pPr>
+            <a:r>
+              <a:rPr lang="it-IT" sz="1400" noProof="1" smtClean="0">
+                <a:solidFill>
+                  <a:schemeClr val="bg2">
+                    <a:lumMod val="25000"/>
+                  </a:schemeClr>
+                </a:solidFill>
+                <a:latin typeface="Calibri" pitchFamily="34" charset="0"/>
+                <a:cs typeface="Calibri" pitchFamily="34" charset="0"/>
+              </a:rPr>
+              <a:t>	lc.login();</a:t>
+            </a:r>
+          </a:p>
+          <a:p>
+            <a:pPr marL="87313" lvl="1" indent="0" eaLnBrk="1" hangingPunct="1">
+              <a:spcBef>
+                <a:spcPct val="0"/>
+              </a:spcBef>
+              <a:spcAft>
+                <a:spcPct val="20000"/>
+              </a:spcAft>
+              <a:buSzPct val="60000"/>
+              <a:buNone/>
+              <a:tabLst>
+                <a:tab pos="269875" algn="l"/>
+                <a:tab pos="541338" algn="l"/>
+                <a:tab pos="804863" algn="l"/>
+                <a:tab pos="1074738" algn="l"/>
+                <a:tab pos="1346200" algn="l"/>
+              </a:tabLst>
+              <a:defRPr/>
+            </a:pPr>
+            <a:r>
+              <a:rPr lang="it-IT" sz="1400" noProof="1" smtClean="0">
+                <a:solidFill>
+                  <a:schemeClr val="bg2">
+                    <a:lumMod val="25000"/>
+                  </a:schemeClr>
+                </a:solidFill>
+                <a:latin typeface="Calibri" pitchFamily="34" charset="0"/>
+                <a:cs typeface="Calibri" pitchFamily="34" charset="0"/>
+              </a:rPr>
+              <a:t>	System.out.println("User logged in successfully.");</a:t>
+            </a:r>
+          </a:p>
+          <a:p>
+            <a:pPr marL="87313" lvl="1" indent="0" eaLnBrk="1" hangingPunct="1">
+              <a:spcBef>
+                <a:spcPct val="0"/>
+              </a:spcBef>
+              <a:spcAft>
+                <a:spcPct val="20000"/>
+              </a:spcAft>
+              <a:buSzPct val="60000"/>
+              <a:buNone/>
+              <a:tabLst>
+                <a:tab pos="269875" algn="l"/>
+                <a:tab pos="541338" algn="l"/>
+                <a:tab pos="804863" algn="l"/>
+                <a:tab pos="1074738" algn="l"/>
+                <a:tab pos="1346200" algn="l"/>
+              </a:tabLst>
+              <a:defRPr/>
+            </a:pPr>
+            <a:r>
+              <a:rPr lang="it-IT" sz="1400" noProof="1" smtClean="0">
+                <a:solidFill>
+                  <a:schemeClr val="bg2">
+                    <a:lumMod val="25000"/>
+                  </a:schemeClr>
+                </a:solidFill>
+                <a:latin typeface="Calibri" pitchFamily="34" charset="0"/>
+                <a:cs typeface="Calibri" pitchFamily="34" charset="0"/>
+              </a:rPr>
+              <a:t>}</a:t>
+            </a:r>
+          </a:p>
+          <a:p>
+            <a:pPr marL="87313" lvl="1" indent="0" eaLnBrk="1" hangingPunct="1">
+              <a:spcBef>
+                <a:spcPct val="0"/>
+              </a:spcBef>
+              <a:spcAft>
+                <a:spcPct val="20000"/>
+              </a:spcAft>
+              <a:buSzPct val="60000"/>
+              <a:buNone/>
+              <a:tabLst>
+                <a:tab pos="269875" algn="l"/>
+                <a:tab pos="541338" algn="l"/>
+                <a:tab pos="804863" algn="l"/>
+                <a:tab pos="1074738" algn="l"/>
+                <a:tab pos="1346200" algn="l"/>
+              </a:tabLst>
+              <a:defRPr/>
+            </a:pPr>
+            <a:r>
+              <a:rPr lang="it-IT" sz="1400" noProof="1" smtClean="0">
+                <a:solidFill>
+                  <a:schemeClr val="bg2">
+                    <a:lumMod val="25000"/>
+                  </a:schemeClr>
+                </a:solidFill>
+                <a:latin typeface="Calibri" pitchFamily="34" charset="0"/>
+                <a:cs typeface="Calibri" pitchFamily="34" charset="0"/>
+              </a:rPr>
+              <a:t>catch (LoginException e) { 	System.err.println("Error logging in user.");</a:t>
+            </a:r>
+          </a:p>
+          <a:p>
+            <a:pPr marL="87313" lvl="1" indent="0" eaLnBrk="1" hangingPunct="1">
+              <a:spcBef>
+                <a:spcPct val="0"/>
+              </a:spcBef>
+              <a:spcAft>
+                <a:spcPct val="20000"/>
+              </a:spcAft>
+              <a:buSzPct val="60000"/>
+              <a:buNone/>
+              <a:tabLst>
+                <a:tab pos="269875" algn="l"/>
+                <a:tab pos="541338" algn="l"/>
+                <a:tab pos="804863" algn="l"/>
+                <a:tab pos="1074738" algn="l"/>
+                <a:tab pos="1346200" algn="l"/>
+              </a:tabLst>
+              <a:defRPr/>
+            </a:pPr>
+            <a:r>
+              <a:rPr lang="it-IT" sz="1400" noProof="1" smtClean="0">
+                <a:solidFill>
+                  <a:schemeClr val="bg2">
+                    <a:lumMod val="25000"/>
+                  </a:schemeClr>
+                </a:solidFill>
+                <a:latin typeface="Calibri" pitchFamily="34" charset="0"/>
+                <a:cs typeface="Calibri" pitchFamily="34" charset="0"/>
+              </a:rPr>
+              <a:t>	e.printStackTrace();</a:t>
+            </a:r>
+          </a:p>
+          <a:p>
+            <a:pPr marL="87313" lvl="1" indent="0" eaLnBrk="1" hangingPunct="1">
+              <a:spcBef>
+                <a:spcPct val="0"/>
+              </a:spcBef>
+              <a:spcAft>
+                <a:spcPct val="20000"/>
+              </a:spcAft>
+              <a:buSzPct val="60000"/>
+              <a:buNone/>
+              <a:tabLst>
+                <a:tab pos="269875" algn="l"/>
+                <a:tab pos="541338" algn="l"/>
+                <a:tab pos="804863" algn="l"/>
+                <a:tab pos="1074738" algn="l"/>
+                <a:tab pos="1346200" algn="l"/>
+              </a:tabLst>
+              <a:defRPr/>
+            </a:pPr>
+            <a:r>
+              <a:rPr lang="it-IT" sz="1400" noProof="1" smtClean="0">
+                <a:solidFill>
+                  <a:schemeClr val="bg2">
+                    <a:lumMod val="25000"/>
+                  </a:schemeClr>
+                </a:solidFill>
+                <a:latin typeface="Calibri" pitchFamily="34" charset="0"/>
+                <a:cs typeface="Calibri" pitchFamily="34" charset="0"/>
+              </a:rPr>
+              <a:t>}</a:t>
+            </a:r>
+            <a:endParaRPr lang="it-IT" sz="1400" noProof="1">
+              <a:solidFill>
+                <a:schemeClr val="bg2">
+                  <a:lumMod val="25000"/>
+                </a:schemeClr>
+              </a:solidFill>
+              <a:latin typeface="Calibri" pitchFamily="34" charset="0"/>
+              <a:cs typeface="Calibri" pitchFamily="34" charset="0"/>
+            </a:endParaRPr>
+          </a:p>
+        </p:txBody>
+      </p:sp>
+      <p:sp>
+        <p:nvSpPr>
+          <p:cNvPr id="6" name="Rectangle 3"/>
+          <p:cNvSpPr>
+            <a:spLocks noGrp="1" noChangeArrowheads="1"/>
+          </p:cNvSpPr>
+          <p:nvPr>
+            <p:ph sz="half" idx="2"/>
+          </p:nvPr>
+        </p:nvSpPr>
+        <p:spPr>
+          <a:xfrm>
+            <a:off x="4645152" y="1573213"/>
+            <a:ext cx="4184294" cy="4294187"/>
+          </a:xfrm>
+          <a:solidFill>
+            <a:schemeClr val="accent3">
+              <a:lumMod val="85000"/>
+            </a:schemeClr>
+          </a:solidFill>
+          <a:effectLst>
+            <a:outerShdw blurRad="50800" dist="38100" dir="2700000" algn="tl" rotWithShape="0">
+              <a:prstClr val="black">
+                <a:alpha val="40000"/>
+              </a:prstClr>
+            </a:outerShdw>
+            <a:softEdge rad="31750"/>
+          </a:effectLst>
+        </p:spPr>
+        <p:txBody>
+          <a:bodyPr/>
+          <a:lstStyle/>
+          <a:p>
+            <a:pPr marL="1587" lvl="1" indent="0" eaLnBrk="1" hangingPunct="1">
+              <a:spcBef>
+                <a:spcPct val="0"/>
+              </a:spcBef>
+              <a:spcAft>
+                <a:spcPct val="20000"/>
+              </a:spcAft>
+              <a:buSzPct val="60000"/>
+              <a:buNone/>
+              <a:defRPr/>
+            </a:pPr>
+            <a:endParaRPr lang="it-IT" sz="1200" dirty="0" smtClean="0">
+              <a:cs typeface="Courier New" pitchFamily="49" charset="0"/>
+            </a:endParaRPr>
+          </a:p>
+          <a:p>
+            <a:pPr marL="1587" lvl="1" indent="0" algn="ctr" eaLnBrk="1" hangingPunct="1">
+              <a:spcBef>
+                <a:spcPct val="0"/>
+              </a:spcBef>
+              <a:spcAft>
+                <a:spcPct val="20000"/>
+              </a:spcAft>
+              <a:buSzPct val="60000"/>
+              <a:buNone/>
+              <a:defRPr/>
+            </a:pPr>
+            <a:r>
+              <a:rPr lang="it-IT" sz="2000" noProof="1" smtClean="0">
+                <a:effectLst>
+                  <a:outerShdw blurRad="50800" dist="38100" dir="2700000" algn="tl" rotWithShape="0">
+                    <a:prstClr val="black">
+                      <a:alpha val="40000"/>
+                    </a:prstClr>
+                  </a:outerShdw>
+                </a:effectLst>
+                <a:cs typeface="Courier New" pitchFamily="49" charset="0"/>
+              </a:rPr>
+              <a:t>Login da un programma Python</a:t>
+            </a:r>
+          </a:p>
+          <a:p>
+            <a:pPr marL="1587" lvl="1" indent="0" eaLnBrk="1" hangingPunct="1">
+              <a:spcBef>
+                <a:spcPct val="0"/>
+              </a:spcBef>
+              <a:spcAft>
+                <a:spcPct val="20000"/>
+              </a:spcAft>
+              <a:buSzPct val="60000"/>
+              <a:buNone/>
+              <a:defRPr/>
+            </a:pPr>
+            <a:endParaRPr lang="it-IT" sz="1200" dirty="0" smtClean="0">
+              <a:cs typeface="Courier New" pitchFamily="49" charset="0"/>
+            </a:endParaRPr>
+          </a:p>
+          <a:p>
+            <a:pPr marL="1587" lvl="1" indent="0" eaLnBrk="1" hangingPunct="1">
+              <a:spcBef>
+                <a:spcPct val="0"/>
+              </a:spcBef>
+              <a:spcAft>
+                <a:spcPct val="20000"/>
+              </a:spcAft>
+              <a:buSzPct val="60000"/>
+              <a:buNone/>
+              <a:defRPr/>
+            </a:pPr>
+            <a:endParaRPr lang="it-IT" sz="1200" dirty="0">
+              <a:cs typeface="Courier New" pitchFamily="49" charset="0"/>
+            </a:endParaRPr>
+          </a:p>
+          <a:p>
+            <a:pPr marL="87313" lvl="1" indent="0" eaLnBrk="1" hangingPunct="1">
+              <a:spcBef>
+                <a:spcPct val="0"/>
+              </a:spcBef>
+              <a:spcAft>
+                <a:spcPct val="20000"/>
+              </a:spcAft>
+              <a:buSzPct val="60000"/>
+              <a:buNone/>
+              <a:tabLst>
+                <a:tab pos="4125913" algn="r"/>
+              </a:tabLst>
+              <a:defRPr/>
+            </a:pPr>
+            <a:r>
+              <a:rPr lang="it-IT" sz="1400" noProof="1" smtClean="0">
+                <a:latin typeface="Calibri" pitchFamily="34" charset="0"/>
+                <a:cs typeface="Calibri" pitchFamily="34" charset="0"/>
+              </a:rPr>
+              <a:t>import shibauth</a:t>
+            </a:r>
+          </a:p>
+          <a:p>
+            <a:pPr marL="87313" lvl="1" indent="0" eaLnBrk="1" hangingPunct="1">
+              <a:spcBef>
+                <a:spcPct val="0"/>
+              </a:spcBef>
+              <a:spcAft>
+                <a:spcPct val="20000"/>
+              </a:spcAft>
+              <a:buSzPct val="60000"/>
+              <a:buNone/>
+              <a:tabLst>
+                <a:tab pos="4125913" algn="r"/>
+              </a:tabLst>
+              <a:defRPr/>
+            </a:pPr>
+            <a:endParaRPr lang="it-IT" sz="1400" noProof="1" smtClean="0">
+              <a:latin typeface="Calibri" pitchFamily="34" charset="0"/>
+              <a:cs typeface="Calibri" pitchFamily="34" charset="0"/>
+            </a:endParaRPr>
+          </a:p>
+          <a:p>
+            <a:pPr marL="87313" lvl="1" indent="0" eaLnBrk="1" hangingPunct="1">
+              <a:spcBef>
+                <a:spcPct val="0"/>
+              </a:spcBef>
+              <a:spcAft>
+                <a:spcPct val="20000"/>
+              </a:spcAft>
+              <a:buSzPct val="60000"/>
+              <a:buNone/>
+              <a:tabLst>
+                <a:tab pos="4125913" algn="r"/>
+              </a:tabLst>
+              <a:defRPr/>
+            </a:pPr>
+            <a:r>
+              <a:rPr lang="it-IT" sz="1400" noProof="1" smtClean="0">
+                <a:latin typeface="Calibri" pitchFamily="34" charset="0"/>
+                <a:cs typeface="Calibri" pitchFamily="34" charset="0"/>
+              </a:rPr>
+              <a:t>if __name__ == "__main__":</a:t>
+            </a:r>
+          </a:p>
+          <a:p>
+            <a:pPr marL="87313" lvl="1" indent="0" eaLnBrk="1" hangingPunct="1">
+              <a:spcBef>
+                <a:spcPct val="0"/>
+              </a:spcBef>
+              <a:spcAft>
+                <a:spcPct val="20000"/>
+              </a:spcAft>
+              <a:buSzPct val="60000"/>
+              <a:buNone/>
+              <a:tabLst>
+                <a:tab pos="4125913" algn="r"/>
+              </a:tabLst>
+              <a:defRPr/>
+            </a:pPr>
+            <a:r>
+              <a:rPr lang="it-IT" sz="1400" noProof="1" smtClean="0">
+                <a:latin typeface="Calibri" pitchFamily="34" charset="0"/>
+                <a:cs typeface="Calibri" pitchFamily="34" charset="0"/>
+              </a:rPr>
+              <a:t>     username = raw_input('Enter username: ')</a:t>
+            </a:r>
+          </a:p>
+          <a:p>
+            <a:pPr marL="87313" lvl="1" indent="0" eaLnBrk="1" hangingPunct="1">
+              <a:spcBef>
+                <a:spcPct val="0"/>
+              </a:spcBef>
+              <a:spcAft>
+                <a:spcPct val="20000"/>
+              </a:spcAft>
+              <a:buSzPct val="60000"/>
+              <a:buNone/>
+              <a:tabLst>
+                <a:tab pos="4125913" algn="r"/>
+              </a:tabLst>
+              <a:defRPr/>
+            </a:pPr>
+            <a:r>
+              <a:rPr lang="it-IT" sz="1400" noProof="1" smtClean="0">
+                <a:latin typeface="Calibri" pitchFamily="34" charset="0"/>
+                <a:cs typeface="Calibri" pitchFamily="34" charset="0"/>
+              </a:rPr>
+              <a:t>     password = getpass.getpass('Enter password: ')</a:t>
+            </a:r>
+          </a:p>
+          <a:p>
+            <a:pPr marL="87313" lvl="1" indent="0" eaLnBrk="1" hangingPunct="1">
+              <a:spcBef>
+                <a:spcPct val="0"/>
+              </a:spcBef>
+              <a:spcAft>
+                <a:spcPct val="20000"/>
+              </a:spcAft>
+              <a:buSzPct val="60000"/>
+              <a:buNone/>
+              <a:tabLst>
+                <a:tab pos="4125913" algn="r"/>
+              </a:tabLst>
+              <a:defRPr/>
+            </a:pPr>
+            <a:r>
+              <a:rPr lang="it-IT" sz="1400" noProof="1" smtClean="0">
+                <a:latin typeface="Calibri" pitchFamily="34" charset="0"/>
+                <a:cs typeface="Calibri" pitchFamily="34" charset="0"/>
+              </a:rPr>
+              <a:t>     try:</a:t>
+            </a:r>
+          </a:p>
+          <a:p>
+            <a:pPr marL="87313" lvl="1" indent="0" eaLnBrk="1" hangingPunct="1">
+              <a:spcBef>
+                <a:spcPct val="0"/>
+              </a:spcBef>
+              <a:spcAft>
+                <a:spcPct val="20000"/>
+              </a:spcAft>
+              <a:buSzPct val="60000"/>
+              <a:buNone/>
+              <a:tabLst>
+                <a:tab pos="4125913" algn="r"/>
+              </a:tabLst>
+              <a:defRPr/>
+            </a:pPr>
+            <a:r>
+              <a:rPr lang="it-IT" sz="1400" noProof="1" smtClean="0">
+                <a:latin typeface="Calibri" pitchFamily="34" charset="0"/>
+                <a:cs typeface="Calibri" pitchFamily="34" charset="0"/>
+              </a:rPr>
+              <a:t>          loggeduser, session = 	shibauth.login(username, password)</a:t>
+            </a:r>
+          </a:p>
+          <a:p>
+            <a:pPr marL="87313" lvl="1" indent="0" eaLnBrk="1" hangingPunct="1">
+              <a:spcBef>
+                <a:spcPct val="0"/>
+              </a:spcBef>
+              <a:spcAft>
+                <a:spcPct val="20000"/>
+              </a:spcAft>
+              <a:buSzPct val="60000"/>
+              <a:buNone/>
+              <a:tabLst>
+                <a:tab pos="4125913" algn="r"/>
+              </a:tabLst>
+              <a:defRPr/>
+            </a:pPr>
+            <a:r>
+              <a:rPr lang="it-IT" sz="1400" noProof="1" smtClean="0">
+                <a:latin typeface="Calibri" pitchFamily="34" charset="0"/>
+                <a:cs typeface="Calibri" pitchFamily="34" charset="0"/>
+              </a:rPr>
+              <a:t>          print "User logged in successfully."</a:t>
+            </a:r>
+          </a:p>
+          <a:p>
+            <a:pPr marL="87313" lvl="1" indent="0" eaLnBrk="1" hangingPunct="1">
+              <a:spcBef>
+                <a:spcPct val="0"/>
+              </a:spcBef>
+              <a:spcAft>
+                <a:spcPct val="20000"/>
+              </a:spcAft>
+              <a:buSzPct val="60000"/>
+              <a:buNone/>
+              <a:tabLst>
+                <a:tab pos="4125913" algn="r"/>
+              </a:tabLst>
+              <a:defRPr/>
+            </a:pPr>
+            <a:r>
+              <a:rPr lang="it-IT" sz="1400" noProof="1" smtClean="0">
+                <a:latin typeface="Calibri" pitchFamily="34" charset="0"/>
+                <a:cs typeface="Calibri" pitchFamily="34" charset="0"/>
+              </a:rPr>
+              <a:t>     except Exception, e:</a:t>
+            </a:r>
+          </a:p>
+          <a:p>
+            <a:pPr marL="87313" lvl="1" indent="0" eaLnBrk="1" hangingPunct="1">
+              <a:spcBef>
+                <a:spcPct val="0"/>
+              </a:spcBef>
+              <a:spcAft>
+                <a:spcPct val="20000"/>
+              </a:spcAft>
+              <a:buSzPct val="60000"/>
+              <a:buNone/>
+              <a:tabLst>
+                <a:tab pos="4125913" algn="r"/>
+              </a:tabLst>
+              <a:defRPr/>
+            </a:pPr>
+            <a:r>
+              <a:rPr lang="it-IT" sz="1400" noProof="1" smtClean="0">
+                <a:latin typeface="Calibri" pitchFamily="34" charset="0"/>
+                <a:cs typeface="Calibri" pitchFamily="34" charset="0"/>
+              </a:rPr>
+              <a:t>          print "Error logging in user: %s" % e</a:t>
+            </a:r>
+            <a:endParaRPr lang="it-IT" sz="1400" noProof="1">
+              <a:solidFill>
+                <a:schemeClr val="bg2">
+                  <a:lumMod val="25000"/>
+                </a:schemeClr>
+              </a:solidFill>
+              <a:latin typeface="Calibri" pitchFamily="34" charset="0"/>
+              <a:cs typeface="Calibri" pitchFamily="34" charset="0"/>
+            </a:endParaRPr>
           </a:p>
         </p:txBody>
       </p:sp>
@@ -8083,887 +8439,6 @@
                 <a:ea typeface="Arial Unicode MS"/>
                 <a:cs typeface="Arial Unicode MS"/>
               </a:rPr>
-              <a:t>① </a:t>
-            </a:r>
-            <a:r>
-              <a:rPr lang="it-IT" sz="2800" b="0" dirty="0" smtClean="0">
-                <a:latin typeface="Arial Unicode MS"/>
-                <a:ea typeface="Arial Unicode MS"/>
-                <a:cs typeface="Arial Unicode MS"/>
-              </a:rPr>
-              <a:t>Esempi di utilizzo delle API</a:t>
-            </a:r>
-            <a:endParaRPr lang="it-IT" sz="2800" b="0" dirty="0" smtClean="0">
-              <a:latin typeface="Calibri" pitchFamily="34" charset="0"/>
-            </a:endParaRPr>
-          </a:p>
-        </p:txBody>
-      </p:sp>
-      <p:sp>
-        <p:nvSpPr>
-          <p:cNvPr id="5" name="Rectangle 3"/>
-          <p:cNvSpPr>
-            <a:spLocks noGrp="1" noChangeArrowheads="1"/>
-          </p:cNvSpPr>
-          <p:nvPr>
-            <p:ph sz="half" idx="1"/>
-          </p:nvPr>
-        </p:nvSpPr>
-        <p:spPr>
-          <a:xfrm>
-            <a:off x="460859" y="1573213"/>
-            <a:ext cx="4169664" cy="4294187"/>
-          </a:xfrm>
-          <a:solidFill>
-            <a:schemeClr val="accent3">
-              <a:lumMod val="85000"/>
-            </a:schemeClr>
-          </a:solidFill>
-          <a:effectLst>
-            <a:outerShdw blurRad="50800" dist="38100" dir="2700000" algn="tl" rotWithShape="0">
-              <a:prstClr val="black">
-                <a:alpha val="40000"/>
-              </a:prstClr>
-            </a:outerShdw>
-            <a:softEdge rad="31750"/>
-          </a:effectLst>
-        </p:spPr>
-        <p:txBody>
-          <a:bodyPr/>
-          <a:lstStyle/>
-          <a:p>
-            <a:pPr marL="1587" lvl="1" indent="0" eaLnBrk="1" hangingPunct="1">
-              <a:spcBef>
-                <a:spcPct val="0"/>
-              </a:spcBef>
-              <a:spcAft>
-                <a:spcPct val="20000"/>
-              </a:spcAft>
-              <a:buSzPct val="60000"/>
-              <a:buNone/>
-              <a:defRPr/>
-            </a:pPr>
-            <a:endParaRPr lang="it-IT" sz="1200" dirty="0" smtClean="0">
-              <a:cs typeface="Courier New" pitchFamily="49" charset="0"/>
-            </a:endParaRPr>
-          </a:p>
-          <a:p>
-            <a:pPr marL="1587" lvl="1" indent="0" algn="ctr" eaLnBrk="1" hangingPunct="1">
-              <a:spcBef>
-                <a:spcPct val="0"/>
-              </a:spcBef>
-              <a:spcAft>
-                <a:spcPct val="20000"/>
-              </a:spcAft>
-              <a:buSzPct val="60000"/>
-              <a:buNone/>
-              <a:defRPr/>
-            </a:pPr>
-            <a:r>
-              <a:rPr lang="it-IT" sz="2000" noProof="1" smtClean="0">
-                <a:effectLst>
-                  <a:outerShdw blurRad="50800" dist="38100" dir="2700000" algn="tl" rotWithShape="0">
-                    <a:prstClr val="black">
-                      <a:alpha val="40000"/>
-                    </a:prstClr>
-                  </a:outerShdw>
-                </a:effectLst>
-                <a:cs typeface="Courier New" pitchFamily="49" charset="0"/>
-              </a:rPr>
-              <a:t>Login da un programma Java</a:t>
-            </a:r>
-          </a:p>
-          <a:p>
-            <a:pPr marL="1587" lvl="1" indent="0" eaLnBrk="1" hangingPunct="1">
-              <a:spcBef>
-                <a:spcPct val="0"/>
-              </a:spcBef>
-              <a:spcAft>
-                <a:spcPct val="20000"/>
-              </a:spcAft>
-              <a:buSzPct val="60000"/>
-              <a:buNone/>
-              <a:defRPr/>
-            </a:pPr>
-            <a:endParaRPr lang="it-IT" sz="1200" noProof="1" smtClean="0">
-              <a:cs typeface="Courier New" pitchFamily="49" charset="0"/>
-            </a:endParaRPr>
-          </a:p>
-          <a:p>
-            <a:pPr marL="1587" lvl="1" indent="0" eaLnBrk="1" hangingPunct="1">
-              <a:spcBef>
-                <a:spcPct val="0"/>
-              </a:spcBef>
-              <a:spcAft>
-                <a:spcPct val="20000"/>
-              </a:spcAft>
-              <a:buSzPct val="60000"/>
-              <a:buNone/>
-              <a:defRPr/>
-            </a:pPr>
-            <a:endParaRPr lang="it-IT" sz="1200" noProof="1" smtClean="0">
-              <a:cs typeface="Courier New" pitchFamily="49" charset="0"/>
-            </a:endParaRPr>
-          </a:p>
-          <a:p>
-            <a:pPr marL="87313" lvl="1" indent="0" eaLnBrk="1" hangingPunct="1">
-              <a:spcBef>
-                <a:spcPct val="0"/>
-              </a:spcBef>
-              <a:spcAft>
-                <a:spcPct val="20000"/>
-              </a:spcAft>
-              <a:buSzPct val="60000"/>
-              <a:buNone/>
-              <a:defRPr/>
-            </a:pPr>
-            <a:r>
-              <a:rPr lang="it-IT" sz="1400" noProof="1" smtClean="0">
-                <a:solidFill>
-                  <a:schemeClr val="bg2">
-                    <a:lumMod val="25000"/>
-                  </a:schemeClr>
-                </a:solidFill>
-                <a:latin typeface="Calibri" pitchFamily="34" charset="0"/>
-                <a:cs typeface="Calibri" pitchFamily="34" charset="0"/>
-              </a:rPr>
-              <a:t>try {</a:t>
-            </a:r>
-          </a:p>
-          <a:p>
-            <a:pPr marL="87313" lvl="1" indent="0" eaLnBrk="1" hangingPunct="1">
-              <a:spcBef>
-                <a:spcPct val="0"/>
-              </a:spcBef>
-              <a:spcAft>
-                <a:spcPct val="20000"/>
-              </a:spcAft>
-              <a:buSzPct val="60000"/>
-              <a:buNone/>
-              <a:tabLst>
-                <a:tab pos="269875" algn="l"/>
-                <a:tab pos="541338" algn="l"/>
-                <a:tab pos="804863" algn="l"/>
-                <a:tab pos="1074738" algn="l"/>
-                <a:tab pos="1346200" algn="l"/>
-              </a:tabLst>
-              <a:defRPr/>
-            </a:pPr>
-            <a:r>
-              <a:rPr lang="it-IT" sz="1400" noProof="1" smtClean="0">
-                <a:solidFill>
-                  <a:schemeClr val="bg2">
-                    <a:lumMod val="25000"/>
-                  </a:schemeClr>
-                </a:solidFill>
-                <a:latin typeface="Calibri" pitchFamily="34" charset="0"/>
-                <a:cs typeface="Calibri" pitchFamily="34" charset="0"/>
-              </a:rPr>
-              <a:t>	LoginContext lc = new LoginContext(</a:t>
-            </a:r>
-          </a:p>
-          <a:p>
-            <a:pPr marL="87313" lvl="1" indent="0" eaLnBrk="1" hangingPunct="1">
-              <a:spcBef>
-                <a:spcPct val="0"/>
-              </a:spcBef>
-              <a:spcAft>
-                <a:spcPct val="20000"/>
-              </a:spcAft>
-              <a:buSzPct val="60000"/>
-              <a:buNone/>
-              <a:tabLst>
-                <a:tab pos="269875" algn="l"/>
-                <a:tab pos="541338" algn="l"/>
-                <a:tab pos="804863" algn="l"/>
-                <a:tab pos="1074738" algn="l"/>
-                <a:tab pos="1346200" algn="l"/>
-              </a:tabLst>
-              <a:defRPr/>
-            </a:pPr>
-            <a:r>
-              <a:rPr lang="it-IT" sz="1400" noProof="1" smtClean="0">
-                <a:solidFill>
-                  <a:schemeClr val="bg2">
-                    <a:lumMod val="25000"/>
-                  </a:schemeClr>
-                </a:solidFill>
-                <a:latin typeface="Calibri" pitchFamily="34" charset="0"/>
-                <a:cs typeface="Calibri" pitchFamily="34" charset="0"/>
-              </a:rPr>
-              <a:t>			"Shibboleth",</a:t>
-            </a:r>
-          </a:p>
-          <a:p>
-            <a:pPr marL="87313" lvl="1" indent="0" eaLnBrk="1" hangingPunct="1">
-              <a:spcBef>
-                <a:spcPct val="0"/>
-              </a:spcBef>
-              <a:spcAft>
-                <a:spcPct val="20000"/>
-              </a:spcAft>
-              <a:buSzPct val="60000"/>
-              <a:buNone/>
-              <a:tabLst>
-                <a:tab pos="269875" algn="l"/>
-                <a:tab pos="541338" algn="l"/>
-                <a:tab pos="804863" algn="l"/>
-                <a:tab pos="1074738" algn="l"/>
-                <a:tab pos="1346200" algn="l"/>
-              </a:tabLst>
-              <a:defRPr/>
-            </a:pPr>
-            <a:r>
-              <a:rPr lang="it-IT" sz="1400" noProof="1" smtClean="0">
-                <a:solidFill>
-                  <a:schemeClr val="bg2">
-                    <a:lumMod val="25000"/>
-                  </a:schemeClr>
-                </a:solidFill>
-                <a:latin typeface="Calibri" pitchFamily="34" charset="0"/>
-                <a:cs typeface="Calibri" pitchFamily="34" charset="0"/>
-              </a:rPr>
-              <a:t>			new MyCallbackHandler());</a:t>
-            </a:r>
-          </a:p>
-          <a:p>
-            <a:pPr marL="87313" lvl="1" indent="0" eaLnBrk="1" hangingPunct="1">
-              <a:spcBef>
-                <a:spcPct val="0"/>
-              </a:spcBef>
-              <a:spcAft>
-                <a:spcPct val="20000"/>
-              </a:spcAft>
-              <a:buSzPct val="60000"/>
-              <a:buNone/>
-              <a:tabLst>
-                <a:tab pos="269875" algn="l"/>
-                <a:tab pos="541338" algn="l"/>
-                <a:tab pos="804863" algn="l"/>
-                <a:tab pos="1074738" algn="l"/>
-                <a:tab pos="1346200" algn="l"/>
-              </a:tabLst>
-              <a:defRPr/>
-            </a:pPr>
-            <a:endParaRPr lang="it-IT" sz="1400" noProof="1" smtClean="0">
-              <a:solidFill>
-                <a:schemeClr val="bg2">
-                  <a:lumMod val="25000"/>
-                </a:schemeClr>
-              </a:solidFill>
-              <a:latin typeface="Calibri" pitchFamily="34" charset="0"/>
-              <a:cs typeface="Calibri" pitchFamily="34" charset="0"/>
-            </a:endParaRPr>
-          </a:p>
-          <a:p>
-            <a:pPr marL="87313" lvl="1" indent="0" eaLnBrk="1" hangingPunct="1">
-              <a:spcBef>
-                <a:spcPct val="0"/>
-              </a:spcBef>
-              <a:spcAft>
-                <a:spcPct val="20000"/>
-              </a:spcAft>
-              <a:buSzPct val="60000"/>
-              <a:buNone/>
-              <a:tabLst>
-                <a:tab pos="269875" algn="l"/>
-                <a:tab pos="541338" algn="l"/>
-                <a:tab pos="804863" algn="l"/>
-                <a:tab pos="1074738" algn="l"/>
-                <a:tab pos="1346200" algn="l"/>
-              </a:tabLst>
-              <a:defRPr/>
-            </a:pPr>
-            <a:r>
-              <a:rPr lang="it-IT" sz="1400" noProof="1" smtClean="0">
-                <a:solidFill>
-                  <a:schemeClr val="bg2">
-                    <a:lumMod val="25000"/>
-                  </a:schemeClr>
-                </a:solidFill>
-                <a:latin typeface="Calibri" pitchFamily="34" charset="0"/>
-                <a:cs typeface="Calibri" pitchFamily="34" charset="0"/>
-              </a:rPr>
-              <a:t>	lc.login();</a:t>
-            </a:r>
-          </a:p>
-          <a:p>
-            <a:pPr marL="87313" lvl="1" indent="0" eaLnBrk="1" hangingPunct="1">
-              <a:spcBef>
-                <a:spcPct val="0"/>
-              </a:spcBef>
-              <a:spcAft>
-                <a:spcPct val="20000"/>
-              </a:spcAft>
-              <a:buSzPct val="60000"/>
-              <a:buNone/>
-              <a:tabLst>
-                <a:tab pos="269875" algn="l"/>
-                <a:tab pos="541338" algn="l"/>
-                <a:tab pos="804863" algn="l"/>
-                <a:tab pos="1074738" algn="l"/>
-                <a:tab pos="1346200" algn="l"/>
-              </a:tabLst>
-              <a:defRPr/>
-            </a:pPr>
-            <a:r>
-              <a:rPr lang="it-IT" sz="1400" noProof="1" smtClean="0">
-                <a:solidFill>
-                  <a:schemeClr val="bg2">
-                    <a:lumMod val="25000"/>
-                  </a:schemeClr>
-                </a:solidFill>
-                <a:latin typeface="Calibri" pitchFamily="34" charset="0"/>
-                <a:cs typeface="Calibri" pitchFamily="34" charset="0"/>
-              </a:rPr>
-              <a:t>	System.out.println("User logged in successfully.");</a:t>
-            </a:r>
-          </a:p>
-          <a:p>
-            <a:pPr marL="87313" lvl="1" indent="0" eaLnBrk="1" hangingPunct="1">
-              <a:spcBef>
-                <a:spcPct val="0"/>
-              </a:spcBef>
-              <a:spcAft>
-                <a:spcPct val="20000"/>
-              </a:spcAft>
-              <a:buSzPct val="60000"/>
-              <a:buNone/>
-              <a:tabLst>
-                <a:tab pos="269875" algn="l"/>
-                <a:tab pos="541338" algn="l"/>
-                <a:tab pos="804863" algn="l"/>
-                <a:tab pos="1074738" algn="l"/>
-                <a:tab pos="1346200" algn="l"/>
-              </a:tabLst>
-              <a:defRPr/>
-            </a:pPr>
-            <a:r>
-              <a:rPr lang="it-IT" sz="1400" noProof="1" smtClean="0">
-                <a:solidFill>
-                  <a:schemeClr val="bg2">
-                    <a:lumMod val="25000"/>
-                  </a:schemeClr>
-                </a:solidFill>
-                <a:latin typeface="Calibri" pitchFamily="34" charset="0"/>
-                <a:cs typeface="Calibri" pitchFamily="34" charset="0"/>
-              </a:rPr>
-              <a:t>}</a:t>
-            </a:r>
-          </a:p>
-          <a:p>
-            <a:pPr marL="87313" lvl="1" indent="0" eaLnBrk="1" hangingPunct="1">
-              <a:spcBef>
-                <a:spcPct val="0"/>
-              </a:spcBef>
-              <a:spcAft>
-                <a:spcPct val="20000"/>
-              </a:spcAft>
-              <a:buSzPct val="60000"/>
-              <a:buNone/>
-              <a:tabLst>
-                <a:tab pos="269875" algn="l"/>
-                <a:tab pos="541338" algn="l"/>
-                <a:tab pos="804863" algn="l"/>
-                <a:tab pos="1074738" algn="l"/>
-                <a:tab pos="1346200" algn="l"/>
-              </a:tabLst>
-              <a:defRPr/>
-            </a:pPr>
-            <a:r>
-              <a:rPr lang="it-IT" sz="1400" noProof="1" smtClean="0">
-                <a:solidFill>
-                  <a:schemeClr val="bg2">
-                    <a:lumMod val="25000"/>
-                  </a:schemeClr>
-                </a:solidFill>
-                <a:latin typeface="Calibri" pitchFamily="34" charset="0"/>
-                <a:cs typeface="Calibri" pitchFamily="34" charset="0"/>
-              </a:rPr>
-              <a:t>catch (LoginException e) { 	System.err.println("Error logging in user.");</a:t>
-            </a:r>
-          </a:p>
-          <a:p>
-            <a:pPr marL="87313" lvl="1" indent="0" eaLnBrk="1" hangingPunct="1">
-              <a:spcBef>
-                <a:spcPct val="0"/>
-              </a:spcBef>
-              <a:spcAft>
-                <a:spcPct val="20000"/>
-              </a:spcAft>
-              <a:buSzPct val="60000"/>
-              <a:buNone/>
-              <a:tabLst>
-                <a:tab pos="269875" algn="l"/>
-                <a:tab pos="541338" algn="l"/>
-                <a:tab pos="804863" algn="l"/>
-                <a:tab pos="1074738" algn="l"/>
-                <a:tab pos="1346200" algn="l"/>
-              </a:tabLst>
-              <a:defRPr/>
-            </a:pPr>
-            <a:r>
-              <a:rPr lang="it-IT" sz="1400" noProof="1" smtClean="0">
-                <a:solidFill>
-                  <a:schemeClr val="bg2">
-                    <a:lumMod val="25000"/>
-                  </a:schemeClr>
-                </a:solidFill>
-                <a:latin typeface="Calibri" pitchFamily="34" charset="0"/>
-                <a:cs typeface="Calibri" pitchFamily="34" charset="0"/>
-              </a:rPr>
-              <a:t>	e.printStackTrace();</a:t>
-            </a:r>
-          </a:p>
-          <a:p>
-            <a:pPr marL="87313" lvl="1" indent="0" eaLnBrk="1" hangingPunct="1">
-              <a:spcBef>
-                <a:spcPct val="0"/>
-              </a:spcBef>
-              <a:spcAft>
-                <a:spcPct val="20000"/>
-              </a:spcAft>
-              <a:buSzPct val="60000"/>
-              <a:buNone/>
-              <a:tabLst>
-                <a:tab pos="269875" algn="l"/>
-                <a:tab pos="541338" algn="l"/>
-                <a:tab pos="804863" algn="l"/>
-                <a:tab pos="1074738" algn="l"/>
-                <a:tab pos="1346200" algn="l"/>
-              </a:tabLst>
-              <a:defRPr/>
-            </a:pPr>
-            <a:r>
-              <a:rPr lang="it-IT" sz="1400" noProof="1" smtClean="0">
-                <a:solidFill>
-                  <a:schemeClr val="bg2">
-                    <a:lumMod val="25000"/>
-                  </a:schemeClr>
-                </a:solidFill>
-                <a:latin typeface="Calibri" pitchFamily="34" charset="0"/>
-                <a:cs typeface="Calibri" pitchFamily="34" charset="0"/>
-              </a:rPr>
-              <a:t>}</a:t>
-            </a:r>
-            <a:endParaRPr lang="it-IT" sz="1400" noProof="1">
-              <a:solidFill>
-                <a:schemeClr val="bg2">
-                  <a:lumMod val="25000"/>
-                </a:schemeClr>
-              </a:solidFill>
-              <a:latin typeface="Calibri" pitchFamily="34" charset="0"/>
-              <a:cs typeface="Calibri" pitchFamily="34" charset="0"/>
-            </a:endParaRPr>
-          </a:p>
-        </p:txBody>
-      </p:sp>
-      <p:sp>
-        <p:nvSpPr>
-          <p:cNvPr id="6" name="Rectangle 3"/>
-          <p:cNvSpPr>
-            <a:spLocks noGrp="1" noChangeArrowheads="1"/>
-          </p:cNvSpPr>
-          <p:nvPr>
-            <p:ph sz="half" idx="2"/>
-          </p:nvPr>
-        </p:nvSpPr>
-        <p:spPr>
-          <a:xfrm>
-            <a:off x="4645152" y="1573213"/>
-            <a:ext cx="4184294" cy="4294187"/>
-          </a:xfrm>
-          <a:solidFill>
-            <a:schemeClr val="accent3">
-              <a:lumMod val="85000"/>
-            </a:schemeClr>
-          </a:solidFill>
-          <a:effectLst>
-            <a:outerShdw blurRad="50800" dist="38100" dir="2700000" algn="tl" rotWithShape="0">
-              <a:prstClr val="black">
-                <a:alpha val="40000"/>
-              </a:prstClr>
-            </a:outerShdw>
-            <a:softEdge rad="31750"/>
-          </a:effectLst>
-        </p:spPr>
-        <p:txBody>
-          <a:bodyPr/>
-          <a:lstStyle/>
-          <a:p>
-            <a:pPr marL="1587" lvl="1" indent="0" eaLnBrk="1" hangingPunct="1">
-              <a:spcBef>
-                <a:spcPct val="0"/>
-              </a:spcBef>
-              <a:spcAft>
-                <a:spcPct val="20000"/>
-              </a:spcAft>
-              <a:buSzPct val="60000"/>
-              <a:buNone/>
-              <a:defRPr/>
-            </a:pPr>
-            <a:endParaRPr lang="it-IT" sz="1200" dirty="0" smtClean="0">
-              <a:cs typeface="Courier New" pitchFamily="49" charset="0"/>
-            </a:endParaRPr>
-          </a:p>
-          <a:p>
-            <a:pPr marL="1587" lvl="1" indent="0" algn="ctr" eaLnBrk="1" hangingPunct="1">
-              <a:spcBef>
-                <a:spcPct val="0"/>
-              </a:spcBef>
-              <a:spcAft>
-                <a:spcPct val="20000"/>
-              </a:spcAft>
-              <a:buSzPct val="60000"/>
-              <a:buNone/>
-              <a:defRPr/>
-            </a:pPr>
-            <a:r>
-              <a:rPr lang="it-IT" sz="2000" noProof="1" smtClean="0">
-                <a:effectLst>
-                  <a:outerShdw blurRad="50800" dist="38100" dir="2700000" algn="tl" rotWithShape="0">
-                    <a:prstClr val="black">
-                      <a:alpha val="40000"/>
-                    </a:prstClr>
-                  </a:outerShdw>
-                </a:effectLst>
-                <a:cs typeface="Courier New" pitchFamily="49" charset="0"/>
-              </a:rPr>
-              <a:t>Login da un programma Python</a:t>
-            </a:r>
-          </a:p>
-          <a:p>
-            <a:pPr marL="1587" lvl="1" indent="0" eaLnBrk="1" hangingPunct="1">
-              <a:spcBef>
-                <a:spcPct val="0"/>
-              </a:spcBef>
-              <a:spcAft>
-                <a:spcPct val="20000"/>
-              </a:spcAft>
-              <a:buSzPct val="60000"/>
-              <a:buNone/>
-              <a:defRPr/>
-            </a:pPr>
-            <a:endParaRPr lang="it-IT" sz="1200" dirty="0" smtClean="0">
-              <a:cs typeface="Courier New" pitchFamily="49" charset="0"/>
-            </a:endParaRPr>
-          </a:p>
-          <a:p>
-            <a:pPr marL="1587" lvl="1" indent="0" eaLnBrk="1" hangingPunct="1">
-              <a:spcBef>
-                <a:spcPct val="0"/>
-              </a:spcBef>
-              <a:spcAft>
-                <a:spcPct val="20000"/>
-              </a:spcAft>
-              <a:buSzPct val="60000"/>
-              <a:buNone/>
-              <a:defRPr/>
-            </a:pPr>
-            <a:endParaRPr lang="it-IT" sz="1200" dirty="0">
-              <a:cs typeface="Courier New" pitchFamily="49" charset="0"/>
-            </a:endParaRPr>
-          </a:p>
-          <a:p>
-            <a:pPr marL="87313" lvl="1" indent="0" eaLnBrk="1" hangingPunct="1">
-              <a:spcBef>
-                <a:spcPct val="0"/>
-              </a:spcBef>
-              <a:spcAft>
-                <a:spcPct val="20000"/>
-              </a:spcAft>
-              <a:buSzPct val="60000"/>
-              <a:buNone/>
-              <a:tabLst>
-                <a:tab pos="4125913" algn="r"/>
-              </a:tabLst>
-              <a:defRPr/>
-            </a:pPr>
-            <a:r>
-              <a:rPr lang="it-IT" sz="1400" noProof="1" smtClean="0">
-                <a:latin typeface="Calibri" pitchFamily="34" charset="0"/>
-                <a:cs typeface="Calibri" pitchFamily="34" charset="0"/>
-              </a:rPr>
-              <a:t>import shibauth</a:t>
-            </a:r>
-          </a:p>
-          <a:p>
-            <a:pPr marL="87313" lvl="1" indent="0" eaLnBrk="1" hangingPunct="1">
-              <a:spcBef>
-                <a:spcPct val="0"/>
-              </a:spcBef>
-              <a:spcAft>
-                <a:spcPct val="20000"/>
-              </a:spcAft>
-              <a:buSzPct val="60000"/>
-              <a:buNone/>
-              <a:tabLst>
-                <a:tab pos="4125913" algn="r"/>
-              </a:tabLst>
-              <a:defRPr/>
-            </a:pPr>
-            <a:endParaRPr lang="it-IT" sz="1400" noProof="1" smtClean="0">
-              <a:latin typeface="Calibri" pitchFamily="34" charset="0"/>
-              <a:cs typeface="Calibri" pitchFamily="34" charset="0"/>
-            </a:endParaRPr>
-          </a:p>
-          <a:p>
-            <a:pPr marL="87313" lvl="1" indent="0" eaLnBrk="1" hangingPunct="1">
-              <a:spcBef>
-                <a:spcPct val="0"/>
-              </a:spcBef>
-              <a:spcAft>
-                <a:spcPct val="20000"/>
-              </a:spcAft>
-              <a:buSzPct val="60000"/>
-              <a:buNone/>
-              <a:tabLst>
-                <a:tab pos="4125913" algn="r"/>
-              </a:tabLst>
-              <a:defRPr/>
-            </a:pPr>
-            <a:r>
-              <a:rPr lang="it-IT" sz="1400" noProof="1" smtClean="0">
-                <a:latin typeface="Calibri" pitchFamily="34" charset="0"/>
-                <a:cs typeface="Calibri" pitchFamily="34" charset="0"/>
-              </a:rPr>
-              <a:t>if __name__ == "__main__":</a:t>
-            </a:r>
-          </a:p>
-          <a:p>
-            <a:pPr marL="87313" lvl="1" indent="0" eaLnBrk="1" hangingPunct="1">
-              <a:spcBef>
-                <a:spcPct val="0"/>
-              </a:spcBef>
-              <a:spcAft>
-                <a:spcPct val="20000"/>
-              </a:spcAft>
-              <a:buSzPct val="60000"/>
-              <a:buNone/>
-              <a:tabLst>
-                <a:tab pos="4125913" algn="r"/>
-              </a:tabLst>
-              <a:defRPr/>
-            </a:pPr>
-            <a:r>
-              <a:rPr lang="it-IT" sz="1400" noProof="1" smtClean="0">
-                <a:latin typeface="Calibri" pitchFamily="34" charset="0"/>
-                <a:cs typeface="Calibri" pitchFamily="34" charset="0"/>
-              </a:rPr>
-              <a:t>     username = raw_input('Enter username: ')</a:t>
-            </a:r>
-          </a:p>
-          <a:p>
-            <a:pPr marL="87313" lvl="1" indent="0" eaLnBrk="1" hangingPunct="1">
-              <a:spcBef>
-                <a:spcPct val="0"/>
-              </a:spcBef>
-              <a:spcAft>
-                <a:spcPct val="20000"/>
-              </a:spcAft>
-              <a:buSzPct val="60000"/>
-              <a:buNone/>
-              <a:tabLst>
-                <a:tab pos="4125913" algn="r"/>
-              </a:tabLst>
-              <a:defRPr/>
-            </a:pPr>
-            <a:r>
-              <a:rPr lang="it-IT" sz="1400" noProof="1" smtClean="0">
-                <a:latin typeface="Calibri" pitchFamily="34" charset="0"/>
-                <a:cs typeface="Calibri" pitchFamily="34" charset="0"/>
-              </a:rPr>
-              <a:t>     password = getpass.getpass('Enter password: ')</a:t>
-            </a:r>
-          </a:p>
-          <a:p>
-            <a:pPr marL="87313" lvl="1" indent="0" eaLnBrk="1" hangingPunct="1">
-              <a:spcBef>
-                <a:spcPct val="0"/>
-              </a:spcBef>
-              <a:spcAft>
-                <a:spcPct val="20000"/>
-              </a:spcAft>
-              <a:buSzPct val="60000"/>
-              <a:buNone/>
-              <a:tabLst>
-                <a:tab pos="4125913" algn="r"/>
-              </a:tabLst>
-              <a:defRPr/>
-            </a:pPr>
-            <a:r>
-              <a:rPr lang="it-IT" sz="1400" noProof="1" smtClean="0">
-                <a:latin typeface="Calibri" pitchFamily="34" charset="0"/>
-                <a:cs typeface="Calibri" pitchFamily="34" charset="0"/>
-              </a:rPr>
-              <a:t>     try:</a:t>
-            </a:r>
-          </a:p>
-          <a:p>
-            <a:pPr marL="87313" lvl="1" indent="0" eaLnBrk="1" hangingPunct="1">
-              <a:spcBef>
-                <a:spcPct val="0"/>
-              </a:spcBef>
-              <a:spcAft>
-                <a:spcPct val="20000"/>
-              </a:spcAft>
-              <a:buSzPct val="60000"/>
-              <a:buNone/>
-              <a:tabLst>
-                <a:tab pos="4125913" algn="r"/>
-              </a:tabLst>
-              <a:defRPr/>
-            </a:pPr>
-            <a:r>
-              <a:rPr lang="it-IT" sz="1400" noProof="1" smtClean="0">
-                <a:latin typeface="Calibri" pitchFamily="34" charset="0"/>
-                <a:cs typeface="Calibri" pitchFamily="34" charset="0"/>
-              </a:rPr>
-              <a:t>          loggeduser, session = 	shibauth.login(username, password)</a:t>
-            </a:r>
-          </a:p>
-          <a:p>
-            <a:pPr marL="87313" lvl="1" indent="0" eaLnBrk="1" hangingPunct="1">
-              <a:spcBef>
-                <a:spcPct val="0"/>
-              </a:spcBef>
-              <a:spcAft>
-                <a:spcPct val="20000"/>
-              </a:spcAft>
-              <a:buSzPct val="60000"/>
-              <a:buNone/>
-              <a:tabLst>
-                <a:tab pos="4125913" algn="r"/>
-              </a:tabLst>
-              <a:defRPr/>
-            </a:pPr>
-            <a:r>
-              <a:rPr lang="it-IT" sz="1400" noProof="1" smtClean="0">
-                <a:latin typeface="Calibri" pitchFamily="34" charset="0"/>
-                <a:cs typeface="Calibri" pitchFamily="34" charset="0"/>
-              </a:rPr>
-              <a:t>          print "User logged in successfully."</a:t>
-            </a:r>
-          </a:p>
-          <a:p>
-            <a:pPr marL="87313" lvl="1" indent="0" eaLnBrk="1" hangingPunct="1">
-              <a:spcBef>
-                <a:spcPct val="0"/>
-              </a:spcBef>
-              <a:spcAft>
-                <a:spcPct val="20000"/>
-              </a:spcAft>
-              <a:buSzPct val="60000"/>
-              <a:buNone/>
-              <a:tabLst>
-                <a:tab pos="4125913" algn="r"/>
-              </a:tabLst>
-              <a:defRPr/>
-            </a:pPr>
-            <a:r>
-              <a:rPr lang="it-IT" sz="1400" noProof="1" smtClean="0">
-                <a:latin typeface="Calibri" pitchFamily="34" charset="0"/>
-                <a:cs typeface="Calibri" pitchFamily="34" charset="0"/>
-              </a:rPr>
-              <a:t>     except Exception, e:</a:t>
-            </a:r>
-          </a:p>
-          <a:p>
-            <a:pPr marL="87313" lvl="1" indent="0" eaLnBrk="1" hangingPunct="1">
-              <a:spcBef>
-                <a:spcPct val="0"/>
-              </a:spcBef>
-              <a:spcAft>
-                <a:spcPct val="20000"/>
-              </a:spcAft>
-              <a:buSzPct val="60000"/>
-              <a:buNone/>
-              <a:tabLst>
-                <a:tab pos="4125913" algn="r"/>
-              </a:tabLst>
-              <a:defRPr/>
-            </a:pPr>
-            <a:r>
-              <a:rPr lang="it-IT" sz="1400" noProof="1" smtClean="0">
-                <a:latin typeface="Calibri" pitchFamily="34" charset="0"/>
-                <a:cs typeface="Calibri" pitchFamily="34" charset="0"/>
-              </a:rPr>
-              <a:t>          print "Error logging in user: %s" % e</a:t>
-            </a:r>
-            <a:endParaRPr lang="it-IT" sz="1400" noProof="1">
-              <a:solidFill>
-                <a:schemeClr val="bg2">
-                  <a:lumMod val="25000"/>
-                </a:schemeClr>
-              </a:solidFill>
-              <a:latin typeface="Calibri" pitchFamily="34" charset="0"/>
-              <a:cs typeface="Calibri" pitchFamily="34" charset="0"/>
-            </a:endParaRPr>
-          </a:p>
-        </p:txBody>
-      </p:sp>
-    </p:spTree>
-    <p:extLst>
-      <p:ext uri="{BB962C8B-B14F-4D97-AF65-F5344CB8AC3E}">
-        <p14:creationId xmlns:p14="http://schemas.microsoft.com/office/powerpoint/2010/main" xmlns="" val="3889417410"/>
-      </p:ext>
-    </p:extLst>
-  </p:cSld>
-  <p:clrMapOvr>
-    <a:masterClrMapping/>
-  </p:clrMapOvr>
-  <p:transition>
-    <p:fade/>
-  </p:transition>
-  <p:timing>
-    <p:tnLst>
-      <p:par>
-        <p:cTn id="1" dur="indefinite" restart="never" nodeType="tmRoot"/>
-      </p:par>
-    </p:tnLst>
-  </p:timing>
-</p:sld>
-</file>
-
-<file path=ppt/slides/slide18.xml><?xml version="1.0" encoding="utf-8"?>
-<p:sld xmlns:a="http://schemas.openxmlformats.org/drawingml/2006/main" xmlns:r="http://schemas.openxmlformats.org/officeDocument/2006/relationships" xmlns:p="http://schemas.openxmlformats.org/presentationml/2006/main">
-  <p:cSld>
-    <p:spTree>
-      <p:nvGrpSpPr>
-        <p:cNvPr id="1" name=""/>
-        <p:cNvGrpSpPr/>
-        <p:nvPr/>
-      </p:nvGrpSpPr>
-      <p:grpSpPr>
-        <a:xfrm>
-          <a:off x="0" y="0"/>
-          <a:ext cx="0" cy="0"/>
-          <a:chOff x="0" y="0"/>
-          <a:chExt cx="0" cy="0"/>
-        </a:xfrm>
-      </p:grpSpPr>
-      <p:sp>
-        <p:nvSpPr>
-          <p:cNvPr id="7170" name="Rectangle 2"/>
-          <p:cNvSpPr>
-            <a:spLocks noGrp="1" noChangeArrowheads="1"/>
-          </p:cNvSpPr>
-          <p:nvPr>
-            <p:ph type="title"/>
-          </p:nvPr>
-        </p:nvSpPr>
-        <p:spPr/>
-        <p:txBody>
-          <a:bodyPr/>
-          <a:lstStyle/>
-          <a:p>
-            <a:pPr eaLnBrk="1" hangingPunct="1"/>
-            <a:r>
-              <a:rPr lang="en-GB" sz="2800" b="0" dirty="0">
-                <a:latin typeface="Arial Unicode MS"/>
-                <a:ea typeface="Arial Unicode MS"/>
-                <a:cs typeface="Arial Unicode MS"/>
-              </a:rPr>
               <a:t>②</a:t>
             </a:r>
             <a:r>
@@ -9632,7 +9107,7 @@
 </p:sld>
 </file>
 
-<file path=ppt/slides/slide19.xml><?xml version="1.0" encoding="utf-8"?>
+<file path=ppt/slides/slide18.xml><?xml version="1.0" encoding="utf-8"?>
 <p:sld xmlns:a="http://schemas.openxmlformats.org/drawingml/2006/main" xmlns:r="http://schemas.openxmlformats.org/officeDocument/2006/relationships" xmlns:p="http://schemas.openxmlformats.org/presentationml/2006/main">
   <p:cSld>
     <p:spTree>
@@ -10798,7 +10273,7 @@
               <a:t>di integrare </a:t>
             </a:r>
             <a:r>
-              <a:rPr lang="it-IT" sz="2400" dirty="0" err="1" smtClean="0">
+              <a:rPr lang="it-IT" sz="2400" u="sng" dirty="0" err="1" smtClean="0">
                 <a:latin typeface="Calibri" pitchFamily="34" charset="0"/>
               </a:rPr>
               <a:t>nativamente</a:t>
@@ -10891,37 +10366,19 @@
               <a:rPr lang="it-IT" sz="2400" dirty="0" smtClean="0">
                 <a:latin typeface="Calibri" pitchFamily="34" charset="0"/>
               </a:rPr>
-              <a:t> che effettuano </a:t>
+              <a:t> che effettuano un’autenticazione nativa tramite </a:t>
+            </a:r>
+            <a:r>
+              <a:rPr lang="it-IT" sz="2400" dirty="0" err="1" smtClean="0">
+                <a:latin typeface="Calibri" pitchFamily="34" charset="0"/>
+              </a:rPr>
+              <a:t>Shibboleth</a:t>
             </a:r>
             <a:r>
               <a:rPr lang="it-IT" sz="2400" dirty="0" smtClean="0">
                 <a:latin typeface="Calibri" pitchFamily="34" charset="0"/>
               </a:rPr>
-              <a:t>un’autenticazione nativa </a:t>
-            </a:r>
-            <a:r>
-              <a:rPr lang="it-IT" sz="2400" dirty="0" smtClean="0">
-                <a:latin typeface="Calibri" pitchFamily="34" charset="0"/>
-              </a:rPr>
-              <a:t>tramite </a:t>
-            </a:r>
-            <a:r>
-              <a:rPr lang="it-IT" sz="2400" dirty="0" err="1" smtClean="0">
-                <a:latin typeface="Calibri" pitchFamily="34" charset="0"/>
-              </a:rPr>
-              <a:t>Shibboleth</a:t>
-            </a:r>
-            <a:r>
-              <a:rPr lang="it-IT" sz="2400" dirty="0" smtClean="0">
-                <a:latin typeface="Calibri" pitchFamily="34" charset="0"/>
-              </a:rPr>
-              <a:t> (con una gestione completa </a:t>
-            </a:r>
-            <a:r>
-              <a:rPr lang="it-IT" sz="2400" dirty="0" smtClean="0">
-                <a:latin typeface="Calibri" pitchFamily="34" charset="0"/>
-              </a:rPr>
-              <a:t>degli attributi della sessione utente).</a:t>
+              <a:t> (con una gestione completa degli attributi della sessione utente).</a:t>
             </a:r>
             <a:endParaRPr lang="it-IT" sz="2400" dirty="0">
               <a:latin typeface="Calibri" pitchFamily="34" charset="0"/>
@@ -11104,13 +10561,7 @@
               <a:rPr lang="it-IT" sz="2400" dirty="0" smtClean="0">
                 <a:latin typeface="Calibri" pitchFamily="34" charset="0"/>
               </a:rPr>
-              <a:t>come strumento di autenticazione per macchine </a:t>
-            </a:r>
-            <a:r>
-              <a:rPr lang="it-IT" sz="2400" dirty="0" smtClean="0">
-                <a:latin typeface="Calibri" pitchFamily="34" charset="0"/>
-              </a:rPr>
-              <a:t>Linux (login come utente del sistema).</a:t>
+              <a:t>come strumento di autenticazione per macchine Linux (login come utente del sistema).</a:t>
             </a:r>
             <a:endParaRPr lang="it-IT" sz="2400" dirty="0">
               <a:latin typeface="Calibri" pitchFamily="34" charset="0"/>
@@ -11196,9 +10647,6 @@
               </a:rPr>
               <a:t>web ma necessitano di appoggiarsi all’autenticazione del sistema operativo linux.</a:t>
             </a:r>
-            <a:endParaRPr lang="it-IT" sz="2400" dirty="0" smtClean="0">
-              <a:latin typeface="Calibri" pitchFamily="34" charset="0"/>
-            </a:endParaRPr>
           </a:p>
           <a:p>
             <a:pPr marL="796925" lvl="1" eaLnBrk="1" hangingPunct="1">
@@ -11356,7 +10804,7 @@
           <p:nvPr>
             <p:extLst>
               <p:ext uri="{D42A27DB-BD31-4B8C-83A1-F6EECF244321}">
-                <p14:modId xmlns:p14="http://schemas.microsoft.com/office/powerpoint/2010/main" xmlns="" val="2871808066"/>
+                <p14:modId xmlns:p14="http://schemas.microsoft.com/office/powerpoint/2010/main" xmlns="" val="2473239228"/>
               </p:ext>
             </p:extLst>
           </p:nvPr>
@@ -11367,7 +10815,7 @@
         </p:xfrm>
         <a:graphic>
           <a:graphicData uri="http://schemas.openxmlformats.org/presentationml/2006/ole">
-            <p:oleObj spid="_x0000_s3085" name="Visio" r:id="rId4" imgW="5284611" imgH="3772440" progId="">
+            <p:oleObj spid="_x0000_s5123" name="Visio" r:id="rId4" imgW="5284611" imgH="3772440" progId="">
               <p:embed/>
             </p:oleObj>
           </a:graphicData>
@@ -11416,7 +10864,7 @@
     </p:spTree>
     <p:extLst>
       <p:ext uri="{BB962C8B-B14F-4D97-AF65-F5344CB8AC3E}">
-        <p14:creationId xmlns:p14="http://schemas.microsoft.com/office/powerpoint/2010/main" xmlns="" val="3676915095"/>
+        <p14:creationId xmlns:p14="http://schemas.microsoft.com/office/powerpoint/2010/main" xmlns="" val="2907334052"/>
       </p:ext>
     </p:extLst>
   </p:cSld>
